--- a/presentation/de/Sonic PI Workshop_de.pptx
+++ b/presentation/de/Sonic PI Workshop_de.pptx
@@ -232,7 +232,7 @@
             <a:fld id="{7FD773D1-FC60-4896-8BCC-9B28FBDAB5FD}" type="datetimeFigureOut">
               <a:rPr lang="de-DE" smtClean="0"/>
               <a:pPr/>
-              <a:t>20.04.2016</a:t>
+              <a:t>19.10.16</a:t>
             </a:fld>
             <a:endParaRPr lang="de-DE"/>
           </a:p>
@@ -299,7 +299,7 @@
             <a:fld id="{4E745014-4765-4719-A37A-A6E1AA9B1CBE}" type="slidenum">
               <a:rPr lang="de-DE" smtClean="0"/>
               <a:pPr/>
-              <a:t>‹Nr.›</a:t>
+              <a:t>‹#›</a:t>
             </a:fld>
             <a:endParaRPr lang="de-DE"/>
           </a:p>
@@ -399,7 +399,7 @@
             <a:fld id="{72145D81-8E55-40FC-9585-CFDCFEF92FEB}" type="datetimeFigureOut">
               <a:rPr lang="de-DE" smtClean="0"/>
               <a:pPr/>
-              <a:t>20.04.2016</a:t>
+              <a:t>19.10.16</a:t>
             </a:fld>
             <a:endParaRPr lang="de-DE"/>
           </a:p>
@@ -559,7 +559,7 @@
             <a:fld id="{D6E72435-FA90-4640-AFCA-E6A02F5F1494}" type="slidenum">
               <a:rPr lang="de-DE" smtClean="0"/>
               <a:pPr/>
-              <a:t>‹Nr.›</a:t>
+              <a:t>‹#›</a:t>
             </a:fld>
             <a:endParaRPr lang="de-DE"/>
           </a:p>
@@ -3999,7 +3999,7 @@
             <a:fld id="{421FAFA7-FD27-4797-86F0-797A053F7FF1}" type="datetimeFigureOut">
               <a:rPr lang="de-DE" smtClean="0"/>
               <a:pPr/>
-              <a:t>20.04.2016</a:t>
+              <a:t>19.10.16</a:t>
             </a:fld>
             <a:endParaRPr lang="de-DE"/>
           </a:p>
@@ -4058,7 +4058,7 @@
             <a:fld id="{703B9BC4-30BC-4399-9BFE-1C5E7CA4881A}" type="slidenum">
               <a:rPr lang="de-DE" smtClean="0"/>
               <a:pPr/>
-              <a:t>‹Nr.›</a:t>
+              <a:t>‹#›</a:t>
             </a:fld>
             <a:endParaRPr lang="de-DE"/>
           </a:p>
@@ -4248,7 +4248,7 @@
                 <a:tabLst/>
                 <a:defRPr/>
               </a:pPr>
-              <a:t>‹Nr.›</a:t>
+              <a:t>‹#›</a:t>
             </a:fld>
             <a:r>
               <a:rPr kumimoji="0" lang="de-DE" sz="1200" b="0" i="0" u="none" strike="noStrike" kern="1200" cap="none" spc="0" normalizeH="0" baseline="0" noProof="0" dirty="0" smtClean="0">
@@ -4414,7 +4414,7 @@
                 <a:tabLst/>
                 <a:defRPr/>
               </a:pPr>
-              <a:t>‹Nr.›</a:t>
+              <a:t>‹#›</a:t>
             </a:fld>
             <a:r>
               <a:rPr kumimoji="0" lang="de-DE" sz="1200" b="0" i="0" u="none" strike="noStrike" kern="1200" cap="none" spc="0" normalizeH="0" baseline="0" noProof="0" dirty="0" smtClean="0">
@@ -6201,8 +6201,8 @@
         </p:nvSpPr>
         <p:spPr>
           <a:xfrm>
-            <a:off x="404664" y="5080573"/>
-            <a:ext cx="6048672" cy="2363724"/>
+            <a:off x="404664" y="4969008"/>
+            <a:ext cx="6048672" cy="3151632"/>
           </a:xfrm>
         </p:spPr>
         <p:txBody>
@@ -6211,76 +6211,163 @@
           <a:p>
             <a:pPr algn="l"/>
             <a:r>
-              <a:rPr lang="de-DE" sz="1800" dirty="0" smtClean="0"/>
-              <a:t>a = 30</a:t>
+              <a:rPr lang="en-US" sz="1400" dirty="0" err="1"/>
+              <a:t>use_bpm</a:t>
+            </a:r>
+            <a:r>
+              <a:rPr lang="en-US" sz="1400" dirty="0"/>
+              <a:t> </a:t>
+            </a:r>
+            <a:r>
+              <a:rPr lang="en-US" sz="1400" dirty="0" smtClean="0"/>
+              <a:t>600</a:t>
             </a:r>
           </a:p>
           <a:p>
             <a:pPr algn="l"/>
             <a:r>
-              <a:rPr lang="de-DE" sz="1800" dirty="0" err="1" smtClean="0"/>
-              <a:t>if</a:t>
-            </a:r>
-            <a:r>
-              <a:rPr lang="de-DE" sz="1800" dirty="0" smtClean="0"/>
-              <a:t> a &lt; 100</a:t>
+              <a:rPr lang="en-US" sz="1400" dirty="0" smtClean="0"/>
+              <a:t>a </a:t>
+            </a:r>
+            <a:r>
+              <a:rPr lang="en-US" sz="1400" dirty="0"/>
+              <a:t>= </a:t>
+            </a:r>
+            <a:r>
+              <a:rPr lang="en-US" sz="1400" dirty="0" smtClean="0"/>
+              <a:t>30</a:t>
             </a:r>
           </a:p>
           <a:p>
             <a:pPr algn="l"/>
             <a:r>
-              <a:rPr lang="de-DE" sz="1800" dirty="0"/>
+              <a:rPr lang="en-US" sz="1400" dirty="0" err="1" smtClean="0"/>
+              <a:t>live_loop</a:t>
+            </a:r>
+            <a:r>
+              <a:rPr lang="en-US" sz="1400" dirty="0" smtClean="0"/>
               <a:t> </a:t>
             </a:r>
             <a:r>
-              <a:rPr lang="de-DE" sz="1800" dirty="0" smtClean="0"/>
-              <a:t>  a = a +1</a:t>
-            </a:r>
+              <a:rPr lang="en-US" sz="1400" dirty="0"/>
+              <a:t>:start do  </a:t>
+            </a:r>
+            <a:endParaRPr lang="en-US" sz="1400" dirty="0" smtClean="0"/>
           </a:p>
           <a:p>
             <a:pPr algn="l"/>
             <a:r>
-              <a:rPr lang="de-DE" sz="1800" dirty="0"/>
-              <a:t> </a:t>
-            </a:r>
-            <a:r>
-              <a:rPr lang="de-DE" sz="1800" dirty="0" smtClean="0"/>
-              <a:t>  </a:t>
-            </a:r>
-            <a:r>
-              <a:rPr lang="de-DE" sz="1800" dirty="0" err="1" smtClean="0"/>
-              <a:t>play</a:t>
-            </a:r>
-            <a:r>
-              <a:rPr lang="de-DE" sz="1800" dirty="0" smtClean="0"/>
-              <a:t> a</a:t>
-            </a:r>
+              <a:rPr lang="en-US" sz="1400" dirty="0" smtClean="0"/>
+              <a:t>   if </a:t>
+            </a:r>
+            <a:r>
+              <a:rPr lang="en-US" sz="1400" dirty="0"/>
+              <a:t>a &lt; 100    </a:t>
+            </a:r>
+            <a:endParaRPr lang="en-US" sz="1400" dirty="0" smtClean="0"/>
           </a:p>
           <a:p>
             <a:pPr algn="l"/>
             <a:r>
-              <a:rPr lang="de-DE" sz="1800" dirty="0" err="1" smtClean="0"/>
-              <a:t>else</a:t>
-            </a:r>
-            <a:endParaRPr lang="de-DE" sz="1800" dirty="0" smtClean="0"/>
+              <a:rPr lang="en-US" sz="1400" dirty="0" smtClean="0"/>
+              <a:t>     a </a:t>
+            </a:r>
+            <a:r>
+              <a:rPr lang="en-US" sz="1400" dirty="0"/>
+              <a:t>= a +1    </a:t>
+            </a:r>
+            <a:endParaRPr lang="en-US" sz="1400" dirty="0" smtClean="0"/>
           </a:p>
           <a:p>
             <a:pPr algn="l"/>
             <a:r>
-              <a:rPr lang="de-DE" sz="1800" dirty="0"/>
-              <a:t> </a:t>
-            </a:r>
-            <a:r>
-              <a:rPr lang="de-DE" sz="1800" dirty="0" smtClean="0"/>
-              <a:t>  a = 30</a:t>
-            </a:r>
+              <a:rPr lang="en-US" sz="1400" dirty="0" smtClean="0"/>
+              <a:t>     play </a:t>
+            </a:r>
+            <a:r>
+              <a:rPr lang="en-US" sz="1400" dirty="0"/>
+              <a:t>a, amp: 4    </a:t>
+            </a:r>
+            <a:endParaRPr lang="en-US" sz="1400" dirty="0" smtClean="0"/>
           </a:p>
           <a:p>
             <a:pPr algn="l"/>
             <a:r>
-              <a:rPr lang="de-DE" sz="1800" dirty="0" smtClean="0"/>
-              <a:t>end  </a:t>
-            </a:r>
+              <a:rPr lang="en-US" sz="1400" dirty="0" smtClean="0"/>
+              <a:t>     print </a:t>
+            </a:r>
+            <a:r>
+              <a:rPr lang="en-US" sz="1400" dirty="0"/>
+              <a:t>a  </a:t>
+            </a:r>
+            <a:endParaRPr lang="en-US" sz="1400" dirty="0" smtClean="0"/>
+          </a:p>
+          <a:p>
+            <a:pPr algn="l"/>
+            <a:r>
+              <a:rPr lang="en-US" sz="1400" dirty="0" smtClean="0"/>
+              <a:t>   else    </a:t>
+            </a:r>
+          </a:p>
+          <a:p>
+            <a:pPr algn="l"/>
+            <a:r>
+              <a:rPr lang="en-US" sz="1400" dirty="0" smtClean="0"/>
+              <a:t>       a </a:t>
+            </a:r>
+            <a:r>
+              <a:rPr lang="en-US" sz="1400" dirty="0"/>
+              <a:t>= 30  </a:t>
+            </a:r>
+            <a:endParaRPr lang="en-US" sz="1400" dirty="0" smtClean="0"/>
+          </a:p>
+          <a:p>
+            <a:pPr algn="l"/>
+            <a:r>
+              <a:rPr lang="en-US" sz="1400" dirty="0" smtClean="0"/>
+              <a:t>   end  </a:t>
+            </a:r>
+          </a:p>
+          <a:p>
+            <a:pPr algn="l"/>
+            <a:r>
+              <a:rPr lang="en-US" sz="1400" dirty="0" smtClean="0"/>
+              <a:t>   sleep 1</a:t>
+            </a:r>
+          </a:p>
+          <a:p>
+            <a:pPr algn="l"/>
+            <a:r>
+              <a:rPr lang="en-US" sz="1400" dirty="0" smtClean="0"/>
+              <a:t>end</a:t>
+            </a:r>
+            <a:endParaRPr lang="de-DE" sz="1400" dirty="0" smtClean="0"/>
+          </a:p>
+        </p:txBody>
+      </p:sp>
+      <p:sp>
+        <p:nvSpPr>
+          <p:cNvPr id="2" name="TextBox 1"/>
+          <p:cNvSpPr txBox="1"/>
+          <p:nvPr/>
+        </p:nvSpPr>
+        <p:spPr>
+          <a:xfrm>
+            <a:off x="4028303" y="7117492"/>
+            <a:ext cx="184731" cy="369332"/>
+          </a:xfrm>
+          <a:prstGeom prst="rect">
+            <a:avLst/>
+          </a:prstGeom>
+          <a:noFill/>
+        </p:spPr>
+        <p:txBody>
+          <a:bodyPr wrap="none" rtlCol="0">
+            <a:spAutoFit/>
+          </a:bodyPr>
+          <a:lstStyle/>
+          <a:p>
+            <a:endParaRPr lang="de-DE" dirty="0"/>
           </a:p>
         </p:txBody>
       </p:sp>
@@ -6357,7 +6444,7 @@
         <p:spPr>
           <a:xfrm>
             <a:off x="404664" y="3203848"/>
-            <a:ext cx="6453336" cy="1311128"/>
+            <a:ext cx="6453336" cy="1175706"/>
           </a:xfrm>
         </p:spPr>
         <p:txBody>
@@ -6369,11 +6456,11 @@
               <a:buChar char="-"/>
             </a:pPr>
             <a:r>
-              <a:rPr lang="de-DE" dirty="0" smtClean="0"/>
+              <a:rPr lang="de-DE" sz="1600" dirty="0" smtClean="0"/>
               <a:t>Fx </a:t>
             </a:r>
             <a:r>
-              <a:rPr lang="de-DE" dirty="0"/>
+              <a:rPr lang="de-DE" sz="1600" dirty="0"/>
               <a:t>steht für „Effects“ = Effekte. Jeder Effekt kann auch „Parameter“ haben: Hier die Größe des Raums für den Hall</a:t>
             </a:r>
           </a:p>
@@ -6383,11 +6470,11 @@
               <a:buChar char="-"/>
             </a:pPr>
             <a:r>
-              <a:rPr lang="de-DE" dirty="0"/>
+              <a:rPr lang="de-DE" sz="1600" dirty="0"/>
               <a:t>Probiere andere Effekte aus (siehe Fx in der Hilfe</a:t>
             </a:r>
             <a:r>
-              <a:rPr lang="de-DE" dirty="0" smtClean="0"/>
+              <a:rPr lang="de-DE" sz="1600" dirty="0" smtClean="0"/>
               <a:t>)</a:t>
             </a:r>
           </a:p>
@@ -6397,10 +6484,14 @@
               <a:buChar char="-"/>
             </a:pPr>
             <a:r>
-              <a:rPr lang="de-DE" dirty="0" smtClean="0"/>
-              <a:t>Verwende play und choose mit Geschwindigkeit 300</a:t>
-            </a:r>
-            <a:endParaRPr lang="de-DE" dirty="0"/>
+              <a:rPr lang="de-DE" sz="1600" dirty="0" smtClean="0"/>
+              <a:t>Verwende play und choose mit Geschwindigkeit </a:t>
+            </a:r>
+            <a:r>
+              <a:rPr lang="de-DE" sz="1600" dirty="0" smtClean="0"/>
+              <a:t>300 (siehe Seite 9b)</a:t>
+            </a:r>
+            <a:endParaRPr lang="de-DE" sz="1600" dirty="0"/>
           </a:p>
         </p:txBody>
       </p:sp>
@@ -12218,26 +12309,41 @@
         <p:spPr>
           <a:xfrm>
             <a:off x="404664" y="576094"/>
-            <a:ext cx="6048672" cy="1557349"/>
+            <a:ext cx="6048672" cy="2074414"/>
           </a:xfrm>
         </p:spPr>
         <p:txBody>
           <a:bodyPr/>
           <a:lstStyle/>
           <a:p>
+            <a:pPr algn="ctr"/>
+            <a:r>
+              <a:rPr lang="de-DE" dirty="0" smtClean="0"/>
+              <a:t>Füge den folgenden Befehl hinzu</a:t>
+            </a:r>
+            <a:endParaRPr lang="de-DE" dirty="0"/>
+          </a:p>
+          <a:p>
+            <a:pPr algn="ctr"/>
             <a:endParaRPr lang="de-DE" dirty="0" smtClean="0"/>
           </a:p>
           <a:p>
+            <a:pPr algn="ctr"/>
             <a:r>
               <a:rPr lang="de-DE" dirty="0" err="1" smtClean="0"/>
               <a:t>use_synth</a:t>
             </a:r>
             <a:r>
               <a:rPr lang="de-DE" dirty="0" smtClean="0"/>
-              <a:t> :saw</a:t>
-            </a:r>
-          </a:p>
-          <a:p>
+              <a:t> </a:t>
+            </a:r>
+            <a:r>
+              <a:rPr lang="de-DE" dirty="0" smtClean="0"/>
+              <a:t>:saw</a:t>
+            </a:r>
+          </a:p>
+          <a:p>
+            <a:pPr algn="ctr"/>
             <a:endParaRPr lang="de-DE" dirty="0"/>
           </a:p>
         </p:txBody>

--- a/presentation/de/Sonic PI Workshop_de.pptx
+++ b/presentation/de/Sonic PI Workshop_de.pptx
@@ -5,10 +5,10 @@
     <p:sldMasterId id="2147483648" r:id="rId1"/>
   </p:sldMasterIdLst>
   <p:notesMasterIdLst>
-    <p:notesMasterId r:id="rId20"/>
+    <p:notesMasterId r:id="rId21"/>
   </p:notesMasterIdLst>
   <p:handoutMasterIdLst>
-    <p:handoutMasterId r:id="rId21"/>
+    <p:handoutMasterId r:id="rId22"/>
   </p:handoutMasterIdLst>
   <p:sldIdLst>
     <p:sldId id="262" r:id="rId2"/>
@@ -25,10 +25,11 @@
     <p:sldId id="266" r:id="rId13"/>
     <p:sldId id="267" r:id="rId14"/>
     <p:sldId id="273" r:id="rId15"/>
-    <p:sldId id="276" r:id="rId16"/>
-    <p:sldId id="270" r:id="rId17"/>
-    <p:sldId id="272" r:id="rId18"/>
-    <p:sldId id="271" r:id="rId19"/>
+    <p:sldId id="277" r:id="rId16"/>
+    <p:sldId id="276" r:id="rId17"/>
+    <p:sldId id="270" r:id="rId18"/>
+    <p:sldId id="272" r:id="rId19"/>
+    <p:sldId id="271" r:id="rId20"/>
   </p:sldIdLst>
   <p:sldSz cx="6858000" cy="9144000" type="screen4x3"/>
   <p:notesSz cx="6858000" cy="9144000"/>
@@ -232,7 +233,7 @@
             <a:fld id="{7FD773D1-FC60-4896-8BCC-9B28FBDAB5FD}" type="datetimeFigureOut">
               <a:rPr lang="de-DE" smtClean="0"/>
               <a:pPr/>
-              <a:t>19.10.16</a:t>
+              <a:t>02.11.16</a:t>
             </a:fld>
             <a:endParaRPr lang="de-DE"/>
           </a:p>
@@ -399,7 +400,7 @@
             <a:fld id="{72145D81-8E55-40FC-9585-CFDCFEF92FEB}" type="datetimeFigureOut">
               <a:rPr lang="de-DE" smtClean="0"/>
               <a:pPr/>
-              <a:t>19.10.16</a:t>
+              <a:t>02.11.16</a:t>
             </a:fld>
             <a:endParaRPr lang="de-DE"/>
           </a:p>
@@ -1253,7 +1254,7 @@
     </p:spTree>
     <p:extLst>
       <p:ext uri="{BB962C8B-B14F-4D97-AF65-F5344CB8AC3E}">
-        <p14:creationId xmlns:p14="http://schemas.microsoft.com/office/powerpoint/2010/main" val="2903287065"/>
+        <p14:creationId xmlns:p14="http://schemas.microsoft.com/office/powerpoint/2010/main" val="518506374"/>
       </p:ext>
     </p:extLst>
   </p:cSld>
@@ -1338,7 +1339,7 @@
     </p:spTree>
     <p:extLst>
       <p:ext uri="{BB962C8B-B14F-4D97-AF65-F5344CB8AC3E}">
-        <p14:creationId xmlns:p14="http://schemas.microsoft.com/office/powerpoint/2010/main" val="4254741149"/>
+        <p14:creationId xmlns:p14="http://schemas.microsoft.com/office/powerpoint/2010/main" val="2903287065"/>
       </p:ext>
     </p:extLst>
   </p:cSld>
@@ -1392,7 +1393,7 @@
           <a:bodyPr/>
           <a:lstStyle/>
           <a:p>
-            <a:endParaRPr lang="de-DE" dirty="0"/>
+            <a:endParaRPr lang="de-DE"/>
           </a:p>
         </p:txBody>
       </p:sp>
@@ -1423,7 +1424,7 @@
     </p:spTree>
     <p:extLst>
       <p:ext uri="{BB962C8B-B14F-4D97-AF65-F5344CB8AC3E}">
-        <p14:creationId xmlns:p14="http://schemas.microsoft.com/office/powerpoint/2010/main" val="4054934049"/>
+        <p14:creationId xmlns:p14="http://schemas.microsoft.com/office/powerpoint/2010/main" val="4254741149"/>
       </p:ext>
     </p:extLst>
   </p:cSld>
@@ -1477,7 +1478,7 @@
           <a:bodyPr/>
           <a:lstStyle/>
           <a:p>
-            <a:endParaRPr lang="de-DE" dirty="0"/>
+            <a:endParaRPr lang="de-DE"/>
           </a:p>
         </p:txBody>
       </p:sp>
@@ -1500,6 +1501,91 @@
               <a:rPr lang="de-DE" smtClean="0"/>
               <a:pPr/>
               <a:t>18</a:t>
+            </a:fld>
+            <a:endParaRPr lang="de-DE"/>
+          </a:p>
+        </p:txBody>
+      </p:sp>
+    </p:spTree>
+    <p:extLst>
+      <p:ext uri="{BB962C8B-B14F-4D97-AF65-F5344CB8AC3E}">
+        <p14:creationId xmlns:p14="http://schemas.microsoft.com/office/powerpoint/2010/main" val="4054934049"/>
+      </p:ext>
+    </p:extLst>
+  </p:cSld>
+  <p:clrMapOvr>
+    <a:masterClrMapping/>
+  </p:clrMapOvr>
+</p:notes>
+</file>
+
+<file path=ppt/notesSlides/notesSlide19.xml><?xml version="1.0" encoding="utf-8"?>
+<p:notes xmlns:a="http://schemas.openxmlformats.org/drawingml/2006/main" xmlns:r="http://schemas.openxmlformats.org/officeDocument/2006/relationships" xmlns:p="http://schemas.openxmlformats.org/presentationml/2006/main">
+  <p:cSld>
+    <p:spTree>
+      <p:nvGrpSpPr>
+        <p:cNvPr id="1" name=""/>
+        <p:cNvGrpSpPr/>
+        <p:nvPr/>
+      </p:nvGrpSpPr>
+      <p:grpSpPr>
+        <a:xfrm>
+          <a:off x="0" y="0"/>
+          <a:ext cx="0" cy="0"/>
+          <a:chOff x="0" y="0"/>
+          <a:chExt cx="0" cy="0"/>
+        </a:xfrm>
+      </p:grpSpPr>
+      <p:sp>
+        <p:nvSpPr>
+          <p:cNvPr id="2" name="Slide Image Placeholder 1"/>
+          <p:cNvSpPr>
+            <a:spLocks noGrp="1" noRot="1" noChangeAspect="1"/>
+          </p:cNvSpPr>
+          <p:nvPr>
+            <p:ph type="sldImg"/>
+          </p:nvPr>
+        </p:nvSpPr>
+        <p:spPr/>
+      </p:sp>
+      <p:sp>
+        <p:nvSpPr>
+          <p:cNvPr id="3" name="Notes Placeholder 2"/>
+          <p:cNvSpPr>
+            <a:spLocks noGrp="1"/>
+          </p:cNvSpPr>
+          <p:nvPr>
+            <p:ph type="body" idx="1"/>
+          </p:nvPr>
+        </p:nvSpPr>
+        <p:spPr/>
+        <p:txBody>
+          <a:bodyPr/>
+          <a:lstStyle/>
+          <a:p>
+            <a:endParaRPr lang="de-DE"/>
+          </a:p>
+        </p:txBody>
+      </p:sp>
+      <p:sp>
+        <p:nvSpPr>
+          <p:cNvPr id="4" name="Slide Number Placeholder 3"/>
+          <p:cNvSpPr>
+            <a:spLocks noGrp="1"/>
+          </p:cNvSpPr>
+          <p:nvPr>
+            <p:ph type="sldNum" sz="quarter" idx="10"/>
+          </p:nvPr>
+        </p:nvSpPr>
+        <p:spPr/>
+        <p:txBody>
+          <a:bodyPr/>
+          <a:lstStyle/>
+          <a:p>
+            <a:fld id="{D6E72435-FA90-4640-AFCA-E6A02F5F1494}" type="slidenum">
+              <a:rPr lang="de-DE" smtClean="0"/>
+              <a:pPr/>
+              <a:t>19</a:t>
             </a:fld>
             <a:endParaRPr lang="de-DE"/>
           </a:p>
@@ -3999,7 +4085,7 @@
             <a:fld id="{421FAFA7-FD27-4797-86F0-797A053F7FF1}" type="datetimeFigureOut">
               <a:rPr lang="de-DE" smtClean="0"/>
               <a:pPr/>
-              <a:t>19.10.16</a:t>
+              <a:t>02.11.16</a:t>
             </a:fld>
             <a:endParaRPr lang="de-DE"/>
           </a:p>
@@ -4251,7 +4337,7 @@
               <a:t>‹#›</a:t>
             </a:fld>
             <a:r>
-              <a:rPr kumimoji="0" lang="de-DE" sz="1200" b="0" i="0" u="none" strike="noStrike" kern="1200" cap="none" spc="0" normalizeH="0" baseline="0" noProof="0" dirty="0" smtClean="0">
+              <a:rPr kumimoji="0" lang="de-DE" sz="1200" b="0" i="0" u="none" strike="noStrike" kern="1200" cap="none" spc="0" normalizeH="0" baseline="0" noProof="0" smtClean="0">
                 <a:ln>
                   <a:noFill/>
                 </a:ln>
@@ -4417,7 +4503,7 @@
               <a:t>‹#›</a:t>
             </a:fld>
             <a:r>
-              <a:rPr kumimoji="0" lang="de-DE" sz="1200" b="0" i="0" u="none" strike="noStrike" kern="1200" cap="none" spc="0" normalizeH="0" baseline="0" noProof="0" dirty="0" smtClean="0">
+              <a:rPr kumimoji="0" lang="de-DE" sz="1200" b="0" i="0" u="none" strike="noStrike" kern="1200" cap="none" spc="0" normalizeH="0" baseline="0" noProof="0" smtClean="0">
                 <a:ln>
                   <a:noFill/>
                 </a:ln>
@@ -4838,18 +4924,45 @@
           <a:bodyPr/>
           <a:lstStyle/>
           <a:p>
+            <a:endParaRPr lang="de-DE" dirty="0"/>
+          </a:p>
+        </p:txBody>
+      </p:sp>
+      <p:sp>
+        <p:nvSpPr>
+          <p:cNvPr id="6" name="Textplatzhalter 5"/>
+          <p:cNvSpPr>
+            <a:spLocks noGrp="1"/>
+          </p:cNvSpPr>
+          <p:nvPr>
+            <p:ph type="body" sz="quarter" idx="20"/>
+          </p:nvPr>
+        </p:nvSpPr>
+        <p:spPr/>
+        <p:txBody>
+          <a:bodyPr/>
+          <a:lstStyle/>
+          <a:p>
+            <a:r>
+              <a:rPr lang="de-DE" dirty="0" err="1" smtClean="0"/>
+              <a:t>Venwende</a:t>
+            </a:r>
+            <a:r>
+              <a:rPr lang="de-DE" smtClean="0"/>
+              <a:t> den Buffer 0 in Sonic Pi</a:t>
+            </a:r>
             <a:endParaRPr lang="de-DE"/>
           </a:p>
         </p:txBody>
       </p:sp>
       <p:sp>
         <p:nvSpPr>
-          <p:cNvPr id="6" name="Textplatzhalter 5"/>
-          <p:cNvSpPr>
-            <a:spLocks noGrp="1"/>
-          </p:cNvSpPr>
-          <p:nvPr>
-            <p:ph type="body" sz="quarter" idx="20"/>
+          <p:cNvPr id="7" name="Textplatzhalter 6"/>
+          <p:cNvSpPr>
+            <a:spLocks noGrp="1"/>
+          </p:cNvSpPr>
+          <p:nvPr>
+            <p:ph type="body" sz="quarter" idx="21"/>
           </p:nvPr>
         </p:nvSpPr>
         <p:spPr/>
@@ -4858,33 +4971,10 @@
           <a:lstStyle/>
           <a:p>
             <a:r>
-              <a:rPr lang="de-DE" dirty="0" smtClean="0"/>
-              <a:t>Venwende den Buffer 0 in Sonic Pi</a:t>
-            </a:r>
-            <a:endParaRPr lang="de-DE" dirty="0"/>
-          </a:p>
-        </p:txBody>
-      </p:sp>
-      <p:sp>
-        <p:nvSpPr>
-          <p:cNvPr id="7" name="Textplatzhalter 6"/>
-          <p:cNvSpPr>
-            <a:spLocks noGrp="1"/>
-          </p:cNvSpPr>
-          <p:nvPr>
-            <p:ph type="body" sz="quarter" idx="21"/>
-          </p:nvPr>
-        </p:nvSpPr>
-        <p:spPr/>
-        <p:txBody>
-          <a:bodyPr/>
-          <a:lstStyle/>
-          <a:p>
-            <a:r>
-              <a:rPr lang="de-DE" dirty="0" smtClean="0"/>
+              <a:rPr lang="de-DE" smtClean="0"/>
               <a:t>Buffer 0</a:t>
             </a:r>
-            <a:endParaRPr lang="de-DE" dirty="0"/>
+            <a:endParaRPr lang="de-DE"/>
           </a:p>
         </p:txBody>
       </p:sp>
@@ -4931,7 +5021,7 @@
           <a:bodyPr rtlCol="0" anchor="ctr"/>
           <a:lstStyle/>
           <a:p>
-            <a:endParaRPr lang="en-US" dirty="0" smtClean="0">
+            <a:endParaRPr lang="en-US" smtClean="0">
               <a:solidFill>
                 <a:schemeClr val="tx1"/>
               </a:solidFill>
@@ -5027,24 +5117,24 @@
           <a:p>
             <a:pPr algn="r"/>
             <a:r>
-              <a:rPr lang="de-DE" dirty="0" smtClean="0"/>
+              <a:rPr lang="de-DE" smtClean="0"/>
               <a:t>Ein Sonic Pi Workshop</a:t>
             </a:r>
           </a:p>
           <a:p>
             <a:pPr algn="r"/>
             <a:r>
-              <a:rPr lang="de-DE" dirty="0" smtClean="0"/>
+              <a:rPr lang="de-DE" smtClean="0"/>
               <a:t>für Kinder</a:t>
             </a:r>
           </a:p>
           <a:p>
             <a:pPr algn="r"/>
             <a:r>
-              <a:rPr lang="de-DE" sz="1100" dirty="0" smtClean="0"/>
+              <a:rPr lang="de-DE" sz="1100" smtClean="0"/>
               <a:t>von Stefan Höhn, Irene Höppner und Matthias Malstädt</a:t>
             </a:r>
-            <a:endParaRPr lang="de-DE" sz="1100" dirty="0"/>
+            <a:endParaRPr lang="de-DE" sz="1100"/>
           </a:p>
         </p:txBody>
       </p:sp>
@@ -5101,10 +5191,10 @@
           <a:lstStyle/>
           <a:p>
             <a:r>
-              <a:rPr lang="de-DE" dirty="0" smtClean="0"/>
+              <a:rPr lang="de-DE" smtClean="0"/>
               <a:t>Verwende Buffer 4</a:t>
             </a:r>
-            <a:endParaRPr lang="de-DE" dirty="0"/>
+            <a:endParaRPr lang="de-DE"/>
           </a:p>
         </p:txBody>
       </p:sp>
@@ -5162,10 +5252,10 @@
           <a:lstStyle/>
           <a:p>
             <a:r>
-              <a:rPr lang="de-DE" dirty="0" smtClean="0"/>
+              <a:rPr lang="de-DE" smtClean="0"/>
               <a:t>BUFFER 4</a:t>
             </a:r>
-            <a:endParaRPr lang="de-DE" dirty="0"/>
+            <a:endParaRPr lang="de-DE"/>
           </a:p>
         </p:txBody>
       </p:sp>
@@ -5263,7 +5353,7 @@
               <a:rPr lang="de-DE" smtClean="0"/>
               <a:t>Wir nennen das eine (Endlos-)Schleife</a:t>
             </a:r>
-            <a:endParaRPr lang="de-DE" dirty="0"/>
+            <a:endParaRPr lang="de-DE"/>
           </a:p>
         </p:txBody>
       </p:sp>
@@ -5288,114 +5378,135 @@
           <a:lstStyle/>
           <a:p>
             <a:r>
+              <a:rPr lang="de-DE" smtClean="0"/>
+              <a:t>Füge ein weiteres sample </a:t>
+            </a:r>
+            <a:r>
+              <a:rPr lang="de-DE" i="1" err="1" smtClean="0"/>
+              <a:t>sn_zome</a:t>
+            </a:r>
+            <a:r>
+              <a:rPr lang="de-DE" smtClean="0"/>
+              <a:t> mit </a:t>
+            </a:r>
+            <a:r>
+              <a:rPr lang="de-DE" i="1" err="1" smtClean="0"/>
+              <a:t>sleep</a:t>
+            </a:r>
+            <a:r>
+              <a:rPr lang="de-DE" i="1" smtClean="0"/>
+              <a:t> 1 </a:t>
+            </a:r>
+            <a:r>
+              <a:rPr lang="de-DE" smtClean="0"/>
+              <a:t>hinzu</a:t>
+            </a:r>
+          </a:p>
+          <a:p>
+            <a:r>
+              <a:rPr lang="de-DE" smtClean="0"/>
+              <a:t>Mach‘ das Schlagzeug schneller (120)</a:t>
+            </a:r>
+          </a:p>
+          <a:p>
+            <a:r>
+              <a:rPr lang="de-DE" smtClean="0"/>
+              <a:t>:</a:t>
+            </a:r>
+            <a:r>
+              <a:rPr lang="de-DE" err="1" smtClean="0"/>
+              <a:t>drum_bass_hard</a:t>
+            </a:r>
+            <a:r>
+              <a:rPr lang="de-DE" smtClean="0"/>
+              <a:t>	:</a:t>
+            </a:r>
+            <a:r>
+              <a:rPr lang="de-DE" err="1" smtClean="0"/>
+              <a:t>drum_snare_hard</a:t>
+            </a:r>
+            <a:r>
+              <a:rPr lang="de-DE" smtClean="0"/>
+              <a:t>	:</a:t>
+            </a:r>
+            <a:r>
+              <a:rPr lang="de-DE" err="1" smtClean="0"/>
+              <a:t>drum_tom_hi_hard</a:t>
+            </a:r>
+            <a:endParaRPr lang="de-DE" smtClean="0"/>
+          </a:p>
+        </p:txBody>
+      </p:sp>
+      <p:sp>
+        <p:nvSpPr>
+          <p:cNvPr id="11" name="Text Placeholder 10"/>
+          <p:cNvSpPr>
+            <a:spLocks noGrp="1"/>
+          </p:cNvSpPr>
+          <p:nvPr>
+            <p:ph type="body" sz="quarter" idx="19"/>
+          </p:nvPr>
+        </p:nvSpPr>
+        <p:spPr/>
+        <p:txBody>
+          <a:bodyPr/>
+          <a:lstStyle/>
+          <a:p>
+            <a:endParaRPr lang="de-DE"/>
+          </a:p>
+        </p:txBody>
+      </p:sp>
+      <p:sp>
+        <p:nvSpPr>
+          <p:cNvPr id="16" name="Text Placeholder 15"/>
+          <p:cNvSpPr>
+            <a:spLocks noGrp="1"/>
+          </p:cNvSpPr>
+          <p:nvPr>
+            <p:ph type="body" sz="quarter" idx="17"/>
+          </p:nvPr>
+        </p:nvSpPr>
+        <p:spPr/>
+        <p:txBody>
+          <a:bodyPr/>
+          <a:lstStyle/>
+          <a:p>
+            <a:r>
               <a:rPr lang="de-DE" dirty="0" smtClean="0"/>
-              <a:t>Füge ein weiteres sample </a:t>
-            </a:r>
-            <a:r>
-              <a:rPr lang="de-DE" i="1" dirty="0" err="1" smtClean="0"/>
-              <a:t>sn_zome</a:t>
+              <a:t>live_loop :</a:t>
+            </a:r>
+            <a:r>
+              <a:rPr lang="de-DE" dirty="0" err="1" smtClean="0"/>
+              <a:t>schlagzeug</a:t>
             </a:r>
             <a:r>
               <a:rPr lang="de-DE" dirty="0" smtClean="0"/>
-              <a:t> mit </a:t>
-            </a:r>
-            <a:r>
-              <a:rPr lang="de-DE" i="1" dirty="0" err="1" smtClean="0"/>
+              <a:t> do  	</a:t>
+            </a:r>
+          </a:p>
+          <a:p>
+            <a:r>
+              <a:rPr lang="de-DE" dirty="0" smtClean="0"/>
+              <a:t>	sample :</a:t>
+            </a:r>
+            <a:r>
+              <a:rPr lang="de-DE" dirty="0" err="1" smtClean="0"/>
+              <a:t>bd_haus</a:t>
+            </a:r>
+            <a:endParaRPr lang="de-DE" dirty="0" smtClean="0"/>
+          </a:p>
+          <a:p>
+            <a:r>
+              <a:rPr lang="de-DE" dirty="0" smtClean="0"/>
+              <a:t> 	</a:t>
+            </a:r>
+            <a:r>
+              <a:rPr lang="de-DE" dirty="0" err="1" smtClean="0"/>
               <a:t>sleep</a:t>
             </a:r>
             <a:r>
-              <a:rPr lang="de-DE" i="1" dirty="0" smtClean="0"/>
-              <a:t> 1 </a:t>
-            </a:r>
-            <a:r>
               <a:rPr lang="de-DE" dirty="0" smtClean="0"/>
-              <a:t>hinzu</a:t>
-            </a:r>
-          </a:p>
-          <a:p>
-            <a:r>
-              <a:rPr lang="de-DE" dirty="0" smtClean="0"/>
-              <a:t>Mach‘ das Schlagzeug schneller (120)</a:t>
-            </a:r>
-          </a:p>
-          <a:p>
-            <a:r>
-              <a:rPr lang="de-DE" dirty="0" smtClean="0"/>
-              <a:t>:</a:t>
-            </a:r>
-            <a:r>
-              <a:rPr lang="de-DE" dirty="0" err="1" smtClean="0"/>
-              <a:t>drum_bass_hard</a:t>
-            </a:r>
-            <a:r>
-              <a:rPr lang="de-DE" dirty="0" smtClean="0"/>
-              <a:t>	:</a:t>
-            </a:r>
-            <a:r>
-              <a:rPr lang="de-DE" dirty="0" err="1" smtClean="0"/>
-              <a:t>drum_snare_hard</a:t>
-            </a:r>
-            <a:r>
-              <a:rPr lang="de-DE" dirty="0" smtClean="0"/>
-              <a:t>	:</a:t>
-            </a:r>
-            <a:r>
-              <a:rPr lang="de-DE" dirty="0" err="1" smtClean="0"/>
-              <a:t>drum_tom_hi_hard</a:t>
-            </a:r>
-            <a:endParaRPr lang="de-DE" dirty="0" smtClean="0"/>
-          </a:p>
-        </p:txBody>
-      </p:sp>
-      <p:sp>
-        <p:nvSpPr>
-          <p:cNvPr id="11" name="Text Placeholder 10"/>
-          <p:cNvSpPr>
-            <a:spLocks noGrp="1"/>
-          </p:cNvSpPr>
-          <p:nvPr>
-            <p:ph type="body" sz="quarter" idx="19"/>
-          </p:nvPr>
-        </p:nvSpPr>
-        <p:spPr/>
-        <p:txBody>
-          <a:bodyPr/>
-          <a:lstStyle/>
-          <a:p>
-            <a:endParaRPr lang="de-DE"/>
-          </a:p>
-        </p:txBody>
-      </p:sp>
-      <p:sp>
-        <p:nvSpPr>
-          <p:cNvPr id="16" name="Text Placeholder 15"/>
-          <p:cNvSpPr>
-            <a:spLocks noGrp="1"/>
-          </p:cNvSpPr>
-          <p:nvPr>
-            <p:ph type="body" sz="quarter" idx="17"/>
-          </p:nvPr>
-        </p:nvSpPr>
-        <p:spPr/>
-        <p:txBody>
-          <a:bodyPr/>
-          <a:lstStyle/>
-          <a:p>
-            <a:r>
-              <a:rPr lang="de-DE" dirty="0" smtClean="0"/>
-              <a:t>live_loop :schlagzeug do  	</a:t>
-            </a:r>
-          </a:p>
-          <a:p>
-            <a:r>
-              <a:rPr lang="de-DE" dirty="0" smtClean="0"/>
-              <a:t>	sample :bd_haus</a:t>
-            </a:r>
-          </a:p>
-          <a:p>
-            <a:r>
-              <a:rPr lang="de-DE" dirty="0" smtClean="0"/>
-              <a:t> 	sleep 1</a:t>
+              <a:t> 1</a:t>
             </a:r>
           </a:p>
           <a:p>
@@ -5498,10 +5609,10 @@
           <a:lstStyle/>
           <a:p>
             <a:r>
-              <a:rPr lang="de-DE" dirty="0" smtClean="0"/>
+              <a:rPr lang="de-DE" smtClean="0"/>
               <a:t>Verwende Buffer 5</a:t>
             </a:r>
-            <a:endParaRPr lang="de-DE" dirty="0"/>
+            <a:endParaRPr lang="de-DE"/>
           </a:p>
         </p:txBody>
       </p:sp>
@@ -5559,10 +5670,10 @@
           <a:lstStyle/>
           <a:p>
             <a:r>
-              <a:rPr lang="de-DE" dirty="0" smtClean="0"/>
+              <a:rPr lang="de-DE" smtClean="0"/>
               <a:t>BUFFER 5</a:t>
             </a:r>
-            <a:endParaRPr lang="de-DE" dirty="0"/>
+            <a:endParaRPr lang="de-DE"/>
           </a:p>
         </p:txBody>
       </p:sp>
@@ -5657,10 +5768,10 @@
           <a:lstStyle/>
           <a:p>
             <a:r>
-              <a:rPr lang="de-DE" dirty="0" smtClean="0"/>
+              <a:rPr lang="de-DE" smtClean="0"/>
               <a:t>Ein Gitarren-Sample</a:t>
             </a:r>
-            <a:endParaRPr lang="de-DE" dirty="0"/>
+            <a:endParaRPr lang="de-DE"/>
           </a:p>
         </p:txBody>
       </p:sp>
@@ -5685,13 +5796,13 @@
           <a:lstStyle/>
           <a:p>
             <a:r>
-              <a:rPr lang="de-DE" dirty="0" smtClean="0"/>
+              <a:rPr lang="de-DE" smtClean="0"/>
               <a:t>Probiere aus.</a:t>
             </a:r>
           </a:p>
           <a:p>
             <a:r>
-              <a:rPr lang="de-DE" dirty="0" smtClean="0"/>
+              <a:rPr lang="de-DE" smtClean="0"/>
               <a:t>Danach kopiere das Schlagzeug (Buffer 4)  und Melodie in Buffer 5 zusammen</a:t>
             </a:r>
           </a:p>
@@ -5719,7 +5830,31 @@
           <a:p>
             <a:r>
               <a:rPr lang="de-DE" dirty="0" smtClean="0"/>
-              <a:t>use_bpm		use_synth :hollow		,amp: 5</a:t>
+              <a:t>use_bpm		</a:t>
+            </a:r>
+            <a:r>
+              <a:rPr lang="de-DE" dirty="0" err="1" smtClean="0"/>
+              <a:t>use_synth</a:t>
+            </a:r>
+            <a:r>
+              <a:rPr lang="de-DE" dirty="0" smtClean="0"/>
+              <a:t> :</a:t>
+            </a:r>
+            <a:r>
+              <a:rPr lang="de-DE" dirty="0" err="1" smtClean="0"/>
+              <a:t>hollow</a:t>
+            </a:r>
+            <a:r>
+              <a:rPr lang="de-DE" dirty="0" smtClean="0"/>
+              <a:t>		,</a:t>
+            </a:r>
+            <a:r>
+              <a:rPr lang="de-DE" dirty="0" err="1" smtClean="0"/>
+              <a:t>amp</a:t>
+            </a:r>
+            <a:r>
+              <a:rPr lang="de-DE" dirty="0" smtClean="0"/>
+              <a:t>: 5</a:t>
             </a:r>
           </a:p>
           <a:p>
@@ -5765,12 +5900,8 @@
           <a:p>
             <a:pPr algn="l"/>
             <a:r>
-              <a:rPr lang="de-DE" dirty="0" err="1" smtClean="0"/>
-              <a:t>live_loop</a:t>
-            </a:r>
-            <a:r>
               <a:rPr lang="de-DE" dirty="0" smtClean="0"/>
-              <a:t> :</a:t>
+              <a:t>live_loop :</a:t>
             </a:r>
             <a:r>
               <a:rPr lang="de-DE" dirty="0" err="1" smtClean="0"/>
@@ -5832,10 +5963,10 @@
           <a:lstStyle/>
           <a:p>
             <a:r>
-              <a:rPr lang="de-DE" dirty="0" smtClean="0"/>
+              <a:rPr lang="de-DE" smtClean="0"/>
               <a:t>Benutze auch Size – und Size +, um den Text in den Größe zu verändern</a:t>
             </a:r>
-            <a:endParaRPr lang="de-DE" dirty="0"/>
+            <a:endParaRPr lang="de-DE"/>
           </a:p>
         </p:txBody>
       </p:sp>
@@ -5877,11 +6008,35 @@
             <a:pPr algn="l"/>
             <a:r>
               <a:rPr lang="de-DE" sz="2000" dirty="0"/>
-              <a:t>- Erst Buffer </a:t>
+              <a:t>- Erst </a:t>
+            </a:r>
+            <a:r>
+              <a:rPr lang="de-DE" sz="2000" dirty="0" err="1"/>
+              <a:t>Buffer</a:t>
+            </a:r>
+            <a:r>
+              <a:rPr lang="de-DE" sz="2000" dirty="0"/>
+              <a:t> </a:t>
             </a:r>
             <a:r>
               <a:rPr lang="de-DE" sz="2000" dirty="0" smtClean="0"/>
-              <a:t>5, dann Buffer 3 und Buffer 2</a:t>
+              <a:t>5, dann </a:t>
+            </a:r>
+            <a:r>
+              <a:rPr lang="de-DE" sz="2000" dirty="0" err="1" smtClean="0"/>
+              <a:t>Buffer</a:t>
+            </a:r>
+            <a:r>
+              <a:rPr lang="de-DE" sz="2000" dirty="0" smtClean="0"/>
+              <a:t> 3 und </a:t>
+            </a:r>
+            <a:r>
+              <a:rPr lang="de-DE" sz="2000" dirty="0" err="1" smtClean="0"/>
+              <a:t>Buffer</a:t>
+            </a:r>
+            <a:r>
+              <a:rPr lang="de-DE" sz="2000" dirty="0" smtClean="0"/>
+              <a:t> 2</a:t>
             </a:r>
             <a:endParaRPr lang="de-DE" sz="2000" dirty="0"/>
           </a:p>
@@ -5920,15 +6075,7 @@
             </a:r>
             <a:r>
               <a:rPr lang="de-DE" sz="2000" dirty="0"/>
-              <a:t> 1 und füge eine </a:t>
-            </a:r>
-            <a:r>
-              <a:rPr lang="de-DE" sz="2000" dirty="0" err="1"/>
-              <a:t>live_loop</a:t>
-            </a:r>
-            <a:r>
-              <a:rPr lang="de-DE" sz="2000" dirty="0"/>
-              <a:t> hinzu. Irgendwas passt noch nicht. Was?</a:t>
+              <a:t> 1 und füge eine live_loop hinzu. Irgendwas passt noch nicht. Was?</a:t>
             </a:r>
           </a:p>
         </p:txBody>
@@ -5991,7 +6138,7 @@
             </a:r>
           </a:p>
           <a:p>
-            <a:endParaRPr lang="de-DE" dirty="0"/>
+            <a:endParaRPr lang="de-DE"/>
           </a:p>
         </p:txBody>
       </p:sp>
@@ -6016,72 +6163,18 @@
       </p:sp>
       <p:sp>
         <p:nvSpPr>
-          <p:cNvPr id="25" name="Text Placeholder 24"/>
-          <p:cNvSpPr>
-            <a:spLocks noGrp="1"/>
-          </p:cNvSpPr>
-          <p:nvPr>
-            <p:ph type="body" sz="quarter" idx="19"/>
+          <p:cNvPr id="19" name="Text Placeholder 18"/>
+          <p:cNvSpPr>
+            <a:spLocks noGrp="1"/>
+          </p:cNvSpPr>
+          <p:nvPr>
+            <p:ph type="body" sz="quarter" idx="17"/>
           </p:nvPr>
         </p:nvSpPr>
         <p:spPr>
           <a:xfrm>
-            <a:off x="404664" y="8316416"/>
-            <a:ext cx="6453336" cy="701731"/>
-          </a:xfrm>
-        </p:spPr>
-        <p:txBody>
-          <a:bodyPr/>
-          <a:lstStyle/>
-          <a:p>
-            <a:r>
-              <a:rPr lang="de-DE" dirty="0" smtClean="0"/>
-              <a:t>Tippe in eine </a:t>
-            </a:r>
-            <a:r>
-              <a:rPr lang="de-DE" dirty="0" err="1" smtClean="0"/>
-              <a:t>live_loop</a:t>
-            </a:r>
-            <a:r>
-              <a:rPr lang="de-DE" dirty="0" smtClean="0"/>
-              <a:t> ein und höre zu. Was geht hier vor?</a:t>
-            </a:r>
-          </a:p>
-          <a:p>
-            <a:r>
-              <a:rPr lang="de-DE" dirty="0" err="1" smtClean="0"/>
-              <a:t>If</a:t>
-            </a:r>
-            <a:r>
-              <a:rPr lang="de-DE" dirty="0" smtClean="0"/>
-              <a:t> = falls / </a:t>
-            </a:r>
-            <a:r>
-              <a:rPr lang="de-DE" dirty="0" err="1" smtClean="0"/>
-              <a:t>else</a:t>
-            </a:r>
-            <a:r>
-              <a:rPr lang="de-DE" dirty="0" smtClean="0"/>
-              <a:t> = andernfalls</a:t>
-            </a:r>
-            <a:endParaRPr lang="de-DE" dirty="0"/>
-          </a:p>
-        </p:txBody>
-      </p:sp>
-      <p:sp>
-        <p:nvSpPr>
-          <p:cNvPr id="19" name="Text Placeholder 18"/>
-          <p:cNvSpPr>
-            <a:spLocks noGrp="1"/>
-          </p:cNvSpPr>
-          <p:nvPr>
-            <p:ph type="body" sz="quarter" idx="17"/>
-          </p:nvPr>
-        </p:nvSpPr>
-        <p:spPr>
-          <a:xfrm>
-            <a:off x="404664" y="238160"/>
-            <a:ext cx="6048672" cy="2677656"/>
+            <a:off x="404664" y="459759"/>
+            <a:ext cx="6048672" cy="2234458"/>
           </a:xfrm>
         </p:spPr>
         <p:txBody>
@@ -6111,8 +6204,9 @@
             </a:pPr>
             <a:r>
               <a:rPr lang="de-DE" sz="2400" dirty="0" smtClean="0"/>
-              <a:t>Mehr Melodie</a:t>
-            </a:r>
+              <a:t>Ein Musik-Programm</a:t>
+            </a:r>
+            <a:endParaRPr lang="de-DE" sz="2400" dirty="0" smtClean="0"/>
           </a:p>
           <a:p>
             <a:pPr marL="114275" indent="-457200" algn="l">
@@ -6131,29 +6225,19 @@
             </a:pPr>
             <a:r>
               <a:rPr lang="de-DE" sz="2400" dirty="0" smtClean="0"/>
-              <a:t>Variablen</a:t>
-            </a:r>
-          </a:p>
-          <a:p>
-            <a:pPr marL="114275" indent="-457200" algn="l">
-              <a:buFontTx/>
-              <a:buChar char="-"/>
-            </a:pPr>
+              <a:t>Samples </a:t>
+            </a:r>
             <a:r>
               <a:rPr lang="de-DE" sz="2400" dirty="0" smtClean="0"/>
-              <a:t>Samples „</a:t>
+              <a:t>„</a:t>
             </a:r>
             <a:r>
               <a:rPr lang="de-DE" sz="2400" dirty="0" err="1" smtClean="0"/>
               <a:t>loop</a:t>
             </a:r>
             <a:r>
-              <a:rPr lang="de-DE" sz="2400" smtClean="0"/>
-              <a:t>_“ </a:t>
-            </a:r>
-            <a:r>
               <a:rPr lang="de-DE" sz="2400" dirty="0" smtClean="0"/>
-              <a:t>mit </a:t>
+              <a:t>_“ mit </a:t>
             </a:r>
             <a:r>
               <a:rPr lang="de-DE" sz="2400" dirty="0" err="1" smtClean="0"/>
@@ -6168,7 +6252,26 @@
       </p:sp>
       <p:sp>
         <p:nvSpPr>
-          <p:cNvPr id="26" name="Text Placeholder 25"/>
+          <p:cNvPr id="3" name="Text Placeholder 2"/>
+          <p:cNvSpPr>
+            <a:spLocks noGrp="1"/>
+          </p:cNvSpPr>
+          <p:nvPr>
+            <p:ph type="body" sz="quarter" idx="19"/>
+          </p:nvPr>
+        </p:nvSpPr>
+        <p:spPr/>
+        <p:txBody>
+          <a:bodyPr/>
+          <a:lstStyle/>
+          <a:p>
+            <a:endParaRPr lang="de-DE"/>
+          </a:p>
+        </p:txBody>
+      </p:sp>
+      <p:sp>
+        <p:nvSpPr>
+          <p:cNvPr id="4" name="Text Placeholder 3"/>
           <p:cNvSpPr>
             <a:spLocks noGrp="1"/>
           </p:cNvSpPr>
@@ -6181,17 +6284,13 @@
           <a:bodyPr/>
           <a:lstStyle/>
           <a:p>
-            <a:r>
-              <a:rPr lang="de-DE" dirty="0" smtClean="0"/>
-              <a:t>Variablen und Bedingungen</a:t>
-            </a:r>
-            <a:endParaRPr lang="de-DE" dirty="0"/>
-          </a:p>
-        </p:txBody>
-      </p:sp>
-      <p:sp>
-        <p:nvSpPr>
-          <p:cNvPr id="27" name="Text Placeholder 26"/>
+            <a:endParaRPr lang="de-DE"/>
+          </a:p>
+        </p:txBody>
+      </p:sp>
+      <p:sp>
+        <p:nvSpPr>
+          <p:cNvPr id="6" name="Text Placeholder 5"/>
           <p:cNvSpPr>
             <a:spLocks noGrp="1"/>
           </p:cNvSpPr>
@@ -6199,175 +6298,12 @@
             <p:ph type="body" sz="quarter" idx="21"/>
           </p:nvPr>
         </p:nvSpPr>
-        <p:spPr>
-          <a:xfrm>
-            <a:off x="404664" y="4969008"/>
-            <a:ext cx="6048672" cy="3151632"/>
-          </a:xfrm>
-        </p:spPr>
+        <p:spPr/>
         <p:txBody>
           <a:bodyPr/>
           <a:lstStyle/>
           <a:p>
-            <a:pPr algn="l"/>
-            <a:r>
-              <a:rPr lang="en-US" sz="1400" dirty="0" err="1"/>
-              <a:t>use_bpm</a:t>
-            </a:r>
-            <a:r>
-              <a:rPr lang="en-US" sz="1400" dirty="0"/>
-              <a:t> </a:t>
-            </a:r>
-            <a:r>
-              <a:rPr lang="en-US" sz="1400" dirty="0" smtClean="0"/>
-              <a:t>600</a:t>
-            </a:r>
-          </a:p>
-          <a:p>
-            <a:pPr algn="l"/>
-            <a:r>
-              <a:rPr lang="en-US" sz="1400" dirty="0" smtClean="0"/>
-              <a:t>a </a:t>
-            </a:r>
-            <a:r>
-              <a:rPr lang="en-US" sz="1400" dirty="0"/>
-              <a:t>= </a:t>
-            </a:r>
-            <a:r>
-              <a:rPr lang="en-US" sz="1400" dirty="0" smtClean="0"/>
-              <a:t>30</a:t>
-            </a:r>
-          </a:p>
-          <a:p>
-            <a:pPr algn="l"/>
-            <a:r>
-              <a:rPr lang="en-US" sz="1400" dirty="0" err="1" smtClean="0"/>
-              <a:t>live_loop</a:t>
-            </a:r>
-            <a:r>
-              <a:rPr lang="en-US" sz="1400" dirty="0" smtClean="0"/>
-              <a:t> </a:t>
-            </a:r>
-            <a:r>
-              <a:rPr lang="en-US" sz="1400" dirty="0"/>
-              <a:t>:start do  </a:t>
-            </a:r>
-            <a:endParaRPr lang="en-US" sz="1400" dirty="0" smtClean="0"/>
-          </a:p>
-          <a:p>
-            <a:pPr algn="l"/>
-            <a:r>
-              <a:rPr lang="en-US" sz="1400" dirty="0" smtClean="0"/>
-              <a:t>   if </a:t>
-            </a:r>
-            <a:r>
-              <a:rPr lang="en-US" sz="1400" dirty="0"/>
-              <a:t>a &lt; 100    </a:t>
-            </a:r>
-            <a:endParaRPr lang="en-US" sz="1400" dirty="0" smtClean="0"/>
-          </a:p>
-          <a:p>
-            <a:pPr algn="l"/>
-            <a:r>
-              <a:rPr lang="en-US" sz="1400" dirty="0" smtClean="0"/>
-              <a:t>     a </a:t>
-            </a:r>
-            <a:r>
-              <a:rPr lang="en-US" sz="1400" dirty="0"/>
-              <a:t>= a +1    </a:t>
-            </a:r>
-            <a:endParaRPr lang="en-US" sz="1400" dirty="0" smtClean="0"/>
-          </a:p>
-          <a:p>
-            <a:pPr algn="l"/>
-            <a:r>
-              <a:rPr lang="en-US" sz="1400" dirty="0" smtClean="0"/>
-              <a:t>     play </a:t>
-            </a:r>
-            <a:r>
-              <a:rPr lang="en-US" sz="1400" dirty="0"/>
-              <a:t>a, amp: 4    </a:t>
-            </a:r>
-            <a:endParaRPr lang="en-US" sz="1400" dirty="0" smtClean="0"/>
-          </a:p>
-          <a:p>
-            <a:pPr algn="l"/>
-            <a:r>
-              <a:rPr lang="en-US" sz="1400" dirty="0" smtClean="0"/>
-              <a:t>     print </a:t>
-            </a:r>
-            <a:r>
-              <a:rPr lang="en-US" sz="1400" dirty="0"/>
-              <a:t>a  </a:t>
-            </a:r>
-            <a:endParaRPr lang="en-US" sz="1400" dirty="0" smtClean="0"/>
-          </a:p>
-          <a:p>
-            <a:pPr algn="l"/>
-            <a:r>
-              <a:rPr lang="en-US" sz="1400" dirty="0" smtClean="0"/>
-              <a:t>   else    </a:t>
-            </a:r>
-          </a:p>
-          <a:p>
-            <a:pPr algn="l"/>
-            <a:r>
-              <a:rPr lang="en-US" sz="1400" dirty="0" smtClean="0"/>
-              <a:t>       a </a:t>
-            </a:r>
-            <a:r>
-              <a:rPr lang="en-US" sz="1400" dirty="0"/>
-              <a:t>= 30  </a:t>
-            </a:r>
-            <a:endParaRPr lang="en-US" sz="1400" dirty="0" smtClean="0"/>
-          </a:p>
-          <a:p>
-            <a:pPr algn="l"/>
-            <a:r>
-              <a:rPr lang="en-US" sz="1400" dirty="0" smtClean="0"/>
-              <a:t>   end  </a:t>
-            </a:r>
-          </a:p>
-          <a:p>
-            <a:pPr algn="l"/>
-            <a:r>
-              <a:rPr lang="en-US" sz="1400" dirty="0" smtClean="0"/>
-              <a:t>   sleep 1</a:t>
-            </a:r>
-          </a:p>
-          <a:p>
-            <a:pPr algn="l"/>
-            <a:r>
-              <a:rPr lang="en-US" sz="1400" dirty="0" smtClean="0"/>
-              <a:t>end</a:t>
-            </a:r>
-            <a:endParaRPr lang="de-DE" sz="1400" dirty="0" smtClean="0"/>
-          </a:p>
-        </p:txBody>
-      </p:sp>
-      <p:sp>
-        <p:nvSpPr>
-          <p:cNvPr id="2" name="TextBox 1"/>
-          <p:cNvSpPr txBox="1"/>
-          <p:nvPr/>
-        </p:nvSpPr>
-        <p:spPr>
-          <a:xfrm>
-            <a:off x="4028303" y="7117492"/>
-            <a:ext cx="184731" cy="369332"/>
-          </a:xfrm>
-          <a:prstGeom prst="rect">
-            <a:avLst/>
-          </a:prstGeom>
-          <a:noFill/>
-        </p:spPr>
-        <p:txBody>
-          <a:bodyPr wrap="none" rtlCol="0">
-            <a:spAutoFit/>
-          </a:bodyPr>
-          <a:lstStyle/>
-          <a:p>
-            <a:endParaRPr lang="de-DE" dirty="0"/>
+            <a:endParaRPr lang="de-DE"/>
           </a:p>
         </p:txBody>
       </p:sp>
@@ -6410,7 +6346,7 @@
       </p:grpSpPr>
       <p:sp>
         <p:nvSpPr>
-          <p:cNvPr id="14" name="Text Placeholder 13"/>
+          <p:cNvPr id="5" name="Text Placeholder 4"/>
           <p:cNvSpPr>
             <a:spLocks noGrp="1"/>
           </p:cNvSpPr>
@@ -6424,16 +6360,18 @@
           <a:lstStyle/>
           <a:p>
             <a:r>
-              <a:rPr lang="de-DE" dirty="0" smtClean="0"/>
-              <a:t>So kann man Effekte verwenden</a:t>
-            </a:r>
-            <a:endParaRPr lang="de-DE" dirty="0"/>
-          </a:p>
-        </p:txBody>
-      </p:sp>
-      <p:sp>
-        <p:nvSpPr>
-          <p:cNvPr id="15" name="Text Placeholder 14"/>
+              <a:rPr lang="de-DE" smtClean="0"/>
+              <a:t>Experimentiere</a:t>
+            </a:r>
+          </a:p>
+          <a:p>
+            <a:endParaRPr lang="de-DE"/>
+          </a:p>
+        </p:txBody>
+      </p:sp>
+      <p:sp>
+        <p:nvSpPr>
+          <p:cNvPr id="24" name="Text Placeholder 23"/>
           <p:cNvSpPr>
             <a:spLocks noGrp="1"/>
           </p:cNvSpPr>
@@ -6443,170 +6381,494 @@
         </p:nvSpPr>
         <p:spPr>
           <a:xfrm>
-            <a:off x="404664" y="3203848"/>
-            <a:ext cx="6453336" cy="1175706"/>
+            <a:off x="404664" y="3275856"/>
+            <a:ext cx="6453336" cy="1052596"/>
           </a:xfrm>
         </p:spPr>
         <p:txBody>
           <a:bodyPr/>
           <a:lstStyle/>
           <a:p>
-            <a:pPr>
-              <a:buFontTx/>
-              <a:buChar char="-"/>
-            </a:pPr>
-            <a:r>
-              <a:rPr lang="de-DE" sz="1600" dirty="0" smtClean="0"/>
-              <a:t>Fx </a:t>
-            </a:r>
-            <a:r>
-              <a:rPr lang="de-DE" sz="1600" dirty="0"/>
-              <a:t>steht für „Effects“ = Effekte. Jeder Effekt kann auch „Parameter“ haben: Hier die Größe des Raums für den Hall</a:t>
-            </a:r>
-          </a:p>
-          <a:p>
-            <a:pPr>
-              <a:buFontTx/>
-              <a:buChar char="-"/>
-            </a:pPr>
-            <a:r>
-              <a:rPr lang="de-DE" sz="1600" dirty="0"/>
-              <a:t>Probiere andere Effekte aus (siehe Fx in der Hilfe</a:t>
-            </a:r>
-            <a:r>
-              <a:rPr lang="de-DE" sz="1600" dirty="0" smtClean="0"/>
-              <a:t>)</a:t>
-            </a:r>
-          </a:p>
-          <a:p>
-            <a:pPr>
-              <a:buFontTx/>
-              <a:buChar char="-"/>
-            </a:pPr>
-            <a:r>
-              <a:rPr lang="de-DE" sz="1600" dirty="0" smtClean="0"/>
-              <a:t>Verwende play und choose mit Geschwindigkeit </a:t>
-            </a:r>
-            <a:r>
-              <a:rPr lang="de-DE" sz="1600" dirty="0" smtClean="0"/>
-              <a:t>300 (siehe Seite 9b)</a:t>
-            </a:r>
-            <a:endParaRPr lang="de-DE" sz="1600" dirty="0"/>
-          </a:p>
-        </p:txBody>
-      </p:sp>
-      <p:sp>
-        <p:nvSpPr>
-          <p:cNvPr id="16" name="Text Placeholder 15"/>
-          <p:cNvSpPr>
-            <a:spLocks noGrp="1"/>
-          </p:cNvSpPr>
-          <p:nvPr>
-            <p:ph type="body" sz="quarter" idx="17"/>
+            <a:r>
+              <a:rPr lang="de-DE" sz="1200" dirty="0" smtClean="0"/>
+              <a:t>1) Ändere die Lautstärken	2) Ändere die Rate </a:t>
+            </a:r>
+          </a:p>
+          <a:p>
+            <a:r>
+              <a:rPr lang="de-DE" sz="1200" dirty="0" smtClean="0"/>
+              <a:t>3) Ersetze </a:t>
+            </a:r>
+            <a:r>
+              <a:rPr lang="de-DE" sz="1200" dirty="0"/>
+              <a:t>das letzte Sample </a:t>
+            </a:r>
+            <a:r>
+              <a:rPr lang="de-DE" sz="1200" dirty="0" smtClean="0"/>
+              <a:t>durch		4) Verändere die Geschwindigkeit</a:t>
+            </a:r>
+            <a:r>
+              <a:rPr lang="de-DE" sz="1200" dirty="0"/>
+              <a:t/>
+            </a:r>
+            <a:br>
+              <a:rPr lang="de-DE" sz="1200" dirty="0"/>
+            </a:br>
+            <a:r>
+              <a:rPr lang="de-DE" sz="1200" dirty="0"/>
+              <a:t> </a:t>
+            </a:r>
+            <a:r>
+              <a:rPr lang="de-DE" sz="1200" dirty="0" smtClean="0"/>
+              <a:t>	</a:t>
+            </a:r>
+            <a:r>
+              <a:rPr lang="de-DE" sz="1200" dirty="0" err="1" smtClean="0"/>
+              <a:t>with_fx</a:t>
+            </a:r>
+            <a:r>
+              <a:rPr lang="de-DE" sz="1200" dirty="0" smtClean="0"/>
+              <a:t> </a:t>
+            </a:r>
+            <a:r>
+              <a:rPr lang="de-DE" sz="1200" dirty="0"/>
+              <a:t>:</a:t>
+            </a:r>
+            <a:r>
+              <a:rPr lang="de-DE" sz="1200" dirty="0" err="1"/>
+              <a:t>reverb</a:t>
+            </a:r>
+            <a:r>
+              <a:rPr lang="de-DE" sz="1200" dirty="0"/>
+              <a:t>, </a:t>
+            </a:r>
+            <a:r>
+              <a:rPr lang="de-DE" sz="1200" dirty="0" err="1"/>
+              <a:t>room</a:t>
+            </a:r>
+            <a:r>
+              <a:rPr lang="de-DE" sz="1200" dirty="0"/>
+              <a:t>: 0.5 do</a:t>
+            </a:r>
+            <a:br>
+              <a:rPr lang="de-DE" sz="1200" dirty="0"/>
+            </a:br>
+            <a:r>
+              <a:rPr lang="de-DE" sz="1200" dirty="0"/>
+              <a:t> </a:t>
+            </a:r>
+            <a:r>
+              <a:rPr lang="de-DE" sz="1200" dirty="0" smtClean="0"/>
+              <a:t>	     sample </a:t>
+            </a:r>
+            <a:r>
+              <a:rPr lang="de-DE" sz="1200" dirty="0"/>
+              <a:t>:</a:t>
+            </a:r>
+            <a:r>
+              <a:rPr lang="de-DE" sz="1200" dirty="0" err="1"/>
+              <a:t>drum_snare_hard</a:t>
+            </a:r>
+            <a:r>
+              <a:rPr lang="de-DE" sz="1200" dirty="0"/>
+              <a:t>, </a:t>
+            </a:r>
+            <a:r>
+              <a:rPr lang="de-DE" sz="1200" dirty="0" err="1"/>
+              <a:t>amp</a:t>
+            </a:r>
+            <a:r>
+              <a:rPr lang="de-DE" sz="1200" dirty="0"/>
+              <a:t>: 4, rate: 1.2  </a:t>
+            </a:r>
+            <a:r>
+              <a:rPr lang="de-DE" sz="1200" dirty="0" smtClean="0"/>
+              <a:t/>
+            </a:r>
+            <a:br>
+              <a:rPr lang="de-DE" sz="1200" dirty="0" smtClean="0"/>
+            </a:br>
+            <a:r>
+              <a:rPr lang="de-DE" sz="1200" dirty="0" smtClean="0"/>
+              <a:t>	end</a:t>
+            </a:r>
+            <a:endParaRPr lang="de-DE" sz="1200" dirty="0"/>
+          </a:p>
+        </p:txBody>
+      </p:sp>
+      <p:sp>
+        <p:nvSpPr>
+          <p:cNvPr id="25" name="Text Placeholder 24"/>
+          <p:cNvSpPr>
+            <a:spLocks noGrp="1"/>
+          </p:cNvSpPr>
+          <p:nvPr>
+            <p:ph type="body" sz="quarter" idx="19"/>
           </p:nvPr>
         </p:nvSpPr>
         <p:spPr>
           <a:xfrm>
-            <a:off x="404664" y="511529"/>
-            <a:ext cx="6048672" cy="2234458"/>
+            <a:off x="404664" y="8316416"/>
+            <a:ext cx="6453336" cy="634020"/>
           </a:xfrm>
         </p:spPr>
         <p:txBody>
           <a:bodyPr/>
           <a:lstStyle/>
           <a:p>
-            <a:pPr algn="l"/>
-            <a:r>
-              <a:rPr lang="en-US" sz="2400" dirty="0" err="1"/>
-              <a:t>live_loop</a:t>
-            </a:r>
-            <a:r>
-              <a:rPr lang="en-US" sz="2400" dirty="0"/>
-              <a:t> :</a:t>
-            </a:r>
-            <a:r>
-              <a:rPr lang="en-US" sz="2400" dirty="0" err="1"/>
-              <a:t>mitHall</a:t>
-            </a:r>
-            <a:r>
-              <a:rPr lang="en-US" sz="2400" dirty="0"/>
-              <a:t> do</a:t>
-            </a:r>
-          </a:p>
-          <a:p>
-            <a:pPr algn="l"/>
-            <a:r>
-              <a:rPr lang="en-US" sz="2400" dirty="0"/>
-              <a:t>  </a:t>
-            </a:r>
-            <a:r>
-              <a:rPr lang="en-US" sz="2400" dirty="0" err="1"/>
-              <a:t>with_fx</a:t>
-            </a:r>
-            <a:r>
-              <a:rPr lang="en-US" sz="2400" dirty="0"/>
-              <a:t> :reverb, room: 0.9 do</a:t>
-            </a:r>
-          </a:p>
-          <a:p>
-            <a:pPr algn="l"/>
-            <a:r>
-              <a:rPr lang="en-US" sz="2400" dirty="0"/>
-              <a:t>    </a:t>
-            </a:r>
-            <a:r>
-              <a:rPr lang="en-US" sz="2400" dirty="0" err="1"/>
-              <a:t>play_pattern</a:t>
-            </a:r>
-            <a:r>
-              <a:rPr lang="en-US" sz="2400" dirty="0"/>
-              <a:t> (scale :e4, :minor)</a:t>
-            </a:r>
-          </a:p>
-          <a:p>
-            <a:pPr algn="l"/>
-            <a:r>
-              <a:rPr lang="en-US" sz="2400" dirty="0"/>
-              <a:t>  end</a:t>
-            </a:r>
-          </a:p>
-          <a:p>
-            <a:pPr algn="l"/>
-            <a:r>
-              <a:rPr lang="en-US" sz="2400" dirty="0"/>
-              <a:t>end</a:t>
-            </a:r>
-            <a:endParaRPr lang="de-DE" sz="2400" dirty="0" smtClean="0"/>
-          </a:p>
-        </p:txBody>
-      </p:sp>
-      <p:sp>
-        <p:nvSpPr>
-          <p:cNvPr id="10" name="Text Placeholder 9"/>
-          <p:cNvSpPr>
-            <a:spLocks noGrp="1"/>
-          </p:cNvSpPr>
-          <p:nvPr>
-            <p:ph type="body" sz="quarter" idx="20"/>
+            <a:r>
+              <a:rPr lang="de-DE" sz="1600" dirty="0" smtClean="0"/>
+              <a:t>Was </a:t>
+            </a:r>
+            <a:r>
+              <a:rPr lang="de-DE" sz="1600" dirty="0" smtClean="0"/>
+              <a:t>geht hier vor?</a:t>
+            </a:r>
+          </a:p>
+          <a:p>
+            <a:r>
+              <a:rPr lang="de-DE" sz="1600" dirty="0" err="1" smtClean="0"/>
+              <a:t>If</a:t>
+            </a:r>
+            <a:r>
+              <a:rPr lang="de-DE" sz="1600" dirty="0" smtClean="0"/>
+              <a:t> = falls / </a:t>
+            </a:r>
+            <a:r>
+              <a:rPr lang="de-DE" sz="1600" dirty="0" err="1" smtClean="0"/>
+              <a:t>else</a:t>
+            </a:r>
+            <a:r>
+              <a:rPr lang="de-DE" sz="1600" dirty="0" smtClean="0"/>
+              <a:t> = andernfalls</a:t>
+            </a:r>
+            <a:endParaRPr lang="de-DE" sz="1600" dirty="0"/>
+          </a:p>
+        </p:txBody>
+      </p:sp>
+      <p:sp>
+        <p:nvSpPr>
+          <p:cNvPr id="19" name="Text Placeholder 18"/>
+          <p:cNvSpPr>
+            <a:spLocks noGrp="1"/>
+          </p:cNvSpPr>
+          <p:nvPr>
+            <p:ph type="body" sz="quarter" idx="17"/>
           </p:nvPr>
         </p:nvSpPr>
         <p:spPr>
           <a:xfrm>
-            <a:off x="0" y="7956376"/>
-            <a:ext cx="6858000" cy="261610"/>
+            <a:off x="404664" y="179512"/>
+            <a:ext cx="6048672" cy="2973122"/>
           </a:xfrm>
         </p:spPr>
         <p:txBody>
           <a:bodyPr/>
           <a:lstStyle/>
           <a:p>
+            <a:pPr algn="l"/>
+            <a:r>
+              <a:rPr lang="de-DE" sz="2400" noProof="1" smtClean="0"/>
+              <a:t>Spiele etwas mit dem Schlagzeug herum</a:t>
+            </a:r>
+          </a:p>
+          <a:p>
+            <a:pPr algn="l"/>
+            <a:r>
+              <a:rPr lang="de-DE" sz="1200" noProof="1" smtClean="0"/>
+              <a:t>use_bpm 120</a:t>
+            </a:r>
+          </a:p>
+          <a:p>
+            <a:pPr algn="l"/>
+            <a:r>
+              <a:rPr lang="de-DE" sz="1200" noProof="1" smtClean="0"/>
+              <a:t>live_loop :schlagzeug do  </a:t>
+            </a:r>
+          </a:p>
+          <a:p>
+            <a:pPr algn="l"/>
+            <a:r>
+              <a:rPr lang="de-DE" sz="1200" noProof="1" smtClean="0">
+                <a:solidFill>
+                  <a:srgbClr val="C00000"/>
+                </a:solidFill>
+              </a:rPr>
+              <a:t>    sample :drum_cymbal_closed, amp: </a:t>
+            </a:r>
+            <a:r>
+              <a:rPr lang="de-DE" sz="1200" noProof="1" smtClean="0">
+                <a:solidFill>
+                  <a:srgbClr val="C00000"/>
+                </a:solidFill>
+              </a:rPr>
+              <a:t>4  </a:t>
+            </a:r>
+            <a:r>
+              <a:rPr lang="de-DE" sz="1200" noProof="1" smtClean="0">
+                <a:solidFill>
+                  <a:srgbClr val="C00000"/>
+                </a:solidFill>
+              </a:rPr>
+              <a:t/>
+            </a:r>
+            <a:br>
+              <a:rPr lang="de-DE" sz="1200" noProof="1" smtClean="0">
+                <a:solidFill>
+                  <a:srgbClr val="C00000"/>
+                </a:solidFill>
+              </a:rPr>
+            </a:br>
+            <a:r>
+              <a:rPr lang="de-DE" sz="1200" noProof="1" smtClean="0">
+                <a:solidFill>
+                  <a:srgbClr val="C00000"/>
+                </a:solidFill>
+              </a:rPr>
+              <a:t>    sleep </a:t>
+            </a:r>
+            <a:r>
+              <a:rPr lang="de-DE" sz="1200" noProof="1" smtClean="0">
+                <a:solidFill>
+                  <a:srgbClr val="C00000"/>
+                </a:solidFill>
+              </a:rPr>
+              <a:t>1  </a:t>
+            </a:r>
+            <a:r>
+              <a:rPr lang="de-DE" sz="1200" noProof="1" smtClean="0"/>
+              <a:t/>
+            </a:r>
+            <a:br>
+              <a:rPr lang="de-DE" sz="1200" noProof="1" smtClean="0"/>
+            </a:br>
+            <a:r>
+              <a:rPr lang="de-DE" sz="1200" noProof="1" smtClean="0"/>
+              <a:t>    sample </a:t>
+            </a:r>
+            <a:r>
+              <a:rPr lang="de-DE" sz="1200" noProof="1" smtClean="0"/>
+              <a:t>:drum_cymbal_closed, amp: </a:t>
+            </a:r>
+            <a:r>
+              <a:rPr lang="de-DE" sz="1200" noProof="1" smtClean="0"/>
+              <a:t>2  </a:t>
+            </a:r>
+            <a:r>
+              <a:rPr lang="de-DE" sz="1200" noProof="1" smtClean="0"/>
+              <a:t/>
+            </a:r>
+            <a:br>
+              <a:rPr lang="de-DE" sz="1200" noProof="1" smtClean="0"/>
+            </a:br>
+            <a:r>
+              <a:rPr lang="de-DE" sz="1200" noProof="1" smtClean="0"/>
+              <a:t>    sample </a:t>
+            </a:r>
+            <a:r>
+              <a:rPr lang="de-DE" sz="1200" noProof="1" smtClean="0"/>
+              <a:t>:drum_bass_soft, amp: </a:t>
+            </a:r>
+            <a:r>
+              <a:rPr lang="de-DE" sz="1200" noProof="1" smtClean="0"/>
+              <a:t>4  </a:t>
+            </a:r>
+            <a:r>
+              <a:rPr lang="de-DE" sz="1200" noProof="1" smtClean="0"/>
+              <a:t/>
+            </a:r>
+            <a:br>
+              <a:rPr lang="de-DE" sz="1200" noProof="1" smtClean="0"/>
+            </a:br>
+            <a:r>
+              <a:rPr lang="de-DE" sz="1200" noProof="1" smtClean="0"/>
+              <a:t>    sleep </a:t>
+            </a:r>
+            <a:r>
+              <a:rPr lang="de-DE" sz="1200" noProof="1" smtClean="0"/>
+              <a:t>1  </a:t>
+            </a:r>
+            <a:r>
+              <a:rPr lang="de-DE" sz="1200" noProof="1" smtClean="0"/>
+              <a:t/>
+            </a:r>
+            <a:br>
+              <a:rPr lang="de-DE" sz="1200" noProof="1" smtClean="0"/>
+            </a:br>
+            <a:r>
+              <a:rPr lang="de-DE" sz="1200" noProof="1" smtClean="0"/>
+              <a:t>    </a:t>
+            </a:r>
+            <a:r>
+              <a:rPr lang="de-DE" sz="1200" noProof="1" smtClean="0">
+                <a:solidFill>
+                  <a:srgbClr val="C00000"/>
+                </a:solidFill>
+              </a:rPr>
+              <a:t>sample </a:t>
+            </a:r>
+            <a:r>
+              <a:rPr lang="de-DE" sz="1200" noProof="1" smtClean="0">
+                <a:solidFill>
+                  <a:srgbClr val="C00000"/>
+                </a:solidFill>
+              </a:rPr>
+              <a:t>:drum_cymbal_closed, amp: </a:t>
+            </a:r>
+            <a:r>
+              <a:rPr lang="de-DE" sz="1200" noProof="1" smtClean="0">
+                <a:solidFill>
+                  <a:srgbClr val="C00000"/>
+                </a:solidFill>
+              </a:rPr>
+              <a:t>4  </a:t>
+            </a:r>
+            <a:r>
+              <a:rPr lang="de-DE" sz="1200" noProof="1" smtClean="0">
+                <a:solidFill>
+                  <a:srgbClr val="C00000"/>
+                </a:solidFill>
+              </a:rPr>
+              <a:t/>
+            </a:r>
+            <a:br>
+              <a:rPr lang="de-DE" sz="1200" noProof="1" smtClean="0">
+                <a:solidFill>
+                  <a:srgbClr val="C00000"/>
+                </a:solidFill>
+              </a:rPr>
+            </a:br>
+            <a:r>
+              <a:rPr lang="de-DE" sz="1200" noProof="1" smtClean="0">
+                <a:solidFill>
+                  <a:srgbClr val="C00000"/>
+                </a:solidFill>
+              </a:rPr>
+              <a:t>    sleep </a:t>
+            </a:r>
+            <a:r>
+              <a:rPr lang="de-DE" sz="1200" noProof="1" smtClean="0">
+                <a:solidFill>
+                  <a:srgbClr val="C00000"/>
+                </a:solidFill>
+              </a:rPr>
+              <a:t>1  </a:t>
+            </a:r>
+            <a:r>
+              <a:rPr lang="de-DE" sz="1200" noProof="1" smtClean="0"/>
+              <a:t/>
+            </a:r>
+            <a:br>
+              <a:rPr lang="de-DE" sz="1200" noProof="1" smtClean="0"/>
+            </a:br>
+            <a:r>
+              <a:rPr lang="de-DE" sz="1200" noProof="1" smtClean="0"/>
+              <a:t>    sample </a:t>
+            </a:r>
+            <a:r>
+              <a:rPr lang="de-DE" sz="1200" noProof="1" smtClean="0"/>
+              <a:t>:drum_cymbal_closed, amp: </a:t>
+            </a:r>
+            <a:r>
+              <a:rPr lang="de-DE" sz="1200" noProof="1" smtClean="0"/>
+              <a:t>4 </a:t>
+            </a:r>
+            <a:r>
+              <a:rPr lang="de-DE" sz="1200" noProof="1" smtClean="0"/>
+              <a:t/>
+            </a:r>
+            <a:br>
+              <a:rPr lang="de-DE" sz="1200" noProof="1" smtClean="0"/>
+            </a:br>
+            <a:r>
+              <a:rPr lang="de-DE" sz="1200" noProof="1" smtClean="0"/>
+              <a:t>    sample </a:t>
+            </a:r>
+            <a:r>
+              <a:rPr lang="de-DE" sz="1200" noProof="1" smtClean="0"/>
+              <a:t>:drum_snare_hard, amp: 4, </a:t>
+            </a:r>
+            <a:r>
+              <a:rPr lang="de-DE" sz="1200" noProof="1" smtClean="0">
+                <a:solidFill>
+                  <a:schemeClr val="tx2">
+                    <a:lumMod val="60000"/>
+                    <a:lumOff val="40000"/>
+                  </a:schemeClr>
+                </a:solidFill>
+              </a:rPr>
+              <a:t>rate</a:t>
+            </a:r>
+            <a:r>
+              <a:rPr lang="de-DE" sz="1200" noProof="1" smtClean="0">
+                <a:solidFill>
+                  <a:schemeClr val="tx2">
+                    <a:lumMod val="60000"/>
+                    <a:lumOff val="40000"/>
+                  </a:schemeClr>
+                </a:solidFill>
+              </a:rPr>
+              <a:t>: </a:t>
+            </a:r>
+            <a:r>
+              <a:rPr lang="de-DE" sz="1200" noProof="1" smtClean="0">
+                <a:solidFill>
+                  <a:schemeClr val="tx2">
+                    <a:lumMod val="60000"/>
+                    <a:lumOff val="40000"/>
+                  </a:schemeClr>
+                </a:solidFill>
+              </a:rPr>
+              <a:t>1.2</a:t>
+            </a:r>
+            <a:r>
+              <a:rPr lang="de-DE" sz="1200" noProof="1" smtClean="0"/>
+              <a:t/>
+            </a:r>
+            <a:br>
+              <a:rPr lang="de-DE" sz="1200" noProof="1" smtClean="0"/>
+            </a:br>
+            <a:r>
+              <a:rPr lang="de-DE" sz="1200" noProof="1" smtClean="0"/>
+              <a:t>    sleep 1</a:t>
+            </a:r>
+            <a:br>
+              <a:rPr lang="de-DE" sz="1200" noProof="1" smtClean="0"/>
+            </a:br>
+            <a:r>
+              <a:rPr lang="de-DE" sz="1200" noProof="1" smtClean="0"/>
+              <a:t>end </a:t>
+            </a:r>
+            <a:endParaRPr lang="de-DE" sz="2400" noProof="1" smtClean="0"/>
+          </a:p>
+        </p:txBody>
+      </p:sp>
+      <p:sp>
+        <p:nvSpPr>
+          <p:cNvPr id="26" name="Text Placeholder 25"/>
+          <p:cNvSpPr>
+            <a:spLocks noGrp="1"/>
+          </p:cNvSpPr>
+          <p:nvPr>
+            <p:ph type="body" sz="quarter" idx="20"/>
+          </p:nvPr>
+        </p:nvSpPr>
+        <p:spPr/>
+        <p:txBody>
+          <a:bodyPr/>
+          <a:lstStyle/>
+          <a:p>
+            <a:r>
+              <a:rPr lang="de-DE" dirty="0" smtClean="0"/>
+              <a:t>Variablen und Bedingungen</a:t>
+            </a:r>
             <a:endParaRPr lang="de-DE" dirty="0"/>
           </a:p>
         </p:txBody>
       </p:sp>
       <p:sp>
         <p:nvSpPr>
-          <p:cNvPr id="8" name="Text Placeholder 7"/>
+          <p:cNvPr id="27" name="Text Placeholder 26"/>
           <p:cNvSpPr>
             <a:spLocks noGrp="1"/>
           </p:cNvSpPr>
@@ -6614,28 +6876,167 @@
             <p:ph type="body" sz="quarter" idx="21"/>
           </p:nvPr>
         </p:nvSpPr>
-        <p:spPr/>
+        <p:spPr>
+          <a:xfrm>
+            <a:off x="1857722" y="5090195"/>
+            <a:ext cx="2232249" cy="2714589"/>
+          </a:xfrm>
+        </p:spPr>
         <p:txBody>
           <a:bodyPr/>
           <a:lstStyle/>
           <a:p>
-            <a:endParaRPr lang="de-DE"/>
-          </a:p>
-        </p:txBody>
-      </p:sp>
-      <p:sp>
-        <p:nvSpPr>
-          <p:cNvPr id="9" name="Text Placeholder 8"/>
-          <p:cNvSpPr>
-            <a:spLocks noGrp="1"/>
-          </p:cNvSpPr>
-          <p:nvPr>
-            <p:ph type="body" sz="quarter" idx="19"/>
-          </p:nvPr>
-        </p:nvSpPr>
-        <p:spPr/>
-        <p:txBody>
-          <a:bodyPr/>
+            <a:pPr marL="444500" indent="0" algn="l"/>
+            <a:r>
+              <a:rPr lang="en-US" sz="1200" dirty="0" err="1" smtClean="0"/>
+              <a:t>use_bpm</a:t>
+            </a:r>
+            <a:r>
+              <a:rPr lang="en-US" sz="1200" dirty="0" smtClean="0"/>
+              <a:t> </a:t>
+            </a:r>
+            <a:r>
+              <a:rPr lang="en-US" sz="1200" dirty="0" smtClean="0"/>
+              <a:t>600</a:t>
+            </a:r>
+          </a:p>
+          <a:p>
+            <a:pPr marL="444500" indent="0" algn="l"/>
+            <a:r>
+              <a:rPr lang="en-US" sz="1200" dirty="0" smtClean="0"/>
+              <a:t>a </a:t>
+            </a:r>
+            <a:r>
+              <a:rPr lang="en-US" sz="1200" dirty="0"/>
+              <a:t>= </a:t>
+            </a:r>
+            <a:r>
+              <a:rPr lang="en-US" sz="1200" dirty="0" smtClean="0"/>
+              <a:t>30</a:t>
+            </a:r>
+          </a:p>
+          <a:p>
+            <a:pPr marL="444500" indent="0" algn="l"/>
+            <a:r>
+              <a:rPr lang="en-US" sz="1200" dirty="0" smtClean="0"/>
+              <a:t>live_loop </a:t>
+            </a:r>
+            <a:r>
+              <a:rPr lang="en-US" sz="1200" dirty="0"/>
+              <a:t>:start do  </a:t>
+            </a:r>
+            <a:endParaRPr lang="en-US" sz="1200" dirty="0" smtClean="0"/>
+          </a:p>
+          <a:p>
+            <a:pPr marL="444500" indent="0" algn="l"/>
+            <a:r>
+              <a:rPr lang="en-US" sz="1200" dirty="0" smtClean="0"/>
+              <a:t>   if </a:t>
+            </a:r>
+            <a:r>
+              <a:rPr lang="en-US" sz="1200" dirty="0"/>
+              <a:t>a &lt; 100    </a:t>
+            </a:r>
+            <a:endParaRPr lang="en-US" sz="1200" dirty="0" smtClean="0"/>
+          </a:p>
+          <a:p>
+            <a:pPr marL="444500" indent="0" algn="l"/>
+            <a:r>
+              <a:rPr lang="en-US" sz="1200" dirty="0" smtClean="0"/>
+              <a:t>     a </a:t>
+            </a:r>
+            <a:r>
+              <a:rPr lang="en-US" sz="1200" dirty="0"/>
+              <a:t>= a +1    </a:t>
+            </a:r>
+            <a:endParaRPr lang="en-US" sz="1200" dirty="0" smtClean="0"/>
+          </a:p>
+          <a:p>
+            <a:pPr marL="444500" indent="0" algn="l"/>
+            <a:r>
+              <a:rPr lang="en-US" sz="1200" dirty="0" smtClean="0"/>
+              <a:t>     play </a:t>
+            </a:r>
+            <a:r>
+              <a:rPr lang="en-US" sz="1200" dirty="0"/>
+              <a:t>a, amp: 4    </a:t>
+            </a:r>
+            <a:endParaRPr lang="en-US" sz="1200" dirty="0" smtClean="0"/>
+          </a:p>
+          <a:p>
+            <a:pPr marL="444500" indent="0" algn="l"/>
+            <a:r>
+              <a:rPr lang="en-US" sz="1200" dirty="0" smtClean="0"/>
+              <a:t>     print </a:t>
+            </a:r>
+            <a:r>
+              <a:rPr lang="en-US" sz="1200" dirty="0"/>
+              <a:t>a  </a:t>
+            </a:r>
+            <a:endParaRPr lang="en-US" sz="1200" dirty="0" smtClean="0"/>
+          </a:p>
+          <a:p>
+            <a:pPr marL="444500" indent="0" algn="l"/>
+            <a:r>
+              <a:rPr lang="en-US" sz="1200" dirty="0" smtClean="0"/>
+              <a:t>   else    </a:t>
+            </a:r>
+          </a:p>
+          <a:p>
+            <a:pPr marL="444500" indent="0" algn="l"/>
+            <a:r>
+              <a:rPr lang="en-US" sz="1200" dirty="0" smtClean="0"/>
+              <a:t>       a </a:t>
+            </a:r>
+            <a:r>
+              <a:rPr lang="en-US" sz="1200" dirty="0"/>
+              <a:t>= 30  </a:t>
+            </a:r>
+            <a:endParaRPr lang="en-US" sz="1200" dirty="0" smtClean="0"/>
+          </a:p>
+          <a:p>
+            <a:pPr marL="444500" indent="0" algn="l"/>
+            <a:r>
+              <a:rPr lang="en-US" sz="1200" dirty="0" smtClean="0"/>
+              <a:t>   end  </a:t>
+            </a:r>
+          </a:p>
+          <a:p>
+            <a:pPr marL="444500" indent="0" algn="l"/>
+            <a:r>
+              <a:rPr lang="en-US" sz="1200" dirty="0" smtClean="0"/>
+              <a:t>   sleep 1</a:t>
+            </a:r>
+          </a:p>
+          <a:p>
+            <a:pPr marL="444500" indent="0" algn="l"/>
+            <a:r>
+              <a:rPr lang="en-US" sz="1200" dirty="0" smtClean="0"/>
+              <a:t>end</a:t>
+            </a:r>
+          </a:p>
+        </p:txBody>
+      </p:sp>
+      <p:sp>
+        <p:nvSpPr>
+          <p:cNvPr id="2" name="TextBox 1"/>
+          <p:cNvSpPr txBox="1"/>
+          <p:nvPr/>
+        </p:nvSpPr>
+        <p:spPr>
+          <a:xfrm>
+            <a:off x="4028303" y="7117492"/>
+            <a:ext cx="184731" cy="369332"/>
+          </a:xfrm>
+          <a:prstGeom prst="rect">
+            <a:avLst/>
+          </a:prstGeom>
+          <a:noFill/>
+        </p:spPr>
+        <p:txBody>
+          <a:bodyPr wrap="none" rtlCol="0">
+            <a:spAutoFit/>
+          </a:bodyPr>
           <a:lstStyle/>
           <a:p>
             <a:endParaRPr lang="de-DE"/>
@@ -6645,7 +7046,7 @@
     </p:spTree>
     <p:extLst>
       <p:ext uri="{BB962C8B-B14F-4D97-AF65-F5344CB8AC3E}">
-        <p14:creationId xmlns:p14="http://schemas.microsoft.com/office/powerpoint/2010/main" val="174545010"/>
+        <p14:creationId xmlns:p14="http://schemas.microsoft.com/office/powerpoint/2010/main" val="2016802546"/>
       </p:ext>
     </p:extLst>
   </p:cSld>
@@ -6681,6 +7082,1000 @@
       </p:grpSpPr>
       <p:sp>
         <p:nvSpPr>
+          <p:cNvPr id="14" name="Text Placeholder 13"/>
+          <p:cNvSpPr>
+            <a:spLocks noGrp="1"/>
+          </p:cNvSpPr>
+          <p:nvPr>
+            <p:ph type="body" sz="quarter" idx="15"/>
+          </p:nvPr>
+        </p:nvSpPr>
+        <p:spPr/>
+        <p:txBody>
+          <a:bodyPr/>
+          <a:lstStyle/>
+          <a:p>
+            <a:r>
+              <a:rPr lang="de-DE" smtClean="0"/>
+              <a:t>So kann man Effekte verwenden</a:t>
+            </a:r>
+            <a:endParaRPr lang="de-DE"/>
+          </a:p>
+        </p:txBody>
+      </p:sp>
+      <p:sp>
+        <p:nvSpPr>
+          <p:cNvPr id="15" name="Text Placeholder 14"/>
+          <p:cNvSpPr>
+            <a:spLocks noGrp="1"/>
+          </p:cNvSpPr>
+          <p:nvPr>
+            <p:ph type="body" sz="quarter" idx="18"/>
+          </p:nvPr>
+        </p:nvSpPr>
+        <p:spPr>
+          <a:xfrm>
+            <a:off x="404664" y="3203848"/>
+            <a:ext cx="6453336" cy="1357295"/>
+          </a:xfrm>
+        </p:spPr>
+        <p:txBody>
+          <a:bodyPr/>
+          <a:lstStyle/>
+          <a:p>
+            <a:pPr marL="179388" indent="-173038">
+              <a:buFontTx/>
+              <a:buChar char="-"/>
+              <a:tabLst>
+                <a:tab pos="1081088" algn="l"/>
+                <a:tab pos="2152650" algn="l"/>
+                <a:tab pos="3233738" algn="l"/>
+                <a:tab pos="4303713" algn="l"/>
+                <a:tab pos="5386388" algn="l"/>
+              </a:tabLst>
+            </a:pPr>
+            <a:r>
+              <a:rPr lang="de-DE" sz="1050" b="0" dirty="0" err="1" smtClean="0">
+                <a:solidFill>
+                  <a:schemeClr val="tx1"/>
+                </a:solidFill>
+                <a:latin typeface="DIN" charset="0"/>
+                <a:ea typeface="DIN" charset="0"/>
+                <a:cs typeface="DIN" charset="0"/>
+              </a:rPr>
+              <a:t>Fx</a:t>
+            </a:r>
+            <a:r>
+              <a:rPr lang="de-DE" sz="1050" b="0" dirty="0" smtClean="0">
+                <a:solidFill>
+                  <a:schemeClr val="tx1"/>
+                </a:solidFill>
+                <a:latin typeface="DIN" charset="0"/>
+                <a:ea typeface="DIN" charset="0"/>
+                <a:cs typeface="DIN" charset="0"/>
+              </a:rPr>
+              <a:t> </a:t>
+            </a:r>
+            <a:r>
+              <a:rPr lang="de-DE" sz="1050" b="0" dirty="0">
+                <a:solidFill>
+                  <a:schemeClr val="tx1"/>
+                </a:solidFill>
+                <a:latin typeface="DIN" charset="0"/>
+                <a:ea typeface="DIN" charset="0"/>
+                <a:cs typeface="DIN" charset="0"/>
+              </a:rPr>
+              <a:t>steht für „</a:t>
+            </a:r>
+            <a:r>
+              <a:rPr lang="de-DE" sz="1050" b="0" dirty="0" err="1">
+                <a:solidFill>
+                  <a:schemeClr val="tx1"/>
+                </a:solidFill>
+                <a:latin typeface="DIN" charset="0"/>
+                <a:ea typeface="DIN" charset="0"/>
+                <a:cs typeface="DIN" charset="0"/>
+              </a:rPr>
+              <a:t>Effects</a:t>
+            </a:r>
+            <a:r>
+              <a:rPr lang="de-DE" sz="1050" b="0" dirty="0">
+                <a:solidFill>
+                  <a:schemeClr val="tx1"/>
+                </a:solidFill>
+                <a:latin typeface="DIN" charset="0"/>
+                <a:ea typeface="DIN" charset="0"/>
+                <a:cs typeface="DIN" charset="0"/>
+              </a:rPr>
+              <a:t>“ = Effekte. Jeder Effekt kann auch „Parameter“ haben: </a:t>
+            </a:r>
+            <a:r>
+              <a:rPr lang="de-DE" sz="1050" b="0" dirty="0" smtClean="0">
+                <a:solidFill>
+                  <a:schemeClr val="tx1"/>
+                </a:solidFill>
+                <a:latin typeface="DIN" charset="0"/>
+                <a:ea typeface="DIN" charset="0"/>
+                <a:cs typeface="DIN" charset="0"/>
+              </a:rPr>
+              <a:t/>
+            </a:r>
+            <a:br>
+              <a:rPr lang="de-DE" sz="1050" b="0" dirty="0" smtClean="0">
+                <a:solidFill>
+                  <a:schemeClr val="tx1"/>
+                </a:solidFill>
+                <a:latin typeface="DIN" charset="0"/>
+                <a:ea typeface="DIN" charset="0"/>
+                <a:cs typeface="DIN" charset="0"/>
+              </a:rPr>
+            </a:br>
+            <a:r>
+              <a:rPr lang="de-DE" sz="1050" b="0" dirty="0" smtClean="0">
+                <a:solidFill>
+                  <a:schemeClr val="tx1"/>
+                </a:solidFill>
+                <a:latin typeface="DIN" charset="0"/>
+                <a:ea typeface="DIN" charset="0"/>
+                <a:cs typeface="DIN" charset="0"/>
+              </a:rPr>
+              <a:t>Hier </a:t>
+            </a:r>
+            <a:r>
+              <a:rPr lang="de-DE" sz="1050" b="0" dirty="0">
+                <a:solidFill>
+                  <a:schemeClr val="tx1"/>
+                </a:solidFill>
+                <a:latin typeface="DIN" charset="0"/>
+                <a:ea typeface="DIN" charset="0"/>
+                <a:cs typeface="DIN" charset="0"/>
+              </a:rPr>
+              <a:t>die Größe des Raums für den </a:t>
+            </a:r>
+            <a:r>
+              <a:rPr lang="de-DE" sz="1050" b="0" dirty="0" smtClean="0">
+                <a:solidFill>
+                  <a:schemeClr val="tx1"/>
+                </a:solidFill>
+                <a:latin typeface="DIN" charset="0"/>
+                <a:ea typeface="DIN" charset="0"/>
+                <a:cs typeface="DIN" charset="0"/>
+              </a:rPr>
+              <a:t>Hall </a:t>
+            </a:r>
+            <a:r>
+              <a:rPr lang="de-DE" sz="1050" b="0" dirty="0" smtClean="0">
+                <a:solidFill>
+                  <a:schemeClr val="tx1"/>
+                </a:solidFill>
+                <a:latin typeface="DIN" charset="0"/>
+                <a:ea typeface="DIN" charset="0"/>
+                <a:cs typeface="DIN" charset="0"/>
+                <a:sym typeface="Wingdings"/>
+              </a:rPr>
+              <a:t> </a:t>
+            </a:r>
+            <a:r>
+              <a:rPr lang="de-DE" sz="1050" b="0" dirty="0" err="1" smtClean="0">
+                <a:solidFill>
+                  <a:schemeClr val="tx1"/>
+                </a:solidFill>
+                <a:latin typeface="DIN" charset="0"/>
+                <a:ea typeface="DIN" charset="0"/>
+                <a:cs typeface="DIN" charset="0"/>
+                <a:sym typeface="Wingdings"/>
+              </a:rPr>
+              <a:t>room</a:t>
+            </a:r>
+            <a:r>
+              <a:rPr lang="de-DE" sz="1050" b="0" dirty="0" smtClean="0">
+                <a:solidFill>
+                  <a:schemeClr val="tx1"/>
+                </a:solidFill>
+                <a:latin typeface="DIN" charset="0"/>
+                <a:ea typeface="DIN" charset="0"/>
+                <a:cs typeface="DIN" charset="0"/>
+                <a:sym typeface="Wingdings"/>
+              </a:rPr>
+              <a:t>: 0.9</a:t>
+            </a:r>
+            <a:endParaRPr lang="de-DE" sz="1050" b="0" dirty="0">
+              <a:solidFill>
+                <a:schemeClr val="tx1"/>
+              </a:solidFill>
+              <a:latin typeface="DIN" charset="0"/>
+              <a:ea typeface="DIN" charset="0"/>
+              <a:cs typeface="DIN" charset="0"/>
+            </a:endParaRPr>
+          </a:p>
+          <a:p>
+            <a:pPr marL="179388" indent="-173038">
+              <a:buFontTx/>
+              <a:buChar char="-"/>
+              <a:tabLst>
+                <a:tab pos="1081088" algn="l"/>
+                <a:tab pos="2152650" algn="l"/>
+                <a:tab pos="3233738" algn="l"/>
+                <a:tab pos="4303713" algn="l"/>
+                <a:tab pos="5386388" algn="l"/>
+              </a:tabLst>
+            </a:pPr>
+            <a:r>
+              <a:rPr lang="de-DE" sz="1050" b="0" dirty="0" smtClean="0">
+                <a:solidFill>
+                  <a:schemeClr val="tx1"/>
+                </a:solidFill>
+                <a:latin typeface="DIN" charset="0"/>
+                <a:ea typeface="DIN" charset="0"/>
+                <a:cs typeface="DIN" charset="0"/>
+              </a:rPr>
+              <a:t>Verwende eine andere Geschwindigkeit </a:t>
+            </a:r>
+            <a:endParaRPr lang="de-DE" sz="1050" b="0" dirty="0" smtClean="0">
+              <a:solidFill>
+                <a:schemeClr val="tx1"/>
+              </a:solidFill>
+              <a:latin typeface="DIN" charset="0"/>
+              <a:ea typeface="DIN" charset="0"/>
+              <a:cs typeface="DIN" charset="0"/>
+            </a:endParaRPr>
+          </a:p>
+          <a:p>
+            <a:pPr marL="179388" indent="-173038">
+              <a:buFontTx/>
+              <a:buChar char="-"/>
+              <a:tabLst>
+                <a:tab pos="1081088" algn="l"/>
+                <a:tab pos="2152650" algn="l"/>
+                <a:tab pos="3233738" algn="l"/>
+                <a:tab pos="4303713" algn="l"/>
+                <a:tab pos="5386388" algn="l"/>
+              </a:tabLst>
+            </a:pPr>
+            <a:r>
+              <a:rPr lang="de-DE" sz="1050" b="0" dirty="0" smtClean="0">
+                <a:solidFill>
+                  <a:schemeClr val="tx1"/>
+                </a:solidFill>
+                <a:latin typeface="DIN" charset="0"/>
+                <a:ea typeface="DIN" charset="0"/>
+                <a:cs typeface="DIN" charset="0"/>
+              </a:rPr>
+              <a:t>Verwende </a:t>
+            </a:r>
+            <a:r>
+              <a:rPr lang="de-DE" sz="1050" b="0" dirty="0" err="1" smtClean="0">
+                <a:solidFill>
+                  <a:schemeClr val="tx1"/>
+                </a:solidFill>
+                <a:latin typeface="DIN" charset="0"/>
+                <a:ea typeface="DIN" charset="0"/>
+                <a:cs typeface="DIN" charset="0"/>
+              </a:rPr>
+              <a:t>play</a:t>
+            </a:r>
+            <a:r>
+              <a:rPr lang="de-DE" sz="1050" b="0" dirty="0" smtClean="0">
+                <a:solidFill>
+                  <a:schemeClr val="tx1"/>
+                </a:solidFill>
+                <a:latin typeface="DIN" charset="0"/>
+                <a:ea typeface="DIN" charset="0"/>
+                <a:cs typeface="DIN" charset="0"/>
+              </a:rPr>
+              <a:t> und </a:t>
+            </a:r>
+            <a:r>
+              <a:rPr lang="de-DE" sz="1050" b="0" dirty="0" err="1" smtClean="0">
+                <a:solidFill>
+                  <a:schemeClr val="tx1"/>
+                </a:solidFill>
+                <a:latin typeface="DIN" charset="0"/>
+                <a:ea typeface="DIN" charset="0"/>
+                <a:cs typeface="DIN" charset="0"/>
+              </a:rPr>
+              <a:t>choose</a:t>
+            </a:r>
+            <a:r>
+              <a:rPr lang="de-DE" sz="1050" b="0" dirty="0" smtClean="0">
+                <a:solidFill>
+                  <a:schemeClr val="tx1"/>
+                </a:solidFill>
+                <a:latin typeface="DIN" charset="0"/>
+                <a:ea typeface="DIN" charset="0"/>
+                <a:cs typeface="DIN" charset="0"/>
+              </a:rPr>
+              <a:t> </a:t>
+            </a:r>
+            <a:r>
+              <a:rPr lang="de-DE" sz="1050" b="0" dirty="0" smtClean="0">
+                <a:solidFill>
+                  <a:schemeClr val="tx1"/>
+                </a:solidFill>
+                <a:latin typeface="DIN" charset="0"/>
+                <a:ea typeface="DIN" charset="0"/>
+                <a:cs typeface="DIN" charset="0"/>
+              </a:rPr>
+              <a:t>(</a:t>
+            </a:r>
+            <a:r>
+              <a:rPr lang="de-DE" sz="1050" b="0" dirty="0" smtClean="0">
+                <a:solidFill>
+                  <a:schemeClr val="tx1"/>
+                </a:solidFill>
+                <a:latin typeface="DIN" charset="0"/>
+                <a:ea typeface="DIN" charset="0"/>
+                <a:cs typeface="DIN" charset="0"/>
+              </a:rPr>
+              <a:t>siehe Seite 9b</a:t>
+            </a:r>
+            <a:r>
+              <a:rPr lang="de-DE" sz="1050" b="0" dirty="0" smtClean="0">
+                <a:solidFill>
+                  <a:schemeClr val="tx1"/>
+                </a:solidFill>
+                <a:latin typeface="DIN" charset="0"/>
+                <a:ea typeface="DIN" charset="0"/>
+                <a:cs typeface="DIN" charset="0"/>
+              </a:rPr>
+              <a:t>)</a:t>
+            </a:r>
+          </a:p>
+          <a:p>
+            <a:pPr marL="179388" indent="-173038">
+              <a:buFontTx/>
+              <a:buChar char="-"/>
+              <a:tabLst>
+                <a:tab pos="1081088" algn="l"/>
+                <a:tab pos="2152650" algn="l"/>
+                <a:tab pos="3233738" algn="l"/>
+                <a:tab pos="4303713" algn="l"/>
+                <a:tab pos="5386388" algn="l"/>
+              </a:tabLst>
+            </a:pPr>
+            <a:r>
+              <a:rPr lang="de-DE" sz="1050" b="0" dirty="0" smtClean="0">
+                <a:solidFill>
+                  <a:schemeClr val="tx1"/>
+                </a:solidFill>
+                <a:latin typeface="DIN" charset="0"/>
+                <a:ea typeface="DIN" charset="0"/>
+                <a:cs typeface="DIN" charset="0"/>
+              </a:rPr>
+              <a:t>Füge noch ein Effekt hinzu:</a:t>
+            </a:r>
+          </a:p>
+          <a:p>
+            <a:pPr marL="579467" lvl="2" indent="-173038">
+              <a:buFontTx/>
+              <a:buChar char="-"/>
+              <a:tabLst>
+                <a:tab pos="1081088" algn="l"/>
+                <a:tab pos="2152650" algn="l"/>
+                <a:tab pos="3233738" algn="l"/>
+                <a:tab pos="4303713" algn="l"/>
+                <a:tab pos="5386388" algn="l"/>
+              </a:tabLst>
+            </a:pPr>
+            <a:r>
+              <a:rPr lang="de-DE" sz="900" dirty="0" err="1">
+                <a:latin typeface="DIN" charset="0"/>
+                <a:ea typeface="DIN" charset="0"/>
+                <a:cs typeface="DIN" charset="0"/>
+              </a:rPr>
+              <a:t>with_fx</a:t>
+            </a:r>
+            <a:r>
+              <a:rPr lang="de-DE" sz="900" dirty="0">
+                <a:latin typeface="DIN" charset="0"/>
+                <a:ea typeface="DIN" charset="0"/>
+                <a:cs typeface="DIN" charset="0"/>
+              </a:rPr>
+              <a:t> :</a:t>
+            </a:r>
+            <a:r>
+              <a:rPr lang="de-DE" sz="900" dirty="0" err="1">
+                <a:latin typeface="DIN" charset="0"/>
+                <a:ea typeface="DIN" charset="0"/>
+                <a:cs typeface="DIN" charset="0"/>
+              </a:rPr>
+              <a:t>krush</a:t>
+            </a:r>
+            <a:r>
+              <a:rPr lang="de-DE" sz="900" dirty="0">
+                <a:latin typeface="DIN" charset="0"/>
+                <a:ea typeface="DIN" charset="0"/>
+                <a:cs typeface="DIN" charset="0"/>
+              </a:rPr>
+              <a:t> </a:t>
+            </a:r>
+            <a:r>
+              <a:rPr lang="de-DE" sz="900" dirty="0" smtClean="0">
+                <a:latin typeface="DIN" charset="0"/>
+                <a:ea typeface="DIN" charset="0"/>
+                <a:cs typeface="DIN" charset="0"/>
+              </a:rPr>
+              <a:t>do</a:t>
+            </a:r>
+            <a:endParaRPr lang="de-DE" sz="900" dirty="0">
+              <a:latin typeface="DIN" charset="0"/>
+              <a:ea typeface="DIN" charset="0"/>
+              <a:cs typeface="DIN" charset="0"/>
+            </a:endParaRPr>
+          </a:p>
+          <a:p>
+            <a:pPr marL="179388" lvl="1" indent="-173038">
+              <a:buFontTx/>
+              <a:buChar char="-"/>
+              <a:tabLst>
+                <a:tab pos="1081088" algn="l"/>
+                <a:tab pos="2152650" algn="l"/>
+                <a:tab pos="3233738" algn="l"/>
+                <a:tab pos="4303713" algn="l"/>
+                <a:tab pos="5386388" algn="l"/>
+              </a:tabLst>
+            </a:pPr>
+            <a:r>
+              <a:rPr lang="de-DE" sz="1050" dirty="0">
+                <a:latin typeface="DIN" charset="0"/>
+                <a:ea typeface="DIN" charset="0"/>
+                <a:cs typeface="DIN" charset="0"/>
+              </a:rPr>
+              <a:t>Probiere andere Effekte aus (siehe </a:t>
+            </a:r>
+            <a:r>
+              <a:rPr lang="de-DE" sz="1050" dirty="0" err="1">
+                <a:latin typeface="DIN" charset="0"/>
+                <a:ea typeface="DIN" charset="0"/>
+                <a:cs typeface="DIN" charset="0"/>
+              </a:rPr>
+              <a:t>Fx</a:t>
+            </a:r>
+            <a:r>
+              <a:rPr lang="de-DE" sz="1050" dirty="0">
+                <a:latin typeface="DIN" charset="0"/>
+                <a:ea typeface="DIN" charset="0"/>
+                <a:cs typeface="DIN" charset="0"/>
+              </a:rPr>
+              <a:t> in der Hilfe</a:t>
+            </a:r>
+            <a:r>
+              <a:rPr lang="de-DE" sz="1050" dirty="0" smtClean="0">
+                <a:latin typeface="DIN" charset="0"/>
+                <a:ea typeface="DIN" charset="0"/>
+                <a:cs typeface="DIN" charset="0"/>
+              </a:rPr>
+              <a:t>)</a:t>
+            </a:r>
+            <a:endParaRPr lang="de-DE" sz="1050" dirty="0">
+              <a:latin typeface="DIN" charset="0"/>
+              <a:ea typeface="DIN" charset="0"/>
+              <a:cs typeface="DIN" charset="0"/>
+            </a:endParaRPr>
+          </a:p>
+        </p:txBody>
+      </p:sp>
+      <p:sp>
+        <p:nvSpPr>
+          <p:cNvPr id="16" name="Text Placeholder 15"/>
+          <p:cNvSpPr>
+            <a:spLocks noGrp="1"/>
+          </p:cNvSpPr>
+          <p:nvPr>
+            <p:ph type="body" sz="quarter" idx="17"/>
+          </p:nvPr>
+        </p:nvSpPr>
+        <p:spPr>
+          <a:xfrm>
+            <a:off x="404664" y="289930"/>
+            <a:ext cx="6048672" cy="2677656"/>
+          </a:xfrm>
+        </p:spPr>
+        <p:txBody>
+          <a:bodyPr/>
+          <a:lstStyle/>
+          <a:p>
+            <a:pPr algn="l"/>
+            <a:r>
+              <a:rPr lang="de-DE" sz="2000" noProof="1" smtClean="0"/>
+              <a:t>Effekte</a:t>
+            </a:r>
+            <a:endParaRPr lang="de-DE" sz="2000" noProof="1"/>
+          </a:p>
+          <a:p>
+            <a:pPr algn="l"/>
+            <a:endParaRPr lang="en-US" sz="2000" dirty="0" smtClean="0"/>
+          </a:p>
+          <a:p>
+            <a:pPr algn="l"/>
+            <a:r>
+              <a:rPr lang="en-US" sz="2000" dirty="0" smtClean="0"/>
+              <a:t>live_loop </a:t>
+            </a:r>
+            <a:r>
+              <a:rPr lang="en-US" sz="2000" dirty="0"/>
+              <a:t>:</a:t>
+            </a:r>
+            <a:r>
+              <a:rPr lang="en-US" sz="2000" dirty="0" err="1"/>
+              <a:t>mitHall</a:t>
+            </a:r>
+            <a:r>
+              <a:rPr lang="en-US" sz="2000" dirty="0"/>
+              <a:t> do</a:t>
+            </a:r>
+          </a:p>
+          <a:p>
+            <a:pPr algn="l"/>
+            <a:r>
+              <a:rPr lang="en-US" sz="2000" dirty="0"/>
+              <a:t>  </a:t>
+            </a:r>
+            <a:r>
+              <a:rPr lang="en-US" sz="2000" dirty="0" err="1"/>
+              <a:t>with_fx</a:t>
+            </a:r>
+            <a:r>
+              <a:rPr lang="en-US" sz="2000" dirty="0"/>
+              <a:t> :reverb, room: 0.9 do</a:t>
+            </a:r>
+          </a:p>
+          <a:p>
+            <a:pPr algn="l"/>
+            <a:r>
+              <a:rPr lang="en-US" sz="2000" dirty="0"/>
+              <a:t>    </a:t>
+            </a:r>
+            <a:r>
+              <a:rPr lang="en-US" sz="2000" dirty="0" err="1"/>
+              <a:t>play_pattern</a:t>
+            </a:r>
+            <a:r>
+              <a:rPr lang="en-US" sz="2000" dirty="0"/>
+              <a:t> (scale :e4, :minor)</a:t>
+            </a:r>
+          </a:p>
+          <a:p>
+            <a:pPr algn="l"/>
+            <a:r>
+              <a:rPr lang="en-US" sz="2000" dirty="0"/>
+              <a:t>  end</a:t>
+            </a:r>
+          </a:p>
+          <a:p>
+            <a:pPr algn="l"/>
+            <a:r>
+              <a:rPr lang="en-US" sz="2000" dirty="0"/>
+              <a:t>end</a:t>
+            </a:r>
+            <a:endParaRPr lang="de-DE" sz="2000" dirty="0" smtClean="0"/>
+          </a:p>
+        </p:txBody>
+      </p:sp>
+      <p:sp>
+        <p:nvSpPr>
+          <p:cNvPr id="10" name="Text Placeholder 9"/>
+          <p:cNvSpPr>
+            <a:spLocks noGrp="1"/>
+          </p:cNvSpPr>
+          <p:nvPr>
+            <p:ph type="body" sz="quarter" idx="20"/>
+          </p:nvPr>
+        </p:nvSpPr>
+        <p:spPr>
+          <a:xfrm>
+            <a:off x="0" y="7956376"/>
+            <a:ext cx="6858000" cy="261610"/>
+          </a:xfrm>
+        </p:spPr>
+        <p:txBody>
+          <a:bodyPr/>
+          <a:lstStyle/>
+          <a:p>
+            <a:endParaRPr lang="de-DE"/>
+          </a:p>
+        </p:txBody>
+      </p:sp>
+      <p:sp>
+        <p:nvSpPr>
+          <p:cNvPr id="9" name="Text Placeholder 8"/>
+          <p:cNvSpPr>
+            <a:spLocks noGrp="1"/>
+          </p:cNvSpPr>
+          <p:nvPr>
+            <p:ph type="body" sz="quarter" idx="19"/>
+          </p:nvPr>
+        </p:nvSpPr>
+        <p:spPr>
+          <a:xfrm>
+            <a:off x="404664" y="8316416"/>
+            <a:ext cx="6453336" cy="835613"/>
+          </a:xfrm>
+        </p:spPr>
+        <p:txBody>
+          <a:bodyPr/>
+          <a:lstStyle/>
+          <a:p>
+            <a:r>
+              <a:rPr lang="de-DE" sz="1050" dirty="0" smtClean="0"/>
+              <a:t>Probiere </a:t>
+            </a:r>
+            <a:r>
+              <a:rPr lang="de-DE" sz="1050" dirty="0" err="1" smtClean="0">
+                <a:solidFill>
+                  <a:schemeClr val="accent6"/>
+                </a:solidFill>
+              </a:rPr>
+              <a:t>sleep</a:t>
+            </a:r>
+            <a:r>
+              <a:rPr lang="de-DE" sz="1050" dirty="0" smtClean="0">
+                <a:solidFill>
+                  <a:schemeClr val="accent6"/>
+                </a:solidFill>
+              </a:rPr>
+              <a:t> </a:t>
+            </a:r>
+            <a:r>
+              <a:rPr lang="de-DE" sz="1050" dirty="0" err="1" smtClean="0">
+                <a:solidFill>
+                  <a:schemeClr val="accent6"/>
+                </a:solidFill>
+              </a:rPr>
+              <a:t>sample_duration</a:t>
+            </a:r>
+            <a:r>
+              <a:rPr lang="de-DE" sz="1050" dirty="0" smtClean="0">
+                <a:solidFill>
+                  <a:schemeClr val="accent6"/>
+                </a:solidFill>
+              </a:rPr>
+              <a:t>(:</a:t>
+            </a:r>
+            <a:r>
+              <a:rPr lang="de-DE" sz="1050" dirty="0" err="1" smtClean="0">
+                <a:solidFill>
+                  <a:schemeClr val="accent6"/>
+                </a:solidFill>
+              </a:rPr>
+              <a:t>loop_amen</a:t>
+            </a:r>
+            <a:r>
+              <a:rPr lang="de-DE" sz="1050" dirty="0" smtClean="0">
+                <a:solidFill>
+                  <a:schemeClr val="accent6"/>
+                </a:solidFill>
+              </a:rPr>
+              <a:t>) </a:t>
+            </a:r>
+            <a:r>
+              <a:rPr lang="de-DE" sz="1050" dirty="0" smtClean="0"/>
+              <a:t>aus! Was passiert und warum?</a:t>
+            </a:r>
+          </a:p>
+          <a:p>
+            <a:r>
+              <a:rPr lang="de-DE" sz="1050" dirty="0" smtClean="0"/>
+              <a:t>Füge folgendes hinter dem Sample-Befehl ein:       </a:t>
+            </a:r>
+            <a:r>
+              <a:rPr lang="en-US" sz="1050" dirty="0" smtClean="0">
+                <a:solidFill>
+                  <a:schemeClr val="accent6"/>
+                </a:solidFill>
+              </a:rPr>
+              <a:t>, </a:t>
+            </a:r>
+            <a:r>
+              <a:rPr lang="en-US" sz="1050" dirty="0">
+                <a:solidFill>
+                  <a:schemeClr val="accent6"/>
+                </a:solidFill>
+              </a:rPr>
+              <a:t>rate: 2</a:t>
+            </a:r>
+            <a:r>
+              <a:rPr lang="en-US" sz="1050" dirty="0" smtClean="0"/>
+              <a:t>      Was </a:t>
+            </a:r>
+            <a:r>
+              <a:rPr lang="en-US" sz="1050" dirty="0" err="1" smtClean="0"/>
+              <a:t>macht</a:t>
+            </a:r>
+            <a:r>
+              <a:rPr lang="en-US" sz="1050" dirty="0" smtClean="0"/>
+              <a:t> die Rate? Was </a:t>
+            </a:r>
+            <a:r>
+              <a:rPr lang="en-US" sz="1050" dirty="0" err="1" smtClean="0"/>
+              <a:t>passiert</a:t>
+            </a:r>
+            <a:r>
+              <a:rPr lang="en-US" sz="1050" dirty="0" smtClean="0"/>
+              <a:t> </a:t>
+            </a:r>
+            <a:r>
+              <a:rPr lang="en-US" sz="1050" dirty="0" err="1" smtClean="0"/>
+              <a:t>mit</a:t>
+            </a:r>
+            <a:r>
+              <a:rPr lang="en-US" sz="1050" dirty="0" smtClean="0"/>
+              <a:t> der Pause? </a:t>
+            </a:r>
+          </a:p>
+          <a:p>
+            <a:r>
+              <a:rPr lang="en-US" sz="1050" dirty="0" err="1" smtClean="0"/>
+              <a:t>Wie</a:t>
+            </a:r>
+            <a:r>
+              <a:rPr lang="en-US" sz="1050" dirty="0" smtClean="0"/>
+              <a:t> </a:t>
+            </a:r>
+            <a:r>
+              <a:rPr lang="en-US" sz="1050" dirty="0" err="1" smtClean="0"/>
+              <a:t>müssen</a:t>
+            </a:r>
+            <a:r>
+              <a:rPr lang="en-US" sz="1050" dirty="0" smtClean="0"/>
+              <a:t> </a:t>
+            </a:r>
+            <a:r>
+              <a:rPr lang="en-US" sz="1050" dirty="0" err="1" smtClean="0"/>
+              <a:t>wir</a:t>
+            </a:r>
+            <a:r>
+              <a:rPr lang="en-US" sz="1050" dirty="0" smtClean="0"/>
+              <a:t> die Pause </a:t>
+            </a:r>
+            <a:r>
+              <a:rPr lang="en-US" sz="1050" dirty="0" err="1" smtClean="0"/>
+              <a:t>korrigieren</a:t>
+            </a:r>
+            <a:r>
+              <a:rPr lang="en-US" sz="1050" dirty="0" smtClean="0"/>
+              <a:t>?</a:t>
+            </a:r>
+          </a:p>
+          <a:p>
+            <a:r>
+              <a:rPr lang="en-US" sz="1050" dirty="0" err="1" smtClean="0"/>
+              <a:t>Zum</a:t>
+            </a:r>
+            <a:r>
+              <a:rPr lang="en-US" sz="1050" dirty="0" smtClean="0"/>
+              <a:t> </a:t>
+            </a:r>
+            <a:r>
+              <a:rPr lang="en-US" sz="1050" dirty="0" err="1" smtClean="0"/>
+              <a:t>Spaß</a:t>
+            </a:r>
+            <a:r>
+              <a:rPr lang="en-US" sz="1050" dirty="0" smtClean="0"/>
+              <a:t>: </a:t>
+            </a:r>
+            <a:r>
+              <a:rPr lang="en-US" sz="1050" dirty="0" err="1" smtClean="0"/>
+              <a:t>Versuche</a:t>
+            </a:r>
+            <a:r>
+              <a:rPr lang="en-US" sz="1050" dirty="0" smtClean="0"/>
+              <a:t> mal </a:t>
+            </a:r>
+            <a:r>
+              <a:rPr lang="en-US" sz="1050" dirty="0" err="1" smtClean="0"/>
+              <a:t>eine</a:t>
+            </a:r>
+            <a:r>
+              <a:rPr lang="en-US" sz="1050" dirty="0" smtClean="0"/>
+              <a:t>           </a:t>
+            </a:r>
+            <a:r>
+              <a:rPr lang="en-US" sz="1050" dirty="0" smtClean="0">
+                <a:solidFill>
+                  <a:schemeClr val="accent6"/>
+                </a:solidFill>
+              </a:rPr>
+              <a:t>rate:-1</a:t>
+            </a:r>
+            <a:endParaRPr lang="de-DE" sz="1050" dirty="0">
+              <a:solidFill>
+                <a:schemeClr val="accent6"/>
+              </a:solidFill>
+            </a:endParaRPr>
+          </a:p>
+        </p:txBody>
+      </p:sp>
+      <p:sp>
+        <p:nvSpPr>
+          <p:cNvPr id="11" name="Text Placeholder 15"/>
+          <p:cNvSpPr>
+            <a:spLocks noGrp="1"/>
+          </p:cNvSpPr>
+          <p:nvPr>
+            <p:ph type="body" sz="quarter" idx="17"/>
+          </p:nvPr>
+        </p:nvSpPr>
+        <p:spPr>
+          <a:xfrm>
+            <a:off x="764704" y="5350211"/>
+            <a:ext cx="2736304" cy="1877437"/>
+          </a:xfrm>
+        </p:spPr>
+        <p:txBody>
+          <a:bodyPr>
+            <a:noAutofit/>
+          </a:bodyPr>
+          <a:lstStyle/>
+          <a:p>
+            <a:pPr marL="6350" indent="0" algn="l"/>
+            <a:r>
+              <a:rPr lang="en-US" sz="2000" smtClean="0"/>
+              <a:t>live_loop </a:t>
+            </a:r>
+            <a:r>
+              <a:rPr lang="en-US" sz="2000" dirty="0"/>
+              <a:t>:</a:t>
+            </a:r>
+            <a:r>
+              <a:rPr lang="en-US" sz="2000" dirty="0" err="1"/>
+              <a:t>endlos</a:t>
+            </a:r>
+            <a:r>
+              <a:rPr lang="en-US" sz="2000" dirty="0"/>
+              <a:t> do  </a:t>
+            </a:r>
+            <a:endParaRPr lang="en-US" sz="2000" dirty="0" smtClean="0"/>
+          </a:p>
+          <a:p>
+            <a:pPr marL="6350" indent="0" algn="l"/>
+            <a:r>
+              <a:rPr lang="en-US" sz="2000" dirty="0" smtClean="0"/>
+              <a:t>   sample </a:t>
+            </a:r>
+            <a:r>
+              <a:rPr lang="en-US" sz="2000" dirty="0"/>
+              <a:t>:</a:t>
+            </a:r>
+            <a:r>
+              <a:rPr lang="en-US" sz="2000" dirty="0" err="1"/>
+              <a:t>loop_amen</a:t>
+            </a:r>
+            <a:r>
+              <a:rPr lang="en-US" sz="2000" dirty="0"/>
+              <a:t>  </a:t>
+            </a:r>
+            <a:endParaRPr lang="en-US" sz="2000" dirty="0" smtClean="0"/>
+          </a:p>
+          <a:p>
+            <a:pPr marL="6350" indent="0" algn="l"/>
+            <a:r>
+              <a:rPr lang="en-US" sz="2000" dirty="0" smtClean="0"/>
+              <a:t>   sleep 4</a:t>
+            </a:r>
+          </a:p>
+          <a:p>
+            <a:pPr marL="6350" indent="0" algn="l"/>
+            <a:r>
+              <a:rPr lang="en-US" sz="2000" dirty="0" smtClean="0"/>
+              <a:t>end</a:t>
+            </a:r>
+            <a:endParaRPr lang="de-DE" sz="2000" dirty="0" smtClean="0"/>
+          </a:p>
+        </p:txBody>
+      </p:sp>
+      <p:sp>
+        <p:nvSpPr>
+          <p:cNvPr id="2" name="TextBox 1"/>
+          <p:cNvSpPr txBox="1"/>
+          <p:nvPr/>
+        </p:nvSpPr>
+        <p:spPr>
+          <a:xfrm>
+            <a:off x="2545984" y="6383498"/>
+            <a:ext cx="3907352" cy="923330"/>
+          </a:xfrm>
+          <a:prstGeom prst="rect">
+            <a:avLst/>
+          </a:prstGeom>
+          <a:noFill/>
+        </p:spPr>
+        <p:txBody>
+          <a:bodyPr wrap="none" rtlCol="0">
+            <a:spAutoFit/>
+          </a:bodyPr>
+          <a:lstStyle/>
+          <a:p>
+            <a:r>
+              <a:rPr lang="de-DE" dirty="0" smtClean="0"/>
+              <a:t>Das Schlagzeug soll durchgängig spielen</a:t>
+            </a:r>
+            <a:br>
+              <a:rPr lang="de-DE" dirty="0" smtClean="0"/>
+            </a:br>
+            <a:r>
+              <a:rPr lang="de-DE" dirty="0" smtClean="0"/>
+              <a:t>aber die Pause ist zu lang. Versuche die </a:t>
+            </a:r>
+          </a:p>
+          <a:p>
+            <a:r>
+              <a:rPr lang="de-DE" dirty="0" smtClean="0"/>
+              <a:t>richtige Länge herauszufinden.</a:t>
+            </a:r>
+            <a:endParaRPr lang="de-DE" dirty="0"/>
+          </a:p>
+        </p:txBody>
+      </p:sp>
+      <p:sp>
+        <p:nvSpPr>
+          <p:cNvPr id="3" name="TextBox 2"/>
+          <p:cNvSpPr txBox="1"/>
+          <p:nvPr/>
+        </p:nvSpPr>
+        <p:spPr>
+          <a:xfrm>
+            <a:off x="1988840" y="4841359"/>
+            <a:ext cx="2448272" cy="369332"/>
+          </a:xfrm>
+          <a:prstGeom prst="rect">
+            <a:avLst/>
+          </a:prstGeom>
+          <a:noFill/>
+        </p:spPr>
+        <p:txBody>
+          <a:bodyPr wrap="square" rtlCol="0">
+            <a:spAutoFit/>
+          </a:bodyPr>
+          <a:lstStyle/>
+          <a:p>
+            <a:r>
+              <a:rPr lang="de-DE" noProof="1" smtClean="0"/>
+              <a:t>Sample-Dauer</a:t>
+            </a:r>
+            <a:endParaRPr lang="de-DE" noProof="1"/>
+          </a:p>
+        </p:txBody>
+      </p:sp>
+    </p:spTree>
+    <p:extLst>
+      <p:ext uri="{BB962C8B-B14F-4D97-AF65-F5344CB8AC3E}">
+        <p14:creationId xmlns:p14="http://schemas.microsoft.com/office/powerpoint/2010/main" val="174545010"/>
+      </p:ext>
+    </p:extLst>
+  </p:cSld>
+  <p:clrMapOvr>
+    <a:masterClrMapping/>
+  </p:clrMapOvr>
+  <p:timing>
+    <p:tnLst>
+      <p:par>
+        <p:cTn id="1" dur="indefinite" restart="never" nodeType="tmRoot"/>
+      </p:par>
+    </p:tnLst>
+  </p:timing>
+</p:sld>
+</file>
+
+<file path=ppt/slides/slide17.xml><?xml version="1.0" encoding="utf-8"?>
+<p:sld xmlns:a="http://schemas.openxmlformats.org/drawingml/2006/main" xmlns:r="http://schemas.openxmlformats.org/officeDocument/2006/relationships" xmlns:p="http://schemas.openxmlformats.org/presentationml/2006/main">
+  <p:cSld>
+    <p:spTree>
+      <p:nvGrpSpPr>
+        <p:cNvPr id="1" name=""/>
+        <p:cNvGrpSpPr/>
+        <p:nvPr/>
+      </p:nvGrpSpPr>
+      <p:grpSpPr>
+        <a:xfrm>
+          <a:off x="0" y="0"/>
+          <a:ext cx="0" cy="0"/>
+          <a:chOff x="0" y="0"/>
+          <a:chExt cx="0" cy="0"/>
+        </a:xfrm>
+      </p:grpSpPr>
+      <p:sp>
+        <p:nvSpPr>
           <p:cNvPr id="8" name="Rectangle 7"/>
           <p:cNvSpPr/>
           <p:nvPr/>
@@ -6722,7 +8117,7 @@
           <a:bodyPr rtlCol="0" anchor="ctr"/>
           <a:lstStyle/>
           <a:p>
-            <a:endParaRPr lang="en-US" dirty="0" smtClean="0">
+            <a:endParaRPr lang="en-US" smtClean="0">
               <a:solidFill>
                 <a:schemeClr val="tx1"/>
               </a:solidFill>
@@ -6753,14 +8148,14 @@
           <a:lstStyle/>
           <a:p>
             <a:r>
-              <a:rPr lang="de-DE" sz="3200" dirty="0" smtClean="0">
+              <a:rPr lang="de-DE" sz="3200" smtClean="0">
                 <a:solidFill>
                   <a:schemeClr val="accent6"/>
                 </a:solidFill>
               </a:rPr>
               <a:t>Spickzettel</a:t>
             </a:r>
-            <a:endParaRPr lang="de-DE" sz="3200" dirty="0">
+            <a:endParaRPr lang="de-DE" sz="3200">
               <a:solidFill>
                 <a:schemeClr val="accent6"/>
               </a:solidFill>
@@ -6804,20 +8199,20 @@
           <a:lstStyle/>
           <a:p>
             <a:r>
-              <a:rPr lang="de-DE" dirty="0"/>
+              <a:rPr lang="de-DE"/>
               <a:t>play :c4  </a:t>
             </a:r>
             <a:r>
-              <a:rPr lang="de-DE" dirty="0" smtClean="0">
+              <a:rPr lang="de-DE" smtClean="0">
                 <a:sym typeface="Wingdings" pitchFamily="2" charset="2"/>
               </a:rPr>
               <a:t>   Tonleiter  = </a:t>
             </a:r>
             <a:r>
-              <a:rPr lang="de-DE" dirty="0" err="1" smtClean="0"/>
+              <a:rPr lang="de-DE" err="1" smtClean="0"/>
               <a:t>c,d,e,f,g,a,b,c</a:t>
             </a:r>
-            <a:endParaRPr lang="de-DE" dirty="0"/>
+            <a:endParaRPr lang="de-DE"/>
           </a:p>
         </p:txBody>
       </p:sp>
@@ -6857,7 +8252,7 @@
           <a:lstStyle/>
           <a:p>
             <a:r>
-              <a:rPr lang="de-DE" dirty="0">
+              <a:rPr lang="de-DE">
                 <a:solidFill>
                   <a:schemeClr val="dk1"/>
                 </a:solidFill>
@@ -6903,7 +8298,7 @@
           <a:lstStyle/>
           <a:p>
             <a:r>
-              <a:rPr lang="de-DE" dirty="0">
+              <a:rPr lang="de-DE">
                 <a:solidFill>
                   <a:schemeClr val="dk1"/>
                 </a:solidFill>
@@ -6949,7 +8344,7 @@
           <a:lstStyle/>
           <a:p>
             <a:r>
-              <a:rPr lang="en-US" dirty="0" err="1">
+              <a:rPr lang="en-US" err="1">
                 <a:solidFill>
                   <a:schemeClr val="dk1"/>
                 </a:solidFill>
@@ -6957,7 +8352,7 @@
               <a:t>play_chord</a:t>
             </a:r>
             <a:r>
-              <a:rPr lang="en-US" dirty="0">
+              <a:rPr lang="en-US">
                 <a:solidFill>
                   <a:schemeClr val="dk1"/>
                 </a:solidFill>
@@ -6965,7 +8360,7 @@
               <a:t> chord(:e4, :major)     </a:t>
             </a:r>
             <a:r>
-              <a:rPr lang="en-US" dirty="0">
+              <a:rPr lang="en-US">
                 <a:solidFill>
                   <a:schemeClr val="dk1"/>
                 </a:solidFill>
@@ -6973,7 +8368,7 @@
               </a:rPr>
               <a:t> major, minor… </a:t>
             </a:r>
-            <a:endParaRPr lang="en-US" dirty="0">
+            <a:endParaRPr lang="en-US">
               <a:solidFill>
                 <a:schemeClr val="dk1"/>
               </a:solidFill>
@@ -7017,7 +8412,7 @@
           <a:lstStyle/>
           <a:p>
             <a:r>
-              <a:rPr lang="de-DE" dirty="0">
+              <a:rPr lang="de-DE">
                 <a:solidFill>
                   <a:schemeClr val="dk1"/>
                 </a:solidFill>
@@ -7109,7 +8504,7 @@
           <a:lstStyle/>
           <a:p>
             <a:r>
-              <a:rPr lang="de-DE" dirty="0" err="1">
+              <a:rPr lang="de-DE" err="1">
                 <a:solidFill>
                   <a:schemeClr val="dk1"/>
                 </a:solidFill>
@@ -7117,7 +8512,7 @@
               <a:t>play_pattern</a:t>
             </a:r>
             <a:r>
-              <a:rPr lang="de-DE" dirty="0">
+              <a:rPr lang="de-DE">
                 <a:solidFill>
                   <a:schemeClr val="dk1"/>
                 </a:solidFill>
@@ -7125,7 +8520,7 @@
               <a:t> </a:t>
             </a:r>
             <a:r>
-              <a:rPr lang="de-DE" dirty="0" smtClean="0">
+              <a:rPr lang="de-DE" smtClean="0">
                 <a:solidFill>
                   <a:schemeClr val="dk1"/>
                 </a:solidFill>
@@ -7133,7 +8528,7 @@
               <a:t>(</a:t>
             </a:r>
             <a:r>
-              <a:rPr lang="de-DE" dirty="0" err="1" smtClean="0">
+              <a:rPr lang="de-DE" err="1" smtClean="0">
                 <a:solidFill>
                   <a:schemeClr val="dk1"/>
                 </a:solidFill>
@@ -7141,7 +8536,7 @@
               <a:t>scale</a:t>
             </a:r>
             <a:r>
-              <a:rPr lang="de-DE" dirty="0" smtClean="0">
+              <a:rPr lang="de-DE" smtClean="0">
                 <a:solidFill>
                   <a:schemeClr val="dk1"/>
                 </a:solidFill>
@@ -7149,7 +8544,7 @@
               <a:t> :e4</a:t>
             </a:r>
             <a:r>
-              <a:rPr lang="de-DE" dirty="0">
+              <a:rPr lang="de-DE">
                 <a:solidFill>
                   <a:schemeClr val="dk1"/>
                 </a:solidFill>
@@ -7157,7 +8552,7 @@
               <a:t>, :minor) </a:t>
             </a:r>
             <a:r>
-              <a:rPr lang="de-DE" dirty="0">
+              <a:rPr lang="de-DE">
                 <a:solidFill>
                   <a:schemeClr val="dk1"/>
                 </a:solidFill>
@@ -7166,7 +8561,7 @@
               <a:t> </a:t>
             </a:r>
             <a:r>
-              <a:rPr lang="de-DE" dirty="0" smtClean="0">
+              <a:rPr lang="de-DE" smtClean="0">
                 <a:solidFill>
                   <a:schemeClr val="dk1"/>
                 </a:solidFill>
@@ -7175,14 +8570,14 @@
               <a:t>.</a:t>
             </a:r>
             <a:r>
-              <a:rPr lang="de-DE" dirty="0" err="1" smtClean="0">
+              <a:rPr lang="de-DE" err="1" smtClean="0">
                 <a:solidFill>
                   <a:schemeClr val="dk1"/>
                 </a:solidFill>
               </a:rPr>
               <a:t>reverse</a:t>
             </a:r>
-            <a:endParaRPr lang="de-DE" dirty="0">
+            <a:endParaRPr lang="de-DE">
               <a:solidFill>
                 <a:schemeClr val="dk1"/>
               </a:solidFill>
@@ -7226,7 +8621,7 @@
           <a:lstStyle/>
           <a:p>
             <a:r>
-              <a:rPr lang="de-DE" dirty="0">
+              <a:rPr lang="de-DE">
                 <a:solidFill>
                   <a:schemeClr val="dk1"/>
                 </a:solidFill>
@@ -7236,7 +8631,7 @@
           </a:p>
           <a:p>
             <a:r>
-              <a:rPr lang="de-DE" dirty="0">
+              <a:rPr lang="de-DE">
                 <a:solidFill>
                   <a:schemeClr val="dk1"/>
                 </a:solidFill>
@@ -7246,7 +8641,7 @@
           </a:p>
           <a:p>
             <a:r>
-              <a:rPr lang="de-DE" dirty="0">
+              <a:rPr lang="de-DE">
                 <a:solidFill>
                   <a:schemeClr val="dk1"/>
                 </a:solidFill>
@@ -7297,7 +8692,23 @@
                   <a:schemeClr val="dk1"/>
                 </a:solidFill>
               </a:rPr>
-              <a:t>live_loop :meineEndlosschleife do</a:t>
+              <a:t>live_loop :</a:t>
+            </a:r>
+            <a:r>
+              <a:rPr lang="de-DE" dirty="0" err="1">
+                <a:solidFill>
+                  <a:schemeClr val="dk1"/>
+                </a:solidFill>
+              </a:rPr>
+              <a:t>meineEndlosschleife</a:t>
+            </a:r>
+            <a:r>
+              <a:rPr lang="de-DE" dirty="0">
+                <a:solidFill>
+                  <a:schemeClr val="dk1"/>
+                </a:solidFill>
+              </a:rPr>
+              <a:t> do</a:t>
             </a:r>
           </a:p>
           <a:p>
@@ -7358,7 +8769,7 @@
           <a:lstStyle/>
           <a:p>
             <a:r>
-              <a:rPr lang="de-DE" dirty="0">
+              <a:rPr lang="de-DE">
                 <a:solidFill>
                   <a:schemeClr val="dk1"/>
                 </a:solidFill>
@@ -7366,7 +8777,7 @@
               <a:t>sample :bd_haus </a:t>
             </a:r>
             <a:r>
-              <a:rPr lang="de-DE" dirty="0">
+              <a:rPr lang="de-DE">
                 <a:solidFill>
                   <a:schemeClr val="dk1"/>
                 </a:solidFill>
@@ -7375,7 +8786,7 @@
               <a:t> </a:t>
             </a:r>
             <a:r>
-              <a:rPr lang="de-DE" dirty="0">
+              <a:rPr lang="de-DE">
                 <a:solidFill>
                   <a:schemeClr val="dk1"/>
                 </a:solidFill>
@@ -7383,7 +8794,7 @@
               <a:t>:guit_em9 ... </a:t>
             </a:r>
             <a:r>
-              <a:rPr lang="de-DE" dirty="0">
+              <a:rPr lang="de-DE">
                 <a:solidFill>
                   <a:schemeClr val="dk1"/>
                 </a:solidFill>
@@ -7391,7 +8802,7 @@
               </a:rPr>
               <a:t> </a:t>
             </a:r>
-            <a:endParaRPr lang="de-DE" dirty="0">
+            <a:endParaRPr lang="de-DE">
               <a:solidFill>
                 <a:schemeClr val="dk1"/>
               </a:solidFill>
@@ -7435,7 +8846,7 @@
           <a:lstStyle/>
           <a:p>
             <a:r>
-              <a:rPr lang="de-DE" dirty="0">
+              <a:rPr lang="de-DE">
                 <a:solidFill>
                   <a:schemeClr val="dk1"/>
                 </a:solidFill>
@@ -7443,7 +8854,7 @@
               <a:t>use_synth :hollow </a:t>
             </a:r>
             <a:r>
-              <a:rPr lang="de-DE" dirty="0">
+              <a:rPr lang="de-DE">
                 <a:solidFill>
                   <a:schemeClr val="dk1"/>
                 </a:solidFill>
@@ -7452,7 +8863,7 @@
               <a:t> saw, </a:t>
             </a:r>
             <a:r>
-              <a:rPr lang="de-DE" dirty="0" err="1" smtClean="0">
+              <a:rPr lang="de-DE" err="1" smtClean="0">
                 <a:solidFill>
                   <a:schemeClr val="dk1"/>
                 </a:solidFill>
@@ -7461,13 +8872,13 @@
               <a:t>hoover</a:t>
             </a:r>
             <a:r>
-              <a:rPr lang="de-DE" dirty="0" smtClean="0">
+              <a:rPr lang="de-DE" smtClean="0">
                 <a:sym typeface="Wingdings" pitchFamily="2" charset="2"/>
               </a:rPr>
               <a:t>, piano</a:t>
             </a:r>
             <a:r>
-              <a:rPr lang="de-DE" dirty="0" smtClean="0">
+              <a:rPr lang="de-DE" smtClean="0">
                 <a:solidFill>
                   <a:schemeClr val="dk1"/>
                 </a:solidFill>
@@ -7475,7 +8886,7 @@
               </a:rPr>
               <a:t> </a:t>
             </a:r>
-            <a:endParaRPr lang="de-DE" dirty="0">
+            <a:endParaRPr lang="de-DE">
               <a:solidFill>
                 <a:schemeClr val="dk1"/>
               </a:solidFill>
@@ -7519,11 +8930,11 @@
           <a:lstStyle/>
           <a:p>
             <a:r>
-              <a:rPr lang="de-DE" dirty="0" err="1"/>
+              <a:rPr lang="de-DE" err="1"/>
               <a:t>p</a:t>
             </a:r>
             <a:r>
-              <a:rPr lang="de-DE" dirty="0" err="1" smtClean="0">
+              <a:rPr lang="de-DE" err="1" smtClean="0">
                 <a:solidFill>
                   <a:schemeClr val="dk1"/>
                 </a:solidFill>
@@ -7531,7 +8942,7 @@
               <a:t>lay</a:t>
             </a:r>
             <a:r>
-              <a:rPr lang="de-DE" dirty="0" smtClean="0">
+              <a:rPr lang="de-DE" smtClean="0">
                 <a:solidFill>
                   <a:schemeClr val="dk1"/>
                 </a:solidFill>
@@ -7539,7 +8950,7 @@
               <a:t>                (</a:t>
             </a:r>
             <a:r>
-              <a:rPr lang="de-DE" dirty="0" err="1" smtClean="0">
+              <a:rPr lang="de-DE" err="1" smtClean="0">
                 <a:solidFill>
                   <a:schemeClr val="dk1"/>
                 </a:solidFill>
@@ -7547,7 +8958,7 @@
               <a:t>scale</a:t>
             </a:r>
             <a:r>
-              <a:rPr lang="de-DE" dirty="0" smtClean="0">
+              <a:rPr lang="de-DE" smtClean="0">
                 <a:solidFill>
                   <a:schemeClr val="dk1"/>
                 </a:solidFill>
@@ -7555,7 +8966,7 @@
               <a:t> :e4</a:t>
             </a:r>
             <a:r>
-              <a:rPr lang="de-DE" dirty="0">
+              <a:rPr lang="de-DE">
                 <a:solidFill>
                   <a:schemeClr val="dk1"/>
                 </a:solidFill>
@@ -7563,7 +8974,7 @@
               <a:t>, :minor</a:t>
             </a:r>
             <a:r>
-              <a:rPr lang="de-DE" dirty="0" smtClean="0">
+              <a:rPr lang="de-DE" smtClean="0">
                 <a:solidFill>
                   <a:schemeClr val="dk1"/>
                 </a:solidFill>
@@ -7571,14 +8982,14 @@
               <a:t>).</a:t>
             </a:r>
             <a:r>
-              <a:rPr lang="de-DE" dirty="0" err="1" smtClean="0">
+              <a:rPr lang="de-DE" err="1" smtClean="0">
                 <a:solidFill>
                   <a:schemeClr val="dk1"/>
                 </a:solidFill>
               </a:rPr>
               <a:t>choose</a:t>
             </a:r>
-            <a:endParaRPr lang="de-DE" dirty="0">
+            <a:endParaRPr lang="de-DE">
               <a:solidFill>
                 <a:schemeClr val="dk1"/>
               </a:solidFill>
@@ -7606,7 +9017,7 @@
 </p:sld>
 </file>
 
-<file path=ppt/slides/slide17.xml><?xml version="1.0" encoding="utf-8"?>
+<file path=ppt/slides/slide18.xml><?xml version="1.0" encoding="utf-8"?>
 <p:sld xmlns:a="http://schemas.openxmlformats.org/drawingml/2006/main" xmlns:r="http://schemas.openxmlformats.org/officeDocument/2006/relationships" xmlns:p="http://schemas.openxmlformats.org/presentationml/2006/main">
   <p:cSld>
     <p:spTree>
@@ -7666,7 +9077,7 @@
           <a:bodyPr rtlCol="0" anchor="ctr"/>
           <a:lstStyle/>
           <a:p>
-            <a:endParaRPr lang="en-US" dirty="0" smtClean="0">
+            <a:endParaRPr lang="en-US" smtClean="0">
               <a:solidFill>
                 <a:schemeClr val="tx1"/>
               </a:solidFill>
@@ -7697,14 +9108,14 @@
           <a:lstStyle/>
           <a:p>
             <a:r>
-              <a:rPr lang="de-DE" sz="3200" dirty="0" smtClean="0">
+              <a:rPr lang="de-DE" sz="3200" smtClean="0">
                 <a:solidFill>
                   <a:schemeClr val="accent6"/>
                 </a:solidFill>
               </a:rPr>
               <a:t>Spickzettel</a:t>
             </a:r>
-            <a:endParaRPr lang="de-DE" sz="3200" dirty="0">
+            <a:endParaRPr lang="de-DE" sz="3200">
               <a:solidFill>
                 <a:schemeClr val="accent6"/>
               </a:solidFill>
@@ -7735,7 +9146,7 @@
           <a:lstStyle/>
           <a:p>
             <a:r>
-              <a:rPr lang="de-DE" b="1" dirty="0" smtClean="0"/>
+              <a:rPr lang="de-DE" b="1" smtClean="0"/>
               <a:t>Befehle</a:t>
             </a:r>
           </a:p>
@@ -7844,62 +9255,62 @@
           </a:lstStyle>
           <a:p>
             <a:r>
-              <a:rPr lang="de-DE" sz="1200" dirty="0" smtClean="0"/>
+              <a:rPr lang="de-DE" sz="1200" smtClean="0"/>
               <a:t>ALT-R	Run (=Starten)		</a:t>
             </a:r>
             <a:r>
-              <a:rPr lang="de-DE" sz="1200" dirty="0"/>
+              <a:rPr lang="de-DE" sz="1200"/>
               <a:t>ALT-A	Alles </a:t>
             </a:r>
             <a:r>
-              <a:rPr lang="de-DE" sz="1200" dirty="0" smtClean="0"/>
+              <a:rPr lang="de-DE" sz="1200" smtClean="0"/>
               <a:t>markieren</a:t>
             </a:r>
           </a:p>
           <a:p>
             <a:r>
-              <a:rPr lang="de-DE" sz="1200" dirty="0" smtClean="0"/>
+              <a:rPr lang="de-DE" sz="1200" smtClean="0"/>
               <a:t>ALT-S	</a:t>
             </a:r>
             <a:r>
-              <a:rPr lang="de-DE" sz="1200" dirty="0" err="1" smtClean="0"/>
+              <a:rPr lang="de-DE" sz="1200" err="1" smtClean="0"/>
               <a:t>Stop</a:t>
             </a:r>
             <a:r>
-              <a:rPr lang="de-DE" sz="1200" dirty="0"/>
+              <a:rPr lang="de-DE" sz="1200"/>
               <a:t>		</a:t>
             </a:r>
             <a:r>
-              <a:rPr lang="de-DE" sz="1200" dirty="0" smtClean="0"/>
+              <a:rPr lang="de-DE" sz="1200" smtClean="0"/>
               <a:t>ALT-C	</a:t>
             </a:r>
             <a:r>
-              <a:rPr lang="de-DE" sz="1200" dirty="0" err="1" smtClean="0"/>
+              <a:rPr lang="de-DE" sz="1200" err="1" smtClean="0"/>
               <a:t>Copy</a:t>
             </a:r>
             <a:r>
-              <a:rPr lang="de-DE" sz="1200" dirty="0" smtClean="0"/>
+              <a:rPr lang="de-DE" sz="1200" smtClean="0"/>
               <a:t> (Kopieren)</a:t>
             </a:r>
           </a:p>
           <a:p>
             <a:r>
-              <a:rPr lang="de-DE" sz="1200" dirty="0"/>
+              <a:rPr lang="de-DE" sz="1200"/>
               <a:t>	</a:t>
             </a:r>
             <a:r>
-              <a:rPr lang="de-DE" sz="1200" dirty="0" smtClean="0"/>
+              <a:rPr lang="de-DE" sz="1200" smtClean="0"/>
               <a:t>		ALT-V	Einfügen</a:t>
             </a:r>
           </a:p>
           <a:p>
             <a:r>
-              <a:rPr lang="de-DE" sz="1200" dirty="0" smtClean="0"/>
+              <a:rPr lang="de-DE" sz="1200" smtClean="0"/>
               <a:t>STRG-I	Hilfe für Befehl</a:t>
             </a:r>
           </a:p>
           <a:p>
-            <a:endParaRPr lang="de-DE" sz="1200" dirty="0"/>
+            <a:endParaRPr lang="de-DE" sz="1200"/>
           </a:p>
         </p:txBody>
       </p:sp>
@@ -7926,7 +9337,7 @@
           <a:lstStyle/>
           <a:p>
             <a:r>
-              <a:rPr lang="de-DE" b="1" dirty="0" smtClean="0"/>
+              <a:rPr lang="de-DE" b="1" smtClean="0"/>
               <a:t>Knöpfe</a:t>
             </a:r>
           </a:p>
@@ -8035,10 +9446,10 @@
           </a:lstStyle>
           <a:p>
             <a:r>
-              <a:rPr lang="de-DE" sz="1200" dirty="0" smtClean="0"/>
+              <a:rPr lang="de-DE" sz="1200" smtClean="0"/>
               <a:t>Starten	Stoppen	  Aufnehmen</a:t>
             </a:r>
-            <a:endParaRPr lang="de-DE" sz="1200" dirty="0"/>
+            <a:endParaRPr lang="de-DE" sz="1200"/>
           </a:p>
         </p:txBody>
       </p:sp>
@@ -8169,18 +9580,18 @@
           </a:lstStyle>
           <a:p>
             <a:r>
-              <a:rPr lang="de-DE" sz="1200" dirty="0" smtClean="0"/>
+              <a:rPr lang="de-DE" sz="1200" smtClean="0"/>
               <a:t>Text kleiner 	  Text größer</a:t>
             </a:r>
             <a:r>
-              <a:rPr lang="de-DE" sz="1200" dirty="0"/>
+              <a:rPr lang="de-DE" sz="1200"/>
               <a:t>	</a:t>
             </a:r>
             <a:r>
-              <a:rPr lang="de-DE" sz="1200" dirty="0" smtClean="0"/>
+              <a:rPr lang="de-DE" sz="1200" smtClean="0"/>
               <a:t>   Text schön machen („ausrichten“)</a:t>
             </a:r>
-            <a:endParaRPr lang="de-DE" sz="1200" dirty="0"/>
+            <a:endParaRPr lang="de-DE" sz="1200"/>
           </a:p>
         </p:txBody>
       </p:sp>
@@ -8231,10 +9642,10 @@
           <a:lstStyle/>
           <a:p>
             <a:r>
-              <a:rPr lang="de-DE" dirty="0" smtClean="0"/>
+              <a:rPr lang="de-DE" smtClean="0"/>
               <a:t>Anleitung für zuhause</a:t>
             </a:r>
-            <a:endParaRPr lang="de-DE" dirty="0"/>
+            <a:endParaRPr lang="de-DE"/>
           </a:p>
         </p:txBody>
       </p:sp>
@@ -8294,10 +9705,10 @@
           <a:lstStyle/>
           <a:p>
             <a:r>
-              <a:rPr lang="de-DE" dirty="0" smtClean="0"/>
+              <a:rPr lang="de-DE" smtClean="0"/>
               <a:t>Coole Beispiele</a:t>
             </a:r>
-            <a:endParaRPr lang="de-DE" dirty="0"/>
+            <a:endParaRPr lang="de-DE"/>
           </a:p>
         </p:txBody>
       </p:sp>
@@ -8357,10 +9768,10 @@
           <a:lstStyle/>
           <a:p>
             <a:r>
-              <a:rPr lang="de-DE" dirty="0" smtClean="0"/>
+              <a:rPr lang="de-DE" smtClean="0"/>
               <a:t>Alle Befehle</a:t>
             </a:r>
-            <a:endParaRPr lang="de-DE" dirty="0"/>
+            <a:endParaRPr lang="de-DE"/>
           </a:p>
         </p:txBody>
       </p:sp>
@@ -8422,10 +9833,10 @@
           <a:lstStyle/>
           <a:p>
             <a:r>
-              <a:rPr lang="de-DE" dirty="0" smtClean="0"/>
+              <a:rPr lang="de-DE" smtClean="0"/>
               <a:t>Effekte</a:t>
             </a:r>
-            <a:endParaRPr lang="de-DE" dirty="0"/>
+            <a:endParaRPr lang="de-DE"/>
           </a:p>
         </p:txBody>
       </p:sp>
@@ -8615,10 +10026,10 @@
           </a:lstStyle>
           <a:p>
             <a:r>
-              <a:rPr lang="de-DE" sz="1200" dirty="0" smtClean="0"/>
+              <a:rPr lang="de-DE" sz="1200" smtClean="0"/>
               <a:t>  Speichern	Laden</a:t>
             </a:r>
-            <a:endParaRPr lang="de-DE" sz="1200" dirty="0"/>
+            <a:endParaRPr lang="de-DE" sz="1200"/>
           </a:p>
         </p:txBody>
       </p:sp>
@@ -8642,7 +10053,7 @@
 </p:sld>
 </file>
 
-<file path=ppt/slides/slide18.xml><?xml version="1.0" encoding="utf-8"?>
+<file path=ppt/slides/slide19.xml><?xml version="1.0" encoding="utf-8"?>
 <p:sld xmlns:a="http://schemas.openxmlformats.org/drawingml/2006/main" xmlns:r="http://schemas.openxmlformats.org/officeDocument/2006/relationships" xmlns:p="http://schemas.openxmlformats.org/presentationml/2006/main">
   <p:cSld>
     <p:spTree>
@@ -8702,7 +10113,7 @@
           <a:bodyPr rtlCol="0" anchor="ctr"/>
           <a:lstStyle/>
           <a:p>
-            <a:endParaRPr lang="en-US" dirty="0" smtClean="0">
+            <a:endParaRPr lang="en-US" smtClean="0">
               <a:solidFill>
                 <a:schemeClr val="tx1"/>
               </a:solidFill>
@@ -8733,14 +10144,14 @@
           <a:lstStyle/>
           <a:p>
             <a:r>
-              <a:rPr lang="de-DE" sz="3200" dirty="0" smtClean="0">
+              <a:rPr lang="de-DE" sz="3200" smtClean="0">
                 <a:solidFill>
                   <a:schemeClr val="accent6"/>
                 </a:solidFill>
               </a:rPr>
               <a:t>Spickzettel</a:t>
             </a:r>
-            <a:endParaRPr lang="de-DE" sz="3200" dirty="0">
+            <a:endParaRPr lang="de-DE" sz="3200">
               <a:solidFill>
                 <a:schemeClr val="accent6"/>
               </a:solidFill>
@@ -8771,14 +10182,14 @@
           <a:lstStyle/>
           <a:p>
             <a:r>
-              <a:rPr lang="de-DE" b="1" dirty="0" err="1" smtClean="0"/>
+              <a:rPr lang="de-DE" b="1" err="1" smtClean="0"/>
               <a:t>use_synth</a:t>
             </a:r>
             <a:r>
-              <a:rPr lang="de-DE" b="1" dirty="0"/>
+              <a:rPr lang="de-DE" b="1"/>
               <a:t> </a:t>
             </a:r>
-            <a:endParaRPr lang="de-DE" b="1" dirty="0" smtClean="0"/>
+            <a:endParaRPr lang="de-DE" b="1" smtClean="0"/>
           </a:p>
         </p:txBody>
       </p:sp>
@@ -8885,270 +10296,270 @@
           </a:lstStyle>
           <a:p>
             <a:r>
-              <a:rPr lang="de-DE" sz="1200" dirty="0" err="1"/>
+              <a:rPr lang="de-DE" sz="1200" err="1"/>
               <a:t>beep</a:t>
             </a:r>
             <a:r>
-              <a:rPr lang="de-DE" sz="1200" dirty="0"/>
+              <a:rPr lang="de-DE" sz="1200"/>
               <a:t>	blade	</a:t>
             </a:r>
             <a:r>
-              <a:rPr lang="de-DE" sz="1200" dirty="0" err="1"/>
+              <a:rPr lang="de-DE" sz="1200" err="1"/>
               <a:t>bnoise</a:t>
             </a:r>
             <a:r>
-              <a:rPr lang="de-DE" sz="1200" dirty="0"/>
+              <a:rPr lang="de-DE" sz="1200"/>
               <a:t>	</a:t>
             </a:r>
             <a:r>
-              <a:rPr lang="de-DE" sz="1200" dirty="0" err="1"/>
+              <a:rPr lang="de-DE" sz="1200" err="1"/>
               <a:t>cnoise</a:t>
             </a:r>
             <a:r>
-              <a:rPr lang="de-DE" sz="1200" dirty="0"/>
+              <a:rPr lang="de-DE" sz="1200"/>
               <a:t>	</a:t>
             </a:r>
             <a:r>
-              <a:rPr lang="de-DE" sz="1200" dirty="0" err="1"/>
+              <a:rPr lang="de-DE" sz="1200" err="1"/>
               <a:t>dark_ambience</a:t>
             </a:r>
             <a:r>
-              <a:rPr lang="de-DE" sz="1200" dirty="0"/>
+              <a:rPr lang="de-DE" sz="1200"/>
               <a:t> </a:t>
             </a:r>
           </a:p>
           <a:p>
             <a:r>
-              <a:rPr lang="de-DE" sz="1200" dirty="0" err="1"/>
+              <a:rPr lang="de-DE" sz="1200" err="1"/>
               <a:t>dpulse</a:t>
             </a:r>
             <a:r>
-              <a:rPr lang="de-DE" sz="1200" dirty="0"/>
+              <a:rPr lang="de-DE" sz="1200"/>
               <a:t>	</a:t>
             </a:r>
             <a:r>
-              <a:rPr lang="de-DE" sz="1200" dirty="0" err="1"/>
+              <a:rPr lang="de-DE" sz="1200" err="1"/>
               <a:t>dsaw</a:t>
             </a:r>
             <a:r>
-              <a:rPr lang="de-DE" sz="1200" dirty="0"/>
+              <a:rPr lang="de-DE" sz="1200"/>
               <a:t>	</a:t>
             </a:r>
             <a:r>
-              <a:rPr lang="de-DE" sz="1200" dirty="0" err="1"/>
+              <a:rPr lang="de-DE" sz="1200" err="1"/>
               <a:t>dull_bell</a:t>
             </a:r>
             <a:r>
-              <a:rPr lang="de-DE" sz="1200" dirty="0"/>
+              <a:rPr lang="de-DE" sz="1200"/>
               <a:t>	</a:t>
             </a:r>
             <a:r>
-              <a:rPr lang="de-DE" sz="1200" dirty="0" err="1"/>
+              <a:rPr lang="de-DE" sz="1200" err="1"/>
               <a:t>fm</a:t>
             </a:r>
             <a:r>
-              <a:rPr lang="de-DE" sz="1200" dirty="0"/>
+              <a:rPr lang="de-DE" sz="1200"/>
               <a:t>	</a:t>
             </a:r>
             <a:r>
-              <a:rPr lang="de-DE" sz="1200" dirty="0" err="1"/>
+              <a:rPr lang="de-DE" sz="1200" err="1"/>
               <a:t>gnoise</a:t>
             </a:r>
             <a:r>
-              <a:rPr lang="de-DE" sz="1200" dirty="0"/>
+              <a:rPr lang="de-DE" sz="1200"/>
               <a:t>	</a:t>
             </a:r>
             <a:r>
-              <a:rPr lang="de-DE" sz="1200" dirty="0" err="1"/>
+              <a:rPr lang="de-DE" sz="1200" err="1"/>
               <a:t>growl</a:t>
             </a:r>
-            <a:endParaRPr lang="de-DE" sz="1200" dirty="0"/>
-          </a:p>
-          <a:p>
-            <a:r>
-              <a:rPr lang="de-DE" sz="1200" dirty="0" err="1"/>
+            <a:endParaRPr lang="de-DE" sz="1200"/>
+          </a:p>
+          <a:p>
+            <a:r>
+              <a:rPr lang="de-DE" sz="1200" err="1"/>
               <a:t>hollow</a:t>
             </a:r>
             <a:r>
-              <a:rPr lang="de-DE" sz="1200" dirty="0"/>
+              <a:rPr lang="de-DE" sz="1200"/>
               <a:t>	</a:t>
             </a:r>
             <a:r>
-              <a:rPr lang="de-DE" sz="1200" dirty="0" err="1"/>
+              <a:rPr lang="de-DE" sz="1200" err="1"/>
               <a:t>hoover</a:t>
             </a:r>
             <a:r>
-              <a:rPr lang="de-DE" sz="1200" dirty="0"/>
+              <a:rPr lang="de-DE" sz="1200"/>
               <a:t>	</a:t>
             </a:r>
           </a:p>
           <a:p>
             <a:r>
-              <a:rPr lang="de-DE" sz="1200" dirty="0" err="1"/>
+              <a:rPr lang="de-DE" sz="1200" err="1"/>
               <a:t>mod_beep</a:t>
             </a:r>
             <a:r>
-              <a:rPr lang="de-DE" sz="1200" dirty="0"/>
+              <a:rPr lang="de-DE" sz="1200"/>
               <a:t>	</a:t>
             </a:r>
             <a:r>
-              <a:rPr lang="de-DE" sz="1200" dirty="0" err="1"/>
+              <a:rPr lang="de-DE" sz="1200" err="1"/>
               <a:t>mod_dsaw</a:t>
             </a:r>
             <a:r>
-              <a:rPr lang="de-DE" sz="1200" dirty="0"/>
+              <a:rPr lang="de-DE" sz="1200"/>
               <a:t>	</a:t>
             </a:r>
             <a:r>
-              <a:rPr lang="de-DE" sz="1200" dirty="0" err="1"/>
+              <a:rPr lang="de-DE" sz="1200" err="1"/>
               <a:t>mod_fm</a:t>
             </a:r>
             <a:r>
-              <a:rPr lang="de-DE" sz="1200" dirty="0"/>
+              <a:rPr lang="de-DE" sz="1200"/>
               <a:t>	</a:t>
             </a:r>
             <a:r>
-              <a:rPr lang="de-DE" sz="1200" dirty="0" err="1" smtClean="0"/>
+              <a:rPr lang="de-DE" sz="1200" err="1" smtClean="0"/>
               <a:t>chiplead</a:t>
             </a:r>
             <a:r>
-              <a:rPr lang="de-DE" sz="1200" dirty="0" smtClean="0"/>
+              <a:rPr lang="de-DE" sz="1200" smtClean="0"/>
               <a:t>	</a:t>
             </a:r>
             <a:r>
-              <a:rPr lang="de-DE" sz="1200" dirty="0" err="1" smtClean="0"/>
+              <a:rPr lang="de-DE" sz="1200" err="1" smtClean="0"/>
               <a:t>chipbass</a:t>
             </a:r>
             <a:r>
-              <a:rPr lang="de-DE" sz="1200" dirty="0" smtClean="0"/>
+              <a:rPr lang="de-DE" sz="1200" smtClean="0"/>
               <a:t>	</a:t>
             </a:r>
             <a:r>
-              <a:rPr lang="de-DE" sz="1200" dirty="0" err="1" smtClean="0"/>
+              <a:rPr lang="de-DE" sz="1200" err="1" smtClean="0"/>
               <a:t>chipnoise</a:t>
             </a:r>
-            <a:endParaRPr lang="de-DE" sz="1200" dirty="0"/>
-          </a:p>
-          <a:p>
-            <a:r>
-              <a:rPr lang="de-DE" sz="1200" dirty="0" err="1"/>
+            <a:endParaRPr lang="de-DE" sz="1200"/>
+          </a:p>
+          <a:p>
+            <a:r>
+              <a:rPr lang="de-DE" sz="1200" err="1"/>
               <a:t>mod_pulse</a:t>
             </a:r>
             <a:r>
-              <a:rPr lang="de-DE" sz="1200" dirty="0"/>
+              <a:rPr lang="de-DE" sz="1200"/>
               <a:t>	</a:t>
             </a:r>
             <a:r>
-              <a:rPr lang="de-DE" sz="1200" dirty="0" err="1"/>
+              <a:rPr lang="de-DE" sz="1200" err="1"/>
               <a:t>mod_saw</a:t>
             </a:r>
             <a:r>
-              <a:rPr lang="de-DE" sz="1200" dirty="0"/>
+              <a:rPr lang="de-DE" sz="1200"/>
               <a:t>		</a:t>
             </a:r>
             <a:r>
-              <a:rPr lang="de-DE" sz="1200" dirty="0" err="1"/>
+              <a:rPr lang="de-DE" sz="1200" err="1"/>
               <a:t>mod_sine</a:t>
             </a:r>
             <a:r>
-              <a:rPr lang="de-DE" sz="1200" dirty="0"/>
+              <a:rPr lang="de-DE" sz="1200"/>
               <a:t>	</a:t>
             </a:r>
             <a:r>
-              <a:rPr lang="de-DE" sz="1200" dirty="0" err="1" smtClean="0"/>
+              <a:rPr lang="de-DE" sz="1200" err="1" smtClean="0"/>
               <a:t>mod_tri</a:t>
             </a:r>
             <a:r>
-              <a:rPr lang="de-DE" sz="1200" dirty="0" smtClean="0"/>
+              <a:rPr lang="de-DE" sz="1200" smtClean="0"/>
               <a:t>	pule</a:t>
             </a:r>
-            <a:endParaRPr lang="de-DE" sz="1200" dirty="0"/>
-          </a:p>
-          <a:p>
-            <a:r>
-              <a:rPr lang="de-DE" sz="1200" dirty="0" err="1"/>
+            <a:endParaRPr lang="de-DE" sz="1200"/>
+          </a:p>
+          <a:p>
+            <a:r>
+              <a:rPr lang="de-DE" sz="1200" err="1"/>
               <a:t>noise</a:t>
             </a:r>
             <a:r>
-              <a:rPr lang="de-DE" sz="1200" dirty="0"/>
+              <a:rPr lang="de-DE" sz="1200"/>
               <a:t>	piano	</a:t>
             </a:r>
             <a:r>
-              <a:rPr lang="de-DE" sz="1200" dirty="0" err="1"/>
+              <a:rPr lang="de-DE" sz="1200" err="1"/>
               <a:t>pnoise</a:t>
             </a:r>
             <a:r>
-              <a:rPr lang="de-DE" sz="1200" dirty="0"/>
+              <a:rPr lang="de-DE" sz="1200"/>
               <a:t>	</a:t>
             </a:r>
             <a:r>
-              <a:rPr lang="de-DE" sz="1200" dirty="0" err="1"/>
+              <a:rPr lang="de-DE" sz="1200" err="1"/>
               <a:t>pretty_bell</a:t>
             </a:r>
             <a:r>
-              <a:rPr lang="de-DE" sz="1200" dirty="0"/>
+              <a:rPr lang="de-DE" sz="1200"/>
               <a:t>	</a:t>
             </a:r>
             <a:r>
-              <a:rPr lang="de-DE" sz="1200" dirty="0" err="1"/>
+              <a:rPr lang="de-DE" sz="1200" err="1"/>
               <a:t>prophet</a:t>
             </a:r>
             <a:r>
-              <a:rPr lang="de-DE" sz="1200" dirty="0"/>
+              <a:rPr lang="de-DE" sz="1200"/>
               <a:t>	</a:t>
             </a:r>
             <a:r>
-              <a:rPr lang="de-DE" sz="1200" dirty="0" err="1" smtClean="0"/>
+              <a:rPr lang="de-DE" sz="1200" err="1" smtClean="0"/>
               <a:t>dtri</a:t>
             </a:r>
             <a:r>
-              <a:rPr lang="de-DE" sz="1200" dirty="0" smtClean="0"/>
+              <a:rPr lang="de-DE" sz="1200" smtClean="0"/>
               <a:t>	</a:t>
             </a:r>
             <a:r>
-              <a:rPr lang="de-DE" sz="1200" dirty="0" err="1" smtClean="0"/>
+              <a:rPr lang="de-DE" sz="1200" err="1" smtClean="0"/>
               <a:t>pluck</a:t>
             </a:r>
-            <a:endParaRPr lang="de-DE" sz="1200" dirty="0"/>
-          </a:p>
-          <a:p>
-            <a:r>
-              <a:rPr lang="de-DE" sz="1200" dirty="0" err="1"/>
+            <a:endParaRPr lang="de-DE" sz="1200"/>
+          </a:p>
+          <a:p>
+            <a:r>
+              <a:rPr lang="de-DE" sz="1200" err="1"/>
               <a:t>saw</a:t>
             </a:r>
             <a:r>
-              <a:rPr lang="de-DE" sz="1200" dirty="0"/>
+              <a:rPr lang="de-DE" sz="1200"/>
               <a:t>	sine	</a:t>
             </a:r>
             <a:r>
-              <a:rPr lang="de-DE" sz="1200" dirty="0" err="1"/>
+              <a:rPr lang="de-DE" sz="1200" err="1"/>
               <a:t>square</a:t>
             </a:r>
             <a:r>
-              <a:rPr lang="de-DE" sz="1200" dirty="0"/>
+              <a:rPr lang="de-DE" sz="1200"/>
               <a:t>	</a:t>
             </a:r>
             <a:r>
-              <a:rPr lang="de-DE" sz="1200" dirty="0" err="1"/>
+              <a:rPr lang="de-DE" sz="1200" err="1"/>
               <a:t>subpulse</a:t>
             </a:r>
             <a:r>
-              <a:rPr lang="de-DE" sz="1200" dirty="0"/>
+              <a:rPr lang="de-DE" sz="1200"/>
               <a:t>	tb303	</a:t>
             </a:r>
             <a:r>
-              <a:rPr lang="de-DE" sz="1200" dirty="0" err="1"/>
+              <a:rPr lang="de-DE" sz="1200" err="1"/>
               <a:t>tri</a:t>
             </a:r>
             <a:r>
-              <a:rPr lang="de-DE" sz="1200" dirty="0"/>
+              <a:rPr lang="de-DE" sz="1200"/>
               <a:t>	</a:t>
             </a:r>
             <a:r>
-              <a:rPr lang="de-DE" sz="1200" dirty="0" err="1" smtClean="0"/>
+              <a:rPr lang="de-DE" sz="1200" err="1" smtClean="0"/>
               <a:t>zawa</a:t>
             </a:r>
-            <a:endParaRPr lang="de-DE" sz="1200" dirty="0"/>
+            <a:endParaRPr lang="de-DE" sz="1200"/>
           </a:p>
         </p:txBody>
       </p:sp>
@@ -9175,7 +10586,7 @@
           <a:lstStyle/>
           <a:p>
             <a:r>
-              <a:rPr lang="de-DE" b="1" dirty="0" smtClean="0"/>
+              <a:rPr lang="de-DE" b="1" smtClean="0"/>
               <a:t>sample</a:t>
             </a:r>
           </a:p>
@@ -9217,114 +10628,114 @@
           <a:lstStyle/>
           <a:p>
             <a:r>
-              <a:rPr lang="de-DE" sz="1050" dirty="0"/>
+              <a:rPr lang="de-DE" sz="1050"/>
               <a:t>:</a:t>
             </a:r>
             <a:r>
-              <a:rPr lang="de-DE" sz="1050" dirty="0" err="1"/>
+              <a:rPr lang="de-DE" sz="1050" err="1"/>
               <a:t>ambi_soft_buzz</a:t>
             </a:r>
-            <a:endParaRPr lang="de-DE" sz="1050" dirty="0"/>
-          </a:p>
-          <a:p>
-            <a:r>
-              <a:rPr lang="de-DE" sz="1050" dirty="0"/>
+            <a:endParaRPr lang="de-DE" sz="1050"/>
+          </a:p>
+          <a:p>
+            <a:r>
+              <a:rPr lang="de-DE" sz="1050"/>
               <a:t>:</a:t>
             </a:r>
             <a:r>
-              <a:rPr lang="de-DE" sz="1050" dirty="0" err="1"/>
+              <a:rPr lang="de-DE" sz="1050" err="1"/>
               <a:t>ambi_swoosh</a:t>
             </a:r>
-            <a:endParaRPr lang="de-DE" sz="1050" dirty="0"/>
-          </a:p>
-          <a:p>
-            <a:r>
-              <a:rPr lang="de-DE" sz="1050" dirty="0"/>
+            <a:endParaRPr lang="de-DE" sz="1050"/>
+          </a:p>
+          <a:p>
+            <a:r>
+              <a:rPr lang="de-DE" sz="1050"/>
               <a:t>:</a:t>
             </a:r>
             <a:r>
-              <a:rPr lang="de-DE" sz="1050" dirty="0" err="1"/>
+              <a:rPr lang="de-DE" sz="1050" err="1"/>
               <a:t>ambi_drone</a:t>
             </a:r>
-            <a:endParaRPr lang="de-DE" sz="1050" dirty="0"/>
-          </a:p>
-          <a:p>
-            <a:r>
-              <a:rPr lang="de-DE" sz="1050" dirty="0"/>
+            <a:endParaRPr lang="de-DE" sz="1050"/>
+          </a:p>
+          <a:p>
+            <a:r>
+              <a:rPr lang="de-DE" sz="1050"/>
               <a:t>:</a:t>
             </a:r>
             <a:r>
-              <a:rPr lang="de-DE" sz="1050" dirty="0" err="1"/>
+              <a:rPr lang="de-DE" sz="1050" err="1"/>
               <a:t>ambi_glass_hum</a:t>
             </a:r>
-            <a:endParaRPr lang="de-DE" sz="1050" dirty="0"/>
-          </a:p>
-          <a:p>
-            <a:r>
-              <a:rPr lang="de-DE" sz="1050" dirty="0"/>
+            <a:endParaRPr lang="de-DE" sz="1050"/>
+          </a:p>
+          <a:p>
+            <a:r>
+              <a:rPr lang="de-DE" sz="1050"/>
               <a:t>:</a:t>
             </a:r>
             <a:r>
-              <a:rPr lang="de-DE" sz="1050" dirty="0" err="1"/>
+              <a:rPr lang="de-DE" sz="1050" err="1"/>
               <a:t>ambi_glass_rub</a:t>
             </a:r>
-            <a:endParaRPr lang="de-DE" sz="1050" dirty="0"/>
-          </a:p>
-          <a:p>
-            <a:r>
-              <a:rPr lang="de-DE" sz="1050" dirty="0"/>
+            <a:endParaRPr lang="de-DE" sz="1050"/>
+          </a:p>
+          <a:p>
+            <a:r>
+              <a:rPr lang="de-DE" sz="1050"/>
               <a:t>:</a:t>
             </a:r>
             <a:r>
-              <a:rPr lang="de-DE" sz="1050" dirty="0" err="1"/>
+              <a:rPr lang="de-DE" sz="1050" err="1"/>
               <a:t>ambi_haunted_hum</a:t>
             </a:r>
-            <a:endParaRPr lang="de-DE" sz="1050" dirty="0"/>
-          </a:p>
-          <a:p>
-            <a:r>
-              <a:rPr lang="de-DE" sz="1050" dirty="0"/>
+            <a:endParaRPr lang="de-DE" sz="1050"/>
+          </a:p>
+          <a:p>
+            <a:r>
+              <a:rPr lang="de-DE" sz="1050"/>
               <a:t>:</a:t>
             </a:r>
             <a:r>
-              <a:rPr lang="de-DE" sz="1050" dirty="0" err="1"/>
+              <a:rPr lang="de-DE" sz="1050" err="1"/>
               <a:t>ambi_piano</a:t>
             </a:r>
-            <a:endParaRPr lang="de-DE" sz="1050" dirty="0"/>
-          </a:p>
-          <a:p>
-            <a:r>
-              <a:rPr lang="de-DE" sz="1050" dirty="0"/>
+            <a:endParaRPr lang="de-DE" sz="1050"/>
+          </a:p>
+          <a:p>
+            <a:r>
+              <a:rPr lang="de-DE" sz="1050"/>
               <a:t>:</a:t>
             </a:r>
             <a:r>
-              <a:rPr lang="de-DE" sz="1050" dirty="0" err="1"/>
+              <a:rPr lang="de-DE" sz="1050" err="1"/>
               <a:t>ambi_lunar_land</a:t>
             </a:r>
-            <a:endParaRPr lang="de-DE" sz="1050" dirty="0"/>
-          </a:p>
-          <a:p>
-            <a:r>
-              <a:rPr lang="de-DE" sz="1050" dirty="0"/>
+            <a:endParaRPr lang="de-DE" sz="1050"/>
+          </a:p>
+          <a:p>
+            <a:r>
+              <a:rPr lang="de-DE" sz="1050"/>
               <a:t>:</a:t>
             </a:r>
             <a:r>
-              <a:rPr lang="de-DE" sz="1050" dirty="0" err="1"/>
+              <a:rPr lang="de-DE" sz="1050" err="1"/>
               <a:t>ambi_dark_woosh</a:t>
             </a:r>
-            <a:endParaRPr lang="de-DE" sz="1050" dirty="0"/>
-          </a:p>
-          <a:p>
-            <a:r>
-              <a:rPr lang="de-DE" sz="1050" dirty="0"/>
+            <a:endParaRPr lang="de-DE" sz="1050"/>
+          </a:p>
+          <a:p>
+            <a:r>
+              <a:rPr lang="de-DE" sz="1050"/>
               <a:t>:</a:t>
             </a:r>
             <a:r>
-              <a:rPr lang="de-DE" sz="1050" dirty="0" err="1"/>
+              <a:rPr lang="de-DE" sz="1050" err="1"/>
               <a:t>ambi_choir</a:t>
             </a:r>
             <a:r>
-              <a:rPr lang="de-DE" sz="1050" dirty="0"/>
+              <a:rPr lang="de-DE" sz="1050"/>
               <a:t> </a:t>
             </a:r>
           </a:p>
@@ -9366,114 +10777,114 @@
           <a:lstStyle/>
           <a:p>
             <a:r>
-              <a:rPr lang="de-DE" sz="1050" dirty="0"/>
+              <a:rPr lang="de-DE" sz="1050"/>
               <a:t>:</a:t>
             </a:r>
             <a:r>
-              <a:rPr lang="de-DE" sz="1050" dirty="0" err="1"/>
+              <a:rPr lang="de-DE" sz="1050" err="1"/>
               <a:t>ambi_soft_buzz</a:t>
             </a:r>
-            <a:endParaRPr lang="de-DE" sz="1050" dirty="0"/>
-          </a:p>
-          <a:p>
-            <a:r>
-              <a:rPr lang="de-DE" sz="1050" dirty="0"/>
+            <a:endParaRPr lang="de-DE" sz="1050"/>
+          </a:p>
+          <a:p>
+            <a:r>
+              <a:rPr lang="de-DE" sz="1050"/>
               <a:t>:</a:t>
             </a:r>
             <a:r>
-              <a:rPr lang="de-DE" sz="1050" dirty="0" err="1"/>
+              <a:rPr lang="de-DE" sz="1050" err="1"/>
               <a:t>ambi_swoosh</a:t>
             </a:r>
-            <a:endParaRPr lang="de-DE" sz="1050" dirty="0"/>
-          </a:p>
-          <a:p>
-            <a:r>
-              <a:rPr lang="de-DE" sz="1050" dirty="0"/>
+            <a:endParaRPr lang="de-DE" sz="1050"/>
+          </a:p>
+          <a:p>
+            <a:r>
+              <a:rPr lang="de-DE" sz="1050"/>
               <a:t>:</a:t>
             </a:r>
             <a:r>
-              <a:rPr lang="de-DE" sz="1050" dirty="0" err="1"/>
+              <a:rPr lang="de-DE" sz="1050" err="1"/>
               <a:t>ambi_drone</a:t>
             </a:r>
-            <a:endParaRPr lang="de-DE" sz="1050" dirty="0"/>
-          </a:p>
-          <a:p>
-            <a:r>
-              <a:rPr lang="de-DE" sz="1050" dirty="0"/>
+            <a:endParaRPr lang="de-DE" sz="1050"/>
+          </a:p>
+          <a:p>
+            <a:r>
+              <a:rPr lang="de-DE" sz="1050"/>
               <a:t>:</a:t>
             </a:r>
             <a:r>
-              <a:rPr lang="de-DE" sz="1050" dirty="0" err="1"/>
+              <a:rPr lang="de-DE" sz="1050" err="1"/>
               <a:t>ambi_glass_hum</a:t>
             </a:r>
-            <a:endParaRPr lang="de-DE" sz="1050" dirty="0"/>
-          </a:p>
-          <a:p>
-            <a:r>
-              <a:rPr lang="de-DE" sz="1050" dirty="0"/>
+            <a:endParaRPr lang="de-DE" sz="1050"/>
+          </a:p>
+          <a:p>
+            <a:r>
+              <a:rPr lang="de-DE" sz="1050"/>
               <a:t>:</a:t>
             </a:r>
             <a:r>
-              <a:rPr lang="de-DE" sz="1050" dirty="0" err="1"/>
+              <a:rPr lang="de-DE" sz="1050" err="1"/>
               <a:t>ambi_glass_rub</a:t>
             </a:r>
-            <a:endParaRPr lang="de-DE" sz="1050" dirty="0"/>
-          </a:p>
-          <a:p>
-            <a:r>
-              <a:rPr lang="de-DE" sz="1050" dirty="0"/>
+            <a:endParaRPr lang="de-DE" sz="1050"/>
+          </a:p>
+          <a:p>
+            <a:r>
+              <a:rPr lang="de-DE" sz="1050"/>
               <a:t>:</a:t>
             </a:r>
             <a:r>
-              <a:rPr lang="de-DE" sz="1050" dirty="0" err="1"/>
+              <a:rPr lang="de-DE" sz="1050" err="1"/>
               <a:t>ambi_haunted_hum</a:t>
             </a:r>
-            <a:endParaRPr lang="de-DE" sz="1050" dirty="0"/>
-          </a:p>
-          <a:p>
-            <a:r>
-              <a:rPr lang="de-DE" sz="1050" dirty="0"/>
+            <a:endParaRPr lang="de-DE" sz="1050"/>
+          </a:p>
+          <a:p>
+            <a:r>
+              <a:rPr lang="de-DE" sz="1050"/>
               <a:t>:</a:t>
             </a:r>
             <a:r>
-              <a:rPr lang="de-DE" sz="1050" dirty="0" err="1"/>
+              <a:rPr lang="de-DE" sz="1050" err="1"/>
               <a:t>ambi_piano</a:t>
             </a:r>
-            <a:endParaRPr lang="de-DE" sz="1050" dirty="0"/>
-          </a:p>
-          <a:p>
-            <a:r>
-              <a:rPr lang="de-DE" sz="1050" dirty="0"/>
+            <a:endParaRPr lang="de-DE" sz="1050"/>
+          </a:p>
+          <a:p>
+            <a:r>
+              <a:rPr lang="de-DE" sz="1050"/>
               <a:t>:</a:t>
             </a:r>
             <a:r>
-              <a:rPr lang="de-DE" sz="1050" dirty="0" err="1"/>
+              <a:rPr lang="de-DE" sz="1050" err="1"/>
               <a:t>ambi_lunar_land</a:t>
             </a:r>
-            <a:endParaRPr lang="de-DE" sz="1050" dirty="0"/>
-          </a:p>
-          <a:p>
-            <a:r>
-              <a:rPr lang="de-DE" sz="1050" dirty="0"/>
+            <a:endParaRPr lang="de-DE" sz="1050"/>
+          </a:p>
+          <a:p>
+            <a:r>
+              <a:rPr lang="de-DE" sz="1050"/>
               <a:t>:</a:t>
             </a:r>
             <a:r>
-              <a:rPr lang="de-DE" sz="1050" dirty="0" err="1"/>
+              <a:rPr lang="de-DE" sz="1050" err="1"/>
               <a:t>ambi_dark_woosh</a:t>
             </a:r>
-            <a:endParaRPr lang="de-DE" sz="1050" dirty="0"/>
-          </a:p>
-          <a:p>
-            <a:r>
-              <a:rPr lang="de-DE" sz="1050" dirty="0"/>
+            <a:endParaRPr lang="de-DE" sz="1050"/>
+          </a:p>
+          <a:p>
+            <a:r>
+              <a:rPr lang="de-DE" sz="1050"/>
               <a:t>:</a:t>
             </a:r>
             <a:r>
-              <a:rPr lang="de-DE" sz="1050" dirty="0" err="1"/>
+              <a:rPr lang="de-DE" sz="1050" err="1"/>
               <a:t>ambi_choir</a:t>
             </a:r>
             <a:r>
-              <a:rPr lang="de-DE" sz="1050" dirty="0"/>
+              <a:rPr lang="de-DE" sz="1050"/>
               <a:t> </a:t>
             </a:r>
           </a:p>
@@ -9515,131 +10926,131 @@
           <a:lstStyle/>
           <a:p>
             <a:r>
-              <a:rPr lang="de-DE" sz="1050" dirty="0"/>
+              <a:rPr lang="de-DE" sz="1050"/>
               <a:t>:</a:t>
             </a:r>
             <a:r>
-              <a:rPr lang="de-DE" sz="1050" dirty="0" err="1"/>
+              <a:rPr lang="de-DE" sz="1050" err="1"/>
               <a:t>bd_ada</a:t>
             </a:r>
-            <a:endParaRPr lang="de-DE" sz="1050" dirty="0"/>
-          </a:p>
-          <a:p>
-            <a:r>
-              <a:rPr lang="de-DE" sz="1050" dirty="0"/>
+            <a:endParaRPr lang="de-DE" sz="1050"/>
+          </a:p>
+          <a:p>
+            <a:r>
+              <a:rPr lang="de-DE" sz="1050"/>
               <a:t>:</a:t>
             </a:r>
             <a:r>
-              <a:rPr lang="de-DE" sz="1050" dirty="0" err="1"/>
+              <a:rPr lang="de-DE" sz="1050" err="1"/>
               <a:t>bd_pure</a:t>
             </a:r>
-            <a:endParaRPr lang="de-DE" sz="1050" dirty="0"/>
-          </a:p>
-          <a:p>
-            <a:r>
-              <a:rPr lang="de-DE" sz="1050" dirty="0"/>
+            <a:endParaRPr lang="de-DE" sz="1050"/>
+          </a:p>
+          <a:p>
+            <a:r>
+              <a:rPr lang="de-DE" sz="1050"/>
               <a:t>:bd_808</a:t>
             </a:r>
           </a:p>
           <a:p>
             <a:r>
-              <a:rPr lang="de-DE" sz="1050" dirty="0"/>
+              <a:rPr lang="de-DE" sz="1050"/>
               <a:t>:</a:t>
             </a:r>
             <a:r>
-              <a:rPr lang="de-DE" sz="1050" dirty="0" err="1"/>
+              <a:rPr lang="de-DE" sz="1050" err="1"/>
               <a:t>bd_zum</a:t>
             </a:r>
-            <a:endParaRPr lang="de-DE" sz="1050" dirty="0"/>
-          </a:p>
-          <a:p>
-            <a:r>
-              <a:rPr lang="de-DE" sz="1050" dirty="0"/>
+            <a:endParaRPr lang="de-DE" sz="1050"/>
+          </a:p>
+          <a:p>
+            <a:r>
+              <a:rPr lang="de-DE" sz="1050"/>
               <a:t>:</a:t>
             </a:r>
             <a:r>
-              <a:rPr lang="de-DE" sz="1050" dirty="0" err="1"/>
+              <a:rPr lang="de-DE" sz="1050" err="1"/>
               <a:t>bd_gas</a:t>
             </a:r>
-            <a:endParaRPr lang="de-DE" sz="1050" dirty="0"/>
-          </a:p>
-          <a:p>
-            <a:r>
-              <a:rPr lang="de-DE" sz="1050" dirty="0"/>
+            <a:endParaRPr lang="de-DE" sz="1050"/>
+          </a:p>
+          <a:p>
+            <a:r>
+              <a:rPr lang="de-DE" sz="1050"/>
               <a:t>:</a:t>
             </a:r>
             <a:r>
-              <a:rPr lang="de-DE" sz="1050" dirty="0" err="1"/>
+              <a:rPr lang="de-DE" sz="1050" err="1"/>
               <a:t>bd_sone</a:t>
             </a:r>
-            <a:endParaRPr lang="de-DE" sz="1050" dirty="0"/>
-          </a:p>
-          <a:p>
-            <a:r>
-              <a:rPr lang="de-DE" sz="1050" dirty="0"/>
+            <a:endParaRPr lang="de-DE" sz="1050"/>
+          </a:p>
+          <a:p>
+            <a:r>
+              <a:rPr lang="de-DE" sz="1050"/>
               <a:t>:</a:t>
             </a:r>
             <a:r>
-              <a:rPr lang="de-DE" sz="1050" dirty="0" err="1"/>
+              <a:rPr lang="de-DE" sz="1050" err="1"/>
               <a:t>bd_haus</a:t>
             </a:r>
-            <a:endParaRPr lang="de-DE" sz="1050" dirty="0"/>
-          </a:p>
-          <a:p>
-            <a:r>
-              <a:rPr lang="de-DE" sz="1050" dirty="0"/>
+            <a:endParaRPr lang="de-DE" sz="1050"/>
+          </a:p>
+          <a:p>
+            <a:r>
+              <a:rPr lang="de-DE" sz="1050"/>
               <a:t>:</a:t>
             </a:r>
             <a:r>
-              <a:rPr lang="de-DE" sz="1050" dirty="0" err="1"/>
+              <a:rPr lang="de-DE" sz="1050" err="1"/>
               <a:t>bd_zome</a:t>
             </a:r>
-            <a:endParaRPr lang="de-DE" sz="1050" dirty="0"/>
-          </a:p>
-          <a:p>
-            <a:r>
-              <a:rPr lang="de-DE" sz="1050" dirty="0"/>
+            <a:endParaRPr lang="de-DE" sz="1050"/>
+          </a:p>
+          <a:p>
+            <a:r>
+              <a:rPr lang="de-DE" sz="1050"/>
               <a:t>:</a:t>
             </a:r>
             <a:r>
-              <a:rPr lang="de-DE" sz="1050" dirty="0" err="1"/>
+              <a:rPr lang="de-DE" sz="1050" err="1"/>
               <a:t>bd_boom</a:t>
             </a:r>
-            <a:endParaRPr lang="de-DE" sz="1050" dirty="0"/>
-          </a:p>
-          <a:p>
-            <a:r>
-              <a:rPr lang="de-DE" sz="1050" dirty="0"/>
+            <a:endParaRPr lang="de-DE" sz="1050"/>
+          </a:p>
+          <a:p>
+            <a:r>
+              <a:rPr lang="de-DE" sz="1050"/>
               <a:t>:</a:t>
             </a:r>
             <a:r>
-              <a:rPr lang="de-DE" sz="1050" dirty="0" err="1"/>
+              <a:rPr lang="de-DE" sz="1050" err="1"/>
               <a:t>bd_klub</a:t>
             </a:r>
-            <a:endParaRPr lang="de-DE" sz="1050" dirty="0"/>
-          </a:p>
-          <a:p>
-            <a:r>
-              <a:rPr lang="de-DE" sz="1050" dirty="0"/>
+            <a:endParaRPr lang="de-DE" sz="1050"/>
+          </a:p>
+          <a:p>
+            <a:r>
+              <a:rPr lang="de-DE" sz="1050"/>
               <a:t>:</a:t>
             </a:r>
             <a:r>
-              <a:rPr lang="de-DE" sz="1050" dirty="0" err="1"/>
+              <a:rPr lang="de-DE" sz="1050" err="1"/>
               <a:t>bd_fat</a:t>
             </a:r>
-            <a:endParaRPr lang="de-DE" sz="1050" dirty="0"/>
-          </a:p>
-          <a:p>
-            <a:r>
-              <a:rPr lang="de-DE" sz="1050" dirty="0"/>
+            <a:endParaRPr lang="de-DE" sz="1050"/>
+          </a:p>
+          <a:p>
+            <a:r>
+              <a:rPr lang="de-DE" sz="1050"/>
               <a:t>:</a:t>
             </a:r>
             <a:r>
-              <a:rPr lang="de-DE" sz="1050" dirty="0" err="1"/>
+              <a:rPr lang="de-DE" sz="1050" err="1"/>
               <a:t>bd_tek</a:t>
             </a:r>
             <a:r>
-              <a:rPr lang="de-DE" sz="1050" dirty="0"/>
+              <a:rPr lang="de-DE" sz="1050"/>
               <a:t> </a:t>
             </a:r>
           </a:p>
@@ -9681,95 +11092,95 @@
           <a:lstStyle/>
           <a:p>
             <a:r>
-              <a:rPr lang="en-US" sz="1050" dirty="0" smtClean="0"/>
+              <a:rPr lang="en-US" sz="1050" smtClean="0"/>
               <a:t>:</a:t>
             </a:r>
             <a:r>
-              <a:rPr lang="en-US" sz="1050" dirty="0" err="1"/>
+              <a:rPr lang="en-US" sz="1050" err="1"/>
               <a:t>bass_hit_c</a:t>
             </a:r>
-            <a:endParaRPr lang="en-US" sz="1050" dirty="0"/>
-          </a:p>
-          <a:p>
-            <a:r>
-              <a:rPr lang="en-US" sz="1050" dirty="0"/>
+            <a:endParaRPr lang="en-US" sz="1050"/>
+          </a:p>
+          <a:p>
+            <a:r>
+              <a:rPr lang="en-US" sz="1050"/>
               <a:t>:</a:t>
             </a:r>
             <a:r>
-              <a:rPr lang="en-US" sz="1050" dirty="0" err="1"/>
+              <a:rPr lang="en-US" sz="1050" err="1"/>
               <a:t>bass_hard_c</a:t>
             </a:r>
-            <a:endParaRPr lang="en-US" sz="1050" dirty="0"/>
-          </a:p>
-          <a:p>
-            <a:r>
-              <a:rPr lang="en-US" sz="1050" dirty="0"/>
+            <a:endParaRPr lang="en-US" sz="1050"/>
+          </a:p>
+          <a:p>
+            <a:r>
+              <a:rPr lang="en-US" sz="1050"/>
               <a:t>:</a:t>
             </a:r>
             <a:r>
-              <a:rPr lang="en-US" sz="1050" dirty="0" err="1"/>
+              <a:rPr lang="en-US" sz="1050" err="1"/>
               <a:t>bass_thick_c</a:t>
             </a:r>
-            <a:endParaRPr lang="en-US" sz="1050" dirty="0"/>
-          </a:p>
-          <a:p>
-            <a:r>
-              <a:rPr lang="en-US" sz="1050" dirty="0"/>
+            <a:endParaRPr lang="en-US" sz="1050"/>
+          </a:p>
+          <a:p>
+            <a:r>
+              <a:rPr lang="en-US" sz="1050"/>
               <a:t>:</a:t>
             </a:r>
             <a:r>
-              <a:rPr lang="en-US" sz="1050" dirty="0" err="1"/>
+              <a:rPr lang="en-US" sz="1050" err="1"/>
               <a:t>bass_drop_c</a:t>
             </a:r>
-            <a:endParaRPr lang="en-US" sz="1050" dirty="0"/>
-          </a:p>
-          <a:p>
-            <a:r>
-              <a:rPr lang="en-US" sz="1050" dirty="0"/>
+            <a:endParaRPr lang="en-US" sz="1050"/>
+          </a:p>
+          <a:p>
+            <a:r>
+              <a:rPr lang="en-US" sz="1050"/>
               <a:t>:</a:t>
             </a:r>
             <a:r>
-              <a:rPr lang="en-US" sz="1050" dirty="0" err="1"/>
+              <a:rPr lang="en-US" sz="1050" err="1"/>
               <a:t>bass_woodsy_c</a:t>
             </a:r>
-            <a:endParaRPr lang="en-US" sz="1050" dirty="0"/>
-          </a:p>
-          <a:p>
-            <a:r>
-              <a:rPr lang="en-US" sz="1050" dirty="0"/>
+            <a:endParaRPr lang="en-US" sz="1050"/>
+          </a:p>
+          <a:p>
+            <a:r>
+              <a:rPr lang="en-US" sz="1050"/>
               <a:t>:</a:t>
             </a:r>
             <a:r>
-              <a:rPr lang="en-US" sz="1050" dirty="0" err="1"/>
+              <a:rPr lang="en-US" sz="1050" err="1"/>
               <a:t>bass_voxy_c</a:t>
             </a:r>
-            <a:endParaRPr lang="en-US" sz="1050" dirty="0"/>
-          </a:p>
-          <a:p>
-            <a:r>
-              <a:rPr lang="en-US" sz="1050" dirty="0"/>
+            <a:endParaRPr lang="en-US" sz="1050"/>
+          </a:p>
+          <a:p>
+            <a:r>
+              <a:rPr lang="en-US" sz="1050"/>
               <a:t>:</a:t>
             </a:r>
             <a:r>
-              <a:rPr lang="en-US" sz="1050" dirty="0" err="1"/>
+              <a:rPr lang="en-US" sz="1050" err="1"/>
               <a:t>bass_voxy_hit_c</a:t>
             </a:r>
-            <a:endParaRPr lang="en-US" sz="1050" dirty="0"/>
-          </a:p>
-          <a:p>
-            <a:r>
-              <a:rPr lang="en-US" sz="1050" dirty="0"/>
+            <a:endParaRPr lang="en-US" sz="1050"/>
+          </a:p>
+          <a:p>
+            <a:r>
+              <a:rPr lang="en-US" sz="1050"/>
               <a:t>:</a:t>
             </a:r>
             <a:r>
-              <a:rPr lang="en-US" sz="1050" dirty="0" err="1"/>
+              <a:rPr lang="en-US" sz="1050" err="1"/>
               <a:t>bass_dnb_f</a:t>
             </a:r>
             <a:r>
-              <a:rPr lang="en-US" sz="1050" dirty="0"/>
+              <a:rPr lang="en-US" sz="1050"/>
               <a:t> </a:t>
             </a:r>
-            <a:endParaRPr lang="de-DE" sz="1050" dirty="0"/>
+            <a:endParaRPr lang="de-DE" sz="1050"/>
           </a:p>
         </p:txBody>
       </p:sp>
@@ -9809,238 +11220,238 @@
           <a:lstStyle/>
           <a:p>
             <a:r>
-              <a:rPr lang="en-US" sz="1050" dirty="0"/>
+              <a:rPr lang="en-US" sz="1050"/>
               <a:t>:</a:t>
             </a:r>
             <a:r>
-              <a:rPr lang="en-US" sz="1050" dirty="0" err="1"/>
+              <a:rPr lang="en-US" sz="1050" err="1"/>
               <a:t>drum_heavy_kick</a:t>
             </a:r>
-            <a:endParaRPr lang="en-US" sz="1050" dirty="0"/>
-          </a:p>
-          <a:p>
-            <a:r>
-              <a:rPr lang="en-US" sz="1050" dirty="0"/>
+            <a:endParaRPr lang="en-US" sz="1050"/>
+          </a:p>
+          <a:p>
+            <a:r>
+              <a:rPr lang="en-US" sz="1050"/>
               <a:t>:</a:t>
             </a:r>
             <a:r>
-              <a:rPr lang="en-US" sz="1050" dirty="0" err="1"/>
+              <a:rPr lang="en-US" sz="1050" err="1"/>
               <a:t>drum_tom_mid_soft</a:t>
             </a:r>
-            <a:endParaRPr lang="en-US" sz="1050" dirty="0"/>
-          </a:p>
-          <a:p>
-            <a:r>
-              <a:rPr lang="en-US" sz="1050" dirty="0"/>
+            <a:endParaRPr lang="en-US" sz="1050"/>
+          </a:p>
+          <a:p>
+            <a:r>
+              <a:rPr lang="en-US" sz="1050"/>
               <a:t>:</a:t>
             </a:r>
             <a:r>
-              <a:rPr lang="en-US" sz="1050" dirty="0" err="1"/>
+              <a:rPr lang="en-US" sz="1050" err="1"/>
               <a:t>drum_tom_mid_hard</a:t>
             </a:r>
-            <a:endParaRPr lang="en-US" sz="1050" dirty="0"/>
-          </a:p>
-          <a:p>
-            <a:r>
-              <a:rPr lang="en-US" sz="1050" dirty="0"/>
+            <a:endParaRPr lang="en-US" sz="1050"/>
+          </a:p>
+          <a:p>
+            <a:r>
+              <a:rPr lang="en-US" sz="1050"/>
               <a:t>:</a:t>
             </a:r>
             <a:r>
-              <a:rPr lang="en-US" sz="1050" dirty="0" err="1"/>
+              <a:rPr lang="en-US" sz="1050" err="1"/>
               <a:t>drum_tom_lo_soft</a:t>
             </a:r>
-            <a:endParaRPr lang="en-US" sz="1050" dirty="0"/>
-          </a:p>
-          <a:p>
-            <a:r>
-              <a:rPr lang="en-US" sz="1050" dirty="0"/>
+            <a:endParaRPr lang="en-US" sz="1050"/>
+          </a:p>
+          <a:p>
+            <a:r>
+              <a:rPr lang="en-US" sz="1050"/>
               <a:t>:</a:t>
             </a:r>
             <a:r>
-              <a:rPr lang="en-US" sz="1050" dirty="0" err="1"/>
+              <a:rPr lang="en-US" sz="1050" err="1"/>
               <a:t>drum_tom_lo_hard</a:t>
             </a:r>
-            <a:endParaRPr lang="en-US" sz="1050" dirty="0"/>
-          </a:p>
-          <a:p>
-            <a:r>
-              <a:rPr lang="en-US" sz="1050" dirty="0"/>
+            <a:endParaRPr lang="en-US" sz="1050"/>
+          </a:p>
+          <a:p>
+            <a:r>
+              <a:rPr lang="en-US" sz="1050"/>
               <a:t>:</a:t>
             </a:r>
             <a:r>
-              <a:rPr lang="en-US" sz="1050" dirty="0" err="1"/>
+              <a:rPr lang="en-US" sz="1050" err="1"/>
               <a:t>drum_tom_hi_soft</a:t>
             </a:r>
-            <a:endParaRPr lang="en-US" sz="1050" dirty="0"/>
-          </a:p>
-          <a:p>
-            <a:r>
-              <a:rPr lang="en-US" sz="1050" dirty="0"/>
+            <a:endParaRPr lang="en-US" sz="1050"/>
+          </a:p>
+          <a:p>
+            <a:r>
+              <a:rPr lang="en-US" sz="1050"/>
               <a:t>:</a:t>
             </a:r>
             <a:r>
-              <a:rPr lang="en-US" sz="1050" dirty="0" err="1"/>
+              <a:rPr lang="en-US" sz="1050" err="1"/>
               <a:t>drum_tom_hi_hard</a:t>
             </a:r>
-            <a:endParaRPr lang="en-US" sz="1050" dirty="0"/>
-          </a:p>
-          <a:p>
-            <a:r>
-              <a:rPr lang="en-US" sz="1050" dirty="0"/>
+            <a:endParaRPr lang="en-US" sz="1050"/>
+          </a:p>
+          <a:p>
+            <a:r>
+              <a:rPr lang="en-US" sz="1050"/>
               <a:t>:</a:t>
             </a:r>
             <a:r>
-              <a:rPr lang="en-US" sz="1050" dirty="0" err="1"/>
+              <a:rPr lang="en-US" sz="1050" err="1"/>
               <a:t>drum_splash_soft</a:t>
             </a:r>
-            <a:endParaRPr lang="en-US" sz="1050" dirty="0"/>
-          </a:p>
-          <a:p>
-            <a:r>
-              <a:rPr lang="en-US" sz="1050" dirty="0"/>
+            <a:endParaRPr lang="en-US" sz="1050"/>
+          </a:p>
+          <a:p>
+            <a:r>
+              <a:rPr lang="en-US" sz="1050"/>
               <a:t>:</a:t>
             </a:r>
             <a:r>
-              <a:rPr lang="en-US" sz="1050" dirty="0" err="1"/>
+              <a:rPr lang="en-US" sz="1050" err="1"/>
               <a:t>drum_splash_hard</a:t>
             </a:r>
-            <a:endParaRPr lang="en-US" sz="1050" dirty="0"/>
-          </a:p>
-          <a:p>
-            <a:r>
-              <a:rPr lang="en-US" sz="1050" dirty="0"/>
+            <a:endParaRPr lang="en-US" sz="1050"/>
+          </a:p>
+          <a:p>
+            <a:r>
+              <a:rPr lang="en-US" sz="1050"/>
               <a:t>:</a:t>
             </a:r>
             <a:r>
-              <a:rPr lang="en-US" sz="1050" dirty="0" err="1"/>
+              <a:rPr lang="en-US" sz="1050" err="1"/>
               <a:t>drum_snare_soft</a:t>
             </a:r>
-            <a:endParaRPr lang="en-US" sz="1050" dirty="0"/>
-          </a:p>
-          <a:p>
-            <a:r>
-              <a:rPr lang="en-US" sz="1050" dirty="0"/>
+            <a:endParaRPr lang="en-US" sz="1050"/>
+          </a:p>
+          <a:p>
+            <a:r>
+              <a:rPr lang="en-US" sz="1050"/>
               <a:t>:</a:t>
             </a:r>
             <a:r>
-              <a:rPr lang="en-US" sz="1050" dirty="0" err="1"/>
+              <a:rPr lang="en-US" sz="1050" err="1"/>
               <a:t>drum_snare_hard</a:t>
             </a:r>
-            <a:endParaRPr lang="en-US" sz="1050" dirty="0"/>
-          </a:p>
-          <a:p>
-            <a:r>
-              <a:rPr lang="en-US" sz="1050" dirty="0"/>
+            <a:endParaRPr lang="en-US" sz="1050"/>
+          </a:p>
+          <a:p>
+            <a:r>
+              <a:rPr lang="en-US" sz="1050"/>
               <a:t>:</a:t>
             </a:r>
             <a:r>
-              <a:rPr lang="en-US" sz="1050" dirty="0" err="1"/>
+              <a:rPr lang="en-US" sz="1050" err="1"/>
               <a:t>drum_cymbal_soft</a:t>
             </a:r>
-            <a:endParaRPr lang="en-US" sz="1050" dirty="0"/>
-          </a:p>
-          <a:p>
-            <a:r>
-              <a:rPr lang="en-US" sz="1050" dirty="0"/>
+            <a:endParaRPr lang="en-US" sz="1050"/>
+          </a:p>
+          <a:p>
+            <a:r>
+              <a:rPr lang="en-US" sz="1050"/>
               <a:t>:</a:t>
             </a:r>
             <a:r>
-              <a:rPr lang="en-US" sz="1050" dirty="0" err="1"/>
+              <a:rPr lang="en-US" sz="1050" err="1"/>
               <a:t>drum_cymbal_hard</a:t>
             </a:r>
-            <a:endParaRPr lang="en-US" sz="1050" dirty="0"/>
-          </a:p>
-          <a:p>
-            <a:r>
-              <a:rPr lang="en-US" sz="1050" dirty="0"/>
+            <a:endParaRPr lang="en-US" sz="1050"/>
+          </a:p>
+          <a:p>
+            <a:r>
+              <a:rPr lang="en-US" sz="1050"/>
               <a:t>:</a:t>
             </a:r>
             <a:r>
-              <a:rPr lang="en-US" sz="1050" dirty="0" err="1"/>
+              <a:rPr lang="en-US" sz="1050" err="1"/>
               <a:t>drum_cymbal_open</a:t>
             </a:r>
-            <a:endParaRPr lang="en-US" sz="1050" dirty="0"/>
-          </a:p>
-          <a:p>
-            <a:r>
-              <a:rPr lang="en-US" sz="1050" dirty="0"/>
+            <a:endParaRPr lang="en-US" sz="1050"/>
+          </a:p>
+          <a:p>
+            <a:r>
+              <a:rPr lang="en-US" sz="1050"/>
               <a:t>:</a:t>
             </a:r>
             <a:r>
-              <a:rPr lang="en-US" sz="1050" dirty="0" err="1"/>
+              <a:rPr lang="en-US" sz="1050" err="1"/>
               <a:t>drum_cymbal_closed</a:t>
             </a:r>
-            <a:endParaRPr lang="en-US" sz="1050" dirty="0"/>
-          </a:p>
-          <a:p>
-            <a:r>
-              <a:rPr lang="en-US" sz="1050" dirty="0"/>
+            <a:endParaRPr lang="en-US" sz="1050"/>
+          </a:p>
+          <a:p>
+            <a:r>
+              <a:rPr lang="en-US" sz="1050"/>
               <a:t>:</a:t>
             </a:r>
             <a:r>
-              <a:rPr lang="en-US" sz="1050" dirty="0" err="1"/>
+              <a:rPr lang="en-US" sz="1050" err="1"/>
               <a:t>drum_cymbal_pedal</a:t>
             </a:r>
-            <a:endParaRPr lang="en-US" sz="1050" dirty="0"/>
-          </a:p>
-          <a:p>
-            <a:r>
-              <a:rPr lang="en-US" sz="1050" dirty="0"/>
+            <a:endParaRPr lang="en-US" sz="1050"/>
+          </a:p>
+          <a:p>
+            <a:r>
+              <a:rPr lang="en-US" sz="1050"/>
               <a:t>:</a:t>
             </a:r>
             <a:r>
-              <a:rPr lang="en-US" sz="1050" dirty="0" err="1"/>
+              <a:rPr lang="en-US" sz="1050" err="1"/>
               <a:t>drum_bass_soft</a:t>
             </a:r>
-            <a:endParaRPr lang="en-US" sz="1050" dirty="0"/>
-          </a:p>
-          <a:p>
-            <a:r>
-              <a:rPr lang="en-US" sz="1050" dirty="0"/>
+            <a:endParaRPr lang="en-US" sz="1050"/>
+          </a:p>
+          <a:p>
+            <a:r>
+              <a:rPr lang="en-US" sz="1050"/>
               <a:t>:</a:t>
             </a:r>
             <a:r>
-              <a:rPr lang="en-US" sz="1050" dirty="0" err="1"/>
+              <a:rPr lang="en-US" sz="1050" err="1"/>
               <a:t>drum_bass_hard</a:t>
             </a:r>
             <a:r>
-              <a:rPr lang="en-US" sz="1050" dirty="0"/>
+              <a:rPr lang="en-US" sz="1050"/>
               <a:t> </a:t>
             </a:r>
           </a:p>
           <a:p>
             <a:r>
-              <a:rPr lang="en-US" sz="1050" dirty="0"/>
+              <a:rPr lang="en-US" sz="1050"/>
               <a:t>:</a:t>
             </a:r>
             <a:r>
-              <a:rPr lang="en-US" sz="1050" dirty="0" err="1"/>
+              <a:rPr lang="en-US" sz="1050" err="1"/>
               <a:t>sn_dub</a:t>
             </a:r>
-            <a:endParaRPr lang="en-US" sz="1050" dirty="0"/>
-          </a:p>
-          <a:p>
-            <a:r>
-              <a:rPr lang="en-US" sz="1050" dirty="0"/>
+            <a:endParaRPr lang="en-US" sz="1050"/>
+          </a:p>
+          <a:p>
+            <a:r>
+              <a:rPr lang="en-US" sz="1050"/>
               <a:t>:</a:t>
             </a:r>
             <a:r>
-              <a:rPr lang="en-US" sz="1050" dirty="0" err="1"/>
+              <a:rPr lang="en-US" sz="1050" err="1"/>
               <a:t>sn_dolf</a:t>
             </a:r>
-            <a:endParaRPr lang="en-US" sz="1050" dirty="0"/>
-          </a:p>
-          <a:p>
-            <a:r>
-              <a:rPr lang="en-US" sz="1050" dirty="0"/>
+            <a:endParaRPr lang="en-US" sz="1050"/>
+          </a:p>
+          <a:p>
+            <a:r>
+              <a:rPr lang="en-US" sz="1050"/>
               <a:t>:</a:t>
             </a:r>
             <a:r>
-              <a:rPr lang="en-US" sz="1050" dirty="0" err="1"/>
+              <a:rPr lang="en-US" sz="1050" err="1"/>
               <a:t>sn_zome</a:t>
             </a:r>
             <a:r>
-              <a:rPr lang="en-US" sz="1050" dirty="0"/>
+              <a:rPr lang="en-US" sz="1050"/>
               <a:t> </a:t>
             </a:r>
           </a:p>
@@ -10082,274 +11493,274 @@
           <a:lstStyle/>
           <a:p>
             <a:r>
-              <a:rPr lang="de-DE" sz="1050" dirty="0"/>
+              <a:rPr lang="de-DE" sz="1050"/>
               <a:t>:</a:t>
             </a:r>
             <a:r>
-              <a:rPr lang="de-DE" sz="1050" dirty="0" err="1"/>
+              <a:rPr lang="de-DE" sz="1050" err="1"/>
               <a:t>elec_triangle</a:t>
             </a:r>
-            <a:endParaRPr lang="de-DE" sz="1050" dirty="0"/>
-          </a:p>
-          <a:p>
-            <a:r>
-              <a:rPr lang="de-DE" sz="1050" dirty="0"/>
+            <a:endParaRPr lang="de-DE" sz="1050"/>
+          </a:p>
+          <a:p>
+            <a:r>
+              <a:rPr lang="de-DE" sz="1050"/>
               <a:t>:</a:t>
             </a:r>
             <a:r>
-              <a:rPr lang="de-DE" sz="1050" dirty="0" err="1"/>
+              <a:rPr lang="de-DE" sz="1050" err="1"/>
               <a:t>elec_snare</a:t>
             </a:r>
-            <a:endParaRPr lang="de-DE" sz="1050" dirty="0"/>
-          </a:p>
-          <a:p>
-            <a:r>
-              <a:rPr lang="de-DE" sz="1050" dirty="0"/>
+            <a:endParaRPr lang="de-DE" sz="1050"/>
+          </a:p>
+          <a:p>
+            <a:r>
+              <a:rPr lang="de-DE" sz="1050"/>
               <a:t>:</a:t>
             </a:r>
             <a:r>
-              <a:rPr lang="de-DE" sz="1050" dirty="0" err="1"/>
+              <a:rPr lang="de-DE" sz="1050" err="1"/>
               <a:t>elec_lo_snare</a:t>
             </a:r>
-            <a:endParaRPr lang="de-DE" sz="1050" dirty="0"/>
-          </a:p>
-          <a:p>
-            <a:r>
-              <a:rPr lang="de-DE" sz="1050" dirty="0"/>
+            <a:endParaRPr lang="de-DE" sz="1050"/>
+          </a:p>
+          <a:p>
+            <a:r>
+              <a:rPr lang="de-DE" sz="1050"/>
               <a:t>:</a:t>
             </a:r>
             <a:r>
-              <a:rPr lang="de-DE" sz="1050" dirty="0" err="1"/>
+              <a:rPr lang="de-DE" sz="1050" err="1"/>
               <a:t>elec_hi_snare</a:t>
             </a:r>
-            <a:endParaRPr lang="de-DE" sz="1050" dirty="0"/>
-          </a:p>
-          <a:p>
-            <a:r>
-              <a:rPr lang="de-DE" sz="1050" dirty="0"/>
+            <a:endParaRPr lang="de-DE" sz="1050"/>
+          </a:p>
+          <a:p>
+            <a:r>
+              <a:rPr lang="de-DE" sz="1050"/>
               <a:t>:</a:t>
             </a:r>
             <a:r>
-              <a:rPr lang="de-DE" sz="1050" dirty="0" err="1"/>
+              <a:rPr lang="de-DE" sz="1050" err="1"/>
               <a:t>elec_mid_snare</a:t>
             </a:r>
-            <a:endParaRPr lang="de-DE" sz="1050" dirty="0"/>
-          </a:p>
-          <a:p>
-            <a:r>
-              <a:rPr lang="de-DE" sz="1050" dirty="0"/>
+            <a:endParaRPr lang="de-DE" sz="1050"/>
+          </a:p>
+          <a:p>
+            <a:r>
+              <a:rPr lang="de-DE" sz="1050"/>
               <a:t>:</a:t>
             </a:r>
             <a:r>
-              <a:rPr lang="de-DE" sz="1050" dirty="0" err="1"/>
+              <a:rPr lang="de-DE" sz="1050" err="1"/>
               <a:t>elec_cymbal</a:t>
             </a:r>
-            <a:endParaRPr lang="de-DE" sz="1050" dirty="0"/>
-          </a:p>
-          <a:p>
-            <a:r>
-              <a:rPr lang="de-DE" sz="1050" dirty="0"/>
+            <a:endParaRPr lang="de-DE" sz="1050"/>
+          </a:p>
+          <a:p>
+            <a:r>
+              <a:rPr lang="de-DE" sz="1050"/>
               <a:t>:</a:t>
             </a:r>
             <a:r>
-              <a:rPr lang="de-DE" sz="1050" dirty="0" err="1"/>
+              <a:rPr lang="de-DE" sz="1050" err="1"/>
               <a:t>elec_soft_kick</a:t>
             </a:r>
-            <a:endParaRPr lang="de-DE" sz="1050" dirty="0"/>
-          </a:p>
-          <a:p>
-            <a:r>
-              <a:rPr lang="de-DE" sz="1050" dirty="0"/>
+            <a:endParaRPr lang="de-DE" sz="1050"/>
+          </a:p>
+          <a:p>
+            <a:r>
+              <a:rPr lang="de-DE" sz="1050"/>
               <a:t>:</a:t>
             </a:r>
             <a:r>
-              <a:rPr lang="de-DE" sz="1050" dirty="0" err="1"/>
+              <a:rPr lang="de-DE" sz="1050" err="1"/>
               <a:t>elec_filt_snare</a:t>
             </a:r>
-            <a:endParaRPr lang="de-DE" sz="1050" dirty="0"/>
-          </a:p>
-          <a:p>
-            <a:r>
-              <a:rPr lang="de-DE" sz="1050" dirty="0"/>
+            <a:endParaRPr lang="de-DE" sz="1050"/>
+          </a:p>
+          <a:p>
+            <a:r>
+              <a:rPr lang="de-DE" sz="1050"/>
               <a:t>:</a:t>
             </a:r>
             <a:r>
-              <a:rPr lang="de-DE" sz="1050" dirty="0" err="1"/>
+              <a:rPr lang="de-DE" sz="1050" err="1"/>
               <a:t>elec_fuzz_tom</a:t>
             </a:r>
-            <a:endParaRPr lang="de-DE" sz="1050" dirty="0"/>
-          </a:p>
-          <a:p>
-            <a:r>
-              <a:rPr lang="de-DE" sz="1050" dirty="0"/>
+            <a:endParaRPr lang="de-DE" sz="1050"/>
+          </a:p>
+          <a:p>
+            <a:r>
+              <a:rPr lang="de-DE" sz="1050"/>
               <a:t>:</a:t>
             </a:r>
             <a:r>
-              <a:rPr lang="de-DE" sz="1050" dirty="0" err="1"/>
+              <a:rPr lang="de-DE" sz="1050" err="1"/>
               <a:t>elec_chime</a:t>
             </a:r>
-            <a:endParaRPr lang="de-DE" sz="1050" dirty="0"/>
-          </a:p>
-          <a:p>
-            <a:r>
-              <a:rPr lang="de-DE" sz="1050" dirty="0"/>
+            <a:endParaRPr lang="de-DE" sz="1050"/>
+          </a:p>
+          <a:p>
+            <a:r>
+              <a:rPr lang="de-DE" sz="1050"/>
               <a:t>:</a:t>
             </a:r>
             <a:r>
-              <a:rPr lang="de-DE" sz="1050" dirty="0" err="1"/>
+              <a:rPr lang="de-DE" sz="1050" err="1"/>
               <a:t>elec_bong</a:t>
             </a:r>
-            <a:endParaRPr lang="de-DE" sz="1050" dirty="0"/>
-          </a:p>
-          <a:p>
-            <a:r>
-              <a:rPr lang="de-DE" sz="1050" dirty="0"/>
+            <a:endParaRPr lang="de-DE" sz="1050"/>
+          </a:p>
+          <a:p>
+            <a:r>
+              <a:rPr lang="de-DE" sz="1050"/>
               <a:t>:</a:t>
             </a:r>
             <a:r>
-              <a:rPr lang="de-DE" sz="1050" dirty="0" err="1"/>
+              <a:rPr lang="de-DE" sz="1050" err="1"/>
               <a:t>elec_twang</a:t>
             </a:r>
-            <a:endParaRPr lang="de-DE" sz="1050" dirty="0"/>
-          </a:p>
-          <a:p>
-            <a:r>
-              <a:rPr lang="de-DE" sz="1050" dirty="0"/>
+            <a:endParaRPr lang="de-DE" sz="1050"/>
+          </a:p>
+          <a:p>
+            <a:r>
+              <a:rPr lang="de-DE" sz="1050"/>
               <a:t>:</a:t>
             </a:r>
             <a:r>
-              <a:rPr lang="de-DE" sz="1050" dirty="0" err="1"/>
+              <a:rPr lang="de-DE" sz="1050" err="1"/>
               <a:t>elec_wood</a:t>
             </a:r>
-            <a:endParaRPr lang="de-DE" sz="1050" dirty="0"/>
-          </a:p>
-          <a:p>
-            <a:r>
-              <a:rPr lang="de-DE" sz="1050" dirty="0"/>
+            <a:endParaRPr lang="de-DE" sz="1050"/>
+          </a:p>
+          <a:p>
+            <a:r>
+              <a:rPr lang="de-DE" sz="1050"/>
               <a:t>:</a:t>
             </a:r>
             <a:r>
-              <a:rPr lang="de-DE" sz="1050" dirty="0" err="1"/>
+              <a:rPr lang="de-DE" sz="1050" err="1"/>
               <a:t>elec_pop</a:t>
             </a:r>
-            <a:endParaRPr lang="de-DE" sz="1050" dirty="0"/>
-          </a:p>
-          <a:p>
-            <a:r>
-              <a:rPr lang="de-DE" sz="1050" dirty="0"/>
+            <a:endParaRPr lang="de-DE" sz="1050"/>
+          </a:p>
+          <a:p>
+            <a:r>
+              <a:rPr lang="de-DE" sz="1050"/>
               <a:t>:</a:t>
             </a:r>
             <a:r>
-              <a:rPr lang="de-DE" sz="1050" dirty="0" err="1"/>
+              <a:rPr lang="de-DE" sz="1050" err="1"/>
               <a:t>elec_beep</a:t>
             </a:r>
-            <a:endParaRPr lang="de-DE" sz="1050" dirty="0"/>
-          </a:p>
-          <a:p>
-            <a:r>
-              <a:rPr lang="de-DE" sz="1050" dirty="0"/>
+            <a:endParaRPr lang="de-DE" sz="1050"/>
+          </a:p>
+          <a:p>
+            <a:r>
+              <a:rPr lang="de-DE" sz="1050"/>
               <a:t>:</a:t>
             </a:r>
             <a:r>
-              <a:rPr lang="de-DE" sz="1050" dirty="0" err="1"/>
+              <a:rPr lang="de-DE" sz="1050" err="1"/>
               <a:t>elec_blip</a:t>
             </a:r>
-            <a:endParaRPr lang="de-DE" sz="1050" dirty="0"/>
-          </a:p>
-          <a:p>
-            <a:r>
-              <a:rPr lang="de-DE" sz="1050" dirty="0"/>
+            <a:endParaRPr lang="de-DE" sz="1050"/>
+          </a:p>
+          <a:p>
+            <a:r>
+              <a:rPr lang="de-DE" sz="1050"/>
               <a:t>:elec_blip2</a:t>
             </a:r>
           </a:p>
           <a:p>
             <a:r>
-              <a:rPr lang="de-DE" sz="1050" dirty="0"/>
+              <a:rPr lang="de-DE" sz="1050"/>
               <a:t>:</a:t>
             </a:r>
             <a:r>
-              <a:rPr lang="de-DE" sz="1050" dirty="0" err="1"/>
+              <a:rPr lang="de-DE" sz="1050" err="1"/>
               <a:t>elec_ping</a:t>
             </a:r>
-            <a:endParaRPr lang="de-DE" sz="1050" dirty="0"/>
-          </a:p>
-          <a:p>
-            <a:r>
-              <a:rPr lang="de-DE" sz="1050" dirty="0"/>
+            <a:endParaRPr lang="de-DE" sz="1050"/>
+          </a:p>
+          <a:p>
+            <a:r>
+              <a:rPr lang="de-DE" sz="1050"/>
               <a:t>:</a:t>
             </a:r>
             <a:r>
-              <a:rPr lang="de-DE" sz="1050" dirty="0" err="1"/>
+              <a:rPr lang="de-DE" sz="1050" err="1"/>
               <a:t>elec_bell</a:t>
             </a:r>
-            <a:endParaRPr lang="de-DE" sz="1050" dirty="0"/>
-          </a:p>
-          <a:p>
-            <a:r>
-              <a:rPr lang="de-DE" sz="1050" dirty="0"/>
+            <a:endParaRPr lang="de-DE" sz="1050"/>
+          </a:p>
+          <a:p>
+            <a:r>
+              <a:rPr lang="de-DE" sz="1050"/>
               <a:t>:</a:t>
             </a:r>
             <a:r>
-              <a:rPr lang="de-DE" sz="1050" dirty="0" err="1"/>
+              <a:rPr lang="de-DE" sz="1050" err="1"/>
               <a:t>elec_flip</a:t>
             </a:r>
-            <a:endParaRPr lang="de-DE" sz="1050" dirty="0"/>
-          </a:p>
-          <a:p>
-            <a:r>
-              <a:rPr lang="de-DE" sz="1050" dirty="0"/>
+            <a:endParaRPr lang="de-DE" sz="1050"/>
+          </a:p>
+          <a:p>
+            <a:r>
+              <a:rPr lang="de-DE" sz="1050"/>
               <a:t>:</a:t>
             </a:r>
             <a:r>
-              <a:rPr lang="de-DE" sz="1050" dirty="0" err="1"/>
+              <a:rPr lang="de-DE" sz="1050" err="1"/>
               <a:t>elec_tick</a:t>
             </a:r>
-            <a:endParaRPr lang="de-DE" sz="1050" dirty="0"/>
-          </a:p>
-          <a:p>
-            <a:r>
-              <a:rPr lang="de-DE" sz="1050" dirty="0"/>
+            <a:endParaRPr lang="de-DE" sz="1050"/>
+          </a:p>
+          <a:p>
+            <a:r>
+              <a:rPr lang="de-DE" sz="1050"/>
               <a:t>:</a:t>
             </a:r>
             <a:r>
-              <a:rPr lang="de-DE" sz="1050" dirty="0" err="1"/>
+              <a:rPr lang="de-DE" sz="1050" err="1"/>
               <a:t>elec_hollow_kick</a:t>
             </a:r>
-            <a:endParaRPr lang="de-DE" sz="1050" dirty="0"/>
-          </a:p>
-          <a:p>
-            <a:r>
-              <a:rPr lang="de-DE" sz="1050" dirty="0"/>
+            <a:endParaRPr lang="de-DE" sz="1050"/>
+          </a:p>
+          <a:p>
+            <a:r>
+              <a:rPr lang="de-DE" sz="1050"/>
               <a:t>:</a:t>
             </a:r>
             <a:r>
-              <a:rPr lang="de-DE" sz="1050" dirty="0" err="1"/>
+              <a:rPr lang="de-DE" sz="1050" err="1"/>
               <a:t>elec_twip</a:t>
             </a:r>
-            <a:endParaRPr lang="de-DE" sz="1050" dirty="0"/>
-          </a:p>
-          <a:p>
-            <a:r>
-              <a:rPr lang="de-DE" sz="1050" dirty="0"/>
+            <a:endParaRPr lang="de-DE" sz="1050"/>
+          </a:p>
+          <a:p>
+            <a:r>
+              <a:rPr lang="de-DE" sz="1050"/>
               <a:t>:</a:t>
             </a:r>
             <a:r>
-              <a:rPr lang="de-DE" sz="1050" dirty="0" err="1"/>
+              <a:rPr lang="de-DE" sz="1050" err="1"/>
               <a:t>elec_plip</a:t>
             </a:r>
-            <a:endParaRPr lang="de-DE" sz="1050" dirty="0"/>
-          </a:p>
-          <a:p>
-            <a:r>
-              <a:rPr lang="de-DE" sz="1050" dirty="0"/>
+            <a:endParaRPr lang="de-DE" sz="1050"/>
+          </a:p>
+          <a:p>
+            <a:r>
+              <a:rPr lang="de-DE" sz="1050"/>
               <a:t>:</a:t>
             </a:r>
             <a:r>
-              <a:rPr lang="de-DE" sz="1050" dirty="0" err="1"/>
+              <a:rPr lang="de-DE" sz="1050" err="1"/>
               <a:t>elec_blup</a:t>
             </a:r>
             <a:r>
-              <a:rPr lang="de-DE" sz="1050" dirty="0"/>
+              <a:rPr lang="de-DE" sz="1050"/>
               <a:t> </a:t>
             </a:r>
           </a:p>
@@ -10391,43 +11802,43 @@
           <a:lstStyle/>
           <a:p>
             <a:r>
-              <a:rPr lang="de-DE" sz="1050" dirty="0"/>
+              <a:rPr lang="de-DE" sz="1050"/>
               <a:t>:</a:t>
             </a:r>
             <a:r>
-              <a:rPr lang="de-DE" sz="1050" dirty="0" err="1"/>
+              <a:rPr lang="de-DE" sz="1050" err="1"/>
               <a:t>misc_burp</a:t>
             </a:r>
             <a:r>
-              <a:rPr lang="de-DE" sz="1050" dirty="0"/>
+              <a:rPr lang="de-DE" sz="1050"/>
               <a:t> </a:t>
             </a:r>
           </a:p>
           <a:p>
             <a:r>
-              <a:rPr lang="de-DE" sz="1050" dirty="0"/>
+              <a:rPr lang="de-DE" sz="1050"/>
               <a:t>:</a:t>
             </a:r>
             <a:r>
-              <a:rPr lang="de-DE" sz="1050" dirty="0" err="1"/>
+              <a:rPr lang="de-DE" sz="1050" err="1"/>
               <a:t>perc_bell</a:t>
             </a:r>
-            <a:endParaRPr lang="de-DE" sz="1050" dirty="0"/>
-          </a:p>
-          <a:p>
-            <a:r>
-              <a:rPr lang="de-DE" sz="1050" dirty="0"/>
+            <a:endParaRPr lang="de-DE" sz="1050"/>
+          </a:p>
+          <a:p>
+            <a:r>
+              <a:rPr lang="de-DE" sz="1050"/>
               <a:t>:</a:t>
             </a:r>
             <a:r>
-              <a:rPr lang="de-DE" sz="1050" dirty="0" err="1"/>
+              <a:rPr lang="de-DE" sz="1050" err="1"/>
               <a:t>perc_snap</a:t>
             </a:r>
-            <a:endParaRPr lang="de-DE" sz="1050" dirty="0"/>
-          </a:p>
-          <a:p>
-            <a:r>
-              <a:rPr lang="de-DE" sz="1050" dirty="0"/>
+            <a:endParaRPr lang="de-DE" sz="1050"/>
+          </a:p>
+          <a:p>
+            <a:r>
+              <a:rPr lang="de-DE" sz="1050"/>
               <a:t>:perc_snap2 </a:t>
             </a:r>
           </a:p>
@@ -10469,40 +11880,40 @@
           <a:lstStyle/>
           <a:p>
             <a:r>
-              <a:rPr lang="de-DE" sz="1050" dirty="0"/>
+              <a:rPr lang="de-DE" sz="1050"/>
               <a:t>:</a:t>
             </a:r>
             <a:r>
-              <a:rPr lang="de-DE" sz="1050" dirty="0" err="1"/>
+              <a:rPr lang="de-DE" sz="1050" err="1"/>
               <a:t>guit_harmonics</a:t>
             </a:r>
-            <a:endParaRPr lang="de-DE" sz="1050" dirty="0"/>
-          </a:p>
-          <a:p>
-            <a:r>
-              <a:rPr lang="de-DE" sz="1050" dirty="0"/>
+            <a:endParaRPr lang="de-DE" sz="1050"/>
+          </a:p>
+          <a:p>
+            <a:r>
+              <a:rPr lang="de-DE" sz="1050"/>
               <a:t>:</a:t>
             </a:r>
             <a:r>
-              <a:rPr lang="de-DE" sz="1050" dirty="0" err="1"/>
+              <a:rPr lang="de-DE" sz="1050" err="1"/>
               <a:t>guit_e_fifths</a:t>
             </a:r>
-            <a:endParaRPr lang="de-DE" sz="1050" dirty="0"/>
-          </a:p>
-          <a:p>
-            <a:r>
-              <a:rPr lang="de-DE" sz="1050" dirty="0"/>
+            <a:endParaRPr lang="de-DE" sz="1050"/>
+          </a:p>
+          <a:p>
+            <a:r>
+              <a:rPr lang="de-DE" sz="1050"/>
               <a:t>:</a:t>
             </a:r>
             <a:r>
-              <a:rPr lang="de-DE" sz="1050" dirty="0" err="1"/>
+              <a:rPr lang="de-DE" sz="1050" err="1"/>
               <a:t>guit_e_slide</a:t>
             </a:r>
-            <a:endParaRPr lang="de-DE" sz="1050" dirty="0"/>
-          </a:p>
-          <a:p>
-            <a:r>
-              <a:rPr lang="de-DE" sz="1050" dirty="0"/>
+            <a:endParaRPr lang="de-DE" sz="1050"/>
+          </a:p>
+          <a:p>
+            <a:r>
+              <a:rPr lang="de-DE" sz="1050"/>
               <a:t>:guit_em9 </a:t>
             </a:r>
           </a:p>
@@ -10544,43 +11955,43 @@
           <a:lstStyle/>
           <a:p>
             <a:r>
-              <a:rPr lang="nl-NL" sz="1050" dirty="0"/>
+              <a:rPr lang="nl-NL" sz="1050"/>
               <a:t>:loop_industrial</a:t>
             </a:r>
           </a:p>
           <a:p>
             <a:r>
-              <a:rPr lang="nl-NL" sz="1050" dirty="0"/>
+              <a:rPr lang="nl-NL" sz="1050"/>
               <a:t>:loop_compus</a:t>
             </a:r>
           </a:p>
           <a:p>
             <a:r>
-              <a:rPr lang="nl-NL" sz="1050" dirty="0"/>
+              <a:rPr lang="nl-NL" sz="1050"/>
               <a:t>:loop_amen</a:t>
             </a:r>
           </a:p>
           <a:p>
             <a:r>
-              <a:rPr lang="nl-NL" sz="1050" dirty="0"/>
+              <a:rPr lang="nl-NL" sz="1050"/>
               <a:t>:loop_amen_full</a:t>
             </a:r>
           </a:p>
           <a:p>
             <a:r>
-              <a:rPr lang="nl-NL" sz="1050" dirty="0"/>
+              <a:rPr lang="nl-NL" sz="1050"/>
               <a:t>:loop_garzul</a:t>
             </a:r>
           </a:p>
           <a:p>
             <a:r>
-              <a:rPr lang="nl-NL" sz="1050" dirty="0"/>
+              <a:rPr lang="nl-NL" sz="1050"/>
               <a:t>:loop_mika</a:t>
             </a:r>
           </a:p>
           <a:p>
             <a:r>
-              <a:rPr lang="nl-NL" sz="1050" dirty="0"/>
+              <a:rPr lang="nl-NL" sz="1050"/>
               <a:t>:loop_breakbeat </a:t>
             </a:r>
           </a:p>
@@ -10670,49 +12081,49 @@
           <a:lstStyle/>
           <a:p>
             <a:r>
-              <a:rPr lang="nl-NL" sz="1050" dirty="0"/>
+              <a:rPr lang="nl-NL" sz="1050"/>
               <a:t>:drum_cowbell</a:t>
             </a:r>
           </a:p>
           <a:p>
             <a:r>
-              <a:rPr lang="nl-NL" sz="1050" dirty="0"/>
+              <a:rPr lang="nl-NL" sz="1050"/>
               <a:t>:drum_roll</a:t>
             </a:r>
           </a:p>
           <a:p>
             <a:r>
-              <a:rPr lang="nl-NL" sz="1050" dirty="0"/>
+              <a:rPr lang="nl-NL" sz="1050"/>
               <a:t>:misc_cros</a:t>
             </a:r>
           </a:p>
           <a:p>
             <a:r>
-              <a:rPr lang="nl-NL" sz="1050" dirty="0"/>
+              <a:rPr lang="nl-NL" sz="1050"/>
               <a:t>:misc_cineboom</a:t>
             </a:r>
           </a:p>
           <a:p>
             <a:r>
-              <a:rPr lang="nl-NL" sz="1050" dirty="0"/>
+              <a:rPr lang="nl-NL" sz="1050"/>
               <a:t>:perc_swash</a:t>
             </a:r>
           </a:p>
           <a:p>
             <a:r>
-              <a:rPr lang="nl-NL" sz="1050" dirty="0"/>
+              <a:rPr lang="nl-NL" sz="1050"/>
               <a:t>:perc_till</a:t>
             </a:r>
           </a:p>
           <a:p>
             <a:r>
-              <a:rPr lang="nl-NL" sz="1050" dirty="0"/>
+              <a:rPr lang="nl-NL" sz="1050"/>
               <a:t>:loop_safari</a:t>
             </a:r>
           </a:p>
           <a:p>
             <a:r>
-              <a:rPr lang="nl-NL" sz="1050" dirty="0"/>
+              <a:rPr lang="nl-NL" sz="1050"/>
               <a:t>:loop_tabla</a:t>
             </a:r>
           </a:p>
@@ -10771,10 +12182,10 @@
           <a:lstStyle/>
           <a:p>
             <a:r>
-              <a:rPr lang="de-DE" dirty="0" smtClean="0"/>
+              <a:rPr lang="de-DE" smtClean="0"/>
               <a:t>Spiele und warte</a:t>
             </a:r>
-            <a:endParaRPr lang="de-DE" dirty="0"/>
+            <a:endParaRPr lang="de-DE"/>
           </a:p>
         </p:txBody>
       </p:sp>
@@ -10809,7 +12220,7 @@
               <a:rPr lang="de-DE" smtClean="0"/>
               <a:t>	:c4	:d4	:c5	:d5</a:t>
             </a:r>
-            <a:endParaRPr lang="de-DE" dirty="0"/>
+            <a:endParaRPr lang="de-DE"/>
           </a:p>
         </p:txBody>
       </p:sp>
@@ -10829,10 +12240,10 @@
           <a:lstStyle/>
           <a:p>
             <a:r>
-              <a:rPr lang="de-DE" dirty="0" smtClean="0"/>
+              <a:rPr lang="de-DE" smtClean="0"/>
               <a:t>	c5 e5 g5	  f4 a4 c5 	   g4 a4 d5</a:t>
             </a:r>
-            <a:endParaRPr lang="de-DE" dirty="0"/>
+            <a:endParaRPr lang="de-DE"/>
           </a:p>
         </p:txBody>
       </p:sp>
@@ -10852,16 +12263,16 @@
           <a:lstStyle/>
           <a:p>
             <a:r>
-              <a:rPr lang="de-DE" dirty="0" smtClean="0"/>
+              <a:rPr lang="de-DE" smtClean="0"/>
               <a:t>play 60</a:t>
             </a:r>
           </a:p>
           <a:p>
             <a:r>
-              <a:rPr lang="de-DE" dirty="0" smtClean="0"/>
+              <a:rPr lang="de-DE" smtClean="0"/>
               <a:t>sleep 1</a:t>
             </a:r>
-            <a:endParaRPr lang="de-DE" dirty="0"/>
+            <a:endParaRPr lang="de-DE"/>
           </a:p>
         </p:txBody>
       </p:sp>
@@ -10881,10 +12292,10 @@
           <a:lstStyle/>
           <a:p>
             <a:r>
-              <a:rPr lang="de-DE" dirty="0" smtClean="0"/>
+              <a:rPr lang="de-DE" smtClean="0"/>
               <a:t>Spiele einen Akkord (Dreiklang)</a:t>
             </a:r>
-            <a:endParaRPr lang="de-DE" dirty="0"/>
+            <a:endParaRPr lang="de-DE"/>
           </a:p>
         </p:txBody>
       </p:sp>
@@ -10909,28 +12320,28 @@
           <a:lstStyle/>
           <a:p>
             <a:r>
-              <a:rPr lang="en-US" dirty="0" smtClean="0"/>
+              <a:rPr lang="en-US" smtClean="0"/>
               <a:t>play :c4 </a:t>
             </a:r>
           </a:p>
           <a:p>
             <a:r>
-              <a:rPr lang="en-US" dirty="0" smtClean="0"/>
+              <a:rPr lang="en-US" smtClean="0"/>
               <a:t>play :e4</a:t>
             </a:r>
           </a:p>
           <a:p>
             <a:r>
-              <a:rPr lang="en-US" dirty="0" smtClean="0"/>
+              <a:rPr lang="en-US" smtClean="0"/>
               <a:t>play :g4 </a:t>
             </a:r>
           </a:p>
           <a:p>
             <a:r>
-              <a:rPr lang="en-US" dirty="0" smtClean="0"/>
+              <a:rPr lang="en-US" smtClean="0"/>
               <a:t>sleep 1</a:t>
             </a:r>
-            <a:endParaRPr lang="en-US" dirty="0"/>
+            <a:endParaRPr lang="en-US"/>
           </a:p>
         </p:txBody>
       </p:sp>
@@ -10982,10 +12393,10 @@
           <a:lstStyle/>
           <a:p>
             <a:r>
-              <a:rPr lang="de-DE" dirty="0" smtClean="0"/>
+              <a:rPr lang="de-DE" smtClean="0"/>
               <a:t>Vewernde Buffer 1</a:t>
             </a:r>
-            <a:endParaRPr lang="de-DE" dirty="0"/>
+            <a:endParaRPr lang="de-DE"/>
           </a:p>
         </p:txBody>
       </p:sp>
@@ -11046,7 +12457,7 @@
               <a:rPr lang="de-DE" smtClean="0"/>
               <a:t>BUFFER 1</a:t>
             </a:r>
-            <a:endParaRPr lang="de-DE" dirty="0"/>
+            <a:endParaRPr lang="de-DE"/>
           </a:p>
         </p:txBody>
       </p:sp>
@@ -11144,7 +12555,7 @@
               <a:rPr lang="de-DE" smtClean="0"/>
               <a:t>Drei Töne gleichzeitig nennt man einen Akkord. So ist es einfacher als vorher. Hier ein C-Akkord.</a:t>
             </a:r>
-            <a:endParaRPr lang="de-DE" dirty="0"/>
+            <a:endParaRPr lang="de-DE"/>
           </a:p>
         </p:txBody>
       </p:sp>
@@ -11164,10 +12575,10 @@
           <a:lstStyle/>
           <a:p>
             <a:r>
-              <a:rPr lang="de-DE" dirty="0" smtClean="0"/>
+              <a:rPr lang="de-DE" smtClean="0"/>
               <a:t>	c5 e5 g5	  f4 a4 c5 	   g4 a4 d5</a:t>
             </a:r>
-            <a:endParaRPr lang="de-DE" dirty="0"/>
+            <a:endParaRPr lang="de-DE"/>
           </a:p>
         </p:txBody>
       </p:sp>
@@ -11192,16 +12603,16 @@
           <a:lstStyle/>
           <a:p>
             <a:r>
-              <a:rPr lang="de-DE" dirty="0" smtClean="0"/>
+              <a:rPr lang="de-DE" smtClean="0"/>
               <a:t>	:a4	:b4	 :major7	:minor</a:t>
             </a:r>
           </a:p>
           <a:p>
             <a:r>
-              <a:rPr lang="de-DE" sz="1600" dirty="0" smtClean="0"/>
+              <a:rPr lang="de-DE" sz="1600" smtClean="0"/>
               <a:t>Drei Akkorde mit einer Sekunde Abstand (nimm e, a und b als moll)</a:t>
             </a:r>
-            <a:endParaRPr lang="de-DE" sz="1600" dirty="0"/>
+            <a:endParaRPr lang="de-DE" sz="1600"/>
           </a:p>
         </p:txBody>
       </p:sp>
@@ -11221,16 +12632,16 @@
           <a:lstStyle/>
           <a:p>
             <a:r>
-              <a:rPr lang="de-DE" dirty="0" smtClean="0"/>
+              <a:rPr lang="de-DE" smtClean="0"/>
               <a:t>play_chord [:c4, :e4, :g4]</a:t>
             </a:r>
           </a:p>
           <a:p>
             <a:r>
-              <a:rPr lang="de-DE" dirty="0" smtClean="0"/>
+              <a:rPr lang="de-DE" smtClean="0"/>
               <a:t>sleep 1</a:t>
             </a:r>
-            <a:endParaRPr lang="de-DE" dirty="0"/>
+            <a:endParaRPr lang="de-DE"/>
           </a:p>
         </p:txBody>
       </p:sp>
@@ -11253,7 +12664,7 @@
               <a:rPr lang="de-DE" smtClean="0"/>
               <a:t>Major = Dur, Minor = Moll – erkennst Du den Unterschied?</a:t>
             </a:r>
-            <a:endParaRPr lang="de-DE" dirty="0"/>
+            <a:endParaRPr lang="de-DE"/>
           </a:p>
         </p:txBody>
       </p:sp>
@@ -11273,17 +12684,17 @@
           <a:lstStyle/>
           <a:p>
             <a:r>
-              <a:rPr lang="en-US" dirty="0" err="1" smtClean="0"/>
+              <a:rPr lang="en-US" err="1" smtClean="0"/>
               <a:t>play_chord</a:t>
             </a:r>
             <a:r>
-              <a:rPr lang="en-US" dirty="0" smtClean="0"/>
+              <a:rPr lang="en-US" smtClean="0"/>
               <a:t> chord(:e4, :major)</a:t>
             </a:r>
           </a:p>
           <a:p>
             <a:r>
-              <a:rPr lang="en-US" dirty="0" smtClean="0"/>
+              <a:rPr lang="en-US" smtClean="0"/>
               <a:t>sleep 1</a:t>
             </a:r>
           </a:p>
@@ -11337,10 +12748,10 @@
           <a:lstStyle/>
           <a:p>
             <a:r>
-              <a:rPr lang="de-DE" dirty="0" smtClean="0"/>
+              <a:rPr lang="de-DE" smtClean="0"/>
               <a:t>Verwende Buffer 2</a:t>
             </a:r>
-            <a:endParaRPr lang="de-DE" dirty="0"/>
+            <a:endParaRPr lang="de-DE"/>
           </a:p>
         </p:txBody>
       </p:sp>
@@ -11401,7 +12812,7 @@
               <a:rPr lang="de-DE" smtClean="0"/>
               <a:t>BUFFER 2</a:t>
             </a:r>
-            <a:endParaRPr lang="de-DE" dirty="0"/>
+            <a:endParaRPr lang="de-DE"/>
           </a:p>
         </p:txBody>
       </p:sp>
@@ -11496,18 +12907,18 @@
           <a:lstStyle/>
           <a:p>
             <a:r>
-              <a:rPr lang="de-DE" dirty="0" smtClean="0"/>
+              <a:rPr lang="de-DE" smtClean="0"/>
               <a:t>Spiele ein Muster (=Pattern) </a:t>
             </a:r>
             <a:r>
-              <a:rPr lang="de-DE" dirty="0"/>
+              <a:rPr lang="de-DE"/>
               <a:t> </a:t>
             </a:r>
             <a:r>
-              <a:rPr lang="de-DE" dirty="0" smtClean="0"/>
+              <a:rPr lang="de-DE" smtClean="0"/>
               <a:t>- hier eine Tonleiter (scale)</a:t>
             </a:r>
-            <a:endParaRPr lang="de-DE" dirty="0"/>
+            <a:endParaRPr lang="de-DE"/>
           </a:p>
         </p:txBody>
       </p:sp>
@@ -11532,7 +12943,7 @@
             </a:r>
           </a:p>
           <a:p>
-            <a:endParaRPr lang="de-DE" dirty="0"/>
+            <a:endParaRPr lang="de-DE"/>
           </a:p>
         </p:txBody>
       </p:sp>
@@ -11561,7 +12972,7 @@
               <a:rPr lang="de-DE" smtClean="0"/>
               <a:t>:major 	:major_pentatonic 	:minor_pentatonic	:minor</a:t>
             </a:r>
-            <a:endParaRPr lang="de-DE" dirty="0"/>
+            <a:endParaRPr lang="de-DE"/>
           </a:p>
         </p:txBody>
       </p:sp>
@@ -11586,30 +12997,30 @@
           <a:lstStyle/>
           <a:p>
             <a:r>
-              <a:rPr lang="de-DE" dirty="0" err="1" smtClean="0"/>
+              <a:rPr lang="de-DE" err="1" smtClean="0"/>
               <a:t>play_pattern</a:t>
             </a:r>
             <a:r>
-              <a:rPr lang="de-DE" dirty="0" smtClean="0"/>
+              <a:rPr lang="de-DE" smtClean="0"/>
               <a:t> (</a:t>
             </a:r>
             <a:r>
-              <a:rPr lang="de-DE" dirty="0" err="1" smtClean="0"/>
+              <a:rPr lang="de-DE" err="1" smtClean="0"/>
               <a:t>scale</a:t>
             </a:r>
             <a:r>
-              <a:rPr lang="de-DE" dirty="0" smtClean="0"/>
+              <a:rPr lang="de-DE" smtClean="0"/>
               <a:t> :c4, :</a:t>
             </a:r>
             <a:r>
-              <a:rPr lang="de-DE" dirty="0" err="1" smtClean="0"/>
+              <a:rPr lang="de-DE" err="1" smtClean="0"/>
               <a:t>major</a:t>
             </a:r>
             <a:r>
-              <a:rPr lang="de-DE" dirty="0" smtClean="0"/>
+              <a:rPr lang="de-DE" smtClean="0"/>
               <a:t>)</a:t>
             </a:r>
-            <a:endParaRPr lang="de-DE" dirty="0"/>
+            <a:endParaRPr lang="de-DE"/>
           </a:p>
         </p:txBody>
       </p:sp>
@@ -11632,7 +13043,7 @@
               <a:rPr lang="de-DE" smtClean="0"/>
               <a:t>Verwende ein andere Geschwindigkeit   b p m = beats per minute = schläge pro minute</a:t>
             </a:r>
-            <a:endParaRPr lang="de-DE" dirty="0"/>
+            <a:endParaRPr lang="de-DE"/>
           </a:p>
         </p:txBody>
       </p:sp>
@@ -11657,12 +13068,8 @@
           <a:lstStyle/>
           <a:p>
             <a:r>
-              <a:rPr lang="de-DE" dirty="0" err="1" smtClean="0"/>
-              <a:t>use_bpm</a:t>
-            </a:r>
-            <a:r>
               <a:rPr lang="de-DE" dirty="0" smtClean="0"/>
-              <a:t> 120</a:t>
+              <a:t>use_bpm 120</a:t>
             </a:r>
           </a:p>
           <a:p>
@@ -11737,7 +13144,7 @@
               <a:rPr lang="de-DE" smtClean="0"/>
               <a:t>2 times = 2 mal. Wir nennen das eine Schleife</a:t>
             </a:r>
-            <a:endParaRPr lang="de-DE" dirty="0"/>
+            <a:endParaRPr lang="de-DE"/>
           </a:p>
         </p:txBody>
       </p:sp>
@@ -11760,7 +13167,6 @@
               <a:rPr lang="de-DE" smtClean="0"/>
               <a:t>3.times	5.times</a:t>
             </a:r>
-            <a:endParaRPr lang="de-DE" dirty="0" smtClean="0"/>
           </a:p>
         </p:txBody>
       </p:sp>
@@ -11785,7 +13191,7 @@
           <a:lstStyle/>
           <a:p>
             <a:r>
-              <a:rPr lang="de-DE" dirty="0" smtClean="0">
+              <a:rPr lang="de-DE" smtClean="0">
                 <a:solidFill>
                   <a:srgbClr val="FF0000"/>
                 </a:solidFill>
@@ -11793,7 +13199,7 @@
               <a:t>Ändere auf 480.</a:t>
             </a:r>
             <a:r>
-              <a:rPr lang="de-DE" dirty="0" smtClean="0"/>
+              <a:rPr lang="de-DE" smtClean="0"/>
               <a:t>  drücke RUN und höre, wann die Änderung kommt.  Sofort?</a:t>
             </a:r>
           </a:p>
@@ -11877,10 +13283,10 @@
           <a:lstStyle/>
           <a:p>
             <a:r>
-              <a:rPr lang="de-DE" dirty="0" smtClean="0"/>
+              <a:rPr lang="de-DE" smtClean="0"/>
               <a:t>Wir nennen das Endlosschleife, die man während des Spielens aktualisieren kann.</a:t>
             </a:r>
-            <a:endParaRPr lang="de-DE" dirty="0"/>
+            <a:endParaRPr lang="de-DE"/>
           </a:p>
         </p:txBody>
       </p:sp>
@@ -11906,7 +13312,15 @@
           <a:p>
             <a:r>
               <a:rPr lang="de-DE" dirty="0" smtClean="0"/>
-              <a:t>live_loop :tonleiter do</a:t>
+              <a:t>live_loop :</a:t>
+            </a:r>
+            <a:r>
+              <a:rPr lang="de-DE" dirty="0" err="1" smtClean="0"/>
+              <a:t>tonleiter</a:t>
+            </a:r>
+            <a:r>
+              <a:rPr lang="de-DE" dirty="0" smtClean="0"/>
+              <a:t> do</a:t>
             </a:r>
           </a:p>
           <a:p>
@@ -12069,7 +13483,7 @@
           <a:lstStyle/>
           <a:p>
             <a:r>
-              <a:rPr lang="de-DE" dirty="0"/>
+              <a:rPr lang="de-DE"/>
               <a:t>2mal</a:t>
             </a:r>
           </a:p>
@@ -12128,10 +13542,10 @@
           <a:lstStyle/>
           <a:p>
             <a:r>
-              <a:rPr lang="de-DE" dirty="0" smtClean="0"/>
+              <a:rPr lang="de-DE" smtClean="0"/>
               <a:t>Wir wäre es mit einem anderen Sound unseres Synthesizers?</a:t>
             </a:r>
-            <a:endParaRPr lang="de-DE" dirty="0"/>
+            <a:endParaRPr lang="de-DE"/>
           </a:p>
         </p:txBody>
       </p:sp>
@@ -12156,36 +13570,36 @@
           <a:lstStyle/>
           <a:p>
             <a:r>
-              <a:rPr lang="de-DE" dirty="0"/>
+              <a:rPr lang="de-DE"/>
               <a:t>:dsaw	:mod_dsaw	:</a:t>
             </a:r>
             <a:r>
-              <a:rPr lang="de-DE" dirty="0" smtClean="0"/>
+              <a:rPr lang="de-DE" smtClean="0"/>
               <a:t>prophet		:piano</a:t>
             </a:r>
           </a:p>
           <a:p>
             <a:r>
-              <a:rPr lang="de-DE" dirty="0"/>
+              <a:rPr lang="de-DE"/>
               <a:t>:</a:t>
             </a:r>
             <a:r>
-              <a:rPr lang="de-DE" dirty="0" smtClean="0"/>
+              <a:rPr lang="de-DE" smtClean="0"/>
               <a:t>blade	:tb303		:</a:t>
             </a:r>
             <a:r>
-              <a:rPr lang="de-DE" dirty="0" err="1" smtClean="0"/>
+              <a:rPr lang="de-DE" err="1" smtClean="0"/>
               <a:t>pluck</a:t>
             </a:r>
             <a:r>
-              <a:rPr lang="de-DE" dirty="0" smtClean="0"/>
+              <a:rPr lang="de-DE" smtClean="0"/>
               <a:t>		:</a:t>
             </a:r>
             <a:r>
-              <a:rPr lang="de-DE" dirty="0" err="1" smtClean="0"/>
+              <a:rPr lang="de-DE" err="1" smtClean="0"/>
               <a:t>dtri</a:t>
             </a:r>
-            <a:endParaRPr lang="de-DE" dirty="0"/>
+            <a:endParaRPr lang="de-DE"/>
           </a:p>
         </p:txBody>
       </p:sp>
@@ -12204,7 +13618,7 @@
           <a:bodyPr/>
           <a:lstStyle/>
           <a:p>
-            <a:endParaRPr lang="de-DE" dirty="0"/>
+            <a:endParaRPr lang="de-DE"/>
           </a:p>
         </p:txBody>
       </p:sp>
@@ -12224,10 +13638,10 @@
           <a:lstStyle/>
           <a:p>
             <a:r>
-              <a:rPr lang="de-DE" dirty="0" smtClean="0"/>
+              <a:rPr lang="de-DE" smtClean="0"/>
               <a:t>Und nun spielen wir die Tonleiter rückwärts</a:t>
             </a:r>
-            <a:endParaRPr lang="de-DE" dirty="0"/>
+            <a:endParaRPr lang="de-DE"/>
           </a:p>
         </p:txBody>
       </p:sp>
@@ -12251,48 +13665,48 @@
           <a:bodyPr/>
           <a:lstStyle/>
           <a:p>
-            <a:endParaRPr lang="de-DE" dirty="0" smtClean="0"/>
-          </a:p>
-          <a:p>
-            <a:r>
-              <a:rPr lang="de-DE" dirty="0" err="1" smtClean="0"/>
+            <a:endParaRPr lang="de-DE" smtClean="0"/>
+          </a:p>
+          <a:p>
+            <a:r>
+              <a:rPr lang="de-DE" err="1" smtClean="0"/>
               <a:t>play_pattern</a:t>
             </a:r>
             <a:r>
-              <a:rPr lang="de-DE" dirty="0" smtClean="0"/>
+              <a:rPr lang="de-DE" smtClean="0"/>
               <a:t> (</a:t>
             </a:r>
             <a:r>
-              <a:rPr lang="de-DE" dirty="0" err="1" smtClean="0"/>
+              <a:rPr lang="de-DE" err="1" smtClean="0"/>
               <a:t>scale</a:t>
             </a:r>
             <a:r>
-              <a:rPr lang="de-DE" dirty="0" smtClean="0"/>
+              <a:rPr lang="de-DE" smtClean="0"/>
               <a:t> :e4, :minor)</a:t>
             </a:r>
           </a:p>
           <a:p>
             <a:r>
-              <a:rPr lang="de-DE" dirty="0" err="1" smtClean="0"/>
+              <a:rPr lang="de-DE" err="1" smtClean="0"/>
               <a:t>play_pattern</a:t>
             </a:r>
             <a:r>
-              <a:rPr lang="de-DE" dirty="0" smtClean="0"/>
+              <a:rPr lang="de-DE" smtClean="0"/>
               <a:t> (</a:t>
             </a:r>
             <a:r>
-              <a:rPr lang="de-DE" dirty="0" err="1" smtClean="0"/>
+              <a:rPr lang="de-DE" err="1" smtClean="0"/>
               <a:t>scale</a:t>
             </a:r>
             <a:r>
-              <a:rPr lang="de-DE" dirty="0" smtClean="0"/>
+              <a:rPr lang="de-DE" smtClean="0"/>
               <a:t> :e4, :minor).</a:t>
             </a:r>
             <a:r>
-              <a:rPr lang="de-DE" b="1" dirty="0" err="1" smtClean="0"/>
+              <a:rPr lang="de-DE" b="1" err="1" smtClean="0"/>
               <a:t>reverse</a:t>
             </a:r>
-            <a:endParaRPr lang="de-DE" b="1" dirty="0"/>
+            <a:endParaRPr lang="de-DE" b="1"/>
           </a:p>
         </p:txBody>
       </p:sp>
@@ -12318,33 +13732,29 @@
           <a:p>
             <a:pPr algn="ctr"/>
             <a:r>
-              <a:rPr lang="de-DE" dirty="0" smtClean="0"/>
+              <a:rPr lang="de-DE" smtClean="0"/>
               <a:t>Füge den folgenden Befehl hinzu</a:t>
             </a:r>
-            <a:endParaRPr lang="de-DE" dirty="0"/>
+            <a:endParaRPr lang="de-DE"/>
           </a:p>
           <a:p>
             <a:pPr algn="ctr"/>
-            <a:endParaRPr lang="de-DE" dirty="0" smtClean="0"/>
+            <a:endParaRPr lang="de-DE" smtClean="0"/>
           </a:p>
           <a:p>
             <a:pPr algn="ctr"/>
             <a:r>
-              <a:rPr lang="de-DE" dirty="0" err="1" smtClean="0"/>
+              <a:rPr lang="de-DE" err="1" smtClean="0"/>
               <a:t>use_synth</a:t>
             </a:r>
             <a:r>
-              <a:rPr lang="de-DE" dirty="0" smtClean="0"/>
-              <a:t> </a:t>
-            </a:r>
-            <a:r>
-              <a:rPr lang="de-DE" dirty="0" smtClean="0"/>
-              <a:t>:saw</a:t>
+              <a:rPr lang="de-DE" smtClean="0"/>
+              <a:t> :saw</a:t>
             </a:r>
           </a:p>
           <a:p>
             <a:pPr algn="ctr"/>
-            <a:endParaRPr lang="de-DE" dirty="0"/>
+            <a:endParaRPr lang="de-DE"/>
           </a:p>
         </p:txBody>
       </p:sp>
@@ -12406,10 +13816,10 @@
           <a:lstStyle/>
           <a:p>
             <a:r>
-              <a:rPr lang="de-DE" dirty="0" smtClean="0"/>
+              <a:rPr lang="de-DE" smtClean="0"/>
               <a:t>Verwende Buffer 3</a:t>
             </a:r>
-            <a:endParaRPr lang="de-DE" dirty="0"/>
+            <a:endParaRPr lang="de-DE"/>
           </a:p>
         </p:txBody>
       </p:sp>
@@ -12438,43 +13848,43 @@
               <a:buChar char="-"/>
             </a:pPr>
             <a:r>
-              <a:rPr lang="de-DE" b="0" i="1" dirty="0" smtClean="0"/>
+              <a:rPr lang="de-DE" b="0" i="1" smtClean="0"/>
               <a:t>play</a:t>
             </a:r>
             <a:r>
-              <a:rPr lang="de-DE" b="0" dirty="0" smtClean="0"/>
+              <a:rPr lang="de-DE" b="0" smtClean="0"/>
               <a:t> spielt </a:t>
             </a:r>
             <a:r>
-              <a:rPr lang="de-DE" dirty="0" smtClean="0"/>
+              <a:rPr lang="de-DE" smtClean="0"/>
               <a:t>nur</a:t>
             </a:r>
             <a:r>
-              <a:rPr lang="de-DE" b="0" dirty="0" smtClean="0"/>
+              <a:rPr lang="de-DE" b="0" smtClean="0"/>
               <a:t> </a:t>
             </a:r>
             <a:r>
-              <a:rPr lang="de-DE" dirty="0" smtClean="0"/>
+              <a:rPr lang="de-DE" smtClean="0"/>
               <a:t>einen</a:t>
             </a:r>
             <a:r>
-              <a:rPr lang="de-DE" b="0" dirty="0" smtClean="0"/>
+              <a:rPr lang="de-DE" b="0" smtClean="0"/>
               <a:t>  </a:t>
             </a:r>
             <a:r>
-              <a:rPr lang="de-DE" b="0" dirty="0"/>
+              <a:rPr lang="de-DE" b="0"/>
               <a:t>Ton </a:t>
             </a:r>
             <a:r>
-              <a:rPr lang="de-DE" b="0" dirty="0" smtClean="0"/>
+              <a:rPr lang="de-DE" b="0" smtClean="0"/>
               <a:t>(</a:t>
             </a:r>
             <a:r>
-              <a:rPr lang="de-DE" b="0" i="1" dirty="0" smtClean="0"/>
+              <a:rPr lang="de-DE" b="0" i="1" smtClean="0"/>
               <a:t>play_pattern</a:t>
             </a:r>
             <a:r>
-              <a:rPr lang="de-DE" b="0" dirty="0" smtClean="0"/>
+              <a:rPr lang="de-DE" b="0" smtClean="0"/>
               <a:t> ein Muster, also viele )</a:t>
             </a:r>
           </a:p>
@@ -12484,14 +13894,14 @@
               <a:buChar char="-"/>
             </a:pPr>
             <a:r>
-              <a:rPr lang="de-DE" b="0" i="1" dirty="0" smtClean="0"/>
+              <a:rPr lang="de-DE" b="0" i="1" smtClean="0"/>
               <a:t>choose</a:t>
             </a:r>
             <a:r>
-              <a:rPr lang="de-DE" b="0" dirty="0" smtClean="0"/>
+              <a:rPr lang="de-DE" b="0" smtClean="0"/>
               <a:t> wählt einen beliebigen Ton</a:t>
             </a:r>
-            <a:endParaRPr lang="de-DE" b="0" dirty="0"/>
+            <a:endParaRPr lang="de-DE" b="0"/>
           </a:p>
         </p:txBody>
       </p:sp>
@@ -12511,34 +13921,34 @@
           <a:lstStyle/>
           <a:p>
             <a:r>
-              <a:rPr lang="de-DE" b="1" dirty="0"/>
+              <a:rPr lang="de-DE" b="1"/>
               <a:t>Choose</a:t>
             </a:r>
             <a:r>
-              <a:rPr lang="de-DE" dirty="0"/>
+              <a:rPr lang="de-DE"/>
               <a:t> heißt </a:t>
             </a:r>
             <a:r>
-              <a:rPr lang="de-DE" b="1" dirty="0"/>
+              <a:rPr lang="de-DE" b="1"/>
               <a:t>wählen</a:t>
             </a:r>
             <a:r>
-              <a:rPr lang="de-DE" dirty="0"/>
+              <a:rPr lang="de-DE"/>
               <a:t>. Dieser Befehl wählt </a:t>
             </a:r>
             <a:r>
-              <a:rPr lang="de-DE" b="1" dirty="0"/>
+              <a:rPr lang="de-DE" b="1"/>
               <a:t>einen</a:t>
             </a:r>
             <a:r>
-              <a:rPr lang="de-DE" dirty="0"/>
+              <a:rPr lang="de-DE"/>
               <a:t> zufälligen Ton aus der Tonleiter. Jedesmal einen </a:t>
             </a:r>
             <a:r>
-              <a:rPr lang="de-DE" dirty="0" smtClean="0"/>
+              <a:rPr lang="de-DE" smtClean="0"/>
               <a:t>anderen.</a:t>
             </a:r>
-            <a:endParaRPr lang="de-DE" dirty="0"/>
+            <a:endParaRPr lang="de-DE"/>
           </a:p>
         </p:txBody>
       </p:sp>
@@ -12564,11 +13974,11 @@
           <a:p>
             <a:pPr algn="ctr"/>
             <a:r>
-              <a:rPr lang="de-DE" sz="4400" dirty="0"/>
+              <a:rPr lang="de-DE" sz="4400"/>
               <a:t>BUFFER </a:t>
             </a:r>
             <a:r>
-              <a:rPr lang="de-DE" sz="4400" dirty="0" smtClean="0"/>
+              <a:rPr lang="de-DE" sz="4400" smtClean="0"/>
               <a:t>3</a:t>
             </a:r>
           </a:p>
@@ -12595,12 +14005,8 @@
           <a:lstStyle/>
           <a:p>
             <a:r>
-              <a:rPr lang="de-DE" sz="2400" dirty="0" err="1"/>
-              <a:t>live_loop</a:t>
-            </a:r>
-            <a:r>
               <a:rPr lang="de-DE" sz="2400" dirty="0"/>
-              <a:t> </a:t>
+              <a:t>live_loop </a:t>
             </a:r>
             <a:r>
               <a:rPr lang="de-DE" sz="2400" dirty="0" smtClean="0"/>
@@ -12688,18 +14094,31 @@
               <a:t>).</a:t>
             </a:r>
             <a:r>
-              <a:rPr lang="de-DE" sz="2400" b="1" dirty="0">
+              <a:rPr lang="de-DE" sz="2400" b="1" dirty="0" err="1">
                 <a:solidFill>
                   <a:srgbClr val="FF0000"/>
                 </a:solidFill>
               </a:rPr>
               <a:t>choose</a:t>
             </a:r>
+            <a:endParaRPr lang="de-DE" sz="2400" b="1" dirty="0">
+              <a:solidFill>
+                <a:srgbClr val="FF0000"/>
+              </a:solidFill>
+            </a:endParaRPr>
           </a:p>
           <a:p>
             <a:r>
               <a:rPr lang="de-DE" sz="2400" dirty="0" smtClean="0"/>
-              <a:t>   sleep </a:t>
+              <a:t>   </a:t>
+            </a:r>
+            <a:r>
+              <a:rPr lang="de-DE" sz="2400" dirty="0" err="1" smtClean="0"/>
+              <a:t>sleep</a:t>
+            </a:r>
+            <a:r>
+              <a:rPr lang="de-DE" sz="2400" dirty="0" smtClean="0"/>
+              <a:t> </a:t>
             </a:r>
             <a:r>
               <a:rPr lang="de-DE" sz="2400" dirty="0"/>

--- a/presentation/de/Sonic PI Workshop_de.pptx
+++ b/presentation/de/Sonic PI Workshop_de.pptx
@@ -233,7 +233,7 @@
             <a:fld id="{7FD773D1-FC60-4896-8BCC-9B28FBDAB5FD}" type="datetimeFigureOut">
               <a:rPr lang="de-DE" smtClean="0"/>
               <a:pPr/>
-              <a:t>02.11.16</a:t>
+              <a:t>01.03.18</a:t>
             </a:fld>
             <a:endParaRPr lang="de-DE"/>
           </a:p>
@@ -300,7 +300,7 @@
             <a:fld id="{4E745014-4765-4719-A37A-A6E1AA9B1CBE}" type="slidenum">
               <a:rPr lang="de-DE" smtClean="0"/>
               <a:pPr/>
-              <a:t>‹#›</a:t>
+              <a:t>‹Nr.›</a:t>
             </a:fld>
             <a:endParaRPr lang="de-DE"/>
           </a:p>
@@ -400,7 +400,7 @@
             <a:fld id="{72145D81-8E55-40FC-9585-CFDCFEF92FEB}" type="datetimeFigureOut">
               <a:rPr lang="de-DE" smtClean="0"/>
               <a:pPr/>
-              <a:t>02.11.16</a:t>
+              <a:t>01.03.18</a:t>
             </a:fld>
             <a:endParaRPr lang="de-DE"/>
           </a:p>
@@ -464,35 +464,35 @@
           <a:p>
             <a:pPr lvl="0"/>
             <a:r>
-              <a:rPr lang="en-US" smtClean="0"/>
+              <a:rPr lang="en-US"/>
               <a:t>Click to edit Master text styles</a:t>
             </a:r>
           </a:p>
           <a:p>
             <a:pPr lvl="1"/>
             <a:r>
-              <a:rPr lang="en-US" smtClean="0"/>
+              <a:rPr lang="en-US"/>
               <a:t>Second level</a:t>
             </a:r>
           </a:p>
           <a:p>
             <a:pPr lvl="2"/>
             <a:r>
-              <a:rPr lang="en-US" smtClean="0"/>
+              <a:rPr lang="en-US"/>
               <a:t>Third level</a:t>
             </a:r>
           </a:p>
           <a:p>
             <a:pPr lvl="3"/>
             <a:r>
-              <a:rPr lang="en-US" smtClean="0"/>
+              <a:rPr lang="en-US"/>
               <a:t>Fourth level</a:t>
             </a:r>
           </a:p>
           <a:p>
             <a:pPr lvl="4"/>
             <a:r>
-              <a:rPr lang="en-US" smtClean="0"/>
+              <a:rPr lang="en-US"/>
               <a:t>Fifth level</a:t>
             </a:r>
             <a:endParaRPr lang="de-DE"/>
@@ -560,7 +560,7 @@
             <a:fld id="{D6E72435-FA90-4640-AFCA-E6A02F5F1494}" type="slidenum">
               <a:rPr lang="de-DE" smtClean="0"/>
               <a:pPr/>
-              <a:t>‹#›</a:t>
+              <a:t>‹Nr.›</a:t>
             </a:fld>
             <a:endParaRPr lang="de-DE"/>
           </a:p>
@@ -2341,10 +2341,9 @@
           <a:p>
             <a:pPr lvl="0"/>
             <a:r>
-              <a:rPr lang="de-DE" dirty="0" smtClean="0"/>
+              <a:rPr lang="de-DE" dirty="0"/>
               <a:t>Tue</a:t>
             </a:r>
-            <a:endParaRPr lang="de-DE" dirty="0"/>
           </a:p>
         </p:txBody>
       </p:sp>
@@ -2397,10 +2396,9 @@
           <a:p>
             <a:pPr lvl="0"/>
             <a:r>
-              <a:rPr lang="de-DE" dirty="0" smtClean="0"/>
+              <a:rPr lang="de-DE" dirty="0"/>
               <a:t>Alternatives (use provided tabs)</a:t>
             </a:r>
-            <a:endParaRPr lang="de-DE" dirty="0"/>
           </a:p>
         </p:txBody>
       </p:sp>
@@ -2453,10 +2451,9 @@
           <a:p>
             <a:pPr lvl="0"/>
             <a:r>
-              <a:rPr lang="de-DE" dirty="0" smtClean="0"/>
+              <a:rPr lang="de-DE" dirty="0"/>
               <a:t>Alternatives (use provided tabs)</a:t>
             </a:r>
-            <a:endParaRPr lang="de-DE" dirty="0"/>
           </a:p>
         </p:txBody>
       </p:sp>
@@ -2500,7 +2497,7 @@
           <a:p>
             <a:pPr lvl="0"/>
             <a:r>
-              <a:rPr lang="de-DE" dirty="0" smtClean="0"/>
+              <a:rPr lang="de-DE" dirty="0"/>
               <a:t>Click to add text</a:t>
             </a:r>
           </a:p>
@@ -2546,10 +2543,9 @@
           <a:p>
             <a:pPr lvl="0"/>
             <a:r>
-              <a:rPr lang="de-DE" dirty="0" smtClean="0"/>
+              <a:rPr lang="de-DE" dirty="0"/>
               <a:t>Tue</a:t>
             </a:r>
-            <a:endParaRPr lang="de-DE" dirty="0"/>
           </a:p>
         </p:txBody>
       </p:sp>
@@ -2593,7 +2589,7 @@
           <a:p>
             <a:pPr lvl="0"/>
             <a:r>
-              <a:rPr lang="de-DE" dirty="0" smtClean="0"/>
+              <a:rPr lang="de-DE" dirty="0"/>
               <a:t>Click to add text</a:t>
             </a:r>
           </a:p>
@@ -2604,13 +2600,6 @@
   <p:clrMapOvr>
     <a:masterClrMapping/>
   </p:clrMapOvr>
-  <p:timing>
-    <p:tnLst>
-      <p:par>
-        <p:cTn id="1" dur="indefinite" restart="never" nodeType="tmRoot"/>
-      </p:par>
-    </p:tnLst>
-  </p:timing>
 </p:sldLayout>
 </file>
 
@@ -2671,10 +2660,9 @@
           <a:p>
             <a:pPr lvl="0"/>
             <a:r>
-              <a:rPr lang="de-DE" dirty="0" smtClean="0"/>
+              <a:rPr lang="de-DE" dirty="0"/>
               <a:t>Tue</a:t>
             </a:r>
-            <a:endParaRPr lang="de-DE" dirty="0"/>
           </a:p>
         </p:txBody>
       </p:sp>
@@ -2727,10 +2715,9 @@
           <a:p>
             <a:pPr lvl="0"/>
             <a:r>
-              <a:rPr lang="de-DE" dirty="0" smtClean="0"/>
+              <a:rPr lang="de-DE" dirty="0"/>
               <a:t>Alternatives (use provided tabs)</a:t>
             </a:r>
-            <a:endParaRPr lang="de-DE" dirty="0"/>
           </a:p>
         </p:txBody>
       </p:sp>
@@ -2783,10 +2770,9 @@
           <a:p>
             <a:pPr lvl="0"/>
             <a:r>
-              <a:rPr lang="de-DE" dirty="0" smtClean="0"/>
+              <a:rPr lang="de-DE" dirty="0"/>
               <a:t>Alternatives (use provided tabs)</a:t>
             </a:r>
-            <a:endParaRPr lang="de-DE" dirty="0"/>
           </a:p>
         </p:txBody>
       </p:sp>
@@ -2830,7 +2816,7 @@
           <a:p>
             <a:pPr lvl="0"/>
             <a:r>
-              <a:rPr lang="de-DE" dirty="0" smtClean="0"/>
+              <a:rPr lang="de-DE" dirty="0"/>
               <a:t>Click to add text</a:t>
             </a:r>
           </a:p>
@@ -2876,10 +2862,9 @@
           <a:p>
             <a:pPr lvl="0"/>
             <a:r>
-              <a:rPr lang="de-DE" dirty="0" smtClean="0"/>
+              <a:rPr lang="de-DE" dirty="0"/>
               <a:t>Tue</a:t>
             </a:r>
-            <a:endParaRPr lang="de-DE" dirty="0"/>
           </a:p>
         </p:txBody>
       </p:sp>
@@ -2923,7 +2908,7 @@
           <a:p>
             <a:pPr lvl="0"/>
             <a:r>
-              <a:rPr lang="de-DE" dirty="0" smtClean="0"/>
+              <a:rPr lang="de-DE" dirty="0"/>
               <a:t>Click to add text</a:t>
             </a:r>
           </a:p>
@@ -2939,13 +2924,6 @@
   <p:clrMapOvr>
     <a:masterClrMapping/>
   </p:clrMapOvr>
-  <p:timing>
-    <p:tnLst>
-      <p:par>
-        <p:cTn id="1" dur="indefinite" restart="never" nodeType="tmRoot"/>
-      </p:par>
-    </p:tnLst>
-  </p:timing>
 </p:sldLayout>
 </file>
 
@@ -3006,10 +2984,9 @@
           <a:p>
             <a:pPr lvl="0"/>
             <a:r>
-              <a:rPr lang="de-DE" dirty="0" smtClean="0"/>
+              <a:rPr lang="de-DE" dirty="0"/>
               <a:t>Tue</a:t>
             </a:r>
-            <a:endParaRPr lang="de-DE" dirty="0"/>
           </a:p>
         </p:txBody>
       </p:sp>
@@ -3062,10 +3039,9 @@
           <a:p>
             <a:pPr lvl="0"/>
             <a:r>
-              <a:rPr lang="de-DE" dirty="0" smtClean="0"/>
+              <a:rPr lang="de-DE" dirty="0"/>
               <a:t>Alternatives (use provided tabs)</a:t>
             </a:r>
-            <a:endParaRPr lang="de-DE" dirty="0"/>
           </a:p>
         </p:txBody>
       </p:sp>
@@ -3118,10 +3094,9 @@
           <a:p>
             <a:pPr lvl="0"/>
             <a:r>
-              <a:rPr lang="de-DE" dirty="0" smtClean="0"/>
+              <a:rPr lang="de-DE" dirty="0"/>
               <a:t>Alternatives (use provided tabs)</a:t>
             </a:r>
-            <a:endParaRPr lang="de-DE" dirty="0"/>
           </a:p>
         </p:txBody>
       </p:sp>
@@ -3165,7 +3140,7 @@
           <a:p>
             <a:pPr lvl="0"/>
             <a:r>
-              <a:rPr lang="de-DE" dirty="0" smtClean="0"/>
+              <a:rPr lang="de-DE" dirty="0"/>
               <a:t>Click to add text</a:t>
             </a:r>
           </a:p>
@@ -3211,10 +3186,9 @@
           <a:p>
             <a:pPr lvl="0"/>
             <a:r>
-              <a:rPr lang="de-DE" dirty="0" smtClean="0"/>
+              <a:rPr lang="de-DE" dirty="0"/>
               <a:t>Tue</a:t>
             </a:r>
-            <a:endParaRPr lang="de-DE" dirty="0"/>
           </a:p>
         </p:txBody>
       </p:sp>
@@ -3258,7 +3232,7 @@
           <a:p>
             <a:pPr lvl="0"/>
             <a:r>
-              <a:rPr lang="de-DE" dirty="0" smtClean="0"/>
+              <a:rPr lang="de-DE" dirty="0"/>
               <a:t>Click to add text</a:t>
             </a:r>
           </a:p>
@@ -3274,13 +3248,6 @@
   <p:clrMapOvr>
     <a:masterClrMapping/>
   </p:clrMapOvr>
-  <p:timing>
-    <p:tnLst>
-      <p:par>
-        <p:cTn id="1" dur="indefinite" restart="never" nodeType="tmRoot"/>
-      </p:par>
-    </p:tnLst>
-  </p:timing>
 </p:sldLayout>
 </file>
 
@@ -3341,10 +3308,9 @@
           <a:p>
             <a:pPr lvl="0"/>
             <a:r>
-              <a:rPr lang="de-DE" dirty="0" smtClean="0"/>
+              <a:rPr lang="de-DE" dirty="0"/>
               <a:t>Tue</a:t>
             </a:r>
-            <a:endParaRPr lang="de-DE" dirty="0"/>
           </a:p>
         </p:txBody>
       </p:sp>
@@ -3397,10 +3363,9 @@
           <a:p>
             <a:pPr lvl="0"/>
             <a:r>
-              <a:rPr lang="de-DE" dirty="0" smtClean="0"/>
+              <a:rPr lang="de-DE" dirty="0"/>
               <a:t>Alternatives (use provided tabs)</a:t>
             </a:r>
-            <a:endParaRPr lang="de-DE" dirty="0"/>
           </a:p>
         </p:txBody>
       </p:sp>
@@ -3453,10 +3418,9 @@
           <a:p>
             <a:pPr lvl="0"/>
             <a:r>
-              <a:rPr lang="de-DE" dirty="0" smtClean="0"/>
+              <a:rPr lang="de-DE" dirty="0"/>
               <a:t>Alternatives (use provided tabs)</a:t>
             </a:r>
-            <a:endParaRPr lang="de-DE" dirty="0"/>
           </a:p>
         </p:txBody>
       </p:sp>
@@ -3500,7 +3464,7 @@
           <a:p>
             <a:pPr lvl="0"/>
             <a:r>
-              <a:rPr lang="de-DE" dirty="0" smtClean="0"/>
+              <a:rPr lang="de-DE" dirty="0"/>
               <a:t>Click to add text</a:t>
             </a:r>
           </a:p>
@@ -3546,10 +3510,9 @@
           <a:p>
             <a:pPr lvl="0"/>
             <a:r>
-              <a:rPr lang="de-DE" dirty="0" smtClean="0"/>
+              <a:rPr lang="de-DE" dirty="0"/>
               <a:t>Tue</a:t>
             </a:r>
-            <a:endParaRPr lang="de-DE" dirty="0"/>
           </a:p>
         </p:txBody>
       </p:sp>
@@ -3593,7 +3556,7 @@
           <a:p>
             <a:pPr lvl="0"/>
             <a:r>
-              <a:rPr lang="de-DE" dirty="0" smtClean="0"/>
+              <a:rPr lang="de-DE" dirty="0"/>
               <a:t>Click to add text</a:t>
             </a:r>
           </a:p>
@@ -3609,13 +3572,6 @@
   <p:clrMapOvr>
     <a:masterClrMapping/>
   </p:clrMapOvr>
-  <p:timing>
-    <p:tnLst>
-      <p:par>
-        <p:cTn id="1" dur="indefinite" restart="never" nodeType="tmRoot"/>
-      </p:par>
-    </p:tnLst>
-  </p:timing>
 </p:sldLayout>
 </file>
 
@@ -3676,10 +3632,9 @@
           <a:p>
             <a:pPr lvl="0"/>
             <a:r>
-              <a:rPr lang="de-DE" dirty="0" smtClean="0"/>
+              <a:rPr lang="de-DE" dirty="0"/>
               <a:t>Tue</a:t>
             </a:r>
-            <a:endParaRPr lang="de-DE" dirty="0"/>
           </a:p>
         </p:txBody>
       </p:sp>
@@ -3732,10 +3687,9 @@
           <a:p>
             <a:pPr lvl="0"/>
             <a:r>
-              <a:rPr lang="de-DE" dirty="0" smtClean="0"/>
+              <a:rPr lang="de-DE" dirty="0"/>
               <a:t>Alternatives (use provided tabs)</a:t>
             </a:r>
-            <a:endParaRPr lang="de-DE" dirty="0"/>
           </a:p>
         </p:txBody>
       </p:sp>
@@ -3788,10 +3742,9 @@
           <a:p>
             <a:pPr lvl="0"/>
             <a:r>
-              <a:rPr lang="de-DE" dirty="0" smtClean="0"/>
+              <a:rPr lang="de-DE" dirty="0"/>
               <a:t>Alternatives (use provided tabs)</a:t>
             </a:r>
-            <a:endParaRPr lang="de-DE" dirty="0"/>
           </a:p>
         </p:txBody>
       </p:sp>
@@ -3835,7 +3788,7 @@
           <a:p>
             <a:pPr lvl="0"/>
             <a:r>
-              <a:rPr lang="de-DE" dirty="0" smtClean="0"/>
+              <a:rPr lang="de-DE" dirty="0"/>
               <a:t>Click to add text</a:t>
             </a:r>
           </a:p>
@@ -3881,10 +3834,9 @@
           <a:p>
             <a:pPr lvl="0"/>
             <a:r>
-              <a:rPr lang="de-DE" dirty="0" smtClean="0"/>
+              <a:rPr lang="de-DE" dirty="0"/>
               <a:t>Tue</a:t>
             </a:r>
-            <a:endParaRPr lang="de-DE" dirty="0"/>
           </a:p>
         </p:txBody>
       </p:sp>
@@ -3925,7 +3877,7 @@
           <a:p>
             <a:pPr marL="0" lvl="0"/>
             <a:r>
-              <a:rPr lang="de-DE" dirty="0" smtClean="0"/>
+              <a:rPr lang="de-DE" dirty="0"/>
               <a:t>Click to add text</a:t>
             </a:r>
           </a:p>
@@ -3941,13 +3893,6 @@
   <p:clrMapOvr>
     <a:masterClrMapping/>
   </p:clrMapOvr>
-  <p:timing>
-    <p:tnLst>
-      <p:par>
-        <p:cTn id="1" dur="indefinite" restart="never" nodeType="tmRoot"/>
-      </p:par>
-    </p:tnLst>
-  </p:timing>
 </p:sldLayout>
 </file>
 
@@ -3992,7 +3937,7 @@
           <a:lstStyle/>
           <a:p>
             <a:r>
-              <a:rPr lang="en-US" smtClean="0"/>
+              <a:rPr lang="en-US"/>
               <a:t>Click to edit Master title style</a:t>
             </a:r>
             <a:endParaRPr lang="de-DE"/>
@@ -4024,35 +3969,35 @@
           <a:p>
             <a:pPr lvl="0"/>
             <a:r>
-              <a:rPr lang="en-US" smtClean="0"/>
+              <a:rPr lang="en-US"/>
               <a:t>Click to edit Master text styles</a:t>
             </a:r>
           </a:p>
           <a:p>
             <a:pPr lvl="1"/>
             <a:r>
-              <a:rPr lang="en-US" smtClean="0"/>
+              <a:rPr lang="en-US"/>
               <a:t>Second level</a:t>
             </a:r>
           </a:p>
           <a:p>
             <a:pPr lvl="2"/>
             <a:r>
-              <a:rPr lang="en-US" smtClean="0"/>
+              <a:rPr lang="en-US"/>
               <a:t>Third level</a:t>
             </a:r>
           </a:p>
           <a:p>
             <a:pPr lvl="3"/>
             <a:r>
-              <a:rPr lang="en-US" smtClean="0"/>
+              <a:rPr lang="en-US"/>
               <a:t>Fourth level</a:t>
             </a:r>
           </a:p>
           <a:p>
             <a:pPr lvl="4"/>
             <a:r>
-              <a:rPr lang="en-US" smtClean="0"/>
+              <a:rPr lang="en-US"/>
               <a:t>Fifth level</a:t>
             </a:r>
             <a:endParaRPr lang="de-DE"/>
@@ -4085,7 +4030,7 @@
             <a:fld id="{421FAFA7-FD27-4797-86F0-797A053F7FF1}" type="datetimeFigureOut">
               <a:rPr lang="de-DE" smtClean="0"/>
               <a:pPr/>
-              <a:t>02.11.16</a:t>
+              <a:t>01.03.18</a:t>
             </a:fld>
             <a:endParaRPr lang="de-DE"/>
           </a:p>
@@ -4144,7 +4089,7 @@
             <a:fld id="{703B9BC4-30BC-4399-9BFE-1C5E7CA4881A}" type="slidenum">
               <a:rPr lang="de-DE" smtClean="0"/>
               <a:pPr/>
-              <a:t>‹#›</a:t>
+              <a:t>‹Nr.›</a:t>
             </a:fld>
             <a:endParaRPr lang="de-DE"/>
           </a:p>
@@ -4155,13 +4100,6 @@
   <p:clrMapOvr>
     <a:masterClrMapping/>
   </p:clrMapOvr>
-  <p:timing>
-    <p:tnLst>
-      <p:par>
-        <p:cTn id="1" dur="indefinite" restart="never" nodeType="tmRoot"/>
-      </p:par>
-    </p:tnLst>
-  </p:timing>
 </p:sldLayout>
 </file>
 
@@ -4187,13 +4125,6 @@
   <p:clrMapOvr>
     <a:masterClrMapping/>
   </p:clrMapOvr>
-  <p:timing>
-    <p:tnLst>
-      <p:par>
-        <p:cTn id="1" dur="indefinite" restart="never" nodeType="tmRoot"/>
-      </p:par>
-    </p:tnLst>
-  </p:timing>
 </p:sldLayout>
 </file>
 
@@ -4334,10 +4265,10 @@
                 <a:tabLst/>
                 <a:defRPr/>
               </a:pPr>
-              <a:t>‹#›</a:t>
+              <a:t>‹Nr.›</a:t>
             </a:fld>
             <a:r>
-              <a:rPr kumimoji="0" lang="de-DE" sz="1200" b="0" i="0" u="none" strike="noStrike" kern="1200" cap="none" spc="0" normalizeH="0" baseline="0" noProof="0" smtClean="0">
+              <a:rPr kumimoji="0" lang="de-DE" sz="1200" b="0" i="0" u="none" strike="noStrike" kern="1200" cap="none" spc="0" normalizeH="0" baseline="0" noProof="0">
                 <a:ln>
                   <a:noFill/>
                 </a:ln>
@@ -4500,10 +4431,10 @@
                 <a:tabLst/>
                 <a:defRPr/>
               </a:pPr>
-              <a:t>‹#›</a:t>
+              <a:t>‹Nr.›</a:t>
             </a:fld>
             <a:r>
-              <a:rPr kumimoji="0" lang="de-DE" sz="1200" b="0" i="0" u="none" strike="noStrike" kern="1200" cap="none" spc="0" normalizeH="0" baseline="0" noProof="0" smtClean="0">
+              <a:rPr kumimoji="0" lang="de-DE" sz="1200" b="0" i="0" u="none" strike="noStrike" kern="1200" cap="none" spc="0" normalizeH="0" baseline="0" noProof="0">
                 <a:ln>
                   <a:noFill/>
                 </a:ln>
@@ -4632,13 +4563,6 @@
     <p:sldLayoutId id="2147483650" r:id="rId6"/>
     <p:sldLayoutId id="2147483655" r:id="rId7"/>
   </p:sldLayoutIdLst>
-  <p:timing>
-    <p:tnLst>
-      <p:par>
-        <p:cTn id="1" dur="indefinite" restart="never" nodeType="tmRoot"/>
-      </p:par>
-    </p:tnLst>
-  </p:timing>
   <p:txStyles>
     <p:titleStyle>
       <a:lvl1pPr algn="ctr" defTabSz="914466" rtl="0" eaLnBrk="1" latinLnBrk="0" hangingPunct="1">
@@ -4944,14 +4868,13 @@
           <a:lstStyle/>
           <a:p>
             <a:r>
-              <a:rPr lang="de-DE" dirty="0" err="1" smtClean="0"/>
+              <a:rPr lang="de-DE" dirty="0" err="1"/>
               <a:t>Venwende</a:t>
             </a:r>
             <a:r>
-              <a:rPr lang="de-DE" smtClean="0"/>
+              <a:rPr lang="de-DE"/>
               <a:t> den Buffer 0 in Sonic Pi</a:t>
             </a:r>
-            <a:endParaRPr lang="de-DE"/>
           </a:p>
         </p:txBody>
       </p:sp>
@@ -4971,10 +4894,13 @@
           <a:lstStyle/>
           <a:p>
             <a:r>
-              <a:rPr lang="de-DE" smtClean="0"/>
-              <a:t>Buffer 0</a:t>
-            </a:r>
-            <a:endParaRPr lang="de-DE"/>
+              <a:rPr lang="de-DE" dirty="0" err="1"/>
+              <a:t>Buffer</a:t>
+            </a:r>
+            <a:r>
+              <a:rPr lang="de-DE" dirty="0"/>
+              <a:t> 0</a:t>
+            </a:r>
           </a:p>
         </p:txBody>
       </p:sp>
@@ -5021,7 +4947,7 @@
           <a:bodyPr rtlCol="0" anchor="ctr"/>
           <a:lstStyle/>
           <a:p>
-            <a:endParaRPr lang="en-US" smtClean="0">
+            <a:endParaRPr lang="en-US">
               <a:solidFill>
                 <a:schemeClr val="tx1"/>
               </a:solidFill>
@@ -5117,24 +5043,23 @@
           <a:p>
             <a:pPr algn="r"/>
             <a:r>
-              <a:rPr lang="de-DE" smtClean="0"/>
+              <a:rPr lang="de-DE"/>
               <a:t>Ein Sonic Pi Workshop</a:t>
             </a:r>
           </a:p>
           <a:p>
             <a:pPr algn="r"/>
             <a:r>
-              <a:rPr lang="de-DE" smtClean="0"/>
+              <a:rPr lang="de-DE"/>
               <a:t>für Kinder</a:t>
             </a:r>
           </a:p>
           <a:p>
             <a:pPr algn="r"/>
             <a:r>
-              <a:rPr lang="de-DE" sz="1100" smtClean="0"/>
+              <a:rPr lang="de-DE" sz="1100"/>
               <a:t>von Stefan Höhn, Irene Höppner und Matthias Malstädt</a:t>
             </a:r>
-            <a:endParaRPr lang="de-DE" sz="1100"/>
           </a:p>
         </p:txBody>
       </p:sp>
@@ -5148,13 +5073,6 @@
   <p:clrMapOvr>
     <a:masterClrMapping/>
   </p:clrMapOvr>
-  <p:timing>
-    <p:tnLst>
-      <p:par>
-        <p:cTn id="1" dur="indefinite" restart="never" nodeType="tmRoot"/>
-      </p:par>
-    </p:tnLst>
-  </p:timing>
 </p:sld>
 </file>
 
@@ -5191,21 +5109,39 @@
           <a:lstStyle/>
           <a:p>
             <a:r>
-              <a:rPr lang="de-DE" smtClean="0"/>
+              <a:rPr lang="de-DE"/>
               <a:t>Verwende Buffer 4</a:t>
             </a:r>
+          </a:p>
+        </p:txBody>
+      </p:sp>
+      <p:sp>
+        <p:nvSpPr>
+          <p:cNvPr id="3" name="Textplatzhalter 2"/>
+          <p:cNvSpPr>
+            <a:spLocks noGrp="1"/>
+          </p:cNvSpPr>
+          <p:nvPr>
+            <p:ph type="body" sz="quarter" idx="18"/>
+          </p:nvPr>
+        </p:nvSpPr>
+        <p:spPr/>
+        <p:txBody>
+          <a:bodyPr/>
+          <a:lstStyle/>
+          <a:p>
             <a:endParaRPr lang="de-DE"/>
           </a:p>
         </p:txBody>
       </p:sp>
       <p:sp>
         <p:nvSpPr>
-          <p:cNvPr id="3" name="Textplatzhalter 2"/>
-          <p:cNvSpPr>
-            <a:spLocks noGrp="1"/>
-          </p:cNvSpPr>
-          <p:nvPr>
-            <p:ph type="body" sz="quarter" idx="18"/>
+          <p:cNvPr id="4" name="Textplatzhalter 3"/>
+          <p:cNvSpPr>
+            <a:spLocks noGrp="1"/>
+          </p:cNvSpPr>
+          <p:nvPr>
+            <p:ph type="body" sz="quarter" idx="19"/>
           </p:nvPr>
         </p:nvSpPr>
         <p:spPr/>
@@ -5219,12 +5155,12 @@
       </p:sp>
       <p:sp>
         <p:nvSpPr>
-          <p:cNvPr id="4" name="Textplatzhalter 3"/>
-          <p:cNvSpPr>
-            <a:spLocks noGrp="1"/>
-          </p:cNvSpPr>
-          <p:nvPr>
-            <p:ph type="body" sz="quarter" idx="19"/>
+          <p:cNvPr id="5" name="Textplatzhalter 4"/>
+          <p:cNvSpPr>
+            <a:spLocks noGrp="1"/>
+          </p:cNvSpPr>
+          <p:nvPr>
+            <p:ph type="body" sz="quarter" idx="17"/>
           </p:nvPr>
         </p:nvSpPr>
         <p:spPr/>
@@ -5232,30 +5168,10 @@
           <a:bodyPr/>
           <a:lstStyle/>
           <a:p>
-            <a:endParaRPr lang="de-DE"/>
-          </a:p>
-        </p:txBody>
-      </p:sp>
-      <p:sp>
-        <p:nvSpPr>
-          <p:cNvPr id="5" name="Textplatzhalter 4"/>
-          <p:cNvSpPr>
-            <a:spLocks noGrp="1"/>
-          </p:cNvSpPr>
-          <p:nvPr>
-            <p:ph type="body" sz="quarter" idx="17"/>
-          </p:nvPr>
-        </p:nvSpPr>
-        <p:spPr/>
-        <p:txBody>
-          <a:bodyPr/>
-          <a:lstStyle/>
-          <a:p>
-            <a:r>
-              <a:rPr lang="de-DE" smtClean="0"/>
+            <a:r>
+              <a:rPr lang="de-DE"/>
               <a:t>BUFFER 4</a:t>
             </a:r>
-            <a:endParaRPr lang="de-DE"/>
           </a:p>
         </p:txBody>
       </p:sp>
@@ -5307,13 +5223,6 @@
   <p:clrMapOvr>
     <a:masterClrMapping/>
   </p:clrMapOvr>
-  <p:timing>
-    <p:tnLst>
-      <p:par>
-        <p:cTn id="1" dur="indefinite" restart="never" nodeType="tmRoot"/>
-      </p:par>
-    </p:tnLst>
-  </p:timing>
 </p:sld>
 </file>
 
@@ -5350,10 +5259,9 @@
           <a:lstStyle/>
           <a:p>
             <a:r>
-              <a:rPr lang="de-DE" smtClean="0"/>
+              <a:rPr lang="de-DE"/>
               <a:t>Wir nennen das eine (Endlos-)Schleife</a:t>
             </a:r>
-            <a:endParaRPr lang="de-DE"/>
           </a:p>
         </p:txBody>
       </p:sp>
@@ -5378,62 +5286,62 @@
           <a:lstStyle/>
           <a:p>
             <a:r>
-              <a:rPr lang="de-DE" smtClean="0"/>
+              <a:rPr lang="de-DE"/>
               <a:t>Füge ein weiteres sample </a:t>
             </a:r>
             <a:r>
-              <a:rPr lang="de-DE" i="1" err="1" smtClean="0"/>
+              <a:rPr lang="de-DE" i="1" err="1"/>
               <a:t>sn_zome</a:t>
             </a:r>
             <a:r>
-              <a:rPr lang="de-DE" smtClean="0"/>
+              <a:rPr lang="de-DE"/>
               <a:t> mit </a:t>
             </a:r>
             <a:r>
-              <a:rPr lang="de-DE" i="1" err="1" smtClean="0"/>
+              <a:rPr lang="de-DE" i="1" err="1"/>
               <a:t>sleep</a:t>
             </a:r>
             <a:r>
-              <a:rPr lang="de-DE" i="1" smtClean="0"/>
+              <a:rPr lang="de-DE" i="1"/>
               <a:t> 1 </a:t>
             </a:r>
             <a:r>
-              <a:rPr lang="de-DE" smtClean="0"/>
+              <a:rPr lang="de-DE"/>
               <a:t>hinzu</a:t>
             </a:r>
           </a:p>
           <a:p>
             <a:r>
-              <a:rPr lang="de-DE" smtClean="0"/>
+              <a:rPr lang="de-DE"/>
               <a:t>Mach‘ das Schlagzeug schneller (120)</a:t>
             </a:r>
           </a:p>
           <a:p>
             <a:r>
-              <a:rPr lang="de-DE" smtClean="0"/>
+              <a:rPr lang="de-DE"/>
               <a:t>:</a:t>
             </a:r>
             <a:r>
-              <a:rPr lang="de-DE" err="1" smtClean="0"/>
+              <a:rPr lang="de-DE" err="1"/>
               <a:t>drum_bass_hard</a:t>
             </a:r>
             <a:r>
-              <a:rPr lang="de-DE" smtClean="0"/>
+              <a:rPr lang="de-DE"/>
               <a:t>	:</a:t>
             </a:r>
             <a:r>
-              <a:rPr lang="de-DE" err="1" smtClean="0"/>
+              <a:rPr lang="de-DE" err="1"/>
               <a:t>drum_snare_hard</a:t>
             </a:r>
             <a:r>
-              <a:rPr lang="de-DE" smtClean="0"/>
+              <a:rPr lang="de-DE"/>
               <a:t>	:</a:t>
             </a:r>
             <a:r>
-              <a:rPr lang="de-DE" err="1" smtClean="0"/>
+              <a:rPr lang="de-DE" err="1"/>
               <a:t>drum_tom_hi_hard</a:t>
             </a:r>
-            <a:endParaRPr lang="de-DE" smtClean="0"/>
+            <a:endParaRPr lang="de-DE"/>
           </a:p>
         </p:txBody>
       </p:sp>
@@ -5472,49 +5380,48 @@
           <a:lstStyle/>
           <a:p>
             <a:r>
-              <a:rPr lang="de-DE" dirty="0" smtClean="0"/>
+              <a:rPr lang="de-DE" dirty="0"/>
               <a:t>live_loop :</a:t>
             </a:r>
             <a:r>
-              <a:rPr lang="de-DE" dirty="0" err="1" smtClean="0"/>
+              <a:rPr lang="de-DE" dirty="0" err="1"/>
               <a:t>schlagzeug</a:t>
             </a:r>
             <a:r>
-              <a:rPr lang="de-DE" dirty="0" smtClean="0"/>
+              <a:rPr lang="de-DE" dirty="0"/>
               <a:t> do  	</a:t>
             </a:r>
           </a:p>
           <a:p>
             <a:r>
-              <a:rPr lang="de-DE" dirty="0" smtClean="0"/>
+              <a:rPr lang="de-DE" dirty="0"/>
               <a:t>	sample :</a:t>
             </a:r>
             <a:r>
-              <a:rPr lang="de-DE" dirty="0" err="1" smtClean="0"/>
+              <a:rPr lang="de-DE" dirty="0" err="1"/>
               <a:t>bd_haus</a:t>
             </a:r>
-            <a:endParaRPr lang="de-DE" dirty="0" smtClean="0"/>
-          </a:p>
-          <a:p>
-            <a:r>
-              <a:rPr lang="de-DE" dirty="0" smtClean="0"/>
+            <a:endParaRPr lang="de-DE" dirty="0"/>
+          </a:p>
+          <a:p>
+            <a:r>
+              <a:rPr lang="de-DE" dirty="0"/>
               <a:t> 	</a:t>
             </a:r>
             <a:r>
-              <a:rPr lang="de-DE" dirty="0" err="1" smtClean="0"/>
+              <a:rPr lang="de-DE" dirty="0" err="1"/>
               <a:t>sleep</a:t>
             </a:r>
             <a:r>
-              <a:rPr lang="de-DE" dirty="0" smtClean="0"/>
+              <a:rPr lang="de-DE" dirty="0"/>
               <a:t> 1</a:t>
             </a:r>
           </a:p>
           <a:p>
             <a:r>
-              <a:rPr lang="de-DE" dirty="0" smtClean="0"/>
+              <a:rPr lang="de-DE" dirty="0"/>
               <a:t>end</a:t>
             </a:r>
-            <a:endParaRPr lang="de-DE" dirty="0"/>
           </a:p>
         </p:txBody>
       </p:sp>
@@ -5566,13 +5473,6 @@
   <p:clrMapOvr>
     <a:masterClrMapping/>
   </p:clrMapOvr>
-  <p:timing>
-    <p:tnLst>
-      <p:par>
-        <p:cTn id="1" dur="indefinite" restart="never" nodeType="tmRoot"/>
-      </p:par>
-    </p:tnLst>
-  </p:timing>
 </p:sld>
 </file>
 
@@ -5609,21 +5509,39 @@
           <a:lstStyle/>
           <a:p>
             <a:r>
-              <a:rPr lang="de-DE" smtClean="0"/>
+              <a:rPr lang="de-DE"/>
               <a:t>Verwende Buffer 5</a:t>
             </a:r>
+          </a:p>
+        </p:txBody>
+      </p:sp>
+      <p:sp>
+        <p:nvSpPr>
+          <p:cNvPr id="3" name="Textplatzhalter 2"/>
+          <p:cNvSpPr>
+            <a:spLocks noGrp="1"/>
+          </p:cNvSpPr>
+          <p:nvPr>
+            <p:ph type="body" sz="quarter" idx="18"/>
+          </p:nvPr>
+        </p:nvSpPr>
+        <p:spPr/>
+        <p:txBody>
+          <a:bodyPr/>
+          <a:lstStyle/>
+          <a:p>
             <a:endParaRPr lang="de-DE"/>
           </a:p>
         </p:txBody>
       </p:sp>
       <p:sp>
         <p:nvSpPr>
-          <p:cNvPr id="3" name="Textplatzhalter 2"/>
-          <p:cNvSpPr>
-            <a:spLocks noGrp="1"/>
-          </p:cNvSpPr>
-          <p:nvPr>
-            <p:ph type="body" sz="quarter" idx="18"/>
+          <p:cNvPr id="4" name="Textplatzhalter 3"/>
+          <p:cNvSpPr>
+            <a:spLocks noGrp="1"/>
+          </p:cNvSpPr>
+          <p:nvPr>
+            <p:ph type="body" sz="quarter" idx="19"/>
           </p:nvPr>
         </p:nvSpPr>
         <p:spPr/>
@@ -5637,12 +5555,12 @@
       </p:sp>
       <p:sp>
         <p:nvSpPr>
-          <p:cNvPr id="4" name="Textplatzhalter 3"/>
-          <p:cNvSpPr>
-            <a:spLocks noGrp="1"/>
-          </p:cNvSpPr>
-          <p:nvPr>
-            <p:ph type="body" sz="quarter" idx="19"/>
+          <p:cNvPr id="5" name="Textplatzhalter 4"/>
+          <p:cNvSpPr>
+            <a:spLocks noGrp="1"/>
+          </p:cNvSpPr>
+          <p:nvPr>
+            <p:ph type="body" sz="quarter" idx="17"/>
           </p:nvPr>
         </p:nvSpPr>
         <p:spPr/>
@@ -5650,30 +5568,10 @@
           <a:bodyPr/>
           <a:lstStyle/>
           <a:p>
-            <a:endParaRPr lang="de-DE"/>
-          </a:p>
-        </p:txBody>
-      </p:sp>
-      <p:sp>
-        <p:nvSpPr>
-          <p:cNvPr id="5" name="Textplatzhalter 4"/>
-          <p:cNvSpPr>
-            <a:spLocks noGrp="1"/>
-          </p:cNvSpPr>
-          <p:nvPr>
-            <p:ph type="body" sz="quarter" idx="17"/>
-          </p:nvPr>
-        </p:nvSpPr>
-        <p:spPr/>
-        <p:txBody>
-          <a:bodyPr/>
-          <a:lstStyle/>
-          <a:p>
-            <a:r>
-              <a:rPr lang="de-DE" smtClean="0"/>
+            <a:r>
+              <a:rPr lang="de-DE"/>
               <a:t>BUFFER 5</a:t>
             </a:r>
-            <a:endParaRPr lang="de-DE"/>
           </a:p>
         </p:txBody>
       </p:sp>
@@ -5725,13 +5623,6 @@
   <p:clrMapOvr>
     <a:masterClrMapping/>
   </p:clrMapOvr>
-  <p:timing>
-    <p:tnLst>
-      <p:par>
-        <p:cTn id="1" dur="indefinite" restart="never" nodeType="tmRoot"/>
-      </p:par>
-    </p:tnLst>
-  </p:timing>
 </p:sld>
 </file>
 
@@ -5768,10 +5659,9 @@
           <a:lstStyle/>
           <a:p>
             <a:r>
-              <a:rPr lang="de-DE" smtClean="0"/>
+              <a:rPr lang="de-DE"/>
               <a:t>Ein Gitarren-Sample</a:t>
             </a:r>
-            <a:endParaRPr lang="de-DE"/>
           </a:p>
         </p:txBody>
       </p:sp>
@@ -5796,13 +5686,13 @@
           <a:lstStyle/>
           <a:p>
             <a:r>
-              <a:rPr lang="de-DE" smtClean="0"/>
+              <a:rPr lang="de-DE"/>
               <a:t>Probiere aus.</a:t>
             </a:r>
           </a:p>
           <a:p>
             <a:r>
-              <a:rPr lang="de-DE" smtClean="0"/>
+              <a:rPr lang="de-DE"/>
               <a:t>Danach kopiere das Schlagzeug (Buffer 4)  und Melodie in Buffer 5 zusammen</a:t>
             </a:r>
           </a:p>
@@ -5829,52 +5719,51 @@
           <a:lstStyle/>
           <a:p>
             <a:r>
-              <a:rPr lang="de-DE" dirty="0" smtClean="0"/>
+              <a:rPr lang="de-DE" dirty="0"/>
               <a:t>use_bpm		</a:t>
             </a:r>
             <a:r>
-              <a:rPr lang="de-DE" dirty="0" err="1" smtClean="0"/>
+              <a:rPr lang="de-DE" dirty="0" err="1"/>
               <a:t>use_synth</a:t>
             </a:r>
             <a:r>
-              <a:rPr lang="de-DE" dirty="0" smtClean="0"/>
+              <a:rPr lang="de-DE" dirty="0"/>
               <a:t> :</a:t>
             </a:r>
             <a:r>
-              <a:rPr lang="de-DE" dirty="0" err="1" smtClean="0"/>
+              <a:rPr lang="de-DE" dirty="0" err="1"/>
               <a:t>hollow</a:t>
             </a:r>
             <a:r>
-              <a:rPr lang="de-DE" dirty="0" smtClean="0"/>
+              <a:rPr lang="de-DE" dirty="0"/>
               <a:t>		,</a:t>
             </a:r>
             <a:r>
-              <a:rPr lang="de-DE" dirty="0" err="1" smtClean="0"/>
+              <a:rPr lang="de-DE" dirty="0" err="1"/>
               <a:t>amp</a:t>
             </a:r>
             <a:r>
-              <a:rPr lang="de-DE" dirty="0" smtClean="0"/>
+              <a:rPr lang="de-DE" dirty="0"/>
               <a:t>: 5</a:t>
             </a:r>
           </a:p>
           <a:p>
             <a:r>
-              <a:rPr lang="de-DE" dirty="0" err="1" smtClean="0"/>
+              <a:rPr lang="de-DE" dirty="0" err="1"/>
               <a:t>use_synth</a:t>
             </a:r>
             <a:r>
-              <a:rPr lang="de-DE" dirty="0" smtClean="0"/>
+              <a:rPr lang="de-DE" dirty="0"/>
               <a:t>: </a:t>
             </a:r>
             <a:r>
-              <a:rPr lang="de-DE" dirty="0" err="1" smtClean="0"/>
+              <a:rPr lang="de-DE" dirty="0" err="1"/>
               <a:t>hoover</a:t>
             </a:r>
             <a:r>
-              <a:rPr lang="de-DE" dirty="0" smtClean="0"/>
+              <a:rPr lang="de-DE" dirty="0"/>
               <a:t>		</a:t>
             </a:r>
-            <a:endParaRPr lang="de-DE" dirty="0"/>
           </a:p>
         </p:txBody>
       </p:sp>
@@ -5900,15 +5789,15 @@
           <a:p>
             <a:pPr algn="l"/>
             <a:r>
-              <a:rPr lang="de-DE" dirty="0" smtClean="0"/>
+              <a:rPr lang="de-DE" dirty="0"/>
               <a:t>live_loop :</a:t>
             </a:r>
             <a:r>
-              <a:rPr lang="de-DE" dirty="0" err="1" smtClean="0"/>
+              <a:rPr lang="de-DE" dirty="0" err="1"/>
               <a:t>melodie</a:t>
             </a:r>
             <a:r>
-              <a:rPr lang="de-DE" dirty="0" smtClean="0"/>
+              <a:rPr lang="de-DE" dirty="0"/>
               <a:t> do  	</a:t>
             </a:r>
           </a:p>
@@ -5916,32 +5805,28 @@
             <a:pPr algn="l"/>
             <a:r>
               <a:rPr lang="de-DE" dirty="0"/>
-              <a:t>	</a:t>
-            </a:r>
-            <a:r>
-              <a:rPr lang="de-DE" dirty="0" smtClean="0"/>
-              <a:t>sample :guit_em9</a:t>
+              <a:t>	sample :guit_em9</a:t>
             </a:r>
           </a:p>
           <a:p>
             <a:pPr algn="l"/>
             <a:r>
-              <a:rPr lang="de-DE" dirty="0" smtClean="0"/>
+              <a:rPr lang="de-DE" dirty="0"/>
               <a:t> 	</a:t>
             </a:r>
             <a:r>
-              <a:rPr lang="de-DE" dirty="0" err="1" smtClean="0"/>
+              <a:rPr lang="de-DE" dirty="0" err="1"/>
               <a:t>sleep</a:t>
             </a:r>
             <a:r>
-              <a:rPr lang="de-DE" dirty="0" smtClean="0"/>
+              <a:rPr lang="de-DE" dirty="0"/>
               <a:t> 2</a:t>
             </a:r>
           </a:p>
           <a:p>
             <a:pPr algn="l"/>
             <a:r>
-              <a:rPr lang="de-DE" dirty="0" smtClean="0"/>
+              <a:rPr lang="de-DE" dirty="0"/>
               <a:t>end</a:t>
             </a:r>
           </a:p>
@@ -5963,10 +5848,9 @@
           <a:lstStyle/>
           <a:p>
             <a:r>
-              <a:rPr lang="de-DE" smtClean="0"/>
+              <a:rPr lang="de-DE"/>
               <a:t>Benutze auch Size – und Size +, um den Text in den Größe zu verändern</a:t>
             </a:r>
-            <a:endParaRPr lang="de-DE"/>
           </a:p>
         </p:txBody>
       </p:sp>
@@ -5993,15 +5877,7 @@
             <a:pPr algn="l"/>
             <a:r>
               <a:rPr lang="de-DE" sz="2000" dirty="0"/>
-              <a:t>- Jetzt fügen wir in </a:t>
-            </a:r>
-            <a:r>
-              <a:rPr lang="de-DE" sz="2000" dirty="0" smtClean="0"/>
-              <a:t> 6 </a:t>
-            </a:r>
-            <a:r>
-              <a:rPr lang="de-DE" sz="2000" dirty="0"/>
-              <a:t>alles zusammen</a:t>
+              <a:t>- Jetzt fügen wir in  6 alles zusammen</a:t>
             </a:r>
           </a:p>
           <a:p>
@@ -6016,43 +5892,30 @@
             </a:r>
             <a:r>
               <a:rPr lang="de-DE" sz="2000" dirty="0"/>
-              <a:t> </a:t>
-            </a:r>
-            <a:r>
-              <a:rPr lang="de-DE" sz="2000" dirty="0" smtClean="0"/>
-              <a:t>5, dann </a:t>
-            </a:r>
-            <a:r>
-              <a:rPr lang="de-DE" sz="2000" dirty="0" err="1" smtClean="0"/>
+              <a:t> 5, dann </a:t>
+            </a:r>
+            <a:r>
+              <a:rPr lang="de-DE" sz="2000" dirty="0" err="1"/>
               <a:t>Buffer</a:t>
             </a:r>
             <a:r>
-              <a:rPr lang="de-DE" sz="2000" dirty="0" smtClean="0"/>
+              <a:rPr lang="de-DE" sz="2000" dirty="0"/>
               <a:t> 3 und </a:t>
             </a:r>
             <a:r>
-              <a:rPr lang="de-DE" sz="2000" dirty="0" err="1" smtClean="0"/>
+              <a:rPr lang="de-DE" sz="2000" dirty="0" err="1"/>
               <a:t>Buffer</a:t>
             </a:r>
             <a:r>
-              <a:rPr lang="de-DE" sz="2000" dirty="0" smtClean="0"/>
+              <a:rPr lang="de-DE" sz="2000" dirty="0"/>
               <a:t> 2</a:t>
             </a:r>
-            <a:endParaRPr lang="de-DE" sz="2000" dirty="0"/>
           </a:p>
           <a:p>
             <a:pPr algn="l"/>
             <a:r>
               <a:rPr lang="de-DE" sz="2000" dirty="0"/>
-              <a:t>- Starte </a:t>
-            </a:r>
-            <a:r>
-              <a:rPr lang="de-DE" sz="2000" dirty="0" smtClean="0"/>
-              <a:t>nach </a:t>
-            </a:r>
-            <a:r>
-              <a:rPr lang="de-DE" sz="2000" dirty="0"/>
-              <a:t>jedem weiteren </a:t>
+              <a:t>- Starte nach jedem weiteren </a:t>
             </a:r>
             <a:r>
               <a:rPr lang="de-DE" sz="2000" dirty="0" err="1"/>
@@ -6090,13 +5953,6 @@
   <p:clrMapOvr>
     <a:masterClrMapping/>
   </p:clrMapOvr>
-  <p:timing>
-    <p:tnLst>
-      <p:par>
-        <p:cTn id="1" dur="indefinite" restart="never" nodeType="tmRoot"/>
-      </p:par>
-    </p:tnLst>
-  </p:timing>
 </p:sld>
 </file>
 
@@ -6133,7 +5989,7 @@
           <a:lstStyle/>
           <a:p>
             <a:r>
-              <a:rPr lang="de-DE" smtClean="0"/>
+              <a:rPr lang="de-DE"/>
               <a:t>Experimentiere</a:t>
             </a:r>
           </a:p>
@@ -6183,7 +6039,7 @@
           <a:p>
             <a:pPr algn="l"/>
             <a:r>
-              <a:rPr lang="de-DE" sz="2400" dirty="0" smtClean="0"/>
+              <a:rPr lang="de-DE" sz="2400" dirty="0"/>
               <a:t>Weitere Ideen</a:t>
             </a:r>
           </a:p>
@@ -6193,7 +6049,7 @@
               <a:buChar char="-"/>
             </a:pPr>
             <a:r>
-              <a:rPr lang="de-DE" sz="2400" dirty="0" smtClean="0"/>
+              <a:rPr lang="de-DE" sz="2400" dirty="0"/>
               <a:t>Mehr Schlagzeug</a:t>
             </a:r>
           </a:p>
@@ -6203,10 +6059,9 @@
               <a:buChar char="-"/>
             </a:pPr>
             <a:r>
-              <a:rPr lang="de-DE" sz="2400" dirty="0" smtClean="0"/>
+              <a:rPr lang="de-DE" sz="2400" dirty="0"/>
               <a:t>Ein Musik-Programm</a:t>
             </a:r>
-            <a:endParaRPr lang="de-DE" sz="2400" dirty="0" smtClean="0"/>
           </a:p>
           <a:p>
             <a:pPr marL="114275" indent="-457200" algn="l">
@@ -6214,7 +6069,7 @@
               <a:buChar char="-"/>
             </a:pPr>
             <a:r>
-              <a:rPr lang="de-DE" sz="2400" dirty="0" smtClean="0"/>
+              <a:rPr lang="de-DE" sz="2400" dirty="0"/>
               <a:t>Effekte</a:t>
             </a:r>
           </a:p>
@@ -6224,27 +6079,23 @@
               <a:buChar char="-"/>
             </a:pPr>
             <a:r>
-              <a:rPr lang="de-DE" sz="2400" dirty="0" smtClean="0"/>
-              <a:t>Samples </a:t>
-            </a:r>
-            <a:r>
-              <a:rPr lang="de-DE" sz="2400" dirty="0" smtClean="0"/>
-              <a:t>„</a:t>
-            </a:r>
-            <a:r>
-              <a:rPr lang="de-DE" sz="2400" dirty="0" err="1" smtClean="0"/>
+              <a:rPr lang="de-DE" sz="2400" dirty="0"/>
+              <a:t>Samples „</a:t>
+            </a:r>
+            <a:r>
+              <a:rPr lang="de-DE" sz="2400" dirty="0" err="1"/>
               <a:t>loop</a:t>
             </a:r>
             <a:r>
-              <a:rPr lang="de-DE" sz="2400" dirty="0" smtClean="0"/>
+              <a:rPr lang="de-DE" sz="2400" dirty="0"/>
               <a:t>_“ mit </a:t>
             </a:r>
             <a:r>
-              <a:rPr lang="de-DE" sz="2400" dirty="0" err="1" smtClean="0"/>
+              <a:rPr lang="de-DE" sz="2400" dirty="0" err="1"/>
               <a:t>sample_duration</a:t>
             </a:r>
             <a:r>
-              <a:rPr lang="de-DE" sz="2400" dirty="0" smtClean="0"/>
+              <a:rPr lang="de-DE" sz="2400" dirty="0"/>
               <a:t>()</a:t>
             </a:r>
           </a:p>
@@ -6317,13 +6168,6 @@
   <p:clrMapOvr>
     <a:masterClrMapping/>
   </p:clrMapOvr>
-  <p:timing>
-    <p:tnLst>
-      <p:par>
-        <p:cTn id="1" dur="indefinite" restart="never" nodeType="tmRoot"/>
-      </p:par>
-    </p:tnLst>
-  </p:timing>
 </p:sld>
 </file>
 
@@ -6360,7 +6204,7 @@
           <a:lstStyle/>
           <a:p>
             <a:r>
-              <a:rPr lang="de-DE" smtClean="0"/>
+              <a:rPr lang="de-DE"/>
               <a:t>Experimentiere</a:t>
             </a:r>
           </a:p>
@@ -6390,49 +6234,29 @@
           <a:lstStyle/>
           <a:p>
             <a:r>
-              <a:rPr lang="de-DE" sz="1200" dirty="0" smtClean="0"/>
+              <a:rPr lang="de-DE" sz="1200" dirty="0"/>
               <a:t>1) Ändere die Lautstärken	2) Ändere die Rate </a:t>
             </a:r>
           </a:p>
           <a:p>
             <a:r>
-              <a:rPr lang="de-DE" sz="1200" dirty="0" smtClean="0"/>
-              <a:t>3) Ersetze </a:t>
-            </a:r>
-            <a:r>
               <a:rPr lang="de-DE" sz="1200" dirty="0"/>
-              <a:t>das letzte Sample </a:t>
-            </a:r>
-            <a:r>
-              <a:rPr lang="de-DE" sz="1200" dirty="0" smtClean="0"/>
-              <a:t>durch		4) Verändere die Geschwindigkeit</a:t>
-            </a:r>
-            <a:r>
-              <a:rPr lang="de-DE" sz="1200" dirty="0"/>
-              <a:t/>
+              <a:t>3) Ersetze das letzte Sample durch		4) Verändere die Geschwindigkeit</a:t>
             </a:r>
             <a:br>
               <a:rPr lang="de-DE" sz="1200" dirty="0"/>
             </a:br>
             <a:r>
               <a:rPr lang="de-DE" sz="1200" dirty="0"/>
-              <a:t> </a:t>
-            </a:r>
-            <a:r>
-              <a:rPr lang="de-DE" sz="1200" dirty="0" smtClean="0"/>
-              <a:t>	</a:t>
-            </a:r>
-            <a:r>
-              <a:rPr lang="de-DE" sz="1200" dirty="0" err="1" smtClean="0"/>
+              <a:t> 	</a:t>
+            </a:r>
+            <a:r>
+              <a:rPr lang="de-DE" sz="1200" dirty="0" err="1"/>
               <a:t>with_fx</a:t>
             </a:r>
             <a:r>
-              <a:rPr lang="de-DE" sz="1200" dirty="0" smtClean="0"/>
-              <a:t> </a:t>
-            </a:r>
-            <a:r>
               <a:rPr lang="de-DE" sz="1200" dirty="0"/>
-              <a:t>:</a:t>
+              <a:t> :</a:t>
             </a:r>
             <a:r>
               <a:rPr lang="de-DE" sz="1200" dirty="0" err="1"/>
@@ -6455,15 +6279,7 @@
             </a:br>
             <a:r>
               <a:rPr lang="de-DE" sz="1200" dirty="0"/>
-              <a:t> </a:t>
-            </a:r>
-            <a:r>
-              <a:rPr lang="de-DE" sz="1200" dirty="0" smtClean="0"/>
-              <a:t>	     sample </a:t>
-            </a:r>
-            <a:r>
-              <a:rPr lang="de-DE" sz="1200" dirty="0"/>
-              <a:t>:</a:t>
+              <a:t> 	     sample :</a:t>
             </a:r>
             <a:r>
               <a:rPr lang="de-DE" sz="1200" dirty="0" err="1"/>
@@ -6481,18 +6297,13 @@
               <a:rPr lang="de-DE" sz="1200" dirty="0"/>
               <a:t>: 4, rate: 1.2  </a:t>
             </a:r>
-            <a:r>
-              <a:rPr lang="de-DE" sz="1200" dirty="0" smtClean="0"/>
-              <a:t/>
-            </a:r>
             <a:br>
-              <a:rPr lang="de-DE" sz="1200" dirty="0" smtClean="0"/>
+              <a:rPr lang="de-DE" sz="1200" dirty="0"/>
             </a:br>
             <a:r>
-              <a:rPr lang="de-DE" sz="1200" dirty="0" smtClean="0"/>
+              <a:rPr lang="de-DE" sz="1200" dirty="0"/>
               <a:t>	end</a:t>
             </a:r>
-            <a:endParaRPr lang="de-DE" sz="1200" dirty="0"/>
           </a:p>
         </p:txBody>
       </p:sp>
@@ -6517,32 +6328,27 @@
           <a:lstStyle/>
           <a:p>
             <a:r>
-              <a:rPr lang="de-DE" sz="1600" dirty="0" smtClean="0"/>
-              <a:t>Was </a:t>
-            </a:r>
-            <a:r>
-              <a:rPr lang="de-DE" sz="1600" dirty="0" smtClean="0"/>
-              <a:t>geht hier vor?</a:t>
-            </a:r>
-          </a:p>
-          <a:p>
-            <a:r>
-              <a:rPr lang="de-DE" sz="1600" dirty="0" err="1" smtClean="0"/>
+              <a:rPr lang="de-DE" sz="1600" dirty="0"/>
+              <a:t>Was geht hier vor?</a:t>
+            </a:r>
+          </a:p>
+          <a:p>
+            <a:r>
+              <a:rPr lang="de-DE" sz="1600" dirty="0" err="1"/>
               <a:t>If</a:t>
             </a:r>
             <a:r>
-              <a:rPr lang="de-DE" sz="1600" dirty="0" smtClean="0"/>
+              <a:rPr lang="de-DE" sz="1600" dirty="0"/>
               <a:t> = falls / </a:t>
             </a:r>
             <a:r>
-              <a:rPr lang="de-DE" sz="1600" dirty="0" err="1" smtClean="0"/>
+              <a:rPr lang="de-DE" sz="1600" dirty="0" err="1"/>
               <a:t>else</a:t>
             </a:r>
             <a:r>
-              <a:rPr lang="de-DE" sz="1600" dirty="0" smtClean="0"/>
+              <a:rPr lang="de-DE" sz="1600" dirty="0"/>
               <a:t> = andernfalls</a:t>
             </a:r>
-            <a:endParaRPr lang="de-DE" sz="1600" dirty="0"/>
           </a:p>
         </p:txBody>
       </p:sp>
@@ -6568,228 +6374,116 @@
           <a:p>
             <a:pPr algn="l"/>
             <a:r>
-              <a:rPr lang="de-DE" sz="2400" noProof="1" smtClean="0"/>
+              <a:rPr lang="de-DE" sz="2400" noProof="1"/>
               <a:t>Spiele etwas mit dem Schlagzeug herum</a:t>
             </a:r>
           </a:p>
           <a:p>
             <a:pPr algn="l"/>
             <a:r>
-              <a:rPr lang="de-DE" sz="1200" noProof="1" smtClean="0"/>
+              <a:rPr lang="de-DE" sz="1200" noProof="1"/>
               <a:t>use_bpm 120</a:t>
             </a:r>
           </a:p>
           <a:p>
             <a:pPr algn="l"/>
             <a:r>
-              <a:rPr lang="de-DE" sz="1200" noProof="1" smtClean="0"/>
+              <a:rPr lang="de-DE" sz="1200" noProof="1"/>
               <a:t>live_loop :schlagzeug do  </a:t>
             </a:r>
           </a:p>
           <a:p>
             <a:pPr algn="l"/>
             <a:r>
-              <a:rPr lang="de-DE" sz="1200" noProof="1" smtClean="0">
+              <a:rPr lang="de-DE" sz="1200" noProof="1">
                 <a:solidFill>
                   <a:srgbClr val="C00000"/>
                 </a:solidFill>
               </a:rPr>
-              <a:t>    sample :drum_cymbal_closed, amp: </a:t>
-            </a:r>
-            <a:r>
-              <a:rPr lang="de-DE" sz="1200" noProof="1" smtClean="0">
-                <a:solidFill>
-                  <a:srgbClr val="C00000"/>
-                </a:solidFill>
-              </a:rPr>
-              <a:t>4  </a:t>
-            </a:r>
-            <a:r>
-              <a:rPr lang="de-DE" sz="1200" noProof="1" smtClean="0">
-                <a:solidFill>
-                  <a:srgbClr val="C00000"/>
-                </a:solidFill>
-              </a:rPr>
-              <a:t/>
+              <a:t>    sample :drum_cymbal_closed, amp: 4  </a:t>
             </a:r>
             <a:br>
-              <a:rPr lang="de-DE" sz="1200" noProof="1" smtClean="0">
+              <a:rPr lang="de-DE" sz="1200" noProof="1">
                 <a:solidFill>
                   <a:srgbClr val="C00000"/>
                 </a:solidFill>
               </a:rPr>
             </a:br>
             <a:r>
-              <a:rPr lang="de-DE" sz="1200" noProof="1" smtClean="0">
+              <a:rPr lang="de-DE" sz="1200" noProof="1">
                 <a:solidFill>
                   <a:srgbClr val="C00000"/>
                 </a:solidFill>
               </a:rPr>
-              <a:t>    sleep </a:t>
-            </a:r>
-            <a:r>
-              <a:rPr lang="de-DE" sz="1200" noProof="1" smtClean="0">
+              <a:t>    sleep 1  </a:t>
+            </a:r>
+            <a:br>
+              <a:rPr lang="de-DE" sz="1200" noProof="1"/>
+            </a:br>
+            <a:r>
+              <a:rPr lang="de-DE" sz="1200" noProof="1"/>
+              <a:t>    sample :drum_cymbal_closed, amp: 2  </a:t>
+            </a:r>
+            <a:br>
+              <a:rPr lang="de-DE" sz="1200" noProof="1"/>
+            </a:br>
+            <a:r>
+              <a:rPr lang="de-DE" sz="1200" noProof="1"/>
+              <a:t>    sample :drum_bass_soft, amp: 4  </a:t>
+            </a:r>
+            <a:br>
+              <a:rPr lang="de-DE" sz="1200" noProof="1"/>
+            </a:br>
+            <a:r>
+              <a:rPr lang="de-DE" sz="1200" noProof="1"/>
+              <a:t>    sleep 1  </a:t>
+            </a:r>
+            <a:br>
+              <a:rPr lang="de-DE" sz="1200" noProof="1"/>
+            </a:br>
+            <a:r>
+              <a:rPr lang="de-DE" sz="1200" noProof="1"/>
+              <a:t>    </a:t>
+            </a:r>
+            <a:r>
+              <a:rPr lang="de-DE" sz="1200" noProof="1">
                 <a:solidFill>
                   <a:srgbClr val="C00000"/>
                 </a:solidFill>
               </a:rPr>
-              <a:t>1  </a:t>
-            </a:r>
-            <a:r>
-              <a:rPr lang="de-DE" sz="1200" noProof="1" smtClean="0"/>
-              <a:t/>
+              <a:t>sample :drum_cymbal_closed, amp: 4  </a:t>
             </a:r>
             <a:br>
-              <a:rPr lang="de-DE" sz="1200" noProof="1" smtClean="0"/>
-            </a:br>
-            <a:r>
-              <a:rPr lang="de-DE" sz="1200" noProof="1" smtClean="0"/>
-              <a:t>    sample </a:t>
-            </a:r>
-            <a:r>
-              <a:rPr lang="de-DE" sz="1200" noProof="1" smtClean="0"/>
-              <a:t>:drum_cymbal_closed, amp: </a:t>
-            </a:r>
-            <a:r>
-              <a:rPr lang="de-DE" sz="1200" noProof="1" smtClean="0"/>
-              <a:t>2  </a:t>
-            </a:r>
-            <a:r>
-              <a:rPr lang="de-DE" sz="1200" noProof="1" smtClean="0"/>
-              <a:t/>
-            </a:r>
-            <a:br>
-              <a:rPr lang="de-DE" sz="1200" noProof="1" smtClean="0"/>
-            </a:br>
-            <a:r>
-              <a:rPr lang="de-DE" sz="1200" noProof="1" smtClean="0"/>
-              <a:t>    sample </a:t>
-            </a:r>
-            <a:r>
-              <a:rPr lang="de-DE" sz="1200" noProof="1" smtClean="0"/>
-              <a:t>:drum_bass_soft, amp: </a:t>
-            </a:r>
-            <a:r>
-              <a:rPr lang="de-DE" sz="1200" noProof="1" smtClean="0"/>
-              <a:t>4  </a:t>
-            </a:r>
-            <a:r>
-              <a:rPr lang="de-DE" sz="1200" noProof="1" smtClean="0"/>
-              <a:t/>
-            </a:r>
-            <a:br>
-              <a:rPr lang="de-DE" sz="1200" noProof="1" smtClean="0"/>
-            </a:br>
-            <a:r>
-              <a:rPr lang="de-DE" sz="1200" noProof="1" smtClean="0"/>
-              <a:t>    sleep </a:t>
-            </a:r>
-            <a:r>
-              <a:rPr lang="de-DE" sz="1200" noProof="1" smtClean="0"/>
-              <a:t>1  </a:t>
-            </a:r>
-            <a:r>
-              <a:rPr lang="de-DE" sz="1200" noProof="1" smtClean="0"/>
-              <a:t/>
-            </a:r>
-            <a:br>
-              <a:rPr lang="de-DE" sz="1200" noProof="1" smtClean="0"/>
-            </a:br>
-            <a:r>
-              <a:rPr lang="de-DE" sz="1200" noProof="1" smtClean="0"/>
-              <a:t>    </a:t>
-            </a:r>
-            <a:r>
-              <a:rPr lang="de-DE" sz="1200" noProof="1" smtClean="0">
-                <a:solidFill>
-                  <a:srgbClr val="C00000"/>
-                </a:solidFill>
-              </a:rPr>
-              <a:t>sample </a:t>
-            </a:r>
-            <a:r>
-              <a:rPr lang="de-DE" sz="1200" noProof="1" smtClean="0">
-                <a:solidFill>
-                  <a:srgbClr val="C00000"/>
-                </a:solidFill>
-              </a:rPr>
-              <a:t>:drum_cymbal_closed, amp: </a:t>
-            </a:r>
-            <a:r>
-              <a:rPr lang="de-DE" sz="1200" noProof="1" smtClean="0">
-                <a:solidFill>
-                  <a:srgbClr val="C00000"/>
-                </a:solidFill>
-              </a:rPr>
-              <a:t>4  </a:t>
-            </a:r>
-            <a:r>
-              <a:rPr lang="de-DE" sz="1200" noProof="1" smtClean="0">
-                <a:solidFill>
-                  <a:srgbClr val="C00000"/>
-                </a:solidFill>
-              </a:rPr>
-              <a:t/>
-            </a:r>
-            <a:br>
-              <a:rPr lang="de-DE" sz="1200" noProof="1" smtClean="0">
+              <a:rPr lang="de-DE" sz="1200" noProof="1">
                 <a:solidFill>
                   <a:srgbClr val="C00000"/>
                 </a:solidFill>
               </a:rPr>
             </a:br>
             <a:r>
-              <a:rPr lang="de-DE" sz="1200" noProof="1" smtClean="0">
+              <a:rPr lang="de-DE" sz="1200" noProof="1">
                 <a:solidFill>
                   <a:srgbClr val="C00000"/>
                 </a:solidFill>
               </a:rPr>
-              <a:t>    sleep </a:t>
-            </a:r>
-            <a:r>
-              <a:rPr lang="de-DE" sz="1200" noProof="1" smtClean="0">
-                <a:solidFill>
-                  <a:srgbClr val="C00000"/>
-                </a:solidFill>
-              </a:rPr>
-              <a:t>1  </a:t>
-            </a:r>
-            <a:r>
-              <a:rPr lang="de-DE" sz="1200" noProof="1" smtClean="0"/>
-              <a:t/>
+              <a:t>    sleep 1  </a:t>
             </a:r>
             <a:br>
-              <a:rPr lang="de-DE" sz="1200" noProof="1" smtClean="0"/>
+              <a:rPr lang="de-DE" sz="1200" noProof="1"/>
             </a:br>
             <a:r>
-              <a:rPr lang="de-DE" sz="1200" noProof="1" smtClean="0"/>
-              <a:t>    sample </a:t>
-            </a:r>
-            <a:r>
-              <a:rPr lang="de-DE" sz="1200" noProof="1" smtClean="0"/>
-              <a:t>:drum_cymbal_closed, amp: </a:t>
-            </a:r>
-            <a:r>
-              <a:rPr lang="de-DE" sz="1200" noProof="1" smtClean="0"/>
-              <a:t>4 </a:t>
-            </a:r>
-            <a:r>
-              <a:rPr lang="de-DE" sz="1200" noProof="1" smtClean="0"/>
-              <a:t/>
+              <a:rPr lang="de-DE" sz="1200" noProof="1"/>
+              <a:t>    sample :drum_cymbal_closed, amp: 4 </a:t>
             </a:r>
             <a:br>
-              <a:rPr lang="de-DE" sz="1200" noProof="1" smtClean="0"/>
+              <a:rPr lang="de-DE" sz="1200" noProof="1"/>
             </a:br>
             <a:r>
-              <a:rPr lang="de-DE" sz="1200" noProof="1" smtClean="0"/>
-              <a:t>    sample </a:t>
-            </a:r>
-            <a:r>
-              <a:rPr lang="de-DE" sz="1200" noProof="1" smtClean="0"/>
-              <a:t>:drum_snare_hard, amp: 4, </a:t>
-            </a:r>
-            <a:r>
-              <a:rPr lang="de-DE" sz="1200" noProof="1" smtClean="0">
+              <a:rPr lang="de-DE" sz="1200" noProof="1"/>
+              <a:t>    sample :drum_snare_hard, amp: 4, </a:t>
+            </a:r>
+            <a:r>
+              <a:rPr lang="de-DE" sz="1200" noProof="1">
                 <a:solidFill>
                   <a:schemeClr val="tx2">
                     <a:lumMod val="60000"/>
@@ -6797,49 +6491,23 @@
                   </a:schemeClr>
                 </a:solidFill>
               </a:rPr>
-              <a:t>rate</a:t>
-            </a:r>
-            <a:r>
-              <a:rPr lang="de-DE" sz="1200" noProof="1" smtClean="0">
-                <a:solidFill>
-                  <a:schemeClr val="tx2">
-                    <a:lumMod val="60000"/>
-                    <a:lumOff val="40000"/>
-                  </a:schemeClr>
-                </a:solidFill>
-              </a:rPr>
-              <a:t>: </a:t>
-            </a:r>
-            <a:r>
-              <a:rPr lang="de-DE" sz="1200" noProof="1" smtClean="0">
-                <a:solidFill>
-                  <a:schemeClr val="tx2">
-                    <a:lumMod val="60000"/>
-                    <a:lumOff val="40000"/>
-                  </a:schemeClr>
-                </a:solidFill>
-              </a:rPr>
-              <a:t>1.2</a:t>
-            </a:r>
-            <a:r>
-              <a:rPr lang="de-DE" sz="1200" noProof="1" smtClean="0"/>
-              <a:t/>
+              <a:t>rate: 1.2</a:t>
             </a:r>
             <a:br>
-              <a:rPr lang="de-DE" sz="1200" noProof="1" smtClean="0"/>
+              <a:rPr lang="de-DE" sz="1200" noProof="1"/>
             </a:br>
             <a:r>
-              <a:rPr lang="de-DE" sz="1200" noProof="1" smtClean="0"/>
+              <a:rPr lang="de-DE" sz="1200" noProof="1"/>
               <a:t>    sleep 1</a:t>
             </a:r>
             <a:br>
-              <a:rPr lang="de-DE" sz="1200" noProof="1" smtClean="0"/>
+              <a:rPr lang="de-DE" sz="1200" noProof="1"/>
             </a:br>
             <a:r>
-              <a:rPr lang="de-DE" sz="1200" noProof="1" smtClean="0"/>
+              <a:rPr lang="de-DE" sz="1200" noProof="1"/>
               <a:t>end </a:t>
             </a:r>
-            <a:endParaRPr lang="de-DE" sz="2400" noProof="1" smtClean="0"/>
+            <a:endParaRPr lang="de-DE" sz="2400" noProof="1"/>
           </a:p>
         </p:txBody>
       </p:sp>
@@ -6859,10 +6527,9 @@
           <a:lstStyle/>
           <a:p>
             <a:r>
-              <a:rPr lang="de-DE" dirty="0" smtClean="0"/>
+              <a:rPr lang="de-DE" dirty="0"/>
               <a:t>Variablen und Bedingungen</a:t>
             </a:r>
-            <a:endParaRPr lang="de-DE" dirty="0"/>
           </a:p>
         </p:txBody>
       </p:sp>
@@ -6888,130 +6555,88 @@
           <a:p>
             <a:pPr marL="444500" indent="0" algn="l"/>
             <a:r>
-              <a:rPr lang="en-US" sz="1200" dirty="0" err="1" smtClean="0"/>
+              <a:rPr lang="en-US" sz="1200" dirty="0" err="1"/>
               <a:t>use_bpm</a:t>
             </a:r>
             <a:r>
-              <a:rPr lang="en-US" sz="1200" dirty="0" smtClean="0"/>
-              <a:t> </a:t>
-            </a:r>
-            <a:r>
-              <a:rPr lang="en-US" sz="1200" dirty="0" smtClean="0"/>
-              <a:t>600</a:t>
+              <a:rPr lang="en-US" sz="1200" dirty="0"/>
+              <a:t> 600</a:t>
             </a:r>
           </a:p>
           <a:p>
             <a:pPr marL="444500" indent="0" algn="l"/>
             <a:r>
-              <a:rPr lang="en-US" sz="1200" dirty="0" smtClean="0"/>
-              <a:t>a </a:t>
-            </a:r>
-            <a:r>
               <a:rPr lang="en-US" sz="1200" dirty="0"/>
-              <a:t>= </a:t>
-            </a:r>
-            <a:r>
-              <a:rPr lang="en-US" sz="1200" dirty="0" smtClean="0"/>
-              <a:t>30</a:t>
+              <a:t>a = 30</a:t>
             </a:r>
           </a:p>
           <a:p>
             <a:pPr marL="444500" indent="0" algn="l"/>
             <a:r>
-              <a:rPr lang="en-US" sz="1200" dirty="0" smtClean="0"/>
-              <a:t>live_loop </a:t>
-            </a:r>
-            <a:r>
               <a:rPr lang="en-US" sz="1200" dirty="0"/>
-              <a:t>:start do  </a:t>
-            </a:r>
-            <a:endParaRPr lang="en-US" sz="1200" dirty="0" smtClean="0"/>
+              <a:t>live_loop :start do  </a:t>
+            </a:r>
           </a:p>
           <a:p>
             <a:pPr marL="444500" indent="0" algn="l"/>
             <a:r>
-              <a:rPr lang="en-US" sz="1200" dirty="0" smtClean="0"/>
-              <a:t>   if </a:t>
-            </a:r>
-            <a:r>
               <a:rPr lang="en-US" sz="1200" dirty="0"/>
-              <a:t>a &lt; 100    </a:t>
-            </a:r>
-            <a:endParaRPr lang="en-US" sz="1200" dirty="0" smtClean="0"/>
+              <a:t>   if a &lt; 100    </a:t>
+            </a:r>
           </a:p>
           <a:p>
             <a:pPr marL="444500" indent="0" algn="l"/>
             <a:r>
-              <a:rPr lang="en-US" sz="1200" dirty="0" smtClean="0"/>
-              <a:t>     a </a:t>
-            </a:r>
-            <a:r>
               <a:rPr lang="en-US" sz="1200" dirty="0"/>
-              <a:t>= a +1    </a:t>
-            </a:r>
-            <a:endParaRPr lang="en-US" sz="1200" dirty="0" smtClean="0"/>
+              <a:t>     a = a +1    </a:t>
+            </a:r>
           </a:p>
           <a:p>
             <a:pPr marL="444500" indent="0" algn="l"/>
             <a:r>
-              <a:rPr lang="en-US" sz="1200" dirty="0" smtClean="0"/>
-              <a:t>     play </a:t>
-            </a:r>
-            <a:r>
               <a:rPr lang="en-US" sz="1200" dirty="0"/>
-              <a:t>a, amp: 4    </a:t>
-            </a:r>
-            <a:endParaRPr lang="en-US" sz="1200" dirty="0" smtClean="0"/>
+              <a:t>     play a, amp: 4    </a:t>
+            </a:r>
           </a:p>
           <a:p>
             <a:pPr marL="444500" indent="0" algn="l"/>
             <a:r>
-              <a:rPr lang="en-US" sz="1200" dirty="0" smtClean="0"/>
-              <a:t>     print </a:t>
-            </a:r>
-            <a:r>
               <a:rPr lang="en-US" sz="1200" dirty="0"/>
-              <a:t>a  </a:t>
-            </a:r>
-            <a:endParaRPr lang="en-US" sz="1200" dirty="0" smtClean="0"/>
+              <a:t>     print a  </a:t>
+            </a:r>
           </a:p>
           <a:p>
             <a:pPr marL="444500" indent="0" algn="l"/>
             <a:r>
-              <a:rPr lang="en-US" sz="1200" dirty="0" smtClean="0"/>
+              <a:rPr lang="en-US" sz="1200" dirty="0"/>
               <a:t>   else    </a:t>
             </a:r>
           </a:p>
           <a:p>
             <a:pPr marL="444500" indent="0" algn="l"/>
             <a:r>
-              <a:rPr lang="en-US" sz="1200" dirty="0" smtClean="0"/>
-              <a:t>       a </a:t>
-            </a:r>
-            <a:r>
               <a:rPr lang="en-US" sz="1200" dirty="0"/>
-              <a:t>= 30  </a:t>
-            </a:r>
-            <a:endParaRPr lang="en-US" sz="1200" dirty="0" smtClean="0"/>
+              <a:t>       a = 30  </a:t>
+            </a:r>
           </a:p>
           <a:p>
             <a:pPr marL="444500" indent="0" algn="l"/>
             <a:r>
-              <a:rPr lang="en-US" sz="1200" dirty="0" smtClean="0"/>
+              <a:rPr lang="en-US" sz="1200" dirty="0"/>
               <a:t>   end  </a:t>
             </a:r>
           </a:p>
           <a:p>
             <a:pPr marL="444500" indent="0" algn="l"/>
             <a:r>
-              <a:rPr lang="en-US" sz="1200" dirty="0" smtClean="0"/>
+              <a:rPr lang="en-US" sz="1200" dirty="0"/>
               <a:t>   sleep 1</a:t>
             </a:r>
           </a:p>
           <a:p>
             <a:pPr marL="444500" indent="0" algn="l"/>
             <a:r>
-              <a:rPr lang="en-US" sz="1200" dirty="0" smtClean="0"/>
+              <a:rPr lang="en-US" sz="1200" dirty="0"/>
               <a:t>end</a:t>
             </a:r>
           </a:p>
@@ -7053,13 +6678,6 @@
   <p:clrMapOvr>
     <a:masterClrMapping/>
   </p:clrMapOvr>
-  <p:timing>
-    <p:tnLst>
-      <p:par>
-        <p:cTn id="1" dur="indefinite" restart="never" nodeType="tmRoot"/>
-      </p:par>
-    </p:tnLst>
-  </p:timing>
 </p:sld>
 </file>
 
@@ -7096,10 +6714,9 @@
           <a:lstStyle/>
           <a:p>
             <a:r>
-              <a:rPr lang="de-DE" smtClean="0"/>
+              <a:rPr lang="de-DE"/>
               <a:t>So kann man Effekte verwenden</a:t>
             </a:r>
-            <a:endParaRPr lang="de-DE"/>
           </a:p>
         </p:txBody>
       </p:sp>
@@ -7135,7 +6752,7 @@
               </a:tabLst>
             </a:pPr>
             <a:r>
-              <a:rPr lang="de-DE" sz="1050" b="0" dirty="0" err="1" smtClean="0">
+              <a:rPr lang="de-DE" sz="1050" b="0" dirty="0" err="1">
                 <a:solidFill>
                   <a:schemeClr val="tx1"/>
                 </a:solidFill>
@@ -7146,7 +6763,7 @@
               <a:t>Fx</a:t>
             </a:r>
             <a:r>
-              <a:rPr lang="de-DE" sz="1050" b="0" dirty="0" smtClean="0">
+              <a:rPr lang="de-DE" sz="1050" b="0" dirty="0">
                 <a:solidFill>
                   <a:schemeClr val="tx1"/>
                 </a:solidFill>
@@ -7154,18 +6771,7 @@
                 <a:ea typeface="DIN" charset="0"/>
                 <a:cs typeface="DIN" charset="0"/>
               </a:rPr>
-              <a:t> </a:t>
-            </a:r>
-            <a:r>
-              <a:rPr lang="de-DE" sz="1050" b="0" dirty="0">
-                <a:solidFill>
-                  <a:schemeClr val="tx1"/>
-                </a:solidFill>
-                <a:latin typeface="DIN" charset="0"/>
-                <a:ea typeface="DIN" charset="0"/>
-                <a:cs typeface="DIN" charset="0"/>
-              </a:rPr>
-              <a:t>steht für „</a:t>
+              <a:t> steht für „</a:t>
             </a:r>
             <a:r>
               <a:rPr lang="de-DE" sz="1050" b="0" dirty="0" err="1">
@@ -7189,19 +6795,8 @@
               </a:rPr>
               <a:t>“ = Effekte. Jeder Effekt kann auch „Parameter“ haben: </a:t>
             </a:r>
-            <a:r>
-              <a:rPr lang="de-DE" sz="1050" b="0" dirty="0" smtClean="0">
-                <a:solidFill>
-                  <a:schemeClr val="tx1"/>
-                </a:solidFill>
-                <a:latin typeface="DIN" charset="0"/>
-                <a:ea typeface="DIN" charset="0"/>
-                <a:cs typeface="DIN" charset="0"/>
-              </a:rPr>
-              <a:t/>
-            </a:r>
             <a:br>
-              <a:rPr lang="de-DE" sz="1050" b="0" dirty="0" smtClean="0">
+              <a:rPr lang="de-DE" sz="1050" b="0" dirty="0">
                 <a:solidFill>
                   <a:schemeClr val="tx1"/>
                 </a:solidFill>
@@ -7211,7 +6806,7 @@
               </a:rPr>
             </a:br>
             <a:r>
-              <a:rPr lang="de-DE" sz="1050" b="0" dirty="0" smtClean="0">
+              <a:rPr lang="de-DE" sz="1050" b="0" dirty="0">
                 <a:solidFill>
                   <a:schemeClr val="tx1"/>
                 </a:solidFill>
@@ -7219,32 +6814,10 @@
                 <a:ea typeface="DIN" charset="0"/>
                 <a:cs typeface="DIN" charset="0"/>
               </a:rPr>
-              <a:t>Hier </a:t>
+              <a:t>Hier die Größe des Raums für den Hall </a:t>
             </a:r>
             <a:r>
               <a:rPr lang="de-DE" sz="1050" b="0" dirty="0">
-                <a:solidFill>
-                  <a:schemeClr val="tx1"/>
-                </a:solidFill>
-                <a:latin typeface="DIN" charset="0"/>
-                <a:ea typeface="DIN" charset="0"/>
-                <a:cs typeface="DIN" charset="0"/>
-              </a:rPr>
-              <a:t>die Größe des Raums für den </a:t>
-            </a:r>
-            <a:r>
-              <a:rPr lang="de-DE" sz="1050" b="0" dirty="0" smtClean="0">
-                <a:solidFill>
-                  <a:schemeClr val="tx1"/>
-                </a:solidFill>
-                <a:latin typeface="DIN" charset="0"/>
-                <a:ea typeface="DIN" charset="0"/>
-                <a:cs typeface="DIN" charset="0"/>
-              </a:rPr>
-              <a:t>Hall </a:t>
-            </a:r>
-            <a:r>
-              <a:rPr lang="de-DE" sz="1050" b="0" dirty="0" smtClean="0">
                 <a:solidFill>
                   <a:schemeClr val="tx1"/>
                 </a:solidFill>
@@ -7256,7 +6829,7 @@
               <a:t> </a:t>
             </a:r>
             <a:r>
-              <a:rPr lang="de-DE" sz="1050" b="0" dirty="0" err="1" smtClean="0">
+              <a:rPr lang="de-DE" sz="1050" b="0" dirty="0" err="1">
                 <a:solidFill>
                   <a:schemeClr val="tx1"/>
                 </a:solidFill>
@@ -7268,7 +6841,7 @@
               <a:t>room</a:t>
             </a:r>
             <a:r>
-              <a:rPr lang="de-DE" sz="1050" b="0" dirty="0" smtClean="0">
+              <a:rPr lang="de-DE" sz="1050" b="0" dirty="0">
                 <a:solidFill>
                   <a:schemeClr val="tx1"/>
                 </a:solidFill>
@@ -7301,7 +6874,7 @@
               </a:tabLst>
             </a:pPr>
             <a:r>
-              <a:rPr lang="de-DE" sz="1050" b="0" dirty="0" smtClean="0">
+              <a:rPr lang="de-DE" sz="1050" b="0" dirty="0">
                 <a:solidFill>
                   <a:schemeClr val="tx1"/>
                 </a:solidFill>
@@ -7311,14 +6884,6 @@
               </a:rPr>
               <a:t>Verwende eine andere Geschwindigkeit </a:t>
             </a:r>
-            <a:endParaRPr lang="de-DE" sz="1050" b="0" dirty="0" smtClean="0">
-              <a:solidFill>
-                <a:schemeClr val="tx1"/>
-              </a:solidFill>
-              <a:latin typeface="DIN" charset="0"/>
-              <a:ea typeface="DIN" charset="0"/>
-              <a:cs typeface="DIN" charset="0"/>
-            </a:endParaRPr>
           </a:p>
           <a:p>
             <a:pPr marL="179388" indent="-173038">
@@ -7333,7 +6898,7 @@
               </a:tabLst>
             </a:pPr>
             <a:r>
-              <a:rPr lang="de-DE" sz="1050" b="0" dirty="0" smtClean="0">
+              <a:rPr lang="de-DE" sz="1050" b="0" dirty="0">
                 <a:solidFill>
                   <a:schemeClr val="tx1"/>
                 </a:solidFill>
@@ -7344,7 +6909,7 @@
               <a:t>Verwende </a:t>
             </a:r>
             <a:r>
-              <a:rPr lang="de-DE" sz="1050" b="0" dirty="0" err="1" smtClean="0">
+              <a:rPr lang="de-DE" sz="1050" b="0" dirty="0" err="1">
                 <a:solidFill>
                   <a:schemeClr val="tx1"/>
                 </a:solidFill>
@@ -7355,7 +6920,7 @@
               <a:t>play</a:t>
             </a:r>
             <a:r>
-              <a:rPr lang="de-DE" sz="1050" b="0" dirty="0" smtClean="0">
+              <a:rPr lang="de-DE" sz="1050" b="0" dirty="0">
                 <a:solidFill>
                   <a:schemeClr val="tx1"/>
                 </a:solidFill>
@@ -7366,7 +6931,7 @@
               <a:t> und </a:t>
             </a:r>
             <a:r>
-              <a:rPr lang="de-DE" sz="1050" b="0" dirty="0" err="1" smtClean="0">
+              <a:rPr lang="de-DE" sz="1050" b="0" dirty="0" err="1">
                 <a:solidFill>
                   <a:schemeClr val="tx1"/>
                 </a:solidFill>
@@ -7377,7 +6942,7 @@
               <a:t>choose</a:t>
             </a:r>
             <a:r>
-              <a:rPr lang="de-DE" sz="1050" b="0" dirty="0" smtClean="0">
+              <a:rPr lang="de-DE" sz="1050" b="0" dirty="0">
                 <a:solidFill>
                   <a:schemeClr val="tx1"/>
                 </a:solidFill>
@@ -7385,40 +6950,7 @@
                 <a:ea typeface="DIN" charset="0"/>
                 <a:cs typeface="DIN" charset="0"/>
               </a:rPr>
-              <a:t> </a:t>
-            </a:r>
-            <a:r>
-              <a:rPr lang="de-DE" sz="1050" b="0" dirty="0" smtClean="0">
-                <a:solidFill>
-                  <a:schemeClr val="tx1"/>
-                </a:solidFill>
-                <a:latin typeface="DIN" charset="0"/>
-                <a:ea typeface="DIN" charset="0"/>
-                <a:cs typeface="DIN" charset="0"/>
-              </a:rPr>
-              <a:t>(</a:t>
-            </a:r>
-            <a:r>
-              <a:rPr lang="de-DE" sz="1050" b="0" dirty="0" smtClean="0">
-                <a:solidFill>
-                  <a:schemeClr val="tx1"/>
-                </a:solidFill>
-                <a:latin typeface="DIN" charset="0"/>
-                <a:ea typeface="DIN" charset="0"/>
-                <a:cs typeface="DIN" charset="0"/>
-              </a:rPr>
-              <a:t>siehe Seite 9b</a:t>
-            </a:r>
-            <a:r>
-              <a:rPr lang="de-DE" sz="1050" b="0" dirty="0" smtClean="0">
-                <a:solidFill>
-                  <a:schemeClr val="tx1"/>
-                </a:solidFill>
-                <a:latin typeface="DIN" charset="0"/>
-                <a:ea typeface="DIN" charset="0"/>
-                <a:cs typeface="DIN" charset="0"/>
-              </a:rPr>
-              <a:t>)</a:t>
+              <a:t> (siehe Seite 9b)</a:t>
             </a:r>
           </a:p>
           <a:p>
@@ -7434,7 +6966,7 @@
               </a:tabLst>
             </a:pPr>
             <a:r>
-              <a:rPr lang="de-DE" sz="1050" b="0" dirty="0" smtClean="0">
+              <a:rPr lang="de-DE" sz="1050" b="0" dirty="0">
                 <a:solidFill>
                   <a:schemeClr val="tx1"/>
                 </a:solidFill>
@@ -7487,21 +7019,8 @@
                 <a:ea typeface="DIN" charset="0"/>
                 <a:cs typeface="DIN" charset="0"/>
               </a:rPr>
-              <a:t> </a:t>
-            </a:r>
-            <a:r>
-              <a:rPr lang="de-DE" sz="900" dirty="0" smtClean="0">
-                <a:latin typeface="DIN" charset="0"/>
-                <a:ea typeface="DIN" charset="0"/>
-                <a:cs typeface="DIN" charset="0"/>
-              </a:rPr>
-              <a:t>do</a:t>
-            </a:r>
-            <a:endParaRPr lang="de-DE" sz="900" dirty="0">
-              <a:latin typeface="DIN" charset="0"/>
-              <a:ea typeface="DIN" charset="0"/>
-              <a:cs typeface="DIN" charset="0"/>
-            </a:endParaRPr>
+              <a:t> do</a:t>
+            </a:r>
           </a:p>
           <a:p>
             <a:pPr marL="179388" lvl="1" indent="-173038">
@@ -7537,21 +7056,8 @@
                 <a:ea typeface="DIN" charset="0"/>
                 <a:cs typeface="DIN" charset="0"/>
               </a:rPr>
-              <a:t> in der Hilfe</a:t>
-            </a:r>
-            <a:r>
-              <a:rPr lang="de-DE" sz="1050" dirty="0" smtClean="0">
-                <a:latin typeface="DIN" charset="0"/>
-                <a:ea typeface="DIN" charset="0"/>
-                <a:cs typeface="DIN" charset="0"/>
-              </a:rPr>
-              <a:t>)</a:t>
-            </a:r>
-            <a:endParaRPr lang="de-DE" sz="1050" dirty="0">
-              <a:latin typeface="DIN" charset="0"/>
-              <a:ea typeface="DIN" charset="0"/>
-              <a:cs typeface="DIN" charset="0"/>
-            </a:endParaRPr>
+              <a:t> im Spickzettel)</a:t>
+            </a:r>
           </a:p>
         </p:txBody>
       </p:sp>
@@ -7577,24 +7083,19 @@
           <a:p>
             <a:pPr algn="l"/>
             <a:r>
-              <a:rPr lang="de-DE" sz="2000" noProof="1" smtClean="0"/>
+              <a:rPr lang="de-DE" sz="2000" noProof="1"/>
               <a:t>Effekte</a:t>
             </a:r>
-            <a:endParaRPr lang="de-DE" sz="2000" noProof="1"/>
           </a:p>
           <a:p>
             <a:pPr algn="l"/>
-            <a:endParaRPr lang="en-US" sz="2000" dirty="0" smtClean="0"/>
+            <a:endParaRPr lang="en-US" sz="2000" dirty="0"/>
           </a:p>
           <a:p>
             <a:pPr algn="l"/>
             <a:r>
-              <a:rPr lang="en-US" sz="2000" dirty="0" smtClean="0"/>
-              <a:t>live_loop </a:t>
-            </a:r>
-            <a:r>
               <a:rPr lang="en-US" sz="2000" dirty="0"/>
-              <a:t>:</a:t>
+              <a:t>live_loop :</a:t>
             </a:r>
             <a:r>
               <a:rPr lang="en-US" sz="2000" dirty="0" err="1"/>
@@ -7648,7 +7149,7 @@
               <a:rPr lang="en-US" sz="2000" dirty="0"/>
               <a:t>end</a:t>
             </a:r>
-            <a:endParaRPr lang="de-DE" sz="2000" dirty="0" smtClean="0"/>
+            <a:endParaRPr lang="de-DE" sz="2000" dirty="0"/>
           </a:p>
         </p:txBody>
       </p:sp>
@@ -7697,11 +7198,11 @@
           <a:lstStyle/>
           <a:p>
             <a:r>
-              <a:rPr lang="de-DE" sz="1050" dirty="0" smtClean="0"/>
+              <a:rPr lang="de-DE" sz="1050" dirty="0"/>
               <a:t>Probiere </a:t>
             </a:r>
             <a:r>
-              <a:rPr lang="de-DE" sz="1050" dirty="0" err="1" smtClean="0">
+              <a:rPr lang="de-DE" sz="1050" dirty="0" err="1">
                 <a:solidFill>
                   <a:schemeClr val="accent6"/>
                 </a:solidFill>
@@ -7709,7 +7210,7 @@
               <a:t>sleep</a:t>
             </a:r>
             <a:r>
-              <a:rPr lang="de-DE" sz="1050" dirty="0" smtClean="0">
+              <a:rPr lang="de-DE" sz="1050" dirty="0">
                 <a:solidFill>
                   <a:schemeClr val="accent6"/>
                 </a:solidFill>
@@ -7717,7 +7218,7 @@
               <a:t> </a:t>
             </a:r>
             <a:r>
-              <a:rPr lang="de-DE" sz="1050" dirty="0" err="1" smtClean="0">
+              <a:rPr lang="de-DE" sz="1050" dirty="0" err="1">
                 <a:solidFill>
                   <a:schemeClr val="accent6"/>
                 </a:solidFill>
@@ -7725,7 +7226,7 @@
               <a:t>sample_duration</a:t>
             </a:r>
             <a:r>
-              <a:rPr lang="de-DE" sz="1050" dirty="0" smtClean="0">
+              <a:rPr lang="de-DE" sz="1050" dirty="0">
                 <a:solidFill>
                   <a:schemeClr val="accent6"/>
                 </a:solidFill>
@@ -7733,7 +7234,7 @@
               <a:t>(:</a:t>
             </a:r>
             <a:r>
-              <a:rPr lang="de-DE" sz="1050" dirty="0" err="1" smtClean="0">
+              <a:rPr lang="de-DE" sz="1050" dirty="0" err="1">
                 <a:solidFill>
                   <a:schemeClr val="accent6"/>
                 </a:solidFill>
@@ -7741,7 +7242,7 @@
               <a:t>loop_amen</a:t>
             </a:r>
             <a:r>
-              <a:rPr lang="de-DE" sz="1050" dirty="0" smtClean="0">
+              <a:rPr lang="de-DE" sz="1050" dirty="0">
                 <a:solidFill>
                   <a:schemeClr val="accent6"/>
                 </a:solidFill>
@@ -7749,129 +7250,121 @@
               <a:t>) </a:t>
             </a:r>
             <a:r>
-              <a:rPr lang="de-DE" sz="1050" dirty="0" smtClean="0"/>
+              <a:rPr lang="de-DE" sz="1050" dirty="0"/>
               <a:t>aus! Was passiert und warum?</a:t>
             </a:r>
           </a:p>
           <a:p>
             <a:r>
-              <a:rPr lang="de-DE" sz="1050" dirty="0" smtClean="0"/>
+              <a:rPr lang="de-DE" sz="1050" dirty="0"/>
               <a:t>Füge folgendes hinter dem Sample-Befehl ein:       </a:t>
             </a:r>
             <a:r>
-              <a:rPr lang="en-US" sz="1050" dirty="0" smtClean="0">
+              <a:rPr lang="en-US" sz="1050" dirty="0">
                 <a:solidFill>
                   <a:schemeClr val="accent6"/>
                 </a:solidFill>
               </a:rPr>
-              <a:t>, </a:t>
+              <a:t>, rate: 2</a:t>
+            </a:r>
+            <a:r>
+              <a:rPr lang="en-US" sz="1050" dirty="0"/>
+              <a:t>      Was </a:t>
+            </a:r>
+            <a:r>
+              <a:rPr lang="en-US" sz="1050" dirty="0" err="1"/>
+              <a:t>macht</a:t>
+            </a:r>
+            <a:r>
+              <a:rPr lang="en-US" sz="1050" dirty="0"/>
+              <a:t> die Rate? Was </a:t>
+            </a:r>
+            <a:r>
+              <a:rPr lang="en-US" sz="1050" dirty="0" err="1"/>
+              <a:t>passiert</a:t>
+            </a:r>
+            <a:r>
+              <a:rPr lang="en-US" sz="1050" dirty="0"/>
+              <a:t> </a:t>
+            </a:r>
+            <a:r>
+              <a:rPr lang="en-US" sz="1050" dirty="0" err="1"/>
+              <a:t>mit</a:t>
+            </a:r>
+            <a:r>
+              <a:rPr lang="en-US" sz="1050" dirty="0"/>
+              <a:t> der Pause? </a:t>
+            </a:r>
+          </a:p>
+          <a:p>
+            <a:r>
+              <a:rPr lang="en-US" sz="1050" dirty="0" err="1"/>
+              <a:t>Wie</a:t>
+            </a:r>
+            <a:r>
+              <a:rPr lang="en-US" sz="1050" dirty="0"/>
+              <a:t> </a:t>
+            </a:r>
+            <a:r>
+              <a:rPr lang="en-US" sz="1050" dirty="0" err="1"/>
+              <a:t>müssen</a:t>
+            </a:r>
+            <a:r>
+              <a:rPr lang="en-US" sz="1050" dirty="0"/>
+              <a:t> </a:t>
+            </a:r>
+            <a:r>
+              <a:rPr lang="en-US" sz="1050" dirty="0" err="1"/>
+              <a:t>wir</a:t>
+            </a:r>
+            <a:r>
+              <a:rPr lang="en-US" sz="1050" dirty="0"/>
+              <a:t> die Pause </a:t>
+            </a:r>
+            <a:r>
+              <a:rPr lang="en-US" sz="1050" dirty="0" err="1"/>
+              <a:t>korrigieren</a:t>
+            </a:r>
+            <a:r>
+              <a:rPr lang="en-US" sz="1050" dirty="0"/>
+              <a:t>?</a:t>
+            </a:r>
+          </a:p>
+          <a:p>
+            <a:r>
+              <a:rPr lang="en-US" sz="1050" dirty="0" err="1"/>
+              <a:t>Zum</a:t>
+            </a:r>
+            <a:r>
+              <a:rPr lang="en-US" sz="1050" dirty="0"/>
+              <a:t> </a:t>
+            </a:r>
+            <a:r>
+              <a:rPr lang="en-US" sz="1050" dirty="0" err="1"/>
+              <a:t>Spaß</a:t>
+            </a:r>
+            <a:r>
+              <a:rPr lang="en-US" sz="1050" dirty="0"/>
+              <a:t>: </a:t>
+            </a:r>
+            <a:r>
+              <a:rPr lang="en-US" sz="1050" dirty="0" err="1"/>
+              <a:t>Versuche</a:t>
+            </a:r>
+            <a:r>
+              <a:rPr lang="en-US" sz="1050" dirty="0"/>
+              <a:t> mal </a:t>
+            </a:r>
+            <a:r>
+              <a:rPr lang="en-US" sz="1050" dirty="0" err="1"/>
+              <a:t>eine</a:t>
+            </a:r>
+            <a:r>
+              <a:rPr lang="en-US" sz="1050" dirty="0"/>
+              <a:t>           </a:t>
             </a:r>
             <a:r>
               <a:rPr lang="en-US" sz="1050" dirty="0">
-                <a:solidFill>
-                  <a:schemeClr val="accent6"/>
-                </a:solidFill>
-              </a:rPr>
-              <a:t>rate: 2</a:t>
-            </a:r>
-            <a:r>
-              <a:rPr lang="en-US" sz="1050" dirty="0" smtClean="0"/>
-              <a:t>      Was </a:t>
-            </a:r>
-            <a:r>
-              <a:rPr lang="en-US" sz="1050" dirty="0" err="1" smtClean="0"/>
-              <a:t>macht</a:t>
-            </a:r>
-            <a:r>
-              <a:rPr lang="en-US" sz="1050" dirty="0" smtClean="0"/>
-              <a:t> die Rate? Was </a:t>
-            </a:r>
-            <a:r>
-              <a:rPr lang="en-US" sz="1050" dirty="0" err="1" smtClean="0"/>
-              <a:t>passiert</a:t>
-            </a:r>
-            <a:r>
-              <a:rPr lang="en-US" sz="1050" dirty="0" smtClean="0"/>
-              <a:t> </a:t>
-            </a:r>
-            <a:r>
-              <a:rPr lang="en-US" sz="1050" dirty="0" err="1" smtClean="0"/>
-              <a:t>mit</a:t>
-            </a:r>
-            <a:r>
-              <a:rPr lang="en-US" sz="1050" dirty="0" smtClean="0"/>
-              <a:t> der Pause? </a:t>
-            </a:r>
-          </a:p>
-          <a:p>
-            <a:r>
-              <a:rPr lang="en-US" sz="1050" dirty="0" err="1" smtClean="0"/>
-              <a:t>Wie</a:t>
-            </a:r>
-            <a:r>
-              <a:rPr lang="en-US" sz="1050" dirty="0" smtClean="0"/>
-              <a:t> </a:t>
-            </a:r>
-            <a:r>
-              <a:rPr lang="en-US" sz="1050" dirty="0" err="1" smtClean="0"/>
-              <a:t>müssen</a:t>
-            </a:r>
-            <a:r>
-              <a:rPr lang="en-US" sz="1050" dirty="0" smtClean="0"/>
-              <a:t> </a:t>
-            </a:r>
-            <a:r>
-              <a:rPr lang="en-US" sz="1050" dirty="0" err="1" smtClean="0"/>
-              <a:t>wir</a:t>
-            </a:r>
-            <a:r>
-              <a:rPr lang="en-US" sz="1050" dirty="0" smtClean="0"/>
-              <a:t> die Pause </a:t>
-            </a:r>
-            <a:r>
-              <a:rPr lang="en-US" sz="1050" dirty="0" err="1" smtClean="0"/>
-              <a:t>korrigieren</a:t>
-            </a:r>
-            <a:r>
-              <a:rPr lang="en-US" sz="1050" dirty="0" smtClean="0"/>
-              <a:t>?</a:t>
-            </a:r>
-          </a:p>
-          <a:p>
-            <a:r>
-              <a:rPr lang="en-US" sz="1050" dirty="0" err="1" smtClean="0"/>
-              <a:t>Zum</a:t>
-            </a:r>
-            <a:r>
-              <a:rPr lang="en-US" sz="1050" dirty="0" smtClean="0"/>
-              <a:t> </a:t>
-            </a:r>
-            <a:r>
-              <a:rPr lang="en-US" sz="1050" dirty="0" err="1" smtClean="0"/>
-              <a:t>Spaß</a:t>
-            </a:r>
-            <a:r>
-              <a:rPr lang="en-US" sz="1050" dirty="0" smtClean="0"/>
-              <a:t>: </a:t>
-            </a:r>
-            <a:r>
-              <a:rPr lang="en-US" sz="1050" dirty="0" err="1" smtClean="0"/>
-              <a:t>Versuche</a:t>
-            </a:r>
-            <a:r>
-              <a:rPr lang="en-US" sz="1050" dirty="0" smtClean="0"/>
-              <a:t> mal </a:t>
-            </a:r>
-            <a:r>
-              <a:rPr lang="en-US" sz="1050" dirty="0" err="1" smtClean="0"/>
-              <a:t>eine</a:t>
-            </a:r>
-            <a:r>
-              <a:rPr lang="en-US" sz="1050" dirty="0" smtClean="0"/>
-              <a:t>           </a:t>
-            </a:r>
-            <a:r>
-              <a:rPr lang="en-US" sz="1050" dirty="0" smtClean="0">
                 <a:solidFill>
                   <a:schemeClr val="accent6"/>
                 </a:solidFill>
@@ -7910,7 +7403,7 @@
           <a:p>
             <a:pPr marL="6350" indent="0" algn="l"/>
             <a:r>
-              <a:rPr lang="en-US" sz="2000" smtClean="0"/>
+              <a:rPr lang="en-US" sz="2000"/>
               <a:t>live_loop </a:t>
             </a:r>
             <a:r>
@@ -7925,17 +7418,12 @@
               <a:rPr lang="en-US" sz="2000" dirty="0"/>
               <a:t> do  </a:t>
             </a:r>
-            <a:endParaRPr lang="en-US" sz="2000" dirty="0" smtClean="0"/>
           </a:p>
           <a:p>
             <a:pPr marL="6350" indent="0" algn="l"/>
             <a:r>
-              <a:rPr lang="en-US" sz="2000" dirty="0" smtClean="0"/>
-              <a:t>   sample </a:t>
-            </a:r>
-            <a:r>
               <a:rPr lang="en-US" sz="2000" dirty="0"/>
-              <a:t>:</a:t>
+              <a:t>   sample :</a:t>
             </a:r>
             <a:r>
               <a:rPr lang="en-US" sz="2000" dirty="0" err="1"/>
@@ -7945,22 +7433,21 @@
               <a:rPr lang="en-US" sz="2000" dirty="0"/>
               <a:t>  </a:t>
             </a:r>
-            <a:endParaRPr lang="en-US" sz="2000" dirty="0" smtClean="0"/>
           </a:p>
           <a:p>
             <a:pPr marL="6350" indent="0" algn="l"/>
             <a:r>
-              <a:rPr lang="en-US" sz="2000" dirty="0" smtClean="0"/>
+              <a:rPr lang="en-US" sz="2000" dirty="0"/>
               <a:t>   sleep 4</a:t>
             </a:r>
           </a:p>
           <a:p>
             <a:pPr marL="6350" indent="0" algn="l"/>
             <a:r>
-              <a:rPr lang="en-US" sz="2000" dirty="0" smtClean="0"/>
+              <a:rPr lang="en-US" sz="2000" dirty="0"/>
               <a:t>end</a:t>
             </a:r>
-            <a:endParaRPr lang="de-DE" sz="2000" dirty="0" smtClean="0"/>
+            <a:endParaRPr lang="de-DE" sz="2000" dirty="0"/>
           </a:p>
         </p:txBody>
       </p:sp>
@@ -7987,23 +7474,22 @@
           <a:lstStyle/>
           <a:p>
             <a:r>
-              <a:rPr lang="de-DE" dirty="0" smtClean="0"/>
+              <a:rPr lang="de-DE" dirty="0"/>
               <a:t>Das Schlagzeug soll durchgängig spielen</a:t>
             </a:r>
             <a:br>
-              <a:rPr lang="de-DE" dirty="0" smtClean="0"/>
+              <a:rPr lang="de-DE" dirty="0"/>
             </a:br>
             <a:r>
-              <a:rPr lang="de-DE" dirty="0" smtClean="0"/>
+              <a:rPr lang="de-DE" dirty="0"/>
               <a:t>aber die Pause ist zu lang. Versuche die </a:t>
             </a:r>
           </a:p>
           <a:p>
             <a:r>
-              <a:rPr lang="de-DE" dirty="0" smtClean="0"/>
+              <a:rPr lang="de-DE" dirty="0"/>
               <a:t>richtige Länge herauszufinden.</a:t>
             </a:r>
-            <a:endParaRPr lang="de-DE" dirty="0"/>
           </a:p>
         </p:txBody>
       </p:sp>
@@ -8030,10 +7516,9 @@
           <a:lstStyle/>
           <a:p>
             <a:r>
-              <a:rPr lang="de-DE" noProof="1" smtClean="0"/>
+              <a:rPr lang="de-DE" noProof="1"/>
               <a:t>Sample-Dauer</a:t>
             </a:r>
-            <a:endParaRPr lang="de-DE" noProof="1"/>
           </a:p>
         </p:txBody>
       </p:sp>
@@ -8047,13 +7532,6 @@
   <p:clrMapOvr>
     <a:masterClrMapping/>
   </p:clrMapOvr>
-  <p:timing>
-    <p:tnLst>
-      <p:par>
-        <p:cTn id="1" dur="indefinite" restart="never" nodeType="tmRoot"/>
-      </p:par>
-    </p:tnLst>
-  </p:timing>
 </p:sld>
 </file>
 
@@ -8082,7 +7560,7 @@
         </p:nvSpPr>
         <p:spPr>
           <a:xfrm>
-            <a:off x="-16260" y="585864"/>
+            <a:off x="27384" y="585864"/>
             <a:ext cx="6858000" cy="8532440"/>
           </a:xfrm>
           <a:prstGeom prst="rect">
@@ -8117,7 +7595,7 @@
           <a:bodyPr rtlCol="0" anchor="ctr"/>
           <a:lstStyle/>
           <a:p>
-            <a:endParaRPr lang="en-US" smtClean="0">
+            <a:endParaRPr lang="en-US">
               <a:solidFill>
                 <a:schemeClr val="tx1"/>
               </a:solidFill>
@@ -8148,18 +7626,13 @@
           <a:lstStyle/>
           <a:p>
             <a:r>
-              <a:rPr lang="de-DE" sz="3200" smtClean="0">
+              <a:rPr lang="de-DE" sz="3200">
                 <a:solidFill>
                   <a:schemeClr val="accent6"/>
                 </a:solidFill>
               </a:rPr>
               <a:t>Spickzettel</a:t>
             </a:r>
-            <a:endParaRPr lang="de-DE" sz="3200">
-              <a:solidFill>
-                <a:schemeClr val="accent6"/>
-              </a:solidFill>
-            </a:endParaRPr>
           </a:p>
         </p:txBody>
       </p:sp>
@@ -8171,8 +7644,8 @@
         </p:nvSpPr>
         <p:spPr>
           <a:xfrm>
-            <a:off x="476672" y="1835696"/>
-            <a:ext cx="3933109" cy="369332"/>
+            <a:off x="322853" y="1496925"/>
+            <a:ext cx="936104" cy="369332"/>
           </a:xfrm>
           <a:prstGeom prst="rect">
             <a:avLst/>
@@ -8199,20 +7672,13 @@
           <a:lstStyle/>
           <a:p>
             <a:r>
-              <a:rPr lang="de-DE"/>
-              <a:t>play :c4  </a:t>
-            </a:r>
-            <a:r>
-              <a:rPr lang="de-DE" smtClean="0">
-                <a:sym typeface="Wingdings" pitchFamily="2" charset="2"/>
-              </a:rPr>
-              <a:t>   Tonleiter  = </a:t>
-            </a:r>
-            <a:r>
-              <a:rPr lang="de-DE" err="1" smtClean="0"/>
-              <a:t>c,d,e,f,g,a,b,c</a:t>
-            </a:r>
-            <a:endParaRPr lang="de-DE"/>
+              <a:rPr lang="de-DE" dirty="0" err="1"/>
+              <a:t>play</a:t>
+            </a:r>
+            <a:r>
+              <a:rPr lang="de-DE" dirty="0"/>
+              <a:t> :c4</a:t>
+            </a:r>
           </a:p>
         </p:txBody>
       </p:sp>
@@ -8224,7 +7690,7 @@
         </p:nvSpPr>
         <p:spPr>
           <a:xfrm>
-            <a:off x="4221088" y="1259632"/>
+            <a:off x="1753027" y="1180739"/>
             <a:ext cx="849913" cy="369332"/>
           </a:xfrm>
           <a:prstGeom prst="rect">
@@ -8252,12 +7718,20 @@
           <a:lstStyle/>
           <a:p>
             <a:r>
-              <a:rPr lang="de-DE">
+              <a:rPr lang="de-DE" dirty="0" err="1">
                 <a:solidFill>
                   <a:schemeClr val="dk1"/>
                 </a:solidFill>
               </a:rPr>
-              <a:t>sleep 1</a:t>
+              <a:t>sleep</a:t>
+            </a:r>
+            <a:r>
+              <a:rPr lang="de-DE" dirty="0">
+                <a:solidFill>
+                  <a:schemeClr val="dk1"/>
+                </a:solidFill>
+              </a:rPr>
+              <a:t> 1</a:t>
             </a:r>
           </a:p>
         </p:txBody>
@@ -8270,7 +7744,7 @@
         </p:nvSpPr>
         <p:spPr>
           <a:xfrm>
-            <a:off x="3140968" y="2555776"/>
+            <a:off x="3349355" y="1974357"/>
             <a:ext cx="2501582" cy="369332"/>
           </a:xfrm>
           <a:prstGeom prst="rect">
@@ -8298,12 +7772,20 @@
           <a:lstStyle/>
           <a:p>
             <a:r>
-              <a:rPr lang="de-DE">
+              <a:rPr lang="de-DE" dirty="0" err="1">
                 <a:solidFill>
                   <a:schemeClr val="dk1"/>
                 </a:solidFill>
               </a:rPr>
-              <a:t>play_chord [:c4, :e4, :g4]</a:t>
+              <a:t>play_chord</a:t>
+            </a:r>
+            <a:r>
+              <a:rPr lang="de-DE" dirty="0">
+                <a:solidFill>
+                  <a:schemeClr val="dk1"/>
+                </a:solidFill>
+              </a:rPr>
+              <a:t> [:c4, :e4, :g4]</a:t>
             </a:r>
           </a:p>
         </p:txBody>
@@ -8316,8 +7798,8 @@
         </p:nvSpPr>
         <p:spPr>
           <a:xfrm>
-            <a:off x="980728" y="3275856"/>
-            <a:ext cx="4942763" cy="369332"/>
+            <a:off x="736985" y="2655230"/>
+            <a:ext cx="5472608" cy="646331"/>
           </a:xfrm>
           <a:prstGeom prst="rect">
             <a:avLst/>
@@ -8344,7 +7826,7 @@
           <a:lstStyle/>
           <a:p>
             <a:r>
-              <a:rPr lang="en-US" err="1">
+              <a:rPr lang="en-US" dirty="0" err="1">
                 <a:solidFill>
                   <a:schemeClr val="dk1"/>
                 </a:solidFill>
@@ -8352,27 +7834,48 @@
               <a:t>play_chord</a:t>
             </a:r>
             <a:r>
-              <a:rPr lang="en-US">
+              <a:rPr lang="en-US" dirty="0">
                 <a:solidFill>
                   <a:schemeClr val="dk1"/>
                 </a:solidFill>
               </a:rPr>
-              <a:t> chord(:e4, :major)     </a:t>
-            </a:r>
-            <a:r>
-              <a:rPr lang="en-US">
+              <a:t> chord(:e4, :major) </a:t>
+            </a:r>
+            <a:br>
+              <a:rPr lang="en-US" dirty="0">
                 <a:solidFill>
                   <a:schemeClr val="dk1"/>
                 </a:solidFill>
-                <a:sym typeface="Wingdings" pitchFamily="2" charset="2"/>
               </a:rPr>
-              <a:t> major, minor… </a:t>
-            </a:r>
-            <a:endParaRPr lang="en-US">
-              <a:solidFill>
-                <a:schemeClr val="dk1"/>
-              </a:solidFill>
-            </a:endParaRPr>
+            </a:br>
+            <a:r>
+              <a:rPr lang="de-DE" dirty="0"/>
+              <a:t>:</a:t>
+            </a:r>
+            <a:r>
+              <a:rPr lang="de-DE" dirty="0" err="1"/>
+              <a:t>major</a:t>
+            </a:r>
+            <a:r>
+              <a:rPr lang="de-DE" dirty="0"/>
+              <a:t> 	:</a:t>
+            </a:r>
+            <a:r>
+              <a:rPr lang="de-DE" dirty="0" err="1"/>
+              <a:t>major_pentatonic</a:t>
+            </a:r>
+            <a:r>
+              <a:rPr lang="de-DE" dirty="0"/>
+              <a:t> 	:</a:t>
+            </a:r>
+            <a:r>
+              <a:rPr lang="de-DE" dirty="0" err="1"/>
+              <a:t>minor_pentatonic</a:t>
+            </a:r>
+            <a:r>
+              <a:rPr lang="de-DE" dirty="0"/>
+              <a:t> :minor</a:t>
+            </a:r>
           </a:p>
         </p:txBody>
       </p:sp>
@@ -8384,7 +7887,7 @@
         </p:nvSpPr>
         <p:spPr>
           <a:xfrm>
-            <a:off x="1628800" y="971600"/>
+            <a:off x="308566" y="890300"/>
             <a:ext cx="856838" cy="369332"/>
           </a:xfrm>
           <a:prstGeom prst="rect">
@@ -8412,12 +7915,20 @@
           <a:lstStyle/>
           <a:p>
             <a:r>
-              <a:rPr lang="de-DE">
+              <a:rPr lang="de-DE" dirty="0" err="1">
                 <a:solidFill>
                   <a:schemeClr val="dk1"/>
                 </a:solidFill>
               </a:rPr>
-              <a:t>play 60</a:t>
+              <a:t>play</a:t>
+            </a:r>
+            <a:r>
+              <a:rPr lang="de-DE" dirty="0">
+                <a:solidFill>
+                  <a:schemeClr val="dk1"/>
+                </a:solidFill>
+              </a:rPr>
+              <a:t> 60</a:t>
             </a:r>
           </a:p>
         </p:txBody>
@@ -8430,7 +7941,7 @@
         </p:nvSpPr>
         <p:spPr>
           <a:xfrm>
-            <a:off x="548680" y="5652120"/>
+            <a:off x="3125564" y="1150621"/>
             <a:ext cx="1459054" cy="369332"/>
           </a:xfrm>
           <a:prstGeom prst="rect">
@@ -8476,8 +7987,8 @@
         </p:nvSpPr>
         <p:spPr>
           <a:xfrm>
-            <a:off x="260648" y="4139952"/>
-            <a:ext cx="4764125" cy="369332"/>
+            <a:off x="332656" y="3811877"/>
+            <a:ext cx="4764125" cy="646331"/>
           </a:xfrm>
           <a:prstGeom prst="rect">
             <a:avLst/>
@@ -8504,7 +8015,7 @@
           <a:lstStyle/>
           <a:p>
             <a:r>
-              <a:rPr lang="de-DE" err="1">
+              <a:rPr lang="de-DE" dirty="0" err="1">
                 <a:solidFill>
                   <a:schemeClr val="dk1"/>
                 </a:solidFill>
@@ -8512,23 +8023,15 @@
               <a:t>play_pattern</a:t>
             </a:r>
             <a:r>
-              <a:rPr lang="de-DE">
+              <a:rPr lang="de-DE" dirty="0">
                 <a:solidFill>
                   <a:schemeClr val="dk1"/>
                 </a:solidFill>
               </a:rPr>
-              <a:t> </a:t>
-            </a:r>
-            <a:r>
-              <a:rPr lang="de-DE" smtClean="0">
-                <a:solidFill>
-                  <a:schemeClr val="dk1"/>
-                </a:solidFill>
-              </a:rPr>
-              <a:t>(</a:t>
-            </a:r>
-            <a:r>
-              <a:rPr lang="de-DE" err="1" smtClean="0">
+              <a:t> (</a:t>
+            </a:r>
+            <a:r>
+              <a:rPr lang="de-DE" dirty="0" err="1">
                 <a:solidFill>
                   <a:schemeClr val="dk1"/>
                 </a:solidFill>
@@ -8536,32 +8039,33 @@
               <a:t>scale</a:t>
             </a:r>
             <a:r>
-              <a:rPr lang="de-DE" smtClean="0">
+              <a:rPr lang="de-DE" dirty="0">
                 <a:solidFill>
                   <a:schemeClr val="dk1"/>
                 </a:solidFill>
               </a:rPr>
-              <a:t> :e4</a:t>
-            </a:r>
-            <a:r>
-              <a:rPr lang="de-DE">
-                <a:solidFill>
-                  <a:schemeClr val="dk1"/>
-                </a:solidFill>
-              </a:rPr>
-              <a:t>, :minor) </a:t>
-            </a:r>
-            <a:r>
-              <a:rPr lang="de-DE">
-                <a:solidFill>
-                  <a:schemeClr val="dk1"/>
-                </a:solidFill>
-                <a:sym typeface="Wingdings" pitchFamily="2" charset="2"/>
-              </a:rPr>
-              <a:t> </a:t>
-            </a:r>
-            <a:r>
-              <a:rPr lang="de-DE" smtClean="0">
+              <a:t> :e4, :minor)</a:t>
+            </a:r>
+          </a:p>
+          <a:p>
+            <a:r>
+              <a:rPr lang="de-DE" dirty="0" err="1"/>
+              <a:t>play_pattern</a:t>
+            </a:r>
+            <a:r>
+              <a:rPr lang="de-DE" dirty="0"/>
+              <a:t> (</a:t>
+            </a:r>
+            <a:r>
+              <a:rPr lang="de-DE" dirty="0" err="1"/>
+              <a:t>scale</a:t>
+            </a:r>
+            <a:r>
+              <a:rPr lang="de-DE" dirty="0"/>
+              <a:t> :e4, :minor)</a:t>
+            </a:r>
+            <a:r>
+              <a:rPr lang="de-DE" dirty="0">
                 <a:solidFill>
                   <a:schemeClr val="dk1"/>
                 </a:solidFill>
@@ -8570,14 +8074,14 @@
               <a:t>.</a:t>
             </a:r>
             <a:r>
-              <a:rPr lang="de-DE" err="1" smtClean="0">
+              <a:rPr lang="de-DE" dirty="0" err="1">
                 <a:solidFill>
                   <a:schemeClr val="dk1"/>
                 </a:solidFill>
               </a:rPr>
               <a:t>reverse</a:t>
             </a:r>
-            <a:endParaRPr lang="de-DE">
+            <a:endParaRPr lang="de-DE" dirty="0">
               <a:solidFill>
                 <a:schemeClr val="dk1"/>
               </a:solidFill>
@@ -8818,8 +8322,8 @@
         </p:nvSpPr>
         <p:spPr>
           <a:xfrm>
-            <a:off x="2602940" y="5546485"/>
-            <a:ext cx="3994412" cy="369332"/>
+            <a:off x="1753027" y="5546485"/>
+            <a:ext cx="4333177" cy="369332"/>
           </a:xfrm>
           <a:prstGeom prst="rect">
             <a:avLst/>
@@ -8846,24 +8350,66 @@
           <a:lstStyle/>
           <a:p>
             <a:r>
-              <a:rPr lang="de-DE">
+              <a:rPr lang="de-DE" dirty="0" err="1">
                 <a:solidFill>
                   <a:schemeClr val="dk1"/>
                 </a:solidFill>
               </a:rPr>
-              <a:t>use_synth :hollow </a:t>
-            </a:r>
-            <a:r>
-              <a:rPr lang="de-DE">
+              <a:t>use_synth</a:t>
+            </a:r>
+            <a:r>
+              <a:rPr lang="de-DE" dirty="0">
+                <a:solidFill>
+                  <a:schemeClr val="dk1"/>
+                </a:solidFill>
+              </a:rPr>
+              <a:t> :</a:t>
+            </a:r>
+            <a:r>
+              <a:rPr lang="de-DE" dirty="0" err="1">
+                <a:solidFill>
+                  <a:schemeClr val="dk1"/>
+                </a:solidFill>
+              </a:rPr>
+              <a:t>hollow</a:t>
+            </a:r>
+            <a:r>
+              <a:rPr lang="de-DE" dirty="0">
+                <a:solidFill>
+                  <a:schemeClr val="dk1"/>
+                </a:solidFill>
+              </a:rPr>
+              <a:t> </a:t>
+            </a:r>
+            <a:r>
+              <a:rPr lang="de-DE" dirty="0">
                 <a:solidFill>
                   <a:schemeClr val="dk1"/>
                 </a:solidFill>
                 <a:sym typeface="Wingdings" pitchFamily="2" charset="2"/>
               </a:rPr>
-              <a:t> saw, </a:t>
-            </a:r>
-            <a:r>
-              <a:rPr lang="de-DE" err="1" smtClean="0">
+              <a:t> :</a:t>
+            </a:r>
+            <a:r>
+              <a:rPr lang="de-DE" dirty="0" err="1">
+                <a:solidFill>
+                  <a:schemeClr val="dk1"/>
+                </a:solidFill>
+                <a:sym typeface="Wingdings" pitchFamily="2" charset="2"/>
+              </a:rPr>
+              <a:t>saw</a:t>
+            </a:r>
+            <a:r>
+              <a:rPr lang="de-DE" dirty="0">
+                <a:solidFill>
+                  <a:schemeClr val="dk1"/>
+                </a:solidFill>
+                <a:sym typeface="Wingdings" pitchFamily="2" charset="2"/>
+              </a:rPr>
+              <a:t>, :</a:t>
+            </a:r>
+            <a:r>
+              <a:rPr lang="de-DE" dirty="0" err="1">
                 <a:solidFill>
                   <a:schemeClr val="dk1"/>
                 </a:solidFill>
@@ -8872,13 +8418,13 @@
               <a:t>hoover</a:t>
             </a:r>
             <a:r>
-              <a:rPr lang="de-DE" smtClean="0">
+              <a:rPr lang="de-DE" dirty="0">
                 <a:sym typeface="Wingdings" pitchFamily="2" charset="2"/>
               </a:rPr>
-              <a:t>, piano</a:t>
-            </a:r>
-            <a:r>
-              <a:rPr lang="de-DE" smtClean="0">
+              <a:t>, :piano …</a:t>
+            </a:r>
+            <a:r>
+              <a:rPr lang="de-DE" dirty="0">
                 <a:solidFill>
                   <a:schemeClr val="dk1"/>
                 </a:solidFill>
@@ -8886,7 +8432,7 @@
               </a:rPr>
               <a:t> </a:t>
             </a:r>
-            <a:endParaRPr lang="de-DE">
+            <a:endParaRPr lang="de-DE" dirty="0">
               <a:solidFill>
                 <a:schemeClr val="dk1"/>
               </a:solidFill>
@@ -8934,7 +8480,7 @@
               <a:t>p</a:t>
             </a:r>
             <a:r>
-              <a:rPr lang="de-DE" err="1" smtClean="0">
+              <a:rPr lang="de-DE" err="1">
                 <a:solidFill>
                   <a:schemeClr val="dk1"/>
                 </a:solidFill>
@@ -8942,7 +8488,7 @@
               <a:t>lay</a:t>
             </a:r>
             <a:r>
-              <a:rPr lang="de-DE" smtClean="0">
+              <a:rPr lang="de-DE">
                 <a:solidFill>
                   <a:schemeClr val="dk1"/>
                 </a:solidFill>
@@ -8950,7 +8496,7 @@
               <a:t>                (</a:t>
             </a:r>
             <a:r>
-              <a:rPr lang="de-DE" err="1" smtClean="0">
+              <a:rPr lang="de-DE" err="1">
                 <a:solidFill>
                   <a:schemeClr val="dk1"/>
                 </a:solidFill>
@@ -8958,31 +8504,15 @@
               <a:t>scale</a:t>
             </a:r>
             <a:r>
-              <a:rPr lang="de-DE" smtClean="0">
+              <a:rPr lang="de-DE">
                 <a:solidFill>
                   <a:schemeClr val="dk1"/>
                 </a:solidFill>
               </a:rPr>
-              <a:t> :e4</a:t>
-            </a:r>
-            <a:r>
-              <a:rPr lang="de-DE">
-                <a:solidFill>
-                  <a:schemeClr val="dk1"/>
-                </a:solidFill>
-              </a:rPr>
-              <a:t>, :minor</a:t>
-            </a:r>
-            <a:r>
-              <a:rPr lang="de-DE" smtClean="0">
-                <a:solidFill>
-                  <a:schemeClr val="dk1"/>
-                </a:solidFill>
-              </a:rPr>
-              <a:t>).</a:t>
-            </a:r>
-            <a:r>
-              <a:rPr lang="de-DE" err="1" smtClean="0">
+              <a:t> :e4, :minor).</a:t>
+            </a:r>
+            <a:r>
+              <a:rPr lang="de-DE" err="1">
                 <a:solidFill>
                   <a:schemeClr val="dk1"/>
                 </a:solidFill>
@@ -9007,13 +8537,6 @@
   <p:clrMapOvr>
     <a:masterClrMapping/>
   </p:clrMapOvr>
-  <p:timing>
-    <p:tnLst>
-      <p:par>
-        <p:cTn id="1" dur="indefinite" restart="never" nodeType="tmRoot"/>
-      </p:par>
-    </p:tnLst>
-  </p:timing>
 </p:sld>
 </file>
 
@@ -9077,7 +8600,7 @@
           <a:bodyPr rtlCol="0" anchor="ctr"/>
           <a:lstStyle/>
           <a:p>
-            <a:endParaRPr lang="en-US" smtClean="0">
+            <a:endParaRPr lang="en-US">
               <a:solidFill>
                 <a:schemeClr val="tx1"/>
               </a:solidFill>
@@ -9108,18 +8631,13 @@
           <a:lstStyle/>
           <a:p>
             <a:r>
-              <a:rPr lang="de-DE" sz="3200" smtClean="0">
+              <a:rPr lang="de-DE" sz="3200">
                 <a:solidFill>
                   <a:schemeClr val="accent6"/>
                 </a:solidFill>
               </a:rPr>
               <a:t>Spickzettel</a:t>
             </a:r>
-            <a:endParaRPr lang="de-DE" sz="3200">
-              <a:solidFill>
-                <a:schemeClr val="accent6"/>
-              </a:solidFill>
-            </a:endParaRPr>
           </a:p>
         </p:txBody>
       </p:sp>
@@ -9146,7 +8664,7 @@
           <a:lstStyle/>
           <a:p>
             <a:r>
-              <a:rPr lang="de-DE" b="1" smtClean="0"/>
+              <a:rPr lang="de-DE" b="1"/>
               <a:t>Befehle</a:t>
             </a:r>
           </a:p>
@@ -9255,62 +8773,30 @@
           </a:lstStyle>
           <a:p>
             <a:r>
-              <a:rPr lang="de-DE" sz="1200" smtClean="0"/>
-              <a:t>ALT-R	Run (=Starten)		</a:t>
-            </a:r>
-            <a:r>
-              <a:rPr lang="de-DE" sz="1200"/>
-              <a:t>ALT-A	Alles </a:t>
-            </a:r>
-            <a:r>
-              <a:rPr lang="de-DE" sz="1200" smtClean="0"/>
-              <a:t>markieren</a:t>
-            </a:r>
-          </a:p>
-          <a:p>
-            <a:r>
-              <a:rPr lang="de-DE" sz="1200" smtClean="0"/>
-              <a:t>ALT-S	</a:t>
-            </a:r>
-            <a:r>
-              <a:rPr lang="de-DE" sz="1200" err="1" smtClean="0"/>
-              <a:t>Stop</a:t>
-            </a:r>
-            <a:r>
-              <a:rPr lang="de-DE" sz="1200"/>
-              <a:t>		</a:t>
-            </a:r>
-            <a:r>
-              <a:rPr lang="de-DE" sz="1200" smtClean="0"/>
-              <a:t>ALT-C	</a:t>
-            </a:r>
-            <a:r>
-              <a:rPr lang="de-DE" sz="1200" err="1" smtClean="0"/>
-              <a:t>Copy</a:t>
-            </a:r>
-            <a:r>
-              <a:rPr lang="de-DE" sz="1200" smtClean="0"/>
-              <a:t> (Kopieren)</a:t>
-            </a:r>
-          </a:p>
-          <a:p>
-            <a:r>
-              <a:rPr lang="de-DE" sz="1200"/>
-              <a:t>	</a:t>
-            </a:r>
-            <a:r>
-              <a:rPr lang="de-DE" sz="1200" smtClean="0"/>
-              <a:t>		ALT-V	Einfügen</a:t>
-            </a:r>
-          </a:p>
-          <a:p>
-            <a:r>
-              <a:rPr lang="de-DE" sz="1200" smtClean="0"/>
+              <a:rPr lang="de-DE" sz="1200" dirty="0"/>
+              <a:t>ALT-R	Starten		ALT-A	Alles markieren</a:t>
+            </a:r>
+          </a:p>
+          <a:p>
+            <a:r>
+              <a:rPr lang="de-DE" sz="1200" dirty="0"/>
+              <a:t>ALT-S	Stoppen		ALT-C	Kopieren</a:t>
+            </a:r>
+          </a:p>
+          <a:p>
+            <a:r>
+              <a:rPr lang="de-DE" sz="1200" dirty="0"/>
+              <a:t>			ALT-V	Einfügen</a:t>
+            </a:r>
+          </a:p>
+          <a:p>
+            <a:r>
+              <a:rPr lang="de-DE" sz="1200" dirty="0"/>
               <a:t>STRG-I	Hilfe für Befehl</a:t>
             </a:r>
           </a:p>
           <a:p>
-            <a:endParaRPr lang="de-DE" sz="1200"/>
+            <a:endParaRPr lang="de-DE" sz="1200" dirty="0"/>
           </a:p>
         </p:txBody>
       </p:sp>
@@ -9337,7 +8823,7 @@
           <a:lstStyle/>
           <a:p>
             <a:r>
-              <a:rPr lang="de-DE" b="1" smtClean="0"/>
+              <a:rPr lang="de-DE" b="1"/>
               <a:t>Knöpfe</a:t>
             </a:r>
           </a:p>
@@ -9446,10 +8932,9 @@
           </a:lstStyle>
           <a:p>
             <a:r>
-              <a:rPr lang="de-DE" sz="1200" smtClean="0"/>
+              <a:rPr lang="de-DE" sz="1200"/>
               <a:t>Starten	Stoppen	  Aufnehmen</a:t>
             </a:r>
-            <a:endParaRPr lang="de-DE" sz="1200"/>
           </a:p>
         </p:txBody>
       </p:sp>
@@ -9580,18 +9065,9 @@
           </a:lstStyle>
           <a:p>
             <a:r>
-              <a:rPr lang="de-DE" sz="1200" smtClean="0"/>
-              <a:t>Text kleiner 	  Text größer</a:t>
-            </a:r>
-            <a:r>
               <a:rPr lang="de-DE" sz="1200"/>
-              <a:t>	</a:t>
-            </a:r>
-            <a:r>
-              <a:rPr lang="de-DE" sz="1200" smtClean="0"/>
-              <a:t>   Text schön machen („ausrichten“)</a:t>
-            </a:r>
-            <a:endParaRPr lang="de-DE" sz="1200"/>
+              <a:t>Text kleiner 	  Text größer	   Text schön machen („ausrichten“)</a:t>
+            </a:r>
           </a:p>
         </p:txBody>
       </p:sp>
@@ -9642,10 +9118,9 @@
           <a:lstStyle/>
           <a:p>
             <a:r>
-              <a:rPr lang="de-DE" smtClean="0"/>
+              <a:rPr lang="de-DE"/>
               <a:t>Anleitung für zuhause</a:t>
             </a:r>
-            <a:endParaRPr lang="de-DE"/>
           </a:p>
         </p:txBody>
       </p:sp>
@@ -9705,10 +9180,9 @@
           <a:lstStyle/>
           <a:p>
             <a:r>
-              <a:rPr lang="de-DE" smtClean="0"/>
+              <a:rPr lang="de-DE"/>
               <a:t>Coole Beispiele</a:t>
             </a:r>
-            <a:endParaRPr lang="de-DE"/>
           </a:p>
         </p:txBody>
       </p:sp>
@@ -9768,10 +9242,9 @@
           <a:lstStyle/>
           <a:p>
             <a:r>
-              <a:rPr lang="de-DE" smtClean="0"/>
+              <a:rPr lang="de-DE"/>
               <a:t>Alle Befehle</a:t>
             </a:r>
-            <a:endParaRPr lang="de-DE"/>
           </a:p>
         </p:txBody>
       </p:sp>
@@ -9833,10 +9306,9 @@
           <a:lstStyle/>
           <a:p>
             <a:r>
-              <a:rPr lang="de-DE" smtClean="0"/>
+              <a:rPr lang="de-DE"/>
               <a:t>Effekte</a:t>
             </a:r>
-            <a:endParaRPr lang="de-DE"/>
           </a:p>
         </p:txBody>
       </p:sp>
@@ -10026,10 +9498,9 @@
           </a:lstStyle>
           <a:p>
             <a:r>
-              <a:rPr lang="de-DE" sz="1200" smtClean="0"/>
+              <a:rPr lang="de-DE" sz="1200"/>
               <a:t>  Speichern	Laden</a:t>
             </a:r>
-            <a:endParaRPr lang="de-DE" sz="1200"/>
           </a:p>
         </p:txBody>
       </p:sp>
@@ -10043,13 +9514,6 @@
   <p:clrMapOvr>
     <a:masterClrMapping/>
   </p:clrMapOvr>
-  <p:timing>
-    <p:tnLst>
-      <p:par>
-        <p:cTn id="1" dur="indefinite" restart="never" nodeType="tmRoot"/>
-      </p:par>
-    </p:tnLst>
-  </p:timing>
 </p:sld>
 </file>
 
@@ -10078,7 +9542,7 @@
         </p:nvSpPr>
         <p:spPr>
           <a:xfrm>
-            <a:off x="36005" y="1003501"/>
+            <a:off x="44624" y="1003501"/>
             <a:ext cx="6858000" cy="8532440"/>
           </a:xfrm>
           <a:prstGeom prst="rect">
@@ -10113,7 +9577,7 @@
           <a:bodyPr rtlCol="0" anchor="ctr"/>
           <a:lstStyle/>
           <a:p>
-            <a:endParaRPr lang="en-US" smtClean="0">
+            <a:endParaRPr lang="en-US">
               <a:solidFill>
                 <a:schemeClr val="tx1"/>
               </a:solidFill>
@@ -10144,18 +9608,13 @@
           <a:lstStyle/>
           <a:p>
             <a:r>
-              <a:rPr lang="de-DE" sz="3200" smtClean="0">
+              <a:rPr lang="de-DE" sz="3200">
                 <a:solidFill>
                   <a:schemeClr val="accent6"/>
                 </a:solidFill>
               </a:rPr>
               <a:t>Spickzettel</a:t>
             </a:r>
-            <a:endParaRPr lang="de-DE" sz="3200">
-              <a:solidFill>
-                <a:schemeClr val="accent6"/>
-              </a:solidFill>
-            </a:endParaRPr>
           </a:p>
         </p:txBody>
       </p:sp>
@@ -10182,14 +9641,13 @@
           <a:lstStyle/>
           <a:p>
             <a:r>
-              <a:rPr lang="de-DE" b="1" err="1" smtClean="0"/>
+              <a:rPr lang="de-DE" b="1" err="1"/>
               <a:t>use_synth</a:t>
             </a:r>
             <a:r>
               <a:rPr lang="de-DE" b="1"/>
               <a:t> </a:t>
             </a:r>
-            <a:endParaRPr lang="de-DE" b="1" smtClean="0"/>
           </a:p>
         </p:txBody>
       </p:sp>
@@ -10296,270 +9754,297 @@
           </a:lstStyle>
           <a:p>
             <a:r>
-              <a:rPr lang="de-DE" sz="1200" err="1"/>
+              <a:rPr lang="de-DE" sz="1200" dirty="0"/>
+              <a:t>:</a:t>
+            </a:r>
+            <a:r>
+              <a:rPr lang="de-DE" sz="1200" dirty="0" err="1"/>
               <a:t>beep</a:t>
             </a:r>
             <a:r>
-              <a:rPr lang="de-DE" sz="1200"/>
-              <a:t>	blade	</a:t>
-            </a:r>
-            <a:r>
-              <a:rPr lang="de-DE" sz="1200" err="1"/>
+              <a:rPr lang="de-DE" sz="1200" dirty="0"/>
+              <a:t>	:blade	:</a:t>
+            </a:r>
+            <a:r>
+              <a:rPr lang="de-DE" sz="1200" dirty="0" err="1"/>
               <a:t>bnoise</a:t>
             </a:r>
             <a:r>
-              <a:rPr lang="de-DE" sz="1200"/>
+              <a:rPr lang="de-DE" sz="1200" dirty="0"/>
+              <a:t>	:</a:t>
+            </a:r>
+            <a:r>
+              <a:rPr lang="de-DE" sz="1200" dirty="0" err="1"/>
+              <a:t>cnoise</a:t>
+            </a:r>
+            <a:r>
+              <a:rPr lang="de-DE" sz="1200" dirty="0"/>
+              <a:t>	:</a:t>
+            </a:r>
+            <a:r>
+              <a:rPr lang="de-DE" sz="1200" dirty="0" err="1"/>
+              <a:t>dark_ambience</a:t>
+            </a:r>
+            <a:r>
+              <a:rPr lang="de-DE" sz="1200" dirty="0"/>
+              <a:t> </a:t>
+            </a:r>
+          </a:p>
+          <a:p>
+            <a:r>
+              <a:rPr lang="de-DE" sz="1200" dirty="0"/>
+              <a:t>:</a:t>
+            </a:r>
+            <a:r>
+              <a:rPr lang="de-DE" sz="1200" dirty="0" err="1"/>
+              <a:t>dpulse</a:t>
+            </a:r>
+            <a:r>
+              <a:rPr lang="de-DE" sz="1200" dirty="0"/>
+              <a:t>	:</a:t>
+            </a:r>
+            <a:r>
+              <a:rPr lang="de-DE" sz="1200" dirty="0" err="1"/>
+              <a:t>dsaw</a:t>
+            </a:r>
+            <a:r>
+              <a:rPr lang="de-DE" sz="1200" dirty="0"/>
+              <a:t>	:</a:t>
+            </a:r>
+            <a:r>
+              <a:rPr lang="de-DE" sz="1200" dirty="0" err="1"/>
+              <a:t>dull_bell</a:t>
+            </a:r>
+            <a:r>
+              <a:rPr lang="de-DE" sz="1200" dirty="0"/>
+              <a:t>	:</a:t>
+            </a:r>
+            <a:r>
+              <a:rPr lang="de-DE" sz="1200" dirty="0" err="1"/>
+              <a:t>fm</a:t>
+            </a:r>
+            <a:r>
+              <a:rPr lang="de-DE" sz="1200" dirty="0"/>
+              <a:t>	:</a:t>
+            </a:r>
+            <a:r>
+              <a:rPr lang="de-DE" sz="1200" dirty="0" err="1"/>
+              <a:t>gnoise</a:t>
+            </a:r>
+            <a:r>
+              <a:rPr lang="de-DE" sz="1200" dirty="0"/>
+              <a:t>	:</a:t>
+            </a:r>
+            <a:r>
+              <a:rPr lang="de-DE" sz="1200" dirty="0" err="1"/>
+              <a:t>growl</a:t>
+            </a:r>
+            <a:endParaRPr lang="de-DE" sz="1200" dirty="0"/>
+          </a:p>
+          <a:p>
+            <a:r>
+              <a:rPr lang="de-DE" sz="1200" dirty="0"/>
+              <a:t>:</a:t>
+            </a:r>
+            <a:r>
+              <a:rPr lang="de-DE" sz="1200" dirty="0" err="1"/>
+              <a:t>hollow</a:t>
+            </a:r>
+            <a:r>
+              <a:rPr lang="de-DE" sz="1200" dirty="0"/>
+              <a:t>	:</a:t>
+            </a:r>
+            <a:r>
+              <a:rPr lang="de-DE" sz="1200" dirty="0" err="1"/>
+              <a:t>hoover</a:t>
+            </a:r>
+            <a:r>
+              <a:rPr lang="de-DE" sz="1200" dirty="0"/>
               <a:t>	</a:t>
             </a:r>
-            <a:r>
-              <a:rPr lang="de-DE" sz="1200" err="1"/>
-              <a:t>cnoise</a:t>
-            </a:r>
-            <a:r>
-              <a:rPr lang="de-DE" sz="1200"/>
-              <a:t>	</a:t>
-            </a:r>
-            <a:r>
-              <a:rPr lang="de-DE" sz="1200" err="1"/>
-              <a:t>dark_ambience</a:t>
-            </a:r>
-            <a:r>
-              <a:rPr lang="de-DE" sz="1200"/>
-              <a:t> </a:t>
-            </a:r>
-          </a:p>
-          <a:p>
-            <a:r>
-              <a:rPr lang="de-DE" sz="1200" err="1"/>
-              <a:t>dpulse</a:t>
-            </a:r>
-            <a:r>
-              <a:rPr lang="de-DE" sz="1200"/>
-              <a:t>	</a:t>
-            </a:r>
-            <a:r>
-              <a:rPr lang="de-DE" sz="1200" err="1"/>
-              <a:t>dsaw</a:t>
-            </a:r>
-            <a:r>
-              <a:rPr lang="de-DE" sz="1200"/>
-              <a:t>	</a:t>
-            </a:r>
-            <a:r>
-              <a:rPr lang="de-DE" sz="1200" err="1"/>
-              <a:t>dull_bell</a:t>
-            </a:r>
-            <a:r>
-              <a:rPr lang="de-DE" sz="1200"/>
-              <a:t>	</a:t>
-            </a:r>
-            <a:r>
-              <a:rPr lang="de-DE" sz="1200" err="1"/>
-              <a:t>fm</a:t>
-            </a:r>
-            <a:r>
-              <a:rPr lang="de-DE" sz="1200"/>
-              <a:t>	</a:t>
-            </a:r>
-            <a:r>
-              <a:rPr lang="de-DE" sz="1200" err="1"/>
-              <a:t>gnoise</a:t>
-            </a:r>
-            <a:r>
-              <a:rPr lang="de-DE" sz="1200"/>
-              <a:t>	</a:t>
-            </a:r>
-            <a:r>
-              <a:rPr lang="de-DE" sz="1200" err="1"/>
-              <a:t>growl</a:t>
-            </a:r>
-            <a:endParaRPr lang="de-DE" sz="1200"/>
-          </a:p>
-          <a:p>
-            <a:r>
-              <a:rPr lang="de-DE" sz="1200" err="1"/>
-              <a:t>hollow</a:t>
-            </a:r>
-            <a:r>
-              <a:rPr lang="de-DE" sz="1200"/>
-              <a:t>	</a:t>
-            </a:r>
-            <a:r>
-              <a:rPr lang="de-DE" sz="1200" err="1"/>
-              <a:t>hoover</a:t>
-            </a:r>
-            <a:r>
-              <a:rPr lang="de-DE" sz="1200"/>
-              <a:t>	</a:t>
-            </a:r>
-          </a:p>
-          <a:p>
-            <a:r>
-              <a:rPr lang="de-DE" sz="1200" err="1"/>
+          </a:p>
+          <a:p>
+            <a:r>
+              <a:rPr lang="de-DE" sz="1200" dirty="0"/>
+              <a:t>:</a:t>
+            </a:r>
+            <a:r>
+              <a:rPr lang="de-DE" sz="1200" dirty="0" err="1"/>
               <a:t>mod_beep</a:t>
             </a:r>
             <a:r>
-              <a:rPr lang="de-DE" sz="1200"/>
-              <a:t>	</a:t>
-            </a:r>
-            <a:r>
-              <a:rPr lang="de-DE" sz="1200" err="1"/>
+              <a:rPr lang="de-DE" sz="1200" dirty="0"/>
+              <a:t>	:</a:t>
+            </a:r>
+            <a:r>
+              <a:rPr lang="de-DE" sz="1200" dirty="0" err="1"/>
               <a:t>mod_dsaw</a:t>
             </a:r>
             <a:r>
-              <a:rPr lang="de-DE" sz="1200"/>
-              <a:t>	</a:t>
-            </a:r>
-            <a:r>
-              <a:rPr lang="de-DE" sz="1200" err="1"/>
+              <a:rPr lang="de-DE" sz="1200" dirty="0"/>
+              <a:t>	:</a:t>
+            </a:r>
+            <a:r>
+              <a:rPr lang="de-DE" sz="1200" dirty="0" err="1"/>
               <a:t>mod_fm</a:t>
             </a:r>
             <a:r>
-              <a:rPr lang="de-DE" sz="1200"/>
-              <a:t>	</a:t>
-            </a:r>
-            <a:r>
-              <a:rPr lang="de-DE" sz="1200" err="1" smtClean="0"/>
+              <a:rPr lang="de-DE" sz="1200" dirty="0"/>
+              <a:t>	:</a:t>
+            </a:r>
+            <a:r>
+              <a:rPr lang="de-DE" sz="1200" dirty="0" err="1"/>
               <a:t>chiplead</a:t>
             </a:r>
             <a:r>
-              <a:rPr lang="de-DE" sz="1200" smtClean="0"/>
-              <a:t>	</a:t>
-            </a:r>
-            <a:r>
-              <a:rPr lang="de-DE" sz="1200" err="1" smtClean="0"/>
+              <a:rPr lang="de-DE" sz="1200" dirty="0"/>
+              <a:t>	:</a:t>
+            </a:r>
+            <a:r>
+              <a:rPr lang="de-DE" sz="1200" dirty="0" err="1"/>
               <a:t>chipbass</a:t>
             </a:r>
             <a:r>
-              <a:rPr lang="de-DE" sz="1200" smtClean="0"/>
-              <a:t>	</a:t>
-            </a:r>
-            <a:r>
-              <a:rPr lang="de-DE" sz="1200" err="1" smtClean="0"/>
+              <a:rPr lang="de-DE" sz="1200" dirty="0"/>
+              <a:t>	:</a:t>
+            </a:r>
+            <a:r>
+              <a:rPr lang="de-DE" sz="1200" dirty="0" err="1"/>
               <a:t>chipnoise</a:t>
             </a:r>
-            <a:endParaRPr lang="de-DE" sz="1200"/>
-          </a:p>
-          <a:p>
-            <a:r>
-              <a:rPr lang="de-DE" sz="1200" err="1"/>
+            <a:endParaRPr lang="de-DE" sz="1200" dirty="0"/>
+          </a:p>
+          <a:p>
+            <a:r>
+              <a:rPr lang="de-DE" sz="1200" dirty="0"/>
+              <a:t>:</a:t>
+            </a:r>
+            <a:r>
+              <a:rPr lang="de-DE" sz="1200" dirty="0" err="1"/>
               <a:t>mod_pulse</a:t>
             </a:r>
             <a:r>
-              <a:rPr lang="de-DE" sz="1200"/>
-              <a:t>	</a:t>
-            </a:r>
-            <a:r>
-              <a:rPr lang="de-DE" sz="1200" err="1"/>
+              <a:rPr lang="de-DE" sz="1200" dirty="0"/>
+              <a:t>	:</a:t>
+            </a:r>
+            <a:r>
+              <a:rPr lang="de-DE" sz="1200" dirty="0" err="1"/>
               <a:t>mod_saw</a:t>
             </a:r>
             <a:r>
-              <a:rPr lang="de-DE" sz="1200"/>
-              <a:t>		</a:t>
-            </a:r>
-            <a:r>
-              <a:rPr lang="de-DE" sz="1200" err="1"/>
+              <a:rPr lang="de-DE" sz="1200" dirty="0"/>
+              <a:t>		:</a:t>
+            </a:r>
+            <a:r>
+              <a:rPr lang="de-DE" sz="1200" dirty="0" err="1"/>
               <a:t>mod_sine</a:t>
             </a:r>
             <a:r>
-              <a:rPr lang="de-DE" sz="1200"/>
-              <a:t>	</a:t>
-            </a:r>
-            <a:r>
-              <a:rPr lang="de-DE" sz="1200" err="1" smtClean="0"/>
+              <a:rPr lang="de-DE" sz="1200" dirty="0"/>
+              <a:t>	:</a:t>
+            </a:r>
+            <a:r>
+              <a:rPr lang="de-DE" sz="1200" dirty="0" err="1"/>
               <a:t>mod_tri</a:t>
             </a:r>
             <a:r>
-              <a:rPr lang="de-DE" sz="1200" smtClean="0"/>
-              <a:t>	pule</a:t>
-            </a:r>
-            <a:endParaRPr lang="de-DE" sz="1200"/>
-          </a:p>
-          <a:p>
-            <a:r>
-              <a:rPr lang="de-DE" sz="1200" err="1"/>
+              <a:rPr lang="de-DE" sz="1200" dirty="0"/>
+              <a:t>	:pule</a:t>
+            </a:r>
+          </a:p>
+          <a:p>
+            <a:r>
+              <a:rPr lang="de-DE" sz="1200" dirty="0"/>
+              <a:t>:</a:t>
+            </a:r>
+            <a:r>
+              <a:rPr lang="de-DE" sz="1200" dirty="0" err="1"/>
               <a:t>noise</a:t>
             </a:r>
             <a:r>
-              <a:rPr lang="de-DE" sz="1200"/>
-              <a:t>	piano	</a:t>
-            </a:r>
-            <a:r>
-              <a:rPr lang="de-DE" sz="1200" err="1"/>
+              <a:rPr lang="de-DE" sz="1200" dirty="0"/>
+              <a:t>	:piano	:</a:t>
+            </a:r>
+            <a:r>
+              <a:rPr lang="de-DE" sz="1200" dirty="0" err="1"/>
               <a:t>pnoise</a:t>
             </a:r>
             <a:r>
-              <a:rPr lang="de-DE" sz="1200"/>
-              <a:t>	</a:t>
-            </a:r>
-            <a:r>
-              <a:rPr lang="de-DE" sz="1200" err="1"/>
+              <a:rPr lang="de-DE" sz="1200" dirty="0"/>
+              <a:t>	:</a:t>
+            </a:r>
+            <a:r>
+              <a:rPr lang="de-DE" sz="1200" dirty="0" err="1"/>
               <a:t>pretty_bell</a:t>
             </a:r>
             <a:r>
-              <a:rPr lang="de-DE" sz="1200"/>
-              <a:t>	</a:t>
-            </a:r>
-            <a:r>
-              <a:rPr lang="de-DE" sz="1200" err="1"/>
+              <a:rPr lang="de-DE" sz="1200" dirty="0"/>
+              <a:t>	:</a:t>
+            </a:r>
+            <a:r>
+              <a:rPr lang="de-DE" sz="1200" dirty="0" err="1"/>
               <a:t>prophet</a:t>
             </a:r>
             <a:r>
-              <a:rPr lang="de-DE" sz="1200"/>
-              <a:t>	</a:t>
-            </a:r>
-            <a:r>
-              <a:rPr lang="de-DE" sz="1200" err="1" smtClean="0"/>
+              <a:rPr lang="de-DE" sz="1200" dirty="0"/>
+              <a:t>	:</a:t>
+            </a:r>
+            <a:r>
+              <a:rPr lang="de-DE" sz="1200" dirty="0" err="1"/>
               <a:t>dtri</a:t>
             </a:r>
             <a:r>
-              <a:rPr lang="de-DE" sz="1200" smtClean="0"/>
-              <a:t>	</a:t>
-            </a:r>
-            <a:r>
-              <a:rPr lang="de-DE" sz="1200" err="1" smtClean="0"/>
+              <a:rPr lang="de-DE" sz="1200" dirty="0"/>
+              <a:t>	:</a:t>
+            </a:r>
+            <a:r>
+              <a:rPr lang="de-DE" sz="1200" dirty="0" err="1"/>
               <a:t>pluck</a:t>
             </a:r>
-            <a:endParaRPr lang="de-DE" sz="1200"/>
-          </a:p>
-          <a:p>
-            <a:r>
-              <a:rPr lang="de-DE" sz="1200" err="1"/>
+            <a:endParaRPr lang="de-DE" sz="1200" dirty="0"/>
+          </a:p>
+          <a:p>
+            <a:r>
+              <a:rPr lang="de-DE" sz="1200" dirty="0"/>
+              <a:t>:</a:t>
+            </a:r>
+            <a:r>
+              <a:rPr lang="de-DE" sz="1200" dirty="0" err="1"/>
               <a:t>saw</a:t>
             </a:r>
             <a:r>
-              <a:rPr lang="de-DE" sz="1200"/>
-              <a:t>	sine	</a:t>
-            </a:r>
-            <a:r>
-              <a:rPr lang="de-DE" sz="1200" err="1"/>
+              <a:rPr lang="de-DE" sz="1200" dirty="0"/>
+              <a:t>	:sine	:</a:t>
+            </a:r>
+            <a:r>
+              <a:rPr lang="de-DE" sz="1200" dirty="0" err="1"/>
               <a:t>square</a:t>
             </a:r>
             <a:r>
-              <a:rPr lang="de-DE" sz="1200"/>
-              <a:t>	</a:t>
-            </a:r>
-            <a:r>
-              <a:rPr lang="de-DE" sz="1200" err="1"/>
+              <a:rPr lang="de-DE" sz="1200" dirty="0"/>
+              <a:t>	:</a:t>
+            </a:r>
+            <a:r>
+              <a:rPr lang="de-DE" sz="1200" dirty="0" err="1"/>
               <a:t>subpulse</a:t>
             </a:r>
             <a:r>
-              <a:rPr lang="de-DE" sz="1200"/>
-              <a:t>	tb303	</a:t>
-            </a:r>
-            <a:r>
-              <a:rPr lang="de-DE" sz="1200" err="1"/>
+              <a:rPr lang="de-DE" sz="1200" dirty="0"/>
+              <a:t>	:tb303	:</a:t>
+            </a:r>
+            <a:r>
+              <a:rPr lang="de-DE" sz="1200" dirty="0" err="1"/>
               <a:t>tri</a:t>
             </a:r>
             <a:r>
-              <a:rPr lang="de-DE" sz="1200"/>
-              <a:t>	</a:t>
-            </a:r>
-            <a:r>
-              <a:rPr lang="de-DE" sz="1200" err="1" smtClean="0"/>
+              <a:rPr lang="de-DE" sz="1200" dirty="0"/>
+              <a:t>	:</a:t>
+            </a:r>
+            <a:r>
+              <a:rPr lang="de-DE" sz="1200" dirty="0" err="1"/>
               <a:t>zawa</a:t>
             </a:r>
-            <a:endParaRPr lang="de-DE" sz="1200"/>
+            <a:endParaRPr lang="de-DE" sz="1200" dirty="0"/>
           </a:p>
         </p:txBody>
       </p:sp>
@@ -10586,7 +10071,7 @@
           <a:lstStyle/>
           <a:p>
             <a:r>
-              <a:rPr lang="de-DE" b="1" smtClean="0"/>
+              <a:rPr lang="de-DE" b="1"/>
               <a:t>sample</a:t>
             </a:r>
           </a:p>
@@ -11092,7 +10577,7 @@
           <a:lstStyle/>
           <a:p>
             <a:r>
-              <a:rPr lang="en-US" sz="1050" smtClean="0"/>
+              <a:rPr lang="en-US" sz="1050"/>
               <a:t>:</a:t>
             </a:r>
             <a:r>
@@ -12139,13 +11624,6 @@
   <p:clrMapOvr>
     <a:masterClrMapping/>
   </p:clrMapOvr>
-  <p:timing>
-    <p:tnLst>
-      <p:par>
-        <p:cTn id="1" dur="indefinite" restart="never" nodeType="tmRoot"/>
-      </p:par>
-    </p:tnLst>
-  </p:timing>
 </p:sld>
 </file>
 
@@ -12182,10 +11660,9 @@
           <a:lstStyle/>
           <a:p>
             <a:r>
-              <a:rPr lang="de-DE" smtClean="0"/>
+              <a:rPr lang="de-DE"/>
               <a:t>Spiele und warte</a:t>
             </a:r>
-            <a:endParaRPr lang="de-DE"/>
           </a:p>
         </p:txBody>
       </p:sp>
@@ -12205,22 +11682,21 @@
           <a:lstStyle/>
           <a:p>
             <a:r>
-              <a:rPr lang="de-DE" smtClean="0"/>
+              <a:rPr lang="de-DE"/>
               <a:t>80	60	62	64	65	20</a:t>
             </a:r>
           </a:p>
           <a:p>
             <a:r>
-              <a:rPr lang="de-DE" smtClean="0"/>
+              <a:rPr lang="de-DE"/>
               <a:t>	67	69	71	72</a:t>
             </a:r>
           </a:p>
           <a:p>
             <a:r>
-              <a:rPr lang="de-DE" smtClean="0"/>
+              <a:rPr lang="de-DE"/>
               <a:t>	:c4	:d4	:c5	:d5</a:t>
             </a:r>
-            <a:endParaRPr lang="de-DE"/>
           </a:p>
         </p:txBody>
       </p:sp>
@@ -12240,10 +11716,9 @@
           <a:lstStyle/>
           <a:p>
             <a:r>
-              <a:rPr lang="de-DE" smtClean="0"/>
+              <a:rPr lang="de-DE"/>
               <a:t>	c5 e5 g5	  f4 a4 c5 	   g4 a4 d5</a:t>
             </a:r>
-            <a:endParaRPr lang="de-DE"/>
           </a:p>
         </p:txBody>
       </p:sp>
@@ -12263,16 +11738,15 @@
           <a:lstStyle/>
           <a:p>
             <a:r>
-              <a:rPr lang="de-DE" smtClean="0"/>
+              <a:rPr lang="de-DE"/>
               <a:t>play 60</a:t>
             </a:r>
           </a:p>
           <a:p>
             <a:r>
-              <a:rPr lang="de-DE" smtClean="0"/>
+              <a:rPr lang="de-DE"/>
               <a:t>sleep 1</a:t>
             </a:r>
-            <a:endParaRPr lang="de-DE"/>
           </a:p>
         </p:txBody>
       </p:sp>
@@ -12292,10 +11766,9 @@
           <a:lstStyle/>
           <a:p>
             <a:r>
-              <a:rPr lang="de-DE" smtClean="0"/>
+              <a:rPr lang="de-DE"/>
               <a:t>Spiele einen Akkord (Dreiklang)</a:t>
             </a:r>
-            <a:endParaRPr lang="de-DE"/>
           </a:p>
         </p:txBody>
       </p:sp>
@@ -12320,28 +11793,27 @@
           <a:lstStyle/>
           <a:p>
             <a:r>
-              <a:rPr lang="en-US" smtClean="0"/>
+              <a:rPr lang="en-US"/>
               <a:t>play :c4 </a:t>
             </a:r>
           </a:p>
           <a:p>
             <a:r>
-              <a:rPr lang="en-US" smtClean="0"/>
+              <a:rPr lang="en-US"/>
               <a:t>play :e4</a:t>
             </a:r>
           </a:p>
           <a:p>
             <a:r>
-              <a:rPr lang="en-US" smtClean="0"/>
+              <a:rPr lang="en-US"/>
               <a:t>play :g4 </a:t>
             </a:r>
           </a:p>
           <a:p>
             <a:r>
-              <a:rPr lang="en-US" smtClean="0"/>
+              <a:rPr lang="en-US"/>
               <a:t>sleep 1</a:t>
             </a:r>
-            <a:endParaRPr lang="en-US"/>
           </a:p>
         </p:txBody>
       </p:sp>
@@ -12350,13 +11822,6 @@
   <p:clrMapOvr>
     <a:masterClrMapping/>
   </p:clrMapOvr>
-  <p:timing>
-    <p:tnLst>
-      <p:par>
-        <p:cTn id="1" dur="indefinite" restart="never" nodeType="tmRoot"/>
-      </p:par>
-    </p:tnLst>
-  </p:timing>
 </p:sld>
 </file>
 
@@ -12393,21 +11858,39 @@
           <a:lstStyle/>
           <a:p>
             <a:r>
-              <a:rPr lang="de-DE" smtClean="0"/>
+              <a:rPr lang="de-DE"/>
               <a:t>Vewernde Buffer 1</a:t>
             </a:r>
+          </a:p>
+        </p:txBody>
+      </p:sp>
+      <p:sp>
+        <p:nvSpPr>
+          <p:cNvPr id="10" name="Text Placeholder 9"/>
+          <p:cNvSpPr>
+            <a:spLocks noGrp="1"/>
+          </p:cNvSpPr>
+          <p:nvPr>
+            <p:ph type="body" sz="quarter" idx="18"/>
+          </p:nvPr>
+        </p:nvSpPr>
+        <p:spPr/>
+        <p:txBody>
+          <a:bodyPr/>
+          <a:lstStyle/>
+          <a:p>
             <a:endParaRPr lang="de-DE"/>
           </a:p>
         </p:txBody>
       </p:sp>
       <p:sp>
         <p:nvSpPr>
-          <p:cNvPr id="10" name="Text Placeholder 9"/>
-          <p:cNvSpPr>
-            <a:spLocks noGrp="1"/>
-          </p:cNvSpPr>
-          <p:nvPr>
-            <p:ph type="body" sz="quarter" idx="18"/>
+          <p:cNvPr id="11" name="Text Placeholder 10"/>
+          <p:cNvSpPr>
+            <a:spLocks noGrp="1"/>
+          </p:cNvSpPr>
+          <p:nvPr>
+            <p:ph type="body" sz="quarter" idx="19"/>
           </p:nvPr>
         </p:nvSpPr>
         <p:spPr/>
@@ -12421,12 +11904,12 @@
       </p:sp>
       <p:sp>
         <p:nvSpPr>
-          <p:cNvPr id="11" name="Text Placeholder 10"/>
-          <p:cNvSpPr>
-            <a:spLocks noGrp="1"/>
-          </p:cNvSpPr>
-          <p:nvPr>
-            <p:ph type="body" sz="quarter" idx="19"/>
+          <p:cNvPr id="5" name="Textplatzhalter 4"/>
+          <p:cNvSpPr>
+            <a:spLocks noGrp="1"/>
+          </p:cNvSpPr>
+          <p:nvPr>
+            <p:ph type="body" sz="quarter" idx="17"/>
           </p:nvPr>
         </p:nvSpPr>
         <p:spPr/>
@@ -12434,30 +11917,10 @@
           <a:bodyPr/>
           <a:lstStyle/>
           <a:p>
-            <a:endParaRPr lang="de-DE"/>
-          </a:p>
-        </p:txBody>
-      </p:sp>
-      <p:sp>
-        <p:nvSpPr>
-          <p:cNvPr id="5" name="Textplatzhalter 4"/>
-          <p:cNvSpPr>
-            <a:spLocks noGrp="1"/>
-          </p:cNvSpPr>
-          <p:nvPr>
-            <p:ph type="body" sz="quarter" idx="17"/>
-          </p:nvPr>
-        </p:nvSpPr>
-        <p:spPr/>
-        <p:txBody>
-          <a:bodyPr/>
-          <a:lstStyle/>
-          <a:p>
-            <a:r>
-              <a:rPr lang="de-DE" smtClean="0"/>
+            <a:r>
+              <a:rPr lang="de-DE"/>
               <a:t>BUFFER 1</a:t>
             </a:r>
-            <a:endParaRPr lang="de-DE"/>
           </a:p>
         </p:txBody>
       </p:sp>
@@ -12509,13 +11972,6 @@
   <p:clrMapOvr>
     <a:masterClrMapping/>
   </p:clrMapOvr>
-  <p:timing>
-    <p:tnLst>
-      <p:par>
-        <p:cTn id="1" dur="indefinite" restart="never" nodeType="tmRoot"/>
-      </p:par>
-    </p:tnLst>
-  </p:timing>
 </p:sld>
 </file>
 
@@ -12552,10 +12008,9 @@
           <a:lstStyle/>
           <a:p>
             <a:r>
-              <a:rPr lang="de-DE" smtClean="0"/>
+              <a:rPr lang="de-DE"/>
               <a:t>Drei Töne gleichzeitig nennt man einen Akkord. So ist es einfacher als vorher. Hier ein C-Akkord.</a:t>
             </a:r>
-            <a:endParaRPr lang="de-DE"/>
           </a:p>
         </p:txBody>
       </p:sp>
@@ -12575,10 +12030,9 @@
           <a:lstStyle/>
           <a:p>
             <a:r>
-              <a:rPr lang="de-DE" smtClean="0"/>
+              <a:rPr lang="de-DE"/>
               <a:t>	c5 e5 g5	  f4 a4 c5 	   g4 a4 d5</a:t>
             </a:r>
-            <a:endParaRPr lang="de-DE"/>
           </a:p>
         </p:txBody>
       </p:sp>
@@ -12603,16 +12057,15 @@
           <a:lstStyle/>
           <a:p>
             <a:r>
-              <a:rPr lang="de-DE" smtClean="0"/>
+              <a:rPr lang="de-DE"/>
               <a:t>	:a4	:b4	 :major7	:minor</a:t>
             </a:r>
           </a:p>
           <a:p>
             <a:r>
-              <a:rPr lang="de-DE" sz="1600" smtClean="0"/>
+              <a:rPr lang="de-DE" sz="1600"/>
               <a:t>Drei Akkorde mit einer Sekunde Abstand (nimm e, a und b als moll)</a:t>
             </a:r>
-            <a:endParaRPr lang="de-DE" sz="1600"/>
           </a:p>
         </p:txBody>
       </p:sp>
@@ -12632,16 +12085,15 @@
           <a:lstStyle/>
           <a:p>
             <a:r>
-              <a:rPr lang="de-DE" smtClean="0"/>
+              <a:rPr lang="de-DE"/>
               <a:t>play_chord [:c4, :e4, :g4]</a:t>
             </a:r>
           </a:p>
           <a:p>
             <a:r>
-              <a:rPr lang="de-DE" smtClean="0"/>
+              <a:rPr lang="de-DE"/>
               <a:t>sleep 1</a:t>
             </a:r>
-            <a:endParaRPr lang="de-DE"/>
           </a:p>
         </p:txBody>
       </p:sp>
@@ -12661,10 +12113,9 @@
           <a:lstStyle/>
           <a:p>
             <a:r>
-              <a:rPr lang="de-DE" smtClean="0"/>
+              <a:rPr lang="de-DE"/>
               <a:t>Major = Dur, Minor = Moll – erkennst Du den Unterschied?</a:t>
             </a:r>
-            <a:endParaRPr lang="de-DE"/>
           </a:p>
         </p:txBody>
       </p:sp>
@@ -12684,17 +12135,17 @@
           <a:lstStyle/>
           <a:p>
             <a:r>
-              <a:rPr lang="en-US" err="1" smtClean="0"/>
+              <a:rPr lang="en-US" err="1"/>
               <a:t>play_chord</a:t>
             </a:r>
             <a:r>
-              <a:rPr lang="en-US" smtClean="0"/>
+              <a:rPr lang="en-US"/>
               <a:t> chord(:e4, :major)</a:t>
             </a:r>
           </a:p>
           <a:p>
             <a:r>
-              <a:rPr lang="en-US" smtClean="0"/>
+              <a:rPr lang="en-US"/>
               <a:t>sleep 1</a:t>
             </a:r>
           </a:p>
@@ -12705,13 +12156,6 @@
   <p:clrMapOvr>
     <a:masterClrMapping/>
   </p:clrMapOvr>
-  <p:timing>
-    <p:tnLst>
-      <p:par>
-        <p:cTn id="1" dur="indefinite" restart="never" nodeType="tmRoot"/>
-      </p:par>
-    </p:tnLst>
-  </p:timing>
 </p:sld>
 </file>
 
@@ -12748,21 +12192,39 @@
           <a:lstStyle/>
           <a:p>
             <a:r>
-              <a:rPr lang="de-DE" smtClean="0"/>
+              <a:rPr lang="de-DE"/>
               <a:t>Verwende Buffer 2</a:t>
             </a:r>
+          </a:p>
+        </p:txBody>
+      </p:sp>
+      <p:sp>
+        <p:nvSpPr>
+          <p:cNvPr id="10" name="Text Placeholder 9"/>
+          <p:cNvSpPr>
+            <a:spLocks noGrp="1"/>
+          </p:cNvSpPr>
+          <p:nvPr>
+            <p:ph type="body" sz="quarter" idx="18"/>
+          </p:nvPr>
+        </p:nvSpPr>
+        <p:spPr/>
+        <p:txBody>
+          <a:bodyPr/>
+          <a:lstStyle/>
+          <a:p>
             <a:endParaRPr lang="de-DE"/>
           </a:p>
         </p:txBody>
       </p:sp>
       <p:sp>
         <p:nvSpPr>
-          <p:cNvPr id="10" name="Text Placeholder 9"/>
-          <p:cNvSpPr>
-            <a:spLocks noGrp="1"/>
-          </p:cNvSpPr>
-          <p:nvPr>
-            <p:ph type="body" sz="quarter" idx="18"/>
+          <p:cNvPr id="11" name="Text Placeholder 10"/>
+          <p:cNvSpPr>
+            <a:spLocks noGrp="1"/>
+          </p:cNvSpPr>
+          <p:nvPr>
+            <p:ph type="body" sz="quarter" idx="19"/>
           </p:nvPr>
         </p:nvSpPr>
         <p:spPr/>
@@ -12776,12 +12238,12 @@
       </p:sp>
       <p:sp>
         <p:nvSpPr>
-          <p:cNvPr id="11" name="Text Placeholder 10"/>
-          <p:cNvSpPr>
-            <a:spLocks noGrp="1"/>
-          </p:cNvSpPr>
-          <p:nvPr>
-            <p:ph type="body" sz="quarter" idx="19"/>
+          <p:cNvPr id="5" name="Textplatzhalter 4"/>
+          <p:cNvSpPr>
+            <a:spLocks noGrp="1"/>
+          </p:cNvSpPr>
+          <p:nvPr>
+            <p:ph type="body" sz="quarter" idx="17"/>
           </p:nvPr>
         </p:nvSpPr>
         <p:spPr/>
@@ -12789,30 +12251,10 @@
           <a:bodyPr/>
           <a:lstStyle/>
           <a:p>
-            <a:endParaRPr lang="de-DE"/>
-          </a:p>
-        </p:txBody>
-      </p:sp>
-      <p:sp>
-        <p:nvSpPr>
-          <p:cNvPr id="5" name="Textplatzhalter 4"/>
-          <p:cNvSpPr>
-            <a:spLocks noGrp="1"/>
-          </p:cNvSpPr>
-          <p:nvPr>
-            <p:ph type="body" sz="quarter" idx="17"/>
-          </p:nvPr>
-        </p:nvSpPr>
-        <p:spPr/>
-        <p:txBody>
-          <a:bodyPr/>
-          <a:lstStyle/>
-          <a:p>
-            <a:r>
-              <a:rPr lang="de-DE" smtClean="0"/>
+            <a:r>
+              <a:rPr lang="de-DE"/>
               <a:t>BUFFER 2</a:t>
             </a:r>
-            <a:endParaRPr lang="de-DE"/>
           </a:p>
         </p:txBody>
       </p:sp>
@@ -12864,13 +12306,6 @@
   <p:clrMapOvr>
     <a:masterClrMapping/>
   </p:clrMapOvr>
-  <p:timing>
-    <p:tnLst>
-      <p:par>
-        <p:cTn id="1" dur="indefinite" restart="never" nodeType="tmRoot"/>
-      </p:par>
-    </p:tnLst>
-  </p:timing>
 </p:sld>
 </file>
 
@@ -12907,18 +12342,9 @@
           <a:lstStyle/>
           <a:p>
             <a:r>
-              <a:rPr lang="de-DE" smtClean="0"/>
-              <a:t>Spiele ein Muster (=Pattern) </a:t>
-            </a:r>
-            <a:r>
               <a:rPr lang="de-DE"/>
-              <a:t> </a:t>
-            </a:r>
-            <a:r>
-              <a:rPr lang="de-DE" smtClean="0"/>
-              <a:t>- hier eine Tonleiter (scale)</a:t>
-            </a:r>
-            <a:endParaRPr lang="de-DE"/>
+              <a:t>Spiele ein Muster (=Pattern)  - hier eine Tonleiter (scale)</a:t>
+            </a:r>
           </a:p>
         </p:txBody>
       </p:sp>
@@ -12938,41 +12364,64 @@
           <a:lstStyle/>
           <a:p>
             <a:r>
-              <a:rPr lang="de-DE" smtClean="0"/>
+              <a:rPr lang="de-DE" dirty="0"/>
+              <a:t>:</a:t>
+            </a:r>
+            <a:r>
+              <a:rPr lang="de-DE" dirty="0" err="1"/>
+              <a:t>major</a:t>
+            </a:r>
+            <a:r>
+              <a:rPr lang="de-DE" dirty="0"/>
+              <a:t> 	:</a:t>
+            </a:r>
+            <a:r>
+              <a:rPr lang="de-DE" dirty="0" err="1"/>
+              <a:t>major_pentatonic</a:t>
+            </a:r>
+            <a:r>
+              <a:rPr lang="de-DE" dirty="0"/>
+              <a:t> 	:</a:t>
+            </a:r>
+            <a:r>
+              <a:rPr lang="de-DE" dirty="0" err="1"/>
+              <a:t>minor_pentatonic</a:t>
+            </a:r>
+            <a:r>
+              <a:rPr lang="de-DE" dirty="0"/>
+              <a:t>	:minor</a:t>
+            </a:r>
+          </a:p>
+          <a:p>
+            <a:endParaRPr lang="de-DE" dirty="0"/>
+          </a:p>
+        </p:txBody>
+      </p:sp>
+      <p:sp>
+        <p:nvSpPr>
+          <p:cNvPr id="27" name="Text Placeholder 26"/>
+          <p:cNvSpPr>
+            <a:spLocks noGrp="1"/>
+          </p:cNvSpPr>
+          <p:nvPr>
+            <p:ph type="body" sz="quarter" idx="19"/>
+          </p:nvPr>
+        </p:nvSpPr>
+        <p:spPr/>
+        <p:txBody>
+          <a:bodyPr/>
+          <a:lstStyle/>
+          <a:p>
+            <a:r>
+              <a:rPr lang="de-DE"/>
+              <a:t>50	240	400	100	600</a:t>
+            </a:r>
+          </a:p>
+          <a:p>
+            <a:r>
+              <a:rPr lang="de-DE"/>
               <a:t>:major 	:major_pentatonic 	:minor_pentatonic	:minor</a:t>
             </a:r>
-          </a:p>
-          <a:p>
-            <a:endParaRPr lang="de-DE"/>
-          </a:p>
-        </p:txBody>
-      </p:sp>
-      <p:sp>
-        <p:nvSpPr>
-          <p:cNvPr id="27" name="Text Placeholder 26"/>
-          <p:cNvSpPr>
-            <a:spLocks noGrp="1"/>
-          </p:cNvSpPr>
-          <p:nvPr>
-            <p:ph type="body" sz="quarter" idx="19"/>
-          </p:nvPr>
-        </p:nvSpPr>
-        <p:spPr/>
-        <p:txBody>
-          <a:bodyPr/>
-          <a:lstStyle/>
-          <a:p>
-            <a:r>
-              <a:rPr lang="de-DE" smtClean="0"/>
-              <a:t>50	240	400	100	600</a:t>
-            </a:r>
-          </a:p>
-          <a:p>
-            <a:r>
-              <a:rPr lang="de-DE" smtClean="0"/>
-              <a:t>:major 	:major_pentatonic 	:minor_pentatonic	:minor</a:t>
-            </a:r>
-            <a:endParaRPr lang="de-DE"/>
           </a:p>
         </p:txBody>
       </p:sp>
@@ -12997,30 +12446,29 @@
           <a:lstStyle/>
           <a:p>
             <a:r>
-              <a:rPr lang="de-DE" err="1" smtClean="0"/>
+              <a:rPr lang="de-DE" err="1"/>
               <a:t>play_pattern</a:t>
             </a:r>
             <a:r>
-              <a:rPr lang="de-DE" smtClean="0"/>
+              <a:rPr lang="de-DE"/>
               <a:t> (</a:t>
             </a:r>
             <a:r>
-              <a:rPr lang="de-DE" err="1" smtClean="0"/>
+              <a:rPr lang="de-DE" err="1"/>
               <a:t>scale</a:t>
             </a:r>
             <a:r>
-              <a:rPr lang="de-DE" smtClean="0"/>
+              <a:rPr lang="de-DE"/>
               <a:t> :c4, :</a:t>
             </a:r>
             <a:r>
-              <a:rPr lang="de-DE" err="1" smtClean="0"/>
+              <a:rPr lang="de-DE" err="1"/>
               <a:t>major</a:t>
             </a:r>
             <a:r>
-              <a:rPr lang="de-DE" smtClean="0"/>
+              <a:rPr lang="de-DE"/>
               <a:t>)</a:t>
             </a:r>
-            <a:endParaRPr lang="de-DE"/>
           </a:p>
         </p:txBody>
       </p:sp>
@@ -13040,10 +12488,9 @@
           <a:lstStyle/>
           <a:p>
             <a:r>
-              <a:rPr lang="de-DE" smtClean="0"/>
+              <a:rPr lang="de-DE"/>
               <a:t>Verwende ein andere Geschwindigkeit   b p m = beats per minute = schläge pro minute</a:t>
             </a:r>
-            <a:endParaRPr lang="de-DE"/>
           </a:p>
         </p:txBody>
       </p:sp>
@@ -13068,28 +12515,27 @@
           <a:lstStyle/>
           <a:p>
             <a:r>
-              <a:rPr lang="de-DE" dirty="0" smtClean="0"/>
+              <a:rPr lang="de-DE" dirty="0"/>
               <a:t>use_bpm 120</a:t>
             </a:r>
           </a:p>
           <a:p>
             <a:r>
-              <a:rPr lang="de-DE" dirty="0" err="1" smtClean="0"/>
+              <a:rPr lang="de-DE" dirty="0" err="1"/>
               <a:t>play_pattern</a:t>
             </a:r>
             <a:r>
-              <a:rPr lang="de-DE" dirty="0" smtClean="0"/>
+              <a:rPr lang="de-DE" dirty="0"/>
               <a:t> (</a:t>
             </a:r>
             <a:r>
-              <a:rPr lang="de-DE" dirty="0" err="1" smtClean="0"/>
+              <a:rPr lang="de-DE" dirty="0" err="1"/>
               <a:t>scale</a:t>
             </a:r>
             <a:r>
-              <a:rPr lang="de-DE" dirty="0" smtClean="0"/>
+              <a:rPr lang="de-DE" dirty="0"/>
               <a:t> :e4, :minor)</a:t>
             </a:r>
-            <a:endParaRPr lang="de-DE" dirty="0"/>
           </a:p>
         </p:txBody>
       </p:sp>
@@ -13098,13 +12544,6 @@
   <p:clrMapOvr>
     <a:masterClrMapping/>
   </p:clrMapOvr>
-  <p:timing>
-    <p:tnLst>
-      <p:par>
-        <p:cTn id="1" dur="indefinite" restart="never" nodeType="tmRoot"/>
-      </p:par>
-    </p:tnLst>
-  </p:timing>
 </p:sld>
 </file>
 
@@ -13141,10 +12580,9 @@
           <a:lstStyle/>
           <a:p>
             <a:r>
-              <a:rPr lang="de-DE" smtClean="0"/>
+              <a:rPr lang="de-DE"/>
               <a:t>2 times = 2 mal. Wir nennen das eine Schleife</a:t>
             </a:r>
-            <a:endParaRPr lang="de-DE"/>
           </a:p>
         </p:txBody>
       </p:sp>
@@ -13164,7 +12602,7 @@
           <a:lstStyle/>
           <a:p>
             <a:r>
-              <a:rPr lang="de-DE" smtClean="0"/>
+              <a:rPr lang="de-DE"/>
               <a:t>3.times	5.times</a:t>
             </a:r>
           </a:p>
@@ -13191,7 +12629,7 @@
           <a:lstStyle/>
           <a:p>
             <a:r>
-              <a:rPr lang="de-DE" smtClean="0">
+              <a:rPr lang="de-DE">
                 <a:solidFill>
                   <a:srgbClr val="FF0000"/>
                 </a:solidFill>
@@ -13199,7 +12637,7 @@
               <a:t>Ändere auf 480.</a:t>
             </a:r>
             <a:r>
-              <a:rPr lang="de-DE" smtClean="0"/>
+              <a:rPr lang="de-DE"/>
               <a:t>  drücke RUN und höre, wann die Änderung kommt.  Sofort?</a:t>
             </a:r>
           </a:p>
@@ -13226,44 +12664,43 @@
           <a:lstStyle/>
           <a:p>
             <a:r>
-              <a:rPr lang="de-DE" dirty="0" smtClean="0"/>
+              <a:rPr lang="de-DE" dirty="0"/>
               <a:t>use_bpm 600</a:t>
             </a:r>
           </a:p>
           <a:p>
             <a:r>
-              <a:rPr lang="de-DE" dirty="0" smtClean="0"/>
+              <a:rPr lang="de-DE" dirty="0"/>
               <a:t>2.times do</a:t>
             </a:r>
           </a:p>
           <a:p>
             <a:r>
-              <a:rPr lang="de-DE" dirty="0" smtClean="0"/>
+              <a:rPr lang="de-DE" dirty="0"/>
               <a:t>   </a:t>
             </a:r>
             <a:r>
-              <a:rPr lang="de-DE" dirty="0" err="1" smtClean="0"/>
+              <a:rPr lang="de-DE" dirty="0" err="1"/>
               <a:t>play_pattern</a:t>
             </a:r>
             <a:r>
-              <a:rPr lang="de-DE" dirty="0" smtClean="0"/>
+              <a:rPr lang="de-DE" dirty="0"/>
               <a:t> (</a:t>
             </a:r>
             <a:r>
-              <a:rPr lang="de-DE" dirty="0" err="1" smtClean="0"/>
+              <a:rPr lang="de-DE" dirty="0" err="1"/>
               <a:t>scale</a:t>
             </a:r>
             <a:r>
-              <a:rPr lang="de-DE" dirty="0" smtClean="0"/>
+              <a:rPr lang="de-DE" dirty="0"/>
               <a:t> :e4, :minor)</a:t>
             </a:r>
           </a:p>
           <a:p>
             <a:r>
-              <a:rPr lang="de-DE" dirty="0" smtClean="0"/>
+              <a:rPr lang="de-DE" dirty="0"/>
               <a:t>end</a:t>
             </a:r>
-            <a:endParaRPr lang="de-DE" dirty="0"/>
           </a:p>
         </p:txBody>
       </p:sp>
@@ -13283,10 +12720,9 @@
           <a:lstStyle/>
           <a:p>
             <a:r>
-              <a:rPr lang="de-DE" smtClean="0"/>
+              <a:rPr lang="de-DE"/>
               <a:t>Wir nennen das Endlosschleife, die man während des Spielens aktualisieren kann.</a:t>
             </a:r>
-            <a:endParaRPr lang="de-DE"/>
           </a:p>
         </p:txBody>
       </p:sp>
@@ -13311,49 +12747,49 @@
           <a:lstStyle/>
           <a:p>
             <a:r>
-              <a:rPr lang="de-DE" dirty="0" smtClean="0"/>
+              <a:rPr lang="de-DE" dirty="0"/>
               <a:t>live_loop :</a:t>
             </a:r>
             <a:r>
-              <a:rPr lang="de-DE" dirty="0" err="1" smtClean="0"/>
+              <a:rPr lang="de-DE" dirty="0" err="1"/>
               <a:t>tonleiter</a:t>
             </a:r>
             <a:r>
-              <a:rPr lang="de-DE" dirty="0" smtClean="0"/>
+              <a:rPr lang="de-DE" dirty="0"/>
               <a:t> do</a:t>
             </a:r>
           </a:p>
           <a:p>
             <a:r>
-              <a:rPr lang="de-DE" dirty="0" smtClean="0"/>
+              <a:rPr lang="de-DE" dirty="0"/>
               <a:t>   use_bpm 120</a:t>
             </a:r>
           </a:p>
           <a:p>
             <a:r>
-              <a:rPr lang="de-DE" dirty="0" smtClean="0"/>
+              <a:rPr lang="de-DE" dirty="0"/>
               <a:t>   </a:t>
             </a:r>
             <a:r>
-              <a:rPr lang="de-DE" dirty="0" err="1" smtClean="0"/>
+              <a:rPr lang="de-DE" dirty="0" err="1"/>
               <a:t>play_pattern</a:t>
             </a:r>
             <a:r>
-              <a:rPr lang="de-DE" dirty="0" smtClean="0"/>
+              <a:rPr lang="de-DE" dirty="0"/>
               <a:t> (</a:t>
             </a:r>
             <a:r>
-              <a:rPr lang="de-DE" dirty="0" err="1" smtClean="0"/>
+              <a:rPr lang="de-DE" dirty="0" err="1"/>
               <a:t>scale</a:t>
             </a:r>
             <a:r>
-              <a:rPr lang="de-DE" dirty="0" smtClean="0"/>
+              <a:rPr lang="de-DE" dirty="0"/>
               <a:t> :e4, :minor)</a:t>
             </a:r>
           </a:p>
           <a:p>
             <a:r>
-              <a:rPr lang="de-DE" dirty="0" smtClean="0"/>
+              <a:rPr lang="de-DE" dirty="0"/>
               <a:t>end</a:t>
             </a:r>
           </a:p>
@@ -13499,13 +12935,6 @@
   <p:clrMapOvr>
     <a:masterClrMapping/>
   </p:clrMapOvr>
-  <p:timing>
-    <p:tnLst>
-      <p:par>
-        <p:cTn id="1" dur="indefinite" restart="never" nodeType="tmRoot"/>
-      </p:par>
-    </p:tnLst>
-  </p:timing>
 </p:sld>
 </file>
 
@@ -13542,10 +12971,9 @@
           <a:lstStyle/>
           <a:p>
             <a:r>
-              <a:rPr lang="de-DE" smtClean="0"/>
+              <a:rPr lang="de-DE"/>
               <a:t>Wir wäre es mit einem anderen Sound unseres Synthesizers?</a:t>
             </a:r>
-            <a:endParaRPr lang="de-DE"/>
           </a:p>
         </p:txBody>
       </p:sp>
@@ -13571,32 +12999,24 @@
           <a:p>
             <a:r>
               <a:rPr lang="de-DE"/>
-              <a:t>:dsaw	:mod_dsaw	:</a:t>
-            </a:r>
-            <a:r>
-              <a:rPr lang="de-DE" smtClean="0"/>
-              <a:t>prophet		:piano</a:t>
+              <a:t>:dsaw	:mod_dsaw	:prophet		:piano</a:t>
             </a:r>
           </a:p>
           <a:p>
             <a:r>
               <a:rPr lang="de-DE"/>
-              <a:t>:</a:t>
-            </a:r>
-            <a:r>
-              <a:rPr lang="de-DE" smtClean="0"/>
-              <a:t>blade	:tb303		:</a:t>
-            </a:r>
-            <a:r>
-              <a:rPr lang="de-DE" err="1" smtClean="0"/>
+              <a:t>:blade	:tb303		:</a:t>
+            </a:r>
+            <a:r>
+              <a:rPr lang="de-DE" err="1"/>
               <a:t>pluck</a:t>
             </a:r>
             <a:r>
-              <a:rPr lang="de-DE" smtClean="0"/>
+              <a:rPr lang="de-DE"/>
               <a:t>		:</a:t>
             </a:r>
             <a:r>
-              <a:rPr lang="de-DE" err="1" smtClean="0"/>
+              <a:rPr lang="de-DE" err="1"/>
               <a:t>dtri</a:t>
             </a:r>
             <a:endParaRPr lang="de-DE"/>
@@ -13638,10 +13058,9 @@
           <a:lstStyle/>
           <a:p>
             <a:r>
-              <a:rPr lang="de-DE" smtClean="0"/>
+              <a:rPr lang="de-DE"/>
               <a:t>Und nun spielen wir die Tonleiter rückwärts</a:t>
             </a:r>
-            <a:endParaRPr lang="de-DE"/>
           </a:p>
         </p:txBody>
       </p:sp>
@@ -13665,45 +13084,45 @@
           <a:bodyPr/>
           <a:lstStyle/>
           <a:p>
-            <a:endParaRPr lang="de-DE" smtClean="0"/>
-          </a:p>
-          <a:p>
-            <a:r>
-              <a:rPr lang="de-DE" err="1" smtClean="0"/>
+            <a:endParaRPr lang="de-DE"/>
+          </a:p>
+          <a:p>
+            <a:r>
+              <a:rPr lang="de-DE" err="1"/>
               <a:t>play_pattern</a:t>
             </a:r>
             <a:r>
-              <a:rPr lang="de-DE" smtClean="0"/>
+              <a:rPr lang="de-DE"/>
               <a:t> (</a:t>
             </a:r>
             <a:r>
-              <a:rPr lang="de-DE" err="1" smtClean="0"/>
+              <a:rPr lang="de-DE" err="1"/>
               <a:t>scale</a:t>
             </a:r>
             <a:r>
-              <a:rPr lang="de-DE" smtClean="0"/>
+              <a:rPr lang="de-DE"/>
               <a:t> :e4, :minor)</a:t>
             </a:r>
           </a:p>
           <a:p>
             <a:r>
-              <a:rPr lang="de-DE" err="1" smtClean="0"/>
+              <a:rPr lang="de-DE" err="1"/>
               <a:t>play_pattern</a:t>
             </a:r>
             <a:r>
-              <a:rPr lang="de-DE" smtClean="0"/>
+              <a:rPr lang="de-DE"/>
               <a:t> (</a:t>
             </a:r>
             <a:r>
-              <a:rPr lang="de-DE" err="1" smtClean="0"/>
+              <a:rPr lang="de-DE" err="1"/>
               <a:t>scale</a:t>
             </a:r>
             <a:r>
-              <a:rPr lang="de-DE" smtClean="0"/>
+              <a:rPr lang="de-DE"/>
               <a:t> :e4, :minor).</a:t>
             </a:r>
             <a:r>
-              <a:rPr lang="de-DE" b="1" err="1" smtClean="0"/>
+              <a:rPr lang="de-DE" b="1" err="1"/>
               <a:t>reverse</a:t>
             </a:r>
             <a:endParaRPr lang="de-DE" b="1"/>
@@ -13732,23 +13151,22 @@
           <a:p>
             <a:pPr algn="ctr"/>
             <a:r>
-              <a:rPr lang="de-DE" smtClean="0"/>
+              <a:rPr lang="de-DE"/>
               <a:t>Füge den folgenden Befehl hinzu</a:t>
             </a:r>
+          </a:p>
+          <a:p>
+            <a:pPr algn="ctr"/>
             <a:endParaRPr lang="de-DE"/>
           </a:p>
           <a:p>
             <a:pPr algn="ctr"/>
-            <a:endParaRPr lang="de-DE" smtClean="0"/>
-          </a:p>
-          <a:p>
-            <a:pPr algn="ctr"/>
-            <a:r>
-              <a:rPr lang="de-DE" err="1" smtClean="0"/>
+            <a:r>
+              <a:rPr lang="de-DE" err="1"/>
               <a:t>use_synth</a:t>
             </a:r>
             <a:r>
-              <a:rPr lang="de-DE" smtClean="0"/>
+              <a:rPr lang="de-DE"/>
               <a:t> :saw</a:t>
             </a:r>
           </a:p>
@@ -13768,13 +13186,6 @@
   <p:clrMapOvr>
     <a:masterClrMapping/>
   </p:clrMapOvr>
-  <p:timing>
-    <p:tnLst>
-      <p:par>
-        <p:cTn id="1" dur="indefinite" restart="never" nodeType="tmRoot"/>
-      </p:par>
-    </p:tnLst>
-  </p:timing>
 </p:sld>
 </file>
 
@@ -13816,10 +13227,9 @@
           <a:lstStyle/>
           <a:p>
             <a:r>
-              <a:rPr lang="de-DE" smtClean="0"/>
+              <a:rPr lang="de-DE"/>
               <a:t>Verwende Buffer 3</a:t>
             </a:r>
-            <a:endParaRPr lang="de-DE"/>
           </a:p>
         </p:txBody>
       </p:sp>
@@ -13848,43 +13258,35 @@
               <a:buChar char="-"/>
             </a:pPr>
             <a:r>
-              <a:rPr lang="de-DE" b="0" i="1" smtClean="0"/>
+              <a:rPr lang="de-DE" b="0" i="1"/>
               <a:t>play</a:t>
             </a:r>
             <a:r>
-              <a:rPr lang="de-DE" b="0" smtClean="0"/>
+              <a:rPr lang="de-DE" b="0"/>
               <a:t> spielt </a:t>
             </a:r>
             <a:r>
-              <a:rPr lang="de-DE" smtClean="0"/>
+              <a:rPr lang="de-DE"/>
               <a:t>nur</a:t>
             </a:r>
             <a:r>
-              <a:rPr lang="de-DE" b="0" smtClean="0"/>
+              <a:rPr lang="de-DE" b="0"/>
               <a:t> </a:t>
             </a:r>
             <a:r>
-              <a:rPr lang="de-DE" smtClean="0"/>
+              <a:rPr lang="de-DE"/>
               <a:t>einen</a:t>
             </a:r>
             <a:r>
-              <a:rPr lang="de-DE" b="0" smtClean="0"/>
-              <a:t>  </a:t>
-            </a:r>
-            <a:r>
               <a:rPr lang="de-DE" b="0"/>
-              <a:t>Ton </a:t>
-            </a:r>
-            <a:r>
-              <a:rPr lang="de-DE" b="0" smtClean="0"/>
-              <a:t>(</a:t>
-            </a:r>
-            <a:r>
-              <a:rPr lang="de-DE" b="0" i="1" smtClean="0"/>
+              <a:t>  Ton (</a:t>
+            </a:r>
+            <a:r>
+              <a:rPr lang="de-DE" b="0" i="1"/>
               <a:t>play_pattern</a:t>
             </a:r>
             <a:r>
-              <a:rPr lang="de-DE" b="0" smtClean="0"/>
+              <a:rPr lang="de-DE" b="0"/>
               <a:t> ein Muster, also viele )</a:t>
             </a:r>
           </a:p>
@@ -13894,14 +13296,13 @@
               <a:buChar char="-"/>
             </a:pPr>
             <a:r>
-              <a:rPr lang="de-DE" b="0" i="1" smtClean="0"/>
+              <a:rPr lang="de-DE" b="0" i="1"/>
               <a:t>choose</a:t>
             </a:r>
             <a:r>
-              <a:rPr lang="de-DE" b="0" smtClean="0"/>
+              <a:rPr lang="de-DE" b="0"/>
               <a:t> wählt einen beliebigen Ton</a:t>
             </a:r>
-            <a:endParaRPr lang="de-DE" b="0"/>
           </a:p>
         </p:txBody>
       </p:sp>
@@ -13942,13 +13343,8 @@
             </a:r>
             <a:r>
               <a:rPr lang="de-DE"/>
-              <a:t> zufälligen Ton aus der Tonleiter. Jedesmal einen </a:t>
-            </a:r>
-            <a:r>
-              <a:rPr lang="de-DE" smtClean="0"/>
-              <a:t>anderen.</a:t>
-            </a:r>
-            <a:endParaRPr lang="de-DE"/>
+              <a:t> zufälligen Ton aus der Tonleiter. Jedesmal einen anderen.</a:t>
+            </a:r>
           </a:p>
         </p:txBody>
       </p:sp>
@@ -13975,11 +13371,7 @@
             <a:pPr algn="ctr"/>
             <a:r>
               <a:rPr lang="de-DE" sz="4400"/>
-              <a:t>BUFFER </a:t>
-            </a:r>
-            <a:r>
-              <a:rPr lang="de-DE" sz="4400" smtClean="0"/>
-              <a:t>3</a:t>
+              <a:t>BUFFER 3</a:t>
             </a:r>
           </a:p>
         </p:txBody>
@@ -14006,39 +13398,30 @@
           <a:p>
             <a:r>
               <a:rPr lang="de-DE" sz="2400" dirty="0"/>
-              <a:t>live_loop </a:t>
-            </a:r>
-            <a:r>
-              <a:rPr lang="de-DE" sz="2400" dirty="0" smtClean="0"/>
-              <a:t>:</a:t>
-            </a:r>
-            <a:r>
-              <a:rPr lang="de-DE" sz="2400" dirty="0" err="1" smtClean="0"/>
+              <a:t>live_loop :</a:t>
+            </a:r>
+            <a:r>
+              <a:rPr lang="de-DE" sz="2400" dirty="0" err="1"/>
               <a:t>geblubber</a:t>
             </a:r>
             <a:r>
-              <a:rPr lang="de-DE" sz="2400" dirty="0" smtClean="0"/>
+              <a:rPr lang="de-DE" sz="2400" dirty="0"/>
               <a:t> do</a:t>
             </a:r>
-            <a:endParaRPr lang="de-DE" sz="2400" dirty="0"/>
           </a:p>
           <a:p>
             <a:r>
               <a:rPr lang="de-DE" sz="2400" dirty="0"/>
-              <a:t>   use_bpm </a:t>
-            </a:r>
-            <a:r>
-              <a:rPr lang="de-DE" sz="2400" dirty="0" smtClean="0"/>
-              <a:t>240</a:t>
-            </a:r>
-          </a:p>
-          <a:p>
-            <a:r>
-              <a:rPr lang="de-DE" sz="2400" dirty="0" smtClean="0"/>
+              <a:t>   use_bpm 240</a:t>
+            </a:r>
+          </a:p>
+          <a:p>
+            <a:r>
+              <a:rPr lang="de-DE" sz="2400" dirty="0"/>
               <a:t>   </a:t>
             </a:r>
             <a:r>
-              <a:rPr lang="de-DE" sz="2400" b="1" dirty="0" err="1" smtClean="0">
+              <a:rPr lang="de-DE" sz="2400" b="1" dirty="0" err="1">
                 <a:solidFill>
                   <a:srgbClr val="FF0000"/>
                 </a:solidFill>
@@ -14046,15 +13429,15 @@
               <a:t>play</a:t>
             </a:r>
             <a:r>
-              <a:rPr lang="de-DE" sz="2400" dirty="0" err="1" smtClean="0"/>
+              <a:rPr lang="de-DE" sz="2400" dirty="0" err="1"/>
               <a:t>_pattern</a:t>
             </a:r>
             <a:r>
-              <a:rPr lang="de-DE" sz="2400" dirty="0" smtClean="0"/>
+              <a:rPr lang="de-DE" sz="2400" dirty="0"/>
               <a:t> </a:t>
             </a:r>
             <a:r>
-              <a:rPr lang="de-DE" sz="2400" b="1" dirty="0" smtClean="0">
+              <a:rPr lang="de-DE" sz="2400" b="1" dirty="0">
                 <a:solidFill>
                   <a:srgbClr val="FF0000"/>
                 </a:solidFill>
@@ -14062,7 +13445,7 @@
               <a:t>(</a:t>
             </a:r>
             <a:r>
-              <a:rPr lang="de-DE" sz="2400" b="1" dirty="0" err="1" smtClean="0">
+              <a:rPr lang="de-DE" sz="2400" b="1" dirty="0" err="1">
                 <a:solidFill>
                   <a:srgbClr val="FF0000"/>
                 </a:solidFill>
@@ -14070,28 +13453,12 @@
               <a:t>scale</a:t>
             </a:r>
             <a:r>
-              <a:rPr lang="de-DE" sz="2400" b="1" dirty="0" smtClean="0">
+              <a:rPr lang="de-DE" sz="2400" b="1" dirty="0">
                 <a:solidFill>
                   <a:srgbClr val="FF0000"/>
                 </a:solidFill>
               </a:rPr>
-              <a:t> :e4</a:t>
-            </a:r>
-            <a:r>
-              <a:rPr lang="de-DE" sz="2400" b="1" dirty="0">
-                <a:solidFill>
-                  <a:srgbClr val="FF0000"/>
-                </a:solidFill>
-              </a:rPr>
-              <a:t>, :minor</a:t>
-            </a:r>
-            <a:r>
-              <a:rPr lang="de-DE" sz="2400" b="1" dirty="0" smtClean="0">
-                <a:solidFill>
-                  <a:srgbClr val="FF0000"/>
-                </a:solidFill>
-              </a:rPr>
-              <a:t>).</a:t>
+              <a:t> :e4, :minor).</a:t>
             </a:r>
             <a:r>
               <a:rPr lang="de-DE" sz="2400" b="1" dirty="0" err="1">
@@ -14109,31 +13476,26 @@
           </a:p>
           <a:p>
             <a:r>
-              <a:rPr lang="de-DE" sz="2400" dirty="0" smtClean="0"/>
+              <a:rPr lang="de-DE" sz="2400" dirty="0"/>
               <a:t>   </a:t>
             </a:r>
             <a:r>
-              <a:rPr lang="de-DE" sz="2400" dirty="0" err="1" smtClean="0"/>
+              <a:rPr lang="de-DE" sz="2400" dirty="0" err="1"/>
               <a:t>sleep</a:t>
             </a:r>
             <a:r>
-              <a:rPr lang="de-DE" sz="2400" dirty="0" smtClean="0"/>
-              <a:t> </a:t>
-            </a:r>
-            <a:r>
               <a:rPr lang="de-DE" sz="2400" dirty="0"/>
-              <a:t>1</a:t>
-            </a:r>
-          </a:p>
-          <a:p>
-            <a:r>
-              <a:rPr lang="de-DE" sz="2400" dirty="0" smtClean="0"/>
+              <a:t> 1</a:t>
+            </a:r>
+          </a:p>
+          <a:p>
+            <a:r>
+              <a:rPr lang="de-DE" sz="2400" dirty="0"/>
               <a:t>end</a:t>
             </a:r>
-            <a:endParaRPr lang="de-DE" sz="2400" dirty="0"/>
-          </a:p>
-          <a:p>
-            <a:endParaRPr lang="de-DE" dirty="0" smtClean="0"/>
+          </a:p>
+          <a:p>
+            <a:endParaRPr lang="de-DE" dirty="0"/>
           </a:p>
         </p:txBody>
       </p:sp>
@@ -14226,13 +13588,6 @@
   <p:clrMapOvr>
     <a:masterClrMapping/>
   </p:clrMapOvr>
-  <p:timing>
-    <p:tnLst>
-      <p:par>
-        <p:cTn id="1" dur="indefinite" restart="never" nodeType="tmRoot"/>
-      </p:par>
-    </p:tnLst>
-  </p:timing>
 </p:sld>
 </file>
 

--- a/presentation/de/Sonic PI Workshop_de.pptx
+++ b/presentation/de/Sonic PI Workshop_de.pptx
@@ -233,7 +233,7 @@
             <a:fld id="{7FD773D1-FC60-4896-8BCC-9B28FBDAB5FD}" type="datetimeFigureOut">
               <a:rPr lang="de-DE" smtClean="0"/>
               <a:pPr/>
-              <a:t>01.03.18</a:t>
+              <a:t>07.03.18</a:t>
             </a:fld>
             <a:endParaRPr lang="de-DE"/>
           </a:p>
@@ -400,7 +400,7 @@
             <a:fld id="{72145D81-8E55-40FC-9585-CFDCFEF92FEB}" type="datetimeFigureOut">
               <a:rPr lang="de-DE" smtClean="0"/>
               <a:pPr/>
-              <a:t>01.03.18</a:t>
+              <a:t>07.03.18</a:t>
             </a:fld>
             <a:endParaRPr lang="de-DE"/>
           </a:p>
@@ -4030,7 +4030,7 @@
             <a:fld id="{421FAFA7-FD27-4797-86F0-797A053F7FF1}" type="datetimeFigureOut">
               <a:rPr lang="de-DE" smtClean="0"/>
               <a:pPr/>
-              <a:t>01.03.18</a:t>
+              <a:t>07.03.18</a:t>
             </a:fld>
             <a:endParaRPr lang="de-DE"/>
           </a:p>
@@ -4868,12 +4868,16 @@
           <a:lstStyle/>
           <a:p>
             <a:r>
+              <a:rPr lang="de-DE" dirty="0"/>
+              <a:t>Verwende den </a:t>
+            </a:r>
+            <a:r>
               <a:rPr lang="de-DE" dirty="0" err="1"/>
-              <a:t>Venwende</a:t>
-            </a:r>
-            <a:r>
-              <a:rPr lang="de-DE"/>
-              <a:t> den Buffer 0 in Sonic Pi</a:t>
+              <a:t>Buffer</a:t>
+            </a:r>
+            <a:r>
+              <a:rPr lang="de-DE" dirty="0"/>
+              <a:t> 0 in Sonic Pi</a:t>
             </a:r>
           </a:p>
         </p:txBody>
@@ -9659,7 +9663,7 @@
         </p:nvSpPr>
         <p:spPr>
           <a:xfrm>
-            <a:off x="332657" y="1242789"/>
+            <a:off x="332656" y="1242789"/>
             <a:ext cx="6264696" cy="1384995"/>
           </a:xfrm>
           <a:prstGeom prst="rect">
@@ -11676,25 +11680,34 @@
             <p:ph type="body" sz="quarter" idx="18"/>
           </p:nvPr>
         </p:nvSpPr>
-        <p:spPr/>
+        <p:spPr>
+          <a:xfrm>
+            <a:off x="404664" y="3275856"/>
+            <a:ext cx="6453336" cy="1034129"/>
+          </a:xfrm>
+        </p:spPr>
         <p:txBody>
           <a:bodyPr/>
           <a:lstStyle/>
           <a:p>
             <a:r>
-              <a:rPr lang="de-DE"/>
-              <a:t>80	60	62	64	65	20</a:t>
-            </a:r>
-          </a:p>
-          <a:p>
-            <a:r>
-              <a:rPr lang="de-DE"/>
+              <a:rPr lang="de-DE" dirty="0" err="1"/>
+              <a:t>play</a:t>
+            </a:r>
+            <a:r>
+              <a:rPr lang="de-DE" dirty="0"/>
+              <a:t> 80	60	62	64	65	20</a:t>
+            </a:r>
+          </a:p>
+          <a:p>
+            <a:r>
+              <a:rPr lang="de-DE" dirty="0"/>
               <a:t>	67	69	71	72</a:t>
             </a:r>
           </a:p>
           <a:p>
             <a:r>
-              <a:rPr lang="de-DE"/>
+              <a:rPr lang="de-DE" dirty="0"/>
               <a:t>	:c4	:d4	:c5	:d5</a:t>
             </a:r>
           </a:p>

--- a/presentation/de/Sonic PI Workshop_de.pptx
+++ b/presentation/de/Sonic PI Workshop_de.pptx
@@ -5,10 +5,10 @@
     <p:sldMasterId id="2147483648" r:id="rId1"/>
   </p:sldMasterIdLst>
   <p:notesMasterIdLst>
-    <p:notesMasterId r:id="rId25"/>
+    <p:notesMasterId r:id="rId29"/>
   </p:notesMasterIdLst>
   <p:handoutMasterIdLst>
-    <p:handoutMasterId r:id="rId26"/>
+    <p:handoutMasterId r:id="rId30"/>
   </p:handoutMasterIdLst>
   <p:sldIdLst>
     <p:sldId id="262" r:id="rId2"/>
@@ -20,20 +20,24 @@
     <p:sldId id="259" r:id="rId8"/>
     <p:sldId id="269" r:id="rId9"/>
     <p:sldId id="275" r:id="rId10"/>
-    <p:sldId id="265" r:id="rId11"/>
-    <p:sldId id="279" r:id="rId12"/>
-    <p:sldId id="280" r:id="rId13"/>
-    <p:sldId id="281" r:id="rId14"/>
-    <p:sldId id="278" r:id="rId15"/>
-    <p:sldId id="261" r:id="rId16"/>
-    <p:sldId id="266" r:id="rId17"/>
-    <p:sldId id="267" r:id="rId18"/>
-    <p:sldId id="273" r:id="rId19"/>
-    <p:sldId id="277" r:id="rId20"/>
-    <p:sldId id="276" r:id="rId21"/>
-    <p:sldId id="270" r:id="rId22"/>
-    <p:sldId id="272" r:id="rId23"/>
-    <p:sldId id="271" r:id="rId24"/>
+    <p:sldId id="282" r:id="rId11"/>
+    <p:sldId id="283" r:id="rId12"/>
+    <p:sldId id="284" r:id="rId13"/>
+    <p:sldId id="285" r:id="rId14"/>
+    <p:sldId id="265" r:id="rId15"/>
+    <p:sldId id="279" r:id="rId16"/>
+    <p:sldId id="280" r:id="rId17"/>
+    <p:sldId id="281" r:id="rId18"/>
+    <p:sldId id="278" r:id="rId19"/>
+    <p:sldId id="261" r:id="rId20"/>
+    <p:sldId id="266" r:id="rId21"/>
+    <p:sldId id="267" r:id="rId22"/>
+    <p:sldId id="273" r:id="rId23"/>
+    <p:sldId id="277" r:id="rId24"/>
+    <p:sldId id="276" r:id="rId25"/>
+    <p:sldId id="270" r:id="rId26"/>
+    <p:sldId id="272" r:id="rId27"/>
+    <p:sldId id="271" r:id="rId28"/>
   </p:sldIdLst>
   <p:sldSz cx="6858000" cy="9144000" type="screen4x3"/>
   <p:notesSz cx="6858000" cy="9144000"/>
@@ -237,7 +241,7 @@
             <a:fld id="{7FD773D1-FC60-4896-8BCC-9B28FBDAB5FD}" type="datetimeFigureOut">
               <a:rPr lang="de-DE" smtClean="0"/>
               <a:pPr/>
-              <a:t>23.08.18</a:t>
+              <a:t>28.08.18</a:t>
             </a:fld>
             <a:endParaRPr lang="de-DE"/>
           </a:p>
@@ -404,7 +408,7 @@
             <a:fld id="{72145D81-8E55-40FC-9585-CFDCFEF92FEB}" type="datetimeFigureOut">
               <a:rPr lang="de-DE" smtClean="0"/>
               <a:pPr/>
-              <a:t>23.08.18</a:t>
+              <a:t>28.08.18</a:t>
             </a:fld>
             <a:endParaRPr lang="de-DE"/>
           </a:p>
@@ -833,7 +837,7 @@
     </p:spTree>
     <p:extLst>
       <p:ext uri="{BB962C8B-B14F-4D97-AF65-F5344CB8AC3E}">
-        <p14:creationId xmlns:p14="http://schemas.microsoft.com/office/powerpoint/2010/main" val="1269152783"/>
+        <p14:creationId xmlns:p14="http://schemas.microsoft.com/office/powerpoint/2010/main" val="3736323973"/>
       </p:ext>
     </p:extLst>
   </p:cSld>
@@ -918,7 +922,7 @@
     </p:spTree>
     <p:extLst>
       <p:ext uri="{BB962C8B-B14F-4D97-AF65-F5344CB8AC3E}">
-        <p14:creationId xmlns:p14="http://schemas.microsoft.com/office/powerpoint/2010/main" val="917980178"/>
+        <p14:creationId xmlns:p14="http://schemas.microsoft.com/office/powerpoint/2010/main" val="2806374002"/>
       </p:ext>
     </p:extLst>
   </p:cSld>
@@ -1003,7 +1007,7 @@
     </p:spTree>
     <p:extLst>
       <p:ext uri="{BB962C8B-B14F-4D97-AF65-F5344CB8AC3E}">
-        <p14:creationId xmlns:p14="http://schemas.microsoft.com/office/powerpoint/2010/main" val="697851006"/>
+        <p14:creationId xmlns:p14="http://schemas.microsoft.com/office/powerpoint/2010/main" val="2867863723"/>
       </p:ext>
     </p:extLst>
   </p:cSld>
@@ -1088,7 +1092,7 @@
     </p:spTree>
     <p:extLst>
       <p:ext uri="{BB962C8B-B14F-4D97-AF65-F5344CB8AC3E}">
-        <p14:creationId xmlns:p14="http://schemas.microsoft.com/office/powerpoint/2010/main" val="513493299"/>
+        <p14:creationId xmlns:p14="http://schemas.microsoft.com/office/powerpoint/2010/main" val="1990889332"/>
       </p:ext>
     </p:extLst>
   </p:cSld>
@@ -1173,7 +1177,7 @@
     </p:spTree>
     <p:extLst>
       <p:ext uri="{BB962C8B-B14F-4D97-AF65-F5344CB8AC3E}">
-        <p14:creationId xmlns:p14="http://schemas.microsoft.com/office/powerpoint/2010/main" val="211071717"/>
+        <p14:creationId xmlns:p14="http://schemas.microsoft.com/office/powerpoint/2010/main" val="1269152783"/>
       </p:ext>
     </p:extLst>
   </p:cSld>
@@ -1258,7 +1262,7 @@
     </p:spTree>
     <p:extLst>
       <p:ext uri="{BB962C8B-B14F-4D97-AF65-F5344CB8AC3E}">
-        <p14:creationId xmlns:p14="http://schemas.microsoft.com/office/powerpoint/2010/main" val="4068946874"/>
+        <p14:creationId xmlns:p14="http://schemas.microsoft.com/office/powerpoint/2010/main" val="917980178"/>
       </p:ext>
     </p:extLst>
   </p:cSld>
@@ -1343,7 +1347,7 @@
     </p:spTree>
     <p:extLst>
       <p:ext uri="{BB962C8B-B14F-4D97-AF65-F5344CB8AC3E}">
-        <p14:creationId xmlns:p14="http://schemas.microsoft.com/office/powerpoint/2010/main" val="2841130257"/>
+        <p14:creationId xmlns:p14="http://schemas.microsoft.com/office/powerpoint/2010/main" val="697851006"/>
       </p:ext>
     </p:extLst>
   </p:cSld>
@@ -1428,7 +1432,7 @@
     </p:spTree>
     <p:extLst>
       <p:ext uri="{BB962C8B-B14F-4D97-AF65-F5344CB8AC3E}">
-        <p14:creationId xmlns:p14="http://schemas.microsoft.com/office/powerpoint/2010/main" val="1164118675"/>
+        <p14:creationId xmlns:p14="http://schemas.microsoft.com/office/powerpoint/2010/main" val="513493299"/>
       </p:ext>
     </p:extLst>
   </p:cSld>
@@ -1513,7 +1517,7 @@
     </p:spTree>
     <p:extLst>
       <p:ext uri="{BB962C8B-B14F-4D97-AF65-F5344CB8AC3E}">
-        <p14:creationId xmlns:p14="http://schemas.microsoft.com/office/powerpoint/2010/main" val="1051459903"/>
+        <p14:creationId xmlns:p14="http://schemas.microsoft.com/office/powerpoint/2010/main" val="211071717"/>
       </p:ext>
     </p:extLst>
   </p:cSld>
@@ -1598,7 +1602,7 @@
     </p:spTree>
     <p:extLst>
       <p:ext uri="{BB962C8B-B14F-4D97-AF65-F5344CB8AC3E}">
-        <p14:creationId xmlns:p14="http://schemas.microsoft.com/office/powerpoint/2010/main" val="518506374"/>
+        <p14:creationId xmlns:p14="http://schemas.microsoft.com/office/powerpoint/2010/main" val="4068946874"/>
       </p:ext>
     </p:extLst>
   </p:cSld>
@@ -1768,7 +1772,7 @@
     </p:spTree>
     <p:extLst>
       <p:ext uri="{BB962C8B-B14F-4D97-AF65-F5344CB8AC3E}">
-        <p14:creationId xmlns:p14="http://schemas.microsoft.com/office/powerpoint/2010/main" val="2903287065"/>
+        <p14:creationId xmlns:p14="http://schemas.microsoft.com/office/powerpoint/2010/main" val="2841130257"/>
       </p:ext>
     </p:extLst>
   </p:cSld>
@@ -1853,7 +1857,7 @@
     </p:spTree>
     <p:extLst>
       <p:ext uri="{BB962C8B-B14F-4D97-AF65-F5344CB8AC3E}">
-        <p14:creationId xmlns:p14="http://schemas.microsoft.com/office/powerpoint/2010/main" val="4254741149"/>
+        <p14:creationId xmlns:p14="http://schemas.microsoft.com/office/powerpoint/2010/main" val="1164118675"/>
       </p:ext>
     </p:extLst>
   </p:cSld>
@@ -1938,7 +1942,7 @@
     </p:spTree>
     <p:extLst>
       <p:ext uri="{BB962C8B-B14F-4D97-AF65-F5344CB8AC3E}">
-        <p14:creationId xmlns:p14="http://schemas.microsoft.com/office/powerpoint/2010/main" val="4054934049"/>
+        <p14:creationId xmlns:p14="http://schemas.microsoft.com/office/powerpoint/2010/main" val="1051459903"/>
       </p:ext>
     </p:extLst>
   </p:cSld>
@@ -2015,6 +2019,346 @@
               <a:rPr lang="de-DE" smtClean="0"/>
               <a:pPr/>
               <a:t>23</a:t>
+            </a:fld>
+            <a:endParaRPr lang="de-DE"/>
+          </a:p>
+        </p:txBody>
+      </p:sp>
+    </p:spTree>
+    <p:extLst>
+      <p:ext uri="{BB962C8B-B14F-4D97-AF65-F5344CB8AC3E}">
+        <p14:creationId xmlns:p14="http://schemas.microsoft.com/office/powerpoint/2010/main" val="518506374"/>
+      </p:ext>
+    </p:extLst>
+  </p:cSld>
+  <p:clrMapOvr>
+    <a:masterClrMapping/>
+  </p:clrMapOvr>
+</p:notes>
+</file>
+
+<file path=ppt/notesSlides/notesSlide24.xml><?xml version="1.0" encoding="utf-8"?>
+<p:notes xmlns:a="http://schemas.openxmlformats.org/drawingml/2006/main" xmlns:r="http://schemas.openxmlformats.org/officeDocument/2006/relationships" xmlns:p="http://schemas.openxmlformats.org/presentationml/2006/main">
+  <p:cSld>
+    <p:spTree>
+      <p:nvGrpSpPr>
+        <p:cNvPr id="1" name=""/>
+        <p:cNvGrpSpPr/>
+        <p:nvPr/>
+      </p:nvGrpSpPr>
+      <p:grpSpPr>
+        <a:xfrm>
+          <a:off x="0" y="0"/>
+          <a:ext cx="0" cy="0"/>
+          <a:chOff x="0" y="0"/>
+          <a:chExt cx="0" cy="0"/>
+        </a:xfrm>
+      </p:grpSpPr>
+      <p:sp>
+        <p:nvSpPr>
+          <p:cNvPr id="2" name="Slide Image Placeholder 1"/>
+          <p:cNvSpPr>
+            <a:spLocks noGrp="1" noRot="1" noChangeAspect="1"/>
+          </p:cNvSpPr>
+          <p:nvPr>
+            <p:ph type="sldImg"/>
+          </p:nvPr>
+        </p:nvSpPr>
+        <p:spPr/>
+      </p:sp>
+      <p:sp>
+        <p:nvSpPr>
+          <p:cNvPr id="3" name="Notes Placeholder 2"/>
+          <p:cNvSpPr>
+            <a:spLocks noGrp="1"/>
+          </p:cNvSpPr>
+          <p:nvPr>
+            <p:ph type="body" idx="1"/>
+          </p:nvPr>
+        </p:nvSpPr>
+        <p:spPr/>
+        <p:txBody>
+          <a:bodyPr/>
+          <a:lstStyle/>
+          <a:p>
+            <a:endParaRPr lang="de-DE"/>
+          </a:p>
+        </p:txBody>
+      </p:sp>
+      <p:sp>
+        <p:nvSpPr>
+          <p:cNvPr id="4" name="Slide Number Placeholder 3"/>
+          <p:cNvSpPr>
+            <a:spLocks noGrp="1"/>
+          </p:cNvSpPr>
+          <p:nvPr>
+            <p:ph type="sldNum" sz="quarter" idx="10"/>
+          </p:nvPr>
+        </p:nvSpPr>
+        <p:spPr/>
+        <p:txBody>
+          <a:bodyPr/>
+          <a:lstStyle/>
+          <a:p>
+            <a:fld id="{D6E72435-FA90-4640-AFCA-E6A02F5F1494}" type="slidenum">
+              <a:rPr lang="de-DE" smtClean="0"/>
+              <a:pPr/>
+              <a:t>24</a:t>
+            </a:fld>
+            <a:endParaRPr lang="de-DE"/>
+          </a:p>
+        </p:txBody>
+      </p:sp>
+    </p:spTree>
+    <p:extLst>
+      <p:ext uri="{BB962C8B-B14F-4D97-AF65-F5344CB8AC3E}">
+        <p14:creationId xmlns:p14="http://schemas.microsoft.com/office/powerpoint/2010/main" val="2903287065"/>
+      </p:ext>
+    </p:extLst>
+  </p:cSld>
+  <p:clrMapOvr>
+    <a:masterClrMapping/>
+  </p:clrMapOvr>
+</p:notes>
+</file>
+
+<file path=ppt/notesSlides/notesSlide25.xml><?xml version="1.0" encoding="utf-8"?>
+<p:notes xmlns:a="http://schemas.openxmlformats.org/drawingml/2006/main" xmlns:r="http://schemas.openxmlformats.org/officeDocument/2006/relationships" xmlns:p="http://schemas.openxmlformats.org/presentationml/2006/main">
+  <p:cSld>
+    <p:spTree>
+      <p:nvGrpSpPr>
+        <p:cNvPr id="1" name=""/>
+        <p:cNvGrpSpPr/>
+        <p:nvPr/>
+      </p:nvGrpSpPr>
+      <p:grpSpPr>
+        <a:xfrm>
+          <a:off x="0" y="0"/>
+          <a:ext cx="0" cy="0"/>
+          <a:chOff x="0" y="0"/>
+          <a:chExt cx="0" cy="0"/>
+        </a:xfrm>
+      </p:grpSpPr>
+      <p:sp>
+        <p:nvSpPr>
+          <p:cNvPr id="2" name="Slide Image Placeholder 1"/>
+          <p:cNvSpPr>
+            <a:spLocks noGrp="1" noRot="1" noChangeAspect="1"/>
+          </p:cNvSpPr>
+          <p:nvPr>
+            <p:ph type="sldImg"/>
+          </p:nvPr>
+        </p:nvSpPr>
+        <p:spPr/>
+      </p:sp>
+      <p:sp>
+        <p:nvSpPr>
+          <p:cNvPr id="3" name="Notes Placeholder 2"/>
+          <p:cNvSpPr>
+            <a:spLocks noGrp="1"/>
+          </p:cNvSpPr>
+          <p:nvPr>
+            <p:ph type="body" idx="1"/>
+          </p:nvPr>
+        </p:nvSpPr>
+        <p:spPr/>
+        <p:txBody>
+          <a:bodyPr/>
+          <a:lstStyle/>
+          <a:p>
+            <a:endParaRPr lang="de-DE"/>
+          </a:p>
+        </p:txBody>
+      </p:sp>
+      <p:sp>
+        <p:nvSpPr>
+          <p:cNvPr id="4" name="Slide Number Placeholder 3"/>
+          <p:cNvSpPr>
+            <a:spLocks noGrp="1"/>
+          </p:cNvSpPr>
+          <p:nvPr>
+            <p:ph type="sldNum" sz="quarter" idx="10"/>
+          </p:nvPr>
+        </p:nvSpPr>
+        <p:spPr/>
+        <p:txBody>
+          <a:bodyPr/>
+          <a:lstStyle/>
+          <a:p>
+            <a:fld id="{D6E72435-FA90-4640-AFCA-E6A02F5F1494}" type="slidenum">
+              <a:rPr lang="de-DE" smtClean="0"/>
+              <a:pPr/>
+              <a:t>25</a:t>
+            </a:fld>
+            <a:endParaRPr lang="de-DE"/>
+          </a:p>
+        </p:txBody>
+      </p:sp>
+    </p:spTree>
+    <p:extLst>
+      <p:ext uri="{BB962C8B-B14F-4D97-AF65-F5344CB8AC3E}">
+        <p14:creationId xmlns:p14="http://schemas.microsoft.com/office/powerpoint/2010/main" val="4254741149"/>
+      </p:ext>
+    </p:extLst>
+  </p:cSld>
+  <p:clrMapOvr>
+    <a:masterClrMapping/>
+  </p:clrMapOvr>
+</p:notes>
+</file>
+
+<file path=ppt/notesSlides/notesSlide26.xml><?xml version="1.0" encoding="utf-8"?>
+<p:notes xmlns:a="http://schemas.openxmlformats.org/drawingml/2006/main" xmlns:r="http://schemas.openxmlformats.org/officeDocument/2006/relationships" xmlns:p="http://schemas.openxmlformats.org/presentationml/2006/main">
+  <p:cSld>
+    <p:spTree>
+      <p:nvGrpSpPr>
+        <p:cNvPr id="1" name=""/>
+        <p:cNvGrpSpPr/>
+        <p:nvPr/>
+      </p:nvGrpSpPr>
+      <p:grpSpPr>
+        <a:xfrm>
+          <a:off x="0" y="0"/>
+          <a:ext cx="0" cy="0"/>
+          <a:chOff x="0" y="0"/>
+          <a:chExt cx="0" cy="0"/>
+        </a:xfrm>
+      </p:grpSpPr>
+      <p:sp>
+        <p:nvSpPr>
+          <p:cNvPr id="2" name="Slide Image Placeholder 1"/>
+          <p:cNvSpPr>
+            <a:spLocks noGrp="1" noRot="1" noChangeAspect="1"/>
+          </p:cNvSpPr>
+          <p:nvPr>
+            <p:ph type="sldImg"/>
+          </p:nvPr>
+        </p:nvSpPr>
+        <p:spPr/>
+      </p:sp>
+      <p:sp>
+        <p:nvSpPr>
+          <p:cNvPr id="3" name="Notes Placeholder 2"/>
+          <p:cNvSpPr>
+            <a:spLocks noGrp="1"/>
+          </p:cNvSpPr>
+          <p:nvPr>
+            <p:ph type="body" idx="1"/>
+          </p:nvPr>
+        </p:nvSpPr>
+        <p:spPr/>
+        <p:txBody>
+          <a:bodyPr/>
+          <a:lstStyle/>
+          <a:p>
+            <a:endParaRPr lang="de-DE"/>
+          </a:p>
+        </p:txBody>
+      </p:sp>
+      <p:sp>
+        <p:nvSpPr>
+          <p:cNvPr id="4" name="Slide Number Placeholder 3"/>
+          <p:cNvSpPr>
+            <a:spLocks noGrp="1"/>
+          </p:cNvSpPr>
+          <p:nvPr>
+            <p:ph type="sldNum" sz="quarter" idx="10"/>
+          </p:nvPr>
+        </p:nvSpPr>
+        <p:spPr/>
+        <p:txBody>
+          <a:bodyPr/>
+          <a:lstStyle/>
+          <a:p>
+            <a:fld id="{D6E72435-FA90-4640-AFCA-E6A02F5F1494}" type="slidenum">
+              <a:rPr lang="de-DE" smtClean="0"/>
+              <a:pPr/>
+              <a:t>26</a:t>
+            </a:fld>
+            <a:endParaRPr lang="de-DE"/>
+          </a:p>
+        </p:txBody>
+      </p:sp>
+    </p:spTree>
+    <p:extLst>
+      <p:ext uri="{BB962C8B-B14F-4D97-AF65-F5344CB8AC3E}">
+        <p14:creationId xmlns:p14="http://schemas.microsoft.com/office/powerpoint/2010/main" val="4054934049"/>
+      </p:ext>
+    </p:extLst>
+  </p:cSld>
+  <p:clrMapOvr>
+    <a:masterClrMapping/>
+  </p:clrMapOvr>
+</p:notes>
+</file>
+
+<file path=ppt/notesSlides/notesSlide27.xml><?xml version="1.0" encoding="utf-8"?>
+<p:notes xmlns:a="http://schemas.openxmlformats.org/drawingml/2006/main" xmlns:r="http://schemas.openxmlformats.org/officeDocument/2006/relationships" xmlns:p="http://schemas.openxmlformats.org/presentationml/2006/main">
+  <p:cSld>
+    <p:spTree>
+      <p:nvGrpSpPr>
+        <p:cNvPr id="1" name=""/>
+        <p:cNvGrpSpPr/>
+        <p:nvPr/>
+      </p:nvGrpSpPr>
+      <p:grpSpPr>
+        <a:xfrm>
+          <a:off x="0" y="0"/>
+          <a:ext cx="0" cy="0"/>
+          <a:chOff x="0" y="0"/>
+          <a:chExt cx="0" cy="0"/>
+        </a:xfrm>
+      </p:grpSpPr>
+      <p:sp>
+        <p:nvSpPr>
+          <p:cNvPr id="2" name="Slide Image Placeholder 1"/>
+          <p:cNvSpPr>
+            <a:spLocks noGrp="1" noRot="1" noChangeAspect="1"/>
+          </p:cNvSpPr>
+          <p:nvPr>
+            <p:ph type="sldImg"/>
+          </p:nvPr>
+        </p:nvSpPr>
+        <p:spPr/>
+      </p:sp>
+      <p:sp>
+        <p:nvSpPr>
+          <p:cNvPr id="3" name="Notes Placeholder 2"/>
+          <p:cNvSpPr>
+            <a:spLocks noGrp="1"/>
+          </p:cNvSpPr>
+          <p:nvPr>
+            <p:ph type="body" idx="1"/>
+          </p:nvPr>
+        </p:nvSpPr>
+        <p:spPr/>
+        <p:txBody>
+          <a:bodyPr/>
+          <a:lstStyle/>
+          <a:p>
+            <a:endParaRPr lang="de-DE"/>
+          </a:p>
+        </p:txBody>
+      </p:sp>
+      <p:sp>
+        <p:nvSpPr>
+          <p:cNvPr id="4" name="Slide Number Placeholder 3"/>
+          <p:cNvSpPr>
+            <a:spLocks noGrp="1"/>
+          </p:cNvSpPr>
+          <p:nvPr>
+            <p:ph type="sldNum" sz="quarter" idx="10"/>
+          </p:nvPr>
+        </p:nvSpPr>
+        <p:spPr/>
+        <p:txBody>
+          <a:bodyPr/>
+          <a:lstStyle/>
+          <a:p>
+            <a:fld id="{D6E72435-FA90-4640-AFCA-E6A02F5F1494}" type="slidenum">
+              <a:rPr lang="de-DE" smtClean="0"/>
+              <a:pPr/>
+              <a:t>27</a:t>
             </a:fld>
             <a:endParaRPr lang="de-DE"/>
           </a:p>
@@ -4374,7 +4718,7 @@
             <a:fld id="{421FAFA7-FD27-4797-86F0-797A053F7FF1}" type="datetimeFigureOut">
               <a:rPr lang="de-DE" smtClean="0"/>
               <a:pPr/>
-              <a:t>23.08.18</a:t>
+              <a:t>28.08.18</a:t>
             </a:fld>
             <a:endParaRPr lang="de-DE"/>
           </a:p>
@@ -5522,16 +5866,16 @@
           <a:lstStyle/>
           <a:p>
             <a:r>
-              <a:rPr lang="de-DE"/>
+              <a:rPr lang="de-DE" dirty="0"/>
               <a:t>BUFFER </a:t>
             </a:r>
             <a:r>
-              <a:rPr lang="de-DE">
+              <a:rPr lang="de-DE" dirty="0">
                 <a:solidFill>
                   <a:srgbClr val="FF0000"/>
                 </a:solidFill>
               </a:rPr>
-              <a:t>9</a:t>
+              <a:t>8</a:t>
             </a:r>
           </a:p>
         </p:txBody>
@@ -5582,8 +5926,8 @@
           <a:lstStyle/>
           <a:p>
             <a:r>
-              <a:rPr lang="de-DE"/>
-              <a:t>Schleifen</a:t>
+              <a:rPr lang="de-DE" dirty="0"/>
+              <a:t>Wenn / Dann</a:t>
             </a:r>
           </a:p>
         </p:txBody>
@@ -5603,7 +5947,7 @@
         <p:spPr>
           <a:xfrm>
             <a:off x="2095109" y="6230895"/>
-            <a:ext cx="2667782" cy="369332"/>
+            <a:ext cx="1925976" cy="369332"/>
           </a:xfrm>
           <a:prstGeom prst="rect">
             <a:avLst/>
@@ -5617,16 +5961,29 @@
           <a:lstStyle/>
           <a:p>
             <a:r>
-              <a:rPr lang="de-DE"/>
-              <a:t>Alien-Geräusche für Spiele</a:t>
-            </a:r>
+              <a:rPr lang="de-DE" dirty="0"/>
+              <a:t>Zählen mit </a:t>
+            </a:r>
+            <a:r>
+              <a:rPr lang="de-DE" dirty="0" err="1"/>
+              <a:t>if</a:t>
+            </a:r>
+            <a:r>
+              <a:rPr lang="de-DE" dirty="0"/>
+              <a:t> / </a:t>
+            </a:r>
+            <a:r>
+              <a:rPr lang="de-DE" dirty="0" err="1"/>
+              <a:t>else</a:t>
+            </a:r>
+            <a:endParaRPr lang="de-DE" dirty="0"/>
           </a:p>
         </p:txBody>
       </p:sp>
     </p:spTree>
     <p:extLst>
       <p:ext uri="{BB962C8B-B14F-4D97-AF65-F5344CB8AC3E}">
-        <p14:creationId xmlns:p14="http://schemas.microsoft.com/office/powerpoint/2010/main" val="3690587624"/>
+        <p14:creationId xmlns:p14="http://schemas.microsoft.com/office/powerpoint/2010/main" val="3618994494"/>
       </p:ext>
     </p:extLst>
   </p:cSld>
@@ -5674,17 +6031,22 @@
           <a:lstStyle/>
           <a:p>
             <a:r>
-              <a:rPr lang="de-DE" sz="2000"/>
-              <a:t>Wir nennen das eine </a:t>
-            </a:r>
-            <a:r>
-              <a:rPr lang="de-DE" sz="2000">
-                <a:solidFill>
-                  <a:srgbClr val="FF0000"/>
-                </a:solidFill>
-              </a:rPr>
-              <a:t>Zähl-Schleife</a:t>
-            </a:r>
+              <a:rPr lang="de-DE" sz="2000" dirty="0"/>
+              <a:t>Wir nennen </a:t>
+            </a:r>
+            <a:r>
+              <a:rPr lang="de-DE" sz="2000" dirty="0" err="1"/>
+              <a:t>meinton</a:t>
+            </a:r>
+            <a:r>
+              <a:rPr lang="de-DE" sz="2000" dirty="0"/>
+              <a:t> eine Variable</a:t>
+            </a:r>
+            <a:endParaRPr lang="de-DE" sz="2000" dirty="0">
+              <a:solidFill>
+                <a:srgbClr val="FF0000"/>
+              </a:solidFill>
+            </a:endParaRPr>
           </a:p>
         </p:txBody>
       </p:sp>
@@ -5701,7 +6063,7 @@
         <p:spPr>
           <a:xfrm>
             <a:off x="375380" y="3179894"/>
-            <a:ext cx="6453336" cy="1311128"/>
+            <a:ext cx="6453336" cy="978729"/>
           </a:xfrm>
         </p:spPr>
         <p:txBody>
@@ -5709,106 +6071,49 @@
           <a:lstStyle/>
           <a:p>
             <a:r>
-              <a:rPr lang="de-DE"/>
+              <a:rPr lang="de-DE" dirty="0"/>
               <a:t>Was passiert hier und warum? </a:t>
             </a:r>
             <a:br>
-              <a:rPr lang="de-DE"/>
+              <a:rPr lang="de-DE" dirty="0"/>
             </a:br>
             <a:r>
-              <a:rPr lang="de-DE"/>
+              <a:rPr lang="de-DE" dirty="0"/>
               <a:t>Was ist </a:t>
             </a:r>
             <a:r>
-              <a:rPr lang="de-DE" err="1">
-                <a:solidFill>
-                  <a:schemeClr val="accent3">
-                    <a:lumMod val="75000"/>
-                  </a:schemeClr>
+              <a:rPr lang="de-DE" dirty="0" err="1">
+                <a:solidFill>
+                  <a:srgbClr val="0070C0"/>
                 </a:solidFill>
               </a:rPr>
               <a:t>meinton</a:t>
             </a:r>
             <a:r>
-              <a:rPr lang="de-DE"/>
-              <a:t>? Was passiert mit </a:t>
-            </a:r>
-            <a:r>
-              <a:rPr lang="de-DE" err="1">
-                <a:solidFill>
-                  <a:schemeClr val="accent3">
-                    <a:lumMod val="75000"/>
-                  </a:schemeClr>
+              <a:rPr lang="de-DE" dirty="0"/>
+              <a:t>? Was bedeutet das = ?</a:t>
+            </a:r>
+          </a:p>
+          <a:p>
+            <a:r>
+              <a:rPr lang="de-DE" dirty="0"/>
+              <a:t>Was passiert wenn du in </a:t>
+            </a:r>
+            <a:r>
+              <a:rPr lang="de-DE" dirty="0" err="1">
+                <a:solidFill>
+                  <a:srgbClr val="0070C0"/>
                 </a:solidFill>
               </a:rPr>
               <a:t>meinton</a:t>
             </a:r>
             <a:r>
-              <a:rPr lang="de-DE"/>
-              <a:t> in der </a:t>
-            </a:r>
-            <a:r>
-              <a:rPr lang="de-DE">
-                <a:solidFill>
-                  <a:schemeClr val="tx2">
-                    <a:lumMod val="60000"/>
-                    <a:lumOff val="40000"/>
-                  </a:schemeClr>
-                </a:solidFill>
-              </a:rPr>
-              <a:t>Schleife</a:t>
-            </a:r>
-          </a:p>
-          <a:p>
-            <a:r>
-              <a:rPr lang="de-DE"/>
-              <a:t>Was macht </a:t>
-            </a:r>
-            <a:r>
-              <a:rPr lang="de-DE" err="1">
-                <a:solidFill>
-                  <a:srgbClr val="FFC000"/>
-                </a:solidFill>
-              </a:rPr>
-              <a:t>play</a:t>
-            </a:r>
-            <a:r>
-              <a:rPr lang="de-DE"/>
-              <a:t> mit </a:t>
-            </a:r>
-            <a:r>
-              <a:rPr lang="de-DE" err="1">
-                <a:solidFill>
-                  <a:schemeClr val="accent3">
-                    <a:lumMod val="75000"/>
-                  </a:schemeClr>
-                </a:solidFill>
-              </a:rPr>
-              <a:t>meinton</a:t>
-            </a:r>
-            <a:r>
-              <a:rPr lang="de-DE"/>
-              <a:t>?</a:t>
-            </a:r>
-          </a:p>
-          <a:p>
-            <a:r>
-              <a:rPr lang="de-DE"/>
-              <a:t>Was passiert, wenn du </a:t>
-            </a:r>
-            <a:r>
-              <a:rPr lang="de-DE" err="1">
-                <a:solidFill>
-                  <a:schemeClr val="accent3">
-                    <a:lumMod val="75000"/>
-                  </a:schemeClr>
-                </a:solidFill>
-              </a:rPr>
-              <a:t>meinton</a:t>
-            </a:r>
-            <a:r>
-              <a:rPr lang="de-DE"/>
-              <a:t> in deinen Namen änderst?</a:t>
+              <a:rPr lang="de-DE" b="0" dirty="0">
+                <a:solidFill>
+                  <a:schemeClr val="tx1"/>
+                </a:solidFill>
+              </a:rPr>
+              <a:t>= 60 schreibst?</a:t>
             </a:r>
           </a:p>
         </p:txBody>
@@ -5834,14 +6139,22 @@
           <a:lstStyle/>
           <a:p>
             <a:r>
-              <a:rPr lang="de-DE"/>
-              <a:t>Eine Zählschleife in der Endlosschleife</a:t>
-            </a:r>
-          </a:p>
-          <a:p>
-            <a:r>
-              <a:rPr lang="de-DE"/>
-              <a:t>Was passiert nun?</a:t>
+              <a:rPr lang="de-DE" dirty="0"/>
+              <a:t>Welche Zahl hat </a:t>
+            </a:r>
+            <a:r>
+              <a:rPr lang="de-DE" dirty="0" err="1"/>
+              <a:t>meinton</a:t>
+            </a:r>
+            <a:r>
+              <a:rPr lang="de-DE" dirty="0"/>
+              <a:t> nach der dritten Zeile?</a:t>
+            </a:r>
+          </a:p>
+          <a:p>
+            <a:r>
+              <a:rPr lang="de-DE" dirty="0"/>
+              <a:t>Welcher Ton wird in der vierten Zeile gespielt?</a:t>
             </a:r>
           </a:p>
         </p:txBody>
@@ -5879,8 +6192,8 @@
         </p:nvSpPr>
         <p:spPr>
           <a:xfrm>
-            <a:off x="1327076" y="836510"/>
-            <a:ext cx="4608512" cy="1815882"/>
+            <a:off x="836712" y="803964"/>
+            <a:ext cx="4608512" cy="954107"/>
           </a:xfrm>
           <a:prstGeom prst="rect">
             <a:avLst/>
@@ -5894,7 +6207,7 @@
           <a:lstStyle/>
           <a:p>
             <a:r>
-              <a:rPr lang="de-DE" sz="2800" err="1">
+              <a:rPr lang="de-DE" sz="2800" dirty="0" err="1">
                 <a:solidFill>
                   <a:schemeClr val="tx2">
                     <a:lumMod val="60000"/>
@@ -5902,226 +6215,59 @@
                   </a:schemeClr>
                 </a:solidFill>
               </a:rPr>
-              <a:t>for</a:t>
-            </a:r>
-            <a:r>
-              <a:rPr lang="de-DE" sz="2800">
+              <a:t>meinton</a:t>
+            </a:r>
+            <a:r>
+              <a:rPr lang="de-DE" sz="2800" dirty="0">
+                <a:solidFill>
+                  <a:schemeClr val="tx2">
+                    <a:lumMod val="60000"/>
+                    <a:lumOff val="40000"/>
+                  </a:schemeClr>
+                </a:solidFill>
+              </a:rPr>
+              <a:t> </a:t>
+            </a:r>
+            <a:r>
+              <a:rPr lang="de-DE" sz="2800" dirty="0"/>
+              <a:t>= 50</a:t>
+            </a:r>
+          </a:p>
+          <a:p>
+            <a:r>
+              <a:rPr lang="de-DE" sz="2800" dirty="0" err="1">
                 <a:solidFill>
                   <a:srgbClr val="FFC000"/>
                 </a:solidFill>
               </a:rPr>
+              <a:t>play</a:t>
+            </a:r>
+            <a:r>
+              <a:rPr lang="de-DE" sz="2800" dirty="0">
+                <a:solidFill>
+                  <a:srgbClr val="FFC000"/>
+                </a:solidFill>
+              </a:rPr>
               <a:t> </a:t>
             </a:r>
             <a:r>
-              <a:rPr lang="de-DE" sz="2800" err="1">
-                <a:solidFill>
-                  <a:schemeClr val="accent3">
-                    <a:lumMod val="75000"/>
+              <a:rPr lang="de-DE" sz="2800" dirty="0" err="1">
+                <a:solidFill>
+                  <a:schemeClr val="tx2">
+                    <a:lumMod val="60000"/>
+                    <a:lumOff val="40000"/>
                   </a:schemeClr>
                 </a:solidFill>
               </a:rPr>
               <a:t>meinton</a:t>
             </a:r>
-            <a:r>
-              <a:rPr lang="de-DE" sz="2800">
-                <a:solidFill>
-                  <a:srgbClr val="FFC000"/>
-                </a:solidFill>
-              </a:rPr>
-              <a:t> in </a:t>
-            </a:r>
-            <a:r>
-              <a:rPr lang="de-DE" sz="2800">
-                <a:solidFill>
-                  <a:srgbClr val="FF0000"/>
-                </a:solidFill>
-              </a:rPr>
-              <a:t>50..65</a:t>
-            </a:r>
-          </a:p>
-          <a:p>
-            <a:r>
-              <a:rPr lang="de-DE" sz="2800">
-                <a:solidFill>
-                  <a:srgbClr val="FFC000"/>
-                </a:solidFill>
-              </a:rPr>
-              <a:t>    </a:t>
-            </a:r>
-            <a:r>
-              <a:rPr lang="de-DE" sz="2800" err="1">
-                <a:solidFill>
-                  <a:srgbClr val="FFC000"/>
-                </a:solidFill>
-              </a:rPr>
-              <a:t>play</a:t>
-            </a:r>
-            <a:r>
-              <a:rPr lang="de-DE" sz="2800">
-                <a:solidFill>
-                  <a:srgbClr val="FFC000"/>
-                </a:solidFill>
-              </a:rPr>
-              <a:t> </a:t>
-            </a:r>
-            <a:r>
-              <a:rPr lang="de-DE" sz="2800" err="1">
-                <a:solidFill>
-                  <a:schemeClr val="accent3">
-                    <a:lumMod val="75000"/>
-                  </a:schemeClr>
-                </a:solidFill>
-              </a:rPr>
-              <a:t>meinton</a:t>
-            </a:r>
-            <a:endParaRPr lang="de-DE" sz="2800">
+            <a:endParaRPr lang="de-DE" sz="2800" dirty="0">
               <a:solidFill>
                 <a:schemeClr val="accent3">
                   <a:lumMod val="75000"/>
                 </a:schemeClr>
               </a:solidFill>
             </a:endParaRPr>
-          </a:p>
-          <a:p>
-            <a:r>
-              <a:rPr lang="de-DE" sz="2800">
-                <a:solidFill>
-                  <a:srgbClr val="FFC000"/>
-                </a:solidFill>
-              </a:rPr>
-              <a:t>    </a:t>
-            </a:r>
-            <a:r>
-              <a:rPr lang="de-DE" sz="2800" err="1">
-                <a:solidFill>
-                  <a:srgbClr val="FFC000"/>
-                </a:solidFill>
-              </a:rPr>
-              <a:t>sleep</a:t>
-            </a:r>
-            <a:r>
-              <a:rPr lang="de-DE" sz="2800">
-                <a:solidFill>
-                  <a:srgbClr val="FFC000"/>
-                </a:solidFill>
-              </a:rPr>
-              <a:t> 1</a:t>
-            </a:r>
-          </a:p>
-          <a:p>
-            <a:r>
-              <a:rPr lang="de-DE" sz="2800">
-                <a:solidFill>
-                  <a:schemeClr val="tx2">
-                    <a:lumMod val="60000"/>
-                    <a:lumOff val="40000"/>
-                  </a:schemeClr>
-                </a:solidFill>
-              </a:rPr>
-              <a:t>end</a:t>
-            </a:r>
-          </a:p>
-        </p:txBody>
-      </p:sp>
-      <p:sp>
-        <p:nvSpPr>
-          <p:cNvPr id="18" name="Curved Left Arrow 17">
-            <a:extLst>
-              <a:ext uri="{FF2B5EF4-FFF2-40B4-BE49-F238E27FC236}">
-                <a16:creationId xmlns:a16="http://schemas.microsoft.com/office/drawing/2014/main" id="{96DE0000-2CEA-DA4A-B0D3-57772684A010}"/>
-              </a:ext>
-            </a:extLst>
-          </p:cNvPr>
-          <p:cNvSpPr/>
-          <p:nvPr/>
-        </p:nvSpPr>
-        <p:spPr>
-          <a:xfrm rot="10800000">
-            <a:off x="266941" y="975439"/>
-            <a:ext cx="648072" cy="1538023"/>
-          </a:xfrm>
-          <a:prstGeom prst="curvedLeftArrow">
-            <a:avLst/>
-          </a:prstGeom>
-        </p:spPr>
-        <p:style>
-          <a:lnRef idx="2">
-            <a:schemeClr val="accent1">
-              <a:shade val="50000"/>
-            </a:schemeClr>
-          </a:lnRef>
-          <a:fillRef idx="1">
-            <a:schemeClr val="accent1"/>
-          </a:fillRef>
-          <a:effectRef idx="0">
-            <a:schemeClr val="accent1"/>
-          </a:effectRef>
-          <a:fontRef idx="minor">
-            <a:schemeClr val="lt1"/>
-          </a:fontRef>
-        </p:style>
-        <p:txBody>
-          <a:bodyPr rot="0" spcFirstLastPara="0" vertOverflow="overflow" horzOverflow="overflow" vert="horz" wrap="square" lIns="91440" tIns="45720" rIns="91440" bIns="45720" numCol="1" spcCol="0" rtlCol="0" fromWordArt="0" anchor="ctr" anchorCtr="0" forceAA="0" compatLnSpc="1">
-            <a:prstTxWarp prst="textNoShape">
-              <a:avLst/>
-            </a:prstTxWarp>
-            <a:noAutofit/>
-          </a:bodyPr>
-          <a:lstStyle/>
-          <a:p>
-            <a:pPr algn="ctr"/>
-            <a:endParaRPr lang="de-DE">
-              <a:solidFill>
-                <a:schemeClr val="tx1"/>
-              </a:solidFill>
-            </a:endParaRPr>
-          </a:p>
-        </p:txBody>
-      </p:sp>
-      <p:sp>
-        <p:nvSpPr>
-          <p:cNvPr id="19" name="TextBox 18">
-            <a:extLst>
-              <a:ext uri="{FF2B5EF4-FFF2-40B4-BE49-F238E27FC236}">
-                <a16:creationId xmlns:a16="http://schemas.microsoft.com/office/drawing/2014/main" id="{71AFAC2B-D31E-B541-AA36-2BBC203441B3}"/>
-              </a:ext>
-            </a:extLst>
-          </p:cNvPr>
-          <p:cNvSpPr txBox="1"/>
-          <p:nvPr/>
-        </p:nvSpPr>
-        <p:spPr>
-          <a:xfrm>
-            <a:off x="590977" y="1364012"/>
-            <a:ext cx="736099" cy="923330"/>
-          </a:xfrm>
-          <a:prstGeom prst="rect">
-            <a:avLst/>
-          </a:prstGeom>
-          <a:noFill/>
-        </p:spPr>
-        <p:txBody>
-          <a:bodyPr wrap="none" rtlCol="0">
-            <a:spAutoFit/>
-          </a:bodyPr>
-          <a:lstStyle/>
-          <a:p>
-            <a:r>
-              <a:rPr lang="de-DE"/>
-              <a:t>Für </a:t>
-            </a:r>
-          </a:p>
-          <a:p>
-            <a:r>
-              <a:rPr lang="de-DE"/>
-              <a:t>50 bis</a:t>
-            </a:r>
-          </a:p>
-          <a:p>
-            <a:r>
-              <a:rPr lang="de-DE"/>
-              <a:t>65</a:t>
-            </a:r>
           </a:p>
         </p:txBody>
       </p:sp>
@@ -6139,8 +6285,8 @@
         </p:nvSpPr>
         <p:spPr>
           <a:xfrm>
-            <a:off x="1769224" y="5134704"/>
-            <a:ext cx="4608512" cy="2677656"/>
+            <a:off x="816536" y="5364088"/>
+            <a:ext cx="4608512" cy="2246769"/>
           </a:xfrm>
           <a:prstGeom prst="rect">
             <a:avLst/>
@@ -6154,7 +6300,7 @@
           <a:lstStyle/>
           <a:p>
             <a:r>
-              <a:rPr lang="de-DE" sz="2800" dirty="0">
+              <a:rPr lang="de-DE" sz="2800" dirty="0" err="1">
                 <a:solidFill>
                   <a:schemeClr val="tx2">
                     <a:lumMod val="60000"/>
@@ -6162,34 +6308,8 @@
                   </a:schemeClr>
                 </a:solidFill>
               </a:rPr>
-              <a:t>live_loop </a:t>
-            </a:r>
-            <a:r>
-              <a:rPr lang="de-DE" sz="2800" dirty="0">
-                <a:solidFill>
-                  <a:srgbClr val="FFC000"/>
-                </a:solidFill>
-              </a:rPr>
-              <a:t>:</a:t>
-            </a:r>
-            <a:r>
-              <a:rPr lang="de-DE" sz="2800" dirty="0" err="1">
-                <a:solidFill>
-                  <a:srgbClr val="FFC000"/>
-                </a:solidFill>
-              </a:rPr>
-              <a:t>immerwieder</a:t>
-            </a:r>
-            <a:r>
-              <a:rPr lang="de-DE" sz="2800" dirty="0">
-                <a:solidFill>
-                  <a:srgbClr val="FFC000"/>
-                </a:solidFill>
-              </a:rPr>
-              <a:t> do</a:t>
-            </a:r>
-          </a:p>
-          <a:p>
+              <a:t>meinton</a:t>
+            </a:r>
             <a:r>
               <a:rPr lang="de-DE" sz="2800" dirty="0">
                 <a:solidFill>
@@ -6199,10 +6319,24 @@
                   </a:schemeClr>
                 </a:solidFill>
               </a:rPr>
-              <a:t>   </a:t>
-            </a:r>
+              <a:t> </a:t>
+            </a:r>
+            <a:r>
+              <a:rPr lang="de-DE" sz="2800" dirty="0"/>
+              <a:t>= 50</a:t>
+            </a:r>
+          </a:p>
+          <a:p>
             <a:r>
               <a:rPr lang="de-DE" sz="2800" dirty="0" err="1">
+                <a:solidFill>
+                  <a:srgbClr val="FFC000"/>
+                </a:solidFill>
+              </a:rPr>
+              <a:t>play</a:t>
+            </a:r>
+            <a:r>
+              <a:rPr lang="de-DE" sz="2800" dirty="0">
                 <a:solidFill>
                   <a:schemeClr val="tx2">
                     <a:lumMod val="60000"/>
@@ -6210,101 +6344,10 @@
                   </a:schemeClr>
                 </a:solidFill>
               </a:rPr>
-              <a:t>for</a:t>
-            </a:r>
-            <a:r>
-              <a:rPr lang="de-DE" sz="2800" dirty="0">
-                <a:solidFill>
-                  <a:srgbClr val="FFC000"/>
-                </a:solidFill>
-              </a:rPr>
               <a:t> </a:t>
             </a:r>
             <a:r>
               <a:rPr lang="de-DE" sz="2800" dirty="0" err="1">
-                <a:solidFill>
-                  <a:srgbClr val="FFC000"/>
-                </a:solidFill>
-              </a:rPr>
-              <a:t>meinton</a:t>
-            </a:r>
-            <a:r>
-              <a:rPr lang="de-DE" sz="2800" dirty="0">
-                <a:solidFill>
-                  <a:srgbClr val="FFC000"/>
-                </a:solidFill>
-              </a:rPr>
-              <a:t> in 50..65</a:t>
-            </a:r>
-          </a:p>
-          <a:p>
-            <a:r>
-              <a:rPr lang="de-DE" sz="2800" dirty="0">
-                <a:solidFill>
-                  <a:srgbClr val="FFC000"/>
-                </a:solidFill>
-              </a:rPr>
-              <a:t>       </a:t>
-            </a:r>
-            <a:r>
-              <a:rPr lang="de-DE" sz="2800" dirty="0" err="1">
-                <a:solidFill>
-                  <a:srgbClr val="FFC000"/>
-                </a:solidFill>
-              </a:rPr>
-              <a:t>play</a:t>
-            </a:r>
-            <a:r>
-              <a:rPr lang="de-DE" sz="2800" dirty="0">
-                <a:solidFill>
-                  <a:srgbClr val="FFC000"/>
-                </a:solidFill>
-              </a:rPr>
-              <a:t> </a:t>
-            </a:r>
-            <a:r>
-              <a:rPr lang="de-DE" sz="2800" dirty="0" err="1">
-                <a:solidFill>
-                  <a:srgbClr val="FFC000"/>
-                </a:solidFill>
-              </a:rPr>
-              <a:t>meinton</a:t>
-            </a:r>
-            <a:endParaRPr lang="de-DE" sz="2800" dirty="0">
-              <a:solidFill>
-                <a:srgbClr val="FFC000"/>
-              </a:solidFill>
-            </a:endParaRPr>
-          </a:p>
-          <a:p>
-            <a:r>
-              <a:rPr lang="de-DE" sz="2800" dirty="0">
-                <a:solidFill>
-                  <a:srgbClr val="FFC000"/>
-                </a:solidFill>
-              </a:rPr>
-              <a:t>       </a:t>
-            </a:r>
-            <a:r>
-              <a:rPr lang="de-DE" sz="2800" dirty="0" err="1">
-                <a:solidFill>
-                  <a:srgbClr val="FFC000"/>
-                </a:solidFill>
-              </a:rPr>
-              <a:t>sleep</a:t>
-            </a:r>
-            <a:r>
-              <a:rPr lang="de-DE" sz="2800" dirty="0">
-                <a:solidFill>
-                  <a:srgbClr val="FFC000"/>
-                </a:solidFill>
-              </a:rPr>
-              <a:t> 1</a:t>
-            </a:r>
-          </a:p>
-          <a:p>
-            <a:r>
-              <a:rPr lang="de-DE" sz="2800" dirty="0">
                 <a:solidFill>
                   <a:schemeClr val="tx2">
                     <a:lumMod val="60000"/>
@@ -6312,12 +6355,30 @@
                   </a:schemeClr>
                 </a:solidFill>
               </a:rPr>
-              <a:t>   end</a:t>
-            </a:r>
-          </a:p>
-          <a:p>
-            <a:r>
-              <a:rPr lang="de-DE" sz="2800" dirty="0">
+              <a:t>meinton</a:t>
+            </a:r>
+            <a:endParaRPr lang="de-DE" sz="2800" dirty="0">
+              <a:solidFill>
+                <a:schemeClr val="tx2">
+                  <a:lumMod val="60000"/>
+                  <a:lumOff val="40000"/>
+                </a:schemeClr>
+              </a:solidFill>
+            </a:endParaRPr>
+          </a:p>
+          <a:p>
+            <a:r>
+              <a:rPr lang="de-DE" sz="2800" dirty="0" err="1"/>
+              <a:t>sleep</a:t>
+            </a:r>
+            <a:r>
+              <a:rPr lang="de-DE" sz="2800" dirty="0"/>
+              <a:t> 1</a:t>
+            </a:r>
+          </a:p>
+          <a:p>
+            <a:r>
+              <a:rPr lang="de-DE" sz="2800" dirty="0" err="1">
                 <a:solidFill>
                   <a:schemeClr val="tx2">
                     <a:lumMod val="60000"/>
@@ -6325,213 +6386,92 @@
                   </a:schemeClr>
                 </a:solidFill>
               </a:rPr>
-              <a:t>end</a:t>
-            </a:r>
-          </a:p>
-        </p:txBody>
-      </p:sp>
-      <p:sp>
-        <p:nvSpPr>
-          <p:cNvPr id="21" name="Curved Left Arrow 20">
-            <a:extLst>
-              <a:ext uri="{FF2B5EF4-FFF2-40B4-BE49-F238E27FC236}">
-                <a16:creationId xmlns:a16="http://schemas.microsoft.com/office/drawing/2014/main" id="{B2954442-5A98-554F-B036-F23F5B73F42E}"/>
-              </a:ext>
-            </a:extLst>
-          </p:cNvPr>
-          <p:cNvSpPr/>
-          <p:nvPr/>
-        </p:nvSpPr>
-        <p:spPr>
-          <a:xfrm rot="10800000">
-            <a:off x="915014" y="5752696"/>
-            <a:ext cx="648072" cy="1538023"/>
-          </a:xfrm>
-          <a:prstGeom prst="curvedLeftArrow">
-            <a:avLst/>
-          </a:prstGeom>
-        </p:spPr>
-        <p:style>
-          <a:lnRef idx="2">
-            <a:schemeClr val="accent1">
-              <a:shade val="50000"/>
-            </a:schemeClr>
-          </a:lnRef>
-          <a:fillRef idx="1">
-            <a:schemeClr val="accent1"/>
-          </a:fillRef>
-          <a:effectRef idx="0">
-            <a:schemeClr val="accent1"/>
-          </a:effectRef>
-          <a:fontRef idx="minor">
-            <a:schemeClr val="lt1"/>
-          </a:fontRef>
-        </p:style>
-        <p:txBody>
-          <a:bodyPr rot="0" spcFirstLastPara="0" vertOverflow="overflow" horzOverflow="overflow" vert="horz" wrap="square" lIns="91440" tIns="45720" rIns="91440" bIns="45720" numCol="1" spcCol="0" rtlCol="0" fromWordArt="0" anchor="ctr" anchorCtr="0" forceAA="0" compatLnSpc="1">
-            <a:prstTxWarp prst="textNoShape">
-              <a:avLst/>
-            </a:prstTxWarp>
-            <a:noAutofit/>
-          </a:bodyPr>
-          <a:lstStyle/>
-          <a:p>
-            <a:pPr algn="ctr"/>
-            <a:endParaRPr lang="de-DE">
+              <a:t>meinton</a:t>
+            </a:r>
+            <a:r>
+              <a:rPr lang="de-DE" sz="2800" dirty="0">
+                <a:solidFill>
+                  <a:schemeClr val="tx2">
+                    <a:lumMod val="60000"/>
+                    <a:lumOff val="40000"/>
+                  </a:schemeClr>
+                </a:solidFill>
+              </a:rPr>
+              <a:t> = </a:t>
+            </a:r>
+            <a:r>
+              <a:rPr lang="de-DE" sz="2800" dirty="0" err="1">
+                <a:solidFill>
+                  <a:schemeClr val="tx2">
+                    <a:lumMod val="60000"/>
+                    <a:lumOff val="40000"/>
+                  </a:schemeClr>
+                </a:solidFill>
+              </a:rPr>
+              <a:t>meinton</a:t>
+            </a:r>
+            <a:r>
+              <a:rPr lang="de-DE" sz="2800" dirty="0">
+                <a:solidFill>
+                  <a:schemeClr val="tx2">
+                    <a:lumMod val="60000"/>
+                    <a:lumOff val="40000"/>
+                  </a:schemeClr>
+                </a:solidFill>
+              </a:rPr>
+              <a:t> </a:t>
+            </a:r>
+            <a:r>
+              <a:rPr lang="de-DE" sz="2800" dirty="0"/>
+              <a:t>+ 20</a:t>
+            </a:r>
+          </a:p>
+          <a:p>
+            <a:r>
+              <a:rPr lang="de-DE" sz="2800" dirty="0" err="1">
+                <a:solidFill>
+                  <a:srgbClr val="FFC000"/>
+                </a:solidFill>
+              </a:rPr>
+              <a:t>play</a:t>
+            </a:r>
+            <a:r>
+              <a:rPr lang="de-DE" sz="2800" dirty="0">
+                <a:solidFill>
+                  <a:schemeClr val="tx2">
+                    <a:lumMod val="60000"/>
+                    <a:lumOff val="40000"/>
+                  </a:schemeClr>
+                </a:solidFill>
+              </a:rPr>
+              <a:t> </a:t>
+            </a:r>
+            <a:r>
+              <a:rPr lang="de-DE" sz="2800" dirty="0" err="1">
+                <a:solidFill>
+                  <a:schemeClr val="tx2">
+                    <a:lumMod val="60000"/>
+                    <a:lumOff val="40000"/>
+                  </a:schemeClr>
+                </a:solidFill>
+              </a:rPr>
+              <a:t>meinton</a:t>
+            </a:r>
+            <a:endParaRPr lang="de-DE" sz="2800" dirty="0">
               <a:solidFill>
-                <a:schemeClr val="tx1"/>
+                <a:schemeClr val="tx2">
+                  <a:lumMod val="60000"/>
+                  <a:lumOff val="40000"/>
+                </a:schemeClr>
               </a:solidFill>
             </a:endParaRPr>
-          </a:p>
-        </p:txBody>
-      </p:sp>
-      <p:sp>
-        <p:nvSpPr>
-          <p:cNvPr id="22" name="TextBox 21">
-            <a:extLst>
-              <a:ext uri="{FF2B5EF4-FFF2-40B4-BE49-F238E27FC236}">
-                <a16:creationId xmlns:a16="http://schemas.microsoft.com/office/drawing/2014/main" id="{EE521326-2967-A64B-95EE-2BA699A5E93F}"/>
-              </a:ext>
-            </a:extLst>
-          </p:cNvPr>
-          <p:cNvSpPr txBox="1"/>
-          <p:nvPr/>
-        </p:nvSpPr>
-        <p:spPr>
-          <a:xfrm>
-            <a:off x="1239050" y="6141269"/>
-            <a:ext cx="736099" cy="923330"/>
-          </a:xfrm>
-          <a:prstGeom prst="rect">
-            <a:avLst/>
-          </a:prstGeom>
-          <a:noFill/>
-        </p:spPr>
-        <p:txBody>
-          <a:bodyPr wrap="none" rtlCol="0">
-            <a:spAutoFit/>
-          </a:bodyPr>
-          <a:lstStyle/>
-          <a:p>
-            <a:r>
-              <a:rPr lang="de-DE"/>
-              <a:t>Für </a:t>
-            </a:r>
-          </a:p>
-          <a:p>
-            <a:r>
-              <a:rPr lang="de-DE"/>
-              <a:t>50 bis</a:t>
-            </a:r>
-          </a:p>
-          <a:p>
-            <a:r>
-              <a:rPr lang="de-DE"/>
-              <a:t>65</a:t>
-            </a:r>
-          </a:p>
-        </p:txBody>
-      </p:sp>
-      <p:sp>
-        <p:nvSpPr>
-          <p:cNvPr id="23" name="Curved Left Arrow 22">
-            <a:extLst>
-              <a:ext uri="{FF2B5EF4-FFF2-40B4-BE49-F238E27FC236}">
-                <a16:creationId xmlns:a16="http://schemas.microsoft.com/office/drawing/2014/main" id="{1903CAE5-8FB3-864F-B8A9-DD91BE9A5A02}"/>
-              </a:ext>
-            </a:extLst>
-          </p:cNvPr>
-          <p:cNvSpPr/>
-          <p:nvPr/>
-        </p:nvSpPr>
-        <p:spPr>
-          <a:xfrm rot="10800000">
-            <a:off x="80628" y="5372256"/>
-            <a:ext cx="648072" cy="2296087"/>
-          </a:xfrm>
-          <a:prstGeom prst="curvedLeftArrow">
-            <a:avLst/>
-          </a:prstGeom>
-        </p:spPr>
-        <p:style>
-          <a:lnRef idx="2">
-            <a:schemeClr val="accent1">
-              <a:shade val="50000"/>
-            </a:schemeClr>
-          </a:lnRef>
-          <a:fillRef idx="1">
-            <a:schemeClr val="accent1"/>
-          </a:fillRef>
-          <a:effectRef idx="0">
-            <a:schemeClr val="accent1"/>
-          </a:effectRef>
-          <a:fontRef idx="minor">
-            <a:schemeClr val="lt1"/>
-          </a:fontRef>
-        </p:style>
-        <p:txBody>
-          <a:bodyPr rot="0" spcFirstLastPara="0" vertOverflow="overflow" horzOverflow="overflow" vert="horz" wrap="square" lIns="91440" tIns="45720" rIns="91440" bIns="45720" numCol="1" spcCol="0" rtlCol="0" fromWordArt="0" anchor="ctr" anchorCtr="0" forceAA="0" compatLnSpc="1">
-            <a:prstTxWarp prst="textNoShape">
-              <a:avLst/>
-            </a:prstTxWarp>
-            <a:noAutofit/>
-          </a:bodyPr>
-          <a:lstStyle/>
-          <a:p>
-            <a:pPr algn="ctr"/>
-            <a:endParaRPr lang="de-DE">
-              <a:solidFill>
-                <a:schemeClr val="tx1"/>
-              </a:solidFill>
-            </a:endParaRPr>
-          </a:p>
-        </p:txBody>
-      </p:sp>
-      <p:sp>
-        <p:nvSpPr>
-          <p:cNvPr id="24" name="TextBox 23">
-            <a:extLst>
-              <a:ext uri="{FF2B5EF4-FFF2-40B4-BE49-F238E27FC236}">
-                <a16:creationId xmlns:a16="http://schemas.microsoft.com/office/drawing/2014/main" id="{A6DD1CAC-B32F-3D48-8036-870FB145AF53}"/>
-              </a:ext>
-            </a:extLst>
-          </p:cNvPr>
-          <p:cNvSpPr txBox="1"/>
-          <p:nvPr/>
-        </p:nvSpPr>
-        <p:spPr>
-          <a:xfrm>
-            <a:off x="79529" y="6195952"/>
-            <a:ext cx="835485" cy="646331"/>
-          </a:xfrm>
-          <a:prstGeom prst="rect">
-            <a:avLst/>
-          </a:prstGeom>
-          <a:noFill/>
-        </p:spPr>
-        <p:txBody>
-          <a:bodyPr wrap="none" rtlCol="0">
-            <a:spAutoFit/>
-          </a:bodyPr>
-          <a:lstStyle/>
-          <a:p>
-            <a:r>
-              <a:rPr lang="de-DE"/>
-              <a:t>Immer</a:t>
-            </a:r>
-          </a:p>
-          <a:p>
-            <a:r>
-              <a:rPr lang="de-DE"/>
-              <a:t>wieder</a:t>
-            </a:r>
           </a:p>
         </p:txBody>
       </p:sp>
     </p:spTree>
     <p:extLst>
       <p:ext uri="{BB962C8B-B14F-4D97-AF65-F5344CB8AC3E}">
-        <p14:creationId xmlns:p14="http://schemas.microsoft.com/office/powerpoint/2010/main" val="3326095766"/>
+        <p14:creationId xmlns:p14="http://schemas.microsoft.com/office/powerpoint/2010/main" val="1746902052"/>
       </p:ext>
     </p:extLst>
   </p:cSld>
@@ -6560,55 +6500,27 @@
       </p:grpSpPr>
       <p:sp>
         <p:nvSpPr>
-          <p:cNvPr id="14" name="Text Placeholder 13"/>
-          <p:cNvSpPr>
-            <a:spLocks noGrp="1"/>
-          </p:cNvSpPr>
-          <p:nvPr>
-            <p:ph type="body" sz="quarter" idx="15"/>
+          <p:cNvPr id="15" name="Text Placeholder 14"/>
+          <p:cNvSpPr>
+            <a:spLocks noGrp="1"/>
+          </p:cNvSpPr>
+          <p:nvPr>
+            <p:ph type="body" sz="quarter" idx="18"/>
           </p:nvPr>
         </p:nvSpPr>
         <p:spPr>
           <a:xfrm>
-            <a:off x="-6464" y="2675915"/>
-            <a:ext cx="6858000" cy="400110"/>
+            <a:off x="202332" y="4048329"/>
+            <a:ext cx="6453336" cy="369332"/>
           </a:xfrm>
         </p:spPr>
         <p:txBody>
           <a:bodyPr/>
           <a:lstStyle/>
           <a:p>
-            <a:endParaRPr lang="de-DE" sz="2000">
-              <a:solidFill>
-                <a:srgbClr val="FF0000"/>
-              </a:solidFill>
-            </a:endParaRPr>
-          </a:p>
-        </p:txBody>
-      </p:sp>
-      <p:sp>
-        <p:nvSpPr>
-          <p:cNvPr id="15" name="Text Placeholder 14"/>
-          <p:cNvSpPr>
-            <a:spLocks noGrp="1"/>
-          </p:cNvSpPr>
-          <p:nvPr>
-            <p:ph type="body" sz="quarter" idx="18"/>
-          </p:nvPr>
-        </p:nvSpPr>
-        <p:spPr>
-          <a:xfrm>
-            <a:off x="375380" y="3179894"/>
-            <a:ext cx="6453336" cy="369332"/>
-          </a:xfrm>
-        </p:spPr>
-        <p:txBody>
-          <a:bodyPr/>
-          <a:lstStyle/>
-          <a:p>
-            <a:r>
-              <a:rPr lang="de-DE"/>
-              <a:t>2400? 4800? 9600?</a:t>
+            <a:r>
+              <a:rPr lang="de-DE" dirty="0"/>
+              <a:t>Welche vier Töne werden hier gespielt?</a:t>
             </a:r>
           </a:p>
         </p:txBody>
@@ -6634,22 +6546,14 @@
           <a:lstStyle/>
           <a:p>
             <a:r>
-              <a:rPr lang="de-DE"/>
-              <a:t>Füge diesen Teil noch hinzu? Vergleiche! Wie wird das klingen?</a:t>
-            </a:r>
-          </a:p>
-          <a:p>
-            <a:r>
-              <a:rPr lang="de-DE"/>
-              <a:t>Höre es dir erst LANGSAM an (</a:t>
-            </a:r>
-            <a:r>
-              <a:rPr lang="de-DE" err="1"/>
-              <a:t>use_bpm</a:t>
-            </a:r>
-            <a:r>
-              <a:rPr lang="de-DE"/>
-              <a:t> 480)</a:t>
+              <a:rPr lang="de-DE" dirty="0"/>
+              <a:t>Was passiert nun?</a:t>
+            </a:r>
+          </a:p>
+          <a:p>
+            <a:r>
+              <a:rPr lang="de-DE" dirty="0"/>
+              <a:t>Was ist nach einer Weile das Problem? (Tipp: bei ca. 110)</a:t>
             </a:r>
           </a:p>
         </p:txBody>
@@ -6670,53 +6574,6 @@
           <a:lstStyle/>
           <a:p>
             <a:endParaRPr lang="de-DE"/>
-          </a:p>
-        </p:txBody>
-      </p:sp>
-      <p:sp>
-        <p:nvSpPr>
-          <p:cNvPr id="4" name="TextBox 3">
-            <a:extLst>
-              <a:ext uri="{FF2B5EF4-FFF2-40B4-BE49-F238E27FC236}">
-                <a16:creationId xmlns:a16="http://schemas.microsoft.com/office/drawing/2014/main" id="{75567B60-E2DB-254B-9A27-35241ACB4382}"/>
-              </a:ext>
-            </a:extLst>
-          </p:cNvPr>
-          <p:cNvSpPr txBox="1"/>
-          <p:nvPr/>
-        </p:nvSpPr>
-        <p:spPr>
-          <a:xfrm>
-            <a:off x="1118280" y="1222628"/>
-            <a:ext cx="4608512" cy="523220"/>
-          </a:xfrm>
-          <a:prstGeom prst="rect">
-            <a:avLst/>
-          </a:prstGeom>
-          <a:noFill/>
-        </p:spPr>
-        <p:txBody>
-          <a:bodyPr wrap="square" rtlCol="0">
-            <a:spAutoFit/>
-          </a:bodyPr>
-          <a:lstStyle/>
-          <a:p>
-            <a:r>
-              <a:rPr lang="de-DE" sz="2800" dirty="0" err="1">
-                <a:solidFill>
-                  <a:srgbClr val="FFC000"/>
-                </a:solidFill>
-              </a:rPr>
-              <a:t>use_bpm</a:t>
-            </a:r>
-            <a:r>
-              <a:rPr lang="de-DE" sz="2800" dirty="0">
-                <a:solidFill>
-                  <a:srgbClr val="FFC000"/>
-                </a:solidFill>
-              </a:rPr>
-              <a:t> 1200</a:t>
-            </a:r>
           </a:p>
         </p:txBody>
       </p:sp>
@@ -6734,8 +6591,8 @@
         </p:nvSpPr>
         <p:spPr>
           <a:xfrm>
-            <a:off x="1327076" y="5540322"/>
-            <a:ext cx="4608512" cy="1815882"/>
+            <a:off x="1769224" y="5134704"/>
+            <a:ext cx="4608512" cy="2677656"/>
           </a:xfrm>
           <a:prstGeom prst="rect">
             <a:avLst/>
@@ -6751,10 +6608,46 @@
             <a:r>
               <a:rPr lang="de-DE" sz="2800" dirty="0" err="1">
                 <a:solidFill>
+                  <a:schemeClr val="tx2">
+                    <a:lumMod val="60000"/>
+                    <a:lumOff val="40000"/>
+                  </a:schemeClr>
+                </a:solidFill>
+              </a:rPr>
+              <a:t>meinton</a:t>
+            </a:r>
+            <a:r>
+              <a:rPr lang="de-DE" sz="2800" dirty="0">
+                <a:solidFill>
+                  <a:schemeClr val="tx2">
+                    <a:lumMod val="60000"/>
+                    <a:lumOff val="40000"/>
+                  </a:schemeClr>
+                </a:solidFill>
+              </a:rPr>
+              <a:t> = 50</a:t>
+            </a:r>
+          </a:p>
+          <a:p>
+            <a:r>
+              <a:rPr lang="de-DE" sz="2800" dirty="0"/>
+              <a:t>live_loop </a:t>
+            </a:r>
+            <a:r>
+              <a:rPr lang="de-DE" sz="2800" dirty="0">
+                <a:solidFill>
                   <a:srgbClr val="FFC000"/>
                 </a:solidFill>
               </a:rPr>
-              <a:t>for</a:t>
+              <a:t>:</a:t>
+            </a:r>
+            <a:r>
+              <a:rPr lang="de-DE" sz="2800" dirty="0" err="1">
+                <a:solidFill>
+                  <a:srgbClr val="FFC000"/>
+                </a:solidFill>
+              </a:rPr>
+              <a:t>immerwieder</a:t>
             </a:r>
             <a:r>
               <a:rPr lang="de-DE" sz="2800" dirty="0">
@@ -6765,95 +6658,507 @@
               <a:t> </a:t>
             </a:r>
             <a:r>
-              <a:rPr lang="de-DE" sz="2800" dirty="0" err="1">
-                <a:solidFill>
-                  <a:srgbClr val="FFC000"/>
-                </a:solidFill>
-              </a:rPr>
+              <a:rPr lang="de-DE" sz="2800" dirty="0"/>
+              <a:t>do</a:t>
+            </a:r>
+          </a:p>
+          <a:p>
+            <a:r>
+              <a:rPr lang="de-DE" sz="2800" dirty="0">
+                <a:solidFill>
+                  <a:schemeClr val="tx2">
+                    <a:lumMod val="60000"/>
+                    <a:lumOff val="40000"/>
+                  </a:schemeClr>
+                </a:solidFill>
+              </a:rPr>
+              <a:t>   </a:t>
+            </a:r>
+            <a:r>
+              <a:rPr lang="de-DE" sz="2800" dirty="0" err="1"/>
               <a:t>meinton</a:t>
             </a:r>
             <a:r>
-              <a:rPr lang="de-DE" sz="2800" dirty="0">
-                <a:solidFill>
-                  <a:srgbClr val="FFC000"/>
-                </a:solidFill>
-              </a:rPr>
-              <a:t> in 55..70</a:t>
-            </a:r>
-          </a:p>
-          <a:p>
-            <a:r>
-              <a:rPr lang="de-DE" sz="2800" dirty="0">
-                <a:solidFill>
-                  <a:srgbClr val="FFC000"/>
-                </a:solidFill>
-              </a:rPr>
-              <a:t>       </a:t>
-            </a:r>
-            <a:r>
-              <a:rPr lang="de-DE" sz="2800" dirty="0" err="1">
-                <a:solidFill>
-                  <a:srgbClr val="FFC000"/>
-                </a:solidFill>
-              </a:rPr>
+              <a:rPr lang="de-DE" sz="2800" dirty="0"/>
+              <a:t> = </a:t>
+            </a:r>
+            <a:r>
+              <a:rPr lang="de-DE" sz="2800" dirty="0" err="1"/>
+              <a:t>meinton</a:t>
+            </a:r>
+            <a:r>
+              <a:rPr lang="de-DE" sz="2800" dirty="0"/>
+              <a:t> + 1</a:t>
+            </a:r>
+          </a:p>
+          <a:p>
+            <a:r>
+              <a:rPr lang="de-DE" sz="2800" dirty="0"/>
+              <a:t>   </a:t>
+            </a:r>
+            <a:r>
+              <a:rPr lang="de-DE" sz="2800" dirty="0" err="1"/>
               <a:t>play</a:t>
             </a:r>
             <a:r>
-              <a:rPr lang="de-DE" sz="2800" dirty="0">
-                <a:solidFill>
-                  <a:srgbClr val="FFC000"/>
-                </a:solidFill>
-              </a:rPr>
+              <a:rPr lang="de-DE" sz="2800" dirty="0"/>
               <a:t> </a:t>
             </a:r>
             <a:r>
-              <a:rPr lang="de-DE" sz="2800" dirty="0" err="1">
-                <a:solidFill>
-                  <a:srgbClr val="FFC000"/>
-                </a:solidFill>
-              </a:rPr>
+              <a:rPr lang="de-DE" sz="2800" dirty="0" err="1"/>
               <a:t>meinton</a:t>
             </a:r>
-            <a:endParaRPr lang="de-DE" sz="2800" dirty="0">
+            <a:endParaRPr lang="de-DE" sz="2800" dirty="0"/>
+          </a:p>
+          <a:p>
+            <a:r>
+              <a:rPr lang="de-DE" sz="2800" dirty="0"/>
+              <a:t>   </a:t>
+            </a:r>
+            <a:r>
+              <a:rPr lang="de-DE" sz="2800" dirty="0" err="1"/>
+              <a:t>sleep</a:t>
+            </a:r>
+            <a:r>
+              <a:rPr lang="de-DE" sz="2800" dirty="0"/>
+              <a:t> 0.5</a:t>
+            </a:r>
+          </a:p>
+          <a:p>
+            <a:r>
+              <a:rPr lang="de-DE" sz="2800" dirty="0"/>
+              <a:t>end</a:t>
+            </a:r>
+          </a:p>
+        </p:txBody>
+      </p:sp>
+      <p:sp>
+        <p:nvSpPr>
+          <p:cNvPr id="23" name="Curved Left Arrow 22">
+            <a:extLst>
+              <a:ext uri="{FF2B5EF4-FFF2-40B4-BE49-F238E27FC236}">
+                <a16:creationId xmlns:a16="http://schemas.microsoft.com/office/drawing/2014/main" id="{1903CAE5-8FB3-864F-B8A9-DD91BE9A5A02}"/>
+              </a:ext>
+            </a:extLst>
+          </p:cNvPr>
+          <p:cNvSpPr/>
+          <p:nvPr/>
+        </p:nvSpPr>
+        <p:spPr>
+          <a:xfrm rot="10800000">
+            <a:off x="80628" y="5724127"/>
+            <a:ext cx="648072" cy="1944215"/>
+          </a:xfrm>
+          <a:prstGeom prst="curvedLeftArrow">
+            <a:avLst/>
+          </a:prstGeom>
+        </p:spPr>
+        <p:style>
+          <a:lnRef idx="2">
+            <a:schemeClr val="accent1">
+              <a:shade val="50000"/>
+            </a:schemeClr>
+          </a:lnRef>
+          <a:fillRef idx="1">
+            <a:schemeClr val="accent1"/>
+          </a:fillRef>
+          <a:effectRef idx="0">
+            <a:schemeClr val="accent1"/>
+          </a:effectRef>
+          <a:fontRef idx="minor">
+            <a:schemeClr val="lt1"/>
+          </a:fontRef>
+        </p:style>
+        <p:txBody>
+          <a:bodyPr rot="0" spcFirstLastPara="0" vertOverflow="overflow" horzOverflow="overflow" vert="horz" wrap="square" lIns="91440" tIns="45720" rIns="91440" bIns="45720" numCol="1" spcCol="0" rtlCol="0" fromWordArt="0" anchor="ctr" anchorCtr="0" forceAA="0" compatLnSpc="1">
+            <a:prstTxWarp prst="textNoShape">
+              <a:avLst/>
+            </a:prstTxWarp>
+            <a:noAutofit/>
+          </a:bodyPr>
+          <a:lstStyle/>
+          <a:p>
+            <a:pPr algn="ctr"/>
+            <a:endParaRPr lang="de-DE">
               <a:solidFill>
-                <a:srgbClr val="FFC000"/>
+                <a:schemeClr val="tx1"/>
               </a:solidFill>
             </a:endParaRPr>
           </a:p>
-          <a:p>
-            <a:r>
-              <a:rPr lang="de-DE" sz="2800" dirty="0">
-                <a:solidFill>
-                  <a:srgbClr val="FFC000"/>
-                </a:solidFill>
-              </a:rPr>
-              <a:t>       </a:t>
-            </a:r>
-            <a:r>
-              <a:rPr lang="de-DE" sz="2800" dirty="0" err="1">
-                <a:solidFill>
-                  <a:srgbClr val="FFC000"/>
-                </a:solidFill>
-              </a:rPr>
+        </p:txBody>
+      </p:sp>
+      <p:sp>
+        <p:nvSpPr>
+          <p:cNvPr id="24" name="TextBox 23">
+            <a:extLst>
+              <a:ext uri="{FF2B5EF4-FFF2-40B4-BE49-F238E27FC236}">
+                <a16:creationId xmlns:a16="http://schemas.microsoft.com/office/drawing/2014/main" id="{A6DD1CAC-B32F-3D48-8036-870FB145AF53}"/>
+              </a:ext>
+            </a:extLst>
+          </p:cNvPr>
+          <p:cNvSpPr txBox="1"/>
+          <p:nvPr/>
+        </p:nvSpPr>
+        <p:spPr>
+          <a:xfrm>
+            <a:off x="202332" y="6402577"/>
+            <a:ext cx="835485" cy="646331"/>
+          </a:xfrm>
+          <a:prstGeom prst="rect">
+            <a:avLst/>
+          </a:prstGeom>
+          <a:noFill/>
+        </p:spPr>
+        <p:txBody>
+          <a:bodyPr wrap="none" rtlCol="0">
+            <a:spAutoFit/>
+          </a:bodyPr>
+          <a:lstStyle/>
+          <a:p>
+            <a:r>
+              <a:rPr lang="de-DE" dirty="0"/>
+              <a:t>Immer</a:t>
+            </a:r>
+          </a:p>
+          <a:p>
+            <a:r>
+              <a:rPr lang="de-DE" dirty="0"/>
+              <a:t>wieder</a:t>
+            </a:r>
+          </a:p>
+        </p:txBody>
+      </p:sp>
+      <p:sp>
+        <p:nvSpPr>
+          <p:cNvPr id="3" name="Text Placeholder 2">
+            <a:extLst>
+              <a:ext uri="{FF2B5EF4-FFF2-40B4-BE49-F238E27FC236}">
+                <a16:creationId xmlns:a16="http://schemas.microsoft.com/office/drawing/2014/main" id="{AD9D3FEB-C40C-C649-A50E-ED9D81A1CED7}"/>
+              </a:ext>
+            </a:extLst>
+          </p:cNvPr>
+          <p:cNvSpPr>
+            <a:spLocks noGrp="1"/>
+          </p:cNvSpPr>
+          <p:nvPr>
+            <p:ph type="body" sz="quarter" idx="15"/>
+          </p:nvPr>
+        </p:nvSpPr>
+        <p:spPr>
+          <a:xfrm>
+            <a:off x="0" y="3811546"/>
+            <a:ext cx="6858000" cy="261610"/>
+          </a:xfrm>
+        </p:spPr>
+        <p:txBody>
+          <a:bodyPr/>
+          <a:lstStyle/>
+          <a:p>
+            <a:endParaRPr lang="de-DE"/>
+          </a:p>
+        </p:txBody>
+      </p:sp>
+      <p:sp>
+        <p:nvSpPr>
+          <p:cNvPr id="6" name="Rectangle 5">
+            <a:extLst>
+              <a:ext uri="{FF2B5EF4-FFF2-40B4-BE49-F238E27FC236}">
+                <a16:creationId xmlns:a16="http://schemas.microsoft.com/office/drawing/2014/main" id="{1288FEB7-7A3A-3147-B22F-7DB4F2F60F78}"/>
+              </a:ext>
+            </a:extLst>
+          </p:cNvPr>
+          <p:cNvSpPr/>
+          <p:nvPr/>
+        </p:nvSpPr>
+        <p:spPr>
+          <a:xfrm>
+            <a:off x="202332" y="3059832"/>
+            <a:ext cx="6453336" cy="105856"/>
+          </a:xfrm>
+          <a:prstGeom prst="rect">
+            <a:avLst/>
+          </a:prstGeom>
+          <a:solidFill>
+            <a:schemeClr val="bg1"/>
+          </a:solidFill>
+          <a:ln>
+            <a:noFill/>
+          </a:ln>
+        </p:spPr>
+        <p:style>
+          <a:lnRef idx="2">
+            <a:schemeClr val="accent1">
+              <a:shade val="50000"/>
+            </a:schemeClr>
+          </a:lnRef>
+          <a:fillRef idx="1">
+            <a:schemeClr val="accent1"/>
+          </a:fillRef>
+          <a:effectRef idx="0">
+            <a:schemeClr val="accent1"/>
+          </a:effectRef>
+          <a:fontRef idx="minor">
+            <a:schemeClr val="lt1"/>
+          </a:fontRef>
+        </p:style>
+        <p:txBody>
+          <a:bodyPr rtlCol="0" anchor="ctr"/>
+          <a:lstStyle/>
+          <a:p>
+            <a:pPr algn="ctr"/>
+            <a:endParaRPr lang="de-DE"/>
+          </a:p>
+        </p:txBody>
+      </p:sp>
+      <p:sp>
+        <p:nvSpPr>
+          <p:cNvPr id="16" name="TextBox 15">
+            <a:extLst>
+              <a:ext uri="{FF2B5EF4-FFF2-40B4-BE49-F238E27FC236}">
+                <a16:creationId xmlns:a16="http://schemas.microsoft.com/office/drawing/2014/main" id="{16CE112B-1846-7E43-8AAE-EEBB05284CA2}"/>
+              </a:ext>
+            </a:extLst>
+          </p:cNvPr>
+          <p:cNvSpPr txBox="1"/>
+          <p:nvPr/>
+        </p:nvSpPr>
+        <p:spPr>
+          <a:xfrm>
+            <a:off x="1272586" y="288519"/>
+            <a:ext cx="4608512" cy="3539430"/>
+          </a:xfrm>
+          <a:prstGeom prst="rect">
+            <a:avLst/>
+          </a:prstGeom>
+          <a:noFill/>
+        </p:spPr>
+        <p:txBody>
+          <a:bodyPr wrap="square" rtlCol="0">
+            <a:spAutoFit/>
+          </a:bodyPr>
+          <a:lstStyle/>
+          <a:p>
+            <a:r>
+              <a:rPr lang="de-DE" sz="1400" dirty="0" err="1">
+                <a:solidFill>
+                  <a:schemeClr val="accent1"/>
+                </a:solidFill>
+              </a:rPr>
+              <a:t>meinton</a:t>
+            </a:r>
+            <a:r>
+              <a:rPr lang="de-DE" sz="1400" dirty="0"/>
+              <a:t> = 50</a:t>
+            </a:r>
+          </a:p>
+          <a:p>
+            <a:endParaRPr lang="de-DE" sz="1400" dirty="0"/>
+          </a:p>
+          <a:p>
+            <a:r>
+              <a:rPr lang="de-DE" sz="1400" dirty="0" err="1"/>
+              <a:t>play</a:t>
+            </a:r>
+            <a:r>
+              <a:rPr lang="de-DE" sz="1400" dirty="0"/>
+              <a:t> </a:t>
+            </a:r>
+            <a:r>
+              <a:rPr lang="de-DE" sz="1400" dirty="0" err="1">
+                <a:solidFill>
+                  <a:schemeClr val="accent1"/>
+                </a:solidFill>
+              </a:rPr>
+              <a:t>meinton</a:t>
+            </a:r>
+            <a:endParaRPr lang="de-DE" sz="1400" dirty="0">
+              <a:solidFill>
+                <a:schemeClr val="accent1"/>
+              </a:solidFill>
+            </a:endParaRPr>
+          </a:p>
+          <a:p>
+            <a:r>
+              <a:rPr lang="de-DE" sz="1400" dirty="0" err="1"/>
               <a:t>sleep</a:t>
             </a:r>
             <a:r>
-              <a:rPr lang="de-DE" sz="2800" dirty="0">
-                <a:solidFill>
-                  <a:srgbClr val="FFC000"/>
-                </a:solidFill>
-              </a:rPr>
+              <a:rPr lang="de-DE" sz="1400" dirty="0"/>
               <a:t> 1</a:t>
             </a:r>
           </a:p>
           <a:p>
-            <a:r>
-              <a:rPr lang="de-DE" sz="2800" dirty="0">
-                <a:solidFill>
-                  <a:srgbClr val="FFC000"/>
-                </a:solidFill>
-              </a:rPr>
-              <a:t> end</a:t>
+            <a:endParaRPr lang="de-DE" sz="1400" dirty="0"/>
+          </a:p>
+          <a:p>
+            <a:r>
+              <a:rPr lang="de-DE" sz="1400" dirty="0" err="1"/>
+              <a:t>meinton</a:t>
+            </a:r>
+            <a:r>
+              <a:rPr lang="de-DE" sz="1400" dirty="0"/>
+              <a:t> = </a:t>
+            </a:r>
+            <a:r>
+              <a:rPr lang="de-DE" sz="1400" dirty="0" err="1">
+                <a:solidFill>
+                  <a:schemeClr val="accent1"/>
+                </a:solidFill>
+              </a:rPr>
+              <a:t>meinton</a:t>
+            </a:r>
+            <a:r>
+              <a:rPr lang="de-DE" sz="1400" dirty="0"/>
+              <a:t> + 1</a:t>
+            </a:r>
+          </a:p>
+          <a:p>
+            <a:r>
+              <a:rPr lang="de-DE" sz="1400" dirty="0" err="1"/>
+              <a:t>play</a:t>
+            </a:r>
+            <a:r>
+              <a:rPr lang="de-DE" sz="1400" dirty="0"/>
+              <a:t> </a:t>
+            </a:r>
+            <a:r>
+              <a:rPr lang="de-DE" sz="1400" dirty="0" err="1">
+                <a:solidFill>
+                  <a:schemeClr val="accent1"/>
+                </a:solidFill>
+              </a:rPr>
+              <a:t>meinton</a:t>
+            </a:r>
+            <a:endParaRPr lang="de-DE" sz="1400" dirty="0">
+              <a:solidFill>
+                <a:schemeClr val="accent1"/>
+              </a:solidFill>
+            </a:endParaRPr>
+          </a:p>
+          <a:p>
+            <a:r>
+              <a:rPr lang="de-DE" sz="1400" dirty="0" err="1"/>
+              <a:t>sleep</a:t>
+            </a:r>
+            <a:r>
+              <a:rPr lang="de-DE" sz="1400" dirty="0"/>
+              <a:t> 1</a:t>
+            </a:r>
+          </a:p>
+          <a:p>
+            <a:endParaRPr lang="de-DE" sz="1400" dirty="0"/>
+          </a:p>
+          <a:p>
+            <a:r>
+              <a:rPr lang="de-DE" sz="1400" dirty="0" err="1"/>
+              <a:t>meinton</a:t>
+            </a:r>
+            <a:r>
+              <a:rPr lang="de-DE" sz="1400" dirty="0"/>
+              <a:t> = </a:t>
+            </a:r>
+            <a:r>
+              <a:rPr lang="de-DE" sz="1400" dirty="0" err="1">
+                <a:solidFill>
+                  <a:schemeClr val="accent1"/>
+                </a:solidFill>
+              </a:rPr>
+              <a:t>meinton</a:t>
+            </a:r>
+            <a:r>
+              <a:rPr lang="de-DE" sz="1400" dirty="0"/>
+              <a:t> + 1</a:t>
+            </a:r>
+          </a:p>
+          <a:p>
+            <a:r>
+              <a:rPr lang="de-DE" sz="1400" dirty="0" err="1"/>
+              <a:t>play</a:t>
+            </a:r>
+            <a:r>
+              <a:rPr lang="de-DE" sz="1400" dirty="0"/>
+              <a:t> </a:t>
+            </a:r>
+            <a:r>
+              <a:rPr lang="de-DE" sz="1400" dirty="0" err="1">
+                <a:solidFill>
+                  <a:schemeClr val="accent1"/>
+                </a:solidFill>
+              </a:rPr>
+              <a:t>meinton</a:t>
+            </a:r>
+            <a:endParaRPr lang="de-DE" sz="1400" dirty="0">
+              <a:solidFill>
+                <a:schemeClr val="accent1"/>
+              </a:solidFill>
+            </a:endParaRPr>
+          </a:p>
+          <a:p>
+            <a:r>
+              <a:rPr lang="de-DE" sz="1400" dirty="0" err="1"/>
+              <a:t>sleep</a:t>
+            </a:r>
+            <a:r>
+              <a:rPr lang="de-DE" sz="1400" dirty="0"/>
+              <a:t> 1</a:t>
+            </a:r>
+          </a:p>
+          <a:p>
+            <a:endParaRPr lang="de-DE" sz="1400" dirty="0"/>
+          </a:p>
+          <a:p>
+            <a:r>
+              <a:rPr lang="de-DE" sz="1400" dirty="0" err="1"/>
+              <a:t>meinton</a:t>
+            </a:r>
+            <a:r>
+              <a:rPr lang="de-DE" sz="1400" dirty="0"/>
+              <a:t> = </a:t>
+            </a:r>
+            <a:r>
+              <a:rPr lang="de-DE" sz="1400" dirty="0" err="1">
+                <a:solidFill>
+                  <a:schemeClr val="accent1"/>
+                </a:solidFill>
+              </a:rPr>
+              <a:t>meinton</a:t>
+            </a:r>
+            <a:r>
+              <a:rPr lang="de-DE" sz="1400" dirty="0"/>
+              <a:t> + 1</a:t>
+            </a:r>
+          </a:p>
+          <a:p>
+            <a:r>
+              <a:rPr lang="de-DE" sz="1400" dirty="0" err="1"/>
+              <a:t>play</a:t>
+            </a:r>
+            <a:r>
+              <a:rPr lang="de-DE" sz="1400" dirty="0"/>
+              <a:t> </a:t>
+            </a:r>
+            <a:r>
+              <a:rPr lang="de-DE" sz="1400" dirty="0" err="1">
+                <a:solidFill>
+                  <a:schemeClr val="accent1"/>
+                </a:solidFill>
+              </a:rPr>
+              <a:t>meinton</a:t>
+            </a:r>
+            <a:endParaRPr lang="de-DE" sz="1400" dirty="0">
+              <a:solidFill>
+                <a:schemeClr val="accent1"/>
+              </a:solidFill>
+            </a:endParaRPr>
+          </a:p>
+          <a:p>
+            <a:r>
+              <a:rPr lang="de-DE" sz="1400" dirty="0" err="1"/>
+              <a:t>sleep</a:t>
+            </a:r>
+            <a:r>
+              <a:rPr lang="de-DE" sz="1400" dirty="0"/>
+              <a:t> 1</a:t>
             </a:r>
           </a:p>
         </p:txBody>
@@ -6861,7 +7166,7 @@
     </p:spTree>
     <p:extLst>
       <p:ext uri="{BB962C8B-B14F-4D97-AF65-F5344CB8AC3E}">
-        <p14:creationId xmlns:p14="http://schemas.microsoft.com/office/powerpoint/2010/main" val="1207729059"/>
+        <p14:creationId xmlns:p14="http://schemas.microsoft.com/office/powerpoint/2010/main" val="3887145792"/>
       </p:ext>
     </p:extLst>
   </p:cSld>
@@ -6890,46 +7195,45 @@
       </p:grpSpPr>
       <p:sp>
         <p:nvSpPr>
-          <p:cNvPr id="14" name="Text Placeholder 13"/>
-          <p:cNvSpPr>
-            <a:spLocks noGrp="1"/>
-          </p:cNvSpPr>
-          <p:nvPr>
-            <p:ph type="body" sz="quarter" idx="15"/>
+          <p:cNvPr id="15" name="Text Placeholder 14"/>
+          <p:cNvSpPr>
+            <a:spLocks noGrp="1"/>
+          </p:cNvSpPr>
+          <p:nvPr>
+            <p:ph type="body" sz="quarter" idx="18"/>
           </p:nvPr>
         </p:nvSpPr>
         <p:spPr>
           <a:xfrm>
-            <a:off x="-6464" y="2675915"/>
-            <a:ext cx="6858000" cy="400110"/>
+            <a:off x="202332" y="4048329"/>
+            <a:ext cx="6453336" cy="369332"/>
           </a:xfrm>
         </p:spPr>
         <p:txBody>
           <a:bodyPr/>
           <a:lstStyle/>
           <a:p>
-            <a:endParaRPr lang="de-DE" sz="2000">
-              <a:solidFill>
-                <a:srgbClr val="FF0000"/>
-              </a:solidFill>
-            </a:endParaRPr>
-          </a:p>
-        </p:txBody>
-      </p:sp>
-      <p:sp>
-        <p:nvSpPr>
-          <p:cNvPr id="15" name="Text Placeholder 14"/>
-          <p:cNvSpPr>
-            <a:spLocks noGrp="1"/>
-          </p:cNvSpPr>
-          <p:nvPr>
-            <p:ph type="body" sz="quarter" idx="18"/>
+            <a:r>
+              <a:rPr lang="de-DE" dirty="0"/>
+              <a:t>Was passiert bei 100 und warum?</a:t>
+            </a:r>
+          </a:p>
+        </p:txBody>
+      </p:sp>
+      <p:sp>
+        <p:nvSpPr>
+          <p:cNvPr id="11" name="Text Placeholder 10"/>
+          <p:cNvSpPr>
+            <a:spLocks noGrp="1"/>
+          </p:cNvSpPr>
+          <p:nvPr>
+            <p:ph type="body" sz="quarter" idx="19"/>
           </p:nvPr>
         </p:nvSpPr>
         <p:spPr>
           <a:xfrm>
-            <a:off x="375380" y="3179894"/>
-            <a:ext cx="6453336" cy="1034129"/>
+            <a:off x="4238422" y="5943661"/>
+            <a:ext cx="2479204" cy="1366528"/>
           </a:xfrm>
         </p:spPr>
         <p:txBody>
@@ -6937,46 +7241,115 @@
           <a:lstStyle/>
           <a:p>
             <a:r>
-              <a:rPr lang="de-DE"/>
-              <a:t>75..  , 80..</a:t>
-            </a:r>
-          </a:p>
-          <a:p>
-            <a:endParaRPr lang="de-DE"/>
-          </a:p>
-          <a:p>
-            <a:r>
-              <a:rPr lang="de-DE"/>
-              <a:t>Lass es schneller laufen... Wie hört sich das an?</a:t>
-            </a:r>
-          </a:p>
-        </p:txBody>
-      </p:sp>
-      <p:sp>
-        <p:nvSpPr>
-          <p:cNvPr id="12" name="Text Placeholder 11"/>
-          <p:cNvSpPr>
-            <a:spLocks noGrp="1"/>
-          </p:cNvSpPr>
-          <p:nvPr>
-            <p:ph type="body" sz="quarter" idx="20"/>
-          </p:nvPr>
-        </p:nvSpPr>
-        <p:spPr/>
-        <p:txBody>
-          <a:bodyPr/>
-          <a:lstStyle/>
-          <a:p>
-            <a:endParaRPr lang="de-DE"/>
-          </a:p>
-        </p:txBody>
-      </p:sp>
-      <p:sp>
-        <p:nvSpPr>
-          <p:cNvPr id="8" name="TextBox 7">
+              <a:rPr lang="de-DE" dirty="0"/>
+              <a:t>Zum Knobeln für die</a:t>
+            </a:r>
+          </a:p>
+          <a:p>
+            <a:r>
+              <a:rPr lang="de-DE" dirty="0"/>
+              <a:t>Fortgeschrittenen</a:t>
+            </a:r>
+          </a:p>
+          <a:p>
+            <a:endParaRPr lang="de-DE" dirty="0"/>
+          </a:p>
+          <a:p>
+            <a:r>
+              <a:rPr lang="de-DE" dirty="0"/>
+              <a:t>Was passiert hier?</a:t>
+            </a:r>
+          </a:p>
+        </p:txBody>
+      </p:sp>
+      <p:sp>
+        <p:nvSpPr>
+          <p:cNvPr id="3" name="Text Placeholder 2">
             <a:extLst>
               <a:ext uri="{FF2B5EF4-FFF2-40B4-BE49-F238E27FC236}">
-                <a16:creationId xmlns:a16="http://schemas.microsoft.com/office/drawing/2014/main" id="{EBAEDBA0-C1F3-1748-8A13-6EC631AC3850}"/>
+                <a16:creationId xmlns:a16="http://schemas.microsoft.com/office/drawing/2014/main" id="{AD9D3FEB-C40C-C649-A50E-ED9D81A1CED7}"/>
+              </a:ext>
+            </a:extLst>
+          </p:cNvPr>
+          <p:cNvSpPr>
+            <a:spLocks noGrp="1"/>
+          </p:cNvSpPr>
+          <p:nvPr>
+            <p:ph type="body" sz="quarter" idx="15"/>
+          </p:nvPr>
+        </p:nvSpPr>
+        <p:spPr>
+          <a:xfrm>
+            <a:off x="0" y="3811546"/>
+            <a:ext cx="6858000" cy="261610"/>
+          </a:xfrm>
+        </p:spPr>
+        <p:txBody>
+          <a:bodyPr/>
+          <a:lstStyle/>
+          <a:p>
+            <a:endParaRPr lang="de-DE"/>
+          </a:p>
+        </p:txBody>
+      </p:sp>
+      <p:sp>
+        <p:nvSpPr>
+          <p:cNvPr id="6" name="Rectangle 5">
+            <a:extLst>
+              <a:ext uri="{FF2B5EF4-FFF2-40B4-BE49-F238E27FC236}">
+                <a16:creationId xmlns:a16="http://schemas.microsoft.com/office/drawing/2014/main" id="{1288FEB7-7A3A-3147-B22F-7DB4F2F60F78}"/>
+              </a:ext>
+            </a:extLst>
+          </p:cNvPr>
+          <p:cNvSpPr/>
+          <p:nvPr/>
+        </p:nvSpPr>
+        <p:spPr>
+          <a:xfrm>
+            <a:off x="202332" y="3059832"/>
+            <a:ext cx="6453336" cy="105856"/>
+          </a:xfrm>
+          <a:prstGeom prst="rect">
+            <a:avLst/>
+          </a:prstGeom>
+          <a:solidFill>
+            <a:schemeClr val="bg1"/>
+          </a:solidFill>
+          <a:ln>
+            <a:noFill/>
+          </a:ln>
+        </p:spPr>
+        <p:style>
+          <a:lnRef idx="2">
+            <a:schemeClr val="accent1">
+              <a:shade val="50000"/>
+            </a:schemeClr>
+          </a:lnRef>
+          <a:fillRef idx="1">
+            <a:schemeClr val="accent1"/>
+          </a:fillRef>
+          <a:effectRef idx="0">
+            <a:schemeClr val="accent1"/>
+          </a:effectRef>
+          <a:fontRef idx="minor">
+            <a:schemeClr val="lt1"/>
+          </a:fontRef>
+        </p:style>
+        <p:txBody>
+          <a:bodyPr rtlCol="0" anchor="ctr"/>
+          <a:lstStyle/>
+          <a:p>
+            <a:pPr algn="ctr"/>
+            <a:endParaRPr lang="de-DE"/>
+          </a:p>
+        </p:txBody>
+      </p:sp>
+      <p:sp>
+        <p:nvSpPr>
+          <p:cNvPr id="13" name="TextBox 12">
+            <a:extLst>
+              <a:ext uri="{FF2B5EF4-FFF2-40B4-BE49-F238E27FC236}">
+                <a16:creationId xmlns:a16="http://schemas.microsoft.com/office/drawing/2014/main" id="{CD5F1FA4-7CDF-B843-BEA2-1E120ADA9517}"/>
               </a:ext>
             </a:extLst>
           </p:cNvPr>
@@ -6985,8 +7358,8 @@
         </p:nvSpPr>
         <p:spPr>
           <a:xfrm>
-            <a:off x="1327076" y="198314"/>
-            <a:ext cx="4608512" cy="2677656"/>
+            <a:off x="1037817" y="616736"/>
+            <a:ext cx="4608512" cy="3139321"/>
           </a:xfrm>
           <a:prstGeom prst="rect">
             <a:avLst/>
@@ -7000,167 +7373,620 @@
           <a:lstStyle/>
           <a:p>
             <a:r>
-              <a:rPr lang="de-DE" sz="2800" dirty="0" err="1">
-                <a:solidFill>
-                  <a:srgbClr val="FFC000"/>
-                </a:solidFill>
-              </a:rPr>
-              <a:t>for</a:t>
-            </a:r>
-            <a:r>
-              <a:rPr lang="de-DE" sz="2800" dirty="0">
-                <a:solidFill>
-                  <a:srgbClr val="FFC000"/>
-                </a:solidFill>
-              </a:rPr>
+              <a:rPr lang="de-DE" dirty="0" err="1">
+                <a:solidFill>
+                  <a:schemeClr val="accent1"/>
+                </a:solidFill>
+              </a:rPr>
+              <a:t>meinton</a:t>
+            </a:r>
+            <a:r>
+              <a:rPr lang="de-DE" dirty="0"/>
+              <a:t> = 50</a:t>
+            </a:r>
+          </a:p>
+          <a:p>
+            <a:r>
+              <a:rPr lang="de-DE" dirty="0"/>
+              <a:t>live_loop :</a:t>
+            </a:r>
+            <a:r>
+              <a:rPr lang="de-DE" dirty="0" err="1"/>
+              <a:t>immerwieder</a:t>
+            </a:r>
+            <a:r>
+              <a:rPr lang="de-DE" dirty="0"/>
+              <a:t> do</a:t>
+            </a:r>
+          </a:p>
+          <a:p>
+            <a:r>
+              <a:rPr lang="de-DE" dirty="0"/>
+              <a:t>   </a:t>
+            </a:r>
+            <a:r>
+              <a:rPr lang="de-DE" dirty="0" err="1">
+                <a:solidFill>
+                  <a:schemeClr val="accent1"/>
+                </a:solidFill>
+              </a:rPr>
+              <a:t>meinton</a:t>
+            </a:r>
+            <a:r>
+              <a:rPr lang="de-DE" dirty="0"/>
+              <a:t> = </a:t>
+            </a:r>
+            <a:r>
+              <a:rPr lang="de-DE" dirty="0" err="1">
+                <a:solidFill>
+                  <a:schemeClr val="accent1"/>
+                </a:solidFill>
+              </a:rPr>
+              <a:t>meinton</a:t>
+            </a:r>
+            <a:r>
+              <a:rPr lang="de-DE" dirty="0"/>
+              <a:t> + 1</a:t>
+            </a:r>
+          </a:p>
+          <a:p>
+            <a:r>
+              <a:rPr lang="de-DE" dirty="0"/>
+              <a:t>   </a:t>
+            </a:r>
+            <a:r>
+              <a:rPr lang="de-DE" dirty="0" err="1"/>
+              <a:t>play</a:t>
+            </a:r>
+            <a:r>
+              <a:rPr lang="de-DE" dirty="0"/>
               <a:t> </a:t>
             </a:r>
             <a:r>
-              <a:rPr lang="de-DE" sz="2800" dirty="0" err="1">
-                <a:solidFill>
-                  <a:srgbClr val="FFC000"/>
+              <a:rPr lang="de-DE" dirty="0" err="1">
+                <a:solidFill>
+                  <a:schemeClr val="accent1"/>
                 </a:solidFill>
               </a:rPr>
               <a:t>meinton</a:t>
             </a:r>
-            <a:r>
-              <a:rPr lang="de-DE" sz="2800" dirty="0">
-                <a:solidFill>
-                  <a:srgbClr val="FFC000"/>
-                </a:solidFill>
-              </a:rPr>
-              <a:t> in 60..75</a:t>
-            </a:r>
-          </a:p>
-          <a:p>
-            <a:r>
-              <a:rPr lang="de-DE" sz="2800" dirty="0">
-                <a:solidFill>
-                  <a:srgbClr val="FFC000"/>
-                </a:solidFill>
-              </a:rPr>
-              <a:t>...</a:t>
-            </a:r>
-          </a:p>
-          <a:p>
-            <a:r>
-              <a:rPr lang="de-DE" sz="2800" dirty="0" err="1">
-                <a:solidFill>
-                  <a:srgbClr val="FFC000"/>
-                </a:solidFill>
-              </a:rPr>
-              <a:t>for</a:t>
-            </a:r>
-            <a:r>
-              <a:rPr lang="de-DE" sz="2800" dirty="0">
-                <a:solidFill>
-                  <a:srgbClr val="FFC000"/>
-                </a:solidFill>
-              </a:rPr>
-              <a:t> </a:t>
-            </a:r>
-            <a:r>
-              <a:rPr lang="de-DE" sz="2800" dirty="0" err="1">
-                <a:solidFill>
-                  <a:srgbClr val="FFC000"/>
+            <a:endParaRPr lang="de-DE" dirty="0">
+              <a:solidFill>
+                <a:schemeClr val="accent1"/>
+              </a:solidFill>
+            </a:endParaRPr>
+          </a:p>
+          <a:p>
+            <a:r>
+              <a:rPr lang="de-DE" dirty="0"/>
+              <a:t>   </a:t>
+            </a:r>
+            <a:r>
+              <a:rPr lang="de-DE" dirty="0" err="1"/>
+              <a:t>sleep</a:t>
+            </a:r>
+            <a:r>
+              <a:rPr lang="de-DE" dirty="0"/>
+              <a:t> 0.5</a:t>
+            </a:r>
+          </a:p>
+          <a:p>
+            <a:endParaRPr lang="de-DE" dirty="0"/>
+          </a:p>
+          <a:p>
+            <a:r>
+              <a:rPr lang="de-DE" dirty="0"/>
+              <a:t>   </a:t>
+            </a:r>
+            <a:r>
+              <a:rPr lang="de-DE" dirty="0" err="1"/>
+              <a:t>if</a:t>
+            </a:r>
+            <a:r>
+              <a:rPr lang="de-DE" dirty="0"/>
+              <a:t> (</a:t>
+            </a:r>
+            <a:r>
+              <a:rPr lang="de-DE" dirty="0" err="1">
+                <a:solidFill>
+                  <a:schemeClr val="accent1"/>
                 </a:solidFill>
               </a:rPr>
               <a:t>meinton</a:t>
             </a:r>
             <a:r>
-              <a:rPr lang="de-DE" sz="2800" dirty="0">
-                <a:solidFill>
-                  <a:srgbClr val="FFC000"/>
-                </a:solidFill>
-              </a:rPr>
-              <a:t> in 65..80</a:t>
-            </a:r>
-          </a:p>
-          <a:p>
-            <a:r>
-              <a:rPr lang="de-DE" sz="2800" dirty="0">
-                <a:solidFill>
-                  <a:srgbClr val="FFC000"/>
-                </a:solidFill>
-              </a:rPr>
-              <a:t>...</a:t>
-            </a:r>
-          </a:p>
-          <a:p>
-            <a:r>
-              <a:rPr lang="de-DE" sz="2800" dirty="0" err="1">
-                <a:solidFill>
-                  <a:srgbClr val="FFC000"/>
-                </a:solidFill>
-              </a:rPr>
-              <a:t>for</a:t>
-            </a:r>
-            <a:r>
-              <a:rPr lang="de-DE" sz="2800" dirty="0">
-                <a:solidFill>
-                  <a:srgbClr val="FFC000"/>
-                </a:solidFill>
-              </a:rPr>
-              <a:t> </a:t>
-            </a:r>
-            <a:r>
-              <a:rPr lang="de-DE" sz="2800" dirty="0" err="1">
-                <a:solidFill>
-                  <a:srgbClr val="FFC000"/>
+              <a:rPr lang="de-DE" dirty="0"/>
+              <a:t>==100) </a:t>
+            </a:r>
+            <a:r>
+              <a:rPr lang="de-DE" dirty="0" err="1"/>
+              <a:t>then</a:t>
+            </a:r>
+            <a:endParaRPr lang="de-DE" dirty="0"/>
+          </a:p>
+          <a:p>
+            <a:r>
+              <a:rPr lang="de-DE" dirty="0"/>
+              <a:t>    </a:t>
+            </a:r>
+            <a:r>
+              <a:rPr lang="de-DE" dirty="0" err="1">
+                <a:solidFill>
+                  <a:schemeClr val="accent1"/>
                 </a:solidFill>
               </a:rPr>
               <a:t>meinton</a:t>
             </a:r>
             <a:r>
-              <a:rPr lang="de-DE" sz="2800" dirty="0">
-                <a:solidFill>
-                  <a:srgbClr val="FFC000"/>
-                </a:solidFill>
-              </a:rPr>
-              <a:t> in 70..85</a:t>
-            </a:r>
-          </a:p>
-          <a:p>
-            <a:r>
-              <a:rPr lang="de-DE" sz="2800" dirty="0">
-                <a:solidFill>
-                  <a:srgbClr val="FFC000"/>
-                </a:solidFill>
-              </a:rPr>
-              <a:t>...</a:t>
-            </a:r>
-          </a:p>
-        </p:txBody>
-      </p:sp>
-      <p:sp>
-        <p:nvSpPr>
-          <p:cNvPr id="3" name="Text Placeholder 2">
+              <a:rPr lang="de-DE" dirty="0"/>
+              <a:t> = 50</a:t>
+            </a:r>
+          </a:p>
+          <a:p>
+            <a:r>
+              <a:rPr lang="de-DE" dirty="0"/>
+              <a:t>  end</a:t>
+            </a:r>
+          </a:p>
+          <a:p>
+            <a:endParaRPr lang="de-DE" dirty="0"/>
+          </a:p>
+          <a:p>
+            <a:r>
+              <a:rPr lang="de-DE" dirty="0"/>
+              <a:t>end</a:t>
+            </a:r>
+          </a:p>
+        </p:txBody>
+      </p:sp>
+      <p:sp>
+        <p:nvSpPr>
+          <p:cNvPr id="4" name="Rectangle 3">
             <a:extLst>
               <a:ext uri="{FF2B5EF4-FFF2-40B4-BE49-F238E27FC236}">
-                <a16:creationId xmlns:a16="http://schemas.microsoft.com/office/drawing/2014/main" id="{95F55CC8-825D-BD44-B3F0-8A4FE0A1CA0A}"/>
+                <a16:creationId xmlns:a16="http://schemas.microsoft.com/office/drawing/2014/main" id="{D2898317-A37F-3349-A5FF-580BB7F73099}"/>
               </a:ext>
             </a:extLst>
           </p:cNvPr>
-          <p:cNvSpPr>
-            <a:spLocks noGrp="1"/>
-          </p:cNvSpPr>
-          <p:nvPr>
-            <p:ph type="body" sz="quarter" idx="19"/>
-          </p:nvPr>
-        </p:nvSpPr>
-        <p:spPr/>
-        <p:txBody>
-          <a:bodyPr/>
-          <a:lstStyle/>
-          <a:p>
+          <p:cNvSpPr/>
+          <p:nvPr/>
+        </p:nvSpPr>
+        <p:spPr>
+          <a:xfrm>
+            <a:off x="202332" y="8172400"/>
+            <a:ext cx="6453336" cy="288032"/>
+          </a:xfrm>
+          <a:prstGeom prst="rect">
+            <a:avLst/>
+          </a:prstGeom>
+          <a:solidFill>
+            <a:schemeClr val="bg1"/>
+          </a:solidFill>
+          <a:ln>
+            <a:noFill/>
+          </a:ln>
+        </p:spPr>
+        <p:style>
+          <a:lnRef idx="2">
+            <a:schemeClr val="accent1">
+              <a:shade val="50000"/>
+            </a:schemeClr>
+          </a:lnRef>
+          <a:fillRef idx="1">
+            <a:schemeClr val="accent1"/>
+          </a:fillRef>
+          <a:effectRef idx="0">
+            <a:schemeClr val="accent1"/>
+          </a:effectRef>
+          <a:fontRef idx="minor">
+            <a:schemeClr val="lt1"/>
+          </a:fontRef>
+        </p:style>
+        <p:txBody>
+          <a:bodyPr rtlCol="0" anchor="ctr"/>
+          <a:lstStyle/>
+          <a:p>
+            <a:pPr algn="ctr"/>
             <a:endParaRPr lang="de-DE"/>
+          </a:p>
+        </p:txBody>
+      </p:sp>
+      <p:sp>
+        <p:nvSpPr>
+          <p:cNvPr id="2" name="Rectangle 1">
+            <a:extLst>
+              <a:ext uri="{FF2B5EF4-FFF2-40B4-BE49-F238E27FC236}">
+                <a16:creationId xmlns:a16="http://schemas.microsoft.com/office/drawing/2014/main" id="{E4FC1CED-2AA3-0E44-85AD-ECA9D2A04AA4}"/>
+              </a:ext>
+            </a:extLst>
+          </p:cNvPr>
+          <p:cNvSpPr/>
+          <p:nvPr/>
+        </p:nvSpPr>
+        <p:spPr>
+          <a:xfrm>
+            <a:off x="1714500" y="4638917"/>
+            <a:ext cx="3429000" cy="4154984"/>
+          </a:xfrm>
+          <a:prstGeom prst="rect">
+            <a:avLst/>
+          </a:prstGeom>
+        </p:spPr>
+        <p:txBody>
+          <a:bodyPr>
+            <a:spAutoFit/>
+          </a:bodyPr>
+          <a:lstStyle/>
+          <a:p>
+            <a:r>
+              <a:rPr lang="de-DE" sz="1200" dirty="0" err="1"/>
+              <a:t>meinton</a:t>
+            </a:r>
+            <a:r>
+              <a:rPr lang="de-DE" sz="1200" dirty="0"/>
+              <a:t> = 50</a:t>
+            </a:r>
+          </a:p>
+          <a:p>
+            <a:r>
+              <a:rPr lang="de-DE" sz="1200" dirty="0">
+                <a:solidFill>
+                  <a:schemeClr val="accent1"/>
+                </a:solidFill>
+              </a:rPr>
+              <a:t>hoch = 1</a:t>
+            </a:r>
+            <a:br>
+              <a:rPr lang="de-DE" sz="1200" dirty="0">
+                <a:solidFill>
+                  <a:schemeClr val="accent1"/>
+                </a:solidFill>
+              </a:rPr>
+            </a:br>
+            <a:endParaRPr lang="de-DE" sz="1200" dirty="0">
+              <a:solidFill>
+                <a:schemeClr val="accent1"/>
+              </a:solidFill>
+            </a:endParaRPr>
+          </a:p>
+          <a:p>
+            <a:r>
+              <a:rPr lang="de-DE" sz="1200" dirty="0"/>
+              <a:t>live_loop :</a:t>
+            </a:r>
+            <a:r>
+              <a:rPr lang="de-DE" sz="1200" dirty="0" err="1"/>
+              <a:t>immerwieder</a:t>
+            </a:r>
+            <a:r>
+              <a:rPr lang="de-DE" sz="1200" dirty="0"/>
+              <a:t> do</a:t>
+            </a:r>
+          </a:p>
+          <a:p>
+            <a:r>
+              <a:rPr lang="de-DE" sz="1200" dirty="0"/>
+              <a:t>  </a:t>
+            </a:r>
+            <a:r>
+              <a:rPr lang="de-DE" sz="1200" dirty="0" err="1"/>
+              <a:t>if</a:t>
+            </a:r>
+            <a:r>
+              <a:rPr lang="de-DE" sz="1200" dirty="0"/>
+              <a:t> (</a:t>
+            </a:r>
+            <a:r>
+              <a:rPr lang="de-DE" sz="1200" dirty="0">
+                <a:solidFill>
+                  <a:schemeClr val="accent1"/>
+                </a:solidFill>
+              </a:rPr>
+              <a:t>hoch == 1</a:t>
+            </a:r>
+            <a:r>
+              <a:rPr lang="de-DE" sz="1200" dirty="0"/>
+              <a:t>) </a:t>
+            </a:r>
+            <a:r>
+              <a:rPr lang="de-DE" sz="1200" dirty="0" err="1"/>
+              <a:t>then</a:t>
+            </a:r>
+            <a:endParaRPr lang="de-DE" sz="1200" dirty="0"/>
+          </a:p>
+          <a:p>
+            <a:r>
+              <a:rPr lang="de-DE" sz="1200" dirty="0"/>
+              <a:t>    </a:t>
+            </a:r>
+            <a:r>
+              <a:rPr lang="de-DE" sz="1200" dirty="0" err="1"/>
+              <a:t>meinton</a:t>
+            </a:r>
+            <a:r>
+              <a:rPr lang="de-DE" sz="1200" dirty="0"/>
+              <a:t> = </a:t>
+            </a:r>
+            <a:r>
+              <a:rPr lang="de-DE" sz="1200" dirty="0" err="1"/>
+              <a:t>meinton</a:t>
+            </a:r>
+            <a:r>
+              <a:rPr lang="de-DE" sz="1200" dirty="0"/>
+              <a:t> + 1</a:t>
+            </a:r>
+          </a:p>
+          <a:p>
+            <a:r>
+              <a:rPr lang="de-DE" sz="1200" dirty="0"/>
+              <a:t>  end</a:t>
+            </a:r>
+          </a:p>
+          <a:p>
+            <a:r>
+              <a:rPr lang="de-DE" sz="1200" dirty="0"/>
+              <a:t>  </a:t>
+            </a:r>
+            <a:r>
+              <a:rPr lang="de-DE" sz="1200" dirty="0" err="1"/>
+              <a:t>if</a:t>
+            </a:r>
+            <a:r>
+              <a:rPr lang="de-DE" sz="1200" dirty="0"/>
+              <a:t> (</a:t>
+            </a:r>
+            <a:r>
+              <a:rPr lang="de-DE" sz="1200" dirty="0">
+                <a:solidFill>
+                  <a:schemeClr val="accent1"/>
+                </a:solidFill>
+              </a:rPr>
+              <a:t>hoch == 0</a:t>
+            </a:r>
+            <a:r>
+              <a:rPr lang="de-DE" sz="1200" dirty="0"/>
+              <a:t>) </a:t>
+            </a:r>
+            <a:r>
+              <a:rPr lang="de-DE" sz="1200" dirty="0" err="1"/>
+              <a:t>then</a:t>
+            </a:r>
+            <a:endParaRPr lang="de-DE" sz="1200" dirty="0"/>
+          </a:p>
+          <a:p>
+            <a:r>
+              <a:rPr lang="de-DE" sz="1200" dirty="0"/>
+              <a:t>    </a:t>
+            </a:r>
+            <a:r>
+              <a:rPr lang="de-DE" sz="1200" dirty="0" err="1"/>
+              <a:t>meinton</a:t>
+            </a:r>
+            <a:r>
+              <a:rPr lang="de-DE" sz="1200" dirty="0"/>
+              <a:t> = </a:t>
+            </a:r>
+            <a:r>
+              <a:rPr lang="de-DE" sz="1200" dirty="0" err="1"/>
+              <a:t>meinton</a:t>
+            </a:r>
+            <a:r>
+              <a:rPr lang="de-DE" sz="1200" dirty="0"/>
+              <a:t> -1</a:t>
+            </a:r>
+          </a:p>
+          <a:p>
+            <a:r>
+              <a:rPr lang="de-DE" sz="1200" dirty="0"/>
+              <a:t>  end</a:t>
+            </a:r>
+          </a:p>
+          <a:p>
+            <a:r>
+              <a:rPr lang="de-DE" sz="1200" dirty="0"/>
+              <a:t>  </a:t>
+            </a:r>
+          </a:p>
+          <a:p>
+            <a:r>
+              <a:rPr lang="de-DE" sz="1200" dirty="0"/>
+              <a:t>  </a:t>
+            </a:r>
+            <a:r>
+              <a:rPr lang="de-DE" sz="1200" dirty="0" err="1"/>
+              <a:t>play</a:t>
+            </a:r>
+            <a:r>
+              <a:rPr lang="de-DE" sz="1200" dirty="0"/>
+              <a:t> </a:t>
+            </a:r>
+            <a:r>
+              <a:rPr lang="de-DE" sz="1200" dirty="0" err="1"/>
+              <a:t>meinton</a:t>
+            </a:r>
+            <a:endParaRPr lang="de-DE" sz="1200" dirty="0"/>
+          </a:p>
+          <a:p>
+            <a:r>
+              <a:rPr lang="de-DE" sz="1200" dirty="0"/>
+              <a:t>  </a:t>
+            </a:r>
+            <a:r>
+              <a:rPr lang="de-DE" sz="1200" dirty="0" err="1"/>
+              <a:t>sleep</a:t>
+            </a:r>
+            <a:r>
+              <a:rPr lang="de-DE" sz="1200" dirty="0"/>
+              <a:t> 1</a:t>
+            </a:r>
+          </a:p>
+          <a:p>
+            <a:r>
+              <a:rPr lang="de-DE" sz="1200" dirty="0"/>
+              <a:t>  </a:t>
+            </a:r>
+          </a:p>
+          <a:p>
+            <a:r>
+              <a:rPr lang="de-DE" sz="1200" dirty="0"/>
+              <a:t>  </a:t>
+            </a:r>
+            <a:r>
+              <a:rPr lang="de-DE" sz="1200" dirty="0" err="1">
+                <a:solidFill>
+                  <a:schemeClr val="accent1"/>
+                </a:solidFill>
+              </a:rPr>
+              <a:t>if</a:t>
+            </a:r>
+            <a:r>
+              <a:rPr lang="de-DE" sz="1200" dirty="0">
+                <a:solidFill>
+                  <a:schemeClr val="accent1"/>
+                </a:solidFill>
+              </a:rPr>
+              <a:t> (</a:t>
+            </a:r>
+            <a:r>
+              <a:rPr lang="de-DE" sz="1200" dirty="0" err="1">
+                <a:solidFill>
+                  <a:schemeClr val="accent1"/>
+                </a:solidFill>
+              </a:rPr>
+              <a:t>meinton</a:t>
+            </a:r>
+            <a:r>
+              <a:rPr lang="de-DE" sz="1200" dirty="0">
+                <a:solidFill>
+                  <a:schemeClr val="accent1"/>
+                </a:solidFill>
+              </a:rPr>
+              <a:t>==55) </a:t>
+            </a:r>
+            <a:r>
+              <a:rPr lang="de-DE" sz="1200" dirty="0" err="1">
+                <a:solidFill>
+                  <a:schemeClr val="accent1"/>
+                </a:solidFill>
+              </a:rPr>
+              <a:t>then</a:t>
+            </a:r>
+            <a:endParaRPr lang="de-DE" sz="1200" dirty="0">
+              <a:solidFill>
+                <a:schemeClr val="accent1"/>
+              </a:solidFill>
+            </a:endParaRPr>
+          </a:p>
+          <a:p>
+            <a:r>
+              <a:rPr lang="de-DE" sz="1200" dirty="0">
+                <a:solidFill>
+                  <a:schemeClr val="accent1"/>
+                </a:solidFill>
+              </a:rPr>
+              <a:t>    hoch = 0</a:t>
+            </a:r>
+          </a:p>
+          <a:p>
+            <a:r>
+              <a:rPr lang="de-DE" sz="1200" dirty="0">
+                <a:solidFill>
+                  <a:schemeClr val="accent1"/>
+                </a:solidFill>
+              </a:rPr>
+              <a:t>  end</a:t>
+            </a:r>
+          </a:p>
+          <a:p>
+            <a:r>
+              <a:rPr lang="de-DE" sz="1200" dirty="0">
+                <a:solidFill>
+                  <a:schemeClr val="accent1"/>
+                </a:solidFill>
+              </a:rPr>
+              <a:t>  </a:t>
+            </a:r>
+            <a:r>
+              <a:rPr lang="de-DE" sz="1200" dirty="0" err="1">
+                <a:solidFill>
+                  <a:schemeClr val="accent1"/>
+                </a:solidFill>
+              </a:rPr>
+              <a:t>if</a:t>
+            </a:r>
+            <a:r>
+              <a:rPr lang="de-DE" sz="1200" dirty="0">
+                <a:solidFill>
+                  <a:schemeClr val="accent1"/>
+                </a:solidFill>
+              </a:rPr>
+              <a:t> (</a:t>
+            </a:r>
+            <a:r>
+              <a:rPr lang="de-DE" sz="1200" dirty="0" err="1">
+                <a:solidFill>
+                  <a:schemeClr val="accent1"/>
+                </a:solidFill>
+              </a:rPr>
+              <a:t>meinton</a:t>
+            </a:r>
+            <a:r>
+              <a:rPr lang="de-DE" sz="1200" dirty="0">
+                <a:solidFill>
+                  <a:schemeClr val="accent1"/>
+                </a:solidFill>
+              </a:rPr>
+              <a:t>==50) </a:t>
+            </a:r>
+            <a:r>
+              <a:rPr lang="de-DE" sz="1200" dirty="0" err="1">
+                <a:solidFill>
+                  <a:schemeClr val="accent1"/>
+                </a:solidFill>
+              </a:rPr>
+              <a:t>then</a:t>
+            </a:r>
+            <a:endParaRPr lang="de-DE" sz="1200" dirty="0">
+              <a:solidFill>
+                <a:schemeClr val="accent1"/>
+              </a:solidFill>
+            </a:endParaRPr>
+          </a:p>
+          <a:p>
+            <a:r>
+              <a:rPr lang="de-DE" sz="1200" dirty="0">
+                <a:solidFill>
+                  <a:schemeClr val="accent1"/>
+                </a:solidFill>
+              </a:rPr>
+              <a:t>    hoch = 1</a:t>
+            </a:r>
+          </a:p>
+          <a:p>
+            <a:r>
+              <a:rPr lang="de-DE" sz="1200" dirty="0">
+                <a:solidFill>
+                  <a:schemeClr val="accent1"/>
+                </a:solidFill>
+              </a:rPr>
+              <a:t>  end</a:t>
+            </a:r>
+          </a:p>
+          <a:p>
+            <a:endParaRPr lang="de-DE" sz="1200" dirty="0"/>
+          </a:p>
+          <a:p>
+            <a:r>
+              <a:rPr lang="de-DE" sz="1200" dirty="0"/>
+              <a:t>end</a:t>
+            </a:r>
           </a:p>
         </p:txBody>
       </p:sp>
     </p:spTree>
     <p:extLst>
       <p:ext uri="{BB962C8B-B14F-4D97-AF65-F5344CB8AC3E}">
-        <p14:creationId xmlns:p14="http://schemas.microsoft.com/office/powerpoint/2010/main" val="1039272597"/>
+        <p14:creationId xmlns:p14="http://schemas.microsoft.com/office/powerpoint/2010/main" val="1952020129"/>
       </p:ext>
     </p:extLst>
   </p:cSld>
@@ -7264,7 +8090,15 @@
           <a:p>
             <a:r>
               <a:rPr lang="de-DE"/>
-              <a:t>BUFFER 4</a:t>
+              <a:t>BUFFER </a:t>
+            </a:r>
+            <a:r>
+              <a:rPr lang="de-DE">
+                <a:solidFill>
+                  <a:srgbClr val="FF0000"/>
+                </a:solidFill>
+              </a:rPr>
+              <a:t>9</a:t>
             </a:r>
           </a:p>
         </p:txBody>
@@ -7290,7 +8124,13 @@
       </p:sp>
       <p:sp>
         <p:nvSpPr>
-          <p:cNvPr id="7" name="Textplatzhalter 6"/>
+          <p:cNvPr id="9" name="Text Placeholder 12">
+            <a:extLst>
+              <a:ext uri="{FF2B5EF4-FFF2-40B4-BE49-F238E27FC236}">
+                <a16:creationId xmlns:a16="http://schemas.microsoft.com/office/drawing/2014/main" id="{CE19661D-B4D1-3741-8A25-F4E26875D852}"/>
+              </a:ext>
+            </a:extLst>
+          </p:cNvPr>
           <p:cNvSpPr>
             <a:spLocks noGrp="1"/>
           </p:cNvSpPr>
@@ -7298,19 +8138,62 @@
             <p:ph type="body" sz="quarter" idx="21"/>
           </p:nvPr>
         </p:nvSpPr>
-        <p:spPr/>
+        <p:spPr>
+          <a:xfrm>
+            <a:off x="410384" y="5031340"/>
+            <a:ext cx="6048672" cy="769441"/>
+          </a:xfrm>
+        </p:spPr>
         <p:txBody>
           <a:bodyPr/>
           <a:lstStyle/>
           <a:p>
-            <a:endParaRPr lang="de-DE"/>
+            <a:r>
+              <a:rPr lang="de-DE"/>
+              <a:t>Schleifen</a:t>
+            </a:r>
+          </a:p>
+        </p:txBody>
+      </p:sp>
+      <p:sp>
+        <p:nvSpPr>
+          <p:cNvPr id="10" name="TextBox 9">
+            <a:extLst>
+              <a:ext uri="{FF2B5EF4-FFF2-40B4-BE49-F238E27FC236}">
+                <a16:creationId xmlns:a16="http://schemas.microsoft.com/office/drawing/2014/main" id="{45F74D6D-8447-F149-83F0-0585C4D79417}"/>
+              </a:ext>
+            </a:extLst>
+          </p:cNvPr>
+          <p:cNvSpPr txBox="1"/>
+          <p:nvPr/>
+        </p:nvSpPr>
+        <p:spPr>
+          <a:xfrm>
+            <a:off x="2095109" y="6230895"/>
+            <a:ext cx="2667782" cy="369332"/>
+          </a:xfrm>
+          <a:prstGeom prst="rect">
+            <a:avLst/>
+          </a:prstGeom>
+          <a:noFill/>
+        </p:spPr>
+        <p:txBody>
+          <a:bodyPr wrap="none" rtlCol="0">
+            <a:spAutoFit/>
+          </a:bodyPr>
+          <a:lstStyle/>
+          <a:p>
+            <a:r>
+              <a:rPr lang="de-DE"/>
+              <a:t>Alien-Geräusche für Spiele</a:t>
+            </a:r>
           </a:p>
         </p:txBody>
       </p:sp>
     </p:spTree>
     <p:extLst>
       <p:ext uri="{BB962C8B-B14F-4D97-AF65-F5344CB8AC3E}">
-        <p14:creationId xmlns:p14="http://schemas.microsoft.com/office/powerpoint/2010/main" val="2797989313"/>
+        <p14:creationId xmlns:p14="http://schemas.microsoft.com/office/powerpoint/2010/main" val="3690587624"/>
       </p:ext>
     </p:extLst>
   </p:cSld>
@@ -7347,32 +8230,10 @@
             <p:ph type="body" sz="quarter" idx="15"/>
           </p:nvPr>
         </p:nvSpPr>
-        <p:spPr/>
-        <p:txBody>
-          <a:bodyPr/>
-          <a:lstStyle/>
-          <a:p>
-            <a:r>
-              <a:rPr lang="de-DE"/>
-              <a:t>Wir nennen das eine (Endlos-)Schleife</a:t>
-            </a:r>
-          </a:p>
-        </p:txBody>
-      </p:sp>
-      <p:sp>
-        <p:nvSpPr>
-          <p:cNvPr id="15" name="Text Placeholder 14"/>
-          <p:cNvSpPr>
-            <a:spLocks noGrp="1"/>
-          </p:cNvSpPr>
-          <p:nvPr>
-            <p:ph type="body" sz="quarter" idx="18"/>
-          </p:nvPr>
-        </p:nvSpPr>
         <p:spPr>
           <a:xfrm>
-            <a:off x="404664" y="3275856"/>
-            <a:ext cx="6453336" cy="1034129"/>
+            <a:off x="-6464" y="2675915"/>
+            <a:ext cx="6858000" cy="400110"/>
           </a:xfrm>
         </p:spPr>
         <p:txBody>
@@ -7380,62 +8241,142 @@
           <a:lstStyle/>
           <a:p>
             <a:r>
+              <a:rPr lang="de-DE" sz="2000"/>
+              <a:t>Wir nennen das eine </a:t>
+            </a:r>
+            <a:r>
+              <a:rPr lang="de-DE" sz="2000">
+                <a:solidFill>
+                  <a:srgbClr val="FF0000"/>
+                </a:solidFill>
+              </a:rPr>
+              <a:t>Zähl-Schleife</a:t>
+            </a:r>
+          </a:p>
+        </p:txBody>
+      </p:sp>
+      <p:sp>
+        <p:nvSpPr>
+          <p:cNvPr id="15" name="Text Placeholder 14"/>
+          <p:cNvSpPr>
+            <a:spLocks noGrp="1"/>
+          </p:cNvSpPr>
+          <p:nvPr>
+            <p:ph type="body" sz="quarter" idx="18"/>
+          </p:nvPr>
+        </p:nvSpPr>
+        <p:spPr>
+          <a:xfrm>
+            <a:off x="375380" y="3179894"/>
+            <a:ext cx="6453336" cy="1311128"/>
+          </a:xfrm>
+        </p:spPr>
+        <p:txBody>
+          <a:bodyPr/>
+          <a:lstStyle/>
+          <a:p>
+            <a:r>
               <a:rPr lang="de-DE"/>
-              <a:t>Füge ein weiteres sample </a:t>
-            </a:r>
-            <a:r>
-              <a:rPr lang="de-DE" i="1" err="1"/>
-              <a:t>sn_zome</a:t>
+              <a:t>Was passiert hier und warum? </a:t>
+            </a:r>
+            <a:br>
+              <a:rPr lang="de-DE"/>
+            </a:br>
+            <a:r>
+              <a:rPr lang="de-DE"/>
+              <a:t>Was ist </a:t>
+            </a:r>
+            <a:r>
+              <a:rPr lang="de-DE" err="1">
+                <a:solidFill>
+                  <a:schemeClr val="accent3">
+                    <a:lumMod val="75000"/>
+                  </a:schemeClr>
+                </a:solidFill>
+              </a:rPr>
+              <a:t>meinton</a:t>
+            </a:r>
+            <a:r>
+              <a:rPr lang="de-DE"/>
+              <a:t>? Was passiert mit </a:t>
+            </a:r>
+            <a:r>
+              <a:rPr lang="de-DE" err="1">
+                <a:solidFill>
+                  <a:schemeClr val="accent3">
+                    <a:lumMod val="75000"/>
+                  </a:schemeClr>
+                </a:solidFill>
+              </a:rPr>
+              <a:t>meinton</a:t>
+            </a:r>
+            <a:r>
+              <a:rPr lang="de-DE"/>
+              <a:t> in der </a:t>
+            </a:r>
+            <a:r>
+              <a:rPr lang="de-DE">
+                <a:solidFill>
+                  <a:schemeClr val="tx2">
+                    <a:lumMod val="60000"/>
+                    <a:lumOff val="40000"/>
+                  </a:schemeClr>
+                </a:solidFill>
+              </a:rPr>
+              <a:t>Schleife</a:t>
+            </a:r>
+          </a:p>
+          <a:p>
+            <a:r>
+              <a:rPr lang="de-DE"/>
+              <a:t>Was macht </a:t>
+            </a:r>
+            <a:r>
+              <a:rPr lang="de-DE" err="1">
+                <a:solidFill>
+                  <a:srgbClr val="FFC000"/>
+                </a:solidFill>
+              </a:rPr>
+              <a:t>play</a:t>
             </a:r>
             <a:r>
               <a:rPr lang="de-DE"/>
               <a:t> mit </a:t>
             </a:r>
             <a:r>
-              <a:rPr lang="de-DE" i="1" err="1"/>
-              <a:t>sleep</a:t>
-            </a:r>
-            <a:r>
-              <a:rPr lang="de-DE" i="1"/>
-              <a:t> 1 </a:t>
+              <a:rPr lang="de-DE" err="1">
+                <a:solidFill>
+                  <a:schemeClr val="accent3">
+                    <a:lumMod val="75000"/>
+                  </a:schemeClr>
+                </a:solidFill>
+              </a:rPr>
+              <a:t>meinton</a:t>
             </a:r>
             <a:r>
               <a:rPr lang="de-DE"/>
-              <a:t>hinzu</a:t>
+              <a:t>?</a:t>
             </a:r>
           </a:p>
           <a:p>
             <a:r>
               <a:rPr lang="de-DE"/>
-              <a:t>Mach‘ das Schlagzeug schneller (120)</a:t>
-            </a:r>
-          </a:p>
-          <a:p>
+              <a:t>Was passiert, wenn du </a:t>
+            </a:r>
+            <a:r>
+              <a:rPr lang="de-DE" err="1">
+                <a:solidFill>
+                  <a:schemeClr val="accent3">
+                    <a:lumMod val="75000"/>
+                  </a:schemeClr>
+                </a:solidFill>
+              </a:rPr>
+              <a:t>meinton</a:t>
+            </a:r>
             <a:r>
               <a:rPr lang="de-DE"/>
-              <a:t>:</a:t>
-            </a:r>
-            <a:r>
-              <a:rPr lang="de-DE" err="1"/>
-              <a:t>drum_bass_hard</a:t>
-            </a:r>
-            <a:r>
-              <a:rPr lang="de-DE"/>
-              <a:t>	:</a:t>
-            </a:r>
-            <a:r>
-              <a:rPr lang="de-DE" err="1"/>
-              <a:t>drum_snare_hard</a:t>
-            </a:r>
-            <a:r>
-              <a:rPr lang="de-DE"/>
-              <a:t>	:</a:t>
-            </a:r>
-            <a:r>
-              <a:rPr lang="de-DE" err="1"/>
-              <a:t>drum_tom_hi_hard</a:t>
-            </a:r>
-            <a:endParaRPr lang="de-DE"/>
+              <a:t> in deinen Namen änderst?</a:t>
+            </a:r>
           </a:p>
         </p:txBody>
       </p:sp>
@@ -7447,31 +8388,12 @@
           </p:cNvSpPr>
           <p:nvPr>
             <p:ph type="body" sz="quarter" idx="19"/>
-          </p:nvPr>
-        </p:nvSpPr>
-        <p:spPr/>
-        <p:txBody>
-          <a:bodyPr/>
-          <a:lstStyle/>
-          <a:p>
-            <a:endParaRPr lang="de-DE"/>
-          </a:p>
-        </p:txBody>
-      </p:sp>
-      <p:sp>
-        <p:nvSpPr>
-          <p:cNvPr id="16" name="Text Placeholder 15"/>
-          <p:cNvSpPr>
-            <a:spLocks noGrp="1"/>
-          </p:cNvSpPr>
-          <p:nvPr>
-            <p:ph type="body" sz="quarter" idx="17"/>
           </p:nvPr>
         </p:nvSpPr>
         <p:spPr>
           <a:xfrm>
-            <a:off x="404664" y="481918"/>
-            <a:ext cx="6048672" cy="2240668"/>
+            <a:off x="404664" y="8316416"/>
+            <a:ext cx="6453336" cy="701731"/>
           </a:xfrm>
         </p:spPr>
         <p:txBody>
@@ -7480,92 +8402,703 @@
           <a:p>
             <a:r>
               <a:rPr lang="de-DE"/>
-              <a:t>live_loop :</a:t>
-            </a:r>
-            <a:r>
-              <a:rPr lang="de-DE" err="1"/>
-              <a:t>schlagzeug</a:t>
-            </a:r>
+              <a:t>Eine Zählschleife in der Endlosschleife</a:t>
+            </a:r>
+          </a:p>
+          <a:p>
             <a:r>
               <a:rPr lang="de-DE"/>
-              <a:t> do  	</a:t>
-            </a:r>
-          </a:p>
+              <a:t>Was passiert nun?</a:t>
+            </a:r>
+          </a:p>
+        </p:txBody>
+      </p:sp>
+      <p:sp>
+        <p:nvSpPr>
+          <p:cNvPr id="12" name="Text Placeholder 11"/>
+          <p:cNvSpPr>
+            <a:spLocks noGrp="1"/>
+          </p:cNvSpPr>
+          <p:nvPr>
+            <p:ph type="body" sz="quarter" idx="20"/>
+          </p:nvPr>
+        </p:nvSpPr>
+        <p:spPr/>
+        <p:txBody>
+          <a:bodyPr/>
+          <a:lstStyle/>
+          <a:p>
+            <a:endParaRPr lang="de-DE"/>
+          </a:p>
+        </p:txBody>
+      </p:sp>
+      <p:sp>
+        <p:nvSpPr>
+          <p:cNvPr id="4" name="TextBox 3">
+            <a:extLst>
+              <a:ext uri="{FF2B5EF4-FFF2-40B4-BE49-F238E27FC236}">
+                <a16:creationId xmlns:a16="http://schemas.microsoft.com/office/drawing/2014/main" id="{75567B60-E2DB-254B-9A27-35241ACB4382}"/>
+              </a:ext>
+            </a:extLst>
+          </p:cNvPr>
+          <p:cNvSpPr txBox="1"/>
+          <p:nvPr/>
+        </p:nvSpPr>
+        <p:spPr>
+          <a:xfrm>
+            <a:off x="1327076" y="836510"/>
+            <a:ext cx="4608512" cy="1815882"/>
+          </a:xfrm>
+          <a:prstGeom prst="rect">
+            <a:avLst/>
+          </a:prstGeom>
+          <a:noFill/>
+        </p:spPr>
+        <p:txBody>
+          <a:bodyPr wrap="square" rtlCol="0">
+            <a:spAutoFit/>
+          </a:bodyPr>
+          <a:lstStyle/>
+          <a:p>
+            <a:r>
+              <a:rPr lang="de-DE" sz="2800" err="1">
+                <a:solidFill>
+                  <a:schemeClr val="tx2">
+                    <a:lumMod val="60000"/>
+                    <a:lumOff val="40000"/>
+                  </a:schemeClr>
+                </a:solidFill>
+              </a:rPr>
+              <a:t>for</a:t>
+            </a:r>
+            <a:r>
+              <a:rPr lang="de-DE" sz="2800">
+                <a:solidFill>
+                  <a:srgbClr val="FFC000"/>
+                </a:solidFill>
+              </a:rPr>
+              <a:t> </a:t>
+            </a:r>
+            <a:r>
+              <a:rPr lang="de-DE" sz="2800" err="1">
+                <a:solidFill>
+                  <a:schemeClr val="accent3">
+                    <a:lumMod val="75000"/>
+                  </a:schemeClr>
+                </a:solidFill>
+              </a:rPr>
+              <a:t>meinton</a:t>
+            </a:r>
+            <a:r>
+              <a:rPr lang="de-DE" sz="2800">
+                <a:solidFill>
+                  <a:srgbClr val="FFC000"/>
+                </a:solidFill>
+              </a:rPr>
+              <a:t> in </a:t>
+            </a:r>
+            <a:r>
+              <a:rPr lang="de-DE" sz="2800">
+                <a:solidFill>
+                  <a:srgbClr val="FF0000"/>
+                </a:solidFill>
+              </a:rPr>
+              <a:t>50..65</a:t>
+            </a:r>
+          </a:p>
+          <a:p>
+            <a:r>
+              <a:rPr lang="de-DE" sz="2800">
+                <a:solidFill>
+                  <a:srgbClr val="FFC000"/>
+                </a:solidFill>
+              </a:rPr>
+              <a:t>    </a:t>
+            </a:r>
+            <a:r>
+              <a:rPr lang="de-DE" sz="2800" err="1">
+                <a:solidFill>
+                  <a:srgbClr val="FFC000"/>
+                </a:solidFill>
+              </a:rPr>
+              <a:t>play</a:t>
+            </a:r>
+            <a:r>
+              <a:rPr lang="de-DE" sz="2800">
+                <a:solidFill>
+                  <a:srgbClr val="FFC000"/>
+                </a:solidFill>
+              </a:rPr>
+              <a:t> </a:t>
+            </a:r>
+            <a:r>
+              <a:rPr lang="de-DE" sz="2800" err="1">
+                <a:solidFill>
+                  <a:schemeClr val="accent3">
+                    <a:lumMod val="75000"/>
+                  </a:schemeClr>
+                </a:solidFill>
+              </a:rPr>
+              <a:t>meinton</a:t>
+            </a:r>
+            <a:endParaRPr lang="de-DE" sz="2800">
+              <a:solidFill>
+                <a:schemeClr val="accent3">
+                  <a:lumMod val="75000"/>
+                </a:schemeClr>
+              </a:solidFill>
+            </a:endParaRPr>
+          </a:p>
+          <a:p>
+            <a:r>
+              <a:rPr lang="de-DE" sz="2800">
+                <a:solidFill>
+                  <a:srgbClr val="FFC000"/>
+                </a:solidFill>
+              </a:rPr>
+              <a:t>    </a:t>
+            </a:r>
+            <a:r>
+              <a:rPr lang="de-DE" sz="2800" err="1">
+                <a:solidFill>
+                  <a:srgbClr val="FFC000"/>
+                </a:solidFill>
+              </a:rPr>
+              <a:t>sleep</a:t>
+            </a:r>
+            <a:r>
+              <a:rPr lang="de-DE" sz="2800">
+                <a:solidFill>
+                  <a:srgbClr val="FFC000"/>
+                </a:solidFill>
+              </a:rPr>
+              <a:t> 1</a:t>
+            </a:r>
+          </a:p>
+          <a:p>
+            <a:r>
+              <a:rPr lang="de-DE" sz="2800">
+                <a:solidFill>
+                  <a:schemeClr val="tx2">
+                    <a:lumMod val="60000"/>
+                    <a:lumOff val="40000"/>
+                  </a:schemeClr>
+                </a:solidFill>
+              </a:rPr>
+              <a:t>end</a:t>
+            </a:r>
+          </a:p>
+        </p:txBody>
+      </p:sp>
+      <p:sp>
+        <p:nvSpPr>
+          <p:cNvPr id="18" name="Curved Left Arrow 17">
+            <a:extLst>
+              <a:ext uri="{FF2B5EF4-FFF2-40B4-BE49-F238E27FC236}">
+                <a16:creationId xmlns:a16="http://schemas.microsoft.com/office/drawing/2014/main" id="{96DE0000-2CEA-DA4A-B0D3-57772684A010}"/>
+              </a:ext>
+            </a:extLst>
+          </p:cNvPr>
+          <p:cNvSpPr/>
+          <p:nvPr/>
+        </p:nvSpPr>
+        <p:spPr>
+          <a:xfrm rot="10800000">
+            <a:off x="266941" y="975439"/>
+            <a:ext cx="648072" cy="1538023"/>
+          </a:xfrm>
+          <a:prstGeom prst="curvedLeftArrow">
+            <a:avLst/>
+          </a:prstGeom>
+        </p:spPr>
+        <p:style>
+          <a:lnRef idx="2">
+            <a:schemeClr val="accent1">
+              <a:shade val="50000"/>
+            </a:schemeClr>
+          </a:lnRef>
+          <a:fillRef idx="1">
+            <a:schemeClr val="accent1"/>
+          </a:fillRef>
+          <a:effectRef idx="0">
+            <a:schemeClr val="accent1"/>
+          </a:effectRef>
+          <a:fontRef idx="minor">
+            <a:schemeClr val="lt1"/>
+          </a:fontRef>
+        </p:style>
+        <p:txBody>
+          <a:bodyPr rot="0" spcFirstLastPara="0" vertOverflow="overflow" horzOverflow="overflow" vert="horz" wrap="square" lIns="91440" tIns="45720" rIns="91440" bIns="45720" numCol="1" spcCol="0" rtlCol="0" fromWordArt="0" anchor="ctr" anchorCtr="0" forceAA="0" compatLnSpc="1">
+            <a:prstTxWarp prst="textNoShape">
+              <a:avLst/>
+            </a:prstTxWarp>
+            <a:noAutofit/>
+          </a:bodyPr>
+          <a:lstStyle/>
+          <a:p>
+            <a:pPr algn="ctr"/>
+            <a:endParaRPr lang="de-DE">
+              <a:solidFill>
+                <a:schemeClr val="tx1"/>
+              </a:solidFill>
+            </a:endParaRPr>
+          </a:p>
+        </p:txBody>
+      </p:sp>
+      <p:sp>
+        <p:nvSpPr>
+          <p:cNvPr id="19" name="TextBox 18">
+            <a:extLst>
+              <a:ext uri="{FF2B5EF4-FFF2-40B4-BE49-F238E27FC236}">
+                <a16:creationId xmlns:a16="http://schemas.microsoft.com/office/drawing/2014/main" id="{71AFAC2B-D31E-B541-AA36-2BBC203441B3}"/>
+              </a:ext>
+            </a:extLst>
+          </p:cNvPr>
+          <p:cNvSpPr txBox="1"/>
+          <p:nvPr/>
+        </p:nvSpPr>
+        <p:spPr>
+          <a:xfrm>
+            <a:off x="590977" y="1364012"/>
+            <a:ext cx="736099" cy="923330"/>
+          </a:xfrm>
+          <a:prstGeom prst="rect">
+            <a:avLst/>
+          </a:prstGeom>
+          <a:noFill/>
+        </p:spPr>
+        <p:txBody>
+          <a:bodyPr wrap="none" rtlCol="0">
+            <a:spAutoFit/>
+          </a:bodyPr>
+          <a:lstStyle/>
           <a:p>
             <a:r>
               <a:rPr lang="de-DE"/>
-              <a:t>	sample :</a:t>
-            </a:r>
-            <a:r>
-              <a:rPr lang="de-DE" err="1"/>
-              <a:t>bd_haus</a:t>
-            </a:r>
-            <a:endParaRPr lang="de-DE"/>
+              <a:t>Für </a:t>
+            </a:r>
           </a:p>
           <a:p>
             <a:r>
               <a:rPr lang="de-DE"/>
-              <a:t> 	</a:t>
-            </a:r>
-            <a:r>
-              <a:rPr lang="de-DE" err="1"/>
+              <a:t>50 bis</a:t>
+            </a:r>
+          </a:p>
+          <a:p>
+            <a:r>
+              <a:rPr lang="de-DE"/>
+              <a:t>65</a:t>
+            </a:r>
+          </a:p>
+        </p:txBody>
+      </p:sp>
+      <p:sp>
+        <p:nvSpPr>
+          <p:cNvPr id="20" name="TextBox 19">
+            <a:extLst>
+              <a:ext uri="{FF2B5EF4-FFF2-40B4-BE49-F238E27FC236}">
+                <a16:creationId xmlns:a16="http://schemas.microsoft.com/office/drawing/2014/main" id="{76197847-F8F0-234A-81BF-F382710DFB54}"/>
+              </a:ext>
+            </a:extLst>
+          </p:cNvPr>
+          <p:cNvSpPr txBox="1"/>
+          <p:nvPr/>
+        </p:nvSpPr>
+        <p:spPr>
+          <a:xfrm>
+            <a:off x="1769224" y="5134704"/>
+            <a:ext cx="4608512" cy="2677656"/>
+          </a:xfrm>
+          <a:prstGeom prst="rect">
+            <a:avLst/>
+          </a:prstGeom>
+          <a:noFill/>
+        </p:spPr>
+        <p:txBody>
+          <a:bodyPr wrap="square" rtlCol="0">
+            <a:spAutoFit/>
+          </a:bodyPr>
+          <a:lstStyle/>
+          <a:p>
+            <a:r>
+              <a:rPr lang="de-DE" sz="2800" dirty="0">
+                <a:solidFill>
+                  <a:schemeClr val="tx2">
+                    <a:lumMod val="60000"/>
+                    <a:lumOff val="40000"/>
+                  </a:schemeClr>
+                </a:solidFill>
+              </a:rPr>
+              <a:t>live_loop </a:t>
+            </a:r>
+            <a:r>
+              <a:rPr lang="de-DE" sz="2800" dirty="0">
+                <a:solidFill>
+                  <a:srgbClr val="FFC000"/>
+                </a:solidFill>
+              </a:rPr>
+              <a:t>:</a:t>
+            </a:r>
+            <a:r>
+              <a:rPr lang="de-DE" sz="2800" dirty="0" err="1">
+                <a:solidFill>
+                  <a:srgbClr val="FFC000"/>
+                </a:solidFill>
+              </a:rPr>
+              <a:t>immerwieder</a:t>
+            </a:r>
+            <a:r>
+              <a:rPr lang="de-DE" sz="2800" dirty="0">
+                <a:solidFill>
+                  <a:srgbClr val="FFC000"/>
+                </a:solidFill>
+              </a:rPr>
+              <a:t> do</a:t>
+            </a:r>
+          </a:p>
+          <a:p>
+            <a:r>
+              <a:rPr lang="de-DE" sz="2800" dirty="0">
+                <a:solidFill>
+                  <a:schemeClr val="tx2">
+                    <a:lumMod val="60000"/>
+                    <a:lumOff val="40000"/>
+                  </a:schemeClr>
+                </a:solidFill>
+              </a:rPr>
+              <a:t>   </a:t>
+            </a:r>
+            <a:r>
+              <a:rPr lang="de-DE" sz="2800" dirty="0" err="1">
+                <a:solidFill>
+                  <a:schemeClr val="tx2">
+                    <a:lumMod val="60000"/>
+                    <a:lumOff val="40000"/>
+                  </a:schemeClr>
+                </a:solidFill>
+              </a:rPr>
+              <a:t>for</a:t>
+            </a:r>
+            <a:r>
+              <a:rPr lang="de-DE" sz="2800" dirty="0">
+                <a:solidFill>
+                  <a:srgbClr val="FFC000"/>
+                </a:solidFill>
+              </a:rPr>
+              <a:t> </a:t>
+            </a:r>
+            <a:r>
+              <a:rPr lang="de-DE" sz="2800" dirty="0" err="1">
+                <a:solidFill>
+                  <a:srgbClr val="FFC000"/>
+                </a:solidFill>
+              </a:rPr>
+              <a:t>meinton</a:t>
+            </a:r>
+            <a:r>
+              <a:rPr lang="de-DE" sz="2800" dirty="0">
+                <a:solidFill>
+                  <a:srgbClr val="FFC000"/>
+                </a:solidFill>
+              </a:rPr>
+              <a:t> in 50..65</a:t>
+            </a:r>
+          </a:p>
+          <a:p>
+            <a:r>
+              <a:rPr lang="de-DE" sz="2800" dirty="0">
+                <a:solidFill>
+                  <a:srgbClr val="FFC000"/>
+                </a:solidFill>
+              </a:rPr>
+              <a:t>       </a:t>
+            </a:r>
+            <a:r>
+              <a:rPr lang="de-DE" sz="2800" dirty="0" err="1">
+                <a:solidFill>
+                  <a:srgbClr val="FFC000"/>
+                </a:solidFill>
+              </a:rPr>
+              <a:t>play</a:t>
+            </a:r>
+            <a:r>
+              <a:rPr lang="de-DE" sz="2800" dirty="0">
+                <a:solidFill>
+                  <a:srgbClr val="FFC000"/>
+                </a:solidFill>
+              </a:rPr>
+              <a:t> </a:t>
+            </a:r>
+            <a:r>
+              <a:rPr lang="de-DE" sz="2800" dirty="0" err="1">
+                <a:solidFill>
+                  <a:srgbClr val="FFC000"/>
+                </a:solidFill>
+              </a:rPr>
+              <a:t>meinton</a:t>
+            </a:r>
+            <a:endParaRPr lang="de-DE" sz="2800" dirty="0">
+              <a:solidFill>
+                <a:srgbClr val="FFC000"/>
+              </a:solidFill>
+            </a:endParaRPr>
+          </a:p>
+          <a:p>
+            <a:r>
+              <a:rPr lang="de-DE" sz="2800" dirty="0">
+                <a:solidFill>
+                  <a:srgbClr val="FFC000"/>
+                </a:solidFill>
+              </a:rPr>
+              <a:t>       </a:t>
+            </a:r>
+            <a:r>
+              <a:rPr lang="de-DE" sz="2800" dirty="0" err="1">
+                <a:solidFill>
+                  <a:srgbClr val="FFC000"/>
+                </a:solidFill>
+              </a:rPr>
               <a:t>sleep</a:t>
             </a:r>
             <a:r>
+              <a:rPr lang="de-DE" sz="2800" dirty="0">
+                <a:solidFill>
+                  <a:srgbClr val="FFC000"/>
+                </a:solidFill>
+              </a:rPr>
+              <a:t> 1</a:t>
+            </a:r>
+          </a:p>
+          <a:p>
+            <a:r>
+              <a:rPr lang="de-DE" sz="2800" dirty="0">
+                <a:solidFill>
+                  <a:schemeClr val="tx2">
+                    <a:lumMod val="60000"/>
+                    <a:lumOff val="40000"/>
+                  </a:schemeClr>
+                </a:solidFill>
+              </a:rPr>
+              <a:t>   end</a:t>
+            </a:r>
+          </a:p>
+          <a:p>
+            <a:r>
+              <a:rPr lang="de-DE" sz="2800" dirty="0">
+                <a:solidFill>
+                  <a:schemeClr val="tx2">
+                    <a:lumMod val="60000"/>
+                    <a:lumOff val="40000"/>
+                  </a:schemeClr>
+                </a:solidFill>
+              </a:rPr>
+              <a:t>end</a:t>
+            </a:r>
+          </a:p>
+        </p:txBody>
+      </p:sp>
+      <p:sp>
+        <p:nvSpPr>
+          <p:cNvPr id="21" name="Curved Left Arrow 20">
+            <a:extLst>
+              <a:ext uri="{FF2B5EF4-FFF2-40B4-BE49-F238E27FC236}">
+                <a16:creationId xmlns:a16="http://schemas.microsoft.com/office/drawing/2014/main" id="{B2954442-5A98-554F-B036-F23F5B73F42E}"/>
+              </a:ext>
+            </a:extLst>
+          </p:cNvPr>
+          <p:cNvSpPr/>
+          <p:nvPr/>
+        </p:nvSpPr>
+        <p:spPr>
+          <a:xfrm rot="10800000">
+            <a:off x="915014" y="5752696"/>
+            <a:ext cx="648072" cy="1538023"/>
+          </a:xfrm>
+          <a:prstGeom prst="curvedLeftArrow">
+            <a:avLst/>
+          </a:prstGeom>
+        </p:spPr>
+        <p:style>
+          <a:lnRef idx="2">
+            <a:schemeClr val="accent1">
+              <a:shade val="50000"/>
+            </a:schemeClr>
+          </a:lnRef>
+          <a:fillRef idx="1">
+            <a:schemeClr val="accent1"/>
+          </a:fillRef>
+          <a:effectRef idx="0">
+            <a:schemeClr val="accent1"/>
+          </a:effectRef>
+          <a:fontRef idx="minor">
+            <a:schemeClr val="lt1"/>
+          </a:fontRef>
+        </p:style>
+        <p:txBody>
+          <a:bodyPr rot="0" spcFirstLastPara="0" vertOverflow="overflow" horzOverflow="overflow" vert="horz" wrap="square" lIns="91440" tIns="45720" rIns="91440" bIns="45720" numCol="1" spcCol="0" rtlCol="0" fromWordArt="0" anchor="ctr" anchorCtr="0" forceAA="0" compatLnSpc="1">
+            <a:prstTxWarp prst="textNoShape">
+              <a:avLst/>
+            </a:prstTxWarp>
+            <a:noAutofit/>
+          </a:bodyPr>
+          <a:lstStyle/>
+          <a:p>
+            <a:pPr algn="ctr"/>
+            <a:endParaRPr lang="de-DE">
+              <a:solidFill>
+                <a:schemeClr val="tx1"/>
+              </a:solidFill>
+            </a:endParaRPr>
+          </a:p>
+        </p:txBody>
+      </p:sp>
+      <p:sp>
+        <p:nvSpPr>
+          <p:cNvPr id="22" name="TextBox 21">
+            <a:extLst>
+              <a:ext uri="{FF2B5EF4-FFF2-40B4-BE49-F238E27FC236}">
+                <a16:creationId xmlns:a16="http://schemas.microsoft.com/office/drawing/2014/main" id="{EE521326-2967-A64B-95EE-2BA699A5E93F}"/>
+              </a:ext>
+            </a:extLst>
+          </p:cNvPr>
+          <p:cNvSpPr txBox="1"/>
+          <p:nvPr/>
+        </p:nvSpPr>
+        <p:spPr>
+          <a:xfrm>
+            <a:off x="1239050" y="6141269"/>
+            <a:ext cx="736099" cy="923330"/>
+          </a:xfrm>
+          <a:prstGeom prst="rect">
+            <a:avLst/>
+          </a:prstGeom>
+          <a:noFill/>
+        </p:spPr>
+        <p:txBody>
+          <a:bodyPr wrap="none" rtlCol="0">
+            <a:spAutoFit/>
+          </a:bodyPr>
+          <a:lstStyle/>
+          <a:p>
+            <a:r>
               <a:rPr lang="de-DE"/>
-              <a:t> 1</a:t>
+              <a:t>Für </a:t>
             </a:r>
           </a:p>
           <a:p>
             <a:r>
               <a:rPr lang="de-DE"/>
-              <a:t>end</a:t>
-            </a:r>
-          </a:p>
-        </p:txBody>
-      </p:sp>
-      <p:sp>
-        <p:nvSpPr>
-          <p:cNvPr id="12" name="Text Placeholder 11"/>
-          <p:cNvSpPr>
-            <a:spLocks noGrp="1"/>
-          </p:cNvSpPr>
-          <p:nvPr>
-            <p:ph type="body" sz="quarter" idx="20"/>
-          </p:nvPr>
-        </p:nvSpPr>
-        <p:spPr/>
-        <p:txBody>
-          <a:bodyPr/>
-          <a:lstStyle/>
-          <a:p>
-            <a:endParaRPr lang="de-DE"/>
-          </a:p>
-        </p:txBody>
-      </p:sp>
-      <p:sp>
-        <p:nvSpPr>
-          <p:cNvPr id="13" name="Text Placeholder 12"/>
-          <p:cNvSpPr>
-            <a:spLocks noGrp="1"/>
-          </p:cNvSpPr>
-          <p:nvPr>
-            <p:ph type="body" sz="quarter" idx="21"/>
-          </p:nvPr>
-        </p:nvSpPr>
-        <p:spPr/>
-        <p:txBody>
-          <a:bodyPr/>
-          <a:lstStyle/>
-          <a:p>
-            <a:endParaRPr lang="de-DE"/>
+              <a:t>50 bis</a:t>
+            </a:r>
+          </a:p>
+          <a:p>
+            <a:r>
+              <a:rPr lang="de-DE"/>
+              <a:t>65</a:t>
+            </a:r>
+          </a:p>
+        </p:txBody>
+      </p:sp>
+      <p:sp>
+        <p:nvSpPr>
+          <p:cNvPr id="23" name="Curved Left Arrow 22">
+            <a:extLst>
+              <a:ext uri="{FF2B5EF4-FFF2-40B4-BE49-F238E27FC236}">
+                <a16:creationId xmlns:a16="http://schemas.microsoft.com/office/drawing/2014/main" id="{1903CAE5-8FB3-864F-B8A9-DD91BE9A5A02}"/>
+              </a:ext>
+            </a:extLst>
+          </p:cNvPr>
+          <p:cNvSpPr/>
+          <p:nvPr/>
+        </p:nvSpPr>
+        <p:spPr>
+          <a:xfrm rot="10800000">
+            <a:off x="80628" y="5372256"/>
+            <a:ext cx="648072" cy="2296087"/>
+          </a:xfrm>
+          <a:prstGeom prst="curvedLeftArrow">
+            <a:avLst/>
+          </a:prstGeom>
+        </p:spPr>
+        <p:style>
+          <a:lnRef idx="2">
+            <a:schemeClr val="accent1">
+              <a:shade val="50000"/>
+            </a:schemeClr>
+          </a:lnRef>
+          <a:fillRef idx="1">
+            <a:schemeClr val="accent1"/>
+          </a:fillRef>
+          <a:effectRef idx="0">
+            <a:schemeClr val="accent1"/>
+          </a:effectRef>
+          <a:fontRef idx="minor">
+            <a:schemeClr val="lt1"/>
+          </a:fontRef>
+        </p:style>
+        <p:txBody>
+          <a:bodyPr rot="0" spcFirstLastPara="0" vertOverflow="overflow" horzOverflow="overflow" vert="horz" wrap="square" lIns="91440" tIns="45720" rIns="91440" bIns="45720" numCol="1" spcCol="0" rtlCol="0" fromWordArt="0" anchor="ctr" anchorCtr="0" forceAA="0" compatLnSpc="1">
+            <a:prstTxWarp prst="textNoShape">
+              <a:avLst/>
+            </a:prstTxWarp>
+            <a:noAutofit/>
+          </a:bodyPr>
+          <a:lstStyle/>
+          <a:p>
+            <a:pPr algn="ctr"/>
+            <a:endParaRPr lang="de-DE">
+              <a:solidFill>
+                <a:schemeClr val="tx1"/>
+              </a:solidFill>
+            </a:endParaRPr>
+          </a:p>
+        </p:txBody>
+      </p:sp>
+      <p:sp>
+        <p:nvSpPr>
+          <p:cNvPr id="24" name="TextBox 23">
+            <a:extLst>
+              <a:ext uri="{FF2B5EF4-FFF2-40B4-BE49-F238E27FC236}">
+                <a16:creationId xmlns:a16="http://schemas.microsoft.com/office/drawing/2014/main" id="{A6DD1CAC-B32F-3D48-8036-870FB145AF53}"/>
+              </a:ext>
+            </a:extLst>
+          </p:cNvPr>
+          <p:cNvSpPr txBox="1"/>
+          <p:nvPr/>
+        </p:nvSpPr>
+        <p:spPr>
+          <a:xfrm>
+            <a:off x="79529" y="6195952"/>
+            <a:ext cx="835485" cy="646331"/>
+          </a:xfrm>
+          <a:prstGeom prst="rect">
+            <a:avLst/>
+          </a:prstGeom>
+          <a:noFill/>
+        </p:spPr>
+        <p:txBody>
+          <a:bodyPr wrap="none" rtlCol="0">
+            <a:spAutoFit/>
+          </a:bodyPr>
+          <a:lstStyle/>
+          <a:p>
+            <a:r>
+              <a:rPr lang="de-DE"/>
+              <a:t>Immer</a:t>
+            </a:r>
+          </a:p>
+          <a:p>
+            <a:r>
+              <a:rPr lang="de-DE"/>
+              <a:t>wieder</a:t>
+            </a:r>
           </a:p>
         </p:txBody>
       </p:sp>
     </p:spTree>
     <p:extLst>
       <p:ext uri="{BB962C8B-B14F-4D97-AF65-F5344CB8AC3E}">
-        <p14:creationId xmlns:p14="http://schemas.microsoft.com/office/powerpoint/2010/main" val="3397233553"/>
+        <p14:creationId xmlns:p14="http://schemas.microsoft.com/office/powerpoint/2010/main" val="3326095766"/>
       </p:ext>
     </p:extLst>
   </p:cSld>
@@ -7594,7 +9127,7 @@
       </p:grpSpPr>
       <p:sp>
         <p:nvSpPr>
-          <p:cNvPr id="2" name="Textplatzhalter 1"/>
+          <p:cNvPr id="14" name="Text Placeholder 13"/>
           <p:cNvSpPr>
             <a:spLocks noGrp="1"/>
           </p:cNvSpPr>
@@ -7602,120 +9135,300 @@
             <p:ph type="body" sz="quarter" idx="15"/>
           </p:nvPr>
         </p:nvSpPr>
+        <p:spPr>
+          <a:xfrm>
+            <a:off x="-6464" y="2675915"/>
+            <a:ext cx="6858000" cy="400110"/>
+          </a:xfrm>
+        </p:spPr>
+        <p:txBody>
+          <a:bodyPr/>
+          <a:lstStyle/>
+          <a:p>
+            <a:endParaRPr lang="de-DE" sz="2000">
+              <a:solidFill>
+                <a:srgbClr val="FF0000"/>
+              </a:solidFill>
+            </a:endParaRPr>
+          </a:p>
+        </p:txBody>
+      </p:sp>
+      <p:sp>
+        <p:nvSpPr>
+          <p:cNvPr id="15" name="Text Placeholder 14"/>
+          <p:cNvSpPr>
+            <a:spLocks noGrp="1"/>
+          </p:cNvSpPr>
+          <p:nvPr>
+            <p:ph type="body" sz="quarter" idx="18"/>
+          </p:nvPr>
+        </p:nvSpPr>
+        <p:spPr>
+          <a:xfrm>
+            <a:off x="375380" y="3179894"/>
+            <a:ext cx="6453336" cy="369332"/>
+          </a:xfrm>
+        </p:spPr>
+        <p:txBody>
+          <a:bodyPr/>
+          <a:lstStyle/>
+          <a:p>
+            <a:r>
+              <a:rPr lang="de-DE"/>
+              <a:t>2400? 4800? 9600?</a:t>
+            </a:r>
+          </a:p>
+        </p:txBody>
+      </p:sp>
+      <p:sp>
+        <p:nvSpPr>
+          <p:cNvPr id="11" name="Text Placeholder 10"/>
+          <p:cNvSpPr>
+            <a:spLocks noGrp="1"/>
+          </p:cNvSpPr>
+          <p:nvPr>
+            <p:ph type="body" sz="quarter" idx="19"/>
+          </p:nvPr>
+        </p:nvSpPr>
+        <p:spPr>
+          <a:xfrm>
+            <a:off x="404664" y="8316416"/>
+            <a:ext cx="6453336" cy="701731"/>
+          </a:xfrm>
+        </p:spPr>
+        <p:txBody>
+          <a:bodyPr/>
+          <a:lstStyle/>
+          <a:p>
+            <a:r>
+              <a:rPr lang="de-DE"/>
+              <a:t>Füge diesen Teil noch hinzu? Vergleiche! Wie wird das klingen?</a:t>
+            </a:r>
+          </a:p>
+          <a:p>
+            <a:r>
+              <a:rPr lang="de-DE"/>
+              <a:t>Höre es dir erst LANGSAM an (</a:t>
+            </a:r>
+            <a:r>
+              <a:rPr lang="de-DE" err="1"/>
+              <a:t>use_bpm</a:t>
+            </a:r>
+            <a:r>
+              <a:rPr lang="de-DE"/>
+              <a:t> 480)</a:t>
+            </a:r>
+          </a:p>
+        </p:txBody>
+      </p:sp>
+      <p:sp>
+        <p:nvSpPr>
+          <p:cNvPr id="12" name="Text Placeholder 11"/>
+          <p:cNvSpPr>
+            <a:spLocks noGrp="1"/>
+          </p:cNvSpPr>
+          <p:nvPr>
+            <p:ph type="body" sz="quarter" idx="20"/>
+          </p:nvPr>
+        </p:nvSpPr>
         <p:spPr/>
         <p:txBody>
           <a:bodyPr/>
           <a:lstStyle/>
           <a:p>
-            <a:r>
-              <a:rPr lang="de-DE"/>
-              <a:t>Verwende Buffer 5</a:t>
-            </a:r>
-          </a:p>
-        </p:txBody>
-      </p:sp>
-      <p:sp>
-        <p:nvSpPr>
-          <p:cNvPr id="3" name="Textplatzhalter 2"/>
-          <p:cNvSpPr>
-            <a:spLocks noGrp="1"/>
-          </p:cNvSpPr>
-          <p:nvPr>
-            <p:ph type="body" sz="quarter" idx="18"/>
-          </p:nvPr>
-        </p:nvSpPr>
-        <p:spPr/>
-        <p:txBody>
-          <a:bodyPr/>
-          <a:lstStyle/>
-          <a:p>
             <a:endParaRPr lang="de-DE"/>
           </a:p>
         </p:txBody>
       </p:sp>
       <p:sp>
         <p:nvSpPr>
-          <p:cNvPr id="4" name="Textplatzhalter 3"/>
-          <p:cNvSpPr>
-            <a:spLocks noGrp="1"/>
-          </p:cNvSpPr>
-          <p:nvPr>
-            <p:ph type="body" sz="quarter" idx="19"/>
-          </p:nvPr>
-        </p:nvSpPr>
-        <p:spPr/>
-        <p:txBody>
-          <a:bodyPr/>
-          <a:lstStyle/>
-          <a:p>
-            <a:endParaRPr lang="de-DE"/>
-          </a:p>
-        </p:txBody>
-      </p:sp>
-      <p:sp>
-        <p:nvSpPr>
-          <p:cNvPr id="5" name="Textplatzhalter 4"/>
-          <p:cNvSpPr>
-            <a:spLocks noGrp="1"/>
-          </p:cNvSpPr>
-          <p:nvPr>
-            <p:ph type="body" sz="quarter" idx="17"/>
-          </p:nvPr>
-        </p:nvSpPr>
-        <p:spPr/>
-        <p:txBody>
-          <a:bodyPr/>
-          <a:lstStyle/>
-          <a:p>
-            <a:r>
-              <a:rPr lang="de-DE"/>
-              <a:t>BUFFER 5</a:t>
-            </a:r>
-          </a:p>
-        </p:txBody>
-      </p:sp>
-      <p:sp>
-        <p:nvSpPr>
-          <p:cNvPr id="6" name="Textplatzhalter 5"/>
-          <p:cNvSpPr>
-            <a:spLocks noGrp="1"/>
-          </p:cNvSpPr>
-          <p:nvPr>
-            <p:ph type="body" sz="quarter" idx="20"/>
-          </p:nvPr>
-        </p:nvSpPr>
-        <p:spPr/>
-        <p:txBody>
-          <a:bodyPr/>
-          <a:lstStyle/>
-          <a:p>
-            <a:endParaRPr lang="de-DE"/>
-          </a:p>
-        </p:txBody>
-      </p:sp>
-      <p:sp>
-        <p:nvSpPr>
-          <p:cNvPr id="7" name="Textplatzhalter 6"/>
-          <p:cNvSpPr>
-            <a:spLocks noGrp="1"/>
-          </p:cNvSpPr>
-          <p:nvPr>
-            <p:ph type="body" sz="quarter" idx="21"/>
-          </p:nvPr>
-        </p:nvSpPr>
-        <p:spPr/>
-        <p:txBody>
-          <a:bodyPr/>
-          <a:lstStyle/>
-          <a:p>
-            <a:endParaRPr lang="de-DE"/>
+          <p:cNvPr id="4" name="TextBox 3">
+            <a:extLst>
+              <a:ext uri="{FF2B5EF4-FFF2-40B4-BE49-F238E27FC236}">
+                <a16:creationId xmlns:a16="http://schemas.microsoft.com/office/drawing/2014/main" id="{75567B60-E2DB-254B-9A27-35241ACB4382}"/>
+              </a:ext>
+            </a:extLst>
+          </p:cNvPr>
+          <p:cNvSpPr txBox="1"/>
+          <p:nvPr/>
+        </p:nvSpPr>
+        <p:spPr>
+          <a:xfrm>
+            <a:off x="1118280" y="1222628"/>
+            <a:ext cx="4608512" cy="523220"/>
+          </a:xfrm>
+          <a:prstGeom prst="rect">
+            <a:avLst/>
+          </a:prstGeom>
+          <a:noFill/>
+        </p:spPr>
+        <p:txBody>
+          <a:bodyPr wrap="square" rtlCol="0">
+            <a:spAutoFit/>
+          </a:bodyPr>
+          <a:lstStyle/>
+          <a:p>
+            <a:r>
+              <a:rPr lang="de-DE" sz="2800" dirty="0" err="1">
+                <a:solidFill>
+                  <a:srgbClr val="FFC000"/>
+                </a:solidFill>
+              </a:rPr>
+              <a:t>use_bpm</a:t>
+            </a:r>
+            <a:r>
+              <a:rPr lang="de-DE" sz="2800" dirty="0">
+                <a:solidFill>
+                  <a:srgbClr val="FFC000"/>
+                </a:solidFill>
+              </a:rPr>
+              <a:t> 1200</a:t>
+            </a:r>
+          </a:p>
+        </p:txBody>
+      </p:sp>
+      <p:sp>
+        <p:nvSpPr>
+          <p:cNvPr id="20" name="TextBox 19">
+            <a:extLst>
+              <a:ext uri="{FF2B5EF4-FFF2-40B4-BE49-F238E27FC236}">
+                <a16:creationId xmlns:a16="http://schemas.microsoft.com/office/drawing/2014/main" id="{76197847-F8F0-234A-81BF-F382710DFB54}"/>
+              </a:ext>
+            </a:extLst>
+          </p:cNvPr>
+          <p:cNvSpPr txBox="1"/>
+          <p:nvPr/>
+        </p:nvSpPr>
+        <p:spPr>
+          <a:xfrm>
+            <a:off x="1327076" y="5540322"/>
+            <a:ext cx="4608512" cy="1815882"/>
+          </a:xfrm>
+          <a:prstGeom prst="rect">
+            <a:avLst/>
+          </a:prstGeom>
+          <a:noFill/>
+        </p:spPr>
+        <p:txBody>
+          <a:bodyPr wrap="square" rtlCol="0">
+            <a:spAutoFit/>
+          </a:bodyPr>
+          <a:lstStyle/>
+          <a:p>
+            <a:r>
+              <a:rPr lang="de-DE" sz="2800" dirty="0" err="1">
+                <a:solidFill>
+                  <a:srgbClr val="FFC000"/>
+                </a:solidFill>
+              </a:rPr>
+              <a:t>for</a:t>
+            </a:r>
+            <a:r>
+              <a:rPr lang="de-DE" sz="2800" dirty="0">
+                <a:solidFill>
+                  <a:srgbClr val="FFC000"/>
+                </a:solidFill>
+              </a:rPr>
+              <a:t> </a:t>
+            </a:r>
+            <a:r>
+              <a:rPr lang="de-DE" sz="2800" dirty="0" err="1">
+                <a:solidFill>
+                  <a:srgbClr val="FFC000"/>
+                </a:solidFill>
+              </a:rPr>
+              <a:t>meinton</a:t>
+            </a:r>
+            <a:r>
+              <a:rPr lang="de-DE" sz="2800" dirty="0">
+                <a:solidFill>
+                  <a:srgbClr val="FFC000"/>
+                </a:solidFill>
+              </a:rPr>
+              <a:t> in 55..70</a:t>
+            </a:r>
+          </a:p>
+          <a:p>
+            <a:r>
+              <a:rPr lang="de-DE" sz="2800" dirty="0">
+                <a:solidFill>
+                  <a:srgbClr val="FFC000"/>
+                </a:solidFill>
+              </a:rPr>
+              <a:t>       </a:t>
+            </a:r>
+            <a:r>
+              <a:rPr lang="de-DE" sz="2800" dirty="0" err="1">
+                <a:solidFill>
+                  <a:srgbClr val="FFC000"/>
+                </a:solidFill>
+              </a:rPr>
+              <a:t>play</a:t>
+            </a:r>
+            <a:r>
+              <a:rPr lang="de-DE" sz="2800" dirty="0">
+                <a:solidFill>
+                  <a:srgbClr val="FFC000"/>
+                </a:solidFill>
+              </a:rPr>
+              <a:t> </a:t>
+            </a:r>
+            <a:r>
+              <a:rPr lang="de-DE" sz="2800" dirty="0" err="1">
+                <a:solidFill>
+                  <a:srgbClr val="FFC000"/>
+                </a:solidFill>
+              </a:rPr>
+              <a:t>meinton</a:t>
+            </a:r>
+            <a:endParaRPr lang="de-DE" sz="2800" dirty="0">
+              <a:solidFill>
+                <a:srgbClr val="FFC000"/>
+              </a:solidFill>
+            </a:endParaRPr>
+          </a:p>
+          <a:p>
+            <a:r>
+              <a:rPr lang="de-DE" sz="2800" dirty="0">
+                <a:solidFill>
+                  <a:srgbClr val="FFC000"/>
+                </a:solidFill>
+              </a:rPr>
+              <a:t>       </a:t>
+            </a:r>
+            <a:r>
+              <a:rPr lang="de-DE" sz="2800" dirty="0" err="1">
+                <a:solidFill>
+                  <a:srgbClr val="FFC000"/>
+                </a:solidFill>
+              </a:rPr>
+              <a:t>sleep</a:t>
+            </a:r>
+            <a:r>
+              <a:rPr lang="de-DE" sz="2800" dirty="0">
+                <a:solidFill>
+                  <a:srgbClr val="FFC000"/>
+                </a:solidFill>
+              </a:rPr>
+              <a:t> 1</a:t>
+            </a:r>
+          </a:p>
+          <a:p>
+            <a:r>
+              <a:rPr lang="de-DE" sz="2800" dirty="0">
+                <a:solidFill>
+                  <a:srgbClr val="FFC000"/>
+                </a:solidFill>
+              </a:rPr>
+              <a:t> end</a:t>
+            </a:r>
           </a:p>
         </p:txBody>
       </p:sp>
     </p:spTree>
     <p:extLst>
       <p:ext uri="{BB962C8B-B14F-4D97-AF65-F5344CB8AC3E}">
-        <p14:creationId xmlns:p14="http://schemas.microsoft.com/office/powerpoint/2010/main" val="4265769765"/>
+        <p14:creationId xmlns:p14="http://schemas.microsoft.com/office/powerpoint/2010/main" val="1207729059"/>
       </p:ext>
     </p:extLst>
   </p:cSld>
@@ -7752,65 +9465,38 @@
             <p:ph type="body" sz="quarter" idx="15"/>
           </p:nvPr>
         </p:nvSpPr>
-        <p:spPr/>
-        <p:txBody>
-          <a:bodyPr/>
-          <a:lstStyle/>
-          <a:p>
-            <a:r>
-              <a:rPr lang="de-DE"/>
-              <a:t>Ein Gitarren-Sample</a:t>
-            </a:r>
-          </a:p>
-        </p:txBody>
-      </p:sp>
-      <p:sp>
-        <p:nvSpPr>
-          <p:cNvPr id="15" name="Text Placeholder 14"/>
-          <p:cNvSpPr>
-            <a:spLocks noGrp="1"/>
-          </p:cNvSpPr>
-          <p:nvPr>
-            <p:ph type="body" sz="quarter" idx="18"/>
-          </p:nvPr>
-        </p:nvSpPr>
         <p:spPr>
           <a:xfrm>
-            <a:off x="404664" y="3275856"/>
-            <a:ext cx="6453336" cy="978729"/>
+            <a:off x="-6464" y="2675915"/>
+            <a:ext cx="6858000" cy="400110"/>
           </a:xfrm>
         </p:spPr>
         <p:txBody>
           <a:bodyPr/>
           <a:lstStyle/>
           <a:p>
-            <a:r>
-              <a:rPr lang="de-DE"/>
-              <a:t>Probiere aus.</a:t>
-            </a:r>
-          </a:p>
-          <a:p>
-            <a:r>
-              <a:rPr lang="de-DE"/>
-              <a:t>Danach kopiere das Schlagzeug (Buffer 4)  und Melodie in Buffer 5 zusammen</a:t>
-            </a:r>
-          </a:p>
-        </p:txBody>
-      </p:sp>
-      <p:sp>
-        <p:nvSpPr>
-          <p:cNvPr id="2" name="Textplatzhalter 1"/>
-          <p:cNvSpPr>
-            <a:spLocks noGrp="1"/>
-          </p:cNvSpPr>
-          <p:nvPr>
-            <p:ph type="body" sz="quarter" idx="19"/>
+            <a:endParaRPr lang="de-DE" sz="2000">
+              <a:solidFill>
+                <a:srgbClr val="FF0000"/>
+              </a:solidFill>
+            </a:endParaRPr>
+          </a:p>
+        </p:txBody>
+      </p:sp>
+      <p:sp>
+        <p:nvSpPr>
+          <p:cNvPr id="15" name="Text Placeholder 14"/>
+          <p:cNvSpPr>
+            <a:spLocks noGrp="1"/>
+          </p:cNvSpPr>
+          <p:nvPr>
+            <p:ph type="body" sz="quarter" idx="18"/>
           </p:nvPr>
         </p:nvSpPr>
         <p:spPr>
           <a:xfrm>
-            <a:off x="404664" y="8244408"/>
-            <a:ext cx="6453336" cy="701731"/>
+            <a:off x="375380" y="3179894"/>
+            <a:ext cx="6453336" cy="1034129"/>
           </a:xfrm>
         </p:spPr>
         <p:txBody>
@@ -7819,233 +9505,229 @@
           <a:p>
             <a:r>
               <a:rPr lang="de-DE"/>
-              <a:t>use_bpm		</a:t>
-            </a:r>
-            <a:r>
-              <a:rPr lang="de-DE" err="1"/>
-              <a:t>use_synth</a:t>
-            </a:r>
+              <a:t>75..  , 80..</a:t>
+            </a:r>
+          </a:p>
+          <a:p>
+            <a:endParaRPr lang="de-DE"/>
+          </a:p>
+          <a:p>
             <a:r>
               <a:rPr lang="de-DE"/>
-              <a:t> :</a:t>
-            </a:r>
-            <a:r>
-              <a:rPr lang="de-DE" err="1"/>
-              <a:t>hollow</a:t>
-            </a:r>
-            <a:r>
-              <a:rPr lang="de-DE"/>
-              <a:t>		,</a:t>
-            </a:r>
-            <a:r>
-              <a:rPr lang="de-DE" err="1"/>
-              <a:t>amp</a:t>
-            </a:r>
-            <a:r>
-              <a:rPr lang="de-DE"/>
-              <a:t>: 5</a:t>
-            </a:r>
-          </a:p>
-          <a:p>
-            <a:r>
-              <a:rPr lang="de-DE" err="1"/>
-              <a:t>use_synth</a:t>
-            </a:r>
-            <a:r>
-              <a:rPr lang="de-DE"/>
-              <a:t>: </a:t>
-            </a:r>
-            <a:r>
-              <a:rPr lang="de-DE" err="1"/>
-              <a:t>hoover</a:t>
-            </a:r>
-            <a:r>
-              <a:rPr lang="de-DE"/>
-              <a:t>		</a:t>
-            </a:r>
-          </a:p>
-        </p:txBody>
-      </p:sp>
-      <p:sp>
-        <p:nvSpPr>
-          <p:cNvPr id="16" name="Text Placeholder 15"/>
-          <p:cNvSpPr>
-            <a:spLocks noGrp="1"/>
-          </p:cNvSpPr>
-          <p:nvPr>
-            <p:ph type="body" sz="quarter" idx="17"/>
-          </p:nvPr>
+              <a:t>Lass es schneller laufen... Wie hört sich das an?</a:t>
+            </a:r>
+          </a:p>
+        </p:txBody>
+      </p:sp>
+      <p:sp>
+        <p:nvSpPr>
+          <p:cNvPr id="12" name="Text Placeholder 11"/>
+          <p:cNvSpPr>
+            <a:spLocks noGrp="1"/>
+          </p:cNvSpPr>
+          <p:nvPr>
+            <p:ph type="body" sz="quarter" idx="20"/>
+          </p:nvPr>
+        </p:nvSpPr>
+        <p:spPr/>
+        <p:txBody>
+          <a:bodyPr/>
+          <a:lstStyle/>
+          <a:p>
+            <a:endParaRPr lang="de-DE"/>
+          </a:p>
+        </p:txBody>
+      </p:sp>
+      <p:sp>
+        <p:nvSpPr>
+          <p:cNvPr id="8" name="TextBox 7">
+            <a:extLst>
+              <a:ext uri="{FF2B5EF4-FFF2-40B4-BE49-F238E27FC236}">
+                <a16:creationId xmlns:a16="http://schemas.microsoft.com/office/drawing/2014/main" id="{EBAEDBA0-C1F3-1748-8A13-6EC631AC3850}"/>
+              </a:ext>
+            </a:extLst>
+          </p:cNvPr>
+          <p:cNvSpPr txBox="1"/>
+          <p:nvPr/>
         </p:nvSpPr>
         <p:spPr>
           <a:xfrm>
-            <a:off x="404664" y="449975"/>
-            <a:ext cx="6048672" cy="2357568"/>
-          </a:xfrm>
-        </p:spPr>
+            <a:off x="1327076" y="198314"/>
+            <a:ext cx="4608512" cy="2677656"/>
+          </a:xfrm>
+          <a:prstGeom prst="rect">
+            <a:avLst/>
+          </a:prstGeom>
+          <a:noFill/>
+        </p:spPr>
+        <p:txBody>
+          <a:bodyPr wrap="square" rtlCol="0">
+            <a:spAutoFit/>
+          </a:bodyPr>
+          <a:lstStyle/>
+          <a:p>
+            <a:r>
+              <a:rPr lang="de-DE" sz="2800" dirty="0" err="1">
+                <a:solidFill>
+                  <a:srgbClr val="FFC000"/>
+                </a:solidFill>
+              </a:rPr>
+              <a:t>for</a:t>
+            </a:r>
+            <a:r>
+              <a:rPr lang="de-DE" sz="2800" dirty="0">
+                <a:solidFill>
+                  <a:srgbClr val="FFC000"/>
+                </a:solidFill>
+              </a:rPr>
+              <a:t> </a:t>
+            </a:r>
+            <a:r>
+              <a:rPr lang="de-DE" sz="2800" dirty="0" err="1">
+                <a:solidFill>
+                  <a:srgbClr val="FFC000"/>
+                </a:solidFill>
+              </a:rPr>
+              <a:t>meinton</a:t>
+            </a:r>
+            <a:r>
+              <a:rPr lang="de-DE" sz="2800" dirty="0">
+                <a:solidFill>
+                  <a:srgbClr val="FFC000"/>
+                </a:solidFill>
+              </a:rPr>
+              <a:t> in 60..75</a:t>
+            </a:r>
+          </a:p>
+          <a:p>
+            <a:r>
+              <a:rPr lang="de-DE" sz="2800" dirty="0">
+                <a:solidFill>
+                  <a:srgbClr val="FFC000"/>
+                </a:solidFill>
+              </a:rPr>
+              <a:t>...</a:t>
+            </a:r>
+          </a:p>
+          <a:p>
+            <a:r>
+              <a:rPr lang="de-DE" sz="2800" dirty="0" err="1">
+                <a:solidFill>
+                  <a:srgbClr val="FFC000"/>
+                </a:solidFill>
+              </a:rPr>
+              <a:t>for</a:t>
+            </a:r>
+            <a:r>
+              <a:rPr lang="de-DE" sz="2800" dirty="0">
+                <a:solidFill>
+                  <a:srgbClr val="FFC000"/>
+                </a:solidFill>
+              </a:rPr>
+              <a:t> </a:t>
+            </a:r>
+            <a:r>
+              <a:rPr lang="de-DE" sz="2800" dirty="0" err="1">
+                <a:solidFill>
+                  <a:srgbClr val="FFC000"/>
+                </a:solidFill>
+              </a:rPr>
+              <a:t>meinton</a:t>
+            </a:r>
+            <a:r>
+              <a:rPr lang="de-DE" sz="2800" dirty="0">
+                <a:solidFill>
+                  <a:srgbClr val="FFC000"/>
+                </a:solidFill>
+              </a:rPr>
+              <a:t> in 65..80</a:t>
+            </a:r>
+          </a:p>
+          <a:p>
+            <a:r>
+              <a:rPr lang="de-DE" sz="2800" dirty="0">
+                <a:solidFill>
+                  <a:srgbClr val="FFC000"/>
+                </a:solidFill>
+              </a:rPr>
+              <a:t>...</a:t>
+            </a:r>
+          </a:p>
+          <a:p>
+            <a:r>
+              <a:rPr lang="de-DE" sz="2800" dirty="0" err="1">
+                <a:solidFill>
+                  <a:srgbClr val="FFC000"/>
+                </a:solidFill>
+              </a:rPr>
+              <a:t>for</a:t>
+            </a:r>
+            <a:r>
+              <a:rPr lang="de-DE" sz="2800" dirty="0">
+                <a:solidFill>
+                  <a:srgbClr val="FFC000"/>
+                </a:solidFill>
+              </a:rPr>
+              <a:t> </a:t>
+            </a:r>
+            <a:r>
+              <a:rPr lang="de-DE" sz="2800" dirty="0" err="1">
+                <a:solidFill>
+                  <a:srgbClr val="FFC000"/>
+                </a:solidFill>
+              </a:rPr>
+              <a:t>meinton</a:t>
+            </a:r>
+            <a:r>
+              <a:rPr lang="de-DE" sz="2800" dirty="0">
+                <a:solidFill>
+                  <a:srgbClr val="FFC000"/>
+                </a:solidFill>
+              </a:rPr>
+              <a:t> in 70..85</a:t>
+            </a:r>
+          </a:p>
+          <a:p>
+            <a:r>
+              <a:rPr lang="de-DE" sz="2800" dirty="0">
+                <a:solidFill>
+                  <a:srgbClr val="FFC000"/>
+                </a:solidFill>
+              </a:rPr>
+              <a:t>...</a:t>
+            </a:r>
+          </a:p>
+        </p:txBody>
+      </p:sp>
+      <p:sp>
+        <p:nvSpPr>
+          <p:cNvPr id="3" name="Text Placeholder 2">
+            <a:extLst>
+              <a:ext uri="{FF2B5EF4-FFF2-40B4-BE49-F238E27FC236}">
+                <a16:creationId xmlns:a16="http://schemas.microsoft.com/office/drawing/2014/main" id="{95F55CC8-825D-BD44-B3F0-8A4FE0A1CA0A}"/>
+              </a:ext>
+            </a:extLst>
+          </p:cNvPr>
+          <p:cNvSpPr>
+            <a:spLocks noGrp="1"/>
+          </p:cNvSpPr>
+          <p:nvPr>
+            <p:ph type="body" sz="quarter" idx="19"/>
+          </p:nvPr>
+        </p:nvSpPr>
+        <p:spPr/>
         <p:txBody>
           <a:bodyPr/>
           <a:lstStyle/>
           <a:p>
-            <a:pPr algn="l"/>
-            <a:r>
-              <a:rPr lang="de-DE"/>
-              <a:t>live_loop :</a:t>
-            </a:r>
-            <a:r>
-              <a:rPr lang="de-DE" err="1"/>
-              <a:t>melodie</a:t>
-            </a:r>
-            <a:r>
-              <a:rPr lang="de-DE"/>
-              <a:t> do  	</a:t>
-            </a:r>
-          </a:p>
-          <a:p>
-            <a:pPr algn="l"/>
-            <a:r>
-              <a:rPr lang="de-DE"/>
-              <a:t>	sample :guit_em9</a:t>
-            </a:r>
-          </a:p>
-          <a:p>
-            <a:pPr algn="l"/>
-            <a:r>
-              <a:rPr lang="de-DE"/>
-              <a:t> 	</a:t>
-            </a:r>
-            <a:r>
-              <a:rPr lang="de-DE" err="1"/>
-              <a:t>sleep</a:t>
-            </a:r>
-            <a:r>
-              <a:rPr lang="de-DE"/>
-              <a:t> 2</a:t>
-            </a:r>
-          </a:p>
-          <a:p>
-            <a:pPr algn="l"/>
-            <a:r>
-              <a:rPr lang="de-DE"/>
-              <a:t>end</a:t>
-            </a:r>
-          </a:p>
-        </p:txBody>
-      </p:sp>
-      <p:sp>
-        <p:nvSpPr>
-          <p:cNvPr id="10" name="Text Placeholder 9"/>
-          <p:cNvSpPr>
-            <a:spLocks noGrp="1"/>
-          </p:cNvSpPr>
-          <p:nvPr>
-            <p:ph type="body" sz="quarter" idx="20"/>
-          </p:nvPr>
-        </p:nvSpPr>
-        <p:spPr/>
-        <p:txBody>
-          <a:bodyPr/>
-          <a:lstStyle/>
-          <a:p>
-            <a:r>
-              <a:rPr lang="de-DE"/>
-              <a:t>Benutze auch Size – und Size +, um den Text in den Größe zu verändern</a:t>
-            </a:r>
-          </a:p>
-        </p:txBody>
-      </p:sp>
-      <p:sp>
-        <p:nvSpPr>
-          <p:cNvPr id="11" name="Text Placeholder 10"/>
-          <p:cNvSpPr>
-            <a:spLocks noGrp="1"/>
-          </p:cNvSpPr>
-          <p:nvPr>
-            <p:ph type="body" sz="quarter" idx="21"/>
-          </p:nvPr>
-        </p:nvSpPr>
-        <p:spPr>
-          <a:xfrm>
-            <a:off x="429999" y="5215424"/>
-            <a:ext cx="6048672" cy="1815882"/>
-          </a:xfrm>
-        </p:spPr>
-        <p:txBody>
-          <a:bodyPr/>
-          <a:lstStyle/>
-          <a:p>
-            <a:pPr algn="l"/>
-            <a:r>
-              <a:rPr lang="de-DE" sz="2000"/>
-              <a:t>- Jetzt fügen wir in  6 alles zusammen</a:t>
-            </a:r>
-          </a:p>
-          <a:p>
-            <a:pPr algn="l"/>
-            <a:r>
-              <a:rPr lang="de-DE" sz="2000"/>
-              <a:t>- Erst </a:t>
-            </a:r>
-            <a:r>
-              <a:rPr lang="de-DE" sz="2000" err="1"/>
-              <a:t>Buffer</a:t>
-            </a:r>
-            <a:r>
-              <a:rPr lang="de-DE" sz="2000"/>
-              <a:t> 5, dann </a:t>
-            </a:r>
-            <a:r>
-              <a:rPr lang="de-DE" sz="2000" err="1"/>
-              <a:t>Buffer</a:t>
-            </a:r>
-            <a:r>
-              <a:rPr lang="de-DE" sz="2000"/>
-              <a:t> 3 und </a:t>
-            </a:r>
-            <a:r>
-              <a:rPr lang="de-DE" sz="2000" err="1"/>
-              <a:t>Buffer</a:t>
-            </a:r>
-            <a:r>
-              <a:rPr lang="de-DE" sz="2000"/>
-              <a:t> 2</a:t>
-            </a:r>
-          </a:p>
-          <a:p>
-            <a:pPr algn="l"/>
-            <a:r>
-              <a:rPr lang="de-DE" sz="2000"/>
-              <a:t>- Starte nach jedem weiteren </a:t>
-            </a:r>
-            <a:r>
-              <a:rPr lang="de-DE" sz="2000" err="1"/>
-              <a:t>Buffer</a:t>
-            </a:r>
-            <a:r>
-              <a:rPr lang="de-DE" sz="2000"/>
-              <a:t> neu</a:t>
-            </a:r>
-          </a:p>
-          <a:p>
-            <a:pPr algn="l"/>
-            <a:r>
-              <a:rPr lang="de-DE" sz="2000"/>
-              <a:t>- Kopiere </a:t>
-            </a:r>
-            <a:r>
-              <a:rPr lang="de-DE" sz="2000" err="1"/>
-              <a:t>Buffer</a:t>
-            </a:r>
-            <a:r>
-              <a:rPr lang="de-DE" sz="2000"/>
-              <a:t> 1 und füge eine live_loop hinzu. Irgendwas passt noch nicht. Was?</a:t>
-            </a:r>
+            <a:endParaRPr lang="de-DE"/>
           </a:p>
         </p:txBody>
       </p:sp>
     </p:spTree>
     <p:extLst>
       <p:ext uri="{BB962C8B-B14F-4D97-AF65-F5344CB8AC3E}">
-        <p14:creationId xmlns:p14="http://schemas.microsoft.com/office/powerpoint/2010/main" val="174545010"/>
+        <p14:creationId xmlns:p14="http://schemas.microsoft.com/office/powerpoint/2010/main" val="1039272597"/>
       </p:ext>
     </p:extLst>
   </p:cSld>
@@ -8074,7 +9756,7 @@
       </p:grpSpPr>
       <p:sp>
         <p:nvSpPr>
-          <p:cNvPr id="5" name="Text Placeholder 4"/>
+          <p:cNvPr id="2" name="Textplatzhalter 1"/>
           <p:cNvSpPr>
             <a:spLocks noGrp="1"/>
           </p:cNvSpPr>
@@ -8089,9 +9771,25 @@
           <a:p>
             <a:r>
               <a:rPr lang="de-DE"/>
-              <a:t>Experimentiere</a:t>
-            </a:r>
-          </a:p>
+              <a:t>Verwende Buffer 4</a:t>
+            </a:r>
+          </a:p>
+        </p:txBody>
+      </p:sp>
+      <p:sp>
+        <p:nvSpPr>
+          <p:cNvPr id="3" name="Textplatzhalter 2"/>
+          <p:cNvSpPr>
+            <a:spLocks noGrp="1"/>
+          </p:cNvSpPr>
+          <p:nvPr>
+            <p:ph type="body" sz="quarter" idx="18"/>
+          </p:nvPr>
+        </p:nvSpPr>
+        <p:spPr/>
+        <p:txBody>
+          <a:bodyPr/>
+          <a:lstStyle/>
           <a:p>
             <a:endParaRPr lang="de-DE"/>
           </a:p>
@@ -8099,12 +9797,12 @@
       </p:sp>
       <p:sp>
         <p:nvSpPr>
-          <p:cNvPr id="24" name="Text Placeholder 23"/>
-          <p:cNvSpPr>
-            <a:spLocks noGrp="1"/>
-          </p:cNvSpPr>
-          <p:nvPr>
-            <p:ph type="body" sz="quarter" idx="18"/>
+          <p:cNvPr id="4" name="Textplatzhalter 3"/>
+          <p:cNvSpPr>
+            <a:spLocks noGrp="1"/>
+          </p:cNvSpPr>
+          <p:nvPr>
+            <p:ph type="body" sz="quarter" idx="19"/>
           </p:nvPr>
         </p:nvSpPr>
         <p:spPr/>
@@ -8118,7 +9816,7 @@
       </p:sp>
       <p:sp>
         <p:nvSpPr>
-          <p:cNvPr id="19" name="Text Placeholder 18"/>
+          <p:cNvPr id="5" name="Textplatzhalter 4"/>
           <p:cNvSpPr>
             <a:spLocks noGrp="1"/>
           </p:cNvSpPr>
@@ -8126,88 +9824,26 @@
             <p:ph type="body" sz="quarter" idx="17"/>
           </p:nvPr>
         </p:nvSpPr>
-        <p:spPr>
-          <a:xfrm>
-            <a:off x="404664" y="459759"/>
-            <a:ext cx="6048672" cy="2234458"/>
-          </a:xfrm>
-        </p:spPr>
+        <p:spPr/>
         <p:txBody>
           <a:bodyPr/>
           <a:lstStyle/>
           <a:p>
-            <a:pPr algn="l"/>
-            <a:r>
-              <a:rPr lang="de-DE" sz="2400"/>
-              <a:t>Weitere Ideen</a:t>
-            </a:r>
-          </a:p>
-          <a:p>
-            <a:pPr marL="114275" indent="-457200" algn="l">
-              <a:buFontTx/>
-              <a:buChar char="-"/>
-            </a:pPr>
-            <a:r>
-              <a:rPr lang="de-DE" sz="2400"/>
-              <a:t>Mehr Schlagzeug</a:t>
-            </a:r>
-          </a:p>
-          <a:p>
-            <a:pPr marL="114275" indent="-457200" algn="l">
-              <a:buFontTx/>
-              <a:buChar char="-"/>
-            </a:pPr>
-            <a:r>
-              <a:rPr lang="de-DE" sz="2400"/>
-              <a:t>Ein Musik-Programm</a:t>
-            </a:r>
-          </a:p>
-          <a:p>
-            <a:pPr marL="114275" indent="-457200" algn="l">
-              <a:buFontTx/>
-              <a:buChar char="-"/>
-            </a:pPr>
-            <a:r>
-              <a:rPr lang="de-DE" sz="2400"/>
-              <a:t>Effekte</a:t>
-            </a:r>
-          </a:p>
-          <a:p>
-            <a:pPr marL="114275" indent="-457200" algn="l">
-              <a:buFontTx/>
-              <a:buChar char="-"/>
-            </a:pPr>
-            <a:r>
-              <a:rPr lang="de-DE" sz="2400"/>
-              <a:t>Samples „</a:t>
-            </a:r>
-            <a:r>
-              <a:rPr lang="de-DE" sz="2400" err="1"/>
-              <a:t>loop</a:t>
-            </a:r>
-            <a:r>
-              <a:rPr lang="de-DE" sz="2400"/>
-              <a:t>_“ mit </a:t>
-            </a:r>
-            <a:r>
-              <a:rPr lang="de-DE" sz="2400" err="1"/>
-              <a:t>sample_duration</a:t>
-            </a:r>
-            <a:r>
-              <a:rPr lang="de-DE" sz="2400"/>
-              <a:t>()</a:t>
-            </a:r>
-          </a:p>
-        </p:txBody>
-      </p:sp>
-      <p:sp>
-        <p:nvSpPr>
-          <p:cNvPr id="3" name="Text Placeholder 2"/>
-          <p:cNvSpPr>
-            <a:spLocks noGrp="1"/>
-          </p:cNvSpPr>
-          <p:nvPr>
-            <p:ph type="body" sz="quarter" idx="19"/>
+            <a:r>
+              <a:rPr lang="de-DE"/>
+              <a:t>BUFFER 4</a:t>
+            </a:r>
+          </a:p>
+        </p:txBody>
+      </p:sp>
+      <p:sp>
+        <p:nvSpPr>
+          <p:cNvPr id="6" name="Textplatzhalter 5"/>
+          <p:cNvSpPr>
+            <a:spLocks noGrp="1"/>
+          </p:cNvSpPr>
+          <p:nvPr>
+            <p:ph type="body" sz="quarter" idx="20"/>
           </p:nvPr>
         </p:nvSpPr>
         <p:spPr/>
@@ -8221,26 +9857,7 @@
       </p:sp>
       <p:sp>
         <p:nvSpPr>
-          <p:cNvPr id="4" name="Text Placeholder 3"/>
-          <p:cNvSpPr>
-            <a:spLocks noGrp="1"/>
-          </p:cNvSpPr>
-          <p:nvPr>
-            <p:ph type="body" sz="quarter" idx="20"/>
-          </p:nvPr>
-        </p:nvSpPr>
-        <p:spPr/>
-        <p:txBody>
-          <a:bodyPr/>
-          <a:lstStyle/>
-          <a:p>
-            <a:endParaRPr lang="de-DE"/>
-          </a:p>
-        </p:txBody>
-      </p:sp>
-      <p:sp>
-        <p:nvSpPr>
-          <p:cNvPr id="6" name="Text Placeholder 5"/>
+          <p:cNvPr id="7" name="Textplatzhalter 6"/>
           <p:cNvSpPr>
             <a:spLocks noGrp="1"/>
           </p:cNvSpPr>
@@ -8260,7 +9877,7 @@
     </p:spTree>
     <p:extLst>
       <p:ext uri="{BB962C8B-B14F-4D97-AF65-F5344CB8AC3E}">
-        <p14:creationId xmlns:p14="http://schemas.microsoft.com/office/powerpoint/2010/main" val="1805105135"/>
+        <p14:creationId xmlns:p14="http://schemas.microsoft.com/office/powerpoint/2010/main" val="2797989313"/>
       </p:ext>
     </p:extLst>
   </p:cSld>
@@ -8289,7 +9906,7 @@
       </p:grpSpPr>
       <p:sp>
         <p:nvSpPr>
-          <p:cNvPr id="5" name="Text Placeholder 4"/>
+          <p:cNvPr id="14" name="Text Placeholder 13"/>
           <p:cNvSpPr>
             <a:spLocks noGrp="1"/>
           </p:cNvSpPr>
@@ -8304,17 +9921,14 @@
           <a:p>
             <a:r>
               <a:rPr lang="de-DE"/>
-              <a:t>Experimentiere</a:t>
-            </a:r>
-          </a:p>
-          <a:p>
-            <a:endParaRPr lang="de-DE"/>
-          </a:p>
-        </p:txBody>
-      </p:sp>
-      <p:sp>
-        <p:nvSpPr>
-          <p:cNvPr id="24" name="Text Placeholder 23"/>
+              <a:t>Wir nennen das eine (Endlos-)Schleife</a:t>
+            </a:r>
+          </a:p>
+        </p:txBody>
+      </p:sp>
+      <p:sp>
+        <p:nvSpPr>
+          <p:cNvPr id="15" name="Text Placeholder 14"/>
           <p:cNvSpPr>
             <a:spLocks noGrp="1"/>
           </p:cNvSpPr>
@@ -8325,7 +9939,7 @@
         <p:spPr>
           <a:xfrm>
             <a:off x="404664" y="3275856"/>
-            <a:ext cx="6453336" cy="1052596"/>
+            <a:ext cx="6453336" cy="1034129"/>
           </a:xfrm>
         </p:spPr>
         <p:txBody>
@@ -8333,93 +9947,98 @@
           <a:lstStyle/>
           <a:p>
             <a:r>
-              <a:rPr lang="de-DE" sz="1200"/>
-              <a:t>1) Ändere die Lautstärken	2) Ändere die Rate </a:t>
-            </a:r>
-          </a:p>
-          <a:p>
-            <a:r>
-              <a:rPr lang="de-DE" sz="1200"/>
-              <a:t>3) Ersetze das letzte Sample durch		4) Verändere die Geschwindigkeit</a:t>
-            </a:r>
-            <a:br>
-              <a:rPr lang="de-DE" sz="1200"/>
-            </a:br>
-            <a:r>
-              <a:rPr lang="de-DE" sz="1200"/>
-              <a:t> 	</a:t>
-            </a:r>
-            <a:r>
-              <a:rPr lang="de-DE" sz="1200" err="1"/>
-              <a:t>with_fx</a:t>
-            </a:r>
-            <a:r>
-              <a:rPr lang="de-DE" sz="1200"/>
-              <a:t> :</a:t>
-            </a:r>
-            <a:r>
-              <a:rPr lang="de-DE" sz="1200" err="1"/>
-              <a:t>reverb</a:t>
-            </a:r>
-            <a:r>
-              <a:rPr lang="de-DE" sz="1200"/>
-              <a:t>, </a:t>
-            </a:r>
-            <a:r>
-              <a:rPr lang="de-DE" sz="1200" err="1"/>
-              <a:t>room</a:t>
-            </a:r>
-            <a:r>
-              <a:rPr lang="de-DE" sz="1200"/>
-              <a:t>: 0.5 do</a:t>
-            </a:r>
-            <a:br>
-              <a:rPr lang="de-DE" sz="1200"/>
-            </a:br>
-            <a:r>
-              <a:rPr lang="de-DE" sz="1200"/>
-              <a:t> 	     sample :</a:t>
-            </a:r>
-            <a:r>
-              <a:rPr lang="de-DE" sz="1200" err="1"/>
+              <a:rPr lang="de-DE"/>
+              <a:t>Füge ein weiteres sample </a:t>
+            </a:r>
+            <a:r>
+              <a:rPr lang="de-DE" i="1" err="1"/>
+              <a:t>sn_zome</a:t>
+            </a:r>
+            <a:r>
+              <a:rPr lang="de-DE"/>
+              <a:t> mit </a:t>
+            </a:r>
+            <a:r>
+              <a:rPr lang="de-DE" i="1" err="1"/>
+              <a:t>sleep</a:t>
+            </a:r>
+            <a:r>
+              <a:rPr lang="de-DE" i="1"/>
+              <a:t> 1 </a:t>
+            </a:r>
+            <a:r>
+              <a:rPr lang="de-DE"/>
+              <a:t>hinzu</a:t>
+            </a:r>
+          </a:p>
+          <a:p>
+            <a:r>
+              <a:rPr lang="de-DE"/>
+              <a:t>Mach‘ das Schlagzeug schneller (120)</a:t>
+            </a:r>
+          </a:p>
+          <a:p>
+            <a:r>
+              <a:rPr lang="de-DE"/>
+              <a:t>:</a:t>
+            </a:r>
+            <a:r>
+              <a:rPr lang="de-DE" err="1"/>
+              <a:t>drum_bass_hard</a:t>
+            </a:r>
+            <a:r>
+              <a:rPr lang="de-DE"/>
+              <a:t>	:</a:t>
+            </a:r>
+            <a:r>
+              <a:rPr lang="de-DE" err="1"/>
               <a:t>drum_snare_hard</a:t>
             </a:r>
             <a:r>
-              <a:rPr lang="de-DE" sz="1200"/>
-              <a:t>, </a:t>
-            </a:r>
-            <a:r>
-              <a:rPr lang="de-DE" sz="1200" err="1"/>
-              <a:t>amp</a:t>
-            </a:r>
-            <a:r>
-              <a:rPr lang="de-DE" sz="1200"/>
-              <a:t>: 4, rate: 1.2  </a:t>
-            </a:r>
-            <a:br>
-              <a:rPr lang="de-DE" sz="1200"/>
-            </a:br>
-            <a:r>
-              <a:rPr lang="de-DE" sz="1200"/>
-              <a:t>	end</a:t>
-            </a:r>
-          </a:p>
-        </p:txBody>
-      </p:sp>
-      <p:sp>
-        <p:nvSpPr>
-          <p:cNvPr id="25" name="Text Placeholder 24"/>
+              <a:rPr lang="de-DE"/>
+              <a:t>	:</a:t>
+            </a:r>
+            <a:r>
+              <a:rPr lang="de-DE" err="1"/>
+              <a:t>drum_tom_hi_hard</a:t>
+            </a:r>
+            <a:endParaRPr lang="de-DE"/>
+          </a:p>
+        </p:txBody>
+      </p:sp>
+      <p:sp>
+        <p:nvSpPr>
+          <p:cNvPr id="11" name="Text Placeholder 10"/>
           <p:cNvSpPr>
             <a:spLocks noGrp="1"/>
           </p:cNvSpPr>
           <p:nvPr>
             <p:ph type="body" sz="quarter" idx="19"/>
+          </p:nvPr>
+        </p:nvSpPr>
+        <p:spPr/>
+        <p:txBody>
+          <a:bodyPr/>
+          <a:lstStyle/>
+          <a:p>
+            <a:endParaRPr lang="de-DE"/>
+          </a:p>
+        </p:txBody>
+      </p:sp>
+      <p:sp>
+        <p:nvSpPr>
+          <p:cNvPr id="16" name="Text Placeholder 15"/>
+          <p:cNvSpPr>
+            <a:spLocks noGrp="1"/>
+          </p:cNvSpPr>
+          <p:nvPr>
+            <p:ph type="body" sz="quarter" idx="17"/>
           </p:nvPr>
         </p:nvSpPr>
         <p:spPr>
           <a:xfrm>
-            <a:off x="404664" y="8316416"/>
-            <a:ext cx="6453336" cy="634020"/>
+            <a:off x="404664" y="481918"/>
+            <a:ext cx="6048672" cy="2240668"/>
           </a:xfrm>
         </p:spPr>
         <p:txBody>
@@ -8427,340 +10046,83 @@
           <a:lstStyle/>
           <a:p>
             <a:r>
-              <a:rPr lang="de-DE" sz="1600"/>
-              <a:t>Was geht hier vor?</a:t>
-            </a:r>
-          </a:p>
-          <a:p>
-            <a:r>
-              <a:rPr lang="de-DE" sz="1600" err="1"/>
-              <a:t>If</a:t>
-            </a:r>
-            <a:r>
-              <a:rPr lang="de-DE" sz="1600"/>
-              <a:t> = falls / </a:t>
-            </a:r>
-            <a:r>
-              <a:rPr lang="de-DE" sz="1600" err="1"/>
-              <a:t>else</a:t>
-            </a:r>
-            <a:r>
-              <a:rPr lang="de-DE" sz="1600"/>
-              <a:t> = andernfalls</a:t>
-            </a:r>
-          </a:p>
-        </p:txBody>
-      </p:sp>
-      <p:sp>
-        <p:nvSpPr>
-          <p:cNvPr id="19" name="Text Placeholder 18"/>
-          <p:cNvSpPr>
-            <a:spLocks noGrp="1"/>
-          </p:cNvSpPr>
-          <p:nvPr>
-            <p:ph type="body" sz="quarter" idx="17"/>
-          </p:nvPr>
-        </p:nvSpPr>
-        <p:spPr>
-          <a:xfrm>
-            <a:off x="404664" y="179512"/>
-            <a:ext cx="6048672" cy="2973122"/>
-          </a:xfrm>
-        </p:spPr>
+              <a:rPr lang="de-DE"/>
+              <a:t>live_loop :</a:t>
+            </a:r>
+            <a:r>
+              <a:rPr lang="de-DE" err="1"/>
+              <a:t>schlagzeug</a:t>
+            </a:r>
+            <a:r>
+              <a:rPr lang="de-DE"/>
+              <a:t> do  	</a:t>
+            </a:r>
+          </a:p>
+          <a:p>
+            <a:r>
+              <a:rPr lang="de-DE"/>
+              <a:t>	sample :</a:t>
+            </a:r>
+            <a:r>
+              <a:rPr lang="de-DE" err="1"/>
+              <a:t>bd_haus</a:t>
+            </a:r>
+            <a:endParaRPr lang="de-DE"/>
+          </a:p>
+          <a:p>
+            <a:r>
+              <a:rPr lang="de-DE"/>
+              <a:t> 	</a:t>
+            </a:r>
+            <a:r>
+              <a:rPr lang="de-DE" err="1"/>
+              <a:t>sleep</a:t>
+            </a:r>
+            <a:r>
+              <a:rPr lang="de-DE"/>
+              <a:t> 1</a:t>
+            </a:r>
+          </a:p>
+          <a:p>
+            <a:r>
+              <a:rPr lang="de-DE"/>
+              <a:t>end</a:t>
+            </a:r>
+          </a:p>
+        </p:txBody>
+      </p:sp>
+      <p:sp>
+        <p:nvSpPr>
+          <p:cNvPr id="12" name="Text Placeholder 11"/>
+          <p:cNvSpPr>
+            <a:spLocks noGrp="1"/>
+          </p:cNvSpPr>
+          <p:nvPr>
+            <p:ph type="body" sz="quarter" idx="20"/>
+          </p:nvPr>
+        </p:nvSpPr>
+        <p:spPr/>
         <p:txBody>
           <a:bodyPr/>
           <a:lstStyle/>
           <a:p>
-            <a:pPr algn="l"/>
-            <a:r>
-              <a:rPr lang="de-DE" sz="2400" noProof="1"/>
-              <a:t>Spiele etwas mit dem Schlagzeug herum</a:t>
-            </a:r>
-          </a:p>
-          <a:p>
-            <a:pPr algn="l"/>
-            <a:r>
-              <a:rPr lang="de-DE" sz="1200" noProof="1"/>
-              <a:t>use_bpm 120</a:t>
-            </a:r>
-          </a:p>
-          <a:p>
-            <a:pPr algn="l"/>
-            <a:r>
-              <a:rPr lang="de-DE" sz="1200" noProof="1"/>
-              <a:t>live_loop :schlagzeug do  </a:t>
-            </a:r>
-          </a:p>
-          <a:p>
-            <a:pPr algn="l"/>
-            <a:r>
-              <a:rPr lang="de-DE" sz="1200" noProof="1">
-                <a:solidFill>
-                  <a:srgbClr val="C00000"/>
-                </a:solidFill>
-              </a:rPr>
-              <a:t>    sample :drum_cymbal_closed, amp: 4  </a:t>
-            </a:r>
-            <a:br>
-              <a:rPr lang="de-DE" sz="1200" noProof="1">
-                <a:solidFill>
-                  <a:srgbClr val="C00000"/>
-                </a:solidFill>
-              </a:rPr>
-            </a:br>
-            <a:r>
-              <a:rPr lang="de-DE" sz="1200" noProof="1">
-                <a:solidFill>
-                  <a:srgbClr val="C00000"/>
-                </a:solidFill>
-              </a:rPr>
-              <a:t>    sleep 1  </a:t>
-            </a:r>
-            <a:br>
-              <a:rPr lang="de-DE" sz="1200" noProof="1"/>
-            </a:br>
-            <a:r>
-              <a:rPr lang="de-DE" sz="1200" noProof="1"/>
-              <a:t>    sample :drum_cymbal_closed, amp: 2  </a:t>
-            </a:r>
-            <a:br>
-              <a:rPr lang="de-DE" sz="1200" noProof="1"/>
-            </a:br>
-            <a:r>
-              <a:rPr lang="de-DE" sz="1200" noProof="1"/>
-              <a:t>    sample :drum_bass_soft, amp: 4  </a:t>
-            </a:r>
-            <a:br>
-              <a:rPr lang="de-DE" sz="1200" noProof="1"/>
-            </a:br>
-            <a:r>
-              <a:rPr lang="de-DE" sz="1200" noProof="1"/>
-              <a:t>    sleep 1  </a:t>
-            </a:r>
-            <a:br>
-              <a:rPr lang="de-DE" sz="1200" noProof="1"/>
-            </a:br>
-            <a:r>
-              <a:rPr lang="de-DE" sz="1200" noProof="1"/>
-              <a:t>    </a:t>
-            </a:r>
-            <a:r>
-              <a:rPr lang="de-DE" sz="1200" noProof="1">
-                <a:solidFill>
-                  <a:srgbClr val="C00000"/>
-                </a:solidFill>
-              </a:rPr>
-              <a:t>sample :drum_cymbal_closed, amp: 4  </a:t>
-            </a:r>
-            <a:br>
-              <a:rPr lang="de-DE" sz="1200" noProof="1">
-                <a:solidFill>
-                  <a:srgbClr val="C00000"/>
-                </a:solidFill>
-              </a:rPr>
-            </a:br>
-            <a:r>
-              <a:rPr lang="de-DE" sz="1200" noProof="1">
-                <a:solidFill>
-                  <a:srgbClr val="C00000"/>
-                </a:solidFill>
-              </a:rPr>
-              <a:t>    sleep 1  </a:t>
-            </a:r>
-            <a:br>
-              <a:rPr lang="de-DE" sz="1200" noProof="1"/>
-            </a:br>
-            <a:r>
-              <a:rPr lang="de-DE" sz="1200" noProof="1"/>
-              <a:t>    sample :drum_cymbal_closed, amp: 4 </a:t>
-            </a:r>
-            <a:br>
-              <a:rPr lang="de-DE" sz="1200" noProof="1"/>
-            </a:br>
-            <a:r>
-              <a:rPr lang="de-DE" sz="1200" noProof="1"/>
-              <a:t>    sample :drum_snare_hard, amp: 4, </a:t>
-            </a:r>
-            <a:r>
-              <a:rPr lang="de-DE" sz="1200" noProof="1">
-                <a:solidFill>
-                  <a:schemeClr val="tx2">
-                    <a:lumMod val="60000"/>
-                    <a:lumOff val="40000"/>
-                  </a:schemeClr>
-                </a:solidFill>
-              </a:rPr>
-              <a:t>rate: 1.2</a:t>
-            </a:r>
-            <a:br>
-              <a:rPr lang="de-DE" sz="1200" noProof="1"/>
-            </a:br>
-            <a:r>
-              <a:rPr lang="de-DE" sz="1200" noProof="1"/>
-              <a:t>    sleep 1</a:t>
-            </a:r>
-            <a:br>
-              <a:rPr lang="de-DE" sz="1200" noProof="1"/>
-            </a:br>
-            <a:r>
-              <a:rPr lang="de-DE" sz="1200" noProof="1"/>
-              <a:t>end </a:t>
-            </a:r>
-            <a:endParaRPr lang="de-DE" sz="2400" noProof="1"/>
-          </a:p>
-        </p:txBody>
-      </p:sp>
-      <p:sp>
-        <p:nvSpPr>
-          <p:cNvPr id="26" name="Text Placeholder 25"/>
-          <p:cNvSpPr>
-            <a:spLocks noGrp="1"/>
-          </p:cNvSpPr>
-          <p:nvPr>
-            <p:ph type="body" sz="quarter" idx="20"/>
+            <a:endParaRPr lang="de-DE"/>
+          </a:p>
+        </p:txBody>
+      </p:sp>
+      <p:sp>
+        <p:nvSpPr>
+          <p:cNvPr id="13" name="Text Placeholder 12"/>
+          <p:cNvSpPr>
+            <a:spLocks noGrp="1"/>
+          </p:cNvSpPr>
+          <p:nvPr>
+            <p:ph type="body" sz="quarter" idx="21"/>
           </p:nvPr>
         </p:nvSpPr>
         <p:spPr/>
         <p:txBody>
           <a:bodyPr/>
-          <a:lstStyle/>
-          <a:p>
-            <a:r>
-              <a:rPr lang="de-DE"/>
-              <a:t>Variablen und Bedingungen</a:t>
-            </a:r>
-          </a:p>
-        </p:txBody>
-      </p:sp>
-      <p:sp>
-        <p:nvSpPr>
-          <p:cNvPr id="27" name="Text Placeholder 26"/>
-          <p:cNvSpPr>
-            <a:spLocks noGrp="1"/>
-          </p:cNvSpPr>
-          <p:nvPr>
-            <p:ph type="body" sz="quarter" idx="21"/>
-          </p:nvPr>
-        </p:nvSpPr>
-        <p:spPr>
-          <a:xfrm>
-            <a:off x="1857722" y="5090195"/>
-            <a:ext cx="2232249" cy="2714589"/>
-          </a:xfrm>
-        </p:spPr>
-        <p:txBody>
-          <a:bodyPr/>
-          <a:lstStyle/>
-          <a:p>
-            <a:pPr marL="444500" indent="0" algn="l"/>
-            <a:r>
-              <a:rPr lang="en-US" sz="1200" err="1"/>
-              <a:t>use_bpm</a:t>
-            </a:r>
-            <a:r>
-              <a:rPr lang="en-US" sz="1200"/>
-              <a:t> 600</a:t>
-            </a:r>
-          </a:p>
-          <a:p>
-            <a:pPr marL="444500" indent="0" algn="l"/>
-            <a:r>
-              <a:rPr lang="en-US" sz="1200"/>
-              <a:t>a = 30</a:t>
-            </a:r>
-          </a:p>
-          <a:p>
-            <a:pPr marL="444500" indent="0" algn="l"/>
-            <a:r>
-              <a:rPr lang="en-US" sz="1200"/>
-              <a:t>live_loop :start do  </a:t>
-            </a:r>
-          </a:p>
-          <a:p>
-            <a:pPr marL="444500" indent="0" algn="l"/>
-            <a:r>
-              <a:rPr lang="en-US" sz="1200"/>
-              <a:t>   if a &lt; 100    </a:t>
-            </a:r>
-          </a:p>
-          <a:p>
-            <a:pPr marL="444500" indent="0" algn="l"/>
-            <a:r>
-              <a:rPr lang="en-US" sz="1200"/>
-              <a:t>     a = a +1    </a:t>
-            </a:r>
-          </a:p>
-          <a:p>
-            <a:pPr marL="444500" indent="0" algn="l"/>
-            <a:r>
-              <a:rPr lang="en-US" sz="1200"/>
-              <a:t>     play a, amp: 4    </a:t>
-            </a:r>
-          </a:p>
-          <a:p>
-            <a:pPr marL="444500" indent="0" algn="l"/>
-            <a:r>
-              <a:rPr lang="en-US" sz="1200"/>
-              <a:t>     print a  </a:t>
-            </a:r>
-          </a:p>
-          <a:p>
-            <a:pPr marL="444500" indent="0" algn="l"/>
-            <a:r>
-              <a:rPr lang="en-US" sz="1200"/>
-              <a:t>   else    </a:t>
-            </a:r>
-          </a:p>
-          <a:p>
-            <a:pPr marL="444500" indent="0" algn="l"/>
-            <a:r>
-              <a:rPr lang="en-US" sz="1200"/>
-              <a:t>       a = 30  </a:t>
-            </a:r>
-          </a:p>
-          <a:p>
-            <a:pPr marL="444500" indent="0" algn="l"/>
-            <a:r>
-              <a:rPr lang="en-US" sz="1200"/>
-              <a:t>   end  </a:t>
-            </a:r>
-          </a:p>
-          <a:p>
-            <a:pPr marL="444500" indent="0" algn="l"/>
-            <a:r>
-              <a:rPr lang="en-US" sz="1200"/>
-              <a:t>   sleep 1</a:t>
-            </a:r>
-          </a:p>
-          <a:p>
-            <a:pPr marL="444500" indent="0" algn="l"/>
-            <a:r>
-              <a:rPr lang="en-US" sz="1200"/>
-              <a:t>end</a:t>
-            </a:r>
-          </a:p>
-        </p:txBody>
-      </p:sp>
-      <p:sp>
-        <p:nvSpPr>
-          <p:cNvPr id="2" name="TextBox 1"/>
-          <p:cNvSpPr txBox="1"/>
-          <p:nvPr/>
-        </p:nvSpPr>
-        <p:spPr>
-          <a:xfrm>
-            <a:off x="4028303" y="7117492"/>
-            <a:ext cx="184731" cy="369332"/>
-          </a:xfrm>
-          <a:prstGeom prst="rect">
-            <a:avLst/>
-          </a:prstGeom>
-          <a:noFill/>
-        </p:spPr>
-        <p:txBody>
-          <a:bodyPr wrap="none" rtlCol="0">
-            <a:spAutoFit/>
-          </a:bodyPr>
           <a:lstStyle/>
           <a:p>
             <a:endParaRPr lang="de-DE"/>
@@ -8770,7 +10132,7 @@
     </p:spTree>
     <p:extLst>
       <p:ext uri="{BB962C8B-B14F-4D97-AF65-F5344CB8AC3E}">
-        <p14:creationId xmlns:p14="http://schemas.microsoft.com/office/powerpoint/2010/main" val="2016802546"/>
+        <p14:creationId xmlns:p14="http://schemas.microsoft.com/office/powerpoint/2010/main" val="3397233553"/>
       </p:ext>
     </p:extLst>
   </p:cSld>
@@ -9006,7 +10368,7 @@
       </p:grpSpPr>
       <p:sp>
         <p:nvSpPr>
-          <p:cNvPr id="14" name="Text Placeholder 13"/>
+          <p:cNvPr id="2" name="Textplatzhalter 1"/>
           <p:cNvSpPr>
             <a:spLocks noGrp="1"/>
           </p:cNvSpPr>
@@ -9021,14 +10383,14 @@
           <a:p>
             <a:r>
               <a:rPr lang="de-DE"/>
-              <a:t>So kann man Effekte verwenden</a:t>
-            </a:r>
-          </a:p>
-        </p:txBody>
-      </p:sp>
-      <p:sp>
-        <p:nvSpPr>
-          <p:cNvPr id="15" name="Text Placeholder 14"/>
+              <a:t>Verwende Buffer 5</a:t>
+            </a:r>
+          </a:p>
+        </p:txBody>
+      </p:sp>
+      <p:sp>
+        <p:nvSpPr>
+          <p:cNvPr id="3" name="Textplatzhalter 2"/>
           <p:cNvSpPr>
             <a:spLocks noGrp="1"/>
           </p:cNvSpPr>
@@ -9036,340 +10398,37 @@
             <p:ph type="body" sz="quarter" idx="18"/>
           </p:nvPr>
         </p:nvSpPr>
-        <p:spPr>
-          <a:xfrm>
-            <a:off x="404664" y="3203848"/>
-            <a:ext cx="6453336" cy="1357295"/>
-          </a:xfrm>
-        </p:spPr>
+        <p:spPr/>
         <p:txBody>
           <a:bodyPr/>
           <a:lstStyle/>
           <a:p>
-            <a:pPr marL="179388" indent="-173038">
-              <a:buFontTx/>
-              <a:buChar char="-"/>
-              <a:tabLst>
-                <a:tab pos="1081088" algn="l"/>
-                <a:tab pos="2152650" algn="l"/>
-                <a:tab pos="3233738" algn="l"/>
-                <a:tab pos="4303713" algn="l"/>
-                <a:tab pos="5386388" algn="l"/>
-              </a:tabLst>
-            </a:pPr>
-            <a:r>
-              <a:rPr lang="de-DE" sz="1050" b="0" err="1">
-                <a:solidFill>
-                  <a:schemeClr val="tx1"/>
-                </a:solidFill>
-                <a:latin typeface="DIN" charset="0"/>
-                <a:ea typeface="DIN" charset="0"/>
-                <a:cs typeface="DIN" charset="0"/>
-              </a:rPr>
-              <a:t>Fx</a:t>
-            </a:r>
-            <a:r>
-              <a:rPr lang="de-DE" sz="1050" b="0">
-                <a:solidFill>
-                  <a:schemeClr val="tx1"/>
-                </a:solidFill>
-                <a:latin typeface="DIN" charset="0"/>
-                <a:ea typeface="DIN" charset="0"/>
-                <a:cs typeface="DIN" charset="0"/>
-              </a:rPr>
-              <a:t> steht für „</a:t>
-            </a:r>
-            <a:r>
-              <a:rPr lang="de-DE" sz="1050" b="0" err="1">
-                <a:solidFill>
-                  <a:schemeClr val="tx1"/>
-                </a:solidFill>
-                <a:latin typeface="DIN" charset="0"/>
-                <a:ea typeface="DIN" charset="0"/>
-                <a:cs typeface="DIN" charset="0"/>
-              </a:rPr>
-              <a:t>Effects</a:t>
-            </a:r>
-            <a:r>
-              <a:rPr lang="de-DE" sz="1050" b="0">
-                <a:solidFill>
-                  <a:schemeClr val="tx1"/>
-                </a:solidFill>
-                <a:latin typeface="DIN" charset="0"/>
-                <a:ea typeface="DIN" charset="0"/>
-                <a:cs typeface="DIN" charset="0"/>
-              </a:rPr>
-              <a:t>“ = Effekte. Jeder Effekt kann auch „Parameter“ haben: </a:t>
-            </a:r>
-            <a:br>
-              <a:rPr lang="de-DE" sz="1050" b="0">
-                <a:solidFill>
-                  <a:schemeClr val="tx1"/>
-                </a:solidFill>
-                <a:latin typeface="DIN" charset="0"/>
-                <a:ea typeface="DIN" charset="0"/>
-                <a:cs typeface="DIN" charset="0"/>
-              </a:rPr>
-            </a:br>
-            <a:r>
-              <a:rPr lang="de-DE" sz="1050" b="0">
-                <a:solidFill>
-                  <a:schemeClr val="tx1"/>
-                </a:solidFill>
-                <a:latin typeface="DIN" charset="0"/>
-                <a:ea typeface="DIN" charset="0"/>
-                <a:cs typeface="DIN" charset="0"/>
-              </a:rPr>
-              <a:t>Hier die Größe des Raums für den Hall </a:t>
-            </a:r>
-            <a:r>
-              <a:rPr lang="de-DE" sz="1050" b="0">
-                <a:solidFill>
-                  <a:schemeClr val="tx1"/>
-                </a:solidFill>
-                <a:latin typeface="DIN" charset="0"/>
-                <a:ea typeface="DIN" charset="0"/>
-                <a:cs typeface="DIN" charset="0"/>
-                <a:sym typeface="Wingdings"/>
-              </a:rPr>
-              <a:t> </a:t>
-            </a:r>
-            <a:r>
-              <a:rPr lang="de-DE" sz="1050" b="0" err="1">
-                <a:solidFill>
-                  <a:schemeClr val="tx1"/>
-                </a:solidFill>
-                <a:latin typeface="DIN" charset="0"/>
-                <a:ea typeface="DIN" charset="0"/>
-                <a:cs typeface="DIN" charset="0"/>
-                <a:sym typeface="Wingdings"/>
-              </a:rPr>
-              <a:t>room</a:t>
-            </a:r>
-            <a:r>
-              <a:rPr lang="de-DE" sz="1050" b="0">
-                <a:solidFill>
-                  <a:schemeClr val="tx1"/>
-                </a:solidFill>
-                <a:latin typeface="DIN" charset="0"/>
-                <a:ea typeface="DIN" charset="0"/>
-                <a:cs typeface="DIN" charset="0"/>
-                <a:sym typeface="Wingdings"/>
-              </a:rPr>
-              <a:t>: 0.9</a:t>
-            </a:r>
-            <a:endParaRPr lang="de-DE" sz="1050" b="0">
-              <a:solidFill>
-                <a:schemeClr val="tx1"/>
-              </a:solidFill>
-              <a:latin typeface="DIN" charset="0"/>
-              <a:ea typeface="DIN" charset="0"/>
-              <a:cs typeface="DIN" charset="0"/>
-            </a:endParaRPr>
-          </a:p>
-          <a:p>
-            <a:pPr marL="179388" indent="-173038">
-              <a:buFontTx/>
-              <a:buChar char="-"/>
-              <a:tabLst>
-                <a:tab pos="1081088" algn="l"/>
-                <a:tab pos="2152650" algn="l"/>
-                <a:tab pos="3233738" algn="l"/>
-                <a:tab pos="4303713" algn="l"/>
-                <a:tab pos="5386388" algn="l"/>
-              </a:tabLst>
-            </a:pPr>
-            <a:r>
-              <a:rPr lang="de-DE" sz="1050" b="0">
-                <a:solidFill>
-                  <a:schemeClr val="tx1"/>
-                </a:solidFill>
-                <a:latin typeface="DIN" charset="0"/>
-                <a:ea typeface="DIN" charset="0"/>
-                <a:cs typeface="DIN" charset="0"/>
-              </a:rPr>
-              <a:t>Verwende eine andere Geschwindigkeit </a:t>
-            </a:r>
-          </a:p>
-          <a:p>
-            <a:pPr marL="179388" indent="-173038">
-              <a:buFontTx/>
-              <a:buChar char="-"/>
-              <a:tabLst>
-                <a:tab pos="1081088" algn="l"/>
-                <a:tab pos="2152650" algn="l"/>
-                <a:tab pos="3233738" algn="l"/>
-                <a:tab pos="4303713" algn="l"/>
-                <a:tab pos="5386388" algn="l"/>
-              </a:tabLst>
-            </a:pPr>
-            <a:r>
-              <a:rPr lang="de-DE" sz="1050" b="0">
-                <a:solidFill>
-                  <a:schemeClr val="tx1"/>
-                </a:solidFill>
-                <a:latin typeface="DIN" charset="0"/>
-                <a:ea typeface="DIN" charset="0"/>
-                <a:cs typeface="DIN" charset="0"/>
-              </a:rPr>
-              <a:t>Verwende </a:t>
-            </a:r>
-            <a:r>
-              <a:rPr lang="de-DE" sz="1050" b="0" err="1">
-                <a:solidFill>
-                  <a:schemeClr val="tx1"/>
-                </a:solidFill>
-                <a:latin typeface="DIN" charset="0"/>
-                <a:ea typeface="DIN" charset="0"/>
-                <a:cs typeface="DIN" charset="0"/>
-              </a:rPr>
-              <a:t>play</a:t>
-            </a:r>
-            <a:r>
-              <a:rPr lang="de-DE" sz="1050" b="0">
-                <a:solidFill>
-                  <a:schemeClr val="tx1"/>
-                </a:solidFill>
-                <a:latin typeface="DIN" charset="0"/>
-                <a:ea typeface="DIN" charset="0"/>
-                <a:cs typeface="DIN" charset="0"/>
-              </a:rPr>
-              <a:t> und </a:t>
-            </a:r>
-            <a:r>
-              <a:rPr lang="de-DE" sz="1050" b="0" err="1">
-                <a:solidFill>
-                  <a:schemeClr val="tx1"/>
-                </a:solidFill>
-                <a:latin typeface="DIN" charset="0"/>
-                <a:ea typeface="DIN" charset="0"/>
-                <a:cs typeface="DIN" charset="0"/>
-              </a:rPr>
-              <a:t>choose</a:t>
-            </a:r>
-            <a:r>
-              <a:rPr lang="de-DE" sz="1050" b="0">
-                <a:solidFill>
-                  <a:schemeClr val="tx1"/>
-                </a:solidFill>
-                <a:latin typeface="DIN" charset="0"/>
-                <a:ea typeface="DIN" charset="0"/>
-                <a:cs typeface="DIN" charset="0"/>
-              </a:rPr>
-              <a:t> (siehe Seite 9b)</a:t>
-            </a:r>
-          </a:p>
-          <a:p>
-            <a:pPr marL="179388" indent="-173038">
-              <a:buFontTx/>
-              <a:buChar char="-"/>
-              <a:tabLst>
-                <a:tab pos="1081088" algn="l"/>
-                <a:tab pos="2152650" algn="l"/>
-                <a:tab pos="3233738" algn="l"/>
-                <a:tab pos="4303713" algn="l"/>
-                <a:tab pos="5386388" algn="l"/>
-              </a:tabLst>
-            </a:pPr>
-            <a:r>
-              <a:rPr lang="de-DE" sz="1050" b="0">
-                <a:solidFill>
-                  <a:schemeClr val="tx1"/>
-                </a:solidFill>
-                <a:latin typeface="DIN" charset="0"/>
-                <a:ea typeface="DIN" charset="0"/>
-                <a:cs typeface="DIN" charset="0"/>
-              </a:rPr>
-              <a:t>Füge noch ein Effekt hinzu:</a:t>
-            </a:r>
-          </a:p>
-          <a:p>
-            <a:pPr marL="579467" lvl="2" indent="-173038">
-              <a:buFontTx/>
-              <a:buChar char="-"/>
-              <a:tabLst>
-                <a:tab pos="1081088" algn="l"/>
-                <a:tab pos="2152650" algn="l"/>
-                <a:tab pos="3233738" algn="l"/>
-                <a:tab pos="4303713" algn="l"/>
-                <a:tab pos="5386388" algn="l"/>
-              </a:tabLst>
-            </a:pPr>
-            <a:r>
-              <a:rPr lang="de-DE" sz="900" err="1">
-                <a:latin typeface="DIN" charset="0"/>
-                <a:ea typeface="DIN" charset="0"/>
-                <a:cs typeface="DIN" charset="0"/>
-              </a:rPr>
-              <a:t>with_fx</a:t>
-            </a:r>
-            <a:r>
-              <a:rPr lang="de-DE" sz="900">
-                <a:latin typeface="DIN" charset="0"/>
-                <a:ea typeface="DIN" charset="0"/>
-                <a:cs typeface="DIN" charset="0"/>
-              </a:rPr>
-              <a:t> :</a:t>
-            </a:r>
-            <a:r>
-              <a:rPr lang="de-DE" sz="900" err="1">
-                <a:latin typeface="DIN" charset="0"/>
-                <a:ea typeface="DIN" charset="0"/>
-                <a:cs typeface="DIN" charset="0"/>
-              </a:rPr>
-              <a:t>krush</a:t>
-            </a:r>
-            <a:r>
-              <a:rPr lang="de-DE" sz="900">
-                <a:latin typeface="DIN" charset="0"/>
-                <a:ea typeface="DIN" charset="0"/>
-                <a:cs typeface="DIN" charset="0"/>
-              </a:rPr>
-              <a:t> do</a:t>
-            </a:r>
-          </a:p>
-          <a:p>
-            <a:pPr marL="179388" lvl="1" indent="-173038">
-              <a:buFontTx/>
-              <a:buChar char="-"/>
-              <a:tabLst>
-                <a:tab pos="1081088" algn="l"/>
-                <a:tab pos="2152650" algn="l"/>
-                <a:tab pos="3233738" algn="l"/>
-                <a:tab pos="4303713" algn="l"/>
-                <a:tab pos="5386388" algn="l"/>
-              </a:tabLst>
-            </a:pPr>
-            <a:r>
-              <a:rPr lang="de-DE" sz="1050">
-                <a:latin typeface="DIN" charset="0"/>
-                <a:ea typeface="DIN" charset="0"/>
-                <a:cs typeface="DIN" charset="0"/>
-              </a:rPr>
-              <a:t>Probiere andere Effekte aus (siehe </a:t>
-            </a:r>
-            <a:r>
-              <a:rPr lang="de-DE" sz="1050" err="1">
-                <a:latin typeface="DIN" charset="0"/>
-                <a:ea typeface="DIN" charset="0"/>
-                <a:cs typeface="DIN" charset="0"/>
-              </a:rPr>
-              <a:t>Fx</a:t>
-            </a:r>
-            <a:r>
-              <a:rPr lang="de-DE" sz="1050">
-                <a:latin typeface="DIN" charset="0"/>
-                <a:ea typeface="DIN" charset="0"/>
-                <a:cs typeface="DIN" charset="0"/>
-              </a:rPr>
-              <a:t> im Spickzettel)</a:t>
-            </a:r>
-          </a:p>
-        </p:txBody>
-      </p:sp>
-      <p:sp>
-        <p:nvSpPr>
-          <p:cNvPr id="16" name="Text Placeholder 15"/>
+            <a:endParaRPr lang="de-DE"/>
+          </a:p>
+        </p:txBody>
+      </p:sp>
+      <p:sp>
+        <p:nvSpPr>
+          <p:cNvPr id="4" name="Textplatzhalter 3"/>
+          <p:cNvSpPr>
+            <a:spLocks noGrp="1"/>
+          </p:cNvSpPr>
+          <p:nvPr>
+            <p:ph type="body" sz="quarter" idx="19"/>
+          </p:nvPr>
+        </p:nvSpPr>
+        <p:spPr/>
+        <p:txBody>
+          <a:bodyPr/>
+          <a:lstStyle/>
+          <a:p>
+            <a:endParaRPr lang="de-DE"/>
+          </a:p>
+        </p:txBody>
+      </p:sp>
+      <p:sp>
+        <p:nvSpPr>
+          <p:cNvPr id="5" name="Textplatzhalter 4"/>
           <p:cNvSpPr>
             <a:spLocks noGrp="1"/>
           </p:cNvSpPr>
@@ -9377,91 +10436,21 @@
             <p:ph type="body" sz="quarter" idx="17"/>
           </p:nvPr>
         </p:nvSpPr>
-        <p:spPr>
-          <a:xfrm>
-            <a:off x="404664" y="289930"/>
-            <a:ext cx="6048672" cy="2677656"/>
-          </a:xfrm>
-        </p:spPr>
+        <p:spPr/>
         <p:txBody>
           <a:bodyPr/>
           <a:lstStyle/>
           <a:p>
-            <a:pPr algn="l"/>
-            <a:r>
-              <a:rPr lang="de-DE" sz="2000" noProof="1"/>
-              <a:t>Effekte</a:t>
-            </a:r>
-          </a:p>
-          <a:p>
-            <a:pPr algn="l"/>
-            <a:endParaRPr lang="en-US" sz="2000"/>
-          </a:p>
-          <a:p>
-            <a:pPr algn="l"/>
-            <a:r>
-              <a:rPr lang="en-US" sz="2000"/>
-              <a:t>live_loop :</a:t>
-            </a:r>
-            <a:r>
-              <a:rPr lang="en-US" sz="2000" err="1"/>
-              <a:t>mitHall</a:t>
-            </a:r>
-            <a:r>
-              <a:rPr lang="en-US" sz="2000"/>
-              <a:t> do</a:t>
-            </a:r>
-          </a:p>
-          <a:p>
-            <a:pPr algn="l"/>
-            <a:r>
-              <a:rPr lang="en-US" sz="2000"/>
-              <a:t>  </a:t>
-            </a:r>
-            <a:r>
-              <a:rPr lang="en-US" sz="2000" err="1"/>
-              <a:t>with_fx</a:t>
-            </a:r>
-            <a:r>
-              <a:rPr lang="en-US" sz="2000"/>
-              <a:t> :reverb, room: 0.9 do</a:t>
-            </a:r>
-          </a:p>
-          <a:p>
-            <a:pPr algn="l"/>
-            <a:r>
-              <a:rPr lang="en-US" sz="2000"/>
-              <a:t>    </a:t>
-            </a:r>
-            <a:r>
-              <a:rPr lang="en-US" sz="2000" err="1"/>
-              <a:t>play_pattern</a:t>
-            </a:r>
-            <a:r>
-              <a:rPr lang="en-US" sz="2000"/>
-              <a:t> (scale :e4, :minor)</a:t>
-            </a:r>
-          </a:p>
-          <a:p>
-            <a:pPr algn="l"/>
-            <a:r>
-              <a:rPr lang="en-US" sz="2000"/>
-              <a:t>  end</a:t>
-            </a:r>
-          </a:p>
-          <a:p>
-            <a:pPr algn="l"/>
-            <a:r>
-              <a:rPr lang="en-US" sz="2000"/>
-              <a:t>end</a:t>
-            </a:r>
-            <a:endParaRPr lang="de-DE" sz="2000"/>
-          </a:p>
-        </p:txBody>
-      </p:sp>
-      <p:sp>
-        <p:nvSpPr>
-          <p:cNvPr id="10" name="Text Placeholder 9"/>
+            <a:r>
+              <a:rPr lang="de-DE"/>
+              <a:t>BUFFER 5</a:t>
+            </a:r>
+          </a:p>
+        </p:txBody>
+      </p:sp>
+      <p:sp>
+        <p:nvSpPr>
+          <p:cNvPr id="6" name="Textplatzhalter 5"/>
           <p:cNvSpPr>
             <a:spLocks noGrp="1"/>
           </p:cNvSpPr>
@@ -9469,12 +10458,7 @@
             <p:ph type="body" sz="quarter" idx="20"/>
           </p:nvPr>
         </p:nvSpPr>
-        <p:spPr>
-          <a:xfrm>
-            <a:off x="0" y="7956376"/>
-            <a:ext cx="6858000" cy="261610"/>
-          </a:xfrm>
-        </p:spPr>
+        <p:spPr/>
         <p:txBody>
           <a:bodyPr/>
           <a:lstStyle/>
@@ -9485,349 +10469,27 @@
       </p:sp>
       <p:sp>
         <p:nvSpPr>
-          <p:cNvPr id="9" name="Text Placeholder 8"/>
-          <p:cNvSpPr>
-            <a:spLocks noGrp="1"/>
-          </p:cNvSpPr>
-          <p:nvPr>
-            <p:ph type="body" sz="quarter" idx="19"/>
-          </p:nvPr>
-        </p:nvSpPr>
-        <p:spPr>
-          <a:xfrm>
-            <a:off x="404664" y="8316416"/>
-            <a:ext cx="6453336" cy="835613"/>
-          </a:xfrm>
-        </p:spPr>
+          <p:cNvPr id="7" name="Textplatzhalter 6"/>
+          <p:cNvSpPr>
+            <a:spLocks noGrp="1"/>
+          </p:cNvSpPr>
+          <p:nvPr>
+            <p:ph type="body" sz="quarter" idx="21"/>
+          </p:nvPr>
+        </p:nvSpPr>
+        <p:spPr/>
         <p:txBody>
           <a:bodyPr/>
           <a:lstStyle/>
           <a:p>
-            <a:r>
-              <a:rPr lang="de-DE" sz="1050"/>
-              <a:t>Probiere </a:t>
-            </a:r>
-            <a:r>
-              <a:rPr lang="de-DE" sz="1050" err="1">
-                <a:solidFill>
-                  <a:schemeClr val="accent6"/>
-                </a:solidFill>
-              </a:rPr>
-              <a:t>sleep</a:t>
-            </a:r>
-            <a:r>
-              <a:rPr lang="de-DE" sz="1050">
-                <a:solidFill>
-                  <a:schemeClr val="accent6"/>
-                </a:solidFill>
-              </a:rPr>
-              <a:t> </a:t>
-            </a:r>
-            <a:r>
-              <a:rPr lang="de-DE" sz="1050" err="1">
-                <a:solidFill>
-                  <a:schemeClr val="accent6"/>
-                </a:solidFill>
-              </a:rPr>
-              <a:t>sample_duration</a:t>
-            </a:r>
-            <a:r>
-              <a:rPr lang="de-DE" sz="1050">
-                <a:solidFill>
-                  <a:schemeClr val="accent6"/>
-                </a:solidFill>
-              </a:rPr>
-              <a:t>(:</a:t>
-            </a:r>
-            <a:r>
-              <a:rPr lang="de-DE" sz="1050" err="1">
-                <a:solidFill>
-                  <a:schemeClr val="accent6"/>
-                </a:solidFill>
-              </a:rPr>
-              <a:t>loop_amen</a:t>
-            </a:r>
-            <a:r>
-              <a:rPr lang="de-DE" sz="1050">
-                <a:solidFill>
-                  <a:schemeClr val="accent6"/>
-                </a:solidFill>
-              </a:rPr>
-              <a:t>) </a:t>
-            </a:r>
-            <a:r>
-              <a:rPr lang="de-DE" sz="1050"/>
-              <a:t>aus! Was passiert und warum?</a:t>
-            </a:r>
-          </a:p>
-          <a:p>
-            <a:r>
-              <a:rPr lang="de-DE" sz="1050"/>
-              <a:t>Füge folgendes hinter dem Sample-Befehl ein:       </a:t>
-            </a:r>
-            <a:r>
-              <a:rPr lang="en-US" sz="1050">
-                <a:solidFill>
-                  <a:schemeClr val="accent6"/>
-                </a:solidFill>
-              </a:rPr>
-              <a:t>, rate: 2</a:t>
-            </a:r>
-            <a:r>
-              <a:rPr lang="en-US" sz="1050"/>
-              <a:t>      Was </a:t>
-            </a:r>
-            <a:r>
-              <a:rPr lang="en-US" sz="1050" err="1"/>
-              <a:t>macht</a:t>
-            </a:r>
-            <a:r>
-              <a:rPr lang="en-US" sz="1050"/>
-              <a:t> die Rate? Was </a:t>
-            </a:r>
-            <a:r>
-              <a:rPr lang="en-US" sz="1050" err="1"/>
-              <a:t>passiert</a:t>
-            </a:r>
-            <a:r>
-              <a:rPr lang="en-US" sz="1050"/>
-              <a:t> </a:t>
-            </a:r>
-            <a:r>
-              <a:rPr lang="en-US" sz="1050" err="1"/>
-              <a:t>mit</a:t>
-            </a:r>
-            <a:r>
-              <a:rPr lang="en-US" sz="1050"/>
-              <a:t> der Pause? </a:t>
-            </a:r>
-          </a:p>
-          <a:p>
-            <a:r>
-              <a:rPr lang="en-US" sz="1050" err="1"/>
-              <a:t>Wie</a:t>
-            </a:r>
-            <a:r>
-              <a:rPr lang="en-US" sz="1050"/>
-              <a:t> </a:t>
-            </a:r>
-            <a:r>
-              <a:rPr lang="en-US" sz="1050" err="1"/>
-              <a:t>müssen</a:t>
-            </a:r>
-            <a:r>
-              <a:rPr lang="en-US" sz="1050"/>
-              <a:t> </a:t>
-            </a:r>
-            <a:r>
-              <a:rPr lang="en-US" sz="1050" err="1"/>
-              <a:t>wir</a:t>
-            </a:r>
-            <a:r>
-              <a:rPr lang="en-US" sz="1050"/>
-              <a:t> die Pause </a:t>
-            </a:r>
-            <a:r>
-              <a:rPr lang="en-US" sz="1050" err="1"/>
-              <a:t>korrigieren</a:t>
-            </a:r>
-            <a:r>
-              <a:rPr lang="en-US" sz="1050"/>
-              <a:t>?</a:t>
-            </a:r>
-          </a:p>
-          <a:p>
-            <a:r>
-              <a:rPr lang="en-US" sz="1050" err="1"/>
-              <a:t>Zum</a:t>
-            </a:r>
-            <a:r>
-              <a:rPr lang="en-US" sz="1050"/>
-              <a:t> </a:t>
-            </a:r>
-            <a:r>
-              <a:rPr lang="en-US" sz="1050" err="1"/>
-              <a:t>Spaß</a:t>
-            </a:r>
-            <a:r>
-              <a:rPr lang="en-US" sz="1050"/>
-              <a:t>: </a:t>
-            </a:r>
-            <a:r>
-              <a:rPr lang="en-US" sz="1050" err="1"/>
-              <a:t>Versuche</a:t>
-            </a:r>
-            <a:r>
-              <a:rPr lang="en-US" sz="1050"/>
-              <a:t> mal </a:t>
-            </a:r>
-            <a:r>
-              <a:rPr lang="en-US" sz="1050" err="1"/>
-              <a:t>eine</a:t>
-            </a:r>
-            <a:r>
-              <a:rPr lang="en-US" sz="1050"/>
-              <a:t>           </a:t>
-            </a:r>
-            <a:r>
-              <a:rPr lang="en-US" sz="1050">
-                <a:solidFill>
-                  <a:schemeClr val="accent6"/>
-                </a:solidFill>
-              </a:rPr>
-              <a:t>rate:-1</a:t>
-            </a:r>
-            <a:endParaRPr lang="de-DE" sz="1050">
-              <a:solidFill>
-                <a:schemeClr val="accent6"/>
-              </a:solidFill>
-            </a:endParaRPr>
-          </a:p>
-        </p:txBody>
-      </p:sp>
-      <p:sp>
-        <p:nvSpPr>
-          <p:cNvPr id="11" name="Text Placeholder 15"/>
-          <p:cNvSpPr>
-            <a:spLocks noGrp="1"/>
-          </p:cNvSpPr>
-          <p:nvPr>
-            <p:ph type="body" sz="quarter" idx="17"/>
-          </p:nvPr>
-        </p:nvSpPr>
-        <p:spPr>
-          <a:xfrm>
-            <a:off x="764704" y="5350211"/>
-            <a:ext cx="2736304" cy="1877437"/>
-          </a:xfrm>
-        </p:spPr>
-        <p:txBody>
-          <a:bodyPr>
-            <a:noAutofit/>
-          </a:bodyPr>
-          <a:lstStyle/>
-          <a:p>
-            <a:pPr marL="6350" indent="0" algn="l"/>
-            <a:r>
-              <a:rPr lang="en-US" sz="2000"/>
-              <a:t>live_loop :</a:t>
-            </a:r>
-            <a:r>
-              <a:rPr lang="en-US" sz="2000" err="1"/>
-              <a:t>endlos</a:t>
-            </a:r>
-            <a:r>
-              <a:rPr lang="en-US" sz="2000"/>
-              <a:t> do  </a:t>
-            </a:r>
-          </a:p>
-          <a:p>
-            <a:pPr marL="6350" indent="0" algn="l"/>
-            <a:r>
-              <a:rPr lang="en-US" sz="2000"/>
-              <a:t>   sample :</a:t>
-            </a:r>
-            <a:r>
-              <a:rPr lang="en-US" sz="2000" err="1"/>
-              <a:t>loop_amen</a:t>
-            </a:r>
-            <a:r>
-              <a:rPr lang="en-US" sz="2000"/>
-              <a:t>  </a:t>
-            </a:r>
-          </a:p>
-          <a:p>
-            <a:pPr marL="6350" indent="0" algn="l"/>
-            <a:r>
-              <a:rPr lang="en-US" sz="2000"/>
-              <a:t>   sleep 4</a:t>
-            </a:r>
-          </a:p>
-          <a:p>
-            <a:pPr marL="6350" indent="0" algn="l"/>
-            <a:r>
-              <a:rPr lang="en-US" sz="2000"/>
-              <a:t>end</a:t>
-            </a:r>
-            <a:endParaRPr lang="de-DE" sz="2000"/>
-          </a:p>
-        </p:txBody>
-      </p:sp>
-      <p:sp>
-        <p:nvSpPr>
-          <p:cNvPr id="2" name="TextBox 1"/>
-          <p:cNvSpPr txBox="1"/>
-          <p:nvPr/>
-        </p:nvSpPr>
-        <p:spPr>
-          <a:xfrm>
-            <a:off x="2545984" y="6383498"/>
-            <a:ext cx="3907352" cy="923330"/>
-          </a:xfrm>
-          <a:prstGeom prst="rect">
-            <a:avLst/>
-          </a:prstGeom>
-          <a:noFill/>
-        </p:spPr>
-        <p:txBody>
-          <a:bodyPr wrap="none" rtlCol="0">
-            <a:spAutoFit/>
-          </a:bodyPr>
-          <a:lstStyle/>
-          <a:p>
-            <a:r>
-              <a:rPr lang="de-DE"/>
-              <a:t>Das Schlagzeug soll durchgängig spielen</a:t>
-            </a:r>
-            <a:br>
-              <a:rPr lang="de-DE"/>
-            </a:br>
-            <a:r>
-              <a:rPr lang="de-DE"/>
-              <a:t>aber die Pause ist zu lang. Versuche die </a:t>
-            </a:r>
-          </a:p>
-          <a:p>
-            <a:r>
-              <a:rPr lang="de-DE"/>
-              <a:t>richtige Länge herauszufinden.</a:t>
-            </a:r>
-          </a:p>
-        </p:txBody>
-      </p:sp>
-      <p:sp>
-        <p:nvSpPr>
-          <p:cNvPr id="3" name="TextBox 2"/>
-          <p:cNvSpPr txBox="1"/>
-          <p:nvPr/>
-        </p:nvSpPr>
-        <p:spPr>
-          <a:xfrm>
-            <a:off x="1988840" y="4841359"/>
-            <a:ext cx="2448272" cy="369332"/>
-          </a:xfrm>
-          <a:prstGeom prst="rect">
-            <a:avLst/>
-          </a:prstGeom>
-          <a:noFill/>
-        </p:spPr>
-        <p:txBody>
-          <a:bodyPr wrap="square" rtlCol="0">
-            <a:spAutoFit/>
-          </a:bodyPr>
-          <a:lstStyle/>
-          <a:p>
-            <a:r>
-              <a:rPr lang="de-DE" noProof="1"/>
-              <a:t>Sample-Dauer</a:t>
-            </a:r>
+            <a:endParaRPr lang="de-DE"/>
           </a:p>
         </p:txBody>
       </p:sp>
     </p:spTree>
     <p:extLst>
       <p:ext uri="{BB962C8B-B14F-4D97-AF65-F5344CB8AC3E}">
-        <p14:creationId xmlns:p14="http://schemas.microsoft.com/office/powerpoint/2010/main" val="174545010"/>
+        <p14:creationId xmlns:p14="http://schemas.microsoft.com/office/powerpoint/2010/main" val="4265769765"/>
       </p:ext>
     </p:extLst>
   </p:cSld>
@@ -9856,6 +10518,1911 @@
       </p:grpSpPr>
       <p:sp>
         <p:nvSpPr>
+          <p:cNvPr id="14" name="Text Placeholder 13"/>
+          <p:cNvSpPr>
+            <a:spLocks noGrp="1"/>
+          </p:cNvSpPr>
+          <p:nvPr>
+            <p:ph type="body" sz="quarter" idx="15"/>
+          </p:nvPr>
+        </p:nvSpPr>
+        <p:spPr/>
+        <p:txBody>
+          <a:bodyPr/>
+          <a:lstStyle/>
+          <a:p>
+            <a:r>
+              <a:rPr lang="de-DE"/>
+              <a:t>Ein Gitarren-Sample</a:t>
+            </a:r>
+          </a:p>
+        </p:txBody>
+      </p:sp>
+      <p:sp>
+        <p:nvSpPr>
+          <p:cNvPr id="15" name="Text Placeholder 14"/>
+          <p:cNvSpPr>
+            <a:spLocks noGrp="1"/>
+          </p:cNvSpPr>
+          <p:nvPr>
+            <p:ph type="body" sz="quarter" idx="18"/>
+          </p:nvPr>
+        </p:nvSpPr>
+        <p:spPr>
+          <a:xfrm>
+            <a:off x="404664" y="3275856"/>
+            <a:ext cx="6453336" cy="978729"/>
+          </a:xfrm>
+        </p:spPr>
+        <p:txBody>
+          <a:bodyPr/>
+          <a:lstStyle/>
+          <a:p>
+            <a:r>
+              <a:rPr lang="de-DE"/>
+              <a:t>Probiere aus.</a:t>
+            </a:r>
+          </a:p>
+          <a:p>
+            <a:r>
+              <a:rPr lang="de-DE"/>
+              <a:t>Danach kopiere das Schlagzeug (Buffer 4)  und Melodie in Buffer 5 zusammen</a:t>
+            </a:r>
+          </a:p>
+        </p:txBody>
+      </p:sp>
+      <p:sp>
+        <p:nvSpPr>
+          <p:cNvPr id="2" name="Textplatzhalter 1"/>
+          <p:cNvSpPr>
+            <a:spLocks noGrp="1"/>
+          </p:cNvSpPr>
+          <p:nvPr>
+            <p:ph type="body" sz="quarter" idx="19"/>
+          </p:nvPr>
+        </p:nvSpPr>
+        <p:spPr>
+          <a:xfrm>
+            <a:off x="404664" y="8244408"/>
+            <a:ext cx="6453336" cy="701731"/>
+          </a:xfrm>
+        </p:spPr>
+        <p:txBody>
+          <a:bodyPr/>
+          <a:lstStyle/>
+          <a:p>
+            <a:r>
+              <a:rPr lang="de-DE"/>
+              <a:t>use_bpm		</a:t>
+            </a:r>
+            <a:r>
+              <a:rPr lang="de-DE" err="1"/>
+              <a:t>use_synth</a:t>
+            </a:r>
+            <a:r>
+              <a:rPr lang="de-DE"/>
+              <a:t> :</a:t>
+            </a:r>
+            <a:r>
+              <a:rPr lang="de-DE" err="1"/>
+              <a:t>hollow</a:t>
+            </a:r>
+            <a:r>
+              <a:rPr lang="de-DE"/>
+              <a:t>		,</a:t>
+            </a:r>
+            <a:r>
+              <a:rPr lang="de-DE" err="1"/>
+              <a:t>amp</a:t>
+            </a:r>
+            <a:r>
+              <a:rPr lang="de-DE"/>
+              <a:t>: 5</a:t>
+            </a:r>
+          </a:p>
+          <a:p>
+            <a:r>
+              <a:rPr lang="de-DE" err="1"/>
+              <a:t>use_synth</a:t>
+            </a:r>
+            <a:r>
+              <a:rPr lang="de-DE"/>
+              <a:t>: </a:t>
+            </a:r>
+            <a:r>
+              <a:rPr lang="de-DE" err="1"/>
+              <a:t>hoover</a:t>
+            </a:r>
+            <a:r>
+              <a:rPr lang="de-DE"/>
+              <a:t>		</a:t>
+            </a:r>
+          </a:p>
+        </p:txBody>
+      </p:sp>
+      <p:sp>
+        <p:nvSpPr>
+          <p:cNvPr id="16" name="Text Placeholder 15"/>
+          <p:cNvSpPr>
+            <a:spLocks noGrp="1"/>
+          </p:cNvSpPr>
+          <p:nvPr>
+            <p:ph type="body" sz="quarter" idx="17"/>
+          </p:nvPr>
+        </p:nvSpPr>
+        <p:spPr>
+          <a:xfrm>
+            <a:off x="404664" y="449975"/>
+            <a:ext cx="6048672" cy="2357568"/>
+          </a:xfrm>
+        </p:spPr>
+        <p:txBody>
+          <a:bodyPr/>
+          <a:lstStyle/>
+          <a:p>
+            <a:pPr algn="l"/>
+            <a:r>
+              <a:rPr lang="de-DE"/>
+              <a:t>live_loop :</a:t>
+            </a:r>
+            <a:r>
+              <a:rPr lang="de-DE" err="1"/>
+              <a:t>melodie</a:t>
+            </a:r>
+            <a:r>
+              <a:rPr lang="de-DE"/>
+              <a:t> do  	</a:t>
+            </a:r>
+          </a:p>
+          <a:p>
+            <a:pPr algn="l"/>
+            <a:r>
+              <a:rPr lang="de-DE"/>
+              <a:t>	sample :guit_em9</a:t>
+            </a:r>
+          </a:p>
+          <a:p>
+            <a:pPr algn="l"/>
+            <a:r>
+              <a:rPr lang="de-DE"/>
+              <a:t> 	</a:t>
+            </a:r>
+            <a:r>
+              <a:rPr lang="de-DE" err="1"/>
+              <a:t>sleep</a:t>
+            </a:r>
+            <a:r>
+              <a:rPr lang="de-DE"/>
+              <a:t> 2</a:t>
+            </a:r>
+          </a:p>
+          <a:p>
+            <a:pPr algn="l"/>
+            <a:r>
+              <a:rPr lang="de-DE"/>
+              <a:t>end</a:t>
+            </a:r>
+          </a:p>
+        </p:txBody>
+      </p:sp>
+      <p:sp>
+        <p:nvSpPr>
+          <p:cNvPr id="10" name="Text Placeholder 9"/>
+          <p:cNvSpPr>
+            <a:spLocks noGrp="1"/>
+          </p:cNvSpPr>
+          <p:nvPr>
+            <p:ph type="body" sz="quarter" idx="20"/>
+          </p:nvPr>
+        </p:nvSpPr>
+        <p:spPr/>
+        <p:txBody>
+          <a:bodyPr/>
+          <a:lstStyle/>
+          <a:p>
+            <a:r>
+              <a:rPr lang="de-DE"/>
+              <a:t>Benutze auch Size – und Size +, um den Text in den Größe zu verändern</a:t>
+            </a:r>
+          </a:p>
+        </p:txBody>
+      </p:sp>
+      <p:sp>
+        <p:nvSpPr>
+          <p:cNvPr id="11" name="Text Placeholder 10"/>
+          <p:cNvSpPr>
+            <a:spLocks noGrp="1"/>
+          </p:cNvSpPr>
+          <p:nvPr>
+            <p:ph type="body" sz="quarter" idx="21"/>
+          </p:nvPr>
+        </p:nvSpPr>
+        <p:spPr>
+          <a:xfrm>
+            <a:off x="429999" y="5215424"/>
+            <a:ext cx="6048672" cy="1815882"/>
+          </a:xfrm>
+        </p:spPr>
+        <p:txBody>
+          <a:bodyPr/>
+          <a:lstStyle/>
+          <a:p>
+            <a:pPr algn="l"/>
+            <a:r>
+              <a:rPr lang="de-DE" sz="2000"/>
+              <a:t>- Jetzt fügen wir in  6 alles zusammen</a:t>
+            </a:r>
+          </a:p>
+          <a:p>
+            <a:pPr algn="l"/>
+            <a:r>
+              <a:rPr lang="de-DE" sz="2000"/>
+              <a:t>- Erst </a:t>
+            </a:r>
+            <a:r>
+              <a:rPr lang="de-DE" sz="2000" err="1"/>
+              <a:t>Buffer</a:t>
+            </a:r>
+            <a:r>
+              <a:rPr lang="de-DE" sz="2000"/>
+              <a:t> 5, dann </a:t>
+            </a:r>
+            <a:r>
+              <a:rPr lang="de-DE" sz="2000" err="1"/>
+              <a:t>Buffer</a:t>
+            </a:r>
+            <a:r>
+              <a:rPr lang="de-DE" sz="2000"/>
+              <a:t> 3 und </a:t>
+            </a:r>
+            <a:r>
+              <a:rPr lang="de-DE" sz="2000" err="1"/>
+              <a:t>Buffer</a:t>
+            </a:r>
+            <a:r>
+              <a:rPr lang="de-DE" sz="2000"/>
+              <a:t> 2</a:t>
+            </a:r>
+          </a:p>
+          <a:p>
+            <a:pPr algn="l"/>
+            <a:r>
+              <a:rPr lang="de-DE" sz="2000"/>
+              <a:t>- Starte nach jedem weiteren </a:t>
+            </a:r>
+            <a:r>
+              <a:rPr lang="de-DE" sz="2000" err="1"/>
+              <a:t>Buffer</a:t>
+            </a:r>
+            <a:r>
+              <a:rPr lang="de-DE" sz="2000"/>
+              <a:t> neu</a:t>
+            </a:r>
+          </a:p>
+          <a:p>
+            <a:pPr algn="l"/>
+            <a:r>
+              <a:rPr lang="de-DE" sz="2000"/>
+              <a:t>- Kopiere </a:t>
+            </a:r>
+            <a:r>
+              <a:rPr lang="de-DE" sz="2000" err="1"/>
+              <a:t>Buffer</a:t>
+            </a:r>
+            <a:r>
+              <a:rPr lang="de-DE" sz="2000"/>
+              <a:t> 1 und füge eine live_loop hinzu. Irgendwas passt noch nicht. Was?</a:t>
+            </a:r>
+          </a:p>
+        </p:txBody>
+      </p:sp>
+    </p:spTree>
+    <p:extLst>
+      <p:ext uri="{BB962C8B-B14F-4D97-AF65-F5344CB8AC3E}">
+        <p14:creationId xmlns:p14="http://schemas.microsoft.com/office/powerpoint/2010/main" val="174545010"/>
+      </p:ext>
+    </p:extLst>
+  </p:cSld>
+  <p:clrMapOvr>
+    <a:masterClrMapping/>
+  </p:clrMapOvr>
+</p:sld>
+</file>
+
+<file path=ppt/slides/slide22.xml><?xml version="1.0" encoding="utf-8"?>
+<p:sld xmlns:a="http://schemas.openxmlformats.org/drawingml/2006/main" xmlns:r="http://schemas.openxmlformats.org/officeDocument/2006/relationships" xmlns:p="http://schemas.openxmlformats.org/presentationml/2006/main">
+  <p:cSld>
+    <p:spTree>
+      <p:nvGrpSpPr>
+        <p:cNvPr id="1" name=""/>
+        <p:cNvGrpSpPr/>
+        <p:nvPr/>
+      </p:nvGrpSpPr>
+      <p:grpSpPr>
+        <a:xfrm>
+          <a:off x="0" y="0"/>
+          <a:ext cx="0" cy="0"/>
+          <a:chOff x="0" y="0"/>
+          <a:chExt cx="0" cy="0"/>
+        </a:xfrm>
+      </p:grpSpPr>
+      <p:sp>
+        <p:nvSpPr>
+          <p:cNvPr id="5" name="Text Placeholder 4"/>
+          <p:cNvSpPr>
+            <a:spLocks noGrp="1"/>
+          </p:cNvSpPr>
+          <p:nvPr>
+            <p:ph type="body" sz="quarter" idx="15"/>
+          </p:nvPr>
+        </p:nvSpPr>
+        <p:spPr/>
+        <p:txBody>
+          <a:bodyPr/>
+          <a:lstStyle/>
+          <a:p>
+            <a:r>
+              <a:rPr lang="de-DE"/>
+              <a:t>Experimentiere</a:t>
+            </a:r>
+          </a:p>
+          <a:p>
+            <a:endParaRPr lang="de-DE"/>
+          </a:p>
+        </p:txBody>
+      </p:sp>
+      <p:sp>
+        <p:nvSpPr>
+          <p:cNvPr id="24" name="Text Placeholder 23"/>
+          <p:cNvSpPr>
+            <a:spLocks noGrp="1"/>
+          </p:cNvSpPr>
+          <p:nvPr>
+            <p:ph type="body" sz="quarter" idx="18"/>
+          </p:nvPr>
+        </p:nvSpPr>
+        <p:spPr/>
+        <p:txBody>
+          <a:bodyPr/>
+          <a:lstStyle/>
+          <a:p>
+            <a:endParaRPr lang="de-DE"/>
+          </a:p>
+        </p:txBody>
+      </p:sp>
+      <p:sp>
+        <p:nvSpPr>
+          <p:cNvPr id="19" name="Text Placeholder 18"/>
+          <p:cNvSpPr>
+            <a:spLocks noGrp="1"/>
+          </p:cNvSpPr>
+          <p:nvPr>
+            <p:ph type="body" sz="quarter" idx="17"/>
+          </p:nvPr>
+        </p:nvSpPr>
+        <p:spPr>
+          <a:xfrm>
+            <a:off x="404664" y="459759"/>
+            <a:ext cx="6048672" cy="2234458"/>
+          </a:xfrm>
+        </p:spPr>
+        <p:txBody>
+          <a:bodyPr/>
+          <a:lstStyle/>
+          <a:p>
+            <a:pPr algn="l"/>
+            <a:r>
+              <a:rPr lang="de-DE" sz="2400"/>
+              <a:t>Weitere Ideen</a:t>
+            </a:r>
+          </a:p>
+          <a:p>
+            <a:pPr marL="114275" indent="-457200" algn="l">
+              <a:buFontTx/>
+              <a:buChar char="-"/>
+            </a:pPr>
+            <a:r>
+              <a:rPr lang="de-DE" sz="2400"/>
+              <a:t>Mehr Schlagzeug</a:t>
+            </a:r>
+          </a:p>
+          <a:p>
+            <a:pPr marL="114275" indent="-457200" algn="l">
+              <a:buFontTx/>
+              <a:buChar char="-"/>
+            </a:pPr>
+            <a:r>
+              <a:rPr lang="de-DE" sz="2400"/>
+              <a:t>Ein Musik-Programm</a:t>
+            </a:r>
+          </a:p>
+          <a:p>
+            <a:pPr marL="114275" indent="-457200" algn="l">
+              <a:buFontTx/>
+              <a:buChar char="-"/>
+            </a:pPr>
+            <a:r>
+              <a:rPr lang="de-DE" sz="2400"/>
+              <a:t>Effekte</a:t>
+            </a:r>
+          </a:p>
+          <a:p>
+            <a:pPr marL="114275" indent="-457200" algn="l">
+              <a:buFontTx/>
+              <a:buChar char="-"/>
+            </a:pPr>
+            <a:r>
+              <a:rPr lang="de-DE" sz="2400"/>
+              <a:t>Samples „</a:t>
+            </a:r>
+            <a:r>
+              <a:rPr lang="de-DE" sz="2400" err="1"/>
+              <a:t>loop</a:t>
+            </a:r>
+            <a:r>
+              <a:rPr lang="de-DE" sz="2400"/>
+              <a:t>_“ mit </a:t>
+            </a:r>
+            <a:r>
+              <a:rPr lang="de-DE" sz="2400" err="1"/>
+              <a:t>sample_duration</a:t>
+            </a:r>
+            <a:r>
+              <a:rPr lang="de-DE" sz="2400"/>
+              <a:t>()</a:t>
+            </a:r>
+          </a:p>
+        </p:txBody>
+      </p:sp>
+      <p:sp>
+        <p:nvSpPr>
+          <p:cNvPr id="3" name="Text Placeholder 2"/>
+          <p:cNvSpPr>
+            <a:spLocks noGrp="1"/>
+          </p:cNvSpPr>
+          <p:nvPr>
+            <p:ph type="body" sz="quarter" idx="19"/>
+          </p:nvPr>
+        </p:nvSpPr>
+        <p:spPr/>
+        <p:txBody>
+          <a:bodyPr/>
+          <a:lstStyle/>
+          <a:p>
+            <a:endParaRPr lang="de-DE"/>
+          </a:p>
+        </p:txBody>
+      </p:sp>
+      <p:sp>
+        <p:nvSpPr>
+          <p:cNvPr id="4" name="Text Placeholder 3"/>
+          <p:cNvSpPr>
+            <a:spLocks noGrp="1"/>
+          </p:cNvSpPr>
+          <p:nvPr>
+            <p:ph type="body" sz="quarter" idx="20"/>
+          </p:nvPr>
+        </p:nvSpPr>
+        <p:spPr/>
+        <p:txBody>
+          <a:bodyPr/>
+          <a:lstStyle/>
+          <a:p>
+            <a:endParaRPr lang="de-DE"/>
+          </a:p>
+        </p:txBody>
+      </p:sp>
+      <p:sp>
+        <p:nvSpPr>
+          <p:cNvPr id="6" name="Text Placeholder 5"/>
+          <p:cNvSpPr>
+            <a:spLocks noGrp="1"/>
+          </p:cNvSpPr>
+          <p:nvPr>
+            <p:ph type="body" sz="quarter" idx="21"/>
+          </p:nvPr>
+        </p:nvSpPr>
+        <p:spPr/>
+        <p:txBody>
+          <a:bodyPr/>
+          <a:lstStyle/>
+          <a:p>
+            <a:endParaRPr lang="de-DE"/>
+          </a:p>
+        </p:txBody>
+      </p:sp>
+    </p:spTree>
+    <p:extLst>
+      <p:ext uri="{BB962C8B-B14F-4D97-AF65-F5344CB8AC3E}">
+        <p14:creationId xmlns:p14="http://schemas.microsoft.com/office/powerpoint/2010/main" val="1805105135"/>
+      </p:ext>
+    </p:extLst>
+  </p:cSld>
+  <p:clrMapOvr>
+    <a:masterClrMapping/>
+  </p:clrMapOvr>
+</p:sld>
+</file>
+
+<file path=ppt/slides/slide23.xml><?xml version="1.0" encoding="utf-8"?>
+<p:sld xmlns:a="http://schemas.openxmlformats.org/drawingml/2006/main" xmlns:r="http://schemas.openxmlformats.org/officeDocument/2006/relationships" xmlns:p="http://schemas.openxmlformats.org/presentationml/2006/main">
+  <p:cSld>
+    <p:spTree>
+      <p:nvGrpSpPr>
+        <p:cNvPr id="1" name=""/>
+        <p:cNvGrpSpPr/>
+        <p:nvPr/>
+      </p:nvGrpSpPr>
+      <p:grpSpPr>
+        <a:xfrm>
+          <a:off x="0" y="0"/>
+          <a:ext cx="0" cy="0"/>
+          <a:chOff x="0" y="0"/>
+          <a:chExt cx="0" cy="0"/>
+        </a:xfrm>
+      </p:grpSpPr>
+      <p:sp>
+        <p:nvSpPr>
+          <p:cNvPr id="5" name="Text Placeholder 4"/>
+          <p:cNvSpPr>
+            <a:spLocks noGrp="1"/>
+          </p:cNvSpPr>
+          <p:nvPr>
+            <p:ph type="body" sz="quarter" idx="15"/>
+          </p:nvPr>
+        </p:nvSpPr>
+        <p:spPr/>
+        <p:txBody>
+          <a:bodyPr/>
+          <a:lstStyle/>
+          <a:p>
+            <a:r>
+              <a:rPr lang="de-DE"/>
+              <a:t>Experimentiere</a:t>
+            </a:r>
+          </a:p>
+          <a:p>
+            <a:endParaRPr lang="de-DE"/>
+          </a:p>
+        </p:txBody>
+      </p:sp>
+      <p:sp>
+        <p:nvSpPr>
+          <p:cNvPr id="24" name="Text Placeholder 23"/>
+          <p:cNvSpPr>
+            <a:spLocks noGrp="1"/>
+          </p:cNvSpPr>
+          <p:nvPr>
+            <p:ph type="body" sz="quarter" idx="18"/>
+          </p:nvPr>
+        </p:nvSpPr>
+        <p:spPr>
+          <a:xfrm>
+            <a:off x="404664" y="3275856"/>
+            <a:ext cx="6453336" cy="1052596"/>
+          </a:xfrm>
+        </p:spPr>
+        <p:txBody>
+          <a:bodyPr/>
+          <a:lstStyle/>
+          <a:p>
+            <a:r>
+              <a:rPr lang="de-DE" sz="1200"/>
+              <a:t>1) Ändere die Lautstärken	2) Ändere die Rate </a:t>
+            </a:r>
+          </a:p>
+          <a:p>
+            <a:r>
+              <a:rPr lang="de-DE" sz="1200"/>
+              <a:t>3) Ersetze das letzte Sample durch		4) Verändere die Geschwindigkeit</a:t>
+            </a:r>
+            <a:br>
+              <a:rPr lang="de-DE" sz="1200"/>
+            </a:br>
+            <a:r>
+              <a:rPr lang="de-DE" sz="1200"/>
+              <a:t> 	</a:t>
+            </a:r>
+            <a:r>
+              <a:rPr lang="de-DE" sz="1200" err="1"/>
+              <a:t>with_fx</a:t>
+            </a:r>
+            <a:r>
+              <a:rPr lang="de-DE" sz="1200"/>
+              <a:t> :</a:t>
+            </a:r>
+            <a:r>
+              <a:rPr lang="de-DE" sz="1200" err="1"/>
+              <a:t>reverb</a:t>
+            </a:r>
+            <a:r>
+              <a:rPr lang="de-DE" sz="1200"/>
+              <a:t>, </a:t>
+            </a:r>
+            <a:r>
+              <a:rPr lang="de-DE" sz="1200" err="1"/>
+              <a:t>room</a:t>
+            </a:r>
+            <a:r>
+              <a:rPr lang="de-DE" sz="1200"/>
+              <a:t>: 0.5 do</a:t>
+            </a:r>
+            <a:br>
+              <a:rPr lang="de-DE" sz="1200"/>
+            </a:br>
+            <a:r>
+              <a:rPr lang="de-DE" sz="1200"/>
+              <a:t> 	     sample :</a:t>
+            </a:r>
+            <a:r>
+              <a:rPr lang="de-DE" sz="1200" err="1"/>
+              <a:t>drum_snare_hard</a:t>
+            </a:r>
+            <a:r>
+              <a:rPr lang="de-DE" sz="1200"/>
+              <a:t>, </a:t>
+            </a:r>
+            <a:r>
+              <a:rPr lang="de-DE" sz="1200" err="1"/>
+              <a:t>amp</a:t>
+            </a:r>
+            <a:r>
+              <a:rPr lang="de-DE" sz="1200"/>
+              <a:t>: 4, rate: 1.2  </a:t>
+            </a:r>
+            <a:br>
+              <a:rPr lang="de-DE" sz="1200"/>
+            </a:br>
+            <a:r>
+              <a:rPr lang="de-DE" sz="1200"/>
+              <a:t>	end</a:t>
+            </a:r>
+          </a:p>
+        </p:txBody>
+      </p:sp>
+      <p:sp>
+        <p:nvSpPr>
+          <p:cNvPr id="25" name="Text Placeholder 24"/>
+          <p:cNvSpPr>
+            <a:spLocks noGrp="1"/>
+          </p:cNvSpPr>
+          <p:nvPr>
+            <p:ph type="body" sz="quarter" idx="19"/>
+          </p:nvPr>
+        </p:nvSpPr>
+        <p:spPr>
+          <a:xfrm>
+            <a:off x="404664" y="8316416"/>
+            <a:ext cx="6453336" cy="634020"/>
+          </a:xfrm>
+        </p:spPr>
+        <p:txBody>
+          <a:bodyPr/>
+          <a:lstStyle/>
+          <a:p>
+            <a:r>
+              <a:rPr lang="de-DE" sz="1600"/>
+              <a:t>Was geht hier vor?</a:t>
+            </a:r>
+          </a:p>
+          <a:p>
+            <a:r>
+              <a:rPr lang="de-DE" sz="1600" err="1"/>
+              <a:t>If</a:t>
+            </a:r>
+            <a:r>
+              <a:rPr lang="de-DE" sz="1600"/>
+              <a:t> = falls / </a:t>
+            </a:r>
+            <a:r>
+              <a:rPr lang="de-DE" sz="1600" err="1"/>
+              <a:t>else</a:t>
+            </a:r>
+            <a:r>
+              <a:rPr lang="de-DE" sz="1600"/>
+              <a:t> = andernfalls</a:t>
+            </a:r>
+          </a:p>
+        </p:txBody>
+      </p:sp>
+      <p:sp>
+        <p:nvSpPr>
+          <p:cNvPr id="19" name="Text Placeholder 18"/>
+          <p:cNvSpPr>
+            <a:spLocks noGrp="1"/>
+          </p:cNvSpPr>
+          <p:nvPr>
+            <p:ph type="body" sz="quarter" idx="17"/>
+          </p:nvPr>
+        </p:nvSpPr>
+        <p:spPr>
+          <a:xfrm>
+            <a:off x="404664" y="179512"/>
+            <a:ext cx="6048672" cy="2973122"/>
+          </a:xfrm>
+        </p:spPr>
+        <p:txBody>
+          <a:bodyPr/>
+          <a:lstStyle/>
+          <a:p>
+            <a:pPr algn="l"/>
+            <a:r>
+              <a:rPr lang="de-DE" sz="2400" noProof="1"/>
+              <a:t>Spiele etwas mit dem Schlagzeug herum</a:t>
+            </a:r>
+          </a:p>
+          <a:p>
+            <a:pPr algn="l"/>
+            <a:r>
+              <a:rPr lang="de-DE" sz="1200" noProof="1"/>
+              <a:t>use_bpm 120</a:t>
+            </a:r>
+          </a:p>
+          <a:p>
+            <a:pPr algn="l"/>
+            <a:r>
+              <a:rPr lang="de-DE" sz="1200" noProof="1"/>
+              <a:t>live_loop :schlagzeug do  </a:t>
+            </a:r>
+          </a:p>
+          <a:p>
+            <a:pPr algn="l"/>
+            <a:r>
+              <a:rPr lang="de-DE" sz="1200" noProof="1">
+                <a:solidFill>
+                  <a:srgbClr val="C00000"/>
+                </a:solidFill>
+              </a:rPr>
+              <a:t>    sample :drum_cymbal_closed, amp: 4  </a:t>
+            </a:r>
+            <a:br>
+              <a:rPr lang="de-DE" sz="1200" noProof="1">
+                <a:solidFill>
+                  <a:srgbClr val="C00000"/>
+                </a:solidFill>
+              </a:rPr>
+            </a:br>
+            <a:r>
+              <a:rPr lang="de-DE" sz="1200" noProof="1">
+                <a:solidFill>
+                  <a:srgbClr val="C00000"/>
+                </a:solidFill>
+              </a:rPr>
+              <a:t>    sleep 1  </a:t>
+            </a:r>
+            <a:br>
+              <a:rPr lang="de-DE" sz="1200" noProof="1"/>
+            </a:br>
+            <a:r>
+              <a:rPr lang="de-DE" sz="1200" noProof="1"/>
+              <a:t>    sample :drum_cymbal_closed, amp: 2  </a:t>
+            </a:r>
+            <a:br>
+              <a:rPr lang="de-DE" sz="1200" noProof="1"/>
+            </a:br>
+            <a:r>
+              <a:rPr lang="de-DE" sz="1200" noProof="1"/>
+              <a:t>    sample :drum_bass_soft, amp: 4  </a:t>
+            </a:r>
+            <a:br>
+              <a:rPr lang="de-DE" sz="1200" noProof="1"/>
+            </a:br>
+            <a:r>
+              <a:rPr lang="de-DE" sz="1200" noProof="1"/>
+              <a:t>    sleep 1  </a:t>
+            </a:r>
+            <a:br>
+              <a:rPr lang="de-DE" sz="1200" noProof="1"/>
+            </a:br>
+            <a:r>
+              <a:rPr lang="de-DE" sz="1200" noProof="1"/>
+              <a:t>    </a:t>
+            </a:r>
+            <a:r>
+              <a:rPr lang="de-DE" sz="1200" noProof="1">
+                <a:solidFill>
+                  <a:srgbClr val="C00000"/>
+                </a:solidFill>
+              </a:rPr>
+              <a:t>sample :drum_cymbal_closed, amp: 4  </a:t>
+            </a:r>
+            <a:br>
+              <a:rPr lang="de-DE" sz="1200" noProof="1">
+                <a:solidFill>
+                  <a:srgbClr val="C00000"/>
+                </a:solidFill>
+              </a:rPr>
+            </a:br>
+            <a:r>
+              <a:rPr lang="de-DE" sz="1200" noProof="1">
+                <a:solidFill>
+                  <a:srgbClr val="C00000"/>
+                </a:solidFill>
+              </a:rPr>
+              <a:t>    sleep 1  </a:t>
+            </a:r>
+            <a:br>
+              <a:rPr lang="de-DE" sz="1200" noProof="1"/>
+            </a:br>
+            <a:r>
+              <a:rPr lang="de-DE" sz="1200" noProof="1"/>
+              <a:t>    sample :drum_cymbal_closed, amp: 4 </a:t>
+            </a:r>
+            <a:br>
+              <a:rPr lang="de-DE" sz="1200" noProof="1"/>
+            </a:br>
+            <a:r>
+              <a:rPr lang="de-DE" sz="1200" noProof="1"/>
+              <a:t>    sample :drum_snare_hard, amp: 4, </a:t>
+            </a:r>
+            <a:r>
+              <a:rPr lang="de-DE" sz="1200" noProof="1">
+                <a:solidFill>
+                  <a:schemeClr val="tx2">
+                    <a:lumMod val="60000"/>
+                    <a:lumOff val="40000"/>
+                  </a:schemeClr>
+                </a:solidFill>
+              </a:rPr>
+              <a:t>rate: 1.2</a:t>
+            </a:r>
+            <a:br>
+              <a:rPr lang="de-DE" sz="1200" noProof="1"/>
+            </a:br>
+            <a:r>
+              <a:rPr lang="de-DE" sz="1200" noProof="1"/>
+              <a:t>    sleep 1</a:t>
+            </a:r>
+            <a:br>
+              <a:rPr lang="de-DE" sz="1200" noProof="1"/>
+            </a:br>
+            <a:r>
+              <a:rPr lang="de-DE" sz="1200" noProof="1"/>
+              <a:t>end </a:t>
+            </a:r>
+            <a:endParaRPr lang="de-DE" sz="2400" noProof="1"/>
+          </a:p>
+        </p:txBody>
+      </p:sp>
+      <p:sp>
+        <p:nvSpPr>
+          <p:cNvPr id="26" name="Text Placeholder 25"/>
+          <p:cNvSpPr>
+            <a:spLocks noGrp="1"/>
+          </p:cNvSpPr>
+          <p:nvPr>
+            <p:ph type="body" sz="quarter" idx="20"/>
+          </p:nvPr>
+        </p:nvSpPr>
+        <p:spPr/>
+        <p:txBody>
+          <a:bodyPr/>
+          <a:lstStyle/>
+          <a:p>
+            <a:r>
+              <a:rPr lang="de-DE"/>
+              <a:t>Variablen und Bedingungen</a:t>
+            </a:r>
+          </a:p>
+        </p:txBody>
+      </p:sp>
+      <p:sp>
+        <p:nvSpPr>
+          <p:cNvPr id="27" name="Text Placeholder 26"/>
+          <p:cNvSpPr>
+            <a:spLocks noGrp="1"/>
+          </p:cNvSpPr>
+          <p:nvPr>
+            <p:ph type="body" sz="quarter" idx="21"/>
+          </p:nvPr>
+        </p:nvSpPr>
+        <p:spPr>
+          <a:xfrm>
+            <a:off x="1857722" y="5090195"/>
+            <a:ext cx="2232249" cy="2714589"/>
+          </a:xfrm>
+        </p:spPr>
+        <p:txBody>
+          <a:bodyPr/>
+          <a:lstStyle/>
+          <a:p>
+            <a:pPr marL="444500" indent="0" algn="l"/>
+            <a:r>
+              <a:rPr lang="en-US" sz="1200" err="1"/>
+              <a:t>use_bpm</a:t>
+            </a:r>
+            <a:r>
+              <a:rPr lang="en-US" sz="1200"/>
+              <a:t> 600</a:t>
+            </a:r>
+          </a:p>
+          <a:p>
+            <a:pPr marL="444500" indent="0" algn="l"/>
+            <a:r>
+              <a:rPr lang="en-US" sz="1200"/>
+              <a:t>a = 30</a:t>
+            </a:r>
+          </a:p>
+          <a:p>
+            <a:pPr marL="444500" indent="0" algn="l"/>
+            <a:r>
+              <a:rPr lang="en-US" sz="1200"/>
+              <a:t>live_loop :start do  </a:t>
+            </a:r>
+          </a:p>
+          <a:p>
+            <a:pPr marL="444500" indent="0" algn="l"/>
+            <a:r>
+              <a:rPr lang="en-US" sz="1200"/>
+              <a:t>   if a &lt; 100    </a:t>
+            </a:r>
+          </a:p>
+          <a:p>
+            <a:pPr marL="444500" indent="0" algn="l"/>
+            <a:r>
+              <a:rPr lang="en-US" sz="1200"/>
+              <a:t>     a = a +1    </a:t>
+            </a:r>
+          </a:p>
+          <a:p>
+            <a:pPr marL="444500" indent="0" algn="l"/>
+            <a:r>
+              <a:rPr lang="en-US" sz="1200"/>
+              <a:t>     play a, amp: 4    </a:t>
+            </a:r>
+          </a:p>
+          <a:p>
+            <a:pPr marL="444500" indent="0" algn="l"/>
+            <a:r>
+              <a:rPr lang="en-US" sz="1200"/>
+              <a:t>     print a  </a:t>
+            </a:r>
+          </a:p>
+          <a:p>
+            <a:pPr marL="444500" indent="0" algn="l"/>
+            <a:r>
+              <a:rPr lang="en-US" sz="1200"/>
+              <a:t>   else    </a:t>
+            </a:r>
+          </a:p>
+          <a:p>
+            <a:pPr marL="444500" indent="0" algn="l"/>
+            <a:r>
+              <a:rPr lang="en-US" sz="1200"/>
+              <a:t>       a = 30  </a:t>
+            </a:r>
+          </a:p>
+          <a:p>
+            <a:pPr marL="444500" indent="0" algn="l"/>
+            <a:r>
+              <a:rPr lang="en-US" sz="1200"/>
+              <a:t>   end  </a:t>
+            </a:r>
+          </a:p>
+          <a:p>
+            <a:pPr marL="444500" indent="0" algn="l"/>
+            <a:r>
+              <a:rPr lang="en-US" sz="1200"/>
+              <a:t>   sleep 1</a:t>
+            </a:r>
+          </a:p>
+          <a:p>
+            <a:pPr marL="444500" indent="0" algn="l"/>
+            <a:r>
+              <a:rPr lang="en-US" sz="1200"/>
+              <a:t>end</a:t>
+            </a:r>
+          </a:p>
+        </p:txBody>
+      </p:sp>
+      <p:sp>
+        <p:nvSpPr>
+          <p:cNvPr id="2" name="TextBox 1"/>
+          <p:cNvSpPr txBox="1"/>
+          <p:nvPr/>
+        </p:nvSpPr>
+        <p:spPr>
+          <a:xfrm>
+            <a:off x="4028303" y="7117492"/>
+            <a:ext cx="184731" cy="369332"/>
+          </a:xfrm>
+          <a:prstGeom prst="rect">
+            <a:avLst/>
+          </a:prstGeom>
+          <a:noFill/>
+        </p:spPr>
+        <p:txBody>
+          <a:bodyPr wrap="none" rtlCol="0">
+            <a:spAutoFit/>
+          </a:bodyPr>
+          <a:lstStyle/>
+          <a:p>
+            <a:endParaRPr lang="de-DE"/>
+          </a:p>
+        </p:txBody>
+      </p:sp>
+    </p:spTree>
+    <p:extLst>
+      <p:ext uri="{BB962C8B-B14F-4D97-AF65-F5344CB8AC3E}">
+        <p14:creationId xmlns:p14="http://schemas.microsoft.com/office/powerpoint/2010/main" val="2016802546"/>
+      </p:ext>
+    </p:extLst>
+  </p:cSld>
+  <p:clrMapOvr>
+    <a:masterClrMapping/>
+  </p:clrMapOvr>
+</p:sld>
+</file>
+
+<file path=ppt/slides/slide24.xml><?xml version="1.0" encoding="utf-8"?>
+<p:sld xmlns:a="http://schemas.openxmlformats.org/drawingml/2006/main" xmlns:r="http://schemas.openxmlformats.org/officeDocument/2006/relationships" xmlns:p="http://schemas.openxmlformats.org/presentationml/2006/main">
+  <p:cSld>
+    <p:spTree>
+      <p:nvGrpSpPr>
+        <p:cNvPr id="1" name=""/>
+        <p:cNvGrpSpPr/>
+        <p:nvPr/>
+      </p:nvGrpSpPr>
+      <p:grpSpPr>
+        <a:xfrm>
+          <a:off x="0" y="0"/>
+          <a:ext cx="0" cy="0"/>
+          <a:chOff x="0" y="0"/>
+          <a:chExt cx="0" cy="0"/>
+        </a:xfrm>
+      </p:grpSpPr>
+      <p:sp>
+        <p:nvSpPr>
+          <p:cNvPr id="14" name="Text Placeholder 13"/>
+          <p:cNvSpPr>
+            <a:spLocks noGrp="1"/>
+          </p:cNvSpPr>
+          <p:nvPr>
+            <p:ph type="body" sz="quarter" idx="15"/>
+          </p:nvPr>
+        </p:nvSpPr>
+        <p:spPr/>
+        <p:txBody>
+          <a:bodyPr/>
+          <a:lstStyle/>
+          <a:p>
+            <a:r>
+              <a:rPr lang="de-DE"/>
+              <a:t>So kann man Effekte verwenden</a:t>
+            </a:r>
+          </a:p>
+        </p:txBody>
+      </p:sp>
+      <p:sp>
+        <p:nvSpPr>
+          <p:cNvPr id="15" name="Text Placeholder 14"/>
+          <p:cNvSpPr>
+            <a:spLocks noGrp="1"/>
+          </p:cNvSpPr>
+          <p:nvPr>
+            <p:ph type="body" sz="quarter" idx="18"/>
+          </p:nvPr>
+        </p:nvSpPr>
+        <p:spPr>
+          <a:xfrm>
+            <a:off x="404664" y="3203848"/>
+            <a:ext cx="6453336" cy="1357295"/>
+          </a:xfrm>
+        </p:spPr>
+        <p:txBody>
+          <a:bodyPr/>
+          <a:lstStyle/>
+          <a:p>
+            <a:pPr marL="179388" indent="-173038">
+              <a:buFontTx/>
+              <a:buChar char="-"/>
+              <a:tabLst>
+                <a:tab pos="1081088" algn="l"/>
+                <a:tab pos="2152650" algn="l"/>
+                <a:tab pos="3233738" algn="l"/>
+                <a:tab pos="4303713" algn="l"/>
+                <a:tab pos="5386388" algn="l"/>
+              </a:tabLst>
+            </a:pPr>
+            <a:r>
+              <a:rPr lang="de-DE" sz="1050" b="0" err="1">
+                <a:solidFill>
+                  <a:schemeClr val="tx1"/>
+                </a:solidFill>
+                <a:latin typeface="DIN" charset="0"/>
+                <a:ea typeface="DIN" charset="0"/>
+                <a:cs typeface="DIN" charset="0"/>
+              </a:rPr>
+              <a:t>Fx</a:t>
+            </a:r>
+            <a:r>
+              <a:rPr lang="de-DE" sz="1050" b="0">
+                <a:solidFill>
+                  <a:schemeClr val="tx1"/>
+                </a:solidFill>
+                <a:latin typeface="DIN" charset="0"/>
+                <a:ea typeface="DIN" charset="0"/>
+                <a:cs typeface="DIN" charset="0"/>
+              </a:rPr>
+              <a:t> steht für „</a:t>
+            </a:r>
+            <a:r>
+              <a:rPr lang="de-DE" sz="1050" b="0" err="1">
+                <a:solidFill>
+                  <a:schemeClr val="tx1"/>
+                </a:solidFill>
+                <a:latin typeface="DIN" charset="0"/>
+                <a:ea typeface="DIN" charset="0"/>
+                <a:cs typeface="DIN" charset="0"/>
+              </a:rPr>
+              <a:t>Effects</a:t>
+            </a:r>
+            <a:r>
+              <a:rPr lang="de-DE" sz="1050" b="0">
+                <a:solidFill>
+                  <a:schemeClr val="tx1"/>
+                </a:solidFill>
+                <a:latin typeface="DIN" charset="0"/>
+                <a:ea typeface="DIN" charset="0"/>
+                <a:cs typeface="DIN" charset="0"/>
+              </a:rPr>
+              <a:t>“ = Effekte. Jeder Effekt kann auch „Parameter“ haben: </a:t>
+            </a:r>
+            <a:br>
+              <a:rPr lang="de-DE" sz="1050" b="0">
+                <a:solidFill>
+                  <a:schemeClr val="tx1"/>
+                </a:solidFill>
+                <a:latin typeface="DIN" charset="0"/>
+                <a:ea typeface="DIN" charset="0"/>
+                <a:cs typeface="DIN" charset="0"/>
+              </a:rPr>
+            </a:br>
+            <a:r>
+              <a:rPr lang="de-DE" sz="1050" b="0">
+                <a:solidFill>
+                  <a:schemeClr val="tx1"/>
+                </a:solidFill>
+                <a:latin typeface="DIN" charset="0"/>
+                <a:ea typeface="DIN" charset="0"/>
+                <a:cs typeface="DIN" charset="0"/>
+              </a:rPr>
+              <a:t>Hier die Größe des Raums für den Hall </a:t>
+            </a:r>
+            <a:r>
+              <a:rPr lang="de-DE" sz="1050" b="0">
+                <a:solidFill>
+                  <a:schemeClr val="tx1"/>
+                </a:solidFill>
+                <a:latin typeface="DIN" charset="0"/>
+                <a:ea typeface="DIN" charset="0"/>
+                <a:cs typeface="DIN" charset="0"/>
+                <a:sym typeface="Wingdings"/>
+              </a:rPr>
+              <a:t> </a:t>
+            </a:r>
+            <a:r>
+              <a:rPr lang="de-DE" sz="1050" b="0" err="1">
+                <a:solidFill>
+                  <a:schemeClr val="tx1"/>
+                </a:solidFill>
+                <a:latin typeface="DIN" charset="0"/>
+                <a:ea typeface="DIN" charset="0"/>
+                <a:cs typeface="DIN" charset="0"/>
+                <a:sym typeface="Wingdings"/>
+              </a:rPr>
+              <a:t>room</a:t>
+            </a:r>
+            <a:r>
+              <a:rPr lang="de-DE" sz="1050" b="0">
+                <a:solidFill>
+                  <a:schemeClr val="tx1"/>
+                </a:solidFill>
+                <a:latin typeface="DIN" charset="0"/>
+                <a:ea typeface="DIN" charset="0"/>
+                <a:cs typeface="DIN" charset="0"/>
+                <a:sym typeface="Wingdings"/>
+              </a:rPr>
+              <a:t>: 0.9</a:t>
+            </a:r>
+            <a:endParaRPr lang="de-DE" sz="1050" b="0">
+              <a:solidFill>
+                <a:schemeClr val="tx1"/>
+              </a:solidFill>
+              <a:latin typeface="DIN" charset="0"/>
+              <a:ea typeface="DIN" charset="0"/>
+              <a:cs typeface="DIN" charset="0"/>
+            </a:endParaRPr>
+          </a:p>
+          <a:p>
+            <a:pPr marL="179388" indent="-173038">
+              <a:buFontTx/>
+              <a:buChar char="-"/>
+              <a:tabLst>
+                <a:tab pos="1081088" algn="l"/>
+                <a:tab pos="2152650" algn="l"/>
+                <a:tab pos="3233738" algn="l"/>
+                <a:tab pos="4303713" algn="l"/>
+                <a:tab pos="5386388" algn="l"/>
+              </a:tabLst>
+            </a:pPr>
+            <a:r>
+              <a:rPr lang="de-DE" sz="1050" b="0">
+                <a:solidFill>
+                  <a:schemeClr val="tx1"/>
+                </a:solidFill>
+                <a:latin typeface="DIN" charset="0"/>
+                <a:ea typeface="DIN" charset="0"/>
+                <a:cs typeface="DIN" charset="0"/>
+              </a:rPr>
+              <a:t>Verwende eine andere Geschwindigkeit </a:t>
+            </a:r>
+          </a:p>
+          <a:p>
+            <a:pPr marL="179388" indent="-173038">
+              <a:buFontTx/>
+              <a:buChar char="-"/>
+              <a:tabLst>
+                <a:tab pos="1081088" algn="l"/>
+                <a:tab pos="2152650" algn="l"/>
+                <a:tab pos="3233738" algn="l"/>
+                <a:tab pos="4303713" algn="l"/>
+                <a:tab pos="5386388" algn="l"/>
+              </a:tabLst>
+            </a:pPr>
+            <a:r>
+              <a:rPr lang="de-DE" sz="1050" b="0">
+                <a:solidFill>
+                  <a:schemeClr val="tx1"/>
+                </a:solidFill>
+                <a:latin typeface="DIN" charset="0"/>
+                <a:ea typeface="DIN" charset="0"/>
+                <a:cs typeface="DIN" charset="0"/>
+              </a:rPr>
+              <a:t>Verwende </a:t>
+            </a:r>
+            <a:r>
+              <a:rPr lang="de-DE" sz="1050" b="0" err="1">
+                <a:solidFill>
+                  <a:schemeClr val="tx1"/>
+                </a:solidFill>
+                <a:latin typeface="DIN" charset="0"/>
+                <a:ea typeface="DIN" charset="0"/>
+                <a:cs typeface="DIN" charset="0"/>
+              </a:rPr>
+              <a:t>play</a:t>
+            </a:r>
+            <a:r>
+              <a:rPr lang="de-DE" sz="1050" b="0">
+                <a:solidFill>
+                  <a:schemeClr val="tx1"/>
+                </a:solidFill>
+                <a:latin typeface="DIN" charset="0"/>
+                <a:ea typeface="DIN" charset="0"/>
+                <a:cs typeface="DIN" charset="0"/>
+              </a:rPr>
+              <a:t> und </a:t>
+            </a:r>
+            <a:r>
+              <a:rPr lang="de-DE" sz="1050" b="0" err="1">
+                <a:solidFill>
+                  <a:schemeClr val="tx1"/>
+                </a:solidFill>
+                <a:latin typeface="DIN" charset="0"/>
+                <a:ea typeface="DIN" charset="0"/>
+                <a:cs typeface="DIN" charset="0"/>
+              </a:rPr>
+              <a:t>choose</a:t>
+            </a:r>
+            <a:r>
+              <a:rPr lang="de-DE" sz="1050" b="0">
+                <a:solidFill>
+                  <a:schemeClr val="tx1"/>
+                </a:solidFill>
+                <a:latin typeface="DIN" charset="0"/>
+                <a:ea typeface="DIN" charset="0"/>
+                <a:cs typeface="DIN" charset="0"/>
+              </a:rPr>
+              <a:t> (siehe Seite 9b)</a:t>
+            </a:r>
+          </a:p>
+          <a:p>
+            <a:pPr marL="179388" indent="-173038">
+              <a:buFontTx/>
+              <a:buChar char="-"/>
+              <a:tabLst>
+                <a:tab pos="1081088" algn="l"/>
+                <a:tab pos="2152650" algn="l"/>
+                <a:tab pos="3233738" algn="l"/>
+                <a:tab pos="4303713" algn="l"/>
+                <a:tab pos="5386388" algn="l"/>
+              </a:tabLst>
+            </a:pPr>
+            <a:r>
+              <a:rPr lang="de-DE" sz="1050" b="0">
+                <a:solidFill>
+                  <a:schemeClr val="tx1"/>
+                </a:solidFill>
+                <a:latin typeface="DIN" charset="0"/>
+                <a:ea typeface="DIN" charset="0"/>
+                <a:cs typeface="DIN" charset="0"/>
+              </a:rPr>
+              <a:t>Füge noch ein Effekt hinzu:</a:t>
+            </a:r>
+          </a:p>
+          <a:p>
+            <a:pPr marL="579467" lvl="2" indent="-173038">
+              <a:buFontTx/>
+              <a:buChar char="-"/>
+              <a:tabLst>
+                <a:tab pos="1081088" algn="l"/>
+                <a:tab pos="2152650" algn="l"/>
+                <a:tab pos="3233738" algn="l"/>
+                <a:tab pos="4303713" algn="l"/>
+                <a:tab pos="5386388" algn="l"/>
+              </a:tabLst>
+            </a:pPr>
+            <a:r>
+              <a:rPr lang="de-DE" sz="900" err="1">
+                <a:latin typeface="DIN" charset="0"/>
+                <a:ea typeface="DIN" charset="0"/>
+                <a:cs typeface="DIN" charset="0"/>
+              </a:rPr>
+              <a:t>with_fx</a:t>
+            </a:r>
+            <a:r>
+              <a:rPr lang="de-DE" sz="900">
+                <a:latin typeface="DIN" charset="0"/>
+                <a:ea typeface="DIN" charset="0"/>
+                <a:cs typeface="DIN" charset="0"/>
+              </a:rPr>
+              <a:t> :</a:t>
+            </a:r>
+            <a:r>
+              <a:rPr lang="de-DE" sz="900" err="1">
+                <a:latin typeface="DIN" charset="0"/>
+                <a:ea typeface="DIN" charset="0"/>
+                <a:cs typeface="DIN" charset="0"/>
+              </a:rPr>
+              <a:t>krush</a:t>
+            </a:r>
+            <a:r>
+              <a:rPr lang="de-DE" sz="900">
+                <a:latin typeface="DIN" charset="0"/>
+                <a:ea typeface="DIN" charset="0"/>
+                <a:cs typeface="DIN" charset="0"/>
+              </a:rPr>
+              <a:t> do</a:t>
+            </a:r>
+          </a:p>
+          <a:p>
+            <a:pPr marL="179388" lvl="1" indent="-173038">
+              <a:buFontTx/>
+              <a:buChar char="-"/>
+              <a:tabLst>
+                <a:tab pos="1081088" algn="l"/>
+                <a:tab pos="2152650" algn="l"/>
+                <a:tab pos="3233738" algn="l"/>
+                <a:tab pos="4303713" algn="l"/>
+                <a:tab pos="5386388" algn="l"/>
+              </a:tabLst>
+            </a:pPr>
+            <a:r>
+              <a:rPr lang="de-DE" sz="1050">
+                <a:latin typeface="DIN" charset="0"/>
+                <a:ea typeface="DIN" charset="0"/>
+                <a:cs typeface="DIN" charset="0"/>
+              </a:rPr>
+              <a:t>Probiere andere Effekte aus (siehe </a:t>
+            </a:r>
+            <a:r>
+              <a:rPr lang="de-DE" sz="1050" err="1">
+                <a:latin typeface="DIN" charset="0"/>
+                <a:ea typeface="DIN" charset="0"/>
+                <a:cs typeface="DIN" charset="0"/>
+              </a:rPr>
+              <a:t>Fx</a:t>
+            </a:r>
+            <a:r>
+              <a:rPr lang="de-DE" sz="1050">
+                <a:latin typeface="DIN" charset="0"/>
+                <a:ea typeface="DIN" charset="0"/>
+                <a:cs typeface="DIN" charset="0"/>
+              </a:rPr>
+              <a:t> im Spickzettel)</a:t>
+            </a:r>
+          </a:p>
+        </p:txBody>
+      </p:sp>
+      <p:sp>
+        <p:nvSpPr>
+          <p:cNvPr id="16" name="Text Placeholder 15"/>
+          <p:cNvSpPr>
+            <a:spLocks noGrp="1"/>
+          </p:cNvSpPr>
+          <p:nvPr>
+            <p:ph type="body" sz="quarter" idx="17"/>
+          </p:nvPr>
+        </p:nvSpPr>
+        <p:spPr>
+          <a:xfrm>
+            <a:off x="404664" y="289930"/>
+            <a:ext cx="6048672" cy="2677656"/>
+          </a:xfrm>
+        </p:spPr>
+        <p:txBody>
+          <a:bodyPr/>
+          <a:lstStyle/>
+          <a:p>
+            <a:pPr algn="l"/>
+            <a:r>
+              <a:rPr lang="de-DE" sz="2000" noProof="1"/>
+              <a:t>Effekte</a:t>
+            </a:r>
+          </a:p>
+          <a:p>
+            <a:pPr algn="l"/>
+            <a:endParaRPr lang="en-US" sz="2000"/>
+          </a:p>
+          <a:p>
+            <a:pPr algn="l"/>
+            <a:r>
+              <a:rPr lang="en-US" sz="2000"/>
+              <a:t>live_loop :</a:t>
+            </a:r>
+            <a:r>
+              <a:rPr lang="en-US" sz="2000" err="1"/>
+              <a:t>mitHall</a:t>
+            </a:r>
+            <a:r>
+              <a:rPr lang="en-US" sz="2000"/>
+              <a:t> do</a:t>
+            </a:r>
+          </a:p>
+          <a:p>
+            <a:pPr algn="l"/>
+            <a:r>
+              <a:rPr lang="en-US" sz="2000"/>
+              <a:t>  </a:t>
+            </a:r>
+            <a:r>
+              <a:rPr lang="en-US" sz="2000" err="1"/>
+              <a:t>with_fx</a:t>
+            </a:r>
+            <a:r>
+              <a:rPr lang="en-US" sz="2000"/>
+              <a:t> :reverb, room: 0.9 do</a:t>
+            </a:r>
+          </a:p>
+          <a:p>
+            <a:pPr algn="l"/>
+            <a:r>
+              <a:rPr lang="en-US" sz="2000"/>
+              <a:t>    </a:t>
+            </a:r>
+            <a:r>
+              <a:rPr lang="en-US" sz="2000" err="1"/>
+              <a:t>play_pattern</a:t>
+            </a:r>
+            <a:r>
+              <a:rPr lang="en-US" sz="2000"/>
+              <a:t> (scale :e4, :minor)</a:t>
+            </a:r>
+          </a:p>
+          <a:p>
+            <a:pPr algn="l"/>
+            <a:r>
+              <a:rPr lang="en-US" sz="2000"/>
+              <a:t>  end</a:t>
+            </a:r>
+          </a:p>
+          <a:p>
+            <a:pPr algn="l"/>
+            <a:r>
+              <a:rPr lang="en-US" sz="2000"/>
+              <a:t>end</a:t>
+            </a:r>
+            <a:endParaRPr lang="de-DE" sz="2000"/>
+          </a:p>
+        </p:txBody>
+      </p:sp>
+      <p:sp>
+        <p:nvSpPr>
+          <p:cNvPr id="10" name="Text Placeholder 9"/>
+          <p:cNvSpPr>
+            <a:spLocks noGrp="1"/>
+          </p:cNvSpPr>
+          <p:nvPr>
+            <p:ph type="body" sz="quarter" idx="20"/>
+          </p:nvPr>
+        </p:nvSpPr>
+        <p:spPr>
+          <a:xfrm>
+            <a:off x="0" y="7956376"/>
+            <a:ext cx="6858000" cy="261610"/>
+          </a:xfrm>
+        </p:spPr>
+        <p:txBody>
+          <a:bodyPr/>
+          <a:lstStyle/>
+          <a:p>
+            <a:endParaRPr lang="de-DE"/>
+          </a:p>
+        </p:txBody>
+      </p:sp>
+      <p:sp>
+        <p:nvSpPr>
+          <p:cNvPr id="9" name="Text Placeholder 8"/>
+          <p:cNvSpPr>
+            <a:spLocks noGrp="1"/>
+          </p:cNvSpPr>
+          <p:nvPr>
+            <p:ph type="body" sz="quarter" idx="19"/>
+          </p:nvPr>
+        </p:nvSpPr>
+        <p:spPr>
+          <a:xfrm>
+            <a:off x="404664" y="8316416"/>
+            <a:ext cx="6453336" cy="835613"/>
+          </a:xfrm>
+        </p:spPr>
+        <p:txBody>
+          <a:bodyPr/>
+          <a:lstStyle/>
+          <a:p>
+            <a:r>
+              <a:rPr lang="de-DE" sz="1050"/>
+              <a:t>Probiere </a:t>
+            </a:r>
+            <a:r>
+              <a:rPr lang="de-DE" sz="1050" err="1">
+                <a:solidFill>
+                  <a:schemeClr val="accent6"/>
+                </a:solidFill>
+              </a:rPr>
+              <a:t>sleep</a:t>
+            </a:r>
+            <a:r>
+              <a:rPr lang="de-DE" sz="1050">
+                <a:solidFill>
+                  <a:schemeClr val="accent6"/>
+                </a:solidFill>
+              </a:rPr>
+              <a:t> </a:t>
+            </a:r>
+            <a:r>
+              <a:rPr lang="de-DE" sz="1050" err="1">
+                <a:solidFill>
+                  <a:schemeClr val="accent6"/>
+                </a:solidFill>
+              </a:rPr>
+              <a:t>sample_duration</a:t>
+            </a:r>
+            <a:r>
+              <a:rPr lang="de-DE" sz="1050">
+                <a:solidFill>
+                  <a:schemeClr val="accent6"/>
+                </a:solidFill>
+              </a:rPr>
+              <a:t>(:</a:t>
+            </a:r>
+            <a:r>
+              <a:rPr lang="de-DE" sz="1050" err="1">
+                <a:solidFill>
+                  <a:schemeClr val="accent6"/>
+                </a:solidFill>
+              </a:rPr>
+              <a:t>loop_amen</a:t>
+            </a:r>
+            <a:r>
+              <a:rPr lang="de-DE" sz="1050">
+                <a:solidFill>
+                  <a:schemeClr val="accent6"/>
+                </a:solidFill>
+              </a:rPr>
+              <a:t>) </a:t>
+            </a:r>
+            <a:r>
+              <a:rPr lang="de-DE" sz="1050"/>
+              <a:t>aus! Was passiert und warum?</a:t>
+            </a:r>
+          </a:p>
+          <a:p>
+            <a:r>
+              <a:rPr lang="de-DE" sz="1050"/>
+              <a:t>Füge folgendes hinter dem Sample-Befehl ein:       </a:t>
+            </a:r>
+            <a:r>
+              <a:rPr lang="en-US" sz="1050">
+                <a:solidFill>
+                  <a:schemeClr val="accent6"/>
+                </a:solidFill>
+              </a:rPr>
+              <a:t>, rate: 2</a:t>
+            </a:r>
+            <a:r>
+              <a:rPr lang="en-US" sz="1050"/>
+              <a:t>      Was </a:t>
+            </a:r>
+            <a:r>
+              <a:rPr lang="en-US" sz="1050" err="1"/>
+              <a:t>macht</a:t>
+            </a:r>
+            <a:r>
+              <a:rPr lang="en-US" sz="1050"/>
+              <a:t> die Rate? Was </a:t>
+            </a:r>
+            <a:r>
+              <a:rPr lang="en-US" sz="1050" err="1"/>
+              <a:t>passiert</a:t>
+            </a:r>
+            <a:r>
+              <a:rPr lang="en-US" sz="1050"/>
+              <a:t> </a:t>
+            </a:r>
+            <a:r>
+              <a:rPr lang="en-US" sz="1050" err="1"/>
+              <a:t>mit</a:t>
+            </a:r>
+            <a:r>
+              <a:rPr lang="en-US" sz="1050"/>
+              <a:t> der Pause? </a:t>
+            </a:r>
+          </a:p>
+          <a:p>
+            <a:r>
+              <a:rPr lang="en-US" sz="1050" err="1"/>
+              <a:t>Wie</a:t>
+            </a:r>
+            <a:r>
+              <a:rPr lang="en-US" sz="1050"/>
+              <a:t> </a:t>
+            </a:r>
+            <a:r>
+              <a:rPr lang="en-US" sz="1050" err="1"/>
+              <a:t>müssen</a:t>
+            </a:r>
+            <a:r>
+              <a:rPr lang="en-US" sz="1050"/>
+              <a:t> </a:t>
+            </a:r>
+            <a:r>
+              <a:rPr lang="en-US" sz="1050" err="1"/>
+              <a:t>wir</a:t>
+            </a:r>
+            <a:r>
+              <a:rPr lang="en-US" sz="1050"/>
+              <a:t> die Pause </a:t>
+            </a:r>
+            <a:r>
+              <a:rPr lang="en-US" sz="1050" err="1"/>
+              <a:t>korrigieren</a:t>
+            </a:r>
+            <a:r>
+              <a:rPr lang="en-US" sz="1050"/>
+              <a:t>?</a:t>
+            </a:r>
+          </a:p>
+          <a:p>
+            <a:r>
+              <a:rPr lang="en-US" sz="1050" err="1"/>
+              <a:t>Zum</a:t>
+            </a:r>
+            <a:r>
+              <a:rPr lang="en-US" sz="1050"/>
+              <a:t> </a:t>
+            </a:r>
+            <a:r>
+              <a:rPr lang="en-US" sz="1050" err="1"/>
+              <a:t>Spaß</a:t>
+            </a:r>
+            <a:r>
+              <a:rPr lang="en-US" sz="1050"/>
+              <a:t>: </a:t>
+            </a:r>
+            <a:r>
+              <a:rPr lang="en-US" sz="1050" err="1"/>
+              <a:t>Versuche</a:t>
+            </a:r>
+            <a:r>
+              <a:rPr lang="en-US" sz="1050"/>
+              <a:t> mal </a:t>
+            </a:r>
+            <a:r>
+              <a:rPr lang="en-US" sz="1050" err="1"/>
+              <a:t>eine</a:t>
+            </a:r>
+            <a:r>
+              <a:rPr lang="en-US" sz="1050"/>
+              <a:t>           </a:t>
+            </a:r>
+            <a:r>
+              <a:rPr lang="en-US" sz="1050">
+                <a:solidFill>
+                  <a:schemeClr val="accent6"/>
+                </a:solidFill>
+              </a:rPr>
+              <a:t>rate:-1</a:t>
+            </a:r>
+            <a:endParaRPr lang="de-DE" sz="1050">
+              <a:solidFill>
+                <a:schemeClr val="accent6"/>
+              </a:solidFill>
+            </a:endParaRPr>
+          </a:p>
+        </p:txBody>
+      </p:sp>
+      <p:sp>
+        <p:nvSpPr>
+          <p:cNvPr id="11" name="Text Placeholder 15"/>
+          <p:cNvSpPr>
+            <a:spLocks noGrp="1"/>
+          </p:cNvSpPr>
+          <p:nvPr>
+            <p:ph type="body" sz="quarter" idx="17"/>
+          </p:nvPr>
+        </p:nvSpPr>
+        <p:spPr>
+          <a:xfrm>
+            <a:off x="764704" y="5350211"/>
+            <a:ext cx="2736304" cy="1877437"/>
+          </a:xfrm>
+        </p:spPr>
+        <p:txBody>
+          <a:bodyPr>
+            <a:noAutofit/>
+          </a:bodyPr>
+          <a:lstStyle/>
+          <a:p>
+            <a:pPr marL="6350" indent="0" algn="l"/>
+            <a:r>
+              <a:rPr lang="en-US" sz="2000"/>
+              <a:t>live_loop :</a:t>
+            </a:r>
+            <a:r>
+              <a:rPr lang="en-US" sz="2000" err="1"/>
+              <a:t>endlos</a:t>
+            </a:r>
+            <a:r>
+              <a:rPr lang="en-US" sz="2000"/>
+              <a:t> do  </a:t>
+            </a:r>
+          </a:p>
+          <a:p>
+            <a:pPr marL="6350" indent="0" algn="l"/>
+            <a:r>
+              <a:rPr lang="en-US" sz="2000"/>
+              <a:t>   sample :</a:t>
+            </a:r>
+            <a:r>
+              <a:rPr lang="en-US" sz="2000" err="1"/>
+              <a:t>loop_amen</a:t>
+            </a:r>
+            <a:r>
+              <a:rPr lang="en-US" sz="2000"/>
+              <a:t>  </a:t>
+            </a:r>
+          </a:p>
+          <a:p>
+            <a:pPr marL="6350" indent="0" algn="l"/>
+            <a:r>
+              <a:rPr lang="en-US" sz="2000"/>
+              <a:t>   sleep 4</a:t>
+            </a:r>
+          </a:p>
+          <a:p>
+            <a:pPr marL="6350" indent="0" algn="l"/>
+            <a:r>
+              <a:rPr lang="en-US" sz="2000"/>
+              <a:t>end</a:t>
+            </a:r>
+            <a:endParaRPr lang="de-DE" sz="2000"/>
+          </a:p>
+        </p:txBody>
+      </p:sp>
+      <p:sp>
+        <p:nvSpPr>
+          <p:cNvPr id="2" name="TextBox 1"/>
+          <p:cNvSpPr txBox="1"/>
+          <p:nvPr/>
+        </p:nvSpPr>
+        <p:spPr>
+          <a:xfrm>
+            <a:off x="2545984" y="6383498"/>
+            <a:ext cx="3907352" cy="923330"/>
+          </a:xfrm>
+          <a:prstGeom prst="rect">
+            <a:avLst/>
+          </a:prstGeom>
+          <a:noFill/>
+        </p:spPr>
+        <p:txBody>
+          <a:bodyPr wrap="none" rtlCol="0">
+            <a:spAutoFit/>
+          </a:bodyPr>
+          <a:lstStyle/>
+          <a:p>
+            <a:r>
+              <a:rPr lang="de-DE"/>
+              <a:t>Das Schlagzeug soll durchgängig spielen</a:t>
+            </a:r>
+            <a:br>
+              <a:rPr lang="de-DE"/>
+            </a:br>
+            <a:r>
+              <a:rPr lang="de-DE"/>
+              <a:t>aber die Pause ist zu lang. Versuche die </a:t>
+            </a:r>
+          </a:p>
+          <a:p>
+            <a:r>
+              <a:rPr lang="de-DE"/>
+              <a:t>richtige Länge herauszufinden.</a:t>
+            </a:r>
+          </a:p>
+        </p:txBody>
+      </p:sp>
+      <p:sp>
+        <p:nvSpPr>
+          <p:cNvPr id="3" name="TextBox 2"/>
+          <p:cNvSpPr txBox="1"/>
+          <p:nvPr/>
+        </p:nvSpPr>
+        <p:spPr>
+          <a:xfrm>
+            <a:off x="1988840" y="4841359"/>
+            <a:ext cx="2448272" cy="369332"/>
+          </a:xfrm>
+          <a:prstGeom prst="rect">
+            <a:avLst/>
+          </a:prstGeom>
+          <a:noFill/>
+        </p:spPr>
+        <p:txBody>
+          <a:bodyPr wrap="square" rtlCol="0">
+            <a:spAutoFit/>
+          </a:bodyPr>
+          <a:lstStyle/>
+          <a:p>
+            <a:r>
+              <a:rPr lang="de-DE" noProof="1"/>
+              <a:t>Sample-Dauer</a:t>
+            </a:r>
+          </a:p>
+        </p:txBody>
+      </p:sp>
+    </p:spTree>
+    <p:extLst>
+      <p:ext uri="{BB962C8B-B14F-4D97-AF65-F5344CB8AC3E}">
+        <p14:creationId xmlns:p14="http://schemas.microsoft.com/office/powerpoint/2010/main" val="174545010"/>
+      </p:ext>
+    </p:extLst>
+  </p:cSld>
+  <p:clrMapOvr>
+    <a:masterClrMapping/>
+  </p:clrMapOvr>
+</p:sld>
+</file>
+
+<file path=ppt/slides/slide25.xml><?xml version="1.0" encoding="utf-8"?>
+<p:sld xmlns:a="http://schemas.openxmlformats.org/drawingml/2006/main" xmlns:r="http://schemas.openxmlformats.org/officeDocument/2006/relationships" xmlns:p="http://schemas.openxmlformats.org/presentationml/2006/main">
+  <p:cSld>
+    <p:spTree>
+      <p:nvGrpSpPr>
+        <p:cNvPr id="1" name=""/>
+        <p:cNvGrpSpPr/>
+        <p:nvPr/>
+      </p:nvGrpSpPr>
+      <p:grpSpPr>
+        <a:xfrm>
+          <a:off x="0" y="0"/>
+          <a:ext cx="0" cy="0"/>
+          <a:chOff x="0" y="0"/>
+          <a:chExt cx="0" cy="0"/>
+        </a:xfrm>
+      </p:grpSpPr>
+      <p:sp>
+        <p:nvSpPr>
           <p:cNvPr id="8" name="Rectangle 7"/>
           <p:cNvSpPr/>
           <p:nvPr/>
@@ -10842,7 +13409,7 @@
 </p:sld>
 </file>
 
-<file path=ppt/slides/slide22.xml><?xml version="1.0" encoding="utf-8"?>
+<file path=ppt/slides/slide26.xml><?xml version="1.0" encoding="utf-8"?>
 <p:sld xmlns:a="http://schemas.openxmlformats.org/drawingml/2006/main" xmlns:r="http://schemas.openxmlformats.org/officeDocument/2006/relationships" xmlns:p="http://schemas.openxmlformats.org/presentationml/2006/main">
   <p:cSld>
     <p:spTree>
@@ -11819,7 +14386,7 @@
 </p:sld>
 </file>
 
-<file path=ppt/slides/slide23.xml><?xml version="1.0" encoding="utf-8"?>
+<file path=ppt/slides/slide27.xml><?xml version="1.0" encoding="utf-8"?>
 <p:sld xmlns:a="http://schemas.openxmlformats.org/drawingml/2006/main" xmlns:r="http://schemas.openxmlformats.org/officeDocument/2006/relationships" xmlns:p="http://schemas.openxmlformats.org/presentationml/2006/main">
   <p:cSld>
     <p:spTree>
@@ -16010,31 +18577,39 @@
           <a:lstStyle/>
           <a:p>
             <a:r>
-              <a:rPr lang="de-DE" sz="2400"/>
+              <a:rPr lang="de-DE" sz="2400" dirty="0"/>
               <a:t>live_loop :</a:t>
             </a:r>
             <a:r>
-              <a:rPr lang="de-DE" sz="2400" err="1"/>
+              <a:rPr lang="de-DE" sz="2400" dirty="0" err="1"/>
               <a:t>geblubber</a:t>
             </a:r>
             <a:r>
-              <a:rPr lang="de-DE" sz="2400"/>
+              <a:rPr lang="de-DE" sz="2400" dirty="0"/>
               <a:t> do</a:t>
             </a:r>
           </a:p>
           <a:p>
             <a:r>
-              <a:rPr lang="de-DE" sz="2400"/>
-              <a:t>   use_bpm 240</a:t>
-            </a:r>
-          </a:p>
-          <a:p>
-            <a:r>
-              <a:rPr lang="de-DE" sz="2400"/>
+              <a:rPr lang="de-DE" sz="2400" dirty="0"/>
               <a:t>   </a:t>
             </a:r>
             <a:r>
-              <a:rPr lang="de-DE" sz="2400" b="1" err="1">
+              <a:rPr lang="de-DE" sz="2400" dirty="0" err="1"/>
+              <a:t>use_bpm</a:t>
+            </a:r>
+            <a:r>
+              <a:rPr lang="de-DE" sz="2400" dirty="0"/>
+              <a:t> 240</a:t>
+            </a:r>
+          </a:p>
+          <a:p>
+            <a:r>
+              <a:rPr lang="de-DE" sz="2400" dirty="0"/>
+              <a:t>   </a:t>
+            </a:r>
+            <a:r>
+              <a:rPr lang="de-DE" sz="2400" b="1" dirty="0" err="1">
                 <a:solidFill>
                   <a:srgbClr val="FF0000"/>
                 </a:solidFill>
@@ -16042,15 +18617,15 @@
               <a:t>play</a:t>
             </a:r>
             <a:r>
-              <a:rPr lang="de-DE" sz="2400" err="1"/>
+              <a:rPr lang="de-DE" sz="2400" dirty="0" err="1"/>
               <a:t>_pattern</a:t>
             </a:r>
             <a:r>
-              <a:rPr lang="de-DE" sz="2400"/>
+              <a:rPr lang="de-DE" sz="2400" dirty="0"/>
               <a:t> </a:t>
             </a:r>
             <a:r>
-              <a:rPr lang="de-DE" sz="2400" b="1">
+              <a:rPr lang="de-DE" sz="2400" b="1" dirty="0">
                 <a:solidFill>
                   <a:srgbClr val="FF0000"/>
                 </a:solidFill>
@@ -16058,7 +18633,7 @@
               <a:t>(</a:t>
             </a:r>
             <a:r>
-              <a:rPr lang="de-DE" sz="2400" b="1" err="1">
+              <a:rPr lang="de-DE" sz="2400" b="1" dirty="0" err="1">
                 <a:solidFill>
                   <a:srgbClr val="FF0000"/>
                 </a:solidFill>
@@ -16066,7 +18641,7 @@
               <a:t>scale</a:t>
             </a:r>
             <a:r>
-              <a:rPr lang="de-DE" sz="2400" b="1">
+              <a:rPr lang="de-DE" sz="2400" b="1" dirty="0">
                 <a:solidFill>
                   <a:srgbClr val="FF0000"/>
                 </a:solidFill>
@@ -16074,14 +18649,14 @@
               <a:t> :e4, :minor).</a:t>
             </a:r>
             <a:r>
-              <a:rPr lang="de-DE" sz="2400" b="1" err="1">
+              <a:rPr lang="de-DE" sz="2400" b="1" dirty="0" err="1">
                 <a:solidFill>
                   <a:srgbClr val="FF0000"/>
                 </a:solidFill>
               </a:rPr>
               <a:t>choose</a:t>
             </a:r>
-            <a:endParaRPr lang="de-DE" sz="2400" b="1">
+            <a:endParaRPr lang="de-DE" sz="2400" b="1" dirty="0">
               <a:solidFill>
                 <a:srgbClr val="FF0000"/>
               </a:solidFill>
@@ -16089,26 +18664,26 @@
           </a:p>
           <a:p>
             <a:r>
-              <a:rPr lang="de-DE" sz="2400"/>
+              <a:rPr lang="de-DE" sz="2400" dirty="0"/>
               <a:t>   </a:t>
             </a:r>
             <a:r>
-              <a:rPr lang="de-DE" sz="2400" err="1"/>
+              <a:rPr lang="de-DE" sz="2400" dirty="0" err="1"/>
               <a:t>sleep</a:t>
             </a:r>
             <a:r>
-              <a:rPr lang="de-DE" sz="2400"/>
+              <a:rPr lang="de-DE" sz="2400" dirty="0"/>
               <a:t> 1</a:t>
             </a:r>
           </a:p>
           <a:p>
             <a:r>
-              <a:rPr lang="de-DE" sz="2400"/>
+              <a:rPr lang="de-DE" sz="2400" dirty="0"/>
               <a:t>end</a:t>
             </a:r>
           </a:p>
           <a:p>
-            <a:endParaRPr lang="de-DE"/>
+            <a:endParaRPr lang="de-DE" dirty="0"/>
           </a:p>
         </p:txBody>
       </p:sp>

--- a/presentation/de/Sonic PI Workshop_de.pptx
+++ b/presentation/de/Sonic PI Workshop_de.pptx
@@ -24,17 +24,17 @@
     <p:sldId id="283" r:id="rId12"/>
     <p:sldId id="284" r:id="rId13"/>
     <p:sldId id="285" r:id="rId14"/>
-    <p:sldId id="265" r:id="rId15"/>
-    <p:sldId id="279" r:id="rId16"/>
-    <p:sldId id="280" r:id="rId17"/>
-    <p:sldId id="281" r:id="rId18"/>
-    <p:sldId id="278" r:id="rId19"/>
-    <p:sldId id="261" r:id="rId20"/>
-    <p:sldId id="266" r:id="rId21"/>
-    <p:sldId id="267" r:id="rId22"/>
-    <p:sldId id="273" r:id="rId23"/>
-    <p:sldId id="277" r:id="rId24"/>
-    <p:sldId id="276" r:id="rId25"/>
+    <p:sldId id="278" r:id="rId15"/>
+    <p:sldId id="261" r:id="rId16"/>
+    <p:sldId id="266" r:id="rId17"/>
+    <p:sldId id="267" r:id="rId18"/>
+    <p:sldId id="273" r:id="rId19"/>
+    <p:sldId id="277" r:id="rId20"/>
+    <p:sldId id="276" r:id="rId21"/>
+    <p:sldId id="265" r:id="rId22"/>
+    <p:sldId id="279" r:id="rId23"/>
+    <p:sldId id="280" r:id="rId24"/>
+    <p:sldId id="281" r:id="rId25"/>
     <p:sldId id="270" r:id="rId26"/>
     <p:sldId id="272" r:id="rId27"/>
     <p:sldId id="271" r:id="rId28"/>
@@ -241,7 +241,7 @@
             <a:fld id="{7FD773D1-FC60-4896-8BCC-9B28FBDAB5FD}" type="datetimeFigureOut">
               <a:rPr lang="de-DE" smtClean="0"/>
               <a:pPr/>
-              <a:t>28.08.18</a:t>
+              <a:t>05.09.18</a:t>
             </a:fld>
             <a:endParaRPr lang="de-DE"/>
           </a:p>
@@ -408,7 +408,7 @@
             <a:fld id="{72145D81-8E55-40FC-9585-CFDCFEF92FEB}" type="datetimeFigureOut">
               <a:rPr lang="de-DE" smtClean="0"/>
               <a:pPr/>
-              <a:t>28.08.18</a:t>
+              <a:t>05.09.18</a:t>
             </a:fld>
             <a:endParaRPr lang="de-DE"/>
           </a:p>
@@ -1177,7 +1177,7 @@
     </p:spTree>
     <p:extLst>
       <p:ext uri="{BB962C8B-B14F-4D97-AF65-F5344CB8AC3E}">
-        <p14:creationId xmlns:p14="http://schemas.microsoft.com/office/powerpoint/2010/main" val="1269152783"/>
+        <p14:creationId xmlns:p14="http://schemas.microsoft.com/office/powerpoint/2010/main" val="211071717"/>
       </p:ext>
     </p:extLst>
   </p:cSld>
@@ -1262,7 +1262,7 @@
     </p:spTree>
     <p:extLst>
       <p:ext uri="{BB962C8B-B14F-4D97-AF65-F5344CB8AC3E}">
-        <p14:creationId xmlns:p14="http://schemas.microsoft.com/office/powerpoint/2010/main" val="917980178"/>
+        <p14:creationId xmlns:p14="http://schemas.microsoft.com/office/powerpoint/2010/main" val="4068946874"/>
       </p:ext>
     </p:extLst>
   </p:cSld>
@@ -1347,7 +1347,7 @@
     </p:spTree>
     <p:extLst>
       <p:ext uri="{BB962C8B-B14F-4D97-AF65-F5344CB8AC3E}">
-        <p14:creationId xmlns:p14="http://schemas.microsoft.com/office/powerpoint/2010/main" val="697851006"/>
+        <p14:creationId xmlns:p14="http://schemas.microsoft.com/office/powerpoint/2010/main" val="2841130257"/>
       </p:ext>
     </p:extLst>
   </p:cSld>
@@ -1432,7 +1432,7 @@
     </p:spTree>
     <p:extLst>
       <p:ext uri="{BB962C8B-B14F-4D97-AF65-F5344CB8AC3E}">
-        <p14:creationId xmlns:p14="http://schemas.microsoft.com/office/powerpoint/2010/main" val="513493299"/>
+        <p14:creationId xmlns:p14="http://schemas.microsoft.com/office/powerpoint/2010/main" val="1164118675"/>
       </p:ext>
     </p:extLst>
   </p:cSld>
@@ -1517,7 +1517,7 @@
     </p:spTree>
     <p:extLst>
       <p:ext uri="{BB962C8B-B14F-4D97-AF65-F5344CB8AC3E}">
-        <p14:creationId xmlns:p14="http://schemas.microsoft.com/office/powerpoint/2010/main" val="211071717"/>
+        <p14:creationId xmlns:p14="http://schemas.microsoft.com/office/powerpoint/2010/main" val="1051459903"/>
       </p:ext>
     </p:extLst>
   </p:cSld>
@@ -1602,7 +1602,7 @@
     </p:spTree>
     <p:extLst>
       <p:ext uri="{BB962C8B-B14F-4D97-AF65-F5344CB8AC3E}">
-        <p14:creationId xmlns:p14="http://schemas.microsoft.com/office/powerpoint/2010/main" val="4068946874"/>
+        <p14:creationId xmlns:p14="http://schemas.microsoft.com/office/powerpoint/2010/main" val="518506374"/>
       </p:ext>
     </p:extLst>
   </p:cSld>
@@ -1772,7 +1772,7 @@
     </p:spTree>
     <p:extLst>
       <p:ext uri="{BB962C8B-B14F-4D97-AF65-F5344CB8AC3E}">
-        <p14:creationId xmlns:p14="http://schemas.microsoft.com/office/powerpoint/2010/main" val="2841130257"/>
+        <p14:creationId xmlns:p14="http://schemas.microsoft.com/office/powerpoint/2010/main" val="2903287065"/>
       </p:ext>
     </p:extLst>
   </p:cSld>
@@ -1857,7 +1857,7 @@
     </p:spTree>
     <p:extLst>
       <p:ext uri="{BB962C8B-B14F-4D97-AF65-F5344CB8AC3E}">
-        <p14:creationId xmlns:p14="http://schemas.microsoft.com/office/powerpoint/2010/main" val="1164118675"/>
+        <p14:creationId xmlns:p14="http://schemas.microsoft.com/office/powerpoint/2010/main" val="1328807777"/>
       </p:ext>
     </p:extLst>
   </p:cSld>
@@ -1942,7 +1942,7 @@
     </p:spTree>
     <p:extLst>
       <p:ext uri="{BB962C8B-B14F-4D97-AF65-F5344CB8AC3E}">
-        <p14:creationId xmlns:p14="http://schemas.microsoft.com/office/powerpoint/2010/main" val="1051459903"/>
+        <p14:creationId xmlns:p14="http://schemas.microsoft.com/office/powerpoint/2010/main" val="1663646909"/>
       </p:ext>
     </p:extLst>
   </p:cSld>
@@ -2027,7 +2027,7 @@
     </p:spTree>
     <p:extLst>
       <p:ext uri="{BB962C8B-B14F-4D97-AF65-F5344CB8AC3E}">
-        <p14:creationId xmlns:p14="http://schemas.microsoft.com/office/powerpoint/2010/main" val="518506374"/>
+        <p14:creationId xmlns:p14="http://schemas.microsoft.com/office/powerpoint/2010/main" val="3356931557"/>
       </p:ext>
     </p:extLst>
   </p:cSld>
@@ -2112,7 +2112,7 @@
     </p:spTree>
     <p:extLst>
       <p:ext uri="{BB962C8B-B14F-4D97-AF65-F5344CB8AC3E}">
-        <p14:creationId xmlns:p14="http://schemas.microsoft.com/office/powerpoint/2010/main" val="2903287065"/>
+        <p14:creationId xmlns:p14="http://schemas.microsoft.com/office/powerpoint/2010/main" val="1892372781"/>
       </p:ext>
     </p:extLst>
   </p:cSld>
@@ -4718,7 +4718,7 @@
             <a:fld id="{421FAFA7-FD27-4797-86F0-797A053F7FF1}" type="datetimeFigureOut">
               <a:rPr lang="de-DE" smtClean="0"/>
               <a:pPr/>
-              <a:t>28.08.18</a:t>
+              <a:t>05.09.18</a:t>
             </a:fld>
             <a:endParaRPr lang="de-DE"/>
           </a:p>
@@ -6148,7 +6148,7 @@
             </a:r>
             <a:r>
               <a:rPr lang="de-DE" dirty="0"/>
-              <a:t> nach der dritten Zeile?</a:t>
+              <a:t> nach der vierten Zeile?</a:t>
             </a:r>
           </a:p>
           <a:p>
@@ -6553,7 +6553,7 @@
           <a:p>
             <a:r>
               <a:rPr lang="de-DE" dirty="0"/>
-              <a:t>Was ist nach einer Weile das Problem? (Tipp: bei ca. 110)</a:t>
+              <a:t>Was ist nach einer Weile das Problem? (Tipp: bei ca. 125)</a:t>
             </a:r>
           </a:p>
         </p:txBody>
@@ -7475,56 +7475,92 @@
           </a:p>
           <a:p>
             <a:r>
-              <a:rPr lang="de-DE" dirty="0"/>
-              <a:t>   </a:t>
-            </a:r>
-            <a:r>
-              <a:rPr lang="de-DE" dirty="0" err="1"/>
+              <a:rPr lang="de-DE" dirty="0">
+                <a:solidFill>
+                  <a:srgbClr val="FF0000"/>
+                </a:solidFill>
+              </a:rPr>
+              <a:t>  </a:t>
+            </a:r>
+            <a:r>
+              <a:rPr lang="de-DE" dirty="0" err="1">
+                <a:solidFill>
+                  <a:srgbClr val="FF0000"/>
+                </a:solidFill>
+              </a:rPr>
               <a:t>if</a:t>
             </a:r>
             <a:r>
-              <a:rPr lang="de-DE" dirty="0"/>
+              <a:rPr lang="de-DE" dirty="0">
+                <a:solidFill>
+                  <a:srgbClr val="FF0000"/>
+                </a:solidFill>
+              </a:rPr>
               <a:t> (</a:t>
             </a:r>
             <a:r>
               <a:rPr lang="de-DE" dirty="0" err="1">
                 <a:solidFill>
-                  <a:schemeClr val="accent1"/>
+                  <a:srgbClr val="FF0000"/>
                 </a:solidFill>
               </a:rPr>
               <a:t>meinton</a:t>
             </a:r>
             <a:r>
-              <a:rPr lang="de-DE" dirty="0"/>
+              <a:rPr lang="de-DE" dirty="0">
+                <a:solidFill>
+                  <a:srgbClr val="FF0000"/>
+                </a:solidFill>
+              </a:rPr>
               <a:t>==100) </a:t>
             </a:r>
             <a:r>
-              <a:rPr lang="de-DE" dirty="0" err="1"/>
+              <a:rPr lang="de-DE" dirty="0" err="1">
+                <a:solidFill>
+                  <a:srgbClr val="FF0000"/>
+                </a:solidFill>
+              </a:rPr>
               <a:t>then</a:t>
             </a:r>
-            <a:endParaRPr lang="de-DE" dirty="0"/>
-          </a:p>
-          <a:p>
-            <a:r>
-              <a:rPr lang="de-DE" dirty="0"/>
+            <a:endParaRPr lang="de-DE" dirty="0">
+              <a:solidFill>
+                <a:srgbClr val="FF0000"/>
+              </a:solidFill>
+            </a:endParaRPr>
+          </a:p>
+          <a:p>
+            <a:r>
+              <a:rPr lang="de-DE" dirty="0">
+                <a:solidFill>
+                  <a:srgbClr val="FF0000"/>
+                </a:solidFill>
+              </a:rPr>
               <a:t>    </a:t>
             </a:r>
             <a:r>
               <a:rPr lang="de-DE" dirty="0" err="1">
                 <a:solidFill>
-                  <a:schemeClr val="accent1"/>
+                  <a:srgbClr val="FF0000"/>
                 </a:solidFill>
               </a:rPr>
               <a:t>meinton</a:t>
             </a:r>
             <a:r>
-              <a:rPr lang="de-DE" dirty="0"/>
+              <a:rPr lang="de-DE" dirty="0">
+                <a:solidFill>
+                  <a:srgbClr val="FF0000"/>
+                </a:solidFill>
+              </a:rPr>
               <a:t> = 50</a:t>
             </a:r>
           </a:p>
           <a:p>
             <a:r>
-              <a:rPr lang="de-DE" dirty="0"/>
+              <a:rPr lang="de-DE" dirty="0">
+                <a:solidFill>
+                  <a:srgbClr val="FF0000"/>
+                </a:solidFill>
+              </a:rPr>
               <a:t>  end</a:t>
             </a:r>
           </a:p>
@@ -7629,12 +7665,28 @@
           </a:p>
           <a:p>
             <a:r>
+              <a:rPr lang="de-DE" sz="1200" dirty="0" err="1">
+                <a:solidFill>
+                  <a:schemeClr val="accent1"/>
+                </a:solidFill>
+              </a:rPr>
+              <a:t>zaehleHoch</a:t>
+            </a:r>
+            <a:r>
               <a:rPr lang="de-DE" sz="1200" dirty="0">
                 <a:solidFill>
                   <a:schemeClr val="accent1"/>
                 </a:solidFill>
               </a:rPr>
-              <a:t>hoch = 1</a:t>
+              <a:t> = 1     # Zähle hoch = 1, </a:t>
+            </a:r>
+            <a:r>
+              <a:rPr lang="de-DE" sz="1200" dirty="0" err="1">
+                <a:solidFill>
+                  <a:schemeClr val="accent1"/>
+                </a:solidFill>
+              </a:rPr>
+              <a:t>Zö</a:t>
             </a:r>
             <a:br>
               <a:rPr lang="de-DE" sz="1200" dirty="0">
@@ -7677,12 +7729,20 @@
               <a:t> (</a:t>
             </a:r>
             <a:r>
+              <a:rPr lang="de-DE" sz="1200" dirty="0" err="1">
+                <a:solidFill>
+                  <a:schemeClr val="accent1"/>
+                </a:solidFill>
+              </a:rPr>
+              <a:t>zaehleHoch</a:t>
+            </a:r>
+            <a:r>
               <a:rPr lang="de-DE" sz="1200" dirty="0">
                 <a:solidFill>
                   <a:schemeClr val="accent1"/>
                 </a:solidFill>
               </a:rPr>
-              <a:t>hoch == 1</a:t>
+              <a:t> == 1</a:t>
             </a:r>
             <a:r>
               <a:rPr lang="de-DE" sz="1200" dirty="0"/>
@@ -7736,12 +7796,20 @@
               <a:t> (</a:t>
             </a:r>
             <a:r>
+              <a:rPr lang="de-DE" sz="1200" dirty="0" err="1">
+                <a:solidFill>
+                  <a:schemeClr val="accent1"/>
+                </a:solidFill>
+              </a:rPr>
+              <a:t>zaehleHoch</a:t>
+            </a:r>
+            <a:r>
               <a:rPr lang="de-DE" sz="1200" dirty="0">
                 <a:solidFill>
                   <a:schemeClr val="accent1"/>
                 </a:solidFill>
               </a:rPr>
-              <a:t>hoch == 0</a:t>
+              <a:t> == 0</a:t>
             </a:r>
             <a:r>
               <a:rPr lang="de-DE" sz="1200" dirty="0"/>
@@ -7884,7 +7952,23 @@
                   <a:schemeClr val="accent1"/>
                 </a:solidFill>
               </a:rPr>
-              <a:t>    hoch = 0</a:t>
+              <a:t>       </a:t>
+            </a:r>
+            <a:r>
+              <a:rPr lang="de-DE" sz="1200" dirty="0" err="1">
+                <a:solidFill>
+                  <a:schemeClr val="accent1"/>
+                </a:solidFill>
+              </a:rPr>
+              <a:t>zaehleHoch</a:t>
+            </a:r>
+            <a:r>
+              <a:rPr lang="de-DE" sz="1200" dirty="0">
+                <a:solidFill>
+                  <a:schemeClr val="accent1"/>
+                </a:solidFill>
+              </a:rPr>
+              <a:t> = 0</a:t>
             </a:r>
           </a:p>
           <a:p>
@@ -7959,7 +8043,23 @@
                   <a:schemeClr val="accent1"/>
                 </a:solidFill>
               </a:rPr>
-              <a:t>    hoch = 1</a:t>
+              <a:t>      </a:t>
+            </a:r>
+            <a:r>
+              <a:rPr lang="de-DE" sz="1200" dirty="0" err="1">
+                <a:solidFill>
+                  <a:schemeClr val="accent1"/>
+                </a:solidFill>
+              </a:rPr>
+              <a:t>zaehleHoch</a:t>
+            </a:r>
+            <a:r>
+              <a:rPr lang="de-DE" sz="1200" dirty="0">
+                <a:solidFill>
+                  <a:schemeClr val="accent1"/>
+                </a:solidFill>
+              </a:rPr>
+              <a:t> = 1</a:t>
             </a:r>
           </a:p>
           <a:p>
@@ -8090,15 +8190,7 @@
           <a:p>
             <a:r>
               <a:rPr lang="de-DE"/>
-              <a:t>BUFFER </a:t>
-            </a:r>
-            <a:r>
-              <a:rPr lang="de-DE">
-                <a:solidFill>
-                  <a:srgbClr val="FF0000"/>
-                </a:solidFill>
-              </a:rPr>
-              <a:t>9</a:t>
+              <a:t>BUFFER 4</a:t>
             </a:r>
           </a:p>
         </p:txBody>
@@ -8124,13 +8216,7 @@
       </p:sp>
       <p:sp>
         <p:nvSpPr>
-          <p:cNvPr id="9" name="Text Placeholder 12">
-            <a:extLst>
-              <a:ext uri="{FF2B5EF4-FFF2-40B4-BE49-F238E27FC236}">
-                <a16:creationId xmlns:a16="http://schemas.microsoft.com/office/drawing/2014/main" id="{CE19661D-B4D1-3741-8A25-F4E26875D852}"/>
-              </a:ext>
-            </a:extLst>
-          </p:cNvPr>
+          <p:cNvPr id="7" name="Textplatzhalter 6"/>
           <p:cNvSpPr>
             <a:spLocks noGrp="1"/>
           </p:cNvSpPr>
@@ -8138,62 +8224,19 @@
             <p:ph type="body" sz="quarter" idx="21"/>
           </p:nvPr>
         </p:nvSpPr>
-        <p:spPr>
-          <a:xfrm>
-            <a:off x="410384" y="5031340"/>
-            <a:ext cx="6048672" cy="769441"/>
-          </a:xfrm>
-        </p:spPr>
+        <p:spPr/>
         <p:txBody>
           <a:bodyPr/>
           <a:lstStyle/>
           <a:p>
-            <a:r>
-              <a:rPr lang="de-DE"/>
-              <a:t>Schleifen</a:t>
-            </a:r>
-          </a:p>
-        </p:txBody>
-      </p:sp>
-      <p:sp>
-        <p:nvSpPr>
-          <p:cNvPr id="10" name="TextBox 9">
-            <a:extLst>
-              <a:ext uri="{FF2B5EF4-FFF2-40B4-BE49-F238E27FC236}">
-                <a16:creationId xmlns:a16="http://schemas.microsoft.com/office/drawing/2014/main" id="{45F74D6D-8447-F149-83F0-0585C4D79417}"/>
-              </a:ext>
-            </a:extLst>
-          </p:cNvPr>
-          <p:cNvSpPr txBox="1"/>
-          <p:nvPr/>
-        </p:nvSpPr>
-        <p:spPr>
-          <a:xfrm>
-            <a:off x="2095109" y="6230895"/>
-            <a:ext cx="2667782" cy="369332"/>
-          </a:xfrm>
-          <a:prstGeom prst="rect">
-            <a:avLst/>
-          </a:prstGeom>
-          <a:noFill/>
-        </p:spPr>
-        <p:txBody>
-          <a:bodyPr wrap="none" rtlCol="0">
-            <a:spAutoFit/>
-          </a:bodyPr>
-          <a:lstStyle/>
-          <a:p>
-            <a:r>
-              <a:rPr lang="de-DE"/>
-              <a:t>Alien-Geräusche für Spiele</a:t>
-            </a:r>
+            <a:endParaRPr lang="de-DE"/>
           </a:p>
         </p:txBody>
       </p:sp>
     </p:spTree>
     <p:extLst>
       <p:ext uri="{BB962C8B-B14F-4D97-AF65-F5344CB8AC3E}">
-        <p14:creationId xmlns:p14="http://schemas.microsoft.com/office/powerpoint/2010/main" val="3690587624"/>
+        <p14:creationId xmlns:p14="http://schemas.microsoft.com/office/powerpoint/2010/main" val="2797989313"/>
       </p:ext>
     </p:extLst>
   </p:cSld>
@@ -8230,10 +8273,32 @@
             <p:ph type="body" sz="quarter" idx="15"/>
           </p:nvPr>
         </p:nvSpPr>
+        <p:spPr/>
+        <p:txBody>
+          <a:bodyPr/>
+          <a:lstStyle/>
+          <a:p>
+            <a:r>
+              <a:rPr lang="de-DE"/>
+              <a:t>Wir nennen das eine (Endlos-)Schleife</a:t>
+            </a:r>
+          </a:p>
+        </p:txBody>
+      </p:sp>
+      <p:sp>
+        <p:nvSpPr>
+          <p:cNvPr id="15" name="Text Placeholder 14"/>
+          <p:cNvSpPr>
+            <a:spLocks noGrp="1"/>
+          </p:cNvSpPr>
+          <p:nvPr>
+            <p:ph type="body" sz="quarter" idx="18"/>
+          </p:nvPr>
+        </p:nvSpPr>
         <p:spPr>
           <a:xfrm>
-            <a:off x="-6464" y="2675915"/>
-            <a:ext cx="6858000" cy="400110"/>
+            <a:off x="404664" y="3275856"/>
+            <a:ext cx="6453336" cy="1034129"/>
           </a:xfrm>
         </p:spPr>
         <p:txBody>
@@ -8241,34 +8306,98 @@
           <a:lstStyle/>
           <a:p>
             <a:r>
-              <a:rPr lang="de-DE" sz="2000"/>
-              <a:t>Wir nennen das eine </a:t>
-            </a:r>
-            <a:r>
-              <a:rPr lang="de-DE" sz="2000">
-                <a:solidFill>
-                  <a:srgbClr val="FF0000"/>
-                </a:solidFill>
-              </a:rPr>
-              <a:t>Zähl-Schleife</a:t>
-            </a:r>
-          </a:p>
-        </p:txBody>
-      </p:sp>
-      <p:sp>
-        <p:nvSpPr>
-          <p:cNvPr id="15" name="Text Placeholder 14"/>
-          <p:cNvSpPr>
-            <a:spLocks noGrp="1"/>
-          </p:cNvSpPr>
-          <p:nvPr>
-            <p:ph type="body" sz="quarter" idx="18"/>
+              <a:rPr lang="de-DE"/>
+              <a:t>Füge ein weiteres sample </a:t>
+            </a:r>
+            <a:r>
+              <a:rPr lang="de-DE" i="1" err="1"/>
+              <a:t>sn_zome</a:t>
+            </a:r>
+            <a:r>
+              <a:rPr lang="de-DE"/>
+              <a:t> mit </a:t>
+            </a:r>
+            <a:r>
+              <a:rPr lang="de-DE" i="1" err="1"/>
+              <a:t>sleep</a:t>
+            </a:r>
+            <a:r>
+              <a:rPr lang="de-DE" i="1"/>
+              <a:t> 1 </a:t>
+            </a:r>
+            <a:r>
+              <a:rPr lang="de-DE"/>
+              <a:t>hinzu</a:t>
+            </a:r>
+          </a:p>
+          <a:p>
+            <a:r>
+              <a:rPr lang="de-DE"/>
+              <a:t>Mach‘ das Schlagzeug schneller (120)</a:t>
+            </a:r>
+          </a:p>
+          <a:p>
+            <a:r>
+              <a:rPr lang="de-DE"/>
+              <a:t>:</a:t>
+            </a:r>
+            <a:r>
+              <a:rPr lang="de-DE" err="1"/>
+              <a:t>drum_bass_hard</a:t>
+            </a:r>
+            <a:r>
+              <a:rPr lang="de-DE"/>
+              <a:t>	:</a:t>
+            </a:r>
+            <a:r>
+              <a:rPr lang="de-DE" err="1"/>
+              <a:t>drum_snare_hard</a:t>
+            </a:r>
+            <a:r>
+              <a:rPr lang="de-DE"/>
+              <a:t>	:</a:t>
+            </a:r>
+            <a:r>
+              <a:rPr lang="de-DE" err="1"/>
+              <a:t>drum_tom_hi_hard</a:t>
+            </a:r>
+            <a:endParaRPr lang="de-DE"/>
+          </a:p>
+        </p:txBody>
+      </p:sp>
+      <p:sp>
+        <p:nvSpPr>
+          <p:cNvPr id="11" name="Text Placeholder 10"/>
+          <p:cNvSpPr>
+            <a:spLocks noGrp="1"/>
+          </p:cNvSpPr>
+          <p:nvPr>
+            <p:ph type="body" sz="quarter" idx="19"/>
+          </p:nvPr>
+        </p:nvSpPr>
+        <p:spPr/>
+        <p:txBody>
+          <a:bodyPr/>
+          <a:lstStyle/>
+          <a:p>
+            <a:endParaRPr lang="de-DE"/>
+          </a:p>
+        </p:txBody>
+      </p:sp>
+      <p:sp>
+        <p:nvSpPr>
+          <p:cNvPr id="16" name="Text Placeholder 15"/>
+          <p:cNvSpPr>
+            <a:spLocks noGrp="1"/>
+          </p:cNvSpPr>
+          <p:nvPr>
+            <p:ph type="body" sz="quarter" idx="17"/>
           </p:nvPr>
         </p:nvSpPr>
         <p:spPr>
           <a:xfrm>
-            <a:off x="375380" y="3179894"/>
-            <a:ext cx="6453336" cy="1311128"/>
+            <a:off x="404664" y="481918"/>
+            <a:ext cx="6048672" cy="2240668"/>
           </a:xfrm>
         </p:spPr>
         <p:txBody>
@@ -8277,150 +8406,77 @@
           <a:p>
             <a:r>
               <a:rPr lang="de-DE"/>
-              <a:t>Was passiert hier und warum? </a:t>
-            </a:r>
-            <a:br>
+              <a:t>live_loop :</a:t>
+            </a:r>
+            <a:r>
+              <a:rPr lang="de-DE" err="1"/>
+              <a:t>schlagzeug</a:t>
+            </a:r>
+            <a:r>
               <a:rPr lang="de-DE"/>
-            </a:br>
+              <a:t> do  	</a:t>
+            </a:r>
+          </a:p>
+          <a:p>
             <a:r>
               <a:rPr lang="de-DE"/>
-              <a:t>Was ist </a:t>
-            </a:r>
-            <a:r>
-              <a:rPr lang="de-DE" err="1">
-                <a:solidFill>
-                  <a:schemeClr val="accent3">
-                    <a:lumMod val="75000"/>
-                  </a:schemeClr>
-                </a:solidFill>
-              </a:rPr>
-              <a:t>meinton</a:t>
-            </a:r>
+              <a:t>	sample :</a:t>
+            </a:r>
+            <a:r>
+              <a:rPr lang="de-DE" err="1"/>
+              <a:t>bd_haus</a:t>
+            </a:r>
+            <a:endParaRPr lang="de-DE"/>
+          </a:p>
+          <a:p>
             <a:r>
               <a:rPr lang="de-DE"/>
-              <a:t>? Was passiert mit </a:t>
-            </a:r>
-            <a:r>
-              <a:rPr lang="de-DE" err="1">
-                <a:solidFill>
-                  <a:schemeClr val="accent3">
-                    <a:lumMod val="75000"/>
-                  </a:schemeClr>
-                </a:solidFill>
-              </a:rPr>
-              <a:t>meinton</a:t>
+              <a:t> 	</a:t>
+            </a:r>
+            <a:r>
+              <a:rPr lang="de-DE" err="1"/>
+              <a:t>sleep</a:t>
             </a:r>
             <a:r>
               <a:rPr lang="de-DE"/>
-              <a:t> in der </a:t>
-            </a:r>
-            <a:r>
-              <a:rPr lang="de-DE">
-                <a:solidFill>
-                  <a:schemeClr val="tx2">
-                    <a:lumMod val="60000"/>
-                    <a:lumOff val="40000"/>
-                  </a:schemeClr>
-                </a:solidFill>
-              </a:rPr>
-              <a:t>Schleife</a:t>
+              <a:t> 1</a:t>
             </a:r>
           </a:p>
           <a:p>
             <a:r>
               <a:rPr lang="de-DE"/>
-              <a:t>Was macht </a:t>
-            </a:r>
-            <a:r>
-              <a:rPr lang="de-DE" err="1">
-                <a:solidFill>
-                  <a:srgbClr val="FFC000"/>
-                </a:solidFill>
-              </a:rPr>
-              <a:t>play</a:t>
-            </a:r>
-            <a:r>
-              <a:rPr lang="de-DE"/>
-              <a:t> mit </a:t>
-            </a:r>
-            <a:r>
-              <a:rPr lang="de-DE" err="1">
-                <a:solidFill>
-                  <a:schemeClr val="accent3">
-                    <a:lumMod val="75000"/>
-                  </a:schemeClr>
-                </a:solidFill>
-              </a:rPr>
-              <a:t>meinton</a:t>
-            </a:r>
-            <a:r>
-              <a:rPr lang="de-DE"/>
-              <a:t>?</a:t>
-            </a:r>
-          </a:p>
-          <a:p>
-            <a:r>
-              <a:rPr lang="de-DE"/>
-              <a:t>Was passiert, wenn du </a:t>
-            </a:r>
-            <a:r>
-              <a:rPr lang="de-DE" err="1">
-                <a:solidFill>
-                  <a:schemeClr val="accent3">
-                    <a:lumMod val="75000"/>
-                  </a:schemeClr>
-                </a:solidFill>
-              </a:rPr>
-              <a:t>meinton</a:t>
-            </a:r>
-            <a:r>
-              <a:rPr lang="de-DE"/>
-              <a:t> in deinen Namen änderst?</a:t>
-            </a:r>
-          </a:p>
-        </p:txBody>
-      </p:sp>
-      <p:sp>
-        <p:nvSpPr>
-          <p:cNvPr id="11" name="Text Placeholder 10"/>
-          <p:cNvSpPr>
-            <a:spLocks noGrp="1"/>
-          </p:cNvSpPr>
-          <p:nvPr>
-            <p:ph type="body" sz="quarter" idx="19"/>
-          </p:nvPr>
-        </p:nvSpPr>
-        <p:spPr>
-          <a:xfrm>
-            <a:off x="404664" y="8316416"/>
-            <a:ext cx="6453336" cy="701731"/>
-          </a:xfrm>
-        </p:spPr>
+              <a:t>end</a:t>
+            </a:r>
+          </a:p>
+        </p:txBody>
+      </p:sp>
+      <p:sp>
+        <p:nvSpPr>
+          <p:cNvPr id="12" name="Text Placeholder 11"/>
+          <p:cNvSpPr>
+            <a:spLocks noGrp="1"/>
+          </p:cNvSpPr>
+          <p:nvPr>
+            <p:ph type="body" sz="quarter" idx="20"/>
+          </p:nvPr>
+        </p:nvSpPr>
+        <p:spPr/>
         <p:txBody>
           <a:bodyPr/>
           <a:lstStyle/>
           <a:p>
-            <a:r>
-              <a:rPr lang="de-DE"/>
-              <a:t>Eine Zählschleife in der Endlosschleife</a:t>
-            </a:r>
-          </a:p>
-          <a:p>
-            <a:r>
-              <a:rPr lang="de-DE"/>
-              <a:t>Was passiert nun?</a:t>
-            </a:r>
-          </a:p>
-        </p:txBody>
-      </p:sp>
-      <p:sp>
-        <p:nvSpPr>
-          <p:cNvPr id="12" name="Text Placeholder 11"/>
-          <p:cNvSpPr>
-            <a:spLocks noGrp="1"/>
-          </p:cNvSpPr>
-          <p:nvPr>
-            <p:ph type="body" sz="quarter" idx="20"/>
+            <a:endParaRPr lang="de-DE"/>
+          </a:p>
+        </p:txBody>
+      </p:sp>
+      <p:sp>
+        <p:nvSpPr>
+          <p:cNvPr id="13" name="Text Placeholder 12"/>
+          <p:cNvSpPr>
+            <a:spLocks noGrp="1"/>
+          </p:cNvSpPr>
+          <p:nvPr>
+            <p:ph type="body" sz="quarter" idx="21"/>
           </p:nvPr>
         </p:nvSpPr>
         <p:spPr/>
@@ -8429,676 +8485,13 @@
           <a:lstStyle/>
           <a:p>
             <a:endParaRPr lang="de-DE"/>
-          </a:p>
-        </p:txBody>
-      </p:sp>
-      <p:sp>
-        <p:nvSpPr>
-          <p:cNvPr id="4" name="TextBox 3">
-            <a:extLst>
-              <a:ext uri="{FF2B5EF4-FFF2-40B4-BE49-F238E27FC236}">
-                <a16:creationId xmlns:a16="http://schemas.microsoft.com/office/drawing/2014/main" id="{75567B60-E2DB-254B-9A27-35241ACB4382}"/>
-              </a:ext>
-            </a:extLst>
-          </p:cNvPr>
-          <p:cNvSpPr txBox="1"/>
-          <p:nvPr/>
-        </p:nvSpPr>
-        <p:spPr>
-          <a:xfrm>
-            <a:off x="1327076" y="836510"/>
-            <a:ext cx="4608512" cy="1815882"/>
-          </a:xfrm>
-          <a:prstGeom prst="rect">
-            <a:avLst/>
-          </a:prstGeom>
-          <a:noFill/>
-        </p:spPr>
-        <p:txBody>
-          <a:bodyPr wrap="square" rtlCol="0">
-            <a:spAutoFit/>
-          </a:bodyPr>
-          <a:lstStyle/>
-          <a:p>
-            <a:r>
-              <a:rPr lang="de-DE" sz="2800" err="1">
-                <a:solidFill>
-                  <a:schemeClr val="tx2">
-                    <a:lumMod val="60000"/>
-                    <a:lumOff val="40000"/>
-                  </a:schemeClr>
-                </a:solidFill>
-              </a:rPr>
-              <a:t>for</a:t>
-            </a:r>
-            <a:r>
-              <a:rPr lang="de-DE" sz="2800">
-                <a:solidFill>
-                  <a:srgbClr val="FFC000"/>
-                </a:solidFill>
-              </a:rPr>
-              <a:t> </a:t>
-            </a:r>
-            <a:r>
-              <a:rPr lang="de-DE" sz="2800" err="1">
-                <a:solidFill>
-                  <a:schemeClr val="accent3">
-                    <a:lumMod val="75000"/>
-                  </a:schemeClr>
-                </a:solidFill>
-              </a:rPr>
-              <a:t>meinton</a:t>
-            </a:r>
-            <a:r>
-              <a:rPr lang="de-DE" sz="2800">
-                <a:solidFill>
-                  <a:srgbClr val="FFC000"/>
-                </a:solidFill>
-              </a:rPr>
-              <a:t> in </a:t>
-            </a:r>
-            <a:r>
-              <a:rPr lang="de-DE" sz="2800">
-                <a:solidFill>
-                  <a:srgbClr val="FF0000"/>
-                </a:solidFill>
-              </a:rPr>
-              <a:t>50..65</a:t>
-            </a:r>
-          </a:p>
-          <a:p>
-            <a:r>
-              <a:rPr lang="de-DE" sz="2800">
-                <a:solidFill>
-                  <a:srgbClr val="FFC000"/>
-                </a:solidFill>
-              </a:rPr>
-              <a:t>    </a:t>
-            </a:r>
-            <a:r>
-              <a:rPr lang="de-DE" sz="2800" err="1">
-                <a:solidFill>
-                  <a:srgbClr val="FFC000"/>
-                </a:solidFill>
-              </a:rPr>
-              <a:t>play</a:t>
-            </a:r>
-            <a:r>
-              <a:rPr lang="de-DE" sz="2800">
-                <a:solidFill>
-                  <a:srgbClr val="FFC000"/>
-                </a:solidFill>
-              </a:rPr>
-              <a:t> </a:t>
-            </a:r>
-            <a:r>
-              <a:rPr lang="de-DE" sz="2800" err="1">
-                <a:solidFill>
-                  <a:schemeClr val="accent3">
-                    <a:lumMod val="75000"/>
-                  </a:schemeClr>
-                </a:solidFill>
-              </a:rPr>
-              <a:t>meinton</a:t>
-            </a:r>
-            <a:endParaRPr lang="de-DE" sz="2800">
-              <a:solidFill>
-                <a:schemeClr val="accent3">
-                  <a:lumMod val="75000"/>
-                </a:schemeClr>
-              </a:solidFill>
-            </a:endParaRPr>
-          </a:p>
-          <a:p>
-            <a:r>
-              <a:rPr lang="de-DE" sz="2800">
-                <a:solidFill>
-                  <a:srgbClr val="FFC000"/>
-                </a:solidFill>
-              </a:rPr>
-              <a:t>    </a:t>
-            </a:r>
-            <a:r>
-              <a:rPr lang="de-DE" sz="2800" err="1">
-                <a:solidFill>
-                  <a:srgbClr val="FFC000"/>
-                </a:solidFill>
-              </a:rPr>
-              <a:t>sleep</a:t>
-            </a:r>
-            <a:r>
-              <a:rPr lang="de-DE" sz="2800">
-                <a:solidFill>
-                  <a:srgbClr val="FFC000"/>
-                </a:solidFill>
-              </a:rPr>
-              <a:t> 1</a:t>
-            </a:r>
-          </a:p>
-          <a:p>
-            <a:r>
-              <a:rPr lang="de-DE" sz="2800">
-                <a:solidFill>
-                  <a:schemeClr val="tx2">
-                    <a:lumMod val="60000"/>
-                    <a:lumOff val="40000"/>
-                  </a:schemeClr>
-                </a:solidFill>
-              </a:rPr>
-              <a:t>end</a:t>
-            </a:r>
-          </a:p>
-        </p:txBody>
-      </p:sp>
-      <p:sp>
-        <p:nvSpPr>
-          <p:cNvPr id="18" name="Curved Left Arrow 17">
-            <a:extLst>
-              <a:ext uri="{FF2B5EF4-FFF2-40B4-BE49-F238E27FC236}">
-                <a16:creationId xmlns:a16="http://schemas.microsoft.com/office/drawing/2014/main" id="{96DE0000-2CEA-DA4A-B0D3-57772684A010}"/>
-              </a:ext>
-            </a:extLst>
-          </p:cNvPr>
-          <p:cNvSpPr/>
-          <p:nvPr/>
-        </p:nvSpPr>
-        <p:spPr>
-          <a:xfrm rot="10800000">
-            <a:off x="266941" y="975439"/>
-            <a:ext cx="648072" cy="1538023"/>
-          </a:xfrm>
-          <a:prstGeom prst="curvedLeftArrow">
-            <a:avLst/>
-          </a:prstGeom>
-        </p:spPr>
-        <p:style>
-          <a:lnRef idx="2">
-            <a:schemeClr val="accent1">
-              <a:shade val="50000"/>
-            </a:schemeClr>
-          </a:lnRef>
-          <a:fillRef idx="1">
-            <a:schemeClr val="accent1"/>
-          </a:fillRef>
-          <a:effectRef idx="0">
-            <a:schemeClr val="accent1"/>
-          </a:effectRef>
-          <a:fontRef idx="minor">
-            <a:schemeClr val="lt1"/>
-          </a:fontRef>
-        </p:style>
-        <p:txBody>
-          <a:bodyPr rot="0" spcFirstLastPara="0" vertOverflow="overflow" horzOverflow="overflow" vert="horz" wrap="square" lIns="91440" tIns="45720" rIns="91440" bIns="45720" numCol="1" spcCol="0" rtlCol="0" fromWordArt="0" anchor="ctr" anchorCtr="0" forceAA="0" compatLnSpc="1">
-            <a:prstTxWarp prst="textNoShape">
-              <a:avLst/>
-            </a:prstTxWarp>
-            <a:noAutofit/>
-          </a:bodyPr>
-          <a:lstStyle/>
-          <a:p>
-            <a:pPr algn="ctr"/>
-            <a:endParaRPr lang="de-DE">
-              <a:solidFill>
-                <a:schemeClr val="tx1"/>
-              </a:solidFill>
-            </a:endParaRPr>
-          </a:p>
-        </p:txBody>
-      </p:sp>
-      <p:sp>
-        <p:nvSpPr>
-          <p:cNvPr id="19" name="TextBox 18">
-            <a:extLst>
-              <a:ext uri="{FF2B5EF4-FFF2-40B4-BE49-F238E27FC236}">
-                <a16:creationId xmlns:a16="http://schemas.microsoft.com/office/drawing/2014/main" id="{71AFAC2B-D31E-B541-AA36-2BBC203441B3}"/>
-              </a:ext>
-            </a:extLst>
-          </p:cNvPr>
-          <p:cNvSpPr txBox="1"/>
-          <p:nvPr/>
-        </p:nvSpPr>
-        <p:spPr>
-          <a:xfrm>
-            <a:off x="590977" y="1364012"/>
-            <a:ext cx="736099" cy="923330"/>
-          </a:xfrm>
-          <a:prstGeom prst="rect">
-            <a:avLst/>
-          </a:prstGeom>
-          <a:noFill/>
-        </p:spPr>
-        <p:txBody>
-          <a:bodyPr wrap="none" rtlCol="0">
-            <a:spAutoFit/>
-          </a:bodyPr>
-          <a:lstStyle/>
-          <a:p>
-            <a:r>
-              <a:rPr lang="de-DE"/>
-              <a:t>Für </a:t>
-            </a:r>
-          </a:p>
-          <a:p>
-            <a:r>
-              <a:rPr lang="de-DE"/>
-              <a:t>50 bis</a:t>
-            </a:r>
-          </a:p>
-          <a:p>
-            <a:r>
-              <a:rPr lang="de-DE"/>
-              <a:t>65</a:t>
-            </a:r>
-          </a:p>
-        </p:txBody>
-      </p:sp>
-      <p:sp>
-        <p:nvSpPr>
-          <p:cNvPr id="20" name="TextBox 19">
-            <a:extLst>
-              <a:ext uri="{FF2B5EF4-FFF2-40B4-BE49-F238E27FC236}">
-                <a16:creationId xmlns:a16="http://schemas.microsoft.com/office/drawing/2014/main" id="{76197847-F8F0-234A-81BF-F382710DFB54}"/>
-              </a:ext>
-            </a:extLst>
-          </p:cNvPr>
-          <p:cNvSpPr txBox="1"/>
-          <p:nvPr/>
-        </p:nvSpPr>
-        <p:spPr>
-          <a:xfrm>
-            <a:off x="1769224" y="5134704"/>
-            <a:ext cx="4608512" cy="2677656"/>
-          </a:xfrm>
-          <a:prstGeom prst="rect">
-            <a:avLst/>
-          </a:prstGeom>
-          <a:noFill/>
-        </p:spPr>
-        <p:txBody>
-          <a:bodyPr wrap="square" rtlCol="0">
-            <a:spAutoFit/>
-          </a:bodyPr>
-          <a:lstStyle/>
-          <a:p>
-            <a:r>
-              <a:rPr lang="de-DE" sz="2800" dirty="0">
-                <a:solidFill>
-                  <a:schemeClr val="tx2">
-                    <a:lumMod val="60000"/>
-                    <a:lumOff val="40000"/>
-                  </a:schemeClr>
-                </a:solidFill>
-              </a:rPr>
-              <a:t>live_loop </a:t>
-            </a:r>
-            <a:r>
-              <a:rPr lang="de-DE" sz="2800" dirty="0">
-                <a:solidFill>
-                  <a:srgbClr val="FFC000"/>
-                </a:solidFill>
-              </a:rPr>
-              <a:t>:</a:t>
-            </a:r>
-            <a:r>
-              <a:rPr lang="de-DE" sz="2800" dirty="0" err="1">
-                <a:solidFill>
-                  <a:srgbClr val="FFC000"/>
-                </a:solidFill>
-              </a:rPr>
-              <a:t>immerwieder</a:t>
-            </a:r>
-            <a:r>
-              <a:rPr lang="de-DE" sz="2800" dirty="0">
-                <a:solidFill>
-                  <a:srgbClr val="FFC000"/>
-                </a:solidFill>
-              </a:rPr>
-              <a:t> do</a:t>
-            </a:r>
-          </a:p>
-          <a:p>
-            <a:r>
-              <a:rPr lang="de-DE" sz="2800" dirty="0">
-                <a:solidFill>
-                  <a:schemeClr val="tx2">
-                    <a:lumMod val="60000"/>
-                    <a:lumOff val="40000"/>
-                  </a:schemeClr>
-                </a:solidFill>
-              </a:rPr>
-              <a:t>   </a:t>
-            </a:r>
-            <a:r>
-              <a:rPr lang="de-DE" sz="2800" dirty="0" err="1">
-                <a:solidFill>
-                  <a:schemeClr val="tx2">
-                    <a:lumMod val="60000"/>
-                    <a:lumOff val="40000"/>
-                  </a:schemeClr>
-                </a:solidFill>
-              </a:rPr>
-              <a:t>for</a:t>
-            </a:r>
-            <a:r>
-              <a:rPr lang="de-DE" sz="2800" dirty="0">
-                <a:solidFill>
-                  <a:srgbClr val="FFC000"/>
-                </a:solidFill>
-              </a:rPr>
-              <a:t> </a:t>
-            </a:r>
-            <a:r>
-              <a:rPr lang="de-DE" sz="2800" dirty="0" err="1">
-                <a:solidFill>
-                  <a:srgbClr val="FFC000"/>
-                </a:solidFill>
-              </a:rPr>
-              <a:t>meinton</a:t>
-            </a:r>
-            <a:r>
-              <a:rPr lang="de-DE" sz="2800" dirty="0">
-                <a:solidFill>
-                  <a:srgbClr val="FFC000"/>
-                </a:solidFill>
-              </a:rPr>
-              <a:t> in 50..65</a:t>
-            </a:r>
-          </a:p>
-          <a:p>
-            <a:r>
-              <a:rPr lang="de-DE" sz="2800" dirty="0">
-                <a:solidFill>
-                  <a:srgbClr val="FFC000"/>
-                </a:solidFill>
-              </a:rPr>
-              <a:t>       </a:t>
-            </a:r>
-            <a:r>
-              <a:rPr lang="de-DE" sz="2800" dirty="0" err="1">
-                <a:solidFill>
-                  <a:srgbClr val="FFC000"/>
-                </a:solidFill>
-              </a:rPr>
-              <a:t>play</a:t>
-            </a:r>
-            <a:r>
-              <a:rPr lang="de-DE" sz="2800" dirty="0">
-                <a:solidFill>
-                  <a:srgbClr val="FFC000"/>
-                </a:solidFill>
-              </a:rPr>
-              <a:t> </a:t>
-            </a:r>
-            <a:r>
-              <a:rPr lang="de-DE" sz="2800" dirty="0" err="1">
-                <a:solidFill>
-                  <a:srgbClr val="FFC000"/>
-                </a:solidFill>
-              </a:rPr>
-              <a:t>meinton</a:t>
-            </a:r>
-            <a:endParaRPr lang="de-DE" sz="2800" dirty="0">
-              <a:solidFill>
-                <a:srgbClr val="FFC000"/>
-              </a:solidFill>
-            </a:endParaRPr>
-          </a:p>
-          <a:p>
-            <a:r>
-              <a:rPr lang="de-DE" sz="2800" dirty="0">
-                <a:solidFill>
-                  <a:srgbClr val="FFC000"/>
-                </a:solidFill>
-              </a:rPr>
-              <a:t>       </a:t>
-            </a:r>
-            <a:r>
-              <a:rPr lang="de-DE" sz="2800" dirty="0" err="1">
-                <a:solidFill>
-                  <a:srgbClr val="FFC000"/>
-                </a:solidFill>
-              </a:rPr>
-              <a:t>sleep</a:t>
-            </a:r>
-            <a:r>
-              <a:rPr lang="de-DE" sz="2800" dirty="0">
-                <a:solidFill>
-                  <a:srgbClr val="FFC000"/>
-                </a:solidFill>
-              </a:rPr>
-              <a:t> 1</a:t>
-            </a:r>
-          </a:p>
-          <a:p>
-            <a:r>
-              <a:rPr lang="de-DE" sz="2800" dirty="0">
-                <a:solidFill>
-                  <a:schemeClr val="tx2">
-                    <a:lumMod val="60000"/>
-                    <a:lumOff val="40000"/>
-                  </a:schemeClr>
-                </a:solidFill>
-              </a:rPr>
-              <a:t>   end</a:t>
-            </a:r>
-          </a:p>
-          <a:p>
-            <a:r>
-              <a:rPr lang="de-DE" sz="2800" dirty="0">
-                <a:solidFill>
-                  <a:schemeClr val="tx2">
-                    <a:lumMod val="60000"/>
-                    <a:lumOff val="40000"/>
-                  </a:schemeClr>
-                </a:solidFill>
-              </a:rPr>
-              <a:t>end</a:t>
-            </a:r>
-          </a:p>
-        </p:txBody>
-      </p:sp>
-      <p:sp>
-        <p:nvSpPr>
-          <p:cNvPr id="21" name="Curved Left Arrow 20">
-            <a:extLst>
-              <a:ext uri="{FF2B5EF4-FFF2-40B4-BE49-F238E27FC236}">
-                <a16:creationId xmlns:a16="http://schemas.microsoft.com/office/drawing/2014/main" id="{B2954442-5A98-554F-B036-F23F5B73F42E}"/>
-              </a:ext>
-            </a:extLst>
-          </p:cNvPr>
-          <p:cNvSpPr/>
-          <p:nvPr/>
-        </p:nvSpPr>
-        <p:spPr>
-          <a:xfrm rot="10800000">
-            <a:off x="915014" y="5752696"/>
-            <a:ext cx="648072" cy="1538023"/>
-          </a:xfrm>
-          <a:prstGeom prst="curvedLeftArrow">
-            <a:avLst/>
-          </a:prstGeom>
-        </p:spPr>
-        <p:style>
-          <a:lnRef idx="2">
-            <a:schemeClr val="accent1">
-              <a:shade val="50000"/>
-            </a:schemeClr>
-          </a:lnRef>
-          <a:fillRef idx="1">
-            <a:schemeClr val="accent1"/>
-          </a:fillRef>
-          <a:effectRef idx="0">
-            <a:schemeClr val="accent1"/>
-          </a:effectRef>
-          <a:fontRef idx="minor">
-            <a:schemeClr val="lt1"/>
-          </a:fontRef>
-        </p:style>
-        <p:txBody>
-          <a:bodyPr rot="0" spcFirstLastPara="0" vertOverflow="overflow" horzOverflow="overflow" vert="horz" wrap="square" lIns="91440" tIns="45720" rIns="91440" bIns="45720" numCol="1" spcCol="0" rtlCol="0" fromWordArt="0" anchor="ctr" anchorCtr="0" forceAA="0" compatLnSpc="1">
-            <a:prstTxWarp prst="textNoShape">
-              <a:avLst/>
-            </a:prstTxWarp>
-            <a:noAutofit/>
-          </a:bodyPr>
-          <a:lstStyle/>
-          <a:p>
-            <a:pPr algn="ctr"/>
-            <a:endParaRPr lang="de-DE">
-              <a:solidFill>
-                <a:schemeClr val="tx1"/>
-              </a:solidFill>
-            </a:endParaRPr>
-          </a:p>
-        </p:txBody>
-      </p:sp>
-      <p:sp>
-        <p:nvSpPr>
-          <p:cNvPr id="22" name="TextBox 21">
-            <a:extLst>
-              <a:ext uri="{FF2B5EF4-FFF2-40B4-BE49-F238E27FC236}">
-                <a16:creationId xmlns:a16="http://schemas.microsoft.com/office/drawing/2014/main" id="{EE521326-2967-A64B-95EE-2BA699A5E93F}"/>
-              </a:ext>
-            </a:extLst>
-          </p:cNvPr>
-          <p:cNvSpPr txBox="1"/>
-          <p:nvPr/>
-        </p:nvSpPr>
-        <p:spPr>
-          <a:xfrm>
-            <a:off x="1239050" y="6141269"/>
-            <a:ext cx="736099" cy="923330"/>
-          </a:xfrm>
-          <a:prstGeom prst="rect">
-            <a:avLst/>
-          </a:prstGeom>
-          <a:noFill/>
-        </p:spPr>
-        <p:txBody>
-          <a:bodyPr wrap="none" rtlCol="0">
-            <a:spAutoFit/>
-          </a:bodyPr>
-          <a:lstStyle/>
-          <a:p>
-            <a:r>
-              <a:rPr lang="de-DE"/>
-              <a:t>Für </a:t>
-            </a:r>
-          </a:p>
-          <a:p>
-            <a:r>
-              <a:rPr lang="de-DE"/>
-              <a:t>50 bis</a:t>
-            </a:r>
-          </a:p>
-          <a:p>
-            <a:r>
-              <a:rPr lang="de-DE"/>
-              <a:t>65</a:t>
-            </a:r>
-          </a:p>
-        </p:txBody>
-      </p:sp>
-      <p:sp>
-        <p:nvSpPr>
-          <p:cNvPr id="23" name="Curved Left Arrow 22">
-            <a:extLst>
-              <a:ext uri="{FF2B5EF4-FFF2-40B4-BE49-F238E27FC236}">
-                <a16:creationId xmlns:a16="http://schemas.microsoft.com/office/drawing/2014/main" id="{1903CAE5-8FB3-864F-B8A9-DD91BE9A5A02}"/>
-              </a:ext>
-            </a:extLst>
-          </p:cNvPr>
-          <p:cNvSpPr/>
-          <p:nvPr/>
-        </p:nvSpPr>
-        <p:spPr>
-          <a:xfrm rot="10800000">
-            <a:off x="80628" y="5372256"/>
-            <a:ext cx="648072" cy="2296087"/>
-          </a:xfrm>
-          <a:prstGeom prst="curvedLeftArrow">
-            <a:avLst/>
-          </a:prstGeom>
-        </p:spPr>
-        <p:style>
-          <a:lnRef idx="2">
-            <a:schemeClr val="accent1">
-              <a:shade val="50000"/>
-            </a:schemeClr>
-          </a:lnRef>
-          <a:fillRef idx="1">
-            <a:schemeClr val="accent1"/>
-          </a:fillRef>
-          <a:effectRef idx="0">
-            <a:schemeClr val="accent1"/>
-          </a:effectRef>
-          <a:fontRef idx="minor">
-            <a:schemeClr val="lt1"/>
-          </a:fontRef>
-        </p:style>
-        <p:txBody>
-          <a:bodyPr rot="0" spcFirstLastPara="0" vertOverflow="overflow" horzOverflow="overflow" vert="horz" wrap="square" lIns="91440" tIns="45720" rIns="91440" bIns="45720" numCol="1" spcCol="0" rtlCol="0" fromWordArt="0" anchor="ctr" anchorCtr="0" forceAA="0" compatLnSpc="1">
-            <a:prstTxWarp prst="textNoShape">
-              <a:avLst/>
-            </a:prstTxWarp>
-            <a:noAutofit/>
-          </a:bodyPr>
-          <a:lstStyle/>
-          <a:p>
-            <a:pPr algn="ctr"/>
-            <a:endParaRPr lang="de-DE">
-              <a:solidFill>
-                <a:schemeClr val="tx1"/>
-              </a:solidFill>
-            </a:endParaRPr>
-          </a:p>
-        </p:txBody>
-      </p:sp>
-      <p:sp>
-        <p:nvSpPr>
-          <p:cNvPr id="24" name="TextBox 23">
-            <a:extLst>
-              <a:ext uri="{FF2B5EF4-FFF2-40B4-BE49-F238E27FC236}">
-                <a16:creationId xmlns:a16="http://schemas.microsoft.com/office/drawing/2014/main" id="{A6DD1CAC-B32F-3D48-8036-870FB145AF53}"/>
-              </a:ext>
-            </a:extLst>
-          </p:cNvPr>
-          <p:cNvSpPr txBox="1"/>
-          <p:nvPr/>
-        </p:nvSpPr>
-        <p:spPr>
-          <a:xfrm>
-            <a:off x="79529" y="6195952"/>
-            <a:ext cx="835485" cy="646331"/>
-          </a:xfrm>
-          <a:prstGeom prst="rect">
-            <a:avLst/>
-          </a:prstGeom>
-          <a:noFill/>
-        </p:spPr>
-        <p:txBody>
-          <a:bodyPr wrap="none" rtlCol="0">
-            <a:spAutoFit/>
-          </a:bodyPr>
-          <a:lstStyle/>
-          <a:p>
-            <a:r>
-              <a:rPr lang="de-DE"/>
-              <a:t>Immer</a:t>
-            </a:r>
-          </a:p>
-          <a:p>
-            <a:r>
-              <a:rPr lang="de-DE"/>
-              <a:t>wieder</a:t>
-            </a:r>
           </a:p>
         </p:txBody>
       </p:sp>
     </p:spTree>
     <p:extLst>
       <p:ext uri="{BB962C8B-B14F-4D97-AF65-F5344CB8AC3E}">
-        <p14:creationId xmlns:p14="http://schemas.microsoft.com/office/powerpoint/2010/main" val="3326095766"/>
+        <p14:creationId xmlns:p14="http://schemas.microsoft.com/office/powerpoint/2010/main" val="3397233553"/>
       </p:ext>
     </p:extLst>
   </p:cSld>
@@ -9127,7 +8520,7 @@
       </p:grpSpPr>
       <p:sp>
         <p:nvSpPr>
-          <p:cNvPr id="14" name="Text Placeholder 13"/>
+          <p:cNvPr id="2" name="Textplatzhalter 1"/>
           <p:cNvSpPr>
             <a:spLocks noGrp="1"/>
           </p:cNvSpPr>
@@ -9135,27 +8528,21 @@
             <p:ph type="body" sz="quarter" idx="15"/>
           </p:nvPr>
         </p:nvSpPr>
-        <p:spPr>
-          <a:xfrm>
-            <a:off x="-6464" y="2675915"/>
-            <a:ext cx="6858000" cy="400110"/>
-          </a:xfrm>
-        </p:spPr>
+        <p:spPr/>
         <p:txBody>
           <a:bodyPr/>
           <a:lstStyle/>
           <a:p>
-            <a:endParaRPr lang="de-DE" sz="2000">
-              <a:solidFill>
-                <a:srgbClr val="FF0000"/>
-              </a:solidFill>
-            </a:endParaRPr>
-          </a:p>
-        </p:txBody>
-      </p:sp>
-      <p:sp>
-        <p:nvSpPr>
-          <p:cNvPr id="15" name="Text Placeholder 14"/>
+            <a:r>
+              <a:rPr lang="de-DE"/>
+              <a:t>Verwende Buffer 5</a:t>
+            </a:r>
+          </a:p>
+        </p:txBody>
+      </p:sp>
+      <p:sp>
+        <p:nvSpPr>
+          <p:cNvPr id="3" name="Textplatzhalter 2"/>
           <p:cNvSpPr>
             <a:spLocks noGrp="1"/>
           </p:cNvSpPr>
@@ -9163,72 +8550,83 @@
             <p:ph type="body" sz="quarter" idx="18"/>
           </p:nvPr>
         </p:nvSpPr>
-        <p:spPr>
-          <a:xfrm>
-            <a:off x="375380" y="3179894"/>
-            <a:ext cx="6453336" cy="369332"/>
-          </a:xfrm>
-        </p:spPr>
+        <p:spPr/>
         <p:txBody>
           <a:bodyPr/>
           <a:lstStyle/>
           <a:p>
+            <a:endParaRPr lang="de-DE"/>
+          </a:p>
+        </p:txBody>
+      </p:sp>
+      <p:sp>
+        <p:nvSpPr>
+          <p:cNvPr id="4" name="Textplatzhalter 3"/>
+          <p:cNvSpPr>
+            <a:spLocks noGrp="1"/>
+          </p:cNvSpPr>
+          <p:nvPr>
+            <p:ph type="body" sz="quarter" idx="19"/>
+          </p:nvPr>
+        </p:nvSpPr>
+        <p:spPr/>
+        <p:txBody>
+          <a:bodyPr/>
+          <a:lstStyle/>
+          <a:p>
+            <a:endParaRPr lang="de-DE"/>
+          </a:p>
+        </p:txBody>
+      </p:sp>
+      <p:sp>
+        <p:nvSpPr>
+          <p:cNvPr id="5" name="Textplatzhalter 4"/>
+          <p:cNvSpPr>
+            <a:spLocks noGrp="1"/>
+          </p:cNvSpPr>
+          <p:nvPr>
+            <p:ph type="body" sz="quarter" idx="17"/>
+          </p:nvPr>
+        </p:nvSpPr>
+        <p:spPr/>
+        <p:txBody>
+          <a:bodyPr/>
+          <a:lstStyle/>
+          <a:p>
             <a:r>
               <a:rPr lang="de-DE"/>
-              <a:t>2400? 4800? 9600?</a:t>
-            </a:r>
-          </a:p>
-        </p:txBody>
-      </p:sp>
-      <p:sp>
-        <p:nvSpPr>
-          <p:cNvPr id="11" name="Text Placeholder 10"/>
-          <p:cNvSpPr>
-            <a:spLocks noGrp="1"/>
-          </p:cNvSpPr>
-          <p:nvPr>
-            <p:ph type="body" sz="quarter" idx="19"/>
-          </p:nvPr>
-        </p:nvSpPr>
-        <p:spPr>
-          <a:xfrm>
-            <a:off x="404664" y="8316416"/>
-            <a:ext cx="6453336" cy="701731"/>
-          </a:xfrm>
-        </p:spPr>
+              <a:t>BUFFER 5</a:t>
+            </a:r>
+          </a:p>
+        </p:txBody>
+      </p:sp>
+      <p:sp>
+        <p:nvSpPr>
+          <p:cNvPr id="6" name="Textplatzhalter 5"/>
+          <p:cNvSpPr>
+            <a:spLocks noGrp="1"/>
+          </p:cNvSpPr>
+          <p:nvPr>
+            <p:ph type="body" sz="quarter" idx="20"/>
+          </p:nvPr>
+        </p:nvSpPr>
+        <p:spPr/>
         <p:txBody>
           <a:bodyPr/>
           <a:lstStyle/>
           <a:p>
-            <a:r>
-              <a:rPr lang="de-DE"/>
-              <a:t>Füge diesen Teil noch hinzu? Vergleiche! Wie wird das klingen?</a:t>
-            </a:r>
-          </a:p>
-          <a:p>
-            <a:r>
-              <a:rPr lang="de-DE"/>
-              <a:t>Höre es dir erst LANGSAM an (</a:t>
-            </a:r>
-            <a:r>
-              <a:rPr lang="de-DE" err="1"/>
-              <a:t>use_bpm</a:t>
-            </a:r>
-            <a:r>
-              <a:rPr lang="de-DE"/>
-              <a:t> 480)</a:t>
-            </a:r>
-          </a:p>
-        </p:txBody>
-      </p:sp>
-      <p:sp>
-        <p:nvSpPr>
-          <p:cNvPr id="12" name="Text Placeholder 11"/>
-          <p:cNvSpPr>
-            <a:spLocks noGrp="1"/>
-          </p:cNvSpPr>
-          <p:nvPr>
-            <p:ph type="body" sz="quarter" idx="20"/>
+            <a:endParaRPr lang="de-DE"/>
+          </a:p>
+        </p:txBody>
+      </p:sp>
+      <p:sp>
+        <p:nvSpPr>
+          <p:cNvPr id="7" name="Textplatzhalter 6"/>
+          <p:cNvSpPr>
+            <a:spLocks noGrp="1"/>
+          </p:cNvSpPr>
+          <p:nvPr>
+            <p:ph type="body" sz="quarter" idx="21"/>
           </p:nvPr>
         </p:nvSpPr>
         <p:spPr/>
@@ -9237,198 +8635,13 @@
           <a:lstStyle/>
           <a:p>
             <a:endParaRPr lang="de-DE"/>
-          </a:p>
-        </p:txBody>
-      </p:sp>
-      <p:sp>
-        <p:nvSpPr>
-          <p:cNvPr id="4" name="TextBox 3">
-            <a:extLst>
-              <a:ext uri="{FF2B5EF4-FFF2-40B4-BE49-F238E27FC236}">
-                <a16:creationId xmlns:a16="http://schemas.microsoft.com/office/drawing/2014/main" id="{75567B60-E2DB-254B-9A27-35241ACB4382}"/>
-              </a:ext>
-            </a:extLst>
-          </p:cNvPr>
-          <p:cNvSpPr txBox="1"/>
-          <p:nvPr/>
-        </p:nvSpPr>
-        <p:spPr>
-          <a:xfrm>
-            <a:off x="1118280" y="1222628"/>
-            <a:ext cx="4608512" cy="523220"/>
-          </a:xfrm>
-          <a:prstGeom prst="rect">
-            <a:avLst/>
-          </a:prstGeom>
-          <a:noFill/>
-        </p:spPr>
-        <p:txBody>
-          <a:bodyPr wrap="square" rtlCol="0">
-            <a:spAutoFit/>
-          </a:bodyPr>
-          <a:lstStyle/>
-          <a:p>
-            <a:r>
-              <a:rPr lang="de-DE" sz="2800" dirty="0" err="1">
-                <a:solidFill>
-                  <a:srgbClr val="FFC000"/>
-                </a:solidFill>
-              </a:rPr>
-              <a:t>use_bpm</a:t>
-            </a:r>
-            <a:r>
-              <a:rPr lang="de-DE" sz="2800" dirty="0">
-                <a:solidFill>
-                  <a:srgbClr val="FFC000"/>
-                </a:solidFill>
-              </a:rPr>
-              <a:t> 1200</a:t>
-            </a:r>
-          </a:p>
-        </p:txBody>
-      </p:sp>
-      <p:sp>
-        <p:nvSpPr>
-          <p:cNvPr id="20" name="TextBox 19">
-            <a:extLst>
-              <a:ext uri="{FF2B5EF4-FFF2-40B4-BE49-F238E27FC236}">
-                <a16:creationId xmlns:a16="http://schemas.microsoft.com/office/drawing/2014/main" id="{76197847-F8F0-234A-81BF-F382710DFB54}"/>
-              </a:ext>
-            </a:extLst>
-          </p:cNvPr>
-          <p:cNvSpPr txBox="1"/>
-          <p:nvPr/>
-        </p:nvSpPr>
-        <p:spPr>
-          <a:xfrm>
-            <a:off x="1327076" y="5540322"/>
-            <a:ext cx="4608512" cy="1815882"/>
-          </a:xfrm>
-          <a:prstGeom prst="rect">
-            <a:avLst/>
-          </a:prstGeom>
-          <a:noFill/>
-        </p:spPr>
-        <p:txBody>
-          <a:bodyPr wrap="square" rtlCol="0">
-            <a:spAutoFit/>
-          </a:bodyPr>
-          <a:lstStyle/>
-          <a:p>
-            <a:r>
-              <a:rPr lang="de-DE" sz="2800" dirty="0" err="1">
-                <a:solidFill>
-                  <a:srgbClr val="FFC000"/>
-                </a:solidFill>
-              </a:rPr>
-              <a:t>for</a:t>
-            </a:r>
-            <a:r>
-              <a:rPr lang="de-DE" sz="2800" dirty="0">
-                <a:solidFill>
-                  <a:srgbClr val="FFC000"/>
-                </a:solidFill>
-              </a:rPr>
-              <a:t> </a:t>
-            </a:r>
-            <a:r>
-              <a:rPr lang="de-DE" sz="2800" dirty="0" err="1">
-                <a:solidFill>
-                  <a:srgbClr val="FFC000"/>
-                </a:solidFill>
-              </a:rPr>
-              <a:t>meinton</a:t>
-            </a:r>
-            <a:r>
-              <a:rPr lang="de-DE" sz="2800" dirty="0">
-                <a:solidFill>
-                  <a:srgbClr val="FFC000"/>
-                </a:solidFill>
-              </a:rPr>
-              <a:t> in 55..70</a:t>
-            </a:r>
-          </a:p>
-          <a:p>
-            <a:r>
-              <a:rPr lang="de-DE" sz="2800" dirty="0">
-                <a:solidFill>
-                  <a:srgbClr val="FFC000"/>
-                </a:solidFill>
-              </a:rPr>
-              <a:t>       </a:t>
-            </a:r>
-            <a:r>
-              <a:rPr lang="de-DE" sz="2800" dirty="0" err="1">
-                <a:solidFill>
-                  <a:srgbClr val="FFC000"/>
-                </a:solidFill>
-              </a:rPr>
-              <a:t>play</a:t>
-            </a:r>
-            <a:r>
-              <a:rPr lang="de-DE" sz="2800" dirty="0">
-                <a:solidFill>
-                  <a:srgbClr val="FFC000"/>
-                </a:solidFill>
-              </a:rPr>
-              <a:t> </a:t>
-            </a:r>
-            <a:r>
-              <a:rPr lang="de-DE" sz="2800" dirty="0" err="1">
-                <a:solidFill>
-                  <a:srgbClr val="FFC000"/>
-                </a:solidFill>
-              </a:rPr>
-              <a:t>meinton</a:t>
-            </a:r>
-            <a:endParaRPr lang="de-DE" sz="2800" dirty="0">
-              <a:solidFill>
-                <a:srgbClr val="FFC000"/>
-              </a:solidFill>
-            </a:endParaRPr>
-          </a:p>
-          <a:p>
-            <a:r>
-              <a:rPr lang="de-DE" sz="2800" dirty="0">
-                <a:solidFill>
-                  <a:srgbClr val="FFC000"/>
-                </a:solidFill>
-              </a:rPr>
-              <a:t>       </a:t>
-            </a:r>
-            <a:r>
-              <a:rPr lang="de-DE" sz="2800" dirty="0" err="1">
-                <a:solidFill>
-                  <a:srgbClr val="FFC000"/>
-                </a:solidFill>
-              </a:rPr>
-              <a:t>sleep</a:t>
-            </a:r>
-            <a:r>
-              <a:rPr lang="de-DE" sz="2800" dirty="0">
-                <a:solidFill>
-                  <a:srgbClr val="FFC000"/>
-                </a:solidFill>
-              </a:rPr>
-              <a:t> 1</a:t>
-            </a:r>
-          </a:p>
-          <a:p>
-            <a:r>
-              <a:rPr lang="de-DE" sz="2800" dirty="0">
-                <a:solidFill>
-                  <a:srgbClr val="FFC000"/>
-                </a:solidFill>
-              </a:rPr>
-              <a:t> end</a:t>
-            </a:r>
           </a:p>
         </p:txBody>
       </p:sp>
     </p:spTree>
     <p:extLst>
       <p:ext uri="{BB962C8B-B14F-4D97-AF65-F5344CB8AC3E}">
-        <p14:creationId xmlns:p14="http://schemas.microsoft.com/office/powerpoint/2010/main" val="1207729059"/>
+        <p14:creationId xmlns:p14="http://schemas.microsoft.com/office/powerpoint/2010/main" val="4265769765"/>
       </p:ext>
     </p:extLst>
   </p:cSld>
@@ -9465,38 +8678,65 @@
             <p:ph type="body" sz="quarter" idx="15"/>
           </p:nvPr>
         </p:nvSpPr>
+        <p:spPr/>
+        <p:txBody>
+          <a:bodyPr/>
+          <a:lstStyle/>
+          <a:p>
+            <a:r>
+              <a:rPr lang="de-DE"/>
+              <a:t>Ein Gitarren-Sample</a:t>
+            </a:r>
+          </a:p>
+        </p:txBody>
+      </p:sp>
+      <p:sp>
+        <p:nvSpPr>
+          <p:cNvPr id="15" name="Text Placeholder 14"/>
+          <p:cNvSpPr>
+            <a:spLocks noGrp="1"/>
+          </p:cNvSpPr>
+          <p:nvPr>
+            <p:ph type="body" sz="quarter" idx="18"/>
+          </p:nvPr>
+        </p:nvSpPr>
         <p:spPr>
           <a:xfrm>
-            <a:off x="-6464" y="2675915"/>
-            <a:ext cx="6858000" cy="400110"/>
+            <a:off x="404664" y="3275856"/>
+            <a:ext cx="6453336" cy="978729"/>
           </a:xfrm>
         </p:spPr>
         <p:txBody>
           <a:bodyPr/>
           <a:lstStyle/>
           <a:p>
-            <a:endParaRPr lang="de-DE" sz="2000">
-              <a:solidFill>
-                <a:srgbClr val="FF0000"/>
-              </a:solidFill>
-            </a:endParaRPr>
-          </a:p>
-        </p:txBody>
-      </p:sp>
-      <p:sp>
-        <p:nvSpPr>
-          <p:cNvPr id="15" name="Text Placeholder 14"/>
-          <p:cNvSpPr>
-            <a:spLocks noGrp="1"/>
-          </p:cNvSpPr>
-          <p:nvPr>
-            <p:ph type="body" sz="quarter" idx="18"/>
+            <a:r>
+              <a:rPr lang="de-DE"/>
+              <a:t>Probiere aus.</a:t>
+            </a:r>
+          </a:p>
+          <a:p>
+            <a:r>
+              <a:rPr lang="de-DE"/>
+              <a:t>Danach kopiere das Schlagzeug (Buffer 4)  und Melodie in Buffer 5 zusammen</a:t>
+            </a:r>
+          </a:p>
+        </p:txBody>
+      </p:sp>
+      <p:sp>
+        <p:nvSpPr>
+          <p:cNvPr id="2" name="Textplatzhalter 1"/>
+          <p:cNvSpPr>
+            <a:spLocks noGrp="1"/>
+          </p:cNvSpPr>
+          <p:nvPr>
+            <p:ph type="body" sz="quarter" idx="19"/>
           </p:nvPr>
         </p:nvSpPr>
         <p:spPr>
           <a:xfrm>
-            <a:off x="375380" y="3179894"/>
-            <a:ext cx="6453336" cy="1034129"/>
+            <a:off x="404664" y="8244408"/>
+            <a:ext cx="6453336" cy="701731"/>
           </a:xfrm>
         </p:spPr>
         <p:txBody>
@@ -9505,214 +8745,126 @@
           <a:p>
             <a:r>
               <a:rPr lang="de-DE"/>
-              <a:t>75..  , 80..</a:t>
-            </a:r>
-          </a:p>
-          <a:p>
-            <a:endParaRPr lang="de-DE"/>
-          </a:p>
-          <a:p>
+              <a:t>use_bpm		</a:t>
+            </a:r>
+            <a:r>
+              <a:rPr lang="de-DE" err="1"/>
+              <a:t>use_synth</a:t>
+            </a:r>
             <a:r>
               <a:rPr lang="de-DE"/>
-              <a:t>Lass es schneller laufen... Wie hört sich das an?</a:t>
-            </a:r>
-          </a:p>
-        </p:txBody>
-      </p:sp>
-      <p:sp>
-        <p:nvSpPr>
-          <p:cNvPr id="12" name="Text Placeholder 11"/>
-          <p:cNvSpPr>
-            <a:spLocks noGrp="1"/>
-          </p:cNvSpPr>
-          <p:nvPr>
-            <p:ph type="body" sz="quarter" idx="20"/>
-          </p:nvPr>
-        </p:nvSpPr>
-        <p:spPr/>
-        <p:txBody>
-          <a:bodyPr/>
-          <a:lstStyle/>
-          <a:p>
-            <a:endParaRPr lang="de-DE"/>
-          </a:p>
-        </p:txBody>
-      </p:sp>
-      <p:sp>
-        <p:nvSpPr>
-          <p:cNvPr id="8" name="TextBox 7">
-            <a:extLst>
-              <a:ext uri="{FF2B5EF4-FFF2-40B4-BE49-F238E27FC236}">
-                <a16:creationId xmlns:a16="http://schemas.microsoft.com/office/drawing/2014/main" id="{EBAEDBA0-C1F3-1748-8A13-6EC631AC3850}"/>
-              </a:ext>
-            </a:extLst>
-          </p:cNvPr>
-          <p:cNvSpPr txBox="1"/>
-          <p:nvPr/>
+              <a:t> :</a:t>
+            </a:r>
+            <a:r>
+              <a:rPr lang="de-DE" err="1"/>
+              <a:t>hollow</a:t>
+            </a:r>
+            <a:r>
+              <a:rPr lang="de-DE"/>
+              <a:t>		,</a:t>
+            </a:r>
+            <a:r>
+              <a:rPr lang="de-DE" err="1"/>
+              <a:t>amp</a:t>
+            </a:r>
+            <a:r>
+              <a:rPr lang="de-DE"/>
+              <a:t>: 5</a:t>
+            </a:r>
+          </a:p>
+          <a:p>
+            <a:r>
+              <a:rPr lang="de-DE" err="1"/>
+              <a:t>use_synth</a:t>
+            </a:r>
+            <a:r>
+              <a:rPr lang="de-DE"/>
+              <a:t>: </a:t>
+            </a:r>
+            <a:r>
+              <a:rPr lang="de-DE" err="1"/>
+              <a:t>hoover</a:t>
+            </a:r>
+            <a:r>
+              <a:rPr lang="de-DE"/>
+              <a:t>		</a:t>
+            </a:r>
+          </a:p>
+        </p:txBody>
+      </p:sp>
+      <p:sp>
+        <p:nvSpPr>
+          <p:cNvPr id="16" name="Text Placeholder 15"/>
+          <p:cNvSpPr>
+            <a:spLocks noGrp="1"/>
+          </p:cNvSpPr>
+          <p:nvPr>
+            <p:ph type="body" sz="quarter" idx="17"/>
+          </p:nvPr>
         </p:nvSpPr>
         <p:spPr>
           <a:xfrm>
-            <a:off x="1327076" y="198314"/>
-            <a:ext cx="4608512" cy="2677656"/>
+            <a:off x="404664" y="449975"/>
+            <a:ext cx="6048672" cy="2357568"/>
           </a:xfrm>
-          <a:prstGeom prst="rect">
-            <a:avLst/>
-          </a:prstGeom>
-          <a:noFill/>
         </p:spPr>
         <p:txBody>
-          <a:bodyPr wrap="square" rtlCol="0">
-            <a:spAutoFit/>
-          </a:bodyPr>
-          <a:lstStyle/>
-          <a:p>
-            <a:r>
-              <a:rPr lang="de-DE" sz="2800" dirty="0" err="1">
-                <a:solidFill>
-                  <a:srgbClr val="FFC000"/>
-                </a:solidFill>
-              </a:rPr>
-              <a:t>for</a:t>
-            </a:r>
-            <a:r>
-              <a:rPr lang="de-DE" sz="2800" dirty="0">
-                <a:solidFill>
-                  <a:srgbClr val="FFC000"/>
-                </a:solidFill>
-              </a:rPr>
-              <a:t> </a:t>
-            </a:r>
-            <a:r>
-              <a:rPr lang="de-DE" sz="2800" dirty="0" err="1">
-                <a:solidFill>
-                  <a:srgbClr val="FFC000"/>
-                </a:solidFill>
-              </a:rPr>
-              <a:t>meinton</a:t>
-            </a:r>
-            <a:r>
-              <a:rPr lang="de-DE" sz="2800" dirty="0">
-                <a:solidFill>
-                  <a:srgbClr val="FFC000"/>
-                </a:solidFill>
-              </a:rPr>
-              <a:t> in 60..75</a:t>
-            </a:r>
-          </a:p>
-          <a:p>
-            <a:r>
-              <a:rPr lang="de-DE" sz="2800" dirty="0">
-                <a:solidFill>
-                  <a:srgbClr val="FFC000"/>
-                </a:solidFill>
-              </a:rPr>
-              <a:t>...</a:t>
-            </a:r>
-          </a:p>
-          <a:p>
-            <a:r>
-              <a:rPr lang="de-DE" sz="2800" dirty="0" err="1">
-                <a:solidFill>
-                  <a:srgbClr val="FFC000"/>
-                </a:solidFill>
-              </a:rPr>
-              <a:t>for</a:t>
-            </a:r>
-            <a:r>
-              <a:rPr lang="de-DE" sz="2800" dirty="0">
-                <a:solidFill>
-                  <a:srgbClr val="FFC000"/>
-                </a:solidFill>
-              </a:rPr>
-              <a:t> </a:t>
-            </a:r>
-            <a:r>
-              <a:rPr lang="de-DE" sz="2800" dirty="0" err="1">
-                <a:solidFill>
-                  <a:srgbClr val="FFC000"/>
-                </a:solidFill>
-              </a:rPr>
-              <a:t>meinton</a:t>
-            </a:r>
-            <a:r>
-              <a:rPr lang="de-DE" sz="2800" dirty="0">
-                <a:solidFill>
-                  <a:srgbClr val="FFC000"/>
-                </a:solidFill>
-              </a:rPr>
-              <a:t> in 65..80</a:t>
-            </a:r>
-          </a:p>
-          <a:p>
-            <a:r>
-              <a:rPr lang="de-DE" sz="2800" dirty="0">
-                <a:solidFill>
-                  <a:srgbClr val="FFC000"/>
-                </a:solidFill>
-              </a:rPr>
-              <a:t>...</a:t>
-            </a:r>
-          </a:p>
-          <a:p>
-            <a:r>
-              <a:rPr lang="de-DE" sz="2800" dirty="0" err="1">
-                <a:solidFill>
-                  <a:srgbClr val="FFC000"/>
-                </a:solidFill>
-              </a:rPr>
-              <a:t>for</a:t>
-            </a:r>
-            <a:r>
-              <a:rPr lang="de-DE" sz="2800" dirty="0">
-                <a:solidFill>
-                  <a:srgbClr val="FFC000"/>
-                </a:solidFill>
-              </a:rPr>
-              <a:t> </a:t>
-            </a:r>
-            <a:r>
-              <a:rPr lang="de-DE" sz="2800" dirty="0" err="1">
-                <a:solidFill>
-                  <a:srgbClr val="FFC000"/>
-                </a:solidFill>
-              </a:rPr>
-              <a:t>meinton</a:t>
-            </a:r>
-            <a:r>
-              <a:rPr lang="de-DE" sz="2800" dirty="0">
-                <a:solidFill>
-                  <a:srgbClr val="FFC000"/>
-                </a:solidFill>
-              </a:rPr>
-              <a:t> in 70..85</a:t>
-            </a:r>
-          </a:p>
-          <a:p>
-            <a:r>
-              <a:rPr lang="de-DE" sz="2800" dirty="0">
-                <a:solidFill>
-                  <a:srgbClr val="FFC000"/>
-                </a:solidFill>
-              </a:rPr>
-              <a:t>...</a:t>
-            </a:r>
-          </a:p>
-        </p:txBody>
-      </p:sp>
-      <p:sp>
-        <p:nvSpPr>
-          <p:cNvPr id="3" name="Text Placeholder 2">
-            <a:extLst>
-              <a:ext uri="{FF2B5EF4-FFF2-40B4-BE49-F238E27FC236}">
-                <a16:creationId xmlns:a16="http://schemas.microsoft.com/office/drawing/2014/main" id="{95F55CC8-825D-BD44-B3F0-8A4FE0A1CA0A}"/>
-              </a:ext>
-            </a:extLst>
-          </p:cNvPr>
-          <p:cNvSpPr>
-            <a:spLocks noGrp="1"/>
-          </p:cNvSpPr>
-          <p:nvPr>
-            <p:ph type="body" sz="quarter" idx="19"/>
+          <a:bodyPr/>
+          <a:lstStyle/>
+          <a:p>
+            <a:pPr algn="l"/>
+            <a:r>
+              <a:rPr lang="de-DE"/>
+              <a:t>live_loop :</a:t>
+            </a:r>
+            <a:r>
+              <a:rPr lang="de-DE" err="1"/>
+              <a:t>melodie</a:t>
+            </a:r>
+            <a:r>
+              <a:rPr lang="de-DE"/>
+              <a:t> do  	</a:t>
+            </a:r>
+          </a:p>
+          <a:p>
+            <a:pPr algn="l"/>
+            <a:r>
+              <a:rPr lang="de-DE"/>
+              <a:t>	sample :guit_em9</a:t>
+            </a:r>
+          </a:p>
+          <a:p>
+            <a:pPr algn="l"/>
+            <a:r>
+              <a:rPr lang="de-DE"/>
+              <a:t> 	</a:t>
+            </a:r>
+            <a:r>
+              <a:rPr lang="de-DE" err="1"/>
+              <a:t>sleep</a:t>
+            </a:r>
+            <a:r>
+              <a:rPr lang="de-DE"/>
+              <a:t> 2</a:t>
+            </a:r>
+          </a:p>
+          <a:p>
+            <a:pPr algn="l"/>
+            <a:r>
+              <a:rPr lang="de-DE"/>
+              <a:t>end</a:t>
+            </a:r>
+          </a:p>
+        </p:txBody>
+      </p:sp>
+      <p:sp>
+        <p:nvSpPr>
+          <p:cNvPr id="10" name="Text Placeholder 9"/>
+          <p:cNvSpPr>
+            <a:spLocks noGrp="1"/>
+          </p:cNvSpPr>
+          <p:nvPr>
+            <p:ph type="body" sz="quarter" idx="20"/>
           </p:nvPr>
         </p:nvSpPr>
         <p:spPr/>
@@ -9720,14 +8872,106 @@
           <a:bodyPr/>
           <a:lstStyle/>
           <a:p>
-            <a:endParaRPr lang="de-DE"/>
+            <a:r>
+              <a:rPr lang="de-DE"/>
+              <a:t>Benutze auch Size – und Size +, um den Text in den Größe zu verändern</a:t>
+            </a:r>
+          </a:p>
+        </p:txBody>
+      </p:sp>
+      <p:sp>
+        <p:nvSpPr>
+          <p:cNvPr id="11" name="Text Placeholder 10"/>
+          <p:cNvSpPr>
+            <a:spLocks noGrp="1"/>
+          </p:cNvSpPr>
+          <p:nvPr>
+            <p:ph type="body" sz="quarter" idx="21"/>
+          </p:nvPr>
+        </p:nvSpPr>
+        <p:spPr>
+          <a:xfrm>
+            <a:off x="429999" y="5369312"/>
+            <a:ext cx="6048672" cy="1508105"/>
+          </a:xfrm>
+        </p:spPr>
+        <p:txBody>
+          <a:bodyPr/>
+          <a:lstStyle/>
+          <a:p>
+            <a:pPr algn="l"/>
+            <a:r>
+              <a:rPr lang="de-DE" sz="2000" dirty="0"/>
+              <a:t>- Jetzt fügen wir in  6 alles zusammen</a:t>
+            </a:r>
+          </a:p>
+          <a:p>
+            <a:pPr algn="l"/>
+            <a:r>
+              <a:rPr lang="de-DE" sz="2000" dirty="0"/>
+              <a:t>- Erst </a:t>
+            </a:r>
+            <a:r>
+              <a:rPr lang="de-DE" sz="2000" dirty="0" err="1"/>
+              <a:t>Buffer</a:t>
+            </a:r>
+            <a:r>
+              <a:rPr lang="de-DE" sz="2000" dirty="0"/>
+              <a:t> 5, dann </a:t>
+            </a:r>
+            <a:r>
+              <a:rPr lang="de-DE" sz="2000" dirty="0" err="1"/>
+              <a:t>Buffer</a:t>
+            </a:r>
+            <a:r>
+              <a:rPr lang="de-DE" sz="2000" dirty="0"/>
+              <a:t> 3 und </a:t>
+            </a:r>
+            <a:r>
+              <a:rPr lang="de-DE" sz="2000" dirty="0" err="1"/>
+              <a:t>Buffer</a:t>
+            </a:r>
+            <a:r>
+              <a:rPr lang="de-DE" sz="2000" dirty="0"/>
+              <a:t> 2</a:t>
+            </a:r>
+          </a:p>
+          <a:p>
+            <a:pPr algn="l"/>
+            <a:r>
+              <a:rPr lang="de-DE" sz="2000" dirty="0"/>
+              <a:t>- Starte nach jedem weiteren </a:t>
+            </a:r>
+            <a:r>
+              <a:rPr lang="de-DE" sz="2000" dirty="0" err="1"/>
+              <a:t>Buffer</a:t>
+            </a:r>
+            <a:r>
+              <a:rPr lang="de-DE" sz="2000" dirty="0"/>
+              <a:t> neu</a:t>
+            </a:r>
+          </a:p>
+          <a:p>
+            <a:pPr algn="l"/>
+            <a:r>
+              <a:rPr lang="de-DE" sz="2000" dirty="0"/>
+              <a:t>- Kopiere </a:t>
+            </a:r>
+            <a:r>
+              <a:rPr lang="de-DE" sz="2000" dirty="0" err="1"/>
+              <a:t>Buffer</a:t>
+            </a:r>
+            <a:r>
+              <a:rPr lang="de-DE" sz="2000" dirty="0"/>
+              <a:t> 1 und füge eine live_loop hinzu. </a:t>
+            </a:r>
           </a:p>
         </p:txBody>
       </p:sp>
     </p:spTree>
     <p:extLst>
       <p:ext uri="{BB962C8B-B14F-4D97-AF65-F5344CB8AC3E}">
-        <p14:creationId xmlns:p14="http://schemas.microsoft.com/office/powerpoint/2010/main" val="1039272597"/>
+        <p14:creationId xmlns:p14="http://schemas.microsoft.com/office/powerpoint/2010/main" val="174545010"/>
       </p:ext>
     </p:extLst>
   </p:cSld>
@@ -9756,7 +9000,7 @@
       </p:grpSpPr>
       <p:sp>
         <p:nvSpPr>
-          <p:cNvPr id="2" name="Textplatzhalter 1"/>
+          <p:cNvPr id="5" name="Text Placeholder 4"/>
           <p:cNvSpPr>
             <a:spLocks noGrp="1"/>
           </p:cNvSpPr>
@@ -9771,14 +9015,17 @@
           <a:p>
             <a:r>
               <a:rPr lang="de-DE"/>
-              <a:t>Verwende Buffer 4</a:t>
-            </a:r>
-          </a:p>
-        </p:txBody>
-      </p:sp>
-      <p:sp>
-        <p:nvSpPr>
-          <p:cNvPr id="3" name="Textplatzhalter 2"/>
+              <a:t>Experimentiere</a:t>
+            </a:r>
+          </a:p>
+          <a:p>
+            <a:endParaRPr lang="de-DE"/>
+          </a:p>
+        </p:txBody>
+      </p:sp>
+      <p:sp>
+        <p:nvSpPr>
+          <p:cNvPr id="24" name="Text Placeholder 23"/>
           <p:cNvSpPr>
             <a:spLocks noGrp="1"/>
           </p:cNvSpPr>
@@ -9797,7 +9044,91 @@
       </p:sp>
       <p:sp>
         <p:nvSpPr>
-          <p:cNvPr id="4" name="Textplatzhalter 3"/>
+          <p:cNvPr id="19" name="Text Placeholder 18"/>
+          <p:cNvSpPr>
+            <a:spLocks noGrp="1"/>
+          </p:cNvSpPr>
+          <p:nvPr>
+            <p:ph type="body" sz="quarter" idx="17"/>
+          </p:nvPr>
+        </p:nvSpPr>
+        <p:spPr>
+          <a:xfrm>
+            <a:off x="404664" y="459759"/>
+            <a:ext cx="6048672" cy="2234458"/>
+          </a:xfrm>
+        </p:spPr>
+        <p:txBody>
+          <a:bodyPr/>
+          <a:lstStyle/>
+          <a:p>
+            <a:pPr algn="l"/>
+            <a:r>
+              <a:rPr lang="de-DE" sz="2400"/>
+              <a:t>Weitere Ideen</a:t>
+            </a:r>
+          </a:p>
+          <a:p>
+            <a:pPr marL="114275" indent="-457200" algn="l">
+              <a:buFontTx/>
+              <a:buChar char="-"/>
+            </a:pPr>
+            <a:r>
+              <a:rPr lang="de-DE" sz="2400"/>
+              <a:t>Mehr Schlagzeug</a:t>
+            </a:r>
+          </a:p>
+          <a:p>
+            <a:pPr marL="114275" indent="-457200" algn="l">
+              <a:buFontTx/>
+              <a:buChar char="-"/>
+            </a:pPr>
+            <a:r>
+              <a:rPr lang="de-DE" sz="2400"/>
+              <a:t>Ein Musik-Programm</a:t>
+            </a:r>
+          </a:p>
+          <a:p>
+            <a:pPr marL="114275" indent="-457200" algn="l">
+              <a:buFontTx/>
+              <a:buChar char="-"/>
+            </a:pPr>
+            <a:r>
+              <a:rPr lang="de-DE" sz="2400"/>
+              <a:t>Effekte</a:t>
+            </a:r>
+          </a:p>
+          <a:p>
+            <a:pPr marL="114275" indent="-457200" algn="l">
+              <a:buFontTx/>
+              <a:buChar char="-"/>
+            </a:pPr>
+            <a:r>
+              <a:rPr lang="de-DE" sz="2400"/>
+              <a:t>Samples „</a:t>
+            </a:r>
+            <a:r>
+              <a:rPr lang="de-DE" sz="2400" err="1"/>
+              <a:t>loop</a:t>
+            </a:r>
+            <a:r>
+              <a:rPr lang="de-DE" sz="2400"/>
+              <a:t>_“ mit </a:t>
+            </a:r>
+            <a:r>
+              <a:rPr lang="de-DE" sz="2400" err="1"/>
+              <a:t>sample_duration</a:t>
+            </a:r>
+            <a:r>
+              <a:rPr lang="de-DE" sz="2400"/>
+              <a:t>()</a:t>
+            </a:r>
+          </a:p>
+        </p:txBody>
+      </p:sp>
+      <p:sp>
+        <p:nvSpPr>
+          <p:cNvPr id="3" name="Text Placeholder 2"/>
           <p:cNvSpPr>
             <a:spLocks noGrp="1"/>
           </p:cNvSpPr>
@@ -9816,12 +9147,12 @@
       </p:sp>
       <p:sp>
         <p:nvSpPr>
-          <p:cNvPr id="5" name="Textplatzhalter 4"/>
-          <p:cNvSpPr>
-            <a:spLocks noGrp="1"/>
-          </p:cNvSpPr>
-          <p:nvPr>
-            <p:ph type="body" sz="quarter" idx="17"/>
+          <p:cNvPr id="4" name="Text Placeholder 3"/>
+          <p:cNvSpPr>
+            <a:spLocks noGrp="1"/>
+          </p:cNvSpPr>
+          <p:nvPr>
+            <p:ph type="body" sz="quarter" idx="20"/>
           </p:nvPr>
         </p:nvSpPr>
         <p:spPr/>
@@ -9829,35 +9160,13 @@
           <a:bodyPr/>
           <a:lstStyle/>
           <a:p>
-            <a:r>
-              <a:rPr lang="de-DE"/>
-              <a:t>BUFFER 4</a:t>
-            </a:r>
-          </a:p>
-        </p:txBody>
-      </p:sp>
-      <p:sp>
-        <p:nvSpPr>
-          <p:cNvPr id="6" name="Textplatzhalter 5"/>
-          <p:cNvSpPr>
-            <a:spLocks noGrp="1"/>
-          </p:cNvSpPr>
-          <p:nvPr>
-            <p:ph type="body" sz="quarter" idx="20"/>
-          </p:nvPr>
-        </p:nvSpPr>
-        <p:spPr/>
-        <p:txBody>
-          <a:bodyPr/>
-          <a:lstStyle/>
-          <a:p>
             <a:endParaRPr lang="de-DE"/>
           </a:p>
         </p:txBody>
       </p:sp>
       <p:sp>
         <p:nvSpPr>
-          <p:cNvPr id="7" name="Textplatzhalter 6"/>
+          <p:cNvPr id="6" name="Text Placeholder 5"/>
           <p:cNvSpPr>
             <a:spLocks noGrp="1"/>
           </p:cNvSpPr>
@@ -9877,7 +9186,7 @@
     </p:spTree>
     <p:extLst>
       <p:ext uri="{BB962C8B-B14F-4D97-AF65-F5344CB8AC3E}">
-        <p14:creationId xmlns:p14="http://schemas.microsoft.com/office/powerpoint/2010/main" val="2797989313"/>
+        <p14:creationId xmlns:p14="http://schemas.microsoft.com/office/powerpoint/2010/main" val="1805105135"/>
       </p:ext>
     </p:extLst>
   </p:cSld>
@@ -9906,7 +9215,7 @@
       </p:grpSpPr>
       <p:sp>
         <p:nvSpPr>
-          <p:cNvPr id="14" name="Text Placeholder 13"/>
+          <p:cNvPr id="5" name="Text Placeholder 4"/>
           <p:cNvSpPr>
             <a:spLocks noGrp="1"/>
           </p:cNvSpPr>
@@ -9921,14 +9230,17 @@
           <a:p>
             <a:r>
               <a:rPr lang="de-DE"/>
-              <a:t>Wir nennen das eine (Endlos-)Schleife</a:t>
-            </a:r>
-          </a:p>
-        </p:txBody>
-      </p:sp>
-      <p:sp>
-        <p:nvSpPr>
-          <p:cNvPr id="15" name="Text Placeholder 14"/>
+              <a:t>Experimentiere</a:t>
+            </a:r>
+          </a:p>
+          <a:p>
+            <a:endParaRPr lang="de-DE"/>
+          </a:p>
+        </p:txBody>
+      </p:sp>
+      <p:sp>
+        <p:nvSpPr>
+          <p:cNvPr id="24" name="Text Placeholder 23"/>
           <p:cNvSpPr>
             <a:spLocks noGrp="1"/>
           </p:cNvSpPr>
@@ -9939,7 +9251,7 @@
         <p:spPr>
           <a:xfrm>
             <a:off x="404664" y="3275856"/>
-            <a:ext cx="6453336" cy="1034129"/>
+            <a:ext cx="6453336" cy="1089529"/>
           </a:xfrm>
         </p:spPr>
         <p:txBody>
@@ -9947,98 +9259,124 @@
           <a:lstStyle/>
           <a:p>
             <a:r>
-              <a:rPr lang="de-DE"/>
-              <a:t>Füge ein weiteres sample </a:t>
-            </a:r>
-            <a:r>
-              <a:rPr lang="de-DE" i="1" err="1"/>
-              <a:t>sn_zome</a:t>
-            </a:r>
-            <a:r>
-              <a:rPr lang="de-DE"/>
-              <a:t> mit </a:t>
-            </a:r>
-            <a:r>
-              <a:rPr lang="de-DE" i="1" err="1"/>
-              <a:t>sleep</a:t>
-            </a:r>
-            <a:r>
-              <a:rPr lang="de-DE" i="1"/>
-              <a:t> 1 </a:t>
-            </a:r>
-            <a:r>
-              <a:rPr lang="de-DE"/>
-              <a:t>hinzu</a:t>
-            </a:r>
-          </a:p>
-          <a:p>
-            <a:r>
-              <a:rPr lang="de-DE"/>
-              <a:t>Mach‘ das Schlagzeug schneller (120)</a:t>
-            </a:r>
-          </a:p>
-          <a:p>
-            <a:r>
-              <a:rPr lang="de-DE"/>
-              <a:t>:</a:t>
-            </a:r>
-            <a:r>
-              <a:rPr lang="de-DE" err="1"/>
-              <a:t>drum_bass_hard</a:t>
-            </a:r>
-            <a:r>
-              <a:rPr lang="de-DE"/>
-              <a:t>	:</a:t>
-            </a:r>
-            <a:r>
-              <a:rPr lang="de-DE" err="1"/>
+              <a:rPr lang="de-DE" sz="1200" dirty="0"/>
+              <a:t>1) Ändere die Lautstärken	                               2) Ändere die Rate: rate: 2 oder rate: -1</a:t>
+            </a:r>
+          </a:p>
+          <a:p>
+            <a:r>
+              <a:rPr lang="de-DE" sz="1200" dirty="0"/>
+              <a:t>3) Ersetze das letzte Sample durch		4) Verändere die Geschwindigkeit</a:t>
+            </a:r>
+            <a:br>
+              <a:rPr lang="de-DE" sz="1200" dirty="0"/>
+            </a:br>
+            <a:r>
+              <a:rPr lang="de-DE" sz="1200" dirty="0"/>
+              <a:t>      </a:t>
+            </a:r>
+            <a:r>
+              <a:rPr lang="de-DE" sz="1200" dirty="0" err="1">
+                <a:solidFill>
+                  <a:srgbClr val="00B050"/>
+                </a:solidFill>
+              </a:rPr>
+              <a:t>with_fx</a:t>
+            </a:r>
+            <a:r>
+              <a:rPr lang="de-DE" sz="1200" dirty="0">
+                <a:solidFill>
+                  <a:srgbClr val="00B050"/>
+                </a:solidFill>
+              </a:rPr>
+              <a:t> :</a:t>
+            </a:r>
+            <a:r>
+              <a:rPr lang="de-DE" sz="1200" dirty="0" err="1">
+                <a:solidFill>
+                  <a:srgbClr val="00B050"/>
+                </a:solidFill>
+              </a:rPr>
+              <a:t>reverb</a:t>
+            </a:r>
+            <a:r>
+              <a:rPr lang="de-DE" sz="1200" dirty="0">
+                <a:solidFill>
+                  <a:srgbClr val="00B050"/>
+                </a:solidFill>
+              </a:rPr>
+              <a:t>, </a:t>
+            </a:r>
+            <a:r>
+              <a:rPr lang="de-DE" sz="1200" dirty="0" err="1">
+                <a:solidFill>
+                  <a:srgbClr val="00B050"/>
+                </a:solidFill>
+              </a:rPr>
+              <a:t>room</a:t>
+            </a:r>
+            <a:r>
+              <a:rPr lang="de-DE" sz="1200" dirty="0">
+                <a:solidFill>
+                  <a:srgbClr val="00B050"/>
+                </a:solidFill>
+              </a:rPr>
+              <a:t>: 0.5 do</a:t>
+            </a:r>
+            <a:br>
+              <a:rPr lang="de-DE" sz="1200" dirty="0"/>
+            </a:br>
+            <a:r>
+              <a:rPr lang="de-DE" sz="1200" dirty="0"/>
+              <a:t>          sample :</a:t>
+            </a:r>
+            <a:r>
+              <a:rPr lang="de-DE" sz="1200" dirty="0" err="1"/>
               <a:t>drum_snare_hard</a:t>
             </a:r>
             <a:r>
-              <a:rPr lang="de-DE"/>
-              <a:t>	:</a:t>
-            </a:r>
-            <a:r>
-              <a:rPr lang="de-DE" err="1"/>
-              <a:t>drum_tom_hi_hard</a:t>
-            </a:r>
-            <a:endParaRPr lang="de-DE"/>
-          </a:p>
-        </p:txBody>
-      </p:sp>
-      <p:sp>
-        <p:nvSpPr>
-          <p:cNvPr id="11" name="Text Placeholder 10"/>
+              <a:rPr lang="de-DE" sz="1200" dirty="0"/>
+              <a:t>, </a:t>
+            </a:r>
+            <a:r>
+              <a:rPr lang="de-DE" sz="1200" dirty="0" err="1"/>
+              <a:t>amp</a:t>
+            </a:r>
+            <a:r>
+              <a:rPr lang="de-DE" sz="1200" dirty="0"/>
+              <a:t>: 4, rate: 1.2  </a:t>
+            </a:r>
+          </a:p>
+          <a:p>
+            <a:r>
+              <a:rPr lang="de-DE" sz="1200" dirty="0"/>
+              <a:t>      </a:t>
+            </a:r>
+            <a:r>
+              <a:rPr lang="de-DE" sz="1200" dirty="0">
+                <a:solidFill>
+                  <a:srgbClr val="00B050"/>
+                </a:solidFill>
+              </a:rPr>
+              <a:t>end</a:t>
+            </a:r>
+          </a:p>
+        </p:txBody>
+      </p:sp>
+      <p:sp>
+        <p:nvSpPr>
+          <p:cNvPr id="25" name="Text Placeholder 24"/>
           <p:cNvSpPr>
             <a:spLocks noGrp="1"/>
           </p:cNvSpPr>
           <p:nvPr>
             <p:ph type="body" sz="quarter" idx="19"/>
-          </p:nvPr>
-        </p:nvSpPr>
-        <p:spPr/>
-        <p:txBody>
-          <a:bodyPr/>
-          <a:lstStyle/>
-          <a:p>
-            <a:endParaRPr lang="de-DE"/>
-          </a:p>
-        </p:txBody>
-      </p:sp>
-      <p:sp>
-        <p:nvSpPr>
-          <p:cNvPr id="16" name="Text Placeholder 15"/>
-          <p:cNvSpPr>
-            <a:spLocks noGrp="1"/>
-          </p:cNvSpPr>
-          <p:nvPr>
-            <p:ph type="body" sz="quarter" idx="17"/>
           </p:nvPr>
         </p:nvSpPr>
         <p:spPr>
           <a:xfrm>
-            <a:off x="404664" y="481918"/>
-            <a:ext cx="6048672" cy="2240668"/>
+            <a:off x="404664" y="8316416"/>
+            <a:ext cx="6453336" cy="634020"/>
           </a:xfrm>
         </p:spPr>
         <p:txBody>
@@ -10046,73 +9384,246 @@
           <a:lstStyle/>
           <a:p>
             <a:r>
+              <a:rPr lang="de-DE" sz="1600"/>
+              <a:t>Was geht hier vor?</a:t>
+            </a:r>
+          </a:p>
+          <a:p>
+            <a:r>
+              <a:rPr lang="de-DE" sz="1600" err="1"/>
+              <a:t>If</a:t>
+            </a:r>
+            <a:r>
+              <a:rPr lang="de-DE" sz="1600"/>
+              <a:t> = falls / </a:t>
+            </a:r>
+            <a:r>
+              <a:rPr lang="de-DE" sz="1600" err="1"/>
+              <a:t>else</a:t>
+            </a:r>
+            <a:r>
+              <a:rPr lang="de-DE" sz="1600"/>
+              <a:t> = andernfalls</a:t>
+            </a:r>
+          </a:p>
+        </p:txBody>
+      </p:sp>
+      <p:sp>
+        <p:nvSpPr>
+          <p:cNvPr id="19" name="Text Placeholder 18"/>
+          <p:cNvSpPr>
+            <a:spLocks noGrp="1"/>
+          </p:cNvSpPr>
+          <p:nvPr>
+            <p:ph type="body" sz="quarter" idx="17"/>
+          </p:nvPr>
+        </p:nvSpPr>
+        <p:spPr>
+          <a:xfrm>
+            <a:off x="404664" y="179512"/>
+            <a:ext cx="6048672" cy="2973122"/>
+          </a:xfrm>
+        </p:spPr>
+        <p:txBody>
+          <a:bodyPr/>
+          <a:lstStyle/>
+          <a:p>
+            <a:pPr algn="l"/>
+            <a:r>
+              <a:rPr lang="de-DE" sz="2400" noProof="1"/>
+              <a:t>Spiele etwas mit dem Schlagzeug herum</a:t>
+            </a:r>
+          </a:p>
+          <a:p>
+            <a:pPr algn="l"/>
+            <a:r>
+              <a:rPr lang="de-DE" sz="1200" noProof="1"/>
+              <a:t>use_bpm 120</a:t>
+            </a:r>
+          </a:p>
+          <a:p>
+            <a:pPr algn="l"/>
+            <a:r>
+              <a:rPr lang="de-DE" sz="1200" noProof="1"/>
+              <a:t>live_loop :schlagzeug do  </a:t>
+            </a:r>
+          </a:p>
+          <a:p>
+            <a:pPr algn="l"/>
+            <a:r>
+              <a:rPr lang="de-DE" sz="1200" noProof="1">
+                <a:solidFill>
+                  <a:srgbClr val="C00000"/>
+                </a:solidFill>
+              </a:rPr>
+              <a:t>    sample :drum_cymbal_closed, amp: 4,  rate: 1</a:t>
+            </a:r>
+            <a:br>
+              <a:rPr lang="de-DE" sz="1200" noProof="1">
+                <a:solidFill>
+                  <a:srgbClr val="C00000"/>
+                </a:solidFill>
+              </a:rPr>
+            </a:br>
+            <a:r>
+              <a:rPr lang="de-DE" sz="1200" noProof="1">
+                <a:solidFill>
+                  <a:srgbClr val="C00000"/>
+                </a:solidFill>
+              </a:rPr>
+              <a:t>    sleep 1  </a:t>
+            </a:r>
+            <a:br>
+              <a:rPr lang="de-DE" sz="1200" noProof="1"/>
+            </a:br>
+            <a:r>
+              <a:rPr lang="de-DE" sz="1200" noProof="1"/>
+              <a:t>    sample :drum_cymbal_closed, amp: 2  </a:t>
+            </a:r>
+            <a:br>
+              <a:rPr lang="de-DE" sz="1200" noProof="1"/>
+            </a:br>
+            <a:r>
+              <a:rPr lang="de-DE" sz="1200" noProof="1"/>
+              <a:t>    sample :drum_bass_soft, amp: 4  </a:t>
+            </a:r>
+            <a:br>
+              <a:rPr lang="de-DE" sz="1200" noProof="1"/>
+            </a:br>
+            <a:r>
+              <a:rPr lang="de-DE" sz="1200" noProof="1"/>
+              <a:t>    sleep 1  </a:t>
+            </a:r>
+            <a:br>
+              <a:rPr lang="de-DE" sz="1200" noProof="1"/>
+            </a:br>
+            <a:r>
+              <a:rPr lang="de-DE" sz="1200" noProof="1"/>
+              <a:t>    </a:t>
+            </a:r>
+            <a:r>
+              <a:rPr lang="de-DE" sz="1200" noProof="1">
+                <a:solidFill>
+                  <a:srgbClr val="C00000"/>
+                </a:solidFill>
+              </a:rPr>
+              <a:t>sample :drum_cymbal_closed, amp: 4  </a:t>
+            </a:r>
+            <a:br>
+              <a:rPr lang="de-DE" sz="1200" noProof="1">
+                <a:solidFill>
+                  <a:srgbClr val="C00000"/>
+                </a:solidFill>
+              </a:rPr>
+            </a:br>
+            <a:r>
+              <a:rPr lang="de-DE" sz="1200" noProof="1">
+                <a:solidFill>
+                  <a:srgbClr val="C00000"/>
+                </a:solidFill>
+              </a:rPr>
+              <a:t>    sleep 1  </a:t>
+            </a:r>
+            <a:br>
+              <a:rPr lang="de-DE" sz="1200" noProof="1"/>
+            </a:br>
+            <a:r>
+              <a:rPr lang="de-DE" sz="1200" noProof="1"/>
+              <a:t>    sample :drum_cymbal_closed, amp: 4 </a:t>
+            </a:r>
+            <a:br>
+              <a:rPr lang="de-DE" sz="1200" noProof="1"/>
+            </a:br>
+            <a:r>
+              <a:rPr lang="de-DE" sz="1200" noProof="1"/>
+              <a:t>    sample :drum_snare_hard, amp: 4, </a:t>
+            </a:r>
+            <a:r>
+              <a:rPr lang="de-DE" sz="1200" noProof="1">
+                <a:solidFill>
+                  <a:schemeClr val="tx2">
+                    <a:lumMod val="60000"/>
+                    <a:lumOff val="40000"/>
+                  </a:schemeClr>
+                </a:solidFill>
+              </a:rPr>
+              <a:t>rate: 1.2</a:t>
+            </a:r>
+            <a:br>
+              <a:rPr lang="de-DE" sz="1200" noProof="1"/>
+            </a:br>
+            <a:r>
+              <a:rPr lang="de-DE" sz="1200" noProof="1"/>
+              <a:t>    sleep 1</a:t>
+            </a:r>
+            <a:br>
+              <a:rPr lang="de-DE" sz="1200" noProof="1"/>
+            </a:br>
+            <a:r>
+              <a:rPr lang="de-DE" sz="1200" noProof="1"/>
+              <a:t>end </a:t>
+            </a:r>
+            <a:endParaRPr lang="de-DE" sz="2400" noProof="1"/>
+          </a:p>
+        </p:txBody>
+      </p:sp>
+      <p:sp>
+        <p:nvSpPr>
+          <p:cNvPr id="26" name="Text Placeholder 25"/>
+          <p:cNvSpPr>
+            <a:spLocks noGrp="1"/>
+          </p:cNvSpPr>
+          <p:nvPr>
+            <p:ph type="body" sz="quarter" idx="20"/>
+          </p:nvPr>
+        </p:nvSpPr>
+        <p:spPr/>
+        <p:txBody>
+          <a:bodyPr/>
+          <a:lstStyle/>
+          <a:p>
+            <a:r>
               <a:rPr lang="de-DE"/>
-              <a:t>live_loop :</a:t>
-            </a:r>
-            <a:r>
-              <a:rPr lang="de-DE" err="1"/>
-              <a:t>schlagzeug</a:t>
-            </a:r>
-            <a:r>
-              <a:rPr lang="de-DE"/>
-              <a:t> do  	</a:t>
-            </a:r>
-          </a:p>
-          <a:p>
-            <a:r>
-              <a:rPr lang="de-DE"/>
-              <a:t>	sample :</a:t>
-            </a:r>
-            <a:r>
-              <a:rPr lang="de-DE" err="1"/>
-              <a:t>bd_haus</a:t>
-            </a:r>
+              <a:t>Variablen und Bedingungen</a:t>
+            </a:r>
+          </a:p>
+        </p:txBody>
+      </p:sp>
+      <p:sp>
+        <p:nvSpPr>
+          <p:cNvPr id="2" name="TextBox 1"/>
+          <p:cNvSpPr txBox="1"/>
+          <p:nvPr/>
+        </p:nvSpPr>
+        <p:spPr>
+          <a:xfrm>
+            <a:off x="4028303" y="7117492"/>
+            <a:ext cx="184731" cy="369332"/>
+          </a:xfrm>
+          <a:prstGeom prst="rect">
+            <a:avLst/>
+          </a:prstGeom>
+          <a:noFill/>
+        </p:spPr>
+        <p:txBody>
+          <a:bodyPr wrap="none" rtlCol="0">
+            <a:spAutoFit/>
+          </a:bodyPr>
+          <a:lstStyle/>
+          <a:p>
             <a:endParaRPr lang="de-DE"/>
           </a:p>
-          <a:p>
-            <a:r>
-              <a:rPr lang="de-DE"/>
-              <a:t> 	</a:t>
-            </a:r>
-            <a:r>
-              <a:rPr lang="de-DE" err="1"/>
-              <a:t>sleep</a:t>
-            </a:r>
-            <a:r>
-              <a:rPr lang="de-DE"/>
-              <a:t> 1</a:t>
-            </a:r>
-          </a:p>
-          <a:p>
-            <a:r>
-              <a:rPr lang="de-DE"/>
-              <a:t>end</a:t>
-            </a:r>
-          </a:p>
-        </p:txBody>
-      </p:sp>
-      <p:sp>
-        <p:nvSpPr>
-          <p:cNvPr id="12" name="Text Placeholder 11"/>
-          <p:cNvSpPr>
-            <a:spLocks noGrp="1"/>
-          </p:cNvSpPr>
-          <p:nvPr>
-            <p:ph type="body" sz="quarter" idx="20"/>
-          </p:nvPr>
-        </p:nvSpPr>
-        <p:spPr/>
-        <p:txBody>
-          <a:bodyPr/>
-          <a:lstStyle/>
-          <a:p>
-            <a:endParaRPr lang="de-DE"/>
-          </a:p>
-        </p:txBody>
-      </p:sp>
-      <p:sp>
-        <p:nvSpPr>
-          <p:cNvPr id="13" name="Text Placeholder 12"/>
+        </p:txBody>
+      </p:sp>
+      <p:sp>
+        <p:nvSpPr>
+          <p:cNvPr id="4" name="Text Placeholder 3">
+            <a:extLst>
+              <a:ext uri="{FF2B5EF4-FFF2-40B4-BE49-F238E27FC236}">
+                <a16:creationId xmlns:a16="http://schemas.microsoft.com/office/drawing/2014/main" id="{87062DE3-A3AE-A541-BD50-F6D6F423E8A4}"/>
+              </a:ext>
+            </a:extLst>
+          </p:cNvPr>
           <p:cNvSpPr>
             <a:spLocks noGrp="1"/>
           </p:cNvSpPr>
@@ -10132,7 +9643,7 @@
     </p:spTree>
     <p:extLst>
       <p:ext uri="{BB962C8B-B14F-4D97-AF65-F5344CB8AC3E}">
-        <p14:creationId xmlns:p14="http://schemas.microsoft.com/office/powerpoint/2010/main" val="3397233553"/>
+        <p14:creationId xmlns:p14="http://schemas.microsoft.com/office/powerpoint/2010/main" val="2016802546"/>
       </p:ext>
     </p:extLst>
   </p:cSld>
@@ -10368,7 +9879,7 @@
       </p:grpSpPr>
       <p:sp>
         <p:nvSpPr>
-          <p:cNvPr id="2" name="Textplatzhalter 1"/>
+          <p:cNvPr id="14" name="Text Placeholder 13"/>
           <p:cNvSpPr>
             <a:spLocks noGrp="1"/>
           </p:cNvSpPr>
@@ -10383,14 +9894,14 @@
           <a:p>
             <a:r>
               <a:rPr lang="de-DE"/>
-              <a:t>Verwende Buffer 5</a:t>
-            </a:r>
-          </a:p>
-        </p:txBody>
-      </p:sp>
-      <p:sp>
-        <p:nvSpPr>
-          <p:cNvPr id="3" name="Textplatzhalter 2"/>
+              <a:t>So kann man Effekte verwenden</a:t>
+            </a:r>
+          </a:p>
+        </p:txBody>
+      </p:sp>
+      <p:sp>
+        <p:nvSpPr>
+          <p:cNvPr id="15" name="Text Placeholder 14"/>
           <p:cNvSpPr>
             <a:spLocks noGrp="1"/>
           </p:cNvSpPr>
@@ -10398,18 +9909,504 @@
             <p:ph type="body" sz="quarter" idx="18"/>
           </p:nvPr>
         </p:nvSpPr>
-        <p:spPr/>
+        <p:spPr>
+          <a:xfrm>
+            <a:off x="404664" y="3203848"/>
+            <a:ext cx="6453336" cy="1357295"/>
+          </a:xfrm>
+        </p:spPr>
         <p:txBody>
           <a:bodyPr/>
           <a:lstStyle/>
           <a:p>
+            <a:pPr marL="179388" indent="-173038">
+              <a:buFontTx/>
+              <a:buChar char="-"/>
+              <a:tabLst>
+                <a:tab pos="1081088" algn="l"/>
+                <a:tab pos="2152650" algn="l"/>
+                <a:tab pos="3233738" algn="l"/>
+                <a:tab pos="4303713" algn="l"/>
+                <a:tab pos="5386388" algn="l"/>
+              </a:tabLst>
+            </a:pPr>
+            <a:r>
+              <a:rPr lang="de-DE" sz="1050" b="0" err="1">
+                <a:solidFill>
+                  <a:schemeClr val="tx1"/>
+                </a:solidFill>
+                <a:latin typeface="DIN" charset="0"/>
+                <a:ea typeface="DIN" charset="0"/>
+                <a:cs typeface="DIN" charset="0"/>
+              </a:rPr>
+              <a:t>Fx</a:t>
+            </a:r>
+            <a:r>
+              <a:rPr lang="de-DE" sz="1050" b="0">
+                <a:solidFill>
+                  <a:schemeClr val="tx1"/>
+                </a:solidFill>
+                <a:latin typeface="DIN" charset="0"/>
+                <a:ea typeface="DIN" charset="0"/>
+                <a:cs typeface="DIN" charset="0"/>
+              </a:rPr>
+              <a:t> steht für „</a:t>
+            </a:r>
+            <a:r>
+              <a:rPr lang="de-DE" sz="1050" b="0" err="1">
+                <a:solidFill>
+                  <a:schemeClr val="tx1"/>
+                </a:solidFill>
+                <a:latin typeface="DIN" charset="0"/>
+                <a:ea typeface="DIN" charset="0"/>
+                <a:cs typeface="DIN" charset="0"/>
+              </a:rPr>
+              <a:t>Effects</a:t>
+            </a:r>
+            <a:r>
+              <a:rPr lang="de-DE" sz="1050" b="0">
+                <a:solidFill>
+                  <a:schemeClr val="tx1"/>
+                </a:solidFill>
+                <a:latin typeface="DIN" charset="0"/>
+                <a:ea typeface="DIN" charset="0"/>
+                <a:cs typeface="DIN" charset="0"/>
+              </a:rPr>
+              <a:t>“ = Effekte. Jeder Effekt kann auch „Parameter“ haben: </a:t>
+            </a:r>
+            <a:br>
+              <a:rPr lang="de-DE" sz="1050" b="0">
+                <a:solidFill>
+                  <a:schemeClr val="tx1"/>
+                </a:solidFill>
+                <a:latin typeface="DIN" charset="0"/>
+                <a:ea typeface="DIN" charset="0"/>
+                <a:cs typeface="DIN" charset="0"/>
+              </a:rPr>
+            </a:br>
+            <a:r>
+              <a:rPr lang="de-DE" sz="1050" b="0">
+                <a:solidFill>
+                  <a:schemeClr val="tx1"/>
+                </a:solidFill>
+                <a:latin typeface="DIN" charset="0"/>
+                <a:ea typeface="DIN" charset="0"/>
+                <a:cs typeface="DIN" charset="0"/>
+              </a:rPr>
+              <a:t>Hier die Größe des Raums für den Hall </a:t>
+            </a:r>
+            <a:r>
+              <a:rPr lang="de-DE" sz="1050" b="0">
+                <a:solidFill>
+                  <a:schemeClr val="tx1"/>
+                </a:solidFill>
+                <a:latin typeface="DIN" charset="0"/>
+                <a:ea typeface="DIN" charset="0"/>
+                <a:cs typeface="DIN" charset="0"/>
+                <a:sym typeface="Wingdings"/>
+              </a:rPr>
+              <a:t> </a:t>
+            </a:r>
+            <a:r>
+              <a:rPr lang="de-DE" sz="1050" b="0" err="1">
+                <a:solidFill>
+                  <a:schemeClr val="tx1"/>
+                </a:solidFill>
+                <a:latin typeface="DIN" charset="0"/>
+                <a:ea typeface="DIN" charset="0"/>
+                <a:cs typeface="DIN" charset="0"/>
+                <a:sym typeface="Wingdings"/>
+              </a:rPr>
+              <a:t>room</a:t>
+            </a:r>
+            <a:r>
+              <a:rPr lang="de-DE" sz="1050" b="0">
+                <a:solidFill>
+                  <a:schemeClr val="tx1"/>
+                </a:solidFill>
+                <a:latin typeface="DIN" charset="0"/>
+                <a:ea typeface="DIN" charset="0"/>
+                <a:cs typeface="DIN" charset="0"/>
+                <a:sym typeface="Wingdings"/>
+              </a:rPr>
+              <a:t>: 0.9</a:t>
+            </a:r>
+            <a:endParaRPr lang="de-DE" sz="1050" b="0">
+              <a:solidFill>
+                <a:schemeClr val="tx1"/>
+              </a:solidFill>
+              <a:latin typeface="DIN" charset="0"/>
+              <a:ea typeface="DIN" charset="0"/>
+              <a:cs typeface="DIN" charset="0"/>
+            </a:endParaRPr>
+          </a:p>
+          <a:p>
+            <a:pPr marL="179388" indent="-173038">
+              <a:buFontTx/>
+              <a:buChar char="-"/>
+              <a:tabLst>
+                <a:tab pos="1081088" algn="l"/>
+                <a:tab pos="2152650" algn="l"/>
+                <a:tab pos="3233738" algn="l"/>
+                <a:tab pos="4303713" algn="l"/>
+                <a:tab pos="5386388" algn="l"/>
+              </a:tabLst>
+            </a:pPr>
+            <a:r>
+              <a:rPr lang="de-DE" sz="1050" b="0">
+                <a:solidFill>
+                  <a:schemeClr val="tx1"/>
+                </a:solidFill>
+                <a:latin typeface="DIN" charset="0"/>
+                <a:ea typeface="DIN" charset="0"/>
+                <a:cs typeface="DIN" charset="0"/>
+              </a:rPr>
+              <a:t>Verwende eine andere Geschwindigkeit </a:t>
+            </a:r>
+          </a:p>
+          <a:p>
+            <a:pPr marL="179388" indent="-173038">
+              <a:buFontTx/>
+              <a:buChar char="-"/>
+              <a:tabLst>
+                <a:tab pos="1081088" algn="l"/>
+                <a:tab pos="2152650" algn="l"/>
+                <a:tab pos="3233738" algn="l"/>
+                <a:tab pos="4303713" algn="l"/>
+                <a:tab pos="5386388" algn="l"/>
+              </a:tabLst>
+            </a:pPr>
+            <a:r>
+              <a:rPr lang="de-DE" sz="1050" b="0">
+                <a:solidFill>
+                  <a:schemeClr val="tx1"/>
+                </a:solidFill>
+                <a:latin typeface="DIN" charset="0"/>
+                <a:ea typeface="DIN" charset="0"/>
+                <a:cs typeface="DIN" charset="0"/>
+              </a:rPr>
+              <a:t>Verwende </a:t>
+            </a:r>
+            <a:r>
+              <a:rPr lang="de-DE" sz="1050" b="0" err="1">
+                <a:solidFill>
+                  <a:schemeClr val="tx1"/>
+                </a:solidFill>
+                <a:latin typeface="DIN" charset="0"/>
+                <a:ea typeface="DIN" charset="0"/>
+                <a:cs typeface="DIN" charset="0"/>
+              </a:rPr>
+              <a:t>play</a:t>
+            </a:r>
+            <a:r>
+              <a:rPr lang="de-DE" sz="1050" b="0">
+                <a:solidFill>
+                  <a:schemeClr val="tx1"/>
+                </a:solidFill>
+                <a:latin typeface="DIN" charset="0"/>
+                <a:ea typeface="DIN" charset="0"/>
+                <a:cs typeface="DIN" charset="0"/>
+              </a:rPr>
+              <a:t> und </a:t>
+            </a:r>
+            <a:r>
+              <a:rPr lang="de-DE" sz="1050" b="0" err="1">
+                <a:solidFill>
+                  <a:schemeClr val="tx1"/>
+                </a:solidFill>
+                <a:latin typeface="DIN" charset="0"/>
+                <a:ea typeface="DIN" charset="0"/>
+                <a:cs typeface="DIN" charset="0"/>
+              </a:rPr>
+              <a:t>choose</a:t>
+            </a:r>
+            <a:r>
+              <a:rPr lang="de-DE" sz="1050" b="0">
+                <a:solidFill>
+                  <a:schemeClr val="tx1"/>
+                </a:solidFill>
+                <a:latin typeface="DIN" charset="0"/>
+                <a:ea typeface="DIN" charset="0"/>
+                <a:cs typeface="DIN" charset="0"/>
+              </a:rPr>
+              <a:t> (siehe Seite 9b)</a:t>
+            </a:r>
+          </a:p>
+          <a:p>
+            <a:pPr marL="179388" indent="-173038">
+              <a:buFontTx/>
+              <a:buChar char="-"/>
+              <a:tabLst>
+                <a:tab pos="1081088" algn="l"/>
+                <a:tab pos="2152650" algn="l"/>
+                <a:tab pos="3233738" algn="l"/>
+                <a:tab pos="4303713" algn="l"/>
+                <a:tab pos="5386388" algn="l"/>
+              </a:tabLst>
+            </a:pPr>
+            <a:r>
+              <a:rPr lang="de-DE" sz="1050" b="0">
+                <a:solidFill>
+                  <a:schemeClr val="tx1"/>
+                </a:solidFill>
+                <a:latin typeface="DIN" charset="0"/>
+                <a:ea typeface="DIN" charset="0"/>
+                <a:cs typeface="DIN" charset="0"/>
+              </a:rPr>
+              <a:t>Füge noch ein Effekt hinzu:</a:t>
+            </a:r>
+          </a:p>
+          <a:p>
+            <a:pPr marL="579467" lvl="2" indent="-173038">
+              <a:buFontTx/>
+              <a:buChar char="-"/>
+              <a:tabLst>
+                <a:tab pos="1081088" algn="l"/>
+                <a:tab pos="2152650" algn="l"/>
+                <a:tab pos="3233738" algn="l"/>
+                <a:tab pos="4303713" algn="l"/>
+                <a:tab pos="5386388" algn="l"/>
+              </a:tabLst>
+            </a:pPr>
+            <a:r>
+              <a:rPr lang="de-DE" sz="900" err="1">
+                <a:latin typeface="DIN" charset="0"/>
+                <a:ea typeface="DIN" charset="0"/>
+                <a:cs typeface="DIN" charset="0"/>
+              </a:rPr>
+              <a:t>with_fx</a:t>
+            </a:r>
+            <a:r>
+              <a:rPr lang="de-DE" sz="900">
+                <a:latin typeface="DIN" charset="0"/>
+                <a:ea typeface="DIN" charset="0"/>
+                <a:cs typeface="DIN" charset="0"/>
+              </a:rPr>
+              <a:t> :</a:t>
+            </a:r>
+            <a:r>
+              <a:rPr lang="de-DE" sz="900" err="1">
+                <a:latin typeface="DIN" charset="0"/>
+                <a:ea typeface="DIN" charset="0"/>
+                <a:cs typeface="DIN" charset="0"/>
+              </a:rPr>
+              <a:t>krush</a:t>
+            </a:r>
+            <a:r>
+              <a:rPr lang="de-DE" sz="900">
+                <a:latin typeface="DIN" charset="0"/>
+                <a:ea typeface="DIN" charset="0"/>
+                <a:cs typeface="DIN" charset="0"/>
+              </a:rPr>
+              <a:t> do</a:t>
+            </a:r>
+          </a:p>
+          <a:p>
+            <a:pPr marL="179388" lvl="1" indent="-173038">
+              <a:buFontTx/>
+              <a:buChar char="-"/>
+              <a:tabLst>
+                <a:tab pos="1081088" algn="l"/>
+                <a:tab pos="2152650" algn="l"/>
+                <a:tab pos="3233738" algn="l"/>
+                <a:tab pos="4303713" algn="l"/>
+                <a:tab pos="5386388" algn="l"/>
+              </a:tabLst>
+            </a:pPr>
+            <a:r>
+              <a:rPr lang="de-DE" sz="1050">
+                <a:latin typeface="DIN" charset="0"/>
+                <a:ea typeface="DIN" charset="0"/>
+                <a:cs typeface="DIN" charset="0"/>
+              </a:rPr>
+              <a:t>Probiere andere Effekte aus (siehe </a:t>
+            </a:r>
+            <a:r>
+              <a:rPr lang="de-DE" sz="1050" err="1">
+                <a:latin typeface="DIN" charset="0"/>
+                <a:ea typeface="DIN" charset="0"/>
+                <a:cs typeface="DIN" charset="0"/>
+              </a:rPr>
+              <a:t>Fx</a:t>
+            </a:r>
+            <a:r>
+              <a:rPr lang="de-DE" sz="1050">
+                <a:latin typeface="DIN" charset="0"/>
+                <a:ea typeface="DIN" charset="0"/>
+                <a:cs typeface="DIN" charset="0"/>
+              </a:rPr>
+              <a:t> im Spickzettel)</a:t>
+            </a:r>
+          </a:p>
+        </p:txBody>
+      </p:sp>
+      <p:sp>
+        <p:nvSpPr>
+          <p:cNvPr id="16" name="Text Placeholder 15"/>
+          <p:cNvSpPr>
+            <a:spLocks noGrp="1"/>
+          </p:cNvSpPr>
+          <p:nvPr>
+            <p:ph type="body" sz="quarter" idx="17"/>
+          </p:nvPr>
+        </p:nvSpPr>
+        <p:spPr>
+          <a:xfrm>
+            <a:off x="404664" y="289930"/>
+            <a:ext cx="6048672" cy="2677656"/>
+          </a:xfrm>
+        </p:spPr>
+        <p:txBody>
+          <a:bodyPr/>
+          <a:lstStyle/>
+          <a:p>
+            <a:pPr algn="l"/>
+            <a:r>
+              <a:rPr lang="de-DE" sz="2000" noProof="1"/>
+              <a:t>Effekte</a:t>
+            </a:r>
+          </a:p>
+          <a:p>
+            <a:pPr algn="l"/>
+            <a:endParaRPr lang="en-US" sz="2000" dirty="0"/>
+          </a:p>
+          <a:p>
+            <a:pPr algn="l"/>
+            <a:r>
+              <a:rPr lang="en-US" sz="2000" dirty="0">
+                <a:solidFill>
+                  <a:schemeClr val="tx1"/>
+                </a:solidFill>
+              </a:rPr>
+              <a:t>live_loop :</a:t>
+            </a:r>
+            <a:r>
+              <a:rPr lang="en-US" sz="2000" dirty="0" err="1">
+                <a:solidFill>
+                  <a:schemeClr val="tx1"/>
+                </a:solidFill>
+              </a:rPr>
+              <a:t>mitHall</a:t>
+            </a:r>
+            <a:r>
+              <a:rPr lang="en-US" sz="2000" dirty="0">
+                <a:solidFill>
+                  <a:schemeClr val="tx1"/>
+                </a:solidFill>
+              </a:rPr>
+              <a:t> do</a:t>
+            </a:r>
+          </a:p>
+          <a:p>
+            <a:pPr algn="l"/>
+            <a:r>
+              <a:rPr lang="en-US" sz="2000" dirty="0">
+                <a:solidFill>
+                  <a:schemeClr val="tx1"/>
+                </a:solidFill>
+              </a:rPr>
+              <a:t>  </a:t>
+            </a:r>
+            <a:r>
+              <a:rPr lang="en-US" sz="2000" dirty="0" err="1">
+                <a:solidFill>
+                  <a:schemeClr val="tx1"/>
+                </a:solidFill>
+              </a:rPr>
+              <a:t>with_fx</a:t>
+            </a:r>
+            <a:r>
+              <a:rPr lang="en-US" sz="2000" dirty="0">
+                <a:solidFill>
+                  <a:schemeClr val="tx1"/>
+                </a:solidFill>
+              </a:rPr>
+              <a:t> :reverb, room: 0.9 do</a:t>
+            </a:r>
+          </a:p>
+          <a:p>
+            <a:pPr algn="l"/>
+            <a:r>
+              <a:rPr lang="en-US" sz="2000" dirty="0">
+                <a:solidFill>
+                  <a:schemeClr val="tx1"/>
+                </a:solidFill>
+              </a:rPr>
+              <a:t>    </a:t>
+            </a:r>
+            <a:r>
+              <a:rPr lang="en-US" sz="2000" dirty="0" err="1">
+                <a:solidFill>
+                  <a:schemeClr val="tx1"/>
+                </a:solidFill>
+              </a:rPr>
+              <a:t>play_pattern</a:t>
+            </a:r>
+            <a:r>
+              <a:rPr lang="en-US" sz="2000" dirty="0">
+                <a:solidFill>
+                  <a:schemeClr val="tx1"/>
+                </a:solidFill>
+              </a:rPr>
+              <a:t> (scale :e4, :minor)</a:t>
+            </a:r>
+          </a:p>
+          <a:p>
+            <a:pPr algn="l"/>
+            <a:r>
+              <a:rPr lang="en-US" sz="2000" dirty="0">
+                <a:solidFill>
+                  <a:schemeClr val="tx1"/>
+                </a:solidFill>
+              </a:rPr>
+              <a:t>  end</a:t>
+            </a:r>
+          </a:p>
+          <a:p>
+            <a:pPr algn="l"/>
+            <a:r>
+              <a:rPr lang="en-US" sz="2000" dirty="0">
+                <a:solidFill>
+                  <a:schemeClr val="tx1"/>
+                </a:solidFill>
+              </a:rPr>
+              <a:t>end</a:t>
+            </a:r>
+            <a:endParaRPr lang="de-DE" sz="2000" dirty="0">
+              <a:solidFill>
+                <a:schemeClr val="tx1"/>
+              </a:solidFill>
+            </a:endParaRPr>
+          </a:p>
+        </p:txBody>
+      </p:sp>
+      <p:sp>
+        <p:nvSpPr>
+          <p:cNvPr id="10" name="Text Placeholder 9"/>
+          <p:cNvSpPr>
+            <a:spLocks noGrp="1"/>
+          </p:cNvSpPr>
+          <p:nvPr>
+            <p:ph type="body" sz="quarter" idx="20"/>
+          </p:nvPr>
+        </p:nvSpPr>
+        <p:spPr>
+          <a:xfrm>
+            <a:off x="0" y="7956376"/>
+            <a:ext cx="6858000" cy="261610"/>
+          </a:xfrm>
+        </p:spPr>
+        <p:txBody>
+          <a:bodyPr/>
+          <a:lstStyle/>
+          <a:p>
             <a:endParaRPr lang="de-DE"/>
           </a:p>
         </p:txBody>
       </p:sp>
       <p:sp>
         <p:nvSpPr>
-          <p:cNvPr id="4" name="Textplatzhalter 3"/>
+          <p:cNvPr id="9" name="Text Placeholder 8"/>
           <p:cNvSpPr>
             <a:spLocks noGrp="1"/>
           </p:cNvSpPr>
@@ -10417,18 +10414,201 @@
             <p:ph type="body" sz="quarter" idx="19"/>
           </p:nvPr>
         </p:nvSpPr>
-        <p:spPr/>
+        <p:spPr>
+          <a:xfrm>
+            <a:off x="404664" y="8316416"/>
+            <a:ext cx="6453336" cy="835613"/>
+          </a:xfrm>
+        </p:spPr>
         <p:txBody>
           <a:bodyPr/>
           <a:lstStyle/>
           <a:p>
-            <a:endParaRPr lang="de-DE"/>
-          </a:p>
-        </p:txBody>
-      </p:sp>
-      <p:sp>
-        <p:nvSpPr>
-          <p:cNvPr id="5" name="Textplatzhalter 4"/>
+            <a:r>
+              <a:rPr lang="de-DE" sz="1050"/>
+              <a:t>Probiere </a:t>
+            </a:r>
+            <a:r>
+              <a:rPr lang="de-DE" sz="1050" err="1">
+                <a:solidFill>
+                  <a:schemeClr val="accent6"/>
+                </a:solidFill>
+              </a:rPr>
+              <a:t>sleep</a:t>
+            </a:r>
+            <a:r>
+              <a:rPr lang="de-DE" sz="1050">
+                <a:solidFill>
+                  <a:schemeClr val="accent6"/>
+                </a:solidFill>
+              </a:rPr>
+              <a:t> </a:t>
+            </a:r>
+            <a:r>
+              <a:rPr lang="de-DE" sz="1050" err="1">
+                <a:solidFill>
+                  <a:schemeClr val="accent6"/>
+                </a:solidFill>
+              </a:rPr>
+              <a:t>sample_duration</a:t>
+            </a:r>
+            <a:r>
+              <a:rPr lang="de-DE" sz="1050">
+                <a:solidFill>
+                  <a:schemeClr val="accent6"/>
+                </a:solidFill>
+              </a:rPr>
+              <a:t>(:</a:t>
+            </a:r>
+            <a:r>
+              <a:rPr lang="de-DE" sz="1050" err="1">
+                <a:solidFill>
+                  <a:schemeClr val="accent6"/>
+                </a:solidFill>
+              </a:rPr>
+              <a:t>loop_amen</a:t>
+            </a:r>
+            <a:r>
+              <a:rPr lang="de-DE" sz="1050">
+                <a:solidFill>
+                  <a:schemeClr val="accent6"/>
+                </a:solidFill>
+              </a:rPr>
+              <a:t>) </a:t>
+            </a:r>
+            <a:r>
+              <a:rPr lang="de-DE" sz="1050"/>
+              <a:t>aus! Was passiert und warum?</a:t>
+            </a:r>
+          </a:p>
+          <a:p>
+            <a:r>
+              <a:rPr lang="de-DE" sz="1050"/>
+              <a:t>Füge folgendes hinter dem Sample-Befehl ein:       </a:t>
+            </a:r>
+            <a:r>
+              <a:rPr lang="en-US" sz="1050">
+                <a:solidFill>
+                  <a:schemeClr val="accent6"/>
+                </a:solidFill>
+              </a:rPr>
+              <a:t>, rate: 2</a:t>
+            </a:r>
+            <a:r>
+              <a:rPr lang="en-US" sz="1050"/>
+              <a:t>      Was </a:t>
+            </a:r>
+            <a:r>
+              <a:rPr lang="en-US" sz="1050" err="1"/>
+              <a:t>macht</a:t>
+            </a:r>
+            <a:r>
+              <a:rPr lang="en-US" sz="1050"/>
+              <a:t> die Rate? Was </a:t>
+            </a:r>
+            <a:r>
+              <a:rPr lang="en-US" sz="1050" err="1"/>
+              <a:t>passiert</a:t>
+            </a:r>
+            <a:r>
+              <a:rPr lang="en-US" sz="1050"/>
+              <a:t> </a:t>
+            </a:r>
+            <a:r>
+              <a:rPr lang="en-US" sz="1050" err="1"/>
+              <a:t>mit</a:t>
+            </a:r>
+            <a:r>
+              <a:rPr lang="en-US" sz="1050"/>
+              <a:t> der Pause? </a:t>
+            </a:r>
+          </a:p>
+          <a:p>
+            <a:r>
+              <a:rPr lang="en-US" sz="1050" err="1"/>
+              <a:t>Wie</a:t>
+            </a:r>
+            <a:r>
+              <a:rPr lang="en-US" sz="1050"/>
+              <a:t> </a:t>
+            </a:r>
+            <a:r>
+              <a:rPr lang="en-US" sz="1050" err="1"/>
+              <a:t>müssen</a:t>
+            </a:r>
+            <a:r>
+              <a:rPr lang="en-US" sz="1050"/>
+              <a:t> </a:t>
+            </a:r>
+            <a:r>
+              <a:rPr lang="en-US" sz="1050" err="1"/>
+              <a:t>wir</a:t>
+            </a:r>
+            <a:r>
+              <a:rPr lang="en-US" sz="1050"/>
+              <a:t> die Pause </a:t>
+            </a:r>
+            <a:r>
+              <a:rPr lang="en-US" sz="1050" err="1"/>
+              <a:t>korrigieren</a:t>
+            </a:r>
+            <a:r>
+              <a:rPr lang="en-US" sz="1050"/>
+              <a:t>?</a:t>
+            </a:r>
+          </a:p>
+          <a:p>
+            <a:r>
+              <a:rPr lang="en-US" sz="1050" err="1"/>
+              <a:t>Zum</a:t>
+            </a:r>
+            <a:r>
+              <a:rPr lang="en-US" sz="1050"/>
+              <a:t> </a:t>
+            </a:r>
+            <a:r>
+              <a:rPr lang="en-US" sz="1050" err="1"/>
+              <a:t>Spaß</a:t>
+            </a:r>
+            <a:r>
+              <a:rPr lang="en-US" sz="1050"/>
+              <a:t>: </a:t>
+            </a:r>
+            <a:r>
+              <a:rPr lang="en-US" sz="1050" err="1"/>
+              <a:t>Versuche</a:t>
+            </a:r>
+            <a:r>
+              <a:rPr lang="en-US" sz="1050"/>
+              <a:t> mal </a:t>
+            </a:r>
+            <a:r>
+              <a:rPr lang="en-US" sz="1050" err="1"/>
+              <a:t>eine</a:t>
+            </a:r>
+            <a:r>
+              <a:rPr lang="en-US" sz="1050"/>
+              <a:t>           </a:t>
+            </a:r>
+            <a:r>
+              <a:rPr lang="en-US" sz="1050">
+                <a:solidFill>
+                  <a:schemeClr val="accent6"/>
+                </a:solidFill>
+              </a:rPr>
+              <a:t>rate:-1</a:t>
+            </a:r>
+            <a:endParaRPr lang="de-DE" sz="1050">
+              <a:solidFill>
+                <a:schemeClr val="accent6"/>
+              </a:solidFill>
+            </a:endParaRPr>
+          </a:p>
+        </p:txBody>
+      </p:sp>
+      <p:sp>
+        <p:nvSpPr>
+          <p:cNvPr id="11" name="Text Placeholder 15"/>
           <p:cNvSpPr>
             <a:spLocks noGrp="1"/>
           </p:cNvSpPr>
@@ -10436,60 +10616,179 @@
             <p:ph type="body" sz="quarter" idx="17"/>
           </p:nvPr>
         </p:nvSpPr>
-        <p:spPr/>
-        <p:txBody>
-          <a:bodyPr/>
-          <a:lstStyle/>
-          <a:p>
-            <a:r>
-              <a:rPr lang="de-DE"/>
-              <a:t>BUFFER 5</a:t>
-            </a:r>
-          </a:p>
-        </p:txBody>
-      </p:sp>
-      <p:sp>
-        <p:nvSpPr>
-          <p:cNvPr id="6" name="Textplatzhalter 5"/>
-          <p:cNvSpPr>
-            <a:spLocks noGrp="1"/>
-          </p:cNvSpPr>
-          <p:nvPr>
-            <p:ph type="body" sz="quarter" idx="20"/>
-          </p:nvPr>
-        </p:nvSpPr>
-        <p:spPr/>
-        <p:txBody>
-          <a:bodyPr/>
-          <a:lstStyle/>
-          <a:p>
-            <a:endParaRPr lang="de-DE"/>
-          </a:p>
-        </p:txBody>
-      </p:sp>
-      <p:sp>
-        <p:nvSpPr>
-          <p:cNvPr id="7" name="Textplatzhalter 6"/>
-          <p:cNvSpPr>
-            <a:spLocks noGrp="1"/>
-          </p:cNvSpPr>
-          <p:nvPr>
-            <p:ph type="body" sz="quarter" idx="21"/>
-          </p:nvPr>
-        </p:nvSpPr>
-        <p:spPr/>
-        <p:txBody>
-          <a:bodyPr/>
-          <a:lstStyle/>
-          <a:p>
-            <a:endParaRPr lang="de-DE"/>
+        <p:spPr>
+          <a:xfrm>
+            <a:off x="764704" y="5350211"/>
+            <a:ext cx="2736304" cy="1877437"/>
+          </a:xfrm>
+        </p:spPr>
+        <p:txBody>
+          <a:bodyPr>
+            <a:noAutofit/>
+          </a:bodyPr>
+          <a:lstStyle/>
+          <a:p>
+            <a:pPr marL="6350" indent="0" algn="l"/>
+            <a:r>
+              <a:rPr lang="en-US" sz="2000" dirty="0">
+                <a:solidFill>
+                  <a:schemeClr val="tx1"/>
+                </a:solidFill>
+              </a:rPr>
+              <a:t>live_loop :</a:t>
+            </a:r>
+            <a:r>
+              <a:rPr lang="en-US" sz="2000" dirty="0" err="1">
+                <a:solidFill>
+                  <a:schemeClr val="tx1"/>
+                </a:solidFill>
+              </a:rPr>
+              <a:t>endlos</a:t>
+            </a:r>
+            <a:r>
+              <a:rPr lang="en-US" sz="2000" dirty="0">
+                <a:solidFill>
+                  <a:schemeClr val="tx1"/>
+                </a:solidFill>
+              </a:rPr>
+              <a:t> do  </a:t>
+            </a:r>
+          </a:p>
+          <a:p>
+            <a:pPr marL="6350" indent="0" algn="l"/>
+            <a:r>
+              <a:rPr lang="en-US" sz="2000" dirty="0">
+                <a:solidFill>
+                  <a:schemeClr val="tx1"/>
+                </a:solidFill>
+              </a:rPr>
+              <a:t>   sample :</a:t>
+            </a:r>
+            <a:r>
+              <a:rPr lang="en-US" sz="2000" dirty="0" err="1">
+                <a:solidFill>
+                  <a:schemeClr val="tx1"/>
+                </a:solidFill>
+              </a:rPr>
+              <a:t>loop_amen</a:t>
+            </a:r>
+            <a:r>
+              <a:rPr lang="en-US" sz="2000" dirty="0">
+                <a:solidFill>
+                  <a:schemeClr val="tx1"/>
+                </a:solidFill>
+              </a:rPr>
+              <a:t>  </a:t>
+            </a:r>
+          </a:p>
+          <a:p>
+            <a:pPr marL="6350" indent="0" algn="l"/>
+            <a:r>
+              <a:rPr lang="en-US" sz="2000" dirty="0">
+                <a:solidFill>
+                  <a:schemeClr val="tx1"/>
+                </a:solidFill>
+              </a:rPr>
+              <a:t>   sleep 4</a:t>
+            </a:r>
+          </a:p>
+          <a:p>
+            <a:pPr marL="6350" indent="0" algn="l"/>
+            <a:r>
+              <a:rPr lang="en-US" sz="2000" dirty="0">
+                <a:solidFill>
+                  <a:schemeClr val="tx1"/>
+                </a:solidFill>
+              </a:rPr>
+              <a:t>end</a:t>
+            </a:r>
+            <a:endParaRPr lang="de-DE" sz="2000" dirty="0">
+              <a:solidFill>
+                <a:schemeClr val="tx1"/>
+              </a:solidFill>
+            </a:endParaRPr>
+          </a:p>
+        </p:txBody>
+      </p:sp>
+      <p:sp>
+        <p:nvSpPr>
+          <p:cNvPr id="2" name="TextBox 1"/>
+          <p:cNvSpPr txBox="1"/>
+          <p:nvPr/>
+        </p:nvSpPr>
+        <p:spPr>
+          <a:xfrm>
+            <a:off x="2523496" y="6815198"/>
+            <a:ext cx="3907352" cy="923330"/>
+          </a:xfrm>
+          <a:prstGeom prst="rect">
+            <a:avLst/>
+          </a:prstGeom>
+          <a:noFill/>
+        </p:spPr>
+        <p:txBody>
+          <a:bodyPr wrap="none" rtlCol="0">
+            <a:spAutoFit/>
+          </a:bodyPr>
+          <a:lstStyle/>
+          <a:p>
+            <a:r>
+              <a:rPr lang="de-DE" dirty="0"/>
+              <a:t>Das Schlagzeug soll durchgängig spielen</a:t>
+            </a:r>
+            <a:br>
+              <a:rPr lang="de-DE" dirty="0"/>
+            </a:br>
+            <a:r>
+              <a:rPr lang="de-DE" dirty="0"/>
+              <a:t>aber die Pause ist zu lang. Versuche die </a:t>
+            </a:r>
+          </a:p>
+          <a:p>
+            <a:r>
+              <a:rPr lang="de-DE" dirty="0"/>
+              <a:t>richtige Länge herauszufinden.</a:t>
+            </a:r>
+          </a:p>
+        </p:txBody>
+      </p:sp>
+      <p:sp>
+        <p:nvSpPr>
+          <p:cNvPr id="3" name="TextBox 2"/>
+          <p:cNvSpPr txBox="1"/>
+          <p:nvPr/>
+        </p:nvSpPr>
+        <p:spPr>
+          <a:xfrm>
+            <a:off x="1988840" y="4841359"/>
+            <a:ext cx="2448272" cy="369332"/>
+          </a:xfrm>
+          <a:prstGeom prst="rect">
+            <a:avLst/>
+          </a:prstGeom>
+          <a:noFill/>
+        </p:spPr>
+        <p:txBody>
+          <a:bodyPr wrap="square" rtlCol="0">
+            <a:spAutoFit/>
+          </a:bodyPr>
+          <a:lstStyle/>
+          <a:p>
+            <a:r>
+              <a:rPr lang="de-DE" noProof="1">
+                <a:solidFill>
+                  <a:srgbClr val="FFC000"/>
+                </a:solidFill>
+              </a:rPr>
+              <a:t>Sample-Dauer</a:t>
+            </a:r>
           </a:p>
         </p:txBody>
       </p:sp>
     </p:spTree>
     <p:extLst>
       <p:ext uri="{BB962C8B-B14F-4D97-AF65-F5344CB8AC3E}">
-        <p14:creationId xmlns:p14="http://schemas.microsoft.com/office/powerpoint/2010/main" val="4265769765"/>
+        <p14:creationId xmlns:p14="http://schemas.microsoft.com/office/powerpoint/2010/main" val="174545010"/>
       </p:ext>
     </p:extLst>
   </p:cSld>
@@ -10518,7 +10817,7 @@
       </p:grpSpPr>
       <p:sp>
         <p:nvSpPr>
-          <p:cNvPr id="14" name="Text Placeholder 13"/>
+          <p:cNvPr id="2" name="Textplatzhalter 1"/>
           <p:cNvSpPr>
             <a:spLocks noGrp="1"/>
           </p:cNvSpPr>
@@ -10533,25 +10832,118 @@
           <a:p>
             <a:r>
               <a:rPr lang="de-DE"/>
-              <a:t>Ein Gitarren-Sample</a:t>
-            </a:r>
-          </a:p>
-        </p:txBody>
-      </p:sp>
-      <p:sp>
-        <p:nvSpPr>
-          <p:cNvPr id="15" name="Text Placeholder 14"/>
+              <a:t>Verwende Buffer 4</a:t>
+            </a:r>
+          </a:p>
+        </p:txBody>
+      </p:sp>
+      <p:sp>
+        <p:nvSpPr>
+          <p:cNvPr id="3" name="Textplatzhalter 2"/>
           <p:cNvSpPr>
             <a:spLocks noGrp="1"/>
           </p:cNvSpPr>
           <p:nvPr>
             <p:ph type="body" sz="quarter" idx="18"/>
+          </p:nvPr>
+        </p:nvSpPr>
+        <p:spPr/>
+        <p:txBody>
+          <a:bodyPr/>
+          <a:lstStyle/>
+          <a:p>
+            <a:endParaRPr lang="de-DE"/>
+          </a:p>
+        </p:txBody>
+      </p:sp>
+      <p:sp>
+        <p:nvSpPr>
+          <p:cNvPr id="4" name="Textplatzhalter 3"/>
+          <p:cNvSpPr>
+            <a:spLocks noGrp="1"/>
+          </p:cNvSpPr>
+          <p:nvPr>
+            <p:ph type="body" sz="quarter" idx="19"/>
+          </p:nvPr>
+        </p:nvSpPr>
+        <p:spPr/>
+        <p:txBody>
+          <a:bodyPr/>
+          <a:lstStyle/>
+          <a:p>
+            <a:endParaRPr lang="de-DE"/>
+          </a:p>
+        </p:txBody>
+      </p:sp>
+      <p:sp>
+        <p:nvSpPr>
+          <p:cNvPr id="5" name="Textplatzhalter 4"/>
+          <p:cNvSpPr>
+            <a:spLocks noGrp="1"/>
+          </p:cNvSpPr>
+          <p:nvPr>
+            <p:ph type="body" sz="quarter" idx="17"/>
+          </p:nvPr>
+        </p:nvSpPr>
+        <p:spPr/>
+        <p:txBody>
+          <a:bodyPr/>
+          <a:lstStyle/>
+          <a:p>
+            <a:r>
+              <a:rPr lang="de-DE"/>
+              <a:t>BUFFER </a:t>
+            </a:r>
+            <a:r>
+              <a:rPr lang="de-DE">
+                <a:solidFill>
+                  <a:srgbClr val="FF0000"/>
+                </a:solidFill>
+              </a:rPr>
+              <a:t>9</a:t>
+            </a:r>
+          </a:p>
+        </p:txBody>
+      </p:sp>
+      <p:sp>
+        <p:nvSpPr>
+          <p:cNvPr id="6" name="Textplatzhalter 5"/>
+          <p:cNvSpPr>
+            <a:spLocks noGrp="1"/>
+          </p:cNvSpPr>
+          <p:nvPr>
+            <p:ph type="body" sz="quarter" idx="20"/>
+          </p:nvPr>
+        </p:nvSpPr>
+        <p:spPr/>
+        <p:txBody>
+          <a:bodyPr/>
+          <a:lstStyle/>
+          <a:p>
+            <a:endParaRPr lang="de-DE"/>
+          </a:p>
+        </p:txBody>
+      </p:sp>
+      <p:sp>
+        <p:nvSpPr>
+          <p:cNvPr id="9" name="Text Placeholder 12">
+            <a:extLst>
+              <a:ext uri="{FF2B5EF4-FFF2-40B4-BE49-F238E27FC236}">
+                <a16:creationId xmlns:a16="http://schemas.microsoft.com/office/drawing/2014/main" id="{CE19661D-B4D1-3741-8A25-F4E26875D852}"/>
+              </a:ext>
+            </a:extLst>
+          </p:cNvPr>
+          <p:cNvSpPr>
+            <a:spLocks noGrp="1"/>
+          </p:cNvSpPr>
+          <p:nvPr>
+            <p:ph type="body" sz="quarter" idx="21"/>
           </p:nvPr>
         </p:nvSpPr>
         <p:spPr>
           <a:xfrm>
-            <a:off x="404664" y="3275856"/>
-            <a:ext cx="6453336" cy="978729"/>
+            <a:off x="410384" y="5031340"/>
+            <a:ext cx="6048672" cy="769441"/>
           </a:xfrm>
         </p:spPr>
         <p:txBody>
@@ -10560,258 +10952,42 @@
           <a:p>
             <a:r>
               <a:rPr lang="de-DE"/>
-              <a:t>Probiere aus.</a:t>
-            </a:r>
-          </a:p>
-          <a:p>
-            <a:r>
-              <a:rPr lang="de-DE"/>
-              <a:t>Danach kopiere das Schlagzeug (Buffer 4)  und Melodie in Buffer 5 zusammen</a:t>
-            </a:r>
-          </a:p>
-        </p:txBody>
-      </p:sp>
-      <p:sp>
-        <p:nvSpPr>
-          <p:cNvPr id="2" name="Textplatzhalter 1"/>
-          <p:cNvSpPr>
-            <a:spLocks noGrp="1"/>
-          </p:cNvSpPr>
-          <p:nvPr>
-            <p:ph type="body" sz="quarter" idx="19"/>
-          </p:nvPr>
+              <a:t>Schleifen</a:t>
+            </a:r>
+          </a:p>
+        </p:txBody>
+      </p:sp>
+      <p:sp>
+        <p:nvSpPr>
+          <p:cNvPr id="10" name="TextBox 9">
+            <a:extLst>
+              <a:ext uri="{FF2B5EF4-FFF2-40B4-BE49-F238E27FC236}">
+                <a16:creationId xmlns:a16="http://schemas.microsoft.com/office/drawing/2014/main" id="{45F74D6D-8447-F149-83F0-0585C4D79417}"/>
+              </a:ext>
+            </a:extLst>
+          </p:cNvPr>
+          <p:cNvSpPr txBox="1"/>
+          <p:nvPr/>
         </p:nvSpPr>
         <p:spPr>
           <a:xfrm>
-            <a:off x="404664" y="8244408"/>
-            <a:ext cx="6453336" cy="701731"/>
+            <a:off x="2095109" y="6230895"/>
+            <a:ext cx="2667782" cy="369332"/>
           </a:xfrm>
+          <a:prstGeom prst="rect">
+            <a:avLst/>
+          </a:prstGeom>
+          <a:noFill/>
         </p:spPr>
         <p:txBody>
-          <a:bodyPr/>
+          <a:bodyPr wrap="none" rtlCol="0">
+            <a:spAutoFit/>
+          </a:bodyPr>
           <a:lstStyle/>
           <a:p>
             <a:r>
               <a:rPr lang="de-DE"/>
-              <a:t>use_bpm		</a:t>
-            </a:r>
-            <a:r>
-              <a:rPr lang="de-DE" err="1"/>
-              <a:t>use_synth</a:t>
-            </a:r>
-            <a:r>
-              <a:rPr lang="de-DE"/>
-              <a:t> :</a:t>
-            </a:r>
-            <a:r>
-              <a:rPr lang="de-DE" err="1"/>
-              <a:t>hollow</a:t>
-            </a:r>
-            <a:r>
-              <a:rPr lang="de-DE"/>
-              <a:t>		,</a:t>
-            </a:r>
-            <a:r>
-              <a:rPr lang="de-DE" err="1"/>
-              <a:t>amp</a:t>
-            </a:r>
-            <a:r>
-              <a:rPr lang="de-DE"/>
-              <a:t>: 5</a:t>
-            </a:r>
-          </a:p>
-          <a:p>
-            <a:r>
-              <a:rPr lang="de-DE" err="1"/>
-              <a:t>use_synth</a:t>
-            </a:r>
-            <a:r>
-              <a:rPr lang="de-DE"/>
-              <a:t>: </a:t>
-            </a:r>
-            <a:r>
-              <a:rPr lang="de-DE" err="1"/>
-              <a:t>hoover</a:t>
-            </a:r>
-            <a:r>
-              <a:rPr lang="de-DE"/>
-              <a:t>		</a:t>
-            </a:r>
-          </a:p>
-        </p:txBody>
-      </p:sp>
-      <p:sp>
-        <p:nvSpPr>
-          <p:cNvPr id="16" name="Text Placeholder 15"/>
-          <p:cNvSpPr>
-            <a:spLocks noGrp="1"/>
-          </p:cNvSpPr>
-          <p:nvPr>
-            <p:ph type="body" sz="quarter" idx="17"/>
-          </p:nvPr>
-        </p:nvSpPr>
-        <p:spPr>
-          <a:xfrm>
-            <a:off x="404664" y="449975"/>
-            <a:ext cx="6048672" cy="2357568"/>
-          </a:xfrm>
-        </p:spPr>
-        <p:txBody>
-          <a:bodyPr/>
-          <a:lstStyle/>
-          <a:p>
-            <a:pPr algn="l"/>
-            <a:r>
-              <a:rPr lang="de-DE"/>
-              <a:t>live_loop :</a:t>
-            </a:r>
-            <a:r>
-              <a:rPr lang="de-DE" err="1"/>
-              <a:t>melodie</a:t>
-            </a:r>
-            <a:r>
-              <a:rPr lang="de-DE"/>
-              <a:t> do  	</a:t>
-            </a:r>
-          </a:p>
-          <a:p>
-            <a:pPr algn="l"/>
-            <a:r>
-              <a:rPr lang="de-DE"/>
-              <a:t>	sample :guit_em9</a:t>
-            </a:r>
-          </a:p>
-          <a:p>
-            <a:pPr algn="l"/>
-            <a:r>
-              <a:rPr lang="de-DE"/>
-              <a:t> 	</a:t>
-            </a:r>
-            <a:r>
-              <a:rPr lang="de-DE" err="1"/>
-              <a:t>sleep</a:t>
-            </a:r>
-            <a:r>
-              <a:rPr lang="de-DE"/>
-              <a:t> 2</a:t>
-            </a:r>
-          </a:p>
-          <a:p>
-            <a:pPr algn="l"/>
-            <a:r>
-              <a:rPr lang="de-DE"/>
-              <a:t>end</a:t>
-            </a:r>
-          </a:p>
-        </p:txBody>
-      </p:sp>
-      <p:sp>
-        <p:nvSpPr>
-          <p:cNvPr id="10" name="Text Placeholder 9"/>
-          <p:cNvSpPr>
-            <a:spLocks noGrp="1"/>
-          </p:cNvSpPr>
-          <p:nvPr>
-            <p:ph type="body" sz="quarter" idx="20"/>
-          </p:nvPr>
-        </p:nvSpPr>
-        <p:spPr/>
-        <p:txBody>
-          <a:bodyPr/>
-          <a:lstStyle/>
-          <a:p>
-            <a:r>
-              <a:rPr lang="de-DE"/>
-              <a:t>Benutze auch Size – und Size +, um den Text in den Größe zu verändern</a:t>
-            </a:r>
-          </a:p>
-        </p:txBody>
-      </p:sp>
-      <p:sp>
-        <p:nvSpPr>
-          <p:cNvPr id="11" name="Text Placeholder 10"/>
-          <p:cNvSpPr>
-            <a:spLocks noGrp="1"/>
-          </p:cNvSpPr>
-          <p:nvPr>
-            <p:ph type="body" sz="quarter" idx="21"/>
-          </p:nvPr>
-        </p:nvSpPr>
-        <p:spPr>
-          <a:xfrm>
-            <a:off x="429999" y="5215424"/>
-            <a:ext cx="6048672" cy="1815882"/>
-          </a:xfrm>
-        </p:spPr>
-        <p:txBody>
-          <a:bodyPr/>
-          <a:lstStyle/>
-          <a:p>
-            <a:pPr algn="l"/>
-            <a:r>
-              <a:rPr lang="de-DE" sz="2000"/>
-              <a:t>- Jetzt fügen wir in  6 alles zusammen</a:t>
-            </a:r>
-          </a:p>
-          <a:p>
-            <a:pPr algn="l"/>
-            <a:r>
-              <a:rPr lang="de-DE" sz="2000"/>
-              <a:t>- Erst </a:t>
-            </a:r>
-            <a:r>
-              <a:rPr lang="de-DE" sz="2000" err="1"/>
-              <a:t>Buffer</a:t>
-            </a:r>
-            <a:r>
-              <a:rPr lang="de-DE" sz="2000"/>
-              <a:t> 5, dann </a:t>
-            </a:r>
-            <a:r>
-              <a:rPr lang="de-DE" sz="2000" err="1"/>
-              <a:t>Buffer</a:t>
-            </a:r>
-            <a:r>
-              <a:rPr lang="de-DE" sz="2000"/>
-              <a:t> 3 und </a:t>
-            </a:r>
-            <a:r>
-              <a:rPr lang="de-DE" sz="2000" err="1"/>
-              <a:t>Buffer</a:t>
-            </a:r>
-            <a:r>
-              <a:rPr lang="de-DE" sz="2000"/>
-              <a:t> 2</a:t>
-            </a:r>
-          </a:p>
-          <a:p>
-            <a:pPr algn="l"/>
-            <a:r>
-              <a:rPr lang="de-DE" sz="2000"/>
-              <a:t>- Starte nach jedem weiteren </a:t>
-            </a:r>
-            <a:r>
-              <a:rPr lang="de-DE" sz="2000" err="1"/>
-              <a:t>Buffer</a:t>
-            </a:r>
-            <a:r>
-              <a:rPr lang="de-DE" sz="2000"/>
-              <a:t> neu</a:t>
-            </a:r>
-          </a:p>
-          <a:p>
-            <a:pPr algn="l"/>
-            <a:r>
-              <a:rPr lang="de-DE" sz="2000"/>
-              <a:t>- Kopiere </a:t>
-            </a:r>
-            <a:r>
-              <a:rPr lang="de-DE" sz="2000" err="1"/>
-              <a:t>Buffer</a:t>
-            </a:r>
-            <a:r>
-              <a:rPr lang="de-DE" sz="2000"/>
-              <a:t> 1 und füge eine live_loop hinzu. Irgendwas passt noch nicht. Was?</a:t>
+              <a:t>Alien-Geräusche für Spiele</a:t>
             </a:r>
           </a:p>
         </p:txBody>
@@ -10819,7 +10995,7 @@
     </p:spTree>
     <p:extLst>
       <p:ext uri="{BB962C8B-B14F-4D97-AF65-F5344CB8AC3E}">
-        <p14:creationId xmlns:p14="http://schemas.microsoft.com/office/powerpoint/2010/main" val="174545010"/>
+        <p14:creationId xmlns:p14="http://schemas.microsoft.com/office/powerpoint/2010/main" val="3498840308"/>
       </p:ext>
     </p:extLst>
   </p:cSld>
@@ -10848,135 +11024,167 @@
       </p:grpSpPr>
       <p:sp>
         <p:nvSpPr>
-          <p:cNvPr id="5" name="Text Placeholder 4"/>
+          <p:cNvPr id="14" name="Text Placeholder 13"/>
           <p:cNvSpPr>
             <a:spLocks noGrp="1"/>
           </p:cNvSpPr>
           <p:nvPr>
             <p:ph type="body" sz="quarter" idx="15"/>
-          </p:nvPr>
-        </p:nvSpPr>
-        <p:spPr/>
-        <p:txBody>
-          <a:bodyPr/>
-          <a:lstStyle/>
-          <a:p>
-            <a:r>
-              <a:rPr lang="de-DE"/>
-              <a:t>Experimentiere</a:t>
-            </a:r>
-          </a:p>
-          <a:p>
-            <a:endParaRPr lang="de-DE"/>
-          </a:p>
-        </p:txBody>
-      </p:sp>
-      <p:sp>
-        <p:nvSpPr>
-          <p:cNvPr id="24" name="Text Placeholder 23"/>
-          <p:cNvSpPr>
-            <a:spLocks noGrp="1"/>
-          </p:cNvSpPr>
-          <p:nvPr>
-            <p:ph type="body" sz="quarter" idx="18"/>
-          </p:nvPr>
-        </p:nvSpPr>
-        <p:spPr/>
-        <p:txBody>
-          <a:bodyPr/>
-          <a:lstStyle/>
-          <a:p>
-            <a:endParaRPr lang="de-DE"/>
-          </a:p>
-        </p:txBody>
-      </p:sp>
-      <p:sp>
-        <p:nvSpPr>
-          <p:cNvPr id="19" name="Text Placeholder 18"/>
-          <p:cNvSpPr>
-            <a:spLocks noGrp="1"/>
-          </p:cNvSpPr>
-          <p:nvPr>
-            <p:ph type="body" sz="quarter" idx="17"/>
           </p:nvPr>
         </p:nvSpPr>
         <p:spPr>
           <a:xfrm>
-            <a:off x="404664" y="459759"/>
-            <a:ext cx="6048672" cy="2234458"/>
+            <a:off x="-6464" y="2675915"/>
+            <a:ext cx="6858000" cy="400110"/>
           </a:xfrm>
         </p:spPr>
         <p:txBody>
           <a:bodyPr/>
           <a:lstStyle/>
           <a:p>
-            <a:pPr algn="l"/>
-            <a:r>
-              <a:rPr lang="de-DE" sz="2400"/>
-              <a:t>Weitere Ideen</a:t>
-            </a:r>
-          </a:p>
-          <a:p>
-            <a:pPr marL="114275" indent="-457200" algn="l">
-              <a:buFontTx/>
-              <a:buChar char="-"/>
-            </a:pPr>
-            <a:r>
-              <a:rPr lang="de-DE" sz="2400"/>
-              <a:t>Mehr Schlagzeug</a:t>
-            </a:r>
-          </a:p>
-          <a:p>
-            <a:pPr marL="114275" indent="-457200" algn="l">
-              <a:buFontTx/>
-              <a:buChar char="-"/>
-            </a:pPr>
-            <a:r>
-              <a:rPr lang="de-DE" sz="2400"/>
-              <a:t>Ein Musik-Programm</a:t>
-            </a:r>
-          </a:p>
-          <a:p>
-            <a:pPr marL="114275" indent="-457200" algn="l">
-              <a:buFontTx/>
-              <a:buChar char="-"/>
-            </a:pPr>
-            <a:r>
-              <a:rPr lang="de-DE" sz="2400"/>
-              <a:t>Effekte</a:t>
-            </a:r>
-          </a:p>
-          <a:p>
-            <a:pPr marL="114275" indent="-457200" algn="l">
-              <a:buFontTx/>
-              <a:buChar char="-"/>
-            </a:pPr>
-            <a:r>
-              <a:rPr lang="de-DE" sz="2400"/>
-              <a:t>Samples „</a:t>
-            </a:r>
-            <a:r>
-              <a:rPr lang="de-DE" sz="2400" err="1"/>
-              <a:t>loop</a:t>
-            </a:r>
-            <a:r>
-              <a:rPr lang="de-DE" sz="2400"/>
-              <a:t>_“ mit </a:t>
-            </a:r>
-            <a:r>
-              <a:rPr lang="de-DE" sz="2400" err="1"/>
-              <a:t>sample_duration</a:t>
-            </a:r>
-            <a:r>
-              <a:rPr lang="de-DE" sz="2400"/>
-              <a:t>()</a:t>
-            </a:r>
-          </a:p>
-        </p:txBody>
-      </p:sp>
-      <p:sp>
-        <p:nvSpPr>
-          <p:cNvPr id="3" name="Text Placeholder 2"/>
+            <a:r>
+              <a:rPr lang="de-DE" sz="2000"/>
+              <a:t>Wir nennen das eine </a:t>
+            </a:r>
+            <a:r>
+              <a:rPr lang="de-DE" sz="2000">
+                <a:solidFill>
+                  <a:srgbClr val="FF0000"/>
+                </a:solidFill>
+              </a:rPr>
+              <a:t>Zähl-Schleife</a:t>
+            </a:r>
+          </a:p>
+        </p:txBody>
+      </p:sp>
+      <p:sp>
+        <p:nvSpPr>
+          <p:cNvPr id="15" name="Text Placeholder 14"/>
+          <p:cNvSpPr>
+            <a:spLocks noGrp="1"/>
+          </p:cNvSpPr>
+          <p:nvPr>
+            <p:ph type="body" sz="quarter" idx="18"/>
+          </p:nvPr>
+        </p:nvSpPr>
+        <p:spPr>
+          <a:xfrm>
+            <a:off x="375380" y="3179894"/>
+            <a:ext cx="6453336" cy="1311128"/>
+          </a:xfrm>
+        </p:spPr>
+        <p:txBody>
+          <a:bodyPr/>
+          <a:lstStyle/>
+          <a:p>
+            <a:r>
+              <a:rPr lang="de-DE"/>
+              <a:t>Was passiert hier und warum? </a:t>
+            </a:r>
+            <a:br>
+              <a:rPr lang="de-DE"/>
+            </a:br>
+            <a:r>
+              <a:rPr lang="de-DE"/>
+              <a:t>Was ist </a:t>
+            </a:r>
+            <a:r>
+              <a:rPr lang="de-DE" err="1">
+                <a:solidFill>
+                  <a:schemeClr val="accent3">
+                    <a:lumMod val="75000"/>
+                  </a:schemeClr>
+                </a:solidFill>
+              </a:rPr>
+              <a:t>meinton</a:t>
+            </a:r>
+            <a:r>
+              <a:rPr lang="de-DE"/>
+              <a:t>? Was passiert mit </a:t>
+            </a:r>
+            <a:r>
+              <a:rPr lang="de-DE" err="1">
+                <a:solidFill>
+                  <a:schemeClr val="accent3">
+                    <a:lumMod val="75000"/>
+                  </a:schemeClr>
+                </a:solidFill>
+              </a:rPr>
+              <a:t>meinton</a:t>
+            </a:r>
+            <a:r>
+              <a:rPr lang="de-DE"/>
+              <a:t> in der </a:t>
+            </a:r>
+            <a:r>
+              <a:rPr lang="de-DE">
+                <a:solidFill>
+                  <a:schemeClr val="tx2">
+                    <a:lumMod val="60000"/>
+                    <a:lumOff val="40000"/>
+                  </a:schemeClr>
+                </a:solidFill>
+              </a:rPr>
+              <a:t>Schleife</a:t>
+            </a:r>
+          </a:p>
+          <a:p>
+            <a:r>
+              <a:rPr lang="de-DE"/>
+              <a:t>Was macht </a:t>
+            </a:r>
+            <a:r>
+              <a:rPr lang="de-DE" err="1">
+                <a:solidFill>
+                  <a:srgbClr val="FFC000"/>
+                </a:solidFill>
+              </a:rPr>
+              <a:t>play</a:t>
+            </a:r>
+            <a:r>
+              <a:rPr lang="de-DE"/>
+              <a:t> mit </a:t>
+            </a:r>
+            <a:r>
+              <a:rPr lang="de-DE" err="1">
+                <a:solidFill>
+                  <a:schemeClr val="accent3">
+                    <a:lumMod val="75000"/>
+                  </a:schemeClr>
+                </a:solidFill>
+              </a:rPr>
+              <a:t>meinton</a:t>
+            </a:r>
+            <a:r>
+              <a:rPr lang="de-DE"/>
+              <a:t>?</a:t>
+            </a:r>
+          </a:p>
+          <a:p>
+            <a:r>
+              <a:rPr lang="de-DE"/>
+              <a:t>Was passiert, wenn du </a:t>
+            </a:r>
+            <a:r>
+              <a:rPr lang="de-DE" err="1">
+                <a:solidFill>
+                  <a:schemeClr val="accent3">
+                    <a:lumMod val="75000"/>
+                  </a:schemeClr>
+                </a:solidFill>
+              </a:rPr>
+              <a:t>meinton</a:t>
+            </a:r>
+            <a:r>
+              <a:rPr lang="de-DE"/>
+              <a:t> in deinen Namen änderst?</a:t>
+            </a:r>
+          </a:p>
+        </p:txBody>
+      </p:sp>
+      <p:sp>
+        <p:nvSpPr>
+          <p:cNvPr id="11" name="Text Placeholder 10"/>
           <p:cNvSpPr>
             <a:spLocks noGrp="1"/>
           </p:cNvSpPr>
@@ -10984,6 +11192,39 @@
             <p:ph type="body" sz="quarter" idx="19"/>
           </p:nvPr>
         </p:nvSpPr>
+        <p:spPr>
+          <a:xfrm>
+            <a:off x="404664" y="8316416"/>
+            <a:ext cx="6453336" cy="701731"/>
+          </a:xfrm>
+        </p:spPr>
+        <p:txBody>
+          <a:bodyPr/>
+          <a:lstStyle/>
+          <a:p>
+            <a:r>
+              <a:rPr lang="de-DE"/>
+              <a:t>Eine Zählschleife in der Endlosschleife</a:t>
+            </a:r>
+          </a:p>
+          <a:p>
+            <a:r>
+              <a:rPr lang="de-DE"/>
+              <a:t>Was passiert nun?</a:t>
+            </a:r>
+          </a:p>
+        </p:txBody>
+      </p:sp>
+      <p:sp>
+        <p:nvSpPr>
+          <p:cNvPr id="12" name="Text Placeholder 11"/>
+          <p:cNvSpPr>
+            <a:spLocks noGrp="1"/>
+          </p:cNvSpPr>
+          <p:nvPr>
+            <p:ph type="body" sz="quarter" idx="20"/>
+          </p:nvPr>
+        </p:nvSpPr>
         <p:spPr/>
         <p:txBody>
           <a:bodyPr/>
@@ -10995,46 +11236,671 @@
       </p:sp>
       <p:sp>
         <p:nvSpPr>
-          <p:cNvPr id="4" name="Text Placeholder 3"/>
-          <p:cNvSpPr>
-            <a:spLocks noGrp="1"/>
-          </p:cNvSpPr>
-          <p:nvPr>
-            <p:ph type="body" sz="quarter" idx="20"/>
-          </p:nvPr>
-        </p:nvSpPr>
-        <p:spPr/>
-        <p:txBody>
-          <a:bodyPr/>
-          <a:lstStyle/>
-          <a:p>
-            <a:endParaRPr lang="de-DE"/>
-          </a:p>
-        </p:txBody>
-      </p:sp>
-      <p:sp>
-        <p:nvSpPr>
-          <p:cNvPr id="6" name="Text Placeholder 5"/>
-          <p:cNvSpPr>
-            <a:spLocks noGrp="1"/>
-          </p:cNvSpPr>
-          <p:nvPr>
-            <p:ph type="body" sz="quarter" idx="21"/>
-          </p:nvPr>
-        </p:nvSpPr>
-        <p:spPr/>
-        <p:txBody>
-          <a:bodyPr/>
-          <a:lstStyle/>
-          <a:p>
-            <a:endParaRPr lang="de-DE"/>
+          <p:cNvPr id="4" name="TextBox 3">
+            <a:extLst>
+              <a:ext uri="{FF2B5EF4-FFF2-40B4-BE49-F238E27FC236}">
+                <a16:creationId xmlns:a16="http://schemas.microsoft.com/office/drawing/2014/main" id="{75567B60-E2DB-254B-9A27-35241ACB4382}"/>
+              </a:ext>
+            </a:extLst>
+          </p:cNvPr>
+          <p:cNvSpPr txBox="1"/>
+          <p:nvPr/>
+        </p:nvSpPr>
+        <p:spPr>
+          <a:xfrm>
+            <a:off x="1327076" y="836510"/>
+            <a:ext cx="4608512" cy="1815882"/>
+          </a:xfrm>
+          <a:prstGeom prst="rect">
+            <a:avLst/>
+          </a:prstGeom>
+          <a:noFill/>
+        </p:spPr>
+        <p:txBody>
+          <a:bodyPr wrap="square" rtlCol="0">
+            <a:spAutoFit/>
+          </a:bodyPr>
+          <a:lstStyle/>
+          <a:p>
+            <a:r>
+              <a:rPr lang="de-DE" sz="2800" err="1">
+                <a:solidFill>
+                  <a:schemeClr val="tx2">
+                    <a:lumMod val="60000"/>
+                    <a:lumOff val="40000"/>
+                  </a:schemeClr>
+                </a:solidFill>
+              </a:rPr>
+              <a:t>for</a:t>
+            </a:r>
+            <a:r>
+              <a:rPr lang="de-DE" sz="2800">
+                <a:solidFill>
+                  <a:srgbClr val="FFC000"/>
+                </a:solidFill>
+              </a:rPr>
+              <a:t> </a:t>
+            </a:r>
+            <a:r>
+              <a:rPr lang="de-DE" sz="2800" err="1">
+                <a:solidFill>
+                  <a:schemeClr val="accent3">
+                    <a:lumMod val="75000"/>
+                  </a:schemeClr>
+                </a:solidFill>
+              </a:rPr>
+              <a:t>meinton</a:t>
+            </a:r>
+            <a:r>
+              <a:rPr lang="de-DE" sz="2800">
+                <a:solidFill>
+                  <a:srgbClr val="FFC000"/>
+                </a:solidFill>
+              </a:rPr>
+              <a:t> in </a:t>
+            </a:r>
+            <a:r>
+              <a:rPr lang="de-DE" sz="2800">
+                <a:solidFill>
+                  <a:srgbClr val="FF0000"/>
+                </a:solidFill>
+              </a:rPr>
+              <a:t>50..65</a:t>
+            </a:r>
+          </a:p>
+          <a:p>
+            <a:r>
+              <a:rPr lang="de-DE" sz="2800">
+                <a:solidFill>
+                  <a:srgbClr val="FFC000"/>
+                </a:solidFill>
+              </a:rPr>
+              <a:t>    </a:t>
+            </a:r>
+            <a:r>
+              <a:rPr lang="de-DE" sz="2800" err="1">
+                <a:solidFill>
+                  <a:srgbClr val="FFC000"/>
+                </a:solidFill>
+              </a:rPr>
+              <a:t>play</a:t>
+            </a:r>
+            <a:r>
+              <a:rPr lang="de-DE" sz="2800">
+                <a:solidFill>
+                  <a:srgbClr val="FFC000"/>
+                </a:solidFill>
+              </a:rPr>
+              <a:t> </a:t>
+            </a:r>
+            <a:r>
+              <a:rPr lang="de-DE" sz="2800" err="1">
+                <a:solidFill>
+                  <a:schemeClr val="accent3">
+                    <a:lumMod val="75000"/>
+                  </a:schemeClr>
+                </a:solidFill>
+              </a:rPr>
+              <a:t>meinton</a:t>
+            </a:r>
+            <a:endParaRPr lang="de-DE" sz="2800">
+              <a:solidFill>
+                <a:schemeClr val="accent3">
+                  <a:lumMod val="75000"/>
+                </a:schemeClr>
+              </a:solidFill>
+            </a:endParaRPr>
+          </a:p>
+          <a:p>
+            <a:r>
+              <a:rPr lang="de-DE" sz="2800">
+                <a:solidFill>
+                  <a:srgbClr val="FFC000"/>
+                </a:solidFill>
+              </a:rPr>
+              <a:t>    </a:t>
+            </a:r>
+            <a:r>
+              <a:rPr lang="de-DE" sz="2800" err="1">
+                <a:solidFill>
+                  <a:srgbClr val="FFC000"/>
+                </a:solidFill>
+              </a:rPr>
+              <a:t>sleep</a:t>
+            </a:r>
+            <a:r>
+              <a:rPr lang="de-DE" sz="2800">
+                <a:solidFill>
+                  <a:srgbClr val="FFC000"/>
+                </a:solidFill>
+              </a:rPr>
+              <a:t> 1</a:t>
+            </a:r>
+          </a:p>
+          <a:p>
+            <a:r>
+              <a:rPr lang="de-DE" sz="2800">
+                <a:solidFill>
+                  <a:schemeClr val="tx2">
+                    <a:lumMod val="60000"/>
+                    <a:lumOff val="40000"/>
+                  </a:schemeClr>
+                </a:solidFill>
+              </a:rPr>
+              <a:t>end</a:t>
+            </a:r>
+          </a:p>
+        </p:txBody>
+      </p:sp>
+      <p:sp>
+        <p:nvSpPr>
+          <p:cNvPr id="18" name="Curved Left Arrow 17">
+            <a:extLst>
+              <a:ext uri="{FF2B5EF4-FFF2-40B4-BE49-F238E27FC236}">
+                <a16:creationId xmlns:a16="http://schemas.microsoft.com/office/drawing/2014/main" id="{96DE0000-2CEA-DA4A-B0D3-57772684A010}"/>
+              </a:ext>
+            </a:extLst>
+          </p:cNvPr>
+          <p:cNvSpPr/>
+          <p:nvPr/>
+        </p:nvSpPr>
+        <p:spPr>
+          <a:xfrm rot="10800000">
+            <a:off x="266941" y="975439"/>
+            <a:ext cx="648072" cy="1538023"/>
+          </a:xfrm>
+          <a:prstGeom prst="curvedLeftArrow">
+            <a:avLst/>
+          </a:prstGeom>
+        </p:spPr>
+        <p:style>
+          <a:lnRef idx="2">
+            <a:schemeClr val="accent1">
+              <a:shade val="50000"/>
+            </a:schemeClr>
+          </a:lnRef>
+          <a:fillRef idx="1">
+            <a:schemeClr val="accent1"/>
+          </a:fillRef>
+          <a:effectRef idx="0">
+            <a:schemeClr val="accent1"/>
+          </a:effectRef>
+          <a:fontRef idx="minor">
+            <a:schemeClr val="lt1"/>
+          </a:fontRef>
+        </p:style>
+        <p:txBody>
+          <a:bodyPr rot="0" spcFirstLastPara="0" vertOverflow="overflow" horzOverflow="overflow" vert="horz" wrap="square" lIns="91440" tIns="45720" rIns="91440" bIns="45720" numCol="1" spcCol="0" rtlCol="0" fromWordArt="0" anchor="ctr" anchorCtr="0" forceAA="0" compatLnSpc="1">
+            <a:prstTxWarp prst="textNoShape">
+              <a:avLst/>
+            </a:prstTxWarp>
+            <a:noAutofit/>
+          </a:bodyPr>
+          <a:lstStyle/>
+          <a:p>
+            <a:pPr algn="ctr"/>
+            <a:endParaRPr lang="de-DE">
+              <a:solidFill>
+                <a:schemeClr val="tx1"/>
+              </a:solidFill>
+            </a:endParaRPr>
+          </a:p>
+        </p:txBody>
+      </p:sp>
+      <p:sp>
+        <p:nvSpPr>
+          <p:cNvPr id="19" name="TextBox 18">
+            <a:extLst>
+              <a:ext uri="{FF2B5EF4-FFF2-40B4-BE49-F238E27FC236}">
+                <a16:creationId xmlns:a16="http://schemas.microsoft.com/office/drawing/2014/main" id="{71AFAC2B-D31E-B541-AA36-2BBC203441B3}"/>
+              </a:ext>
+            </a:extLst>
+          </p:cNvPr>
+          <p:cNvSpPr txBox="1"/>
+          <p:nvPr/>
+        </p:nvSpPr>
+        <p:spPr>
+          <a:xfrm>
+            <a:off x="590977" y="1364012"/>
+            <a:ext cx="736099" cy="923330"/>
+          </a:xfrm>
+          <a:prstGeom prst="rect">
+            <a:avLst/>
+          </a:prstGeom>
+          <a:noFill/>
+        </p:spPr>
+        <p:txBody>
+          <a:bodyPr wrap="none" rtlCol="0">
+            <a:spAutoFit/>
+          </a:bodyPr>
+          <a:lstStyle/>
+          <a:p>
+            <a:r>
+              <a:rPr lang="de-DE"/>
+              <a:t>Für </a:t>
+            </a:r>
+          </a:p>
+          <a:p>
+            <a:r>
+              <a:rPr lang="de-DE"/>
+              <a:t>50 bis</a:t>
+            </a:r>
+          </a:p>
+          <a:p>
+            <a:r>
+              <a:rPr lang="de-DE"/>
+              <a:t>65</a:t>
+            </a:r>
+          </a:p>
+        </p:txBody>
+      </p:sp>
+      <p:sp>
+        <p:nvSpPr>
+          <p:cNvPr id="20" name="TextBox 19">
+            <a:extLst>
+              <a:ext uri="{FF2B5EF4-FFF2-40B4-BE49-F238E27FC236}">
+                <a16:creationId xmlns:a16="http://schemas.microsoft.com/office/drawing/2014/main" id="{76197847-F8F0-234A-81BF-F382710DFB54}"/>
+              </a:ext>
+            </a:extLst>
+          </p:cNvPr>
+          <p:cNvSpPr txBox="1"/>
+          <p:nvPr/>
+        </p:nvSpPr>
+        <p:spPr>
+          <a:xfrm>
+            <a:off x="1769224" y="5134704"/>
+            <a:ext cx="4608512" cy="2677656"/>
+          </a:xfrm>
+          <a:prstGeom prst="rect">
+            <a:avLst/>
+          </a:prstGeom>
+          <a:noFill/>
+        </p:spPr>
+        <p:txBody>
+          <a:bodyPr wrap="square" rtlCol="0">
+            <a:spAutoFit/>
+          </a:bodyPr>
+          <a:lstStyle/>
+          <a:p>
+            <a:r>
+              <a:rPr lang="de-DE" sz="2800" dirty="0">
+                <a:solidFill>
+                  <a:schemeClr val="tx2">
+                    <a:lumMod val="60000"/>
+                    <a:lumOff val="40000"/>
+                  </a:schemeClr>
+                </a:solidFill>
+              </a:rPr>
+              <a:t>live_loop </a:t>
+            </a:r>
+            <a:r>
+              <a:rPr lang="de-DE" sz="2800" dirty="0">
+                <a:solidFill>
+                  <a:srgbClr val="FFC000"/>
+                </a:solidFill>
+              </a:rPr>
+              <a:t>:</a:t>
+            </a:r>
+            <a:r>
+              <a:rPr lang="de-DE" sz="2800" dirty="0" err="1">
+                <a:solidFill>
+                  <a:srgbClr val="FFC000"/>
+                </a:solidFill>
+              </a:rPr>
+              <a:t>immerwieder</a:t>
+            </a:r>
+            <a:r>
+              <a:rPr lang="de-DE" sz="2800" dirty="0">
+                <a:solidFill>
+                  <a:srgbClr val="FFC000"/>
+                </a:solidFill>
+              </a:rPr>
+              <a:t> do</a:t>
+            </a:r>
+          </a:p>
+          <a:p>
+            <a:r>
+              <a:rPr lang="de-DE" sz="2800" dirty="0">
+                <a:solidFill>
+                  <a:schemeClr val="tx2">
+                    <a:lumMod val="60000"/>
+                    <a:lumOff val="40000"/>
+                  </a:schemeClr>
+                </a:solidFill>
+              </a:rPr>
+              <a:t>   </a:t>
+            </a:r>
+            <a:r>
+              <a:rPr lang="de-DE" sz="2800" dirty="0" err="1">
+                <a:solidFill>
+                  <a:schemeClr val="tx2">
+                    <a:lumMod val="60000"/>
+                    <a:lumOff val="40000"/>
+                  </a:schemeClr>
+                </a:solidFill>
+              </a:rPr>
+              <a:t>for</a:t>
+            </a:r>
+            <a:r>
+              <a:rPr lang="de-DE" sz="2800" dirty="0">
+                <a:solidFill>
+                  <a:srgbClr val="FFC000"/>
+                </a:solidFill>
+              </a:rPr>
+              <a:t> </a:t>
+            </a:r>
+            <a:r>
+              <a:rPr lang="de-DE" sz="2800" dirty="0" err="1">
+                <a:solidFill>
+                  <a:srgbClr val="FFC000"/>
+                </a:solidFill>
+              </a:rPr>
+              <a:t>meinton</a:t>
+            </a:r>
+            <a:r>
+              <a:rPr lang="de-DE" sz="2800" dirty="0">
+                <a:solidFill>
+                  <a:srgbClr val="FFC000"/>
+                </a:solidFill>
+              </a:rPr>
+              <a:t> in 50..65</a:t>
+            </a:r>
+          </a:p>
+          <a:p>
+            <a:r>
+              <a:rPr lang="de-DE" sz="2800" dirty="0">
+                <a:solidFill>
+                  <a:srgbClr val="FFC000"/>
+                </a:solidFill>
+              </a:rPr>
+              <a:t>       </a:t>
+            </a:r>
+            <a:r>
+              <a:rPr lang="de-DE" sz="2800" dirty="0" err="1">
+                <a:solidFill>
+                  <a:srgbClr val="FFC000"/>
+                </a:solidFill>
+              </a:rPr>
+              <a:t>play</a:t>
+            </a:r>
+            <a:r>
+              <a:rPr lang="de-DE" sz="2800" dirty="0">
+                <a:solidFill>
+                  <a:srgbClr val="FFC000"/>
+                </a:solidFill>
+              </a:rPr>
+              <a:t> </a:t>
+            </a:r>
+            <a:r>
+              <a:rPr lang="de-DE" sz="2800" dirty="0" err="1">
+                <a:solidFill>
+                  <a:srgbClr val="FFC000"/>
+                </a:solidFill>
+              </a:rPr>
+              <a:t>meinton</a:t>
+            </a:r>
+            <a:endParaRPr lang="de-DE" sz="2800" dirty="0">
+              <a:solidFill>
+                <a:srgbClr val="FFC000"/>
+              </a:solidFill>
+            </a:endParaRPr>
+          </a:p>
+          <a:p>
+            <a:r>
+              <a:rPr lang="de-DE" sz="2800" dirty="0">
+                <a:solidFill>
+                  <a:srgbClr val="FFC000"/>
+                </a:solidFill>
+              </a:rPr>
+              <a:t>       </a:t>
+            </a:r>
+            <a:r>
+              <a:rPr lang="de-DE" sz="2800" dirty="0" err="1">
+                <a:solidFill>
+                  <a:srgbClr val="FFC000"/>
+                </a:solidFill>
+              </a:rPr>
+              <a:t>sleep</a:t>
+            </a:r>
+            <a:r>
+              <a:rPr lang="de-DE" sz="2800" dirty="0">
+                <a:solidFill>
+                  <a:srgbClr val="FFC000"/>
+                </a:solidFill>
+              </a:rPr>
+              <a:t> 1</a:t>
+            </a:r>
+          </a:p>
+          <a:p>
+            <a:r>
+              <a:rPr lang="de-DE" sz="2800" dirty="0">
+                <a:solidFill>
+                  <a:schemeClr val="tx2">
+                    <a:lumMod val="60000"/>
+                    <a:lumOff val="40000"/>
+                  </a:schemeClr>
+                </a:solidFill>
+              </a:rPr>
+              <a:t>   end</a:t>
+            </a:r>
+          </a:p>
+          <a:p>
+            <a:r>
+              <a:rPr lang="de-DE" sz="2800" dirty="0">
+                <a:solidFill>
+                  <a:schemeClr val="tx2">
+                    <a:lumMod val="60000"/>
+                    <a:lumOff val="40000"/>
+                  </a:schemeClr>
+                </a:solidFill>
+              </a:rPr>
+              <a:t>end</a:t>
+            </a:r>
+          </a:p>
+        </p:txBody>
+      </p:sp>
+      <p:sp>
+        <p:nvSpPr>
+          <p:cNvPr id="21" name="Curved Left Arrow 20">
+            <a:extLst>
+              <a:ext uri="{FF2B5EF4-FFF2-40B4-BE49-F238E27FC236}">
+                <a16:creationId xmlns:a16="http://schemas.microsoft.com/office/drawing/2014/main" id="{B2954442-5A98-554F-B036-F23F5B73F42E}"/>
+              </a:ext>
+            </a:extLst>
+          </p:cNvPr>
+          <p:cNvSpPr/>
+          <p:nvPr/>
+        </p:nvSpPr>
+        <p:spPr>
+          <a:xfrm rot="10800000">
+            <a:off x="915014" y="5752696"/>
+            <a:ext cx="648072" cy="1538023"/>
+          </a:xfrm>
+          <a:prstGeom prst="curvedLeftArrow">
+            <a:avLst/>
+          </a:prstGeom>
+        </p:spPr>
+        <p:style>
+          <a:lnRef idx="2">
+            <a:schemeClr val="accent1">
+              <a:shade val="50000"/>
+            </a:schemeClr>
+          </a:lnRef>
+          <a:fillRef idx="1">
+            <a:schemeClr val="accent1"/>
+          </a:fillRef>
+          <a:effectRef idx="0">
+            <a:schemeClr val="accent1"/>
+          </a:effectRef>
+          <a:fontRef idx="minor">
+            <a:schemeClr val="lt1"/>
+          </a:fontRef>
+        </p:style>
+        <p:txBody>
+          <a:bodyPr rot="0" spcFirstLastPara="0" vertOverflow="overflow" horzOverflow="overflow" vert="horz" wrap="square" lIns="91440" tIns="45720" rIns="91440" bIns="45720" numCol="1" spcCol="0" rtlCol="0" fromWordArt="0" anchor="ctr" anchorCtr="0" forceAA="0" compatLnSpc="1">
+            <a:prstTxWarp prst="textNoShape">
+              <a:avLst/>
+            </a:prstTxWarp>
+            <a:noAutofit/>
+          </a:bodyPr>
+          <a:lstStyle/>
+          <a:p>
+            <a:pPr algn="ctr"/>
+            <a:endParaRPr lang="de-DE">
+              <a:solidFill>
+                <a:schemeClr val="tx1"/>
+              </a:solidFill>
+            </a:endParaRPr>
+          </a:p>
+        </p:txBody>
+      </p:sp>
+      <p:sp>
+        <p:nvSpPr>
+          <p:cNvPr id="22" name="TextBox 21">
+            <a:extLst>
+              <a:ext uri="{FF2B5EF4-FFF2-40B4-BE49-F238E27FC236}">
+                <a16:creationId xmlns:a16="http://schemas.microsoft.com/office/drawing/2014/main" id="{EE521326-2967-A64B-95EE-2BA699A5E93F}"/>
+              </a:ext>
+            </a:extLst>
+          </p:cNvPr>
+          <p:cNvSpPr txBox="1"/>
+          <p:nvPr/>
+        </p:nvSpPr>
+        <p:spPr>
+          <a:xfrm>
+            <a:off x="1239050" y="6141269"/>
+            <a:ext cx="736099" cy="923330"/>
+          </a:xfrm>
+          <a:prstGeom prst="rect">
+            <a:avLst/>
+          </a:prstGeom>
+          <a:noFill/>
+        </p:spPr>
+        <p:txBody>
+          <a:bodyPr wrap="none" rtlCol="0">
+            <a:spAutoFit/>
+          </a:bodyPr>
+          <a:lstStyle/>
+          <a:p>
+            <a:r>
+              <a:rPr lang="de-DE"/>
+              <a:t>Für </a:t>
+            </a:r>
+          </a:p>
+          <a:p>
+            <a:r>
+              <a:rPr lang="de-DE"/>
+              <a:t>50 bis</a:t>
+            </a:r>
+          </a:p>
+          <a:p>
+            <a:r>
+              <a:rPr lang="de-DE"/>
+              <a:t>65</a:t>
+            </a:r>
+          </a:p>
+        </p:txBody>
+      </p:sp>
+      <p:sp>
+        <p:nvSpPr>
+          <p:cNvPr id="23" name="Curved Left Arrow 22">
+            <a:extLst>
+              <a:ext uri="{FF2B5EF4-FFF2-40B4-BE49-F238E27FC236}">
+                <a16:creationId xmlns:a16="http://schemas.microsoft.com/office/drawing/2014/main" id="{1903CAE5-8FB3-864F-B8A9-DD91BE9A5A02}"/>
+              </a:ext>
+            </a:extLst>
+          </p:cNvPr>
+          <p:cNvSpPr/>
+          <p:nvPr/>
+        </p:nvSpPr>
+        <p:spPr>
+          <a:xfrm rot="10800000">
+            <a:off x="80628" y="5372256"/>
+            <a:ext cx="648072" cy="2296087"/>
+          </a:xfrm>
+          <a:prstGeom prst="curvedLeftArrow">
+            <a:avLst/>
+          </a:prstGeom>
+        </p:spPr>
+        <p:style>
+          <a:lnRef idx="2">
+            <a:schemeClr val="accent1">
+              <a:shade val="50000"/>
+            </a:schemeClr>
+          </a:lnRef>
+          <a:fillRef idx="1">
+            <a:schemeClr val="accent1"/>
+          </a:fillRef>
+          <a:effectRef idx="0">
+            <a:schemeClr val="accent1"/>
+          </a:effectRef>
+          <a:fontRef idx="minor">
+            <a:schemeClr val="lt1"/>
+          </a:fontRef>
+        </p:style>
+        <p:txBody>
+          <a:bodyPr rot="0" spcFirstLastPara="0" vertOverflow="overflow" horzOverflow="overflow" vert="horz" wrap="square" lIns="91440" tIns="45720" rIns="91440" bIns="45720" numCol="1" spcCol="0" rtlCol="0" fromWordArt="0" anchor="ctr" anchorCtr="0" forceAA="0" compatLnSpc="1">
+            <a:prstTxWarp prst="textNoShape">
+              <a:avLst/>
+            </a:prstTxWarp>
+            <a:noAutofit/>
+          </a:bodyPr>
+          <a:lstStyle/>
+          <a:p>
+            <a:pPr algn="ctr"/>
+            <a:endParaRPr lang="de-DE">
+              <a:solidFill>
+                <a:schemeClr val="tx1"/>
+              </a:solidFill>
+            </a:endParaRPr>
+          </a:p>
+        </p:txBody>
+      </p:sp>
+      <p:sp>
+        <p:nvSpPr>
+          <p:cNvPr id="24" name="TextBox 23">
+            <a:extLst>
+              <a:ext uri="{FF2B5EF4-FFF2-40B4-BE49-F238E27FC236}">
+                <a16:creationId xmlns:a16="http://schemas.microsoft.com/office/drawing/2014/main" id="{A6DD1CAC-B32F-3D48-8036-870FB145AF53}"/>
+              </a:ext>
+            </a:extLst>
+          </p:cNvPr>
+          <p:cNvSpPr txBox="1"/>
+          <p:nvPr/>
+        </p:nvSpPr>
+        <p:spPr>
+          <a:xfrm>
+            <a:off x="79529" y="6195952"/>
+            <a:ext cx="835485" cy="646331"/>
+          </a:xfrm>
+          <a:prstGeom prst="rect">
+            <a:avLst/>
+          </a:prstGeom>
+          <a:noFill/>
+        </p:spPr>
+        <p:txBody>
+          <a:bodyPr wrap="none" rtlCol="0">
+            <a:spAutoFit/>
+          </a:bodyPr>
+          <a:lstStyle/>
+          <a:p>
+            <a:r>
+              <a:rPr lang="de-DE"/>
+              <a:t>Immer</a:t>
+            </a:r>
+          </a:p>
+          <a:p>
+            <a:r>
+              <a:rPr lang="de-DE"/>
+              <a:t>wieder</a:t>
+            </a:r>
           </a:p>
         </p:txBody>
       </p:sp>
     </p:spTree>
     <p:extLst>
       <p:ext uri="{BB962C8B-B14F-4D97-AF65-F5344CB8AC3E}">
-        <p14:creationId xmlns:p14="http://schemas.microsoft.com/office/powerpoint/2010/main" val="1805105135"/>
+        <p14:creationId xmlns:p14="http://schemas.microsoft.com/office/powerpoint/2010/main" val="3473761040"/>
       </p:ext>
     </p:extLst>
   </p:cSld>
@@ -11063,126 +11929,62 @@
       </p:grpSpPr>
       <p:sp>
         <p:nvSpPr>
-          <p:cNvPr id="5" name="Text Placeholder 4"/>
+          <p:cNvPr id="14" name="Text Placeholder 13"/>
           <p:cNvSpPr>
             <a:spLocks noGrp="1"/>
           </p:cNvSpPr>
           <p:nvPr>
             <p:ph type="body" sz="quarter" idx="15"/>
-          </p:nvPr>
-        </p:nvSpPr>
-        <p:spPr/>
-        <p:txBody>
-          <a:bodyPr/>
-          <a:lstStyle/>
-          <a:p>
-            <a:r>
-              <a:rPr lang="de-DE"/>
-              <a:t>Experimentiere</a:t>
-            </a:r>
-          </a:p>
-          <a:p>
-            <a:endParaRPr lang="de-DE"/>
-          </a:p>
-        </p:txBody>
-      </p:sp>
-      <p:sp>
-        <p:nvSpPr>
-          <p:cNvPr id="24" name="Text Placeholder 23"/>
-          <p:cNvSpPr>
-            <a:spLocks noGrp="1"/>
-          </p:cNvSpPr>
-          <p:nvPr>
-            <p:ph type="body" sz="quarter" idx="18"/>
           </p:nvPr>
         </p:nvSpPr>
         <p:spPr>
           <a:xfrm>
-            <a:off x="404664" y="3275856"/>
-            <a:ext cx="6453336" cy="1052596"/>
+            <a:off x="-6464" y="2675915"/>
+            <a:ext cx="6858000" cy="400110"/>
           </a:xfrm>
         </p:spPr>
         <p:txBody>
           <a:bodyPr/>
           <a:lstStyle/>
           <a:p>
-            <a:r>
-              <a:rPr lang="de-DE" sz="1200"/>
-              <a:t>1) Ändere die Lautstärken	2) Ändere die Rate </a:t>
-            </a:r>
-          </a:p>
-          <a:p>
-            <a:r>
-              <a:rPr lang="de-DE" sz="1200"/>
-              <a:t>3) Ersetze das letzte Sample durch		4) Verändere die Geschwindigkeit</a:t>
-            </a:r>
-            <a:br>
-              <a:rPr lang="de-DE" sz="1200"/>
-            </a:br>
-            <a:r>
-              <a:rPr lang="de-DE" sz="1200"/>
-              <a:t> 	</a:t>
-            </a:r>
-            <a:r>
-              <a:rPr lang="de-DE" sz="1200" err="1"/>
-              <a:t>with_fx</a:t>
-            </a:r>
-            <a:r>
-              <a:rPr lang="de-DE" sz="1200"/>
-              <a:t> :</a:t>
-            </a:r>
-            <a:r>
-              <a:rPr lang="de-DE" sz="1200" err="1"/>
-              <a:t>reverb</a:t>
-            </a:r>
-            <a:r>
-              <a:rPr lang="de-DE" sz="1200"/>
-              <a:t>, </a:t>
-            </a:r>
-            <a:r>
-              <a:rPr lang="de-DE" sz="1200" err="1"/>
-              <a:t>room</a:t>
-            </a:r>
-            <a:r>
-              <a:rPr lang="de-DE" sz="1200"/>
-              <a:t>: 0.5 do</a:t>
-            </a:r>
-            <a:br>
-              <a:rPr lang="de-DE" sz="1200"/>
-            </a:br>
-            <a:r>
-              <a:rPr lang="de-DE" sz="1200"/>
-              <a:t> 	     sample :</a:t>
-            </a:r>
-            <a:r>
-              <a:rPr lang="de-DE" sz="1200" err="1"/>
-              <a:t>drum_snare_hard</a:t>
-            </a:r>
-            <a:r>
-              <a:rPr lang="de-DE" sz="1200"/>
-              <a:t>, </a:t>
-            </a:r>
-            <a:r>
-              <a:rPr lang="de-DE" sz="1200" err="1"/>
-              <a:t>amp</a:t>
-            </a:r>
-            <a:r>
-              <a:rPr lang="de-DE" sz="1200"/>
-              <a:t>: 4, rate: 1.2  </a:t>
-            </a:r>
-            <a:br>
-              <a:rPr lang="de-DE" sz="1200"/>
-            </a:br>
-            <a:r>
-              <a:rPr lang="de-DE" sz="1200"/>
-              <a:t>	end</a:t>
-            </a:r>
-          </a:p>
-        </p:txBody>
-      </p:sp>
-      <p:sp>
-        <p:nvSpPr>
-          <p:cNvPr id="25" name="Text Placeholder 24"/>
+            <a:endParaRPr lang="de-DE" sz="2000">
+              <a:solidFill>
+                <a:srgbClr val="FF0000"/>
+              </a:solidFill>
+            </a:endParaRPr>
+          </a:p>
+        </p:txBody>
+      </p:sp>
+      <p:sp>
+        <p:nvSpPr>
+          <p:cNvPr id="15" name="Text Placeholder 14"/>
+          <p:cNvSpPr>
+            <a:spLocks noGrp="1"/>
+          </p:cNvSpPr>
+          <p:nvPr>
+            <p:ph type="body" sz="quarter" idx="18"/>
+          </p:nvPr>
+        </p:nvSpPr>
+        <p:spPr>
+          <a:xfrm>
+            <a:off x="375380" y="3179894"/>
+            <a:ext cx="6453336" cy="369332"/>
+          </a:xfrm>
+        </p:spPr>
+        <p:txBody>
+          <a:bodyPr/>
+          <a:lstStyle/>
+          <a:p>
+            <a:r>
+              <a:rPr lang="de-DE"/>
+              <a:t>2400? 4800? 9600?</a:t>
+            </a:r>
+          </a:p>
+        </p:txBody>
+      </p:sp>
+      <p:sp>
+        <p:nvSpPr>
+          <p:cNvPr id="11" name="Text Placeholder 10"/>
           <p:cNvSpPr>
             <a:spLocks noGrp="1"/>
           </p:cNvSpPr>
@@ -11193,7 +11995,7 @@
         <p:spPr>
           <a:xfrm>
             <a:off x="404664" y="8316416"/>
-            <a:ext cx="6453336" cy="634020"/>
+            <a:ext cx="6453336" cy="701731"/>
           </a:xfrm>
         </p:spPr>
         <p:txBody>
@@ -11201,330 +12003,61 @@
           <a:lstStyle/>
           <a:p>
             <a:r>
-              <a:rPr lang="de-DE" sz="1600"/>
-              <a:t>Was geht hier vor?</a:t>
-            </a:r>
-          </a:p>
-          <a:p>
-            <a:r>
-              <a:rPr lang="de-DE" sz="1600" err="1"/>
-              <a:t>If</a:t>
-            </a:r>
-            <a:r>
-              <a:rPr lang="de-DE" sz="1600"/>
-              <a:t> = falls / </a:t>
-            </a:r>
-            <a:r>
-              <a:rPr lang="de-DE" sz="1600" err="1"/>
-              <a:t>else</a:t>
-            </a:r>
-            <a:r>
-              <a:rPr lang="de-DE" sz="1600"/>
-              <a:t> = andernfalls</a:t>
-            </a:r>
-          </a:p>
-        </p:txBody>
-      </p:sp>
-      <p:sp>
-        <p:nvSpPr>
-          <p:cNvPr id="19" name="Text Placeholder 18"/>
-          <p:cNvSpPr>
-            <a:spLocks noGrp="1"/>
-          </p:cNvSpPr>
-          <p:nvPr>
-            <p:ph type="body" sz="quarter" idx="17"/>
-          </p:nvPr>
+              <a:rPr lang="de-DE" dirty="0"/>
+              <a:t>Füge diesen Teil noch hinzu. Vergleiche! Wie wird das klingen?</a:t>
+            </a:r>
+          </a:p>
+          <a:p>
+            <a:r>
+              <a:rPr lang="de-DE" dirty="0"/>
+              <a:t>Höre es dir erst LANGSAM an (</a:t>
+            </a:r>
+            <a:r>
+              <a:rPr lang="de-DE" dirty="0" err="1"/>
+              <a:t>use_bpm</a:t>
+            </a:r>
+            <a:r>
+              <a:rPr lang="de-DE" dirty="0"/>
+              <a:t> 480)</a:t>
+            </a:r>
+          </a:p>
+        </p:txBody>
+      </p:sp>
+      <p:sp>
+        <p:nvSpPr>
+          <p:cNvPr id="12" name="Text Placeholder 11"/>
+          <p:cNvSpPr>
+            <a:spLocks noGrp="1"/>
+          </p:cNvSpPr>
+          <p:nvPr>
+            <p:ph type="body" sz="quarter" idx="20"/>
+          </p:nvPr>
+        </p:nvSpPr>
+        <p:spPr/>
+        <p:txBody>
+          <a:bodyPr/>
+          <a:lstStyle/>
+          <a:p>
+            <a:endParaRPr lang="de-DE"/>
+          </a:p>
+        </p:txBody>
+      </p:sp>
+      <p:sp>
+        <p:nvSpPr>
+          <p:cNvPr id="4" name="TextBox 3">
+            <a:extLst>
+              <a:ext uri="{FF2B5EF4-FFF2-40B4-BE49-F238E27FC236}">
+                <a16:creationId xmlns:a16="http://schemas.microsoft.com/office/drawing/2014/main" id="{75567B60-E2DB-254B-9A27-35241ACB4382}"/>
+              </a:ext>
+            </a:extLst>
+          </p:cNvPr>
+          <p:cNvSpPr txBox="1"/>
+          <p:nvPr/>
         </p:nvSpPr>
         <p:spPr>
           <a:xfrm>
-            <a:off x="404664" y="179512"/>
-            <a:ext cx="6048672" cy="2973122"/>
-          </a:xfrm>
-        </p:spPr>
-        <p:txBody>
-          <a:bodyPr/>
-          <a:lstStyle/>
-          <a:p>
-            <a:pPr algn="l"/>
-            <a:r>
-              <a:rPr lang="de-DE" sz="2400" noProof="1"/>
-              <a:t>Spiele etwas mit dem Schlagzeug herum</a:t>
-            </a:r>
-          </a:p>
-          <a:p>
-            <a:pPr algn="l"/>
-            <a:r>
-              <a:rPr lang="de-DE" sz="1200" noProof="1"/>
-              <a:t>use_bpm 120</a:t>
-            </a:r>
-          </a:p>
-          <a:p>
-            <a:pPr algn="l"/>
-            <a:r>
-              <a:rPr lang="de-DE" sz="1200" noProof="1"/>
-              <a:t>live_loop :schlagzeug do  </a:t>
-            </a:r>
-          </a:p>
-          <a:p>
-            <a:pPr algn="l"/>
-            <a:r>
-              <a:rPr lang="de-DE" sz="1200" noProof="1">
-                <a:solidFill>
-                  <a:srgbClr val="C00000"/>
-                </a:solidFill>
-              </a:rPr>
-              <a:t>    sample :drum_cymbal_closed, amp: 4  </a:t>
-            </a:r>
-            <a:br>
-              <a:rPr lang="de-DE" sz="1200" noProof="1">
-                <a:solidFill>
-                  <a:srgbClr val="C00000"/>
-                </a:solidFill>
-              </a:rPr>
-            </a:br>
-            <a:r>
-              <a:rPr lang="de-DE" sz="1200" noProof="1">
-                <a:solidFill>
-                  <a:srgbClr val="C00000"/>
-                </a:solidFill>
-              </a:rPr>
-              <a:t>    sleep 1  </a:t>
-            </a:r>
-            <a:br>
-              <a:rPr lang="de-DE" sz="1200" noProof="1"/>
-            </a:br>
-            <a:r>
-              <a:rPr lang="de-DE" sz="1200" noProof="1"/>
-              <a:t>    sample :drum_cymbal_closed, amp: 2  </a:t>
-            </a:r>
-            <a:br>
-              <a:rPr lang="de-DE" sz="1200" noProof="1"/>
-            </a:br>
-            <a:r>
-              <a:rPr lang="de-DE" sz="1200" noProof="1"/>
-              <a:t>    sample :drum_bass_soft, amp: 4  </a:t>
-            </a:r>
-            <a:br>
-              <a:rPr lang="de-DE" sz="1200" noProof="1"/>
-            </a:br>
-            <a:r>
-              <a:rPr lang="de-DE" sz="1200" noProof="1"/>
-              <a:t>    sleep 1  </a:t>
-            </a:r>
-            <a:br>
-              <a:rPr lang="de-DE" sz="1200" noProof="1"/>
-            </a:br>
-            <a:r>
-              <a:rPr lang="de-DE" sz="1200" noProof="1"/>
-              <a:t>    </a:t>
-            </a:r>
-            <a:r>
-              <a:rPr lang="de-DE" sz="1200" noProof="1">
-                <a:solidFill>
-                  <a:srgbClr val="C00000"/>
-                </a:solidFill>
-              </a:rPr>
-              <a:t>sample :drum_cymbal_closed, amp: 4  </a:t>
-            </a:r>
-            <a:br>
-              <a:rPr lang="de-DE" sz="1200" noProof="1">
-                <a:solidFill>
-                  <a:srgbClr val="C00000"/>
-                </a:solidFill>
-              </a:rPr>
-            </a:br>
-            <a:r>
-              <a:rPr lang="de-DE" sz="1200" noProof="1">
-                <a:solidFill>
-                  <a:srgbClr val="C00000"/>
-                </a:solidFill>
-              </a:rPr>
-              <a:t>    sleep 1  </a:t>
-            </a:r>
-            <a:br>
-              <a:rPr lang="de-DE" sz="1200" noProof="1"/>
-            </a:br>
-            <a:r>
-              <a:rPr lang="de-DE" sz="1200" noProof="1"/>
-              <a:t>    sample :drum_cymbal_closed, amp: 4 </a:t>
-            </a:r>
-            <a:br>
-              <a:rPr lang="de-DE" sz="1200" noProof="1"/>
-            </a:br>
-            <a:r>
-              <a:rPr lang="de-DE" sz="1200" noProof="1"/>
-              <a:t>    sample :drum_snare_hard, amp: 4, </a:t>
-            </a:r>
-            <a:r>
-              <a:rPr lang="de-DE" sz="1200" noProof="1">
-                <a:solidFill>
-                  <a:schemeClr val="tx2">
-                    <a:lumMod val="60000"/>
-                    <a:lumOff val="40000"/>
-                  </a:schemeClr>
-                </a:solidFill>
-              </a:rPr>
-              <a:t>rate: 1.2</a:t>
-            </a:r>
-            <a:br>
-              <a:rPr lang="de-DE" sz="1200" noProof="1"/>
-            </a:br>
-            <a:r>
-              <a:rPr lang="de-DE" sz="1200" noProof="1"/>
-              <a:t>    sleep 1</a:t>
-            </a:r>
-            <a:br>
-              <a:rPr lang="de-DE" sz="1200" noProof="1"/>
-            </a:br>
-            <a:r>
-              <a:rPr lang="de-DE" sz="1200" noProof="1"/>
-              <a:t>end </a:t>
-            </a:r>
-            <a:endParaRPr lang="de-DE" sz="2400" noProof="1"/>
-          </a:p>
-        </p:txBody>
-      </p:sp>
-      <p:sp>
-        <p:nvSpPr>
-          <p:cNvPr id="26" name="Text Placeholder 25"/>
-          <p:cNvSpPr>
-            <a:spLocks noGrp="1"/>
-          </p:cNvSpPr>
-          <p:nvPr>
-            <p:ph type="body" sz="quarter" idx="20"/>
-          </p:nvPr>
-        </p:nvSpPr>
-        <p:spPr/>
-        <p:txBody>
-          <a:bodyPr/>
-          <a:lstStyle/>
-          <a:p>
-            <a:r>
-              <a:rPr lang="de-DE"/>
-              <a:t>Variablen und Bedingungen</a:t>
-            </a:r>
-          </a:p>
-        </p:txBody>
-      </p:sp>
-      <p:sp>
-        <p:nvSpPr>
-          <p:cNvPr id="27" name="Text Placeholder 26"/>
-          <p:cNvSpPr>
-            <a:spLocks noGrp="1"/>
-          </p:cNvSpPr>
-          <p:nvPr>
-            <p:ph type="body" sz="quarter" idx="21"/>
-          </p:nvPr>
-        </p:nvSpPr>
-        <p:spPr>
-          <a:xfrm>
-            <a:off x="1857722" y="5090195"/>
-            <a:ext cx="2232249" cy="2714589"/>
-          </a:xfrm>
-        </p:spPr>
-        <p:txBody>
-          <a:bodyPr/>
-          <a:lstStyle/>
-          <a:p>
-            <a:pPr marL="444500" indent="0" algn="l"/>
-            <a:r>
-              <a:rPr lang="en-US" sz="1200" err="1"/>
-              <a:t>use_bpm</a:t>
-            </a:r>
-            <a:r>
-              <a:rPr lang="en-US" sz="1200"/>
-              <a:t> 600</a:t>
-            </a:r>
-          </a:p>
-          <a:p>
-            <a:pPr marL="444500" indent="0" algn="l"/>
-            <a:r>
-              <a:rPr lang="en-US" sz="1200"/>
-              <a:t>a = 30</a:t>
-            </a:r>
-          </a:p>
-          <a:p>
-            <a:pPr marL="444500" indent="0" algn="l"/>
-            <a:r>
-              <a:rPr lang="en-US" sz="1200"/>
-              <a:t>live_loop :start do  </a:t>
-            </a:r>
-          </a:p>
-          <a:p>
-            <a:pPr marL="444500" indent="0" algn="l"/>
-            <a:r>
-              <a:rPr lang="en-US" sz="1200"/>
-              <a:t>   if a &lt; 100    </a:t>
-            </a:r>
-          </a:p>
-          <a:p>
-            <a:pPr marL="444500" indent="0" algn="l"/>
-            <a:r>
-              <a:rPr lang="en-US" sz="1200"/>
-              <a:t>     a = a +1    </a:t>
-            </a:r>
-          </a:p>
-          <a:p>
-            <a:pPr marL="444500" indent="0" algn="l"/>
-            <a:r>
-              <a:rPr lang="en-US" sz="1200"/>
-              <a:t>     play a, amp: 4    </a:t>
-            </a:r>
-          </a:p>
-          <a:p>
-            <a:pPr marL="444500" indent="0" algn="l"/>
-            <a:r>
-              <a:rPr lang="en-US" sz="1200"/>
-              <a:t>     print a  </a:t>
-            </a:r>
-          </a:p>
-          <a:p>
-            <a:pPr marL="444500" indent="0" algn="l"/>
-            <a:r>
-              <a:rPr lang="en-US" sz="1200"/>
-              <a:t>   else    </a:t>
-            </a:r>
-          </a:p>
-          <a:p>
-            <a:pPr marL="444500" indent="0" algn="l"/>
-            <a:r>
-              <a:rPr lang="en-US" sz="1200"/>
-              <a:t>       a = 30  </a:t>
-            </a:r>
-          </a:p>
-          <a:p>
-            <a:pPr marL="444500" indent="0" algn="l"/>
-            <a:r>
-              <a:rPr lang="en-US" sz="1200"/>
-              <a:t>   end  </a:t>
-            </a:r>
-          </a:p>
-          <a:p>
-            <a:pPr marL="444500" indent="0" algn="l"/>
-            <a:r>
-              <a:rPr lang="en-US" sz="1200"/>
-              <a:t>   sleep 1</a:t>
-            </a:r>
-          </a:p>
-          <a:p>
-            <a:pPr marL="444500" indent="0" algn="l"/>
-            <a:r>
-              <a:rPr lang="en-US" sz="1200"/>
-              <a:t>end</a:t>
-            </a:r>
-          </a:p>
-        </p:txBody>
-      </p:sp>
-      <p:sp>
-        <p:nvSpPr>
-          <p:cNvPr id="2" name="TextBox 1"/>
-          <p:cNvSpPr txBox="1"/>
-          <p:nvPr/>
-        </p:nvSpPr>
-        <p:spPr>
-          <a:xfrm>
-            <a:off x="4028303" y="7117492"/>
-            <a:ext cx="184731" cy="369332"/>
+            <a:off x="1118280" y="1222628"/>
+            <a:ext cx="4608512" cy="523220"/>
           </a:xfrm>
           <a:prstGeom prst="rect">
             <a:avLst/>
@@ -11532,19 +12065,172 @@
           <a:noFill/>
         </p:spPr>
         <p:txBody>
-          <a:bodyPr wrap="none" rtlCol="0">
+          <a:bodyPr wrap="square" rtlCol="0">
             <a:spAutoFit/>
           </a:bodyPr>
           <a:lstStyle/>
           <a:p>
-            <a:endParaRPr lang="de-DE"/>
+            <a:r>
+              <a:rPr lang="de-DE" sz="2800" dirty="0" err="1">
+                <a:solidFill>
+                  <a:srgbClr val="FFC000"/>
+                </a:solidFill>
+              </a:rPr>
+              <a:t>use_bpm</a:t>
+            </a:r>
+            <a:r>
+              <a:rPr lang="de-DE" sz="2800" dirty="0">
+                <a:solidFill>
+                  <a:srgbClr val="FFC000"/>
+                </a:solidFill>
+              </a:rPr>
+              <a:t> 1200</a:t>
+            </a:r>
+          </a:p>
+        </p:txBody>
+      </p:sp>
+      <p:sp>
+        <p:nvSpPr>
+          <p:cNvPr id="20" name="TextBox 19">
+            <a:extLst>
+              <a:ext uri="{FF2B5EF4-FFF2-40B4-BE49-F238E27FC236}">
+                <a16:creationId xmlns:a16="http://schemas.microsoft.com/office/drawing/2014/main" id="{76197847-F8F0-234A-81BF-F382710DFB54}"/>
+              </a:ext>
+            </a:extLst>
+          </p:cNvPr>
+          <p:cNvSpPr txBox="1"/>
+          <p:nvPr/>
+        </p:nvSpPr>
+        <p:spPr>
+          <a:xfrm>
+            <a:off x="1327076" y="5540322"/>
+            <a:ext cx="4608512" cy="1815882"/>
+          </a:xfrm>
+          <a:prstGeom prst="rect">
+            <a:avLst/>
+          </a:prstGeom>
+          <a:noFill/>
+        </p:spPr>
+        <p:txBody>
+          <a:bodyPr wrap="square" rtlCol="0">
+            <a:spAutoFit/>
+          </a:bodyPr>
+          <a:lstStyle/>
+          <a:p>
+            <a:r>
+              <a:rPr lang="de-DE" sz="2800" dirty="0" err="1">
+                <a:solidFill>
+                  <a:srgbClr val="FFC000"/>
+                </a:solidFill>
+              </a:rPr>
+              <a:t>for</a:t>
+            </a:r>
+            <a:r>
+              <a:rPr lang="de-DE" sz="2800" dirty="0">
+                <a:solidFill>
+                  <a:srgbClr val="FFC000"/>
+                </a:solidFill>
+              </a:rPr>
+              <a:t> </a:t>
+            </a:r>
+            <a:r>
+              <a:rPr lang="de-DE" sz="2800" dirty="0" err="1">
+                <a:solidFill>
+                  <a:srgbClr val="FFC000"/>
+                </a:solidFill>
+              </a:rPr>
+              <a:t>meinton</a:t>
+            </a:r>
+            <a:r>
+              <a:rPr lang="de-DE" sz="2800" dirty="0">
+                <a:solidFill>
+                  <a:srgbClr val="FFC000"/>
+                </a:solidFill>
+              </a:rPr>
+              <a:t> in 55..70</a:t>
+            </a:r>
+          </a:p>
+          <a:p>
+            <a:r>
+              <a:rPr lang="de-DE" sz="2800" dirty="0">
+                <a:solidFill>
+                  <a:srgbClr val="FFC000"/>
+                </a:solidFill>
+              </a:rPr>
+              <a:t>       </a:t>
+            </a:r>
+            <a:r>
+              <a:rPr lang="de-DE" sz="2800" dirty="0" err="1">
+                <a:solidFill>
+                  <a:srgbClr val="FFC000"/>
+                </a:solidFill>
+              </a:rPr>
+              <a:t>play</a:t>
+            </a:r>
+            <a:r>
+              <a:rPr lang="de-DE" sz="2800" dirty="0">
+                <a:solidFill>
+                  <a:srgbClr val="FFC000"/>
+                </a:solidFill>
+              </a:rPr>
+              <a:t> </a:t>
+            </a:r>
+            <a:r>
+              <a:rPr lang="de-DE" sz="2800" dirty="0" err="1">
+                <a:solidFill>
+                  <a:srgbClr val="FFC000"/>
+                </a:solidFill>
+              </a:rPr>
+              <a:t>meinton</a:t>
+            </a:r>
+            <a:endParaRPr lang="de-DE" sz="2800" dirty="0">
+              <a:solidFill>
+                <a:srgbClr val="FFC000"/>
+              </a:solidFill>
+            </a:endParaRPr>
+          </a:p>
+          <a:p>
+            <a:r>
+              <a:rPr lang="de-DE" sz="2800" dirty="0">
+                <a:solidFill>
+                  <a:srgbClr val="FFC000"/>
+                </a:solidFill>
+              </a:rPr>
+              <a:t>       </a:t>
+            </a:r>
+            <a:r>
+              <a:rPr lang="de-DE" sz="2800" dirty="0" err="1">
+                <a:solidFill>
+                  <a:srgbClr val="FFC000"/>
+                </a:solidFill>
+              </a:rPr>
+              <a:t>sleep</a:t>
+            </a:r>
+            <a:r>
+              <a:rPr lang="de-DE" sz="2800" dirty="0">
+                <a:solidFill>
+                  <a:srgbClr val="FFC000"/>
+                </a:solidFill>
+              </a:rPr>
+              <a:t> 1</a:t>
+            </a:r>
+          </a:p>
+          <a:p>
+            <a:r>
+              <a:rPr lang="de-DE" sz="2800" dirty="0">
+                <a:solidFill>
+                  <a:srgbClr val="FFC000"/>
+                </a:solidFill>
+              </a:rPr>
+              <a:t> end</a:t>
+            </a:r>
           </a:p>
         </p:txBody>
       </p:sp>
     </p:spTree>
     <p:extLst>
       <p:ext uri="{BB962C8B-B14F-4D97-AF65-F5344CB8AC3E}">
-        <p14:creationId xmlns:p14="http://schemas.microsoft.com/office/powerpoint/2010/main" val="2016802546"/>
+        <p14:creationId xmlns:p14="http://schemas.microsoft.com/office/powerpoint/2010/main" val="2267955617"/>
       </p:ext>
     </p:extLst>
   </p:cSld>
@@ -11581,755 +12267,95 @@
             <p:ph type="body" sz="quarter" idx="15"/>
           </p:nvPr>
         </p:nvSpPr>
-        <p:spPr/>
-        <p:txBody>
-          <a:bodyPr/>
-          <a:lstStyle/>
-          <a:p>
-            <a:r>
-              <a:rPr lang="de-DE"/>
-              <a:t>So kann man Effekte verwenden</a:t>
-            </a:r>
-          </a:p>
-        </p:txBody>
-      </p:sp>
-      <p:sp>
-        <p:nvSpPr>
-          <p:cNvPr id="15" name="Text Placeholder 14"/>
-          <p:cNvSpPr>
-            <a:spLocks noGrp="1"/>
-          </p:cNvSpPr>
-          <p:nvPr>
-            <p:ph type="body" sz="quarter" idx="18"/>
-          </p:nvPr>
-        </p:nvSpPr>
         <p:spPr>
           <a:xfrm>
-            <a:off x="404664" y="3203848"/>
-            <a:ext cx="6453336" cy="1357295"/>
+            <a:off x="-6464" y="2675915"/>
+            <a:ext cx="6858000" cy="400110"/>
           </a:xfrm>
         </p:spPr>
         <p:txBody>
           <a:bodyPr/>
           <a:lstStyle/>
           <a:p>
-            <a:pPr marL="179388" indent="-173038">
-              <a:buFontTx/>
-              <a:buChar char="-"/>
-              <a:tabLst>
-                <a:tab pos="1081088" algn="l"/>
-                <a:tab pos="2152650" algn="l"/>
-                <a:tab pos="3233738" algn="l"/>
-                <a:tab pos="4303713" algn="l"/>
-                <a:tab pos="5386388" algn="l"/>
-              </a:tabLst>
-            </a:pPr>
-            <a:r>
-              <a:rPr lang="de-DE" sz="1050" b="0" err="1">
-                <a:solidFill>
-                  <a:schemeClr val="tx1"/>
-                </a:solidFill>
-                <a:latin typeface="DIN" charset="0"/>
-                <a:ea typeface="DIN" charset="0"/>
-                <a:cs typeface="DIN" charset="0"/>
-              </a:rPr>
-              <a:t>Fx</a:t>
-            </a:r>
-            <a:r>
-              <a:rPr lang="de-DE" sz="1050" b="0">
-                <a:solidFill>
-                  <a:schemeClr val="tx1"/>
-                </a:solidFill>
-                <a:latin typeface="DIN" charset="0"/>
-                <a:ea typeface="DIN" charset="0"/>
-                <a:cs typeface="DIN" charset="0"/>
-              </a:rPr>
-              <a:t> steht für „</a:t>
-            </a:r>
-            <a:r>
-              <a:rPr lang="de-DE" sz="1050" b="0" err="1">
-                <a:solidFill>
-                  <a:schemeClr val="tx1"/>
-                </a:solidFill>
-                <a:latin typeface="DIN" charset="0"/>
-                <a:ea typeface="DIN" charset="0"/>
-                <a:cs typeface="DIN" charset="0"/>
-              </a:rPr>
-              <a:t>Effects</a:t>
-            </a:r>
-            <a:r>
-              <a:rPr lang="de-DE" sz="1050" b="0">
-                <a:solidFill>
-                  <a:schemeClr val="tx1"/>
-                </a:solidFill>
-                <a:latin typeface="DIN" charset="0"/>
-                <a:ea typeface="DIN" charset="0"/>
-                <a:cs typeface="DIN" charset="0"/>
-              </a:rPr>
-              <a:t>“ = Effekte. Jeder Effekt kann auch „Parameter“ haben: </a:t>
-            </a:r>
-            <a:br>
-              <a:rPr lang="de-DE" sz="1050" b="0">
-                <a:solidFill>
-                  <a:schemeClr val="tx1"/>
-                </a:solidFill>
-                <a:latin typeface="DIN" charset="0"/>
-                <a:ea typeface="DIN" charset="0"/>
-                <a:cs typeface="DIN" charset="0"/>
-              </a:rPr>
-            </a:br>
-            <a:r>
-              <a:rPr lang="de-DE" sz="1050" b="0">
-                <a:solidFill>
-                  <a:schemeClr val="tx1"/>
-                </a:solidFill>
-                <a:latin typeface="DIN" charset="0"/>
-                <a:ea typeface="DIN" charset="0"/>
-                <a:cs typeface="DIN" charset="0"/>
-              </a:rPr>
-              <a:t>Hier die Größe des Raums für den Hall </a:t>
-            </a:r>
-            <a:r>
-              <a:rPr lang="de-DE" sz="1050" b="0">
-                <a:solidFill>
-                  <a:schemeClr val="tx1"/>
-                </a:solidFill>
-                <a:latin typeface="DIN" charset="0"/>
-                <a:ea typeface="DIN" charset="0"/>
-                <a:cs typeface="DIN" charset="0"/>
-                <a:sym typeface="Wingdings"/>
-              </a:rPr>
-              <a:t> </a:t>
-            </a:r>
-            <a:r>
-              <a:rPr lang="de-DE" sz="1050" b="0" err="1">
-                <a:solidFill>
-                  <a:schemeClr val="tx1"/>
-                </a:solidFill>
-                <a:latin typeface="DIN" charset="0"/>
-                <a:ea typeface="DIN" charset="0"/>
-                <a:cs typeface="DIN" charset="0"/>
-                <a:sym typeface="Wingdings"/>
-              </a:rPr>
-              <a:t>room</a:t>
-            </a:r>
-            <a:r>
-              <a:rPr lang="de-DE" sz="1050" b="0">
-                <a:solidFill>
-                  <a:schemeClr val="tx1"/>
-                </a:solidFill>
-                <a:latin typeface="DIN" charset="0"/>
-                <a:ea typeface="DIN" charset="0"/>
-                <a:cs typeface="DIN" charset="0"/>
-                <a:sym typeface="Wingdings"/>
-              </a:rPr>
-              <a:t>: 0.9</a:t>
-            </a:r>
-            <a:endParaRPr lang="de-DE" sz="1050" b="0">
+            <a:endParaRPr lang="de-DE" sz="2000">
               <a:solidFill>
-                <a:schemeClr val="tx1"/>
+                <a:srgbClr val="FF0000"/>
               </a:solidFill>
-              <a:latin typeface="DIN" charset="0"/>
-              <a:ea typeface="DIN" charset="0"/>
-              <a:cs typeface="DIN" charset="0"/>
             </a:endParaRPr>
           </a:p>
-          <a:p>
-            <a:pPr marL="179388" indent="-173038">
-              <a:buFontTx/>
-              <a:buChar char="-"/>
-              <a:tabLst>
-                <a:tab pos="1081088" algn="l"/>
-                <a:tab pos="2152650" algn="l"/>
-                <a:tab pos="3233738" algn="l"/>
-                <a:tab pos="4303713" algn="l"/>
-                <a:tab pos="5386388" algn="l"/>
-              </a:tabLst>
-            </a:pPr>
-            <a:r>
-              <a:rPr lang="de-DE" sz="1050" b="0">
-                <a:solidFill>
-                  <a:schemeClr val="tx1"/>
-                </a:solidFill>
-                <a:latin typeface="DIN" charset="0"/>
-                <a:ea typeface="DIN" charset="0"/>
-                <a:cs typeface="DIN" charset="0"/>
-              </a:rPr>
-              <a:t>Verwende eine andere Geschwindigkeit </a:t>
-            </a:r>
-          </a:p>
-          <a:p>
-            <a:pPr marL="179388" indent="-173038">
-              <a:buFontTx/>
-              <a:buChar char="-"/>
-              <a:tabLst>
-                <a:tab pos="1081088" algn="l"/>
-                <a:tab pos="2152650" algn="l"/>
-                <a:tab pos="3233738" algn="l"/>
-                <a:tab pos="4303713" algn="l"/>
-                <a:tab pos="5386388" algn="l"/>
-              </a:tabLst>
-            </a:pPr>
-            <a:r>
-              <a:rPr lang="de-DE" sz="1050" b="0">
-                <a:solidFill>
-                  <a:schemeClr val="tx1"/>
-                </a:solidFill>
-                <a:latin typeface="DIN" charset="0"/>
-                <a:ea typeface="DIN" charset="0"/>
-                <a:cs typeface="DIN" charset="0"/>
-              </a:rPr>
-              <a:t>Verwende </a:t>
-            </a:r>
-            <a:r>
-              <a:rPr lang="de-DE" sz="1050" b="0" err="1">
-                <a:solidFill>
-                  <a:schemeClr val="tx1"/>
-                </a:solidFill>
-                <a:latin typeface="DIN" charset="0"/>
-                <a:ea typeface="DIN" charset="0"/>
-                <a:cs typeface="DIN" charset="0"/>
-              </a:rPr>
-              <a:t>play</a:t>
-            </a:r>
-            <a:r>
-              <a:rPr lang="de-DE" sz="1050" b="0">
-                <a:solidFill>
-                  <a:schemeClr val="tx1"/>
-                </a:solidFill>
-                <a:latin typeface="DIN" charset="0"/>
-                <a:ea typeface="DIN" charset="0"/>
-                <a:cs typeface="DIN" charset="0"/>
-              </a:rPr>
-              <a:t> und </a:t>
-            </a:r>
-            <a:r>
-              <a:rPr lang="de-DE" sz="1050" b="0" err="1">
-                <a:solidFill>
-                  <a:schemeClr val="tx1"/>
-                </a:solidFill>
-                <a:latin typeface="DIN" charset="0"/>
-                <a:ea typeface="DIN" charset="0"/>
-                <a:cs typeface="DIN" charset="0"/>
-              </a:rPr>
-              <a:t>choose</a:t>
-            </a:r>
-            <a:r>
-              <a:rPr lang="de-DE" sz="1050" b="0">
-                <a:solidFill>
-                  <a:schemeClr val="tx1"/>
-                </a:solidFill>
-                <a:latin typeface="DIN" charset="0"/>
-                <a:ea typeface="DIN" charset="0"/>
-                <a:cs typeface="DIN" charset="0"/>
-              </a:rPr>
-              <a:t> (siehe Seite 9b)</a:t>
-            </a:r>
-          </a:p>
-          <a:p>
-            <a:pPr marL="179388" indent="-173038">
-              <a:buFontTx/>
-              <a:buChar char="-"/>
-              <a:tabLst>
-                <a:tab pos="1081088" algn="l"/>
-                <a:tab pos="2152650" algn="l"/>
-                <a:tab pos="3233738" algn="l"/>
-                <a:tab pos="4303713" algn="l"/>
-                <a:tab pos="5386388" algn="l"/>
-              </a:tabLst>
-            </a:pPr>
-            <a:r>
-              <a:rPr lang="de-DE" sz="1050" b="0">
-                <a:solidFill>
-                  <a:schemeClr val="tx1"/>
-                </a:solidFill>
-                <a:latin typeface="DIN" charset="0"/>
-                <a:ea typeface="DIN" charset="0"/>
-                <a:cs typeface="DIN" charset="0"/>
-              </a:rPr>
-              <a:t>Füge noch ein Effekt hinzu:</a:t>
-            </a:r>
-          </a:p>
-          <a:p>
-            <a:pPr marL="579467" lvl="2" indent="-173038">
-              <a:buFontTx/>
-              <a:buChar char="-"/>
-              <a:tabLst>
-                <a:tab pos="1081088" algn="l"/>
-                <a:tab pos="2152650" algn="l"/>
-                <a:tab pos="3233738" algn="l"/>
-                <a:tab pos="4303713" algn="l"/>
-                <a:tab pos="5386388" algn="l"/>
-              </a:tabLst>
-            </a:pPr>
-            <a:r>
-              <a:rPr lang="de-DE" sz="900" err="1">
-                <a:latin typeface="DIN" charset="0"/>
-                <a:ea typeface="DIN" charset="0"/>
-                <a:cs typeface="DIN" charset="0"/>
-              </a:rPr>
-              <a:t>with_fx</a:t>
-            </a:r>
-            <a:r>
-              <a:rPr lang="de-DE" sz="900">
-                <a:latin typeface="DIN" charset="0"/>
-                <a:ea typeface="DIN" charset="0"/>
-                <a:cs typeface="DIN" charset="0"/>
-              </a:rPr>
-              <a:t> :</a:t>
-            </a:r>
-            <a:r>
-              <a:rPr lang="de-DE" sz="900" err="1">
-                <a:latin typeface="DIN" charset="0"/>
-                <a:ea typeface="DIN" charset="0"/>
-                <a:cs typeface="DIN" charset="0"/>
-              </a:rPr>
-              <a:t>krush</a:t>
-            </a:r>
-            <a:r>
-              <a:rPr lang="de-DE" sz="900">
-                <a:latin typeface="DIN" charset="0"/>
-                <a:ea typeface="DIN" charset="0"/>
-                <a:cs typeface="DIN" charset="0"/>
-              </a:rPr>
-              <a:t> do</a:t>
-            </a:r>
-          </a:p>
-          <a:p>
-            <a:pPr marL="179388" lvl="1" indent="-173038">
-              <a:buFontTx/>
-              <a:buChar char="-"/>
-              <a:tabLst>
-                <a:tab pos="1081088" algn="l"/>
-                <a:tab pos="2152650" algn="l"/>
-                <a:tab pos="3233738" algn="l"/>
-                <a:tab pos="4303713" algn="l"/>
-                <a:tab pos="5386388" algn="l"/>
-              </a:tabLst>
-            </a:pPr>
-            <a:r>
-              <a:rPr lang="de-DE" sz="1050">
-                <a:latin typeface="DIN" charset="0"/>
-                <a:ea typeface="DIN" charset="0"/>
-                <a:cs typeface="DIN" charset="0"/>
-              </a:rPr>
-              <a:t>Probiere andere Effekte aus (siehe </a:t>
-            </a:r>
-            <a:r>
-              <a:rPr lang="de-DE" sz="1050" err="1">
-                <a:latin typeface="DIN" charset="0"/>
-                <a:ea typeface="DIN" charset="0"/>
-                <a:cs typeface="DIN" charset="0"/>
-              </a:rPr>
-              <a:t>Fx</a:t>
-            </a:r>
-            <a:r>
-              <a:rPr lang="de-DE" sz="1050">
-                <a:latin typeface="DIN" charset="0"/>
-                <a:ea typeface="DIN" charset="0"/>
-                <a:cs typeface="DIN" charset="0"/>
-              </a:rPr>
-              <a:t> im Spickzettel)</a:t>
-            </a:r>
-          </a:p>
-        </p:txBody>
-      </p:sp>
-      <p:sp>
-        <p:nvSpPr>
-          <p:cNvPr id="16" name="Text Placeholder 15"/>
-          <p:cNvSpPr>
-            <a:spLocks noGrp="1"/>
-          </p:cNvSpPr>
-          <p:nvPr>
-            <p:ph type="body" sz="quarter" idx="17"/>
+        </p:txBody>
+      </p:sp>
+      <p:sp>
+        <p:nvSpPr>
+          <p:cNvPr id="15" name="Text Placeholder 14"/>
+          <p:cNvSpPr>
+            <a:spLocks noGrp="1"/>
+          </p:cNvSpPr>
+          <p:nvPr>
+            <p:ph type="body" sz="quarter" idx="18"/>
           </p:nvPr>
         </p:nvSpPr>
         <p:spPr>
           <a:xfrm>
-            <a:off x="404664" y="289930"/>
-            <a:ext cx="6048672" cy="2677656"/>
+            <a:off x="375380" y="3179894"/>
+            <a:ext cx="6453336" cy="1034129"/>
           </a:xfrm>
         </p:spPr>
         <p:txBody>
           <a:bodyPr/>
           <a:lstStyle/>
           <a:p>
-            <a:pPr algn="l"/>
-            <a:r>
-              <a:rPr lang="de-DE" sz="2000" noProof="1"/>
-              <a:t>Effekte</a:t>
-            </a:r>
-          </a:p>
-          <a:p>
-            <a:pPr algn="l"/>
-            <a:endParaRPr lang="en-US" sz="2000"/>
-          </a:p>
-          <a:p>
-            <a:pPr algn="l"/>
-            <a:r>
-              <a:rPr lang="en-US" sz="2000"/>
-              <a:t>live_loop :</a:t>
-            </a:r>
-            <a:r>
-              <a:rPr lang="en-US" sz="2000" err="1"/>
-              <a:t>mitHall</a:t>
-            </a:r>
-            <a:r>
-              <a:rPr lang="en-US" sz="2000"/>
-              <a:t> do</a:t>
-            </a:r>
-          </a:p>
-          <a:p>
-            <a:pPr algn="l"/>
-            <a:r>
-              <a:rPr lang="en-US" sz="2000"/>
-              <a:t>  </a:t>
-            </a:r>
-            <a:r>
-              <a:rPr lang="en-US" sz="2000" err="1"/>
-              <a:t>with_fx</a:t>
-            </a:r>
-            <a:r>
-              <a:rPr lang="en-US" sz="2000"/>
-              <a:t> :reverb, room: 0.9 do</a:t>
-            </a:r>
-          </a:p>
-          <a:p>
-            <a:pPr algn="l"/>
-            <a:r>
-              <a:rPr lang="en-US" sz="2000"/>
-              <a:t>    </a:t>
-            </a:r>
-            <a:r>
-              <a:rPr lang="en-US" sz="2000" err="1"/>
-              <a:t>play_pattern</a:t>
-            </a:r>
-            <a:r>
-              <a:rPr lang="en-US" sz="2000"/>
-              <a:t> (scale :e4, :minor)</a:t>
-            </a:r>
-          </a:p>
-          <a:p>
-            <a:pPr algn="l"/>
-            <a:r>
-              <a:rPr lang="en-US" sz="2000"/>
-              <a:t>  end</a:t>
-            </a:r>
-          </a:p>
-          <a:p>
-            <a:pPr algn="l"/>
-            <a:r>
-              <a:rPr lang="en-US" sz="2000"/>
-              <a:t>end</a:t>
-            </a:r>
-            <a:endParaRPr lang="de-DE" sz="2000"/>
-          </a:p>
-        </p:txBody>
-      </p:sp>
-      <p:sp>
-        <p:nvSpPr>
-          <p:cNvPr id="10" name="Text Placeholder 9"/>
+            <a:r>
+              <a:rPr lang="de-DE"/>
+              <a:t>75..  , 80..</a:t>
+            </a:r>
+          </a:p>
+          <a:p>
+            <a:endParaRPr lang="de-DE"/>
+          </a:p>
+          <a:p>
+            <a:r>
+              <a:rPr lang="de-DE"/>
+              <a:t>Lass es schneller laufen... Wie hört sich das an?</a:t>
+            </a:r>
+          </a:p>
+        </p:txBody>
+      </p:sp>
+      <p:sp>
+        <p:nvSpPr>
+          <p:cNvPr id="12" name="Text Placeholder 11"/>
           <p:cNvSpPr>
             <a:spLocks noGrp="1"/>
           </p:cNvSpPr>
           <p:nvPr>
             <p:ph type="body" sz="quarter" idx="20"/>
           </p:nvPr>
+        </p:nvSpPr>
+        <p:spPr/>
+        <p:txBody>
+          <a:bodyPr/>
+          <a:lstStyle/>
+          <a:p>
+            <a:endParaRPr lang="de-DE"/>
+          </a:p>
+        </p:txBody>
+      </p:sp>
+      <p:sp>
+        <p:nvSpPr>
+          <p:cNvPr id="8" name="TextBox 7">
+            <a:extLst>
+              <a:ext uri="{FF2B5EF4-FFF2-40B4-BE49-F238E27FC236}">
+                <a16:creationId xmlns:a16="http://schemas.microsoft.com/office/drawing/2014/main" id="{EBAEDBA0-C1F3-1748-8A13-6EC631AC3850}"/>
+              </a:ext>
+            </a:extLst>
+          </p:cNvPr>
+          <p:cNvSpPr txBox="1"/>
+          <p:nvPr/>
         </p:nvSpPr>
         <p:spPr>
           <a:xfrm>
-            <a:off x="0" y="7956376"/>
-            <a:ext cx="6858000" cy="261610"/>
-          </a:xfrm>
-        </p:spPr>
-        <p:txBody>
-          <a:bodyPr/>
-          <a:lstStyle/>
-          <a:p>
-            <a:endParaRPr lang="de-DE"/>
-          </a:p>
-        </p:txBody>
-      </p:sp>
-      <p:sp>
-        <p:nvSpPr>
-          <p:cNvPr id="9" name="Text Placeholder 8"/>
-          <p:cNvSpPr>
-            <a:spLocks noGrp="1"/>
-          </p:cNvSpPr>
-          <p:nvPr>
-            <p:ph type="body" sz="quarter" idx="19"/>
-          </p:nvPr>
-        </p:nvSpPr>
-        <p:spPr>
-          <a:xfrm>
-            <a:off x="404664" y="8316416"/>
-            <a:ext cx="6453336" cy="835613"/>
-          </a:xfrm>
-        </p:spPr>
-        <p:txBody>
-          <a:bodyPr/>
-          <a:lstStyle/>
-          <a:p>
-            <a:r>
-              <a:rPr lang="de-DE" sz="1050"/>
-              <a:t>Probiere </a:t>
-            </a:r>
-            <a:r>
-              <a:rPr lang="de-DE" sz="1050" err="1">
-                <a:solidFill>
-                  <a:schemeClr val="accent6"/>
-                </a:solidFill>
-              </a:rPr>
-              <a:t>sleep</a:t>
-            </a:r>
-            <a:r>
-              <a:rPr lang="de-DE" sz="1050">
-                <a:solidFill>
-                  <a:schemeClr val="accent6"/>
-                </a:solidFill>
-              </a:rPr>
-              <a:t> </a:t>
-            </a:r>
-            <a:r>
-              <a:rPr lang="de-DE" sz="1050" err="1">
-                <a:solidFill>
-                  <a:schemeClr val="accent6"/>
-                </a:solidFill>
-              </a:rPr>
-              <a:t>sample_duration</a:t>
-            </a:r>
-            <a:r>
-              <a:rPr lang="de-DE" sz="1050">
-                <a:solidFill>
-                  <a:schemeClr val="accent6"/>
-                </a:solidFill>
-              </a:rPr>
-              <a:t>(:</a:t>
-            </a:r>
-            <a:r>
-              <a:rPr lang="de-DE" sz="1050" err="1">
-                <a:solidFill>
-                  <a:schemeClr val="accent6"/>
-                </a:solidFill>
-              </a:rPr>
-              <a:t>loop_amen</a:t>
-            </a:r>
-            <a:r>
-              <a:rPr lang="de-DE" sz="1050">
-                <a:solidFill>
-                  <a:schemeClr val="accent6"/>
-                </a:solidFill>
-              </a:rPr>
-              <a:t>) </a:t>
-            </a:r>
-            <a:r>
-              <a:rPr lang="de-DE" sz="1050"/>
-              <a:t>aus! Was passiert und warum?</a:t>
-            </a:r>
-          </a:p>
-          <a:p>
-            <a:r>
-              <a:rPr lang="de-DE" sz="1050"/>
-              <a:t>Füge folgendes hinter dem Sample-Befehl ein:       </a:t>
-            </a:r>
-            <a:r>
-              <a:rPr lang="en-US" sz="1050">
-                <a:solidFill>
-                  <a:schemeClr val="accent6"/>
-                </a:solidFill>
-              </a:rPr>
-              <a:t>, rate: 2</a:t>
-            </a:r>
-            <a:r>
-              <a:rPr lang="en-US" sz="1050"/>
-              <a:t>      Was </a:t>
-            </a:r>
-            <a:r>
-              <a:rPr lang="en-US" sz="1050" err="1"/>
-              <a:t>macht</a:t>
-            </a:r>
-            <a:r>
-              <a:rPr lang="en-US" sz="1050"/>
-              <a:t> die Rate? Was </a:t>
-            </a:r>
-            <a:r>
-              <a:rPr lang="en-US" sz="1050" err="1"/>
-              <a:t>passiert</a:t>
-            </a:r>
-            <a:r>
-              <a:rPr lang="en-US" sz="1050"/>
-              <a:t> </a:t>
-            </a:r>
-            <a:r>
-              <a:rPr lang="en-US" sz="1050" err="1"/>
-              <a:t>mit</a:t>
-            </a:r>
-            <a:r>
-              <a:rPr lang="en-US" sz="1050"/>
-              <a:t> der Pause? </a:t>
-            </a:r>
-          </a:p>
-          <a:p>
-            <a:r>
-              <a:rPr lang="en-US" sz="1050" err="1"/>
-              <a:t>Wie</a:t>
-            </a:r>
-            <a:r>
-              <a:rPr lang="en-US" sz="1050"/>
-              <a:t> </a:t>
-            </a:r>
-            <a:r>
-              <a:rPr lang="en-US" sz="1050" err="1"/>
-              <a:t>müssen</a:t>
-            </a:r>
-            <a:r>
-              <a:rPr lang="en-US" sz="1050"/>
-              <a:t> </a:t>
-            </a:r>
-            <a:r>
-              <a:rPr lang="en-US" sz="1050" err="1"/>
-              <a:t>wir</a:t>
-            </a:r>
-            <a:r>
-              <a:rPr lang="en-US" sz="1050"/>
-              <a:t> die Pause </a:t>
-            </a:r>
-            <a:r>
-              <a:rPr lang="en-US" sz="1050" err="1"/>
-              <a:t>korrigieren</a:t>
-            </a:r>
-            <a:r>
-              <a:rPr lang="en-US" sz="1050"/>
-              <a:t>?</a:t>
-            </a:r>
-          </a:p>
-          <a:p>
-            <a:r>
-              <a:rPr lang="en-US" sz="1050" err="1"/>
-              <a:t>Zum</a:t>
-            </a:r>
-            <a:r>
-              <a:rPr lang="en-US" sz="1050"/>
-              <a:t> </a:t>
-            </a:r>
-            <a:r>
-              <a:rPr lang="en-US" sz="1050" err="1"/>
-              <a:t>Spaß</a:t>
-            </a:r>
-            <a:r>
-              <a:rPr lang="en-US" sz="1050"/>
-              <a:t>: </a:t>
-            </a:r>
-            <a:r>
-              <a:rPr lang="en-US" sz="1050" err="1"/>
-              <a:t>Versuche</a:t>
-            </a:r>
-            <a:r>
-              <a:rPr lang="en-US" sz="1050"/>
-              <a:t> mal </a:t>
-            </a:r>
-            <a:r>
-              <a:rPr lang="en-US" sz="1050" err="1"/>
-              <a:t>eine</a:t>
-            </a:r>
-            <a:r>
-              <a:rPr lang="en-US" sz="1050"/>
-              <a:t>           </a:t>
-            </a:r>
-            <a:r>
-              <a:rPr lang="en-US" sz="1050">
-                <a:solidFill>
-                  <a:schemeClr val="accent6"/>
-                </a:solidFill>
-              </a:rPr>
-              <a:t>rate:-1</a:t>
-            </a:r>
-            <a:endParaRPr lang="de-DE" sz="1050">
-              <a:solidFill>
-                <a:schemeClr val="accent6"/>
-              </a:solidFill>
-            </a:endParaRPr>
-          </a:p>
-        </p:txBody>
-      </p:sp>
-      <p:sp>
-        <p:nvSpPr>
-          <p:cNvPr id="11" name="Text Placeholder 15"/>
-          <p:cNvSpPr>
-            <a:spLocks noGrp="1"/>
-          </p:cNvSpPr>
-          <p:nvPr>
-            <p:ph type="body" sz="quarter" idx="17"/>
-          </p:nvPr>
-        </p:nvSpPr>
-        <p:spPr>
-          <a:xfrm>
-            <a:off x="764704" y="5350211"/>
-            <a:ext cx="2736304" cy="1877437"/>
-          </a:xfrm>
-        </p:spPr>
-        <p:txBody>
-          <a:bodyPr>
-            <a:noAutofit/>
-          </a:bodyPr>
-          <a:lstStyle/>
-          <a:p>
-            <a:pPr marL="6350" indent="0" algn="l"/>
-            <a:r>
-              <a:rPr lang="en-US" sz="2000"/>
-              <a:t>live_loop :</a:t>
-            </a:r>
-            <a:r>
-              <a:rPr lang="en-US" sz="2000" err="1"/>
-              <a:t>endlos</a:t>
-            </a:r>
-            <a:r>
-              <a:rPr lang="en-US" sz="2000"/>
-              <a:t> do  </a:t>
-            </a:r>
-          </a:p>
-          <a:p>
-            <a:pPr marL="6350" indent="0" algn="l"/>
-            <a:r>
-              <a:rPr lang="en-US" sz="2000"/>
-              <a:t>   sample :</a:t>
-            </a:r>
-            <a:r>
-              <a:rPr lang="en-US" sz="2000" err="1"/>
-              <a:t>loop_amen</a:t>
-            </a:r>
-            <a:r>
-              <a:rPr lang="en-US" sz="2000"/>
-              <a:t>  </a:t>
-            </a:r>
-          </a:p>
-          <a:p>
-            <a:pPr marL="6350" indent="0" algn="l"/>
-            <a:r>
-              <a:rPr lang="en-US" sz="2000"/>
-              <a:t>   sleep 4</a:t>
-            </a:r>
-          </a:p>
-          <a:p>
-            <a:pPr marL="6350" indent="0" algn="l"/>
-            <a:r>
-              <a:rPr lang="en-US" sz="2000"/>
-              <a:t>end</a:t>
-            </a:r>
-            <a:endParaRPr lang="de-DE" sz="2000"/>
-          </a:p>
-        </p:txBody>
-      </p:sp>
-      <p:sp>
-        <p:nvSpPr>
-          <p:cNvPr id="2" name="TextBox 1"/>
-          <p:cNvSpPr txBox="1"/>
-          <p:nvPr/>
-        </p:nvSpPr>
-        <p:spPr>
-          <a:xfrm>
-            <a:off x="2545984" y="6383498"/>
-            <a:ext cx="3907352" cy="923330"/>
+            <a:off x="1327076" y="198314"/>
+            <a:ext cx="4608512" cy="2677656"/>
           </a:xfrm>
           <a:prstGeom prst="rect">
             <a:avLst/>
@@ -12337,64 +12363,173 @@
           <a:noFill/>
         </p:spPr>
         <p:txBody>
-          <a:bodyPr wrap="none" rtlCol="0">
-            <a:spAutoFit/>
-          </a:bodyPr>
-          <a:lstStyle/>
-          <a:p>
-            <a:r>
-              <a:rPr lang="de-DE"/>
-              <a:t>Das Schlagzeug soll durchgängig spielen</a:t>
-            </a:r>
-            <a:br>
-              <a:rPr lang="de-DE"/>
-            </a:br>
-            <a:r>
-              <a:rPr lang="de-DE"/>
-              <a:t>aber die Pause ist zu lang. Versuche die </a:t>
-            </a:r>
-          </a:p>
-          <a:p>
-            <a:r>
-              <a:rPr lang="de-DE"/>
-              <a:t>richtige Länge herauszufinden.</a:t>
-            </a:r>
-          </a:p>
-        </p:txBody>
-      </p:sp>
-      <p:sp>
-        <p:nvSpPr>
-          <p:cNvPr id="3" name="TextBox 2"/>
-          <p:cNvSpPr txBox="1"/>
-          <p:nvPr/>
-        </p:nvSpPr>
-        <p:spPr>
-          <a:xfrm>
-            <a:off x="1988840" y="4841359"/>
-            <a:ext cx="2448272" cy="369332"/>
-          </a:xfrm>
-          <a:prstGeom prst="rect">
-            <a:avLst/>
-          </a:prstGeom>
-          <a:noFill/>
-        </p:spPr>
-        <p:txBody>
           <a:bodyPr wrap="square" rtlCol="0">
             <a:spAutoFit/>
           </a:bodyPr>
           <a:lstStyle/>
           <a:p>
             <a:r>
-              <a:rPr lang="de-DE" noProof="1"/>
-              <a:t>Sample-Dauer</a:t>
-            </a:r>
+              <a:rPr lang="de-DE" sz="2800" dirty="0" err="1">
+                <a:solidFill>
+                  <a:srgbClr val="FFC000"/>
+                </a:solidFill>
+              </a:rPr>
+              <a:t>for</a:t>
+            </a:r>
+            <a:r>
+              <a:rPr lang="de-DE" sz="2800" dirty="0">
+                <a:solidFill>
+                  <a:srgbClr val="FFC000"/>
+                </a:solidFill>
+              </a:rPr>
+              <a:t> </a:t>
+            </a:r>
+            <a:r>
+              <a:rPr lang="de-DE" sz="2800" dirty="0" err="1">
+                <a:solidFill>
+                  <a:srgbClr val="FFC000"/>
+                </a:solidFill>
+              </a:rPr>
+              <a:t>meinton</a:t>
+            </a:r>
+            <a:r>
+              <a:rPr lang="de-DE" sz="2800" dirty="0">
+                <a:solidFill>
+                  <a:srgbClr val="FFC000"/>
+                </a:solidFill>
+              </a:rPr>
+              <a:t> in 60..75</a:t>
+            </a:r>
+          </a:p>
+          <a:p>
+            <a:r>
+              <a:rPr lang="de-DE" sz="2800" dirty="0">
+                <a:solidFill>
+                  <a:srgbClr val="FFC000"/>
+                </a:solidFill>
+              </a:rPr>
+              <a:t>...</a:t>
+            </a:r>
+          </a:p>
+          <a:p>
+            <a:r>
+              <a:rPr lang="de-DE" sz="2800" dirty="0" err="1">
+                <a:solidFill>
+                  <a:srgbClr val="FFC000"/>
+                </a:solidFill>
+              </a:rPr>
+              <a:t>for</a:t>
+            </a:r>
+            <a:r>
+              <a:rPr lang="de-DE" sz="2800" dirty="0">
+                <a:solidFill>
+                  <a:srgbClr val="FFC000"/>
+                </a:solidFill>
+              </a:rPr>
+              <a:t> </a:t>
+            </a:r>
+            <a:r>
+              <a:rPr lang="de-DE" sz="2800" dirty="0" err="1">
+                <a:solidFill>
+                  <a:srgbClr val="FFC000"/>
+                </a:solidFill>
+              </a:rPr>
+              <a:t>meinton</a:t>
+            </a:r>
+            <a:r>
+              <a:rPr lang="de-DE" sz="2800" dirty="0">
+                <a:solidFill>
+                  <a:srgbClr val="FFC000"/>
+                </a:solidFill>
+              </a:rPr>
+              <a:t> in 65..80</a:t>
+            </a:r>
+          </a:p>
+          <a:p>
+            <a:r>
+              <a:rPr lang="de-DE" sz="2800" dirty="0">
+                <a:solidFill>
+                  <a:srgbClr val="FFC000"/>
+                </a:solidFill>
+              </a:rPr>
+              <a:t>...</a:t>
+            </a:r>
+          </a:p>
+          <a:p>
+            <a:r>
+              <a:rPr lang="de-DE" sz="2800" dirty="0" err="1">
+                <a:solidFill>
+                  <a:srgbClr val="FFC000"/>
+                </a:solidFill>
+              </a:rPr>
+              <a:t>for</a:t>
+            </a:r>
+            <a:r>
+              <a:rPr lang="de-DE" sz="2800" dirty="0">
+                <a:solidFill>
+                  <a:srgbClr val="FFC000"/>
+                </a:solidFill>
+              </a:rPr>
+              <a:t> </a:t>
+            </a:r>
+            <a:r>
+              <a:rPr lang="de-DE" sz="2800" dirty="0" err="1">
+                <a:solidFill>
+                  <a:srgbClr val="FFC000"/>
+                </a:solidFill>
+              </a:rPr>
+              <a:t>meinton</a:t>
+            </a:r>
+            <a:r>
+              <a:rPr lang="de-DE" sz="2800" dirty="0">
+                <a:solidFill>
+                  <a:srgbClr val="FFC000"/>
+                </a:solidFill>
+              </a:rPr>
+              <a:t> in 70..85</a:t>
+            </a:r>
+          </a:p>
+          <a:p>
+            <a:r>
+              <a:rPr lang="de-DE" sz="2800" dirty="0">
+                <a:solidFill>
+                  <a:srgbClr val="FFC000"/>
+                </a:solidFill>
+              </a:rPr>
+              <a:t>...</a:t>
+            </a:r>
+          </a:p>
+        </p:txBody>
+      </p:sp>
+      <p:sp>
+        <p:nvSpPr>
+          <p:cNvPr id="3" name="Text Placeholder 2">
+            <a:extLst>
+              <a:ext uri="{FF2B5EF4-FFF2-40B4-BE49-F238E27FC236}">
+                <a16:creationId xmlns:a16="http://schemas.microsoft.com/office/drawing/2014/main" id="{95F55CC8-825D-BD44-B3F0-8A4FE0A1CA0A}"/>
+              </a:ext>
+            </a:extLst>
+          </p:cNvPr>
+          <p:cNvSpPr>
+            <a:spLocks noGrp="1"/>
+          </p:cNvSpPr>
+          <p:nvPr>
+            <p:ph type="body" sz="quarter" idx="19"/>
+          </p:nvPr>
+        </p:nvSpPr>
+        <p:spPr/>
+        <p:txBody>
+          <a:bodyPr/>
+          <a:lstStyle/>
+          <a:p>
+            <a:endParaRPr lang="de-DE"/>
           </a:p>
         </p:txBody>
       </p:sp>
     </p:spTree>
     <p:extLst>
       <p:ext uri="{BB962C8B-B14F-4D97-AF65-F5344CB8AC3E}">
-        <p14:creationId xmlns:p14="http://schemas.microsoft.com/office/powerpoint/2010/main" val="174545010"/>
+        <p14:creationId xmlns:p14="http://schemas.microsoft.com/office/powerpoint/2010/main" val="2679001235"/>
       </p:ext>
     </p:extLst>
   </p:cSld>
